--- a/REST API Security.pptx
+++ b/REST API Security.pptx
@@ -1,24 +1,22 @@
 
 <file path=ppt/presentation.xml><?xml version="1.0" encoding="utf-8"?>
-<p:presentation xmlns:p="http://schemas.openxmlformats.org/presentationml/2006/main" xmlns:p14="http://schemas.microsoft.com/office/powerpoint/2010/main" xmlns:r="http://schemas.openxmlformats.org/officeDocument/2006/relationships" xmlns:a="http://schemas.openxmlformats.org/drawingml/2006/main">
+<p:presentation xmlns:a="http://schemas.openxmlformats.org/drawingml/2006/main" xmlns:r="http://schemas.openxmlformats.org/officeDocument/2006/relationships" xmlns:p="http://schemas.openxmlformats.org/presentationml/2006/main">
   <p:sldMasterIdLst>
-    <p:sldMasterId id="2147483648" r:id="rId5"/>
+    <p:sldMasterId id="2147483648" r:id="rId1"/>
   </p:sldMasterIdLst>
   <p:sldIdLst>
-    <p:sldId id="256" r:id="rId6"/>
-    <p:sldId id="257" r:id="rId7"/>
-    <p:sldId id="266" r:id="rId8"/>
-    <p:sldId id="259" r:id="rId9"/>
-    <p:sldId id="260" r:id="rId10"/>
-    <p:sldId id="261" r:id="rId11"/>
-    <p:sldId id="258" r:id="rId12"/>
-    <p:sldId id="262" r:id="rId13"/>
-    <p:sldId id="267" r:id="rId14"/>
-    <p:sldId id="263" r:id="rId15"/>
-    <p:sldId id="264" r:id="rId16"/>
-    <p:sldId id="265" r:id="rId17"/>
+    <p:sldId id="256" r:id="rId2"/>
+    <p:sldId id="257" r:id="rId3"/>
+    <p:sldId id="266" r:id="rId4"/>
+    <p:sldId id="258" r:id="rId5"/>
+    <p:sldId id="262" r:id="rId6"/>
+    <p:sldId id="267" r:id="rId7"/>
+    <p:sldId id="263" r:id="rId8"/>
+    <p:sldId id="264" r:id="rId9"/>
+    <p:sldId id="265" r:id="rId10"/>
+    <p:sldId id="268" r:id="rId11"/>
   </p:sldIdLst>
-  <p:sldSz cx="9144000" cy="6858000"/>
+  <p:sldSz cx="9144000" cy="6858000" type="screen4x3"/>
   <p:notesSz cx="6858000" cy="9144000"/>
   <p:defaultTextStyle>
     <a:lvl1pPr marL="0" marR="0" indent="0" algn="l" defTabSz="914400">
@@ -33,12 +31,11 @@
       </a:spcAft>
       <a:buNone/>
       <a:tabLst/>
-      <a:defRPr lang="en-us" sz="1800" b="0" i="0" u="none" strike="noStrike" kern="1" spc="0" baseline="0">
+      <a:defRPr lang="en-US" sz="1800" b="0" i="0" u="none" strike="noStrike" kern="1" spc="0" baseline="0">
         <a:solidFill>
           <a:schemeClr val="tx1"/>
         </a:solidFill>
         <a:effectLst/>
-        <a:txBgFill val="auto"/>
         <a:latin typeface="Calibri" pitchFamily="2" charset="0"/>
         <a:ea typeface="Calibri" pitchFamily="2" charset="0"/>
         <a:cs typeface="Calibri" pitchFamily="2" charset="0"/>
@@ -56,12 +53,11 @@
       </a:spcAft>
       <a:buNone/>
       <a:tabLst/>
-      <a:defRPr lang="en-us" sz="1800" b="0" i="0" u="none" strike="noStrike" kern="1" spc="0" baseline="0">
+      <a:defRPr lang="en-US" sz="1800" b="0" i="0" u="none" strike="noStrike" kern="1" spc="0" baseline="0">
         <a:solidFill>
           <a:schemeClr val="tx1"/>
         </a:solidFill>
         <a:effectLst/>
-        <a:txBgFill val="auto"/>
         <a:latin typeface="Calibri" pitchFamily="2" charset="0"/>
         <a:ea typeface="Calibri" pitchFamily="2" charset="0"/>
         <a:cs typeface="Calibri" pitchFamily="2" charset="0"/>
@@ -79,12 +75,11 @@
       </a:spcAft>
       <a:buNone/>
       <a:tabLst/>
-      <a:defRPr lang="en-us" sz="1800" b="0" i="0" u="none" strike="noStrike" kern="1" spc="0" baseline="0">
+      <a:defRPr lang="en-US" sz="1800" b="0" i="0" u="none" strike="noStrike" kern="1" spc="0" baseline="0">
         <a:solidFill>
           <a:schemeClr val="tx1"/>
         </a:solidFill>
         <a:effectLst/>
-        <a:txBgFill val="auto"/>
         <a:latin typeface="Calibri" pitchFamily="2" charset="0"/>
         <a:ea typeface="Calibri" pitchFamily="2" charset="0"/>
         <a:cs typeface="Calibri" pitchFamily="2" charset="0"/>
@@ -102,12 +97,11 @@
       </a:spcAft>
       <a:buNone/>
       <a:tabLst/>
-      <a:defRPr lang="en-us" sz="1800" b="0" i="0" u="none" strike="noStrike" kern="1" spc="0" baseline="0">
+      <a:defRPr lang="en-US" sz="1800" b="0" i="0" u="none" strike="noStrike" kern="1" spc="0" baseline="0">
         <a:solidFill>
           <a:schemeClr val="tx1"/>
         </a:solidFill>
         <a:effectLst/>
-        <a:txBgFill val="auto"/>
         <a:latin typeface="Calibri" pitchFamily="2" charset="0"/>
         <a:ea typeface="Calibri" pitchFamily="2" charset="0"/>
         <a:cs typeface="Calibri" pitchFamily="2" charset="0"/>
@@ -125,12 +119,11 @@
       </a:spcAft>
       <a:buNone/>
       <a:tabLst/>
-      <a:defRPr lang="en-us" sz="1800" b="0" i="0" u="none" strike="noStrike" kern="1" spc="0" baseline="0">
+      <a:defRPr lang="en-US" sz="1800" b="0" i="0" u="none" strike="noStrike" kern="1" spc="0" baseline="0">
         <a:solidFill>
           <a:schemeClr val="tx1"/>
         </a:solidFill>
         <a:effectLst/>
-        <a:txBgFill val="auto"/>
         <a:latin typeface="Calibri" pitchFamily="2" charset="0"/>
         <a:ea typeface="Calibri" pitchFamily="2" charset="0"/>
         <a:cs typeface="Calibri" pitchFamily="2" charset="0"/>
@@ -148,12 +141,11 @@
       </a:spcAft>
       <a:buNone/>
       <a:tabLst/>
-      <a:defRPr lang="en-us" sz="1800" b="0" i="0" u="none" strike="noStrike" kern="1" spc="0" baseline="0">
+      <a:defRPr lang="en-US" sz="1800" b="0" i="0" u="none" strike="noStrike" kern="1" spc="0" baseline="0">
         <a:solidFill>
           <a:schemeClr val="tx1"/>
         </a:solidFill>
         <a:effectLst/>
-        <a:txBgFill val="auto"/>
         <a:latin typeface="Calibri" pitchFamily="2" charset="0"/>
         <a:ea typeface="Calibri" pitchFamily="2" charset="0"/>
         <a:cs typeface="Calibri" pitchFamily="2" charset="0"/>
@@ -171,12 +163,11 @@
       </a:spcAft>
       <a:buNone/>
       <a:tabLst/>
-      <a:defRPr lang="en-us" sz="1800" b="0" i="0" u="none" strike="noStrike" kern="1" spc="0" baseline="0">
+      <a:defRPr lang="en-US" sz="1800" b="0" i="0" u="none" strike="noStrike" kern="1" spc="0" baseline="0">
         <a:solidFill>
           <a:schemeClr val="tx1"/>
         </a:solidFill>
         <a:effectLst/>
-        <a:txBgFill val="auto"/>
         <a:latin typeface="Calibri" pitchFamily="2" charset="0"/>
         <a:ea typeface="Calibri" pitchFamily="2" charset="0"/>
         <a:cs typeface="Calibri" pitchFamily="2" charset="0"/>
@@ -194,12 +185,11 @@
       </a:spcAft>
       <a:buNone/>
       <a:tabLst/>
-      <a:defRPr lang="en-us" sz="1800" b="0" i="0" u="none" strike="noStrike" kern="1" spc="0" baseline="0">
+      <a:defRPr lang="en-US" sz="1800" b="0" i="0" u="none" strike="noStrike" kern="1" spc="0" baseline="0">
         <a:solidFill>
           <a:schemeClr val="tx1"/>
         </a:solidFill>
         <a:effectLst/>
-        <a:txBgFill val="auto"/>
         <a:latin typeface="Calibri" pitchFamily="2" charset="0"/>
         <a:ea typeface="Calibri" pitchFamily="2" charset="0"/>
         <a:cs typeface="Calibri" pitchFamily="2" charset="0"/>
@@ -217,12 +207,11 @@
       </a:spcAft>
       <a:buNone/>
       <a:tabLst/>
-      <a:defRPr lang="en-us" sz="1800" b="0" i="0" u="none" strike="noStrike" kern="1" spc="0" baseline="0">
+      <a:defRPr lang="en-US" sz="1800" b="0" i="0" u="none" strike="noStrike" kern="1" spc="0" baseline="0">
         <a:solidFill>
           <a:schemeClr val="tx1"/>
         </a:solidFill>
         <a:effectLst/>
-        <a:txBgFill val="auto"/>
         <a:latin typeface="Calibri" pitchFamily="2" charset="0"/>
         <a:ea typeface="Calibri" pitchFamily="2" charset="0"/>
         <a:cs typeface="Calibri" pitchFamily="2" charset="0"/>
@@ -233,7 +222,7 @@
 </file>
 
 <file path=ppt/slideLayouts/slideLayout1.xml><?xml version="1.0" encoding="utf-8"?>
-<p:sldLayout xmlns:p="http://schemas.openxmlformats.org/presentationml/2006/main" xmlns:p14="http://schemas.microsoft.com/office/powerpoint/2010/main" xmlns:r="http://schemas.openxmlformats.org/officeDocument/2006/relationships" xmlns:a="http://schemas.openxmlformats.org/drawingml/2006/main" type="title" preserve="1">
+<p:sldLayout xmlns:a="http://schemas.openxmlformats.org/drawingml/2006/main" xmlns:r="http://schemas.openxmlformats.org/officeDocument/2006/relationships" xmlns:p="http://schemas.openxmlformats.org/presentationml/2006/main" type="title" preserve="1">
   <p:cSld name="Title Slide">
     <p:spTree>
       <p:nvGrpSpPr>
@@ -256,7 +245,7 @@
             <a:spLocks noGrp="1" noChangeArrowheads="1"/>
             <a:extLst>
               <a:ext uri="smNativeData">
-                <pr:smNativeData xmlns:pr="smNativeData" val="SMDATA_16_n4i/WxMAAAAlAAAAZAAAAA0AAAAAkAAAAEgAAACQAAAASAAAAAAAAAABAAAAAAAAAAEAAABQAAAAAAAAAAAA4D8AAAAAAADgPwAAAAAAAOA/AAAAAAAA4D8AAAAAAADgPwAAAAAAAOA/AAAAAAAA4D8AAAAAAADgPwAAAAAAAOA/AAAAAAAA4D8CAAAAjAAAAAAAAAAAAAAAT4G9DP///wgAAAAAAAAAAAAAAAAAAAAAAAAAAAAAAAAAAAAAZAAAAAEAAABAAAAAAAAAAAAAAAAAAAAAAAAAAAAAAAAAAAAAAAAAAAAAAAAAAAAAAAAAAAAAAAAAAAAAAAAAAAAAAAAAAAAAAAAAAAAAAAAAAAAAAAAAAAAAAAAAAAAAFAAAADwAAAAAAAAAAAAAAAAAAAkUAAAAAQAAABQAAAAUAAAAFAAAAAEAAAAAAAAAZAAAAGQAAAAAAAAAZAAAAGQAAAAVAAAAYAAAAAAAAAAAAAAADwAAACADAAAAAAAAAAAAAAEAAACgMgAAVgcAAKr4//8BAAAAf39/AAEAAABkAAAAAAAAABQAAABAHwAAAAAAACYAAAAAAAAAwOD//wAAAAAmAAAAZAAAABYAAABMAAAAAAAAAAAAAAAEAAAAAAAAAAEAAADu7OEKAAAAACgAAAAoAAAAZAAAAGQAAAAAAAAAzMzMAAAAAABQAAAAUAAAAGQAAABkAAAAAAAAABcAAAAUAAAAAAAAAAAAAAD/fwAA/38AAAAAAAAJAAAABAAAAAAAAAAMAAAAEAAAAAAAAAAAAAAAAAAAAAAAAAAeAAAAaAAAAAAAAAAAAAAAAAAAAAAAAAAAAAAAECcAABAnAAAAAAAAAAAAAAAAAAAAAAAAAAAAAAAAAAAAAAAAAAAAABQAAAAAAAAAwMD/AAAAAABkAAAAMgAAAAAAAABkAAAAAAAAAH9/fwAKAAAAIgAAABgAAAAAAAAAAAAAAAAAAAAAAAAAAAAAAAAAAAAkAAAAJAAAAAAAAAAHAAAAAAAAAAAAAAAAAAAAAAAAAAAAAAAAAAAAf39/ACUAAABYAAAAAAAAAAAAAAAAAAAAAAAAAAAAAAAAAAAAAAAAAAAAAAAAAAAAAAAAAAAAAAA/AAAAAAAAAKCGAQAAAAAAAAAAAAAAAAAMAAAAAQAAAAAAAAAAAAAAAAAAAB8AAABUAAAAAAAABQAAAAEAAAAAAAAAAAAAAAAAAAAAAAAAAAAAAAAAAAAAAAAAAAAAAAJ/f38AAAAAA8zMzADAwP8Af39/AAAAAAAAAAAAAAAAAAAAAAAAAAAAIQAAABgAAAAUAAAAOAQAABsNAAAINAAAJhYAABAAAAAmAAAACAAAAAEAAAAAAAAA"/>
+                <pr:smNativeData xmlns="" xmlns:p14="http://schemas.microsoft.com/office/powerpoint/2010/main" xmlns:pr="smNativeData" val="SMDATA_16_n4i/WxMAAAAlAAAAZAAAAA0AAAAAkAAAAEgAAACQAAAASAAAAAAAAAABAAAAAAAAAAEAAABQAAAAAAAAAAAA4D8AAAAAAADgPwAAAAAAAOA/AAAAAAAA4D8AAAAAAADgPwAAAAAAAOA/AAAAAAAA4D8AAAAAAADgPwAAAAAAAOA/AAAAAAAA4D8CAAAAjAAAAAAAAAAAAAAAT4G9DP///wgAAAAAAAAAAAAAAAAAAAAAAAAAAAAAAAAAAAAAZAAAAAEAAABAAAAAAAAAAAAAAAAAAAAAAAAAAAAAAAAAAAAAAAAAAAAAAAAAAAAAAAAAAAAAAAAAAAAAAAAAAAAAAAAAAAAAAAAAAAAAAAAAAAAAAAAAAAAAAAAAAAAAFAAAADwAAAAAAAAAAAAAAAAAAAkUAAAAAQAAABQAAAAUAAAAFAAAAAEAAAAAAAAAZAAAAGQAAAAAAAAAZAAAAGQAAAAVAAAAYAAAAAAAAAAAAAAADwAAACADAAAAAAAAAAAAAAEAAACgMgAAVgcAAKr4//8BAAAAf39/AAEAAABkAAAAAAAAABQAAABAHwAAAAAAACYAAAAAAAAAwOD//wAAAAAmAAAAZAAAABYAAABMAAAAAAAAAAAAAAAEAAAAAAAAAAEAAADu7OEKAAAAACgAAAAoAAAAZAAAAGQAAAAAAAAAzMzMAAAAAABQAAAAUAAAAGQAAABkAAAAAAAAABcAAAAUAAAAAAAAAAAAAAD/fwAA/38AAAAAAAAJAAAABAAAAAAAAAAMAAAAEAAAAAAAAAAAAAAAAAAAAAAAAAAeAAAAaAAAAAAAAAAAAAAAAAAAAAAAAAAAAAAAECcAABAnAAAAAAAAAAAAAAAAAAAAAAAAAAAAAAAAAAAAAAAAAAAAABQAAAAAAAAAwMD/AAAAAABkAAAAMgAAAAAAAABkAAAAAAAAAH9/fwAKAAAAIgAAABgAAAAAAAAAAAAAAAAAAAAAAAAAAAAAAAAAAAAkAAAAJAAAAAAAAAAHAAAAAAAAAAAAAAAAAAAAAAAAAAAAAAAAAAAAf39/ACUAAABYAAAAAAAAAAAAAAAAAAAAAAAAAAAAAAAAAAAAAAAAAAAAAAAAAAAAAAAAAAAAAAA/AAAAAAAAAKCGAQAAAAAAAAAAAAAAAAAMAAAAAQAAAAAAAAAAAAAAAAAAAB8AAABUAAAAAAAABQAAAAEAAAAAAAAAAAAAAAAAAAAAAAAAAAAAAAAAAAAAAAAAAAAAAAJ/f38AAAAAA8zMzADAwP8Af39/AAAAAAAAAAAAAAAAAAAAAAAAAAAAIQAAABgAAAAUAAAAOAQAABsNAAAINAAAJhYAABAAAAAmAAAACAAAAAEAAAAAAAAA"/>
               </a:ext>
             </a:extLst>
           </p:cNvSpPr>
@@ -275,12 +264,12 @@
           <a:lstStyle/>
           <a:p>
             <a:pPr>
-              <a:defRPr lang="en-us"/>
+              <a:defRPr lang="en-US"/>
             </a:pPr>
             <a:r>
               <a:t>Click to edit Master title style</a:t>
             </a:r>
-            <a:endParaRPr lang="en-au"/>
+            <a:endParaRPr lang="en-AU"/>
           </a:p>
         </p:txBody>
       </p:sp>
@@ -291,7 +280,7 @@
             <a:spLocks noGrp="1" noChangeArrowheads="1"/>
             <a:extLst>
               <a:ext uri="smNativeData">
-                <pr:smNativeData xmlns:pr="smNativeData" val="SMDATA_16_n4i/WxMAAAAlAAAAZAAAAA0AAAAAkAAAAEgAAACQAAAASAAAAAAAAAAAAAAAAAAAAAEAAABQAAAAAAAAAAAA4D8AAAAAAADgPwAAAAAAAOA/AAAAAAAA4D8AAAAAAADgPwAAAAAAAOA/AAAAAAAA4D8AAAAAAADgPwAAAAAAAOA/AAAAAAAA4D8CAAAAjAAAAAAAAAAAAAAAT4G9DP///wgAAAAAAAAAAAAAAAAAAAAAAAAAAAAAAAAAAAAAZAAAAAEAAABAAAAAAAAAAAAAAAAAAAAAAAAAAAAAAAAAAAAAAAAAAAAAAAAAAAAAAAAAAAAAAAAAAAAAAAAAAAAAAAAAAAAAAAAAAAAAAAAAAAAAAAAAAAAAAAAAAAAAFAAAADwAAAAAAAAAAAAAAAAAAAkUAAAAAQAAABQAAAAUAAAAFAAAAAEAAAAAAAAAZAAAAGQAAAAAAAAAZAAAAGQAAAAVAAAAYAAAAAAAAAAAAAAADwAAACADAAAAAAAAAAAAAAEAAACgMgAAVgcAAKr4//8BAAAAf39/AAEAAABkAAAAAAAAABQAAABAHwAAAAAAACYAAAAAAAAAwOD//wAAAAAmAAAAZAAAABYAAABMAAAAAAAAAAAAAAAEAAAAAAAAAAEAAADu7OEKAAAAACgAAAAoAAAAZAAAAGQAAAAAAAAAzMzMAAAAAABQAAAAUAAAAGQAAABkAAAAAAAAABcAAAAUAAAAAAAAAAAAAAD/fwAA/38AAAAAAAAJAAAABAAAAAAAAAAMAAAAEAAAAAAAAAAAAAAAAAAAAAAAAAAeAAAAaAAAAAAAAAAAAAAAAAAAAAAAAAAAAAAAECcAABAnAAAAAAAAAAAAAAAAAAAAAAAAAAAAAAAAAAAAAAAAAAAAABQAAAAAAAAAwMD/AAAAAABkAAAAMgAAAAAAAABkAAAAAAAAAH9/fwAKAAAAIgAAABgAAAAAAAAAAAAAAAAAAAAAAAAAAAAAAAAAAAAkAAAAJAAAAAAAAAAHAAAAAAAAAAAAAAAAAAAAAAAAAAAAAAAAAAAAf39/ACUAAABYAAAAAAAAAAAAAAAAAAAAAAAAAAAAAAAAAAAAAAAAAAAAAAAAAAAAAAAAAAAAAAA/AAAAAAAAAKCGAQAAAAAAAAAAAAAAAAAMAAAAAQAAAAAAAAAAAAAAAAAAAB8AAABUAAAAAAAABQAAAAEAAAAAAAAAAAAAAAAAAAAAAAAAAAAAAAAAAAAAAAAAAAAAAAJ/f38AAAAAA8zMzADAwP8Af39/AAAAAAAAAAAAAAAAAAAAAAAAAAAAIQAAABgAAAAUAAAAcAgAAOgXAADQLwAAsCIAABAAAAAmAAAACAAAAAGAAAAAAAAA"/>
+                <pr:smNativeData xmlns="" xmlns:p14="http://schemas.microsoft.com/office/powerpoint/2010/main" xmlns:pr="smNativeData" val="SMDATA_16_n4i/WxMAAAAlAAAAZAAAAA0AAAAAkAAAAEgAAACQAAAASAAAAAAAAAAAAAAAAAAAAAEAAABQAAAAAAAAAAAA4D8AAAAAAADgPwAAAAAAAOA/AAAAAAAA4D8AAAAAAADgPwAAAAAAAOA/AAAAAAAA4D8AAAAAAADgPwAAAAAAAOA/AAAAAAAA4D8CAAAAjAAAAAAAAAAAAAAAT4G9DP///wgAAAAAAAAAAAAAAAAAAAAAAAAAAAAAAAAAAAAAZAAAAAEAAABAAAAAAAAAAAAAAAAAAAAAAAAAAAAAAAAAAAAAAAAAAAAAAAAAAAAAAAAAAAAAAAAAAAAAAAAAAAAAAAAAAAAAAAAAAAAAAAAAAAAAAAAAAAAAAAAAAAAAFAAAADwAAAAAAAAAAAAAAAAAAAkUAAAAAQAAABQAAAAUAAAAFAAAAAEAAAAAAAAAZAAAAGQAAAAAAAAAZAAAAGQAAAAVAAAAYAAAAAAAAAAAAAAADwAAACADAAAAAAAAAAAAAAEAAACgMgAAVgcAAKr4//8BAAAAf39/AAEAAABkAAAAAAAAABQAAABAHwAAAAAAACYAAAAAAAAAwOD//wAAAAAmAAAAZAAAABYAAABMAAAAAAAAAAAAAAAEAAAAAAAAAAEAAADu7OEKAAAAACgAAAAoAAAAZAAAAGQAAAAAAAAAzMzMAAAAAABQAAAAUAAAAGQAAABkAAAAAAAAABcAAAAUAAAAAAAAAAAAAAD/fwAA/38AAAAAAAAJAAAABAAAAAAAAAAMAAAAEAAAAAAAAAAAAAAAAAAAAAAAAAAeAAAAaAAAAAAAAAAAAAAAAAAAAAAAAAAAAAAAECcAABAnAAAAAAAAAAAAAAAAAAAAAAAAAAAAAAAAAAAAAAAAAAAAABQAAAAAAAAAwMD/AAAAAABkAAAAMgAAAAAAAABkAAAAAAAAAH9/fwAKAAAAIgAAABgAAAAAAAAAAAAAAAAAAAAAAAAAAAAAAAAAAAAkAAAAJAAAAAAAAAAHAAAAAAAAAAAAAAAAAAAAAAAAAAAAAAAAAAAAf39/ACUAAABYAAAAAAAAAAAAAAAAAAAAAAAAAAAAAAAAAAAAAAAAAAAAAAAAAAAAAAAAAAAAAAA/AAAAAAAAAKCGAQAAAAAAAAAAAAAAAAAMAAAAAQAAAAAAAAAAAAAAAAAAAB8AAABUAAAAAAAABQAAAAEAAAAAAAAAAAAAAAAAAAAAAAAAAAAAAAAAAAAAAAAAAAAAAAJ/f38AAAAAA8zMzADAwP8Af39/AAAAAAAAAAAAAAAAAAAAAAAAAAAAIQAAABgAAAAUAAAAcAgAAOgXAADQLwAAsCIAABAAAAAmAAAACAAAAAGAAAAAAAAA"/>
               </a:ext>
             </a:extLst>
           </p:cNvSpPr>
@@ -310,7 +299,7 @@
           <a:lstStyle>
             <a:lvl1pPr marL="0" indent="0" algn="ctr">
               <a:buNone/>
-              <a:defRPr lang="en-us">
+              <a:defRPr lang="en-US">
                 <a:solidFill>
                   <a:srgbClr val="8C8C8C"/>
                 </a:solidFill>
@@ -318,7 +307,7 @@
             </a:lvl1pPr>
             <a:lvl2pPr marL="457200" indent="0" algn="ctr">
               <a:buNone/>
-              <a:defRPr lang="en-us">
+              <a:defRPr lang="en-US">
                 <a:solidFill>
                   <a:srgbClr val="8C8C8C"/>
                 </a:solidFill>
@@ -326,7 +315,7 @@
             </a:lvl2pPr>
             <a:lvl3pPr marL="914400" indent="0" algn="ctr">
               <a:buNone/>
-              <a:defRPr lang="en-us">
+              <a:defRPr lang="en-US">
                 <a:solidFill>
                   <a:srgbClr val="8C8C8C"/>
                 </a:solidFill>
@@ -334,7 +323,7 @@
             </a:lvl3pPr>
             <a:lvl4pPr marL="1371600" indent="0" algn="ctr">
               <a:buNone/>
-              <a:defRPr lang="en-us">
+              <a:defRPr lang="en-US">
                 <a:solidFill>
                   <a:srgbClr val="8C8C8C"/>
                 </a:solidFill>
@@ -342,7 +331,7 @@
             </a:lvl4pPr>
             <a:lvl5pPr marL="1828800" indent="0" algn="ctr">
               <a:buNone/>
-              <a:defRPr lang="en-us">
+              <a:defRPr lang="en-US">
                 <a:solidFill>
                   <a:srgbClr val="8C8C8C"/>
                 </a:solidFill>
@@ -350,7 +339,7 @@
             </a:lvl5pPr>
             <a:lvl6pPr marL="2286000" indent="0" algn="ctr">
               <a:buNone/>
-              <a:defRPr lang="en-us">
+              <a:defRPr lang="en-US">
                 <a:solidFill>
                   <a:srgbClr val="8C8C8C"/>
                 </a:solidFill>
@@ -358,7 +347,7 @@
             </a:lvl6pPr>
             <a:lvl7pPr marL="2743200" indent="0" algn="ctr">
               <a:buNone/>
-              <a:defRPr lang="en-us">
+              <a:defRPr lang="en-US">
                 <a:solidFill>
                   <a:srgbClr val="8C8C8C"/>
                 </a:solidFill>
@@ -366,7 +355,7 @@
             </a:lvl7pPr>
             <a:lvl8pPr marL="3200400" indent="0" algn="ctr">
               <a:buNone/>
-              <a:defRPr lang="en-us">
+              <a:defRPr lang="en-US">
                 <a:solidFill>
                   <a:srgbClr val="8C8C8C"/>
                 </a:solidFill>
@@ -374,7 +363,7 @@
             </a:lvl8pPr>
             <a:lvl9pPr marL="3657600" indent="0" algn="ctr">
               <a:buNone/>
-              <a:defRPr lang="en-us">
+              <a:defRPr lang="en-US">
                 <a:solidFill>
                   <a:srgbClr val="8C8C8C"/>
                 </a:solidFill>
@@ -383,12 +372,12 @@
           </a:lstStyle>
           <a:p>
             <a:pPr>
-              <a:defRPr lang="en-us"/>
+              <a:defRPr lang="en-US"/>
             </a:pPr>
             <a:r>
               <a:t>Click to edit Master subtitle style</a:t>
             </a:r>
-            <a:endParaRPr lang="en-au"/>
+            <a:endParaRPr lang="en-AU"/>
           </a:p>
         </p:txBody>
       </p:sp>
@@ -399,7 +388,7 @@
             <a:spLocks noGrp="1" noChangeArrowheads="1"/>
             <a:extLst>
               <a:ext uri="smNativeData">
-                <pr:smNativeData xmlns:pr="smNativeData" val="SMDATA_16_n4i/WxMAAAAlAAAAZAAAAA0AAAAAkAAAAEgAAACQAAAASAAAAAAAAAABAAAAAAAAAAEAAABQAAAAAAAAAAAA4D8AAAAAAADgPwAAAAAAAOA/AAAAAAAA4D8AAAAAAADgPwAAAAAAAOA/AAAAAAAA4D8AAAAAAADgPwAAAAAAAOA/AAAAAAAA4D8CAAAAjAAAAAAAAAAAAAAAT4G9DP///wgAAAAAAAAAAAAAAAAAAAAAAAAAAAAAAAAAAAAAZAAAAAEAAABAAAAAAAAAAAAAAAAAAAAAAAAAAAAAAAAAAAAAAAAAAAAAAAAAAAAAAAAAAAAAAAAAAAAAAAAAAAAAAAAAAAAAAAAAAAAAAAAAAAAAAAAAAAAAAAAAAAAAFAAAADwAAAAAAAAAAAAAAAAAAAkUAAAAAQAAABQAAAAUAAAAFAAAAAEAAAAAAAAAZAAAAGQAAAAAAAAAZAAAAGQAAAAVAAAAYAAAAAAAAAAAAAAADwAAACADAAAAAAAAAAAAAAEAAACgMgAAVgcAAKr4//8BAAAAf39/AAEAAABkAAAAAAAAABQAAABAHwAAAAAAACYAAAAAAAAAwOD//wAAAAAmAAAAZAAAABYAAABMAAAAAAAAAAAAAAAEAAAAAAAAAAEAAADu7OEKAAAAACgAAAAoAAAAZAAAAGQAAAAAAAAAzMzMAAAAAABQAAAAUAAAAGQAAABkAAAAAAAAABcAAAAUAAAAAAAAAAAAAAD/fwAA/38AAAAAAAAJAAAABAAAAAAAAAAMAAAAEAAAAAAAAAAAAAAAAAAAAAAAAAAeAAAAaAAAAAAAAAAAAAAAAAAAAAAAAAAAAAAAECcAABAnAAAAAAAAAAAAAAAAAAAAAAAAAAAAAAAAAAAAAAAAAAAAABQAAAAAAAAAwMD/AAAAAABkAAAAMgAAAAAAAABkAAAAAAAAAH9/fwAKAAAAIgAAABgAAAAAAAAAAAAAAAAAAAAAAAAAAAAAAAAAAAAkAAAAJAAAAAAAAAAHAAAAAAAAAAAAAAAAAAAAAAAAAAAAAAAAAAAAf39/ACUAAABYAAAAAAAAAAAAAAAAAAAAAAAAAAAAAAAAAAAAAAAAAAAAAAAAAAAAAAAAAAAAAAA/AAAAAAAAAKCGAQAAAAAAAAAAAAAAAAAMAAAAAQAAAAAAAAAAAAAAAAAAAB8AAABUAAAAAAAABQAAAAEAAAAAAAAAAAAAAAAAAAAAAAAAAAAAAAAAAAAAAAAAAAAAAAJ/f38AAAAAA8zMzADAwP8Af39/AAAAAAAAAAAAAAAAAAAAAAAAAAAAIQAAABgAAAAUAAAA0AIAABonAADwDwAAWSkAABAAAAAmAAAACAAAAACAAAAAAAAA"/>
+                <pr:smNativeData xmlns="" xmlns:p14="http://schemas.microsoft.com/office/powerpoint/2010/main" xmlns:pr="smNativeData" val="SMDATA_16_n4i/WxMAAAAlAAAAZAAAAA0AAAAAkAAAAEgAAACQAAAASAAAAAAAAAABAAAAAAAAAAEAAABQAAAAAAAAAAAA4D8AAAAAAADgPwAAAAAAAOA/AAAAAAAA4D8AAAAAAADgPwAAAAAAAOA/AAAAAAAA4D8AAAAAAADgPwAAAAAAAOA/AAAAAAAA4D8CAAAAjAAAAAAAAAAAAAAAT4G9DP///wgAAAAAAAAAAAAAAAAAAAAAAAAAAAAAAAAAAAAAZAAAAAEAAABAAAAAAAAAAAAAAAAAAAAAAAAAAAAAAAAAAAAAAAAAAAAAAAAAAAAAAAAAAAAAAAAAAAAAAAAAAAAAAAAAAAAAAAAAAAAAAAAAAAAAAAAAAAAAAAAAAAAAFAAAADwAAAAAAAAAAAAAAAAAAAkUAAAAAQAAABQAAAAUAAAAFAAAAAEAAAAAAAAAZAAAAGQAAAAAAAAAZAAAAGQAAAAVAAAAYAAAAAAAAAAAAAAADwAAACADAAAAAAAAAAAAAAEAAACgMgAAVgcAAKr4//8BAAAAf39/AAEAAABkAAAAAAAAABQAAABAHwAAAAAAACYAAAAAAAAAwOD//wAAAAAmAAAAZAAAABYAAABMAAAAAAAAAAAAAAAEAAAAAAAAAAEAAADu7OEKAAAAACgAAAAoAAAAZAAAAGQAAAAAAAAAzMzMAAAAAABQAAAAUAAAAGQAAABkAAAAAAAAABcAAAAUAAAAAAAAAAAAAAD/fwAA/38AAAAAAAAJAAAABAAAAAAAAAAMAAAAEAAAAAAAAAAAAAAAAAAAAAAAAAAeAAAAaAAAAAAAAAAAAAAAAAAAAAAAAAAAAAAAECcAABAnAAAAAAAAAAAAAAAAAAAAAAAAAAAAAAAAAAAAAAAAAAAAABQAAAAAAAAAwMD/AAAAAABkAAAAMgAAAAAAAABkAAAAAAAAAH9/fwAKAAAAIgAAABgAAAAAAAAAAAAAAAAAAAAAAAAAAAAAAAAAAAAkAAAAJAAAAAAAAAAHAAAAAAAAAAAAAAAAAAAAAAAAAAAAAAAAAAAAf39/ACUAAABYAAAAAAAAAAAAAAAAAAAAAAAAAAAAAAAAAAAAAAAAAAAAAAAAAAAAAAAAAAAAAAA/AAAAAAAAAKCGAQAAAAAAAAAAAAAAAAAMAAAAAQAAAAAAAAAAAAAAAAAAAB8AAABUAAAAAAAABQAAAAEAAAAAAAAAAAAAAAAAAAAAAAAAAAAAAAAAAAAAAAAAAAAAAAJ/f38AAAAAA8zMzADAwP8Af39/AAAAAAAAAAAAAAAAAAAAAAAAAAAAIQAAABgAAAAUAAAA0AIAABonAADwDwAAWSkAABAAAAAmAAAACAAAAACAAAAAAAAA"/>
               </a:ext>
             </a:extLst>
           </p:cNvSpPr>
@@ -412,40 +401,41 @@
           <a:bodyPr/>
           <a:lstStyle>
             <a:lvl1pPr>
-              <a:defRPr lang="en-au"/>
+              <a:defRPr lang="en-AU"/>
             </a:lvl1pPr>
             <a:lvl2pPr>
-              <a:defRPr lang="en-us"/>
+              <a:defRPr lang="en-US"/>
             </a:lvl2pPr>
             <a:lvl3pPr>
-              <a:defRPr lang="en-us"/>
+              <a:defRPr lang="en-US"/>
             </a:lvl3pPr>
             <a:lvl4pPr>
-              <a:defRPr lang="en-us"/>
+              <a:defRPr lang="en-US"/>
             </a:lvl4pPr>
             <a:lvl5pPr>
-              <a:defRPr lang="en-us"/>
+              <a:defRPr lang="en-US"/>
             </a:lvl5pPr>
             <a:lvl6pPr>
-              <a:defRPr lang="en-us"/>
+              <a:defRPr lang="en-US"/>
             </a:lvl6pPr>
             <a:lvl7pPr>
-              <a:defRPr lang="en-us"/>
+              <a:defRPr lang="en-US"/>
             </a:lvl7pPr>
             <a:lvl8pPr>
-              <a:defRPr lang="en-us"/>
+              <a:defRPr lang="en-US"/>
             </a:lvl8pPr>
             <a:lvl9pPr>
-              <a:defRPr lang="en-us"/>
+              <a:defRPr lang="en-US"/>
             </a:lvl9pPr>
           </a:lstStyle>
           <a:p>
             <a:pPr>
-              <a:defRPr lang="en-au"/>
+              <a:defRPr lang="en-AU"/>
             </a:pPr>
             <a:fld id="{3D68E540-0ED0-3D13-9ED0-F846AB9E68AD}" type="datetime1">
-              <a:t>9/10/2018</a:t>
+              <a:t>10/12/2018</a:t>
             </a:fld>
+            <a:endParaRPr/>
           </a:p>
         </p:txBody>
       </p:sp>
@@ -456,7 +446,7 @@
             <a:spLocks noGrp="1" noChangeArrowheads="1"/>
             <a:extLst>
               <a:ext uri="smNativeData">
-                <pr:smNativeData xmlns:pr="smNativeData" val="SMDATA_16_n4i/WxMAAAAlAAAAZAAAAA0AAAAAkAAAAEgAAACQAAAASAAAAAAAAAABAAAAAAAAAAEAAABQAAAAAAAAAAAA4D8AAAAAAADgPwAAAAAAAOA/AAAAAAAA4D8AAAAAAADgPwAAAAAAAOA/AAAAAAAA4D8AAAAAAADgPwAAAAAAAOA/AAAAAAAA4D8CAAAAjAAAAAAAAAAAAAAAT4G9DP///wgAAAAAAAAAAAAAAAAAAAAAAAAAAAAAAAAAAAAAZAAAAAEAAABAAAAAAAAAAAAAAAAAAAAAAAAAAAAAAAAAAAAAAAAAAAAAAAAAAAAAAAAAAAAAAAAAAAAAAAAAAAAAAAAAAAAAAAAAAAAAAAAAAAAAAAAAAAAAAAAAAAAAFAAAADwAAAAAAAAAAAAAAAAAAAkUAAAAAQAAABQAAAAUAAAAFAAAAAEAAAAAAAAAZAAAAGQAAAAAAAAAZAAAAGQAAAAVAAAAYAAAAAAAAAAAAAAADwAAACADAAAAAAAAAAAAAAEAAACgMgAAVgcAAKr4//8BAAAAf39/AAEAAABkAAAAAAAAABQAAABAHwAAAAAAACYAAAAAAAAAwOD//wAAAAAmAAAAZAAAABYAAABMAAAAAAAAAAAAAAAEAAAAAAAAAAEAAADu7OEKAAAAACgAAAAoAAAAZAAAAGQAAAAAAAAAzMzMAAAAAABQAAAAUAAAAGQAAABkAAAAAAAAABcAAAAUAAAAAAAAAAAAAAD/fwAA/38AAAAAAAAJAAAABAAAAAAAAAAMAAAAEAAAAAAAAAAAAAAAAAAAAAAAAAAeAAAAaAAAAAAAAAAAAAAAAAAAAAAAAAAAAAAAECcAABAnAAAAAAAAAAAAAAAAAAAAAAAAAAAAAAAAAAAAAAAAAAAAABQAAAAAAAAAwMD/AAAAAABkAAAAMgAAAAAAAABkAAAAAAAAAH9/fwAKAAAAIgAAABgAAAAAAAAAAAAAAAAAAAAAAAAAAAAAAAAAAAAkAAAAJAAAAAAAAAAHAAAAAAAAAAAAAAAAAAAAAAAAAAAAAAAAAAAAf39/ACUAAABYAAAAAAAAAAAAAAAAAAAAAAAAAAAAAAAAAAAAAAAAAAAAAAAAAAAAAAAAAAAAAAA/AAAAAAAAAKCGAQAAAAAAAAAAAAAAAAAMAAAAAQAAAAAAAAAAAAAAAAAAAB8AAABUAAAAAAAABQAAAAEAAAAAAAAAAAAAAAAAAAAAAAAAAAAAAAAAAAAAAAAAAAAAAAJ/f38AAAAAA8zMzADAwP8Af39/AAAAAAAAAAAAAAAAAAAAAAAAAAAAIQAAABgAAAAUAAAAOBMAABonAAAIJQAAWSkAABAAAAAmAAAACAAAAACAAAAAAAAA"/>
+                <pr:smNativeData xmlns="" xmlns:p14="http://schemas.microsoft.com/office/powerpoint/2010/main" xmlns:pr="smNativeData" val="SMDATA_16_n4i/WxMAAAAlAAAAZAAAAA0AAAAAkAAAAEgAAACQAAAASAAAAAAAAAABAAAAAAAAAAEAAABQAAAAAAAAAAAA4D8AAAAAAADgPwAAAAAAAOA/AAAAAAAA4D8AAAAAAADgPwAAAAAAAOA/AAAAAAAA4D8AAAAAAADgPwAAAAAAAOA/AAAAAAAA4D8CAAAAjAAAAAAAAAAAAAAAT4G9DP///wgAAAAAAAAAAAAAAAAAAAAAAAAAAAAAAAAAAAAAZAAAAAEAAABAAAAAAAAAAAAAAAAAAAAAAAAAAAAAAAAAAAAAAAAAAAAAAAAAAAAAAAAAAAAAAAAAAAAAAAAAAAAAAAAAAAAAAAAAAAAAAAAAAAAAAAAAAAAAAAAAAAAAFAAAADwAAAAAAAAAAAAAAAAAAAkUAAAAAQAAABQAAAAUAAAAFAAAAAEAAAAAAAAAZAAAAGQAAAAAAAAAZAAAAGQAAAAVAAAAYAAAAAAAAAAAAAAADwAAACADAAAAAAAAAAAAAAEAAACgMgAAVgcAAKr4//8BAAAAf39/AAEAAABkAAAAAAAAABQAAABAHwAAAAAAACYAAAAAAAAAwOD//wAAAAAmAAAAZAAAABYAAABMAAAAAAAAAAAAAAAEAAAAAAAAAAEAAADu7OEKAAAAACgAAAAoAAAAZAAAAGQAAAAAAAAAzMzMAAAAAABQAAAAUAAAAGQAAABkAAAAAAAAABcAAAAUAAAAAAAAAAAAAAD/fwAA/38AAAAAAAAJAAAABAAAAAAAAAAMAAAAEAAAAAAAAAAAAAAAAAAAAAAAAAAeAAAAaAAAAAAAAAAAAAAAAAAAAAAAAAAAAAAAECcAABAnAAAAAAAAAAAAAAAAAAAAAAAAAAAAAAAAAAAAAAAAAAAAABQAAAAAAAAAwMD/AAAAAABkAAAAMgAAAAAAAABkAAAAAAAAAH9/fwAKAAAAIgAAABgAAAAAAAAAAAAAAAAAAAAAAAAAAAAAAAAAAAAkAAAAJAAAAAAAAAAHAAAAAAAAAAAAAAAAAAAAAAAAAAAAAAAAAAAAf39/ACUAAABYAAAAAAAAAAAAAAAAAAAAAAAAAAAAAAAAAAAAAAAAAAAAAAAAAAAAAAAAAAAAAAA/AAAAAAAAAKCGAQAAAAAAAAAAAAAAAAAMAAAAAQAAAAAAAAAAAAAAAAAAAB8AAABUAAAAAAAABQAAAAEAAAAAAAAAAAAAAAAAAAAAAAAAAAAAAAAAAAAAAAAAAAAAAAJ/f38AAAAAA8zMzADAwP8Af39/AAAAAAAAAAAAAAAAAAAAAAAAAAAAIQAAABgAAAAUAAAAOBMAABonAAAIJQAAWSkAABAAAAAmAAAACAAAAACAAAAAAAAA"/>
               </a:ext>
             </a:extLst>
           </p:cNvSpPr>
@@ -469,37 +459,38 @@
           <a:bodyPr/>
           <a:lstStyle>
             <a:lvl1pPr>
-              <a:defRPr lang="en-au"/>
+              <a:defRPr lang="en-AU"/>
             </a:lvl1pPr>
             <a:lvl2pPr>
-              <a:defRPr lang="en-us"/>
+              <a:defRPr lang="en-US"/>
             </a:lvl2pPr>
             <a:lvl3pPr>
-              <a:defRPr lang="en-us"/>
+              <a:defRPr lang="en-US"/>
             </a:lvl3pPr>
             <a:lvl4pPr>
-              <a:defRPr lang="en-us"/>
+              <a:defRPr lang="en-US"/>
             </a:lvl4pPr>
             <a:lvl5pPr>
-              <a:defRPr lang="en-us"/>
+              <a:defRPr lang="en-US"/>
             </a:lvl5pPr>
             <a:lvl6pPr>
-              <a:defRPr lang="en-us"/>
+              <a:defRPr lang="en-US"/>
             </a:lvl6pPr>
             <a:lvl7pPr>
-              <a:defRPr lang="en-us"/>
+              <a:defRPr lang="en-US"/>
             </a:lvl7pPr>
             <a:lvl8pPr>
-              <a:defRPr lang="en-us"/>
+              <a:defRPr lang="en-US"/>
             </a:lvl8pPr>
             <a:lvl9pPr>
-              <a:defRPr lang="en-us"/>
+              <a:defRPr lang="en-US"/>
             </a:lvl9pPr>
           </a:lstStyle>
           <a:p>
             <a:pPr>
-              <a:defRPr lang="en-au"/>
-            </a:pPr>
+              <a:defRPr lang="en-AU"/>
+            </a:pPr>
+            <a:endParaRPr/>
           </a:p>
         </p:txBody>
       </p:sp>
@@ -510,7 +501,7 @@
             <a:spLocks noGrp="1" noChangeArrowheads="1"/>
             <a:extLst>
               <a:ext uri="smNativeData">
-                <pr:smNativeData xmlns:pr="smNativeData" val="SMDATA_16_n4i/WxMAAAAlAAAAZAAAAA0AAAAAkAAAAEgAAACQAAAASAAAAAAAAAABAAAAAAAAAAEAAABQAAAAAAAAAAAA4D8AAAAAAADgPwAAAAAAAOA/AAAAAAAA4D8AAAAAAADgPwAAAAAAAOA/AAAAAAAA4D8AAAAAAADgPwAAAAAAAOA/AAAAAAAA4D8CAAAAjAAAAAAAAAAAAAAAT4G9DP///wgAAAAAAAAAAAAAAAAAAAAAAAAAAAAAAAAAAAAAZAAAAAEAAABAAAAAAAAAAAAAAAAAAAAAAAAAAAAAAAAAAAAAAAAAAAAAAAAAAAAAAAAAAAAAAAAAAAAAAAAAAAAAAAAAAAAAAAAAAAAAAAAAAAAAAAAAAAAAAAAAAAAAFAAAADwAAAAAAAAAAAAAAAAAAAkUAAAAAQAAABQAAAAUAAAAFAAAAAEAAAAAAAAAZAAAAGQAAAAAAAAAZAAAAGQAAAAVAAAAYAAAAAAAAAAAAAAADwAAACADAAAAAAAAAAAAAAEAAACgMgAAVgcAAKr4//8BAAAAf39/AAEAAABkAAAAAAAAABQAAABAHwAAAAAAACYAAAAAAAAAwOD//wAAAAAmAAAAZAAAABYAAABMAAAAAAAAAAAAAAAEAAAAAAAAAAEAAADu7OEKAAAAACgAAAAoAAAAZAAAAGQAAAAAAAAAzMzMAAAAAABQAAAAUAAAAGQAAABkAAAAAAAAABcAAAAUAAAAAAAAAAAAAAD/fwAA/38AAAAAAAAJAAAABAAAAAAAAAAMAAAAEAAAAAAAAAAAAAAAAAAAAAAAAAAeAAAAaAAAAAAAAAAAAAAAAAAAAAAAAAAAAAAAECcAABAnAAAAAAAAAAAAAAAAAAAAAAAAAAAAAAAAAAAAAAAAAAAAABQAAAAAAAAAwMD/AAAAAABkAAAAMgAAAAAAAABkAAAAAAAAAH9/fwAKAAAAIgAAABgAAAAAAAAAAAAAAAAAAAAAAAAAAAAAAAAAAAAkAAAAJAAAAAAAAAAHAAAAAAAAAAAAAAAAAAAAAAAAAAAAAAAAAAAAf39/ACUAAABYAAAAAAAAAAAAAAAAAAAAAAAAAAAAAAAAAAAAAAAAAAAAAAAAAAAAAAAAAAAAAAA/AAAAAAAAAKCGAQAAAAAAAAAAAAAAAAAMAAAAAQAAAAAAAAAAAAAAAAAAAB8AAABUAAAAAAAABQAAAAEAAAAAAAAAAAAAAAAAAAAAAAAAAAAAAAAAAAAAAAAAAAAAAAJ/f38AAAAAA8zMzADAwP8Af39/AAAAAAAAAAAAAAAAAAAAAAAAAAAAIQAAABgAAAAUAAAAUCgAABonAABwNQAAWSkAABAAAAAmAAAACAAAAACAAAAAAAAA"/>
+                <pr:smNativeData xmlns="" xmlns:p14="http://schemas.microsoft.com/office/powerpoint/2010/main" xmlns:pr="smNativeData" val="SMDATA_16_n4i/WxMAAAAlAAAAZAAAAA0AAAAAkAAAAEgAAACQAAAASAAAAAAAAAABAAAAAAAAAAEAAABQAAAAAAAAAAAA4D8AAAAAAADgPwAAAAAAAOA/AAAAAAAA4D8AAAAAAADgPwAAAAAAAOA/AAAAAAAA4D8AAAAAAADgPwAAAAAAAOA/AAAAAAAA4D8CAAAAjAAAAAAAAAAAAAAAT4G9DP///wgAAAAAAAAAAAAAAAAAAAAAAAAAAAAAAAAAAAAAZAAAAAEAAABAAAAAAAAAAAAAAAAAAAAAAAAAAAAAAAAAAAAAAAAAAAAAAAAAAAAAAAAAAAAAAAAAAAAAAAAAAAAAAAAAAAAAAAAAAAAAAAAAAAAAAAAAAAAAAAAAAAAAFAAAADwAAAAAAAAAAAAAAAAAAAkUAAAAAQAAABQAAAAUAAAAFAAAAAEAAAAAAAAAZAAAAGQAAAAAAAAAZAAAAGQAAAAVAAAAYAAAAAAAAAAAAAAADwAAACADAAAAAAAAAAAAAAEAAACgMgAAVgcAAKr4//8BAAAAf39/AAEAAABkAAAAAAAAABQAAABAHwAAAAAAACYAAAAAAAAAwOD//wAAAAAmAAAAZAAAABYAAABMAAAAAAAAAAAAAAAEAAAAAAAAAAEAAADu7OEKAAAAACgAAAAoAAAAZAAAAGQAAAAAAAAAzMzMAAAAAABQAAAAUAAAAGQAAABkAAAAAAAAABcAAAAUAAAAAAAAAAAAAAD/fwAA/38AAAAAAAAJAAAABAAAAAAAAAAMAAAAEAAAAAAAAAAAAAAAAAAAAAAAAAAeAAAAaAAAAAAAAAAAAAAAAAAAAAAAAAAAAAAAECcAABAnAAAAAAAAAAAAAAAAAAAAAAAAAAAAAAAAAAAAAAAAAAAAABQAAAAAAAAAwMD/AAAAAABkAAAAMgAAAAAAAABkAAAAAAAAAH9/fwAKAAAAIgAAABgAAAAAAAAAAAAAAAAAAAAAAAAAAAAAAAAAAAAkAAAAJAAAAAAAAAAHAAAAAAAAAAAAAAAAAAAAAAAAAAAAAAAAAAAAf39/ACUAAABYAAAAAAAAAAAAAAAAAAAAAAAAAAAAAAAAAAAAAAAAAAAAAAAAAAAAAAAAAAAAAAA/AAAAAAAAAKCGAQAAAAAAAAAAAAAAAAAMAAAAAQAAAAAAAAAAAAAAAAAAAB8AAABUAAAAAAAABQAAAAEAAAAAAAAAAAAAAAAAAAAAAAAAAAAAAAAAAAAAAAAAAAAAAAJ/f38AAAAAA8zMzADAwP8Af39/AAAAAAAAAAAAAAAAAAAAAAAAAAAAIQAAABgAAAAUAAAAUCgAABonAABwNQAAWSkAABAAAAAmAAAACAAAAACAAAAAAAAA"/>
               </a:ext>
             </a:extLst>
           </p:cNvSpPr>
@@ -523,40 +514,41 @@
           <a:bodyPr/>
           <a:lstStyle>
             <a:lvl1pPr>
-              <a:defRPr lang="en-au"/>
+              <a:defRPr lang="en-AU"/>
             </a:lvl1pPr>
             <a:lvl2pPr>
-              <a:defRPr lang="en-us"/>
+              <a:defRPr lang="en-US"/>
             </a:lvl2pPr>
             <a:lvl3pPr>
-              <a:defRPr lang="en-us"/>
+              <a:defRPr lang="en-US"/>
             </a:lvl3pPr>
             <a:lvl4pPr>
-              <a:defRPr lang="en-us"/>
+              <a:defRPr lang="en-US"/>
             </a:lvl4pPr>
             <a:lvl5pPr>
-              <a:defRPr lang="en-us"/>
+              <a:defRPr lang="en-US"/>
             </a:lvl5pPr>
             <a:lvl6pPr>
-              <a:defRPr lang="en-us"/>
+              <a:defRPr lang="en-US"/>
             </a:lvl6pPr>
             <a:lvl7pPr>
-              <a:defRPr lang="en-us"/>
+              <a:defRPr lang="en-US"/>
             </a:lvl7pPr>
             <a:lvl8pPr>
-              <a:defRPr lang="en-us"/>
+              <a:defRPr lang="en-US"/>
             </a:lvl8pPr>
             <a:lvl9pPr>
-              <a:defRPr lang="en-us"/>
+              <a:defRPr lang="en-US"/>
             </a:lvl9pPr>
           </a:lstStyle>
           <a:p>
             <a:pPr>
-              <a:defRPr lang="en-au"/>
+              <a:defRPr lang="en-AU"/>
             </a:pPr>
             <a:fld id="{3D68F5A8-E6D0-3D03-9ED0-1056BB9E6845}" type="slidenum">
               <a:t>‹#›</a:t>
             </a:fld>
+            <a:endParaRPr/>
           </a:p>
         </p:txBody>
       </p:sp>
@@ -569,7 +561,7 @@
 </file>
 
 <file path=ppt/slideLayouts/slideLayout10.xml><?xml version="1.0" encoding="utf-8"?>
-<p:sldLayout xmlns:p="http://schemas.openxmlformats.org/presentationml/2006/main" xmlns:p14="http://schemas.microsoft.com/office/powerpoint/2010/main" xmlns:r="http://schemas.openxmlformats.org/officeDocument/2006/relationships" xmlns:a="http://schemas.openxmlformats.org/drawingml/2006/main" type="vertTx" preserve="1">
+<p:sldLayout xmlns:a="http://schemas.openxmlformats.org/drawingml/2006/main" xmlns:r="http://schemas.openxmlformats.org/officeDocument/2006/relationships" xmlns:p="http://schemas.openxmlformats.org/presentationml/2006/main" type="vertTx" preserve="1">
   <p:cSld name="Title and Vertical Text">
     <p:spTree>
       <p:nvGrpSpPr>
@@ -592,7 +584,7 @@
             <a:spLocks noGrp="1" noChangeArrowheads="1"/>
             <a:extLst>
               <a:ext uri="smNativeData">
-                <pr:smNativeData xmlns:pr="smNativeData" val="SMDATA_16_n4i/WxMAAAAlAAAAZAAAAA0AAAAAkAAAAEgAAACQAAAASAAAAAAAAAABAAAAAAAAAAEAAABQAAAAAAAAAAAA4D8AAAAAAADgPwAAAAAAAOA/AAAAAAAA4D8AAAAAAADgPwAAAAAAAOA/AAAAAAAA4D8AAAAAAADgPwAAAAAAAOA/AAAAAAAA4D8CAAAAjAAAAAAAAAAAAAAAT4G9DP///wgAAAAAAAAAAAAAAAAAAAAAAAAAAAAAAAAAAAAAZAAAAAEAAABAAAAAAAAAAAAAAAAAAAAAAAAAAAAAAAAAAAAAAAAAAAAAAAAAAAAAAAAAAAAAAAAAAAAAAAAAAAAAAAAAAAAAAAAAAAAAAAAAAAAAAAAAAAAAAAAAAAAAFAAAADwAAAAAAAAAAAAAAAAAAAkUAAAAAQAAABQAAAAUAAAAFAAAAAEAAAAAAAAAZAAAAGQAAAAAAAAAZAAAAGQAAAAVAAAAYAAAAAAAAAAAAAAADwAAACADAAAAAAAAAAAAAAEAAACgMgAAVgcAAKr4//8BAAAAf39/AAEAAABkAAAAAAAAABQAAABAHwAAAAAAACYAAAAAAAAAwOD//wAAAAAmAAAAZAAAABYAAABMAAAAAAAAAAAAAAAEAAAAAAAAAAEAAADu7OEKAAAAACgAAAAoAAAAZAAAAGQAAAAAAAAAzMzMAAAAAABQAAAAUAAAAGQAAABkAAAAAAAAABcAAAAUAAAAAAAAAAAAAAD/fwAA/38AAAAAAAAJAAAABAAAAAAAAAAMAAAAEAAAAAAAAAAAAAAAAAAAAAAAAAAeAAAAaAAAAAAAAAAAAAAAAAAAAAAAAAAAAAAAECcAABAnAAAAAAAAAAAAAAAAAAAAAAAAAAAAAAAAAAAAAAAAAAAAABQAAAAAAAAAwMD/AAAAAABkAAAAMgAAAAAAAABkAAAAAAAAAH9/fwAKAAAAIgAAABgAAAAAAAAAAAAAAAAAAAAAAAAAAAAAAAAAAAAkAAAAJAAAAAAAAAAHAAAAAAAAAAAAAAAAAAAAAAAAAAAAAAAAAAAAf39/ACUAAABYAAAAAAAAAAAAAAAAAAAAAAAAAAAAAAAAAAAAAAAAAAAAAAAAAAAAAAAAAAAAAAA/AAAAAAAAAKCGAQAAAAAAAAAAAAAAAAAMAAAAAQAAAAAAAAAAAAAAAAAAAB8AAABUAAAAAAAABQAAAAEAAAAAAAAAAAAAAAAAAAAAAAAAAAAAAAAAAAAAAAAAAAAAAAJ/f38AAAAAA8zMzADAwP8Af39/AAAAAAAAAAAAAAAAAAAAAAAAAAAAIQAAABgAAAAUAAAA0AIAALEBAABwNQAAuQgAABAAAAAmAAAACAAAAAAAAAAAAAAA"/>
+                <pr:smNativeData xmlns="" xmlns:p14="http://schemas.microsoft.com/office/powerpoint/2010/main" xmlns:pr="smNativeData" val="SMDATA_16_n4i/WxMAAAAlAAAAZAAAAA0AAAAAkAAAAEgAAACQAAAASAAAAAAAAAABAAAAAAAAAAEAAABQAAAAAAAAAAAA4D8AAAAAAADgPwAAAAAAAOA/AAAAAAAA4D8AAAAAAADgPwAAAAAAAOA/AAAAAAAA4D8AAAAAAADgPwAAAAAAAOA/AAAAAAAA4D8CAAAAjAAAAAAAAAAAAAAAT4G9DP///wgAAAAAAAAAAAAAAAAAAAAAAAAAAAAAAAAAAAAAZAAAAAEAAABAAAAAAAAAAAAAAAAAAAAAAAAAAAAAAAAAAAAAAAAAAAAAAAAAAAAAAAAAAAAAAAAAAAAAAAAAAAAAAAAAAAAAAAAAAAAAAAAAAAAAAAAAAAAAAAAAAAAAFAAAADwAAAAAAAAAAAAAAAAAAAkUAAAAAQAAABQAAAAUAAAAFAAAAAEAAAAAAAAAZAAAAGQAAAAAAAAAZAAAAGQAAAAVAAAAYAAAAAAAAAAAAAAADwAAACADAAAAAAAAAAAAAAEAAACgMgAAVgcAAKr4//8BAAAAf39/AAEAAABkAAAAAAAAABQAAABAHwAAAAAAACYAAAAAAAAAwOD//wAAAAAmAAAAZAAAABYAAABMAAAAAAAAAAAAAAAEAAAAAAAAAAEAAADu7OEKAAAAACgAAAAoAAAAZAAAAGQAAAAAAAAAzMzMAAAAAABQAAAAUAAAAGQAAABkAAAAAAAAABcAAAAUAAAAAAAAAAAAAAD/fwAA/38AAAAAAAAJAAAABAAAAAAAAAAMAAAAEAAAAAAAAAAAAAAAAAAAAAAAAAAeAAAAaAAAAAAAAAAAAAAAAAAAAAAAAAAAAAAAECcAABAnAAAAAAAAAAAAAAAAAAAAAAAAAAAAAAAAAAAAAAAAAAAAABQAAAAAAAAAwMD/AAAAAABkAAAAMgAAAAAAAABkAAAAAAAAAH9/fwAKAAAAIgAAABgAAAAAAAAAAAAAAAAAAAAAAAAAAAAAAAAAAAAkAAAAJAAAAAAAAAAHAAAAAAAAAAAAAAAAAAAAAAAAAAAAAAAAAAAAf39/ACUAAABYAAAAAAAAAAAAAAAAAAAAAAAAAAAAAAAAAAAAAAAAAAAAAAAAAAAAAAAAAAAAAAA/AAAAAAAAAKCGAQAAAAAAAAAAAAAAAAAMAAAAAQAAAAAAAAAAAAAAAAAAAB8AAABUAAAAAAAABQAAAAEAAAAAAAAAAAAAAAAAAAAAAAAAAAAAAAAAAAAAAAAAAAAAAAJ/f38AAAAAA8zMzADAwP8Af39/AAAAAAAAAAAAAAAAAAAAAAAAAAAAIQAAABgAAAAUAAAA0AIAALEBAABwNQAAuQgAABAAAAAmAAAACAAAAAAAAAAAAAAA"/>
               </a:ext>
             </a:extLst>
           </p:cNvSpPr>
@@ -606,12 +598,12 @@
           <a:lstStyle/>
           <a:p>
             <a:pPr>
-              <a:defRPr lang="en-us"/>
+              <a:defRPr lang="en-US"/>
             </a:pPr>
             <a:r>
               <a:t>Click to edit Master title style</a:t>
             </a:r>
-            <a:endParaRPr lang="en-au"/>
+            <a:endParaRPr lang="en-AU"/>
           </a:p>
         </p:txBody>
       </p:sp>
@@ -622,7 +614,7 @@
             <a:spLocks noGrp="1" noChangeArrowheads="1"/>
             <a:extLst>
               <a:ext uri="smNativeData">
-                <pr:smNativeData xmlns:pr="smNativeData" val="SMDATA_16_n4i/WxMAAAAlAAAAZAAAAA0AAAAAkAAAAEgAAACQAAAASAAAAAAAAAAAAAAAAQAAAAEAAABQAAAAAAAAAAAA4D8AAAAAAADgPwAAAAAAAOA/AAAAAAAA4D8AAAAAAADgPwAAAAAAAOA/AAAAAAAA4D8AAAAAAADgPwAAAAAAAOA/AAAAAAAA4D8CAAAAjAAAAAAAAAAAAAAAT4G9DP///wgAAAAAAAAAAAAAAAAAAAAAAAAAAAAAAAAAAAAAZAAAAAEAAABAAAAAAAAAAAAAAAAAAAAAAAAAAAAAAAAAAAAAAAAAAAAAAAAAAAAAAAAAAAAAAAAAAAAAAAAAAAAAAAAAAAAAAAAAAAAAAAAAAAAAAAAAAAAAAAAAAAAAFAAAADwAAAAAAAAAAAAAAAAAAAkUAAAAAQAAABQAAAAUAAAAFAAAAAEAAAAAAAAAZAAAAGQAAAAAAAAAZAAAAGQAAAAVAAAAYAAAAAAAAAAAAAAADwAAACADAAAAAAAAAAAAAAEAAACgMgAAVgcAAKr4//8BAAAAf39/AAEAAABkAAAAAAAAABQAAABAHwAAAAAAACYAAAAAAAAAwOD//wAAAAAmAAAAZAAAABYAAABMAAAAAAAAAAAAAAAEAAAAAAAAAAEAAADu7OEKAAAAACgAAAAoAAAAZAAAAGQAAAAAAAAAzMzMAAAAAABQAAAAUAAAAGQAAABkAAAAAAAAABcAAAAUAAAAAAAAAAAAAAD/fwAA/38AAAAAAAAJAAAABAAAAAAAAAAMAAAAEAAAAAAAAAAAAAAAAAAAAAAAAAAeAAAAaAAAAAAAAAAAAAAAAAAAAAAAAAAAAAAAECcAABAnAAAAAAAAAAAAAAAAAAAAAAAAAAAAAAAAAAAAAAAAAAAAABQAAAAAAAAAwMD/AAAAAABkAAAAMgAAAAAAAABkAAAAAAAAAH9/fwAKAAAAIgAAABgAAAAAAAAAAAAAAAAAAAAAAAAAAAAAAAAAAAAkAAAAJAAAAAAAAAAHAAAAAAAAAAAAAAAAAAAAAAAAAAAAAAAAAAAAf39/ACUAAABYAAAAAAAAAAAAAAAAAAAAAAAAAAAAAAAAAAAAAAAAAAAAAAAAAAAAAAAAAAAAAAA/AAAAAAAAAKCGAQAAAAAAAAAAAAAAAAAMAAAAAQAAAAAAAAAAAAAAAAAAAB8AAABUAAAAAAAABQAAAAEAAAAAAAAAAAAAAAAAAAAAAAAAAAAAAAAAAAAAAAAAAAAAAAJ/f38AAAAAA8zMzADAwP8Af39/AAAAAAAAAAAAAAAAAAAAAAAAAAAAIQAAABgAAAAUAAAA0AIAANgJAABwNQAAsCUAABAAAAAmAAAACAAAAAIAAAAAAAAA"/>
+                <pr:smNativeData xmlns="" xmlns:p14="http://schemas.microsoft.com/office/powerpoint/2010/main" xmlns:pr="smNativeData" val="SMDATA_16_n4i/WxMAAAAlAAAAZAAAAA0AAAAAkAAAAEgAAACQAAAASAAAAAAAAAAAAAAAAQAAAAEAAABQAAAAAAAAAAAA4D8AAAAAAADgPwAAAAAAAOA/AAAAAAAA4D8AAAAAAADgPwAAAAAAAOA/AAAAAAAA4D8AAAAAAADgPwAAAAAAAOA/AAAAAAAA4D8CAAAAjAAAAAAAAAAAAAAAT4G9DP///wgAAAAAAAAAAAAAAAAAAAAAAAAAAAAAAAAAAAAAZAAAAAEAAABAAAAAAAAAAAAAAAAAAAAAAAAAAAAAAAAAAAAAAAAAAAAAAAAAAAAAAAAAAAAAAAAAAAAAAAAAAAAAAAAAAAAAAAAAAAAAAAAAAAAAAAAAAAAAAAAAAAAAFAAAADwAAAAAAAAAAAAAAAAAAAkUAAAAAQAAABQAAAAUAAAAFAAAAAEAAAAAAAAAZAAAAGQAAAAAAAAAZAAAAGQAAAAVAAAAYAAAAAAAAAAAAAAADwAAACADAAAAAAAAAAAAAAEAAACgMgAAVgcAAKr4//8BAAAAf39/AAEAAABkAAAAAAAAABQAAABAHwAAAAAAACYAAAAAAAAAwOD//wAAAAAmAAAAZAAAABYAAABMAAAAAAAAAAAAAAAEAAAAAAAAAAEAAADu7OEKAAAAACgAAAAoAAAAZAAAAGQAAAAAAAAAzMzMAAAAAABQAAAAUAAAAGQAAABkAAAAAAAAABcAAAAUAAAAAAAAAAAAAAD/fwAA/38AAAAAAAAJAAAABAAAAAAAAAAMAAAAEAAAAAAAAAAAAAAAAAAAAAAAAAAeAAAAaAAAAAAAAAAAAAAAAAAAAAAAAAAAAAAAECcAABAnAAAAAAAAAAAAAAAAAAAAAAAAAAAAAAAAAAAAAAAAAAAAABQAAAAAAAAAwMD/AAAAAABkAAAAMgAAAAAAAABkAAAAAAAAAH9/fwAKAAAAIgAAABgAAAAAAAAAAAAAAAAAAAAAAAAAAAAAAAAAAAAkAAAAJAAAAAAAAAAHAAAAAAAAAAAAAAAAAAAAAAAAAAAAAAAAAAAAf39/ACUAAABYAAAAAAAAAAAAAAAAAAAAAAAAAAAAAAAAAAAAAAAAAAAAAAAAAAAAAAAAAAAAAAA/AAAAAAAAAKCGAQAAAAAAAAAAAAAAAAAMAAAAAQAAAAAAAAAAAAAAAAAAAB8AAABUAAAAAAAABQAAAAEAAAAAAAAAAAAAAAAAAAAAAAAAAAAAAAAAAAAAAAAAAAAAAAJ/f38AAAAAA8zMzADAwP8Af39/AAAAAAAAAAAAAAAAAAAAAAAAAAAAIQAAABgAAAAUAAAA0AIAANgJAABwNQAAsCUAABAAAAAmAAAACAAAAAIAAAAAAAAA"/>
               </a:ext>
             </a:extLst>
           </p:cNvSpPr>
@@ -640,7 +632,7 @@
           <a:lstStyle/>
           <a:p>
             <a:pPr>
-              <a:defRPr lang="en-us"/>
+              <a:defRPr lang="en-US"/>
             </a:pPr>
             <a:r>
               <a:t>Click to edit Master text styles</a:t>
@@ -648,7 +640,7 @@
           </a:p>
           <a:p>
             <a:pPr lvl="1">
-              <a:defRPr lang="en-us"/>
+              <a:defRPr lang="en-US"/>
             </a:pPr>
             <a:r>
               <a:t>Second level</a:t>
@@ -656,7 +648,7 @@
           </a:p>
           <a:p>
             <a:pPr lvl="2">
-              <a:defRPr lang="en-us"/>
+              <a:defRPr lang="en-US"/>
             </a:pPr>
             <a:r>
               <a:t>Third level</a:t>
@@ -664,7 +656,7 @@
           </a:p>
           <a:p>
             <a:pPr lvl="3">
-              <a:defRPr lang="en-us"/>
+              <a:defRPr lang="en-US"/>
             </a:pPr>
             <a:r>
               <a:t>Fourth level</a:t>
@@ -672,12 +664,12 @@
           </a:p>
           <a:p>
             <a:pPr lvl="4">
-              <a:defRPr lang="en-us"/>
+              <a:defRPr lang="en-US"/>
             </a:pPr>
             <a:r>
               <a:t>Fifth level</a:t>
             </a:r>
-            <a:endParaRPr lang="en-au"/>
+            <a:endParaRPr lang="en-AU"/>
           </a:p>
         </p:txBody>
       </p:sp>
@@ -688,7 +680,7 @@
             <a:spLocks noGrp="1" noChangeArrowheads="1"/>
             <a:extLst>
               <a:ext uri="smNativeData">
-                <pr:smNativeData xmlns:pr="smNativeData" val="SMDATA_16_n4i/WxMAAAAlAAAAZAAAAA0AAAAAkAAAAEgAAACQAAAASAAAAAAAAAABAAAAAAAAAAEAAABQAAAAAAAAAAAA4D8AAAAAAADgPwAAAAAAAOA/AAAAAAAA4D8AAAAAAADgPwAAAAAAAOA/AAAAAAAA4D8AAAAAAADgPwAAAAAAAOA/AAAAAAAA4D8CAAAAjAAAAAAAAAAAAAAAT4G9DP///wgAAAAAAAAAAAAAAAAAAAAAAAAAAAAAAAAAAAAAZAAAAAEAAABAAAAAAAAAAAAAAAAAAAAAAAAAAAAAAAAAAAAAAAAAAAAAAAAAAAAAAAAAAAAAAAAAAAAAAAAAAAAAAAAAAAAAAAAAAAAAAAAAAAAAAAAAAAAAAAAAAAAAFAAAADwAAAAAAAAAAAAAAAAAAAkUAAAAAQAAABQAAAAUAAAAFAAAAAEAAAAAAAAAZAAAAGQAAAAAAAAAZAAAAGQAAAAVAAAAYAAAAAAAAAAAAAAADwAAACADAAAAAAAAAAAAAAEAAACgMgAAVgcAAKr4//8BAAAAf39/AAEAAABkAAAAAAAAABQAAABAHwAAAAAAACYAAAAAAAAAwOD//wAAAAAmAAAAZAAAABYAAABMAAAAAAAAAAAAAAAEAAAAAAAAAAEAAADu7OEKAAAAACgAAAAoAAAAZAAAAGQAAAAAAAAAzMzMAAAAAABQAAAAUAAAAGQAAABkAAAAAAAAABcAAAAUAAAAAAAAAAAAAAD/fwAA/38AAAAAAAAJAAAABAAAAAAAAAAMAAAAEAAAAAAAAAAAAAAAAAAAAAAAAAAeAAAAaAAAAAAAAAAAAAAAAAAAAAAAAAAAAAAAECcAABAnAAAAAAAAAAAAAAAAAAAAAAAAAAAAAAAAAAAAAAAAAAAAABQAAAAAAAAAwMD/AAAAAABkAAAAMgAAAAAAAABkAAAAAAAAAH9/fwAKAAAAIgAAABgAAAAAAAAAAAAAAAAAAAAAAAAAAAAAAAAAAAAkAAAAJAAAAAAAAAAHAAAAAAAAAAAAAAAAAAAAAAAAAAAAAAAAAAAAf39/ACUAAABYAAAAAAAAAAAAAAAAAAAAAAAAAAAAAAAAAAAAAAAAAAAAAAAAAAAAAAAAAAAAAAA/AAAAAAAAAKCGAQAAAAAAAAAAAAAAAAAMAAAAAQAAAAAAAAAAAAAAAAAAAB8AAABUAAAAAAAABQAAAAEAAAAAAAAAAAAAAAAAAAAAAAAAAAAAAAAAAAAAAAAAAAAAAAJ/f38AAAAAA8zMzADAwP8Af39/AAAAAAAAAAAAAAAAAAAAAAAAAAAAIQAAABgAAAAUAAAA0AIAABonAADwDwAAWSkAABAAAAAmAAAACAAAAACAAAAAAAAA"/>
+                <pr:smNativeData xmlns="" xmlns:p14="http://schemas.microsoft.com/office/powerpoint/2010/main" xmlns:pr="smNativeData" val="SMDATA_16_n4i/WxMAAAAlAAAAZAAAAA0AAAAAkAAAAEgAAACQAAAASAAAAAAAAAABAAAAAAAAAAEAAABQAAAAAAAAAAAA4D8AAAAAAADgPwAAAAAAAOA/AAAAAAAA4D8AAAAAAADgPwAAAAAAAOA/AAAAAAAA4D8AAAAAAADgPwAAAAAAAOA/AAAAAAAA4D8CAAAAjAAAAAAAAAAAAAAAT4G9DP///wgAAAAAAAAAAAAAAAAAAAAAAAAAAAAAAAAAAAAAZAAAAAEAAABAAAAAAAAAAAAAAAAAAAAAAAAAAAAAAAAAAAAAAAAAAAAAAAAAAAAAAAAAAAAAAAAAAAAAAAAAAAAAAAAAAAAAAAAAAAAAAAAAAAAAAAAAAAAAAAAAAAAAFAAAADwAAAAAAAAAAAAAAAAAAAkUAAAAAQAAABQAAAAUAAAAFAAAAAEAAAAAAAAAZAAAAGQAAAAAAAAAZAAAAGQAAAAVAAAAYAAAAAAAAAAAAAAADwAAACADAAAAAAAAAAAAAAEAAACgMgAAVgcAAKr4//8BAAAAf39/AAEAAABkAAAAAAAAABQAAABAHwAAAAAAACYAAAAAAAAAwOD//wAAAAAmAAAAZAAAABYAAABMAAAAAAAAAAAAAAAEAAAAAAAAAAEAAADu7OEKAAAAACgAAAAoAAAAZAAAAGQAAAAAAAAAzMzMAAAAAABQAAAAUAAAAGQAAABkAAAAAAAAABcAAAAUAAAAAAAAAAAAAAD/fwAA/38AAAAAAAAJAAAABAAAAAAAAAAMAAAAEAAAAAAAAAAAAAAAAAAAAAAAAAAeAAAAaAAAAAAAAAAAAAAAAAAAAAAAAAAAAAAAECcAABAnAAAAAAAAAAAAAAAAAAAAAAAAAAAAAAAAAAAAAAAAAAAAABQAAAAAAAAAwMD/AAAAAABkAAAAMgAAAAAAAABkAAAAAAAAAH9/fwAKAAAAIgAAABgAAAAAAAAAAAAAAAAAAAAAAAAAAAAAAAAAAAAkAAAAJAAAAAAAAAAHAAAAAAAAAAAAAAAAAAAAAAAAAAAAAAAAAAAAf39/ACUAAABYAAAAAAAAAAAAAAAAAAAAAAAAAAAAAAAAAAAAAAAAAAAAAAAAAAAAAAAAAAAAAAA/AAAAAAAAAKCGAQAAAAAAAAAAAAAAAAAMAAAAAQAAAAAAAAAAAAAAAAAAAB8AAABUAAAAAAAABQAAAAEAAAAAAAAAAAAAAAAAAAAAAAAAAAAAAAAAAAAAAAAAAAAAAAJ/f38AAAAAA8zMzADAwP8Af39/AAAAAAAAAAAAAAAAAAAAAAAAAAAAIQAAABgAAAAUAAAA0AIAABonAADwDwAAWSkAABAAAAAmAAAACAAAAACAAAAAAAAA"/>
               </a:ext>
             </a:extLst>
           </p:cNvSpPr>
@@ -701,40 +693,41 @@
           <a:bodyPr/>
           <a:lstStyle>
             <a:lvl1pPr>
-              <a:defRPr lang="en-au"/>
+              <a:defRPr lang="en-AU"/>
             </a:lvl1pPr>
             <a:lvl2pPr>
-              <a:defRPr lang="en-us"/>
+              <a:defRPr lang="en-US"/>
             </a:lvl2pPr>
             <a:lvl3pPr>
-              <a:defRPr lang="en-us"/>
+              <a:defRPr lang="en-US"/>
             </a:lvl3pPr>
             <a:lvl4pPr>
-              <a:defRPr lang="en-us"/>
+              <a:defRPr lang="en-US"/>
             </a:lvl4pPr>
             <a:lvl5pPr>
-              <a:defRPr lang="en-us"/>
+              <a:defRPr lang="en-US"/>
             </a:lvl5pPr>
             <a:lvl6pPr>
-              <a:defRPr lang="en-us"/>
+              <a:defRPr lang="en-US"/>
             </a:lvl6pPr>
             <a:lvl7pPr>
-              <a:defRPr lang="en-us"/>
+              <a:defRPr lang="en-US"/>
             </a:lvl7pPr>
             <a:lvl8pPr>
-              <a:defRPr lang="en-us"/>
+              <a:defRPr lang="en-US"/>
             </a:lvl8pPr>
             <a:lvl9pPr>
-              <a:defRPr lang="en-us"/>
+              <a:defRPr lang="en-US"/>
             </a:lvl9pPr>
           </a:lstStyle>
           <a:p>
             <a:pPr>
-              <a:defRPr lang="en-au"/>
+              <a:defRPr lang="en-AU"/>
             </a:pPr>
             <a:fld id="{3D688840-0ED0-3D7E-9ED0-F82BC69E68AD}" type="datetime1">
-              <a:t>9/10/2018</a:t>
+              <a:t>10/12/2018</a:t>
             </a:fld>
+            <a:endParaRPr/>
           </a:p>
         </p:txBody>
       </p:sp>
@@ -745,7 +738,7 @@
             <a:spLocks noGrp="1" noChangeArrowheads="1"/>
             <a:extLst>
               <a:ext uri="smNativeData">
-                <pr:smNativeData xmlns:pr="smNativeData" val="SMDATA_16_n4i/WxMAAAAlAAAAZAAAAA0AAAAAkAAAAEgAAACQAAAASAAAAAAAAAABAAAAAAAAAAEAAABQAAAAAAAAAAAA4D8AAAAAAADgPwAAAAAAAOA/AAAAAAAA4D8AAAAAAADgPwAAAAAAAOA/AAAAAAAA4D8AAAAAAADgPwAAAAAAAOA/AAAAAAAA4D8CAAAAjAAAAAAAAAAAAAAAT4G9DP///wgAAAAAAAAAAAAAAAAAAAAAAAAAAAAAAAAAAAAAZAAAAAEAAABAAAAAAAAAAAAAAAAAAAAAAAAAAAAAAAAAAAAAAAAAAAAAAAAAAAAAAAAAAAAAAAAAAAAAAAAAAAAAAAAAAAAAAAAAAAAAAAAAAAAAAAAAAAAAAAAAAAAAFAAAADwAAAAAAAAAAAAAAAAAAAkUAAAAAQAAABQAAAAUAAAAFAAAAAEAAAAAAAAAZAAAAGQAAAAAAAAAZAAAAGQAAAAVAAAAYAAAAAAAAAAAAAAADwAAACADAAAAAAAAAAAAAAEAAACgMgAAVgcAAKr4//8BAAAAf39/AAEAAABkAAAAAAAAABQAAABAHwAAAAAAACYAAAAAAAAAwOD//wAAAAAmAAAAZAAAABYAAABMAAAAAAAAAAAAAAAEAAAAAAAAAAEAAADu7OEKAAAAACgAAAAoAAAAZAAAAGQAAAAAAAAAzMzMAAAAAABQAAAAUAAAAGQAAABkAAAAAAAAABcAAAAUAAAAAAAAAAAAAAD/fwAA/38AAAAAAAAJAAAABAAAAAAAAAAMAAAAEAAAAAAAAAAAAAAAAAAAAAAAAAAeAAAAaAAAAAAAAAAAAAAAAAAAAAAAAAAAAAAAECcAABAnAAAAAAAAAAAAAAAAAAAAAAAAAAAAAAAAAAAAAAAAAAAAABQAAAAAAAAAwMD/AAAAAABkAAAAMgAAAAAAAABkAAAAAAAAAH9/fwAKAAAAIgAAABgAAAAAAAAAAAAAAAAAAAAAAAAAAAAAAAAAAAAkAAAAJAAAAAAAAAAHAAAAAAAAAAAAAAAAAAAAAAAAAAAAAAAAAAAAf39/ACUAAABYAAAAAAAAAAAAAAAAAAAAAAAAAAAAAAAAAAAAAAAAAAAAAAAAAAAAAAAAAAAAAAA/AAAAAAAAAKCGAQAAAAAAAAAAAAAAAAAMAAAAAQAAAAAAAAAAAAAAAAAAAB8AAABUAAAAAAAABQAAAAEAAAAAAAAAAAAAAAAAAAAAAAAAAAAAAAAAAAAAAAAAAAAAAAJ/f38AAAAAA8zMzADAwP8Af39/AAAAAAAAAAAAAAAAAAAAAAAAAAAAIQAAABgAAAAUAAAAOBMAABonAAAIJQAAWSkAABAAAAAmAAAACAAAAACAAAAAAAAA"/>
+                <pr:smNativeData xmlns="" xmlns:p14="http://schemas.microsoft.com/office/powerpoint/2010/main" xmlns:pr="smNativeData" val="SMDATA_16_n4i/WxMAAAAlAAAAZAAAAA0AAAAAkAAAAEgAAACQAAAASAAAAAAAAAABAAAAAAAAAAEAAABQAAAAAAAAAAAA4D8AAAAAAADgPwAAAAAAAOA/AAAAAAAA4D8AAAAAAADgPwAAAAAAAOA/AAAAAAAA4D8AAAAAAADgPwAAAAAAAOA/AAAAAAAA4D8CAAAAjAAAAAAAAAAAAAAAT4G9DP///wgAAAAAAAAAAAAAAAAAAAAAAAAAAAAAAAAAAAAAZAAAAAEAAABAAAAAAAAAAAAAAAAAAAAAAAAAAAAAAAAAAAAAAAAAAAAAAAAAAAAAAAAAAAAAAAAAAAAAAAAAAAAAAAAAAAAAAAAAAAAAAAAAAAAAAAAAAAAAAAAAAAAAFAAAADwAAAAAAAAAAAAAAAAAAAkUAAAAAQAAABQAAAAUAAAAFAAAAAEAAAAAAAAAZAAAAGQAAAAAAAAAZAAAAGQAAAAVAAAAYAAAAAAAAAAAAAAADwAAACADAAAAAAAAAAAAAAEAAACgMgAAVgcAAKr4//8BAAAAf39/AAEAAABkAAAAAAAAABQAAABAHwAAAAAAACYAAAAAAAAAwOD//wAAAAAmAAAAZAAAABYAAABMAAAAAAAAAAAAAAAEAAAAAAAAAAEAAADu7OEKAAAAACgAAAAoAAAAZAAAAGQAAAAAAAAAzMzMAAAAAABQAAAAUAAAAGQAAABkAAAAAAAAABcAAAAUAAAAAAAAAAAAAAD/fwAA/38AAAAAAAAJAAAABAAAAAAAAAAMAAAAEAAAAAAAAAAAAAAAAAAAAAAAAAAeAAAAaAAAAAAAAAAAAAAAAAAAAAAAAAAAAAAAECcAABAnAAAAAAAAAAAAAAAAAAAAAAAAAAAAAAAAAAAAAAAAAAAAABQAAAAAAAAAwMD/AAAAAABkAAAAMgAAAAAAAABkAAAAAAAAAH9/fwAKAAAAIgAAABgAAAAAAAAAAAAAAAAAAAAAAAAAAAAAAAAAAAAkAAAAJAAAAAAAAAAHAAAAAAAAAAAAAAAAAAAAAAAAAAAAAAAAAAAAf39/ACUAAABYAAAAAAAAAAAAAAAAAAAAAAAAAAAAAAAAAAAAAAAAAAAAAAAAAAAAAAAAAAAAAAA/AAAAAAAAAKCGAQAAAAAAAAAAAAAAAAAMAAAAAQAAAAAAAAAAAAAAAAAAAB8AAABUAAAAAAAABQAAAAEAAAAAAAAAAAAAAAAAAAAAAAAAAAAAAAAAAAAAAAAAAAAAAAJ/f38AAAAAA8zMzADAwP8Af39/AAAAAAAAAAAAAAAAAAAAAAAAAAAAIQAAABgAAAAUAAAAOBMAABonAAAIJQAAWSkAABAAAAAmAAAACAAAAACAAAAAAAAA"/>
               </a:ext>
             </a:extLst>
           </p:cNvSpPr>
@@ -758,37 +751,38 @@
           <a:bodyPr/>
           <a:lstStyle>
             <a:lvl1pPr>
-              <a:defRPr lang="en-au"/>
+              <a:defRPr lang="en-AU"/>
             </a:lvl1pPr>
             <a:lvl2pPr>
-              <a:defRPr lang="en-us"/>
+              <a:defRPr lang="en-US"/>
             </a:lvl2pPr>
             <a:lvl3pPr>
-              <a:defRPr lang="en-us"/>
+              <a:defRPr lang="en-US"/>
             </a:lvl3pPr>
             <a:lvl4pPr>
-              <a:defRPr lang="en-us"/>
+              <a:defRPr lang="en-US"/>
             </a:lvl4pPr>
             <a:lvl5pPr>
-              <a:defRPr lang="en-us"/>
+              <a:defRPr lang="en-US"/>
             </a:lvl5pPr>
             <a:lvl6pPr>
-              <a:defRPr lang="en-us"/>
+              <a:defRPr lang="en-US"/>
             </a:lvl6pPr>
             <a:lvl7pPr>
-              <a:defRPr lang="en-us"/>
+              <a:defRPr lang="en-US"/>
             </a:lvl7pPr>
             <a:lvl8pPr>
-              <a:defRPr lang="en-us"/>
+              <a:defRPr lang="en-US"/>
             </a:lvl8pPr>
             <a:lvl9pPr>
-              <a:defRPr lang="en-us"/>
+              <a:defRPr lang="en-US"/>
             </a:lvl9pPr>
           </a:lstStyle>
           <a:p>
             <a:pPr>
-              <a:defRPr lang="en-au"/>
-            </a:pPr>
+              <a:defRPr lang="en-AU"/>
+            </a:pPr>
+            <a:endParaRPr/>
           </a:p>
         </p:txBody>
       </p:sp>
@@ -799,7 +793,7 @@
             <a:spLocks noGrp="1" noChangeArrowheads="1"/>
             <a:extLst>
               <a:ext uri="smNativeData">
-                <pr:smNativeData xmlns:pr="smNativeData" val="SMDATA_16_n4i/WxMAAAAlAAAAZAAAAA0AAAAAkAAAAEgAAACQAAAASAAAAAAAAAABAAAAAAAAAAEAAABQAAAAAAAAAAAA4D8AAAAAAADgPwAAAAAAAOA/AAAAAAAA4D8AAAAAAADgPwAAAAAAAOA/AAAAAAAA4D8AAAAAAADgPwAAAAAAAOA/AAAAAAAA4D8CAAAAjAAAAAAAAAAAAAAAT4G9DP///wgAAAAAAAAAAAAAAAAAAAAAAAAAAAAAAAAAAAAAZAAAAAEAAABAAAAAAAAAAAAAAAAAAAAAAAAAAAAAAAAAAAAAAAAAAAAAAAAAAAAAAAAAAAAAAAAAAAAAAAAAAAAAAAAAAAAAAAAAAAAAAAAAAAAAAAAAAAAAAAAAAAAAFAAAADwAAAAAAAAAAAAAAAAAAAkUAAAAAQAAABQAAAAUAAAAFAAAAAEAAAAAAAAAZAAAAGQAAAAAAAAAZAAAAGQAAAAVAAAAYAAAAAAAAAAAAAAADwAAACADAAAAAAAAAAAAAAEAAACgMgAAVgcAAKr4//8BAAAAf39/AAEAAABkAAAAAAAAABQAAABAHwAAAAAAACYAAAAAAAAAwOD//wAAAAAmAAAAZAAAABYAAABMAAAAAAAAAAAAAAAEAAAAAAAAAAEAAADu7OEKAAAAACgAAAAoAAAAZAAAAGQAAAAAAAAAzMzMAAAAAABQAAAAUAAAAGQAAABkAAAAAAAAABcAAAAUAAAAAAAAAAAAAAD/fwAA/38AAAAAAAAJAAAABAAAAAAAAAAMAAAAEAAAAAAAAAAAAAAAAAAAAAAAAAAeAAAAaAAAAAAAAAAAAAAAAAAAAAAAAAAAAAAAECcAABAnAAAAAAAAAAAAAAAAAAAAAAAAAAAAAAAAAAAAAAAAAAAAABQAAAAAAAAAwMD/AAAAAABkAAAAMgAAAAAAAABkAAAAAAAAAH9/fwAKAAAAIgAAABgAAAAAAAAAAAAAAAAAAAAAAAAAAAAAAAAAAAAkAAAAJAAAAAAAAAAHAAAAAAAAAAAAAAAAAAAAAAAAAAAAAAAAAAAAf39/ACUAAABYAAAAAAAAAAAAAAAAAAAAAAAAAAAAAAAAAAAAAAAAAAAAAAAAAAAAAAAAAAAAAAA/AAAAAAAAAKCGAQAAAAAAAAAAAAAAAAAMAAAAAQAAAAAAAAAAAAAAAAAAAB8AAABUAAAAAAAABQAAAAEAAAAAAAAAAAAAAAAAAAAAAAAAAAAAAAAAAAAAAAAAAAAAAAJ/f38AAAAAA8zMzADAwP8Af39/AAAAAAAAAAAAAAAAAAAAAAAAAAAAIQAAABgAAAAUAAAAUCgAABonAABwNQAAWSkAABAAAAAmAAAACAAAAACAAAAAAAAA"/>
+                <pr:smNativeData xmlns="" xmlns:p14="http://schemas.microsoft.com/office/powerpoint/2010/main" xmlns:pr="smNativeData" val="SMDATA_16_n4i/WxMAAAAlAAAAZAAAAA0AAAAAkAAAAEgAAACQAAAASAAAAAAAAAABAAAAAAAAAAEAAABQAAAAAAAAAAAA4D8AAAAAAADgPwAAAAAAAOA/AAAAAAAA4D8AAAAAAADgPwAAAAAAAOA/AAAAAAAA4D8AAAAAAADgPwAAAAAAAOA/AAAAAAAA4D8CAAAAjAAAAAAAAAAAAAAAT4G9DP///wgAAAAAAAAAAAAAAAAAAAAAAAAAAAAAAAAAAAAAZAAAAAEAAABAAAAAAAAAAAAAAAAAAAAAAAAAAAAAAAAAAAAAAAAAAAAAAAAAAAAAAAAAAAAAAAAAAAAAAAAAAAAAAAAAAAAAAAAAAAAAAAAAAAAAAAAAAAAAAAAAAAAAFAAAADwAAAAAAAAAAAAAAAAAAAkUAAAAAQAAABQAAAAUAAAAFAAAAAEAAAAAAAAAZAAAAGQAAAAAAAAAZAAAAGQAAAAVAAAAYAAAAAAAAAAAAAAADwAAACADAAAAAAAAAAAAAAEAAACgMgAAVgcAAKr4//8BAAAAf39/AAEAAABkAAAAAAAAABQAAABAHwAAAAAAACYAAAAAAAAAwOD//wAAAAAmAAAAZAAAABYAAABMAAAAAAAAAAAAAAAEAAAAAAAAAAEAAADu7OEKAAAAACgAAAAoAAAAZAAAAGQAAAAAAAAAzMzMAAAAAABQAAAAUAAAAGQAAABkAAAAAAAAABcAAAAUAAAAAAAAAAAAAAD/fwAA/38AAAAAAAAJAAAABAAAAAAAAAAMAAAAEAAAAAAAAAAAAAAAAAAAAAAAAAAeAAAAaAAAAAAAAAAAAAAAAAAAAAAAAAAAAAAAECcAABAnAAAAAAAAAAAAAAAAAAAAAAAAAAAAAAAAAAAAAAAAAAAAABQAAAAAAAAAwMD/AAAAAABkAAAAMgAAAAAAAABkAAAAAAAAAH9/fwAKAAAAIgAAABgAAAAAAAAAAAAAAAAAAAAAAAAAAAAAAAAAAAAkAAAAJAAAAAAAAAAHAAAAAAAAAAAAAAAAAAAAAAAAAAAAAAAAAAAAf39/ACUAAABYAAAAAAAAAAAAAAAAAAAAAAAAAAAAAAAAAAAAAAAAAAAAAAAAAAAAAAAAAAAAAAA/AAAAAAAAAKCGAQAAAAAAAAAAAAAAAAAMAAAAAQAAAAAAAAAAAAAAAAAAAB8AAABUAAAAAAAABQAAAAEAAAAAAAAAAAAAAAAAAAAAAAAAAAAAAAAAAAAAAAAAAAAAAAJ/f38AAAAAA8zMzADAwP8Af39/AAAAAAAAAAAAAAAAAAAAAAAAAAAAIQAAABgAAAAUAAAAUCgAABonAABwNQAAWSkAABAAAAAmAAAACAAAAACAAAAAAAAA"/>
               </a:ext>
             </a:extLst>
           </p:cNvSpPr>
@@ -812,40 +806,41 @@
           <a:bodyPr/>
           <a:lstStyle>
             <a:lvl1pPr>
-              <a:defRPr lang="en-au"/>
+              <a:defRPr lang="en-AU"/>
             </a:lvl1pPr>
             <a:lvl2pPr>
-              <a:defRPr lang="en-us"/>
+              <a:defRPr lang="en-US"/>
             </a:lvl2pPr>
             <a:lvl3pPr>
-              <a:defRPr lang="en-us"/>
+              <a:defRPr lang="en-US"/>
             </a:lvl3pPr>
             <a:lvl4pPr>
-              <a:defRPr lang="en-us"/>
+              <a:defRPr lang="en-US"/>
             </a:lvl4pPr>
             <a:lvl5pPr>
-              <a:defRPr lang="en-us"/>
+              <a:defRPr lang="en-US"/>
             </a:lvl5pPr>
             <a:lvl6pPr>
-              <a:defRPr lang="en-us"/>
+              <a:defRPr lang="en-US"/>
             </a:lvl6pPr>
             <a:lvl7pPr>
-              <a:defRPr lang="en-us"/>
+              <a:defRPr lang="en-US"/>
             </a:lvl7pPr>
             <a:lvl8pPr>
-              <a:defRPr lang="en-us"/>
+              <a:defRPr lang="en-US"/>
             </a:lvl8pPr>
             <a:lvl9pPr>
-              <a:defRPr lang="en-us"/>
+              <a:defRPr lang="en-US"/>
             </a:lvl9pPr>
           </a:lstStyle>
           <a:p>
             <a:pPr>
-              <a:defRPr lang="en-au"/>
+              <a:defRPr lang="en-AU"/>
             </a:pPr>
             <a:fld id="{3D689F5F-11D0-3D69-9ED0-E73CD19E68B2}" type="slidenum">
               <a:t>‹#›</a:t>
             </a:fld>
+            <a:endParaRPr/>
           </a:p>
         </p:txBody>
       </p:sp>
@@ -858,7 +853,7 @@
 </file>
 
 <file path=ppt/slideLayouts/slideLayout11.xml><?xml version="1.0" encoding="utf-8"?>
-<p:sldLayout xmlns:p="http://schemas.openxmlformats.org/presentationml/2006/main" xmlns:p14="http://schemas.microsoft.com/office/powerpoint/2010/main" xmlns:r="http://schemas.openxmlformats.org/officeDocument/2006/relationships" xmlns:a="http://schemas.openxmlformats.org/drawingml/2006/main" type="vertTitleAndTx" preserve="1">
+<p:sldLayout xmlns:a="http://schemas.openxmlformats.org/drawingml/2006/main" xmlns:r="http://schemas.openxmlformats.org/officeDocument/2006/relationships" xmlns:p="http://schemas.openxmlformats.org/presentationml/2006/main" type="vertTitleAndTx" preserve="1">
   <p:cSld name="Vertical Title and Text">
     <p:spTree>
       <p:nvGrpSpPr>
@@ -881,7 +876,7 @@
             <a:spLocks noGrp="1" noChangeArrowheads="1"/>
             <a:extLst>
               <a:ext uri="smNativeData">
-                <pr:smNativeData xmlns:pr="smNativeData" val="SMDATA_16_n4i/WxMAAAAlAAAAZAAAAA0AAAAAkAAAAEgAAACQAAAASAAAAAAAAAABAAAAAQAAAAEAAABQAAAAAAAAAAAA4D8AAAAAAADgPwAAAAAAAOA/AAAAAAAA4D8AAAAAAADgPwAAAAAAAOA/AAAAAAAA4D8AAAAAAADgPwAAAAAAAOA/AAAAAAAA4D8CAAAAjAAAAAAAAAAAAAAAT4G9DP///wgAAAAAAAAAAAAAAAAAAAAAAAAAAAAAAAAAAAAAZAAAAAEAAABAAAAAAAAAAAAAAAAAAAAAAAAAAAAAAAAAAAAAAAAAAAAAAAAAAAAAAAAAAAAAAAAAAAAAAAAAAAAAAAAAAAAAAAAAAAAAAAAAAAAAAAAAAAAAAAAAAAAAFAAAADwAAAAAAAAAAAAAAAAAAAkUAAAAAQAAABQAAAAUAAAAFAAAAAEAAAAAAAAAZAAAAGQAAAAAAAAAZAAAAGQAAAAVAAAAYAAAAAAAAAAAAAAADwAAACADAAAAAAAAAAAAAAEAAACgMgAAVgcAAKr4//8BAAAAf39/AAEAAABkAAAAAAAAABQAAABAHwAAAAAAACYAAAAAAAAAwOD//wAAAAAmAAAAZAAAABYAAABMAAAAAAAAAAAAAAAEAAAAAAAAAAEAAADu7OEKAAAAACgAAAAoAAAAZAAAAGQAAAAAAAAAzMzMAAAAAABQAAAAUAAAAGQAAABkAAAAAAAAABcAAAAUAAAAAAAAAAAAAAD/fwAA/38AAAAAAAAJAAAABAAAAAAAAAAMAAAAEAAAAAAAAAAAAAAAAAAAAAAAAAAeAAAAaAAAAAAAAAAAAAAAAAAAAAAAAAAAAAAAECcAABAnAAAAAAAAAAAAAAAAAAAAAAAAAAAAAAAAAAAAAAAAAAAAABQAAAAAAAAAwMD/AAAAAABkAAAAMgAAAAAAAABkAAAAAAAAAH9/fwAKAAAAIgAAABgAAAAAAAAAAAAAAAAAAAAAAAAAAAAAAAAAAAAkAAAAJAAAAAAAAAAHAAAAAAAAAAAAAAAAAAAAAAAAAAAAAAAAAAAAf39/ACUAAABYAAAAAAAAAAAAAAAAAAAAAAAAAAAAAAAAAAAAAAAAAAAAAAAAAAAAAAAAAAAAAAA/AAAAAAAAAKCGAQAAAAAAAAAAAAAAAAAMAAAAAQAAAAAAAAAAAAAAAAAAAB8AAABUAAAAAAAABQAAAAEAAAAAAAAAAAAAAAAAAAAAAAAAAAAAAAAAAAAAAAAAAAAAAAJ/f38AAAAAA8zMzADAwP8Af39/AAAAAAAAAAAAAAAAAAAAAAAAAAAAIQAAABgAAAAUAAAAyCgAALEBAABwNQAAsCUAABAAAAAmAAAACAAAAAMAAAAAAAAA"/>
+                <pr:smNativeData xmlns="" xmlns:p14="http://schemas.microsoft.com/office/powerpoint/2010/main" xmlns:pr="smNativeData" val="SMDATA_16_n4i/WxMAAAAlAAAAZAAAAA0AAAAAkAAAAEgAAACQAAAASAAAAAAAAAABAAAAAQAAAAEAAABQAAAAAAAAAAAA4D8AAAAAAADgPwAAAAAAAOA/AAAAAAAA4D8AAAAAAADgPwAAAAAAAOA/AAAAAAAA4D8AAAAAAADgPwAAAAAAAOA/AAAAAAAA4D8CAAAAjAAAAAAAAAAAAAAAT4G9DP///wgAAAAAAAAAAAAAAAAAAAAAAAAAAAAAAAAAAAAAZAAAAAEAAABAAAAAAAAAAAAAAAAAAAAAAAAAAAAAAAAAAAAAAAAAAAAAAAAAAAAAAAAAAAAAAAAAAAAAAAAAAAAAAAAAAAAAAAAAAAAAAAAAAAAAAAAAAAAAAAAAAAAAFAAAADwAAAAAAAAAAAAAAAAAAAkUAAAAAQAAABQAAAAUAAAAFAAAAAEAAAAAAAAAZAAAAGQAAAAAAAAAZAAAAGQAAAAVAAAAYAAAAAAAAAAAAAAADwAAACADAAAAAAAAAAAAAAEAAACgMgAAVgcAAKr4//8BAAAAf39/AAEAAABkAAAAAAAAABQAAABAHwAAAAAAACYAAAAAAAAAwOD//wAAAAAmAAAAZAAAABYAAABMAAAAAAAAAAAAAAAEAAAAAAAAAAEAAADu7OEKAAAAACgAAAAoAAAAZAAAAGQAAAAAAAAAzMzMAAAAAABQAAAAUAAAAGQAAABkAAAAAAAAABcAAAAUAAAAAAAAAAAAAAD/fwAA/38AAAAAAAAJAAAABAAAAAAAAAAMAAAAEAAAAAAAAAAAAAAAAAAAAAAAAAAeAAAAaAAAAAAAAAAAAAAAAAAAAAAAAAAAAAAAECcAABAnAAAAAAAAAAAAAAAAAAAAAAAAAAAAAAAAAAAAAAAAAAAAABQAAAAAAAAAwMD/AAAAAABkAAAAMgAAAAAAAABkAAAAAAAAAH9/fwAKAAAAIgAAABgAAAAAAAAAAAAAAAAAAAAAAAAAAAAAAAAAAAAkAAAAJAAAAAAAAAAHAAAAAAAAAAAAAAAAAAAAAAAAAAAAAAAAAAAAf39/ACUAAABYAAAAAAAAAAAAAAAAAAAAAAAAAAAAAAAAAAAAAAAAAAAAAAAAAAAAAAAAAAAAAAA/AAAAAAAAAKCGAQAAAAAAAAAAAAAAAAAMAAAAAQAAAAAAAAAAAAAAAAAAAB8AAABUAAAAAAAABQAAAAEAAAAAAAAAAAAAAAAAAAAAAAAAAAAAAAAAAAAAAAAAAAAAAAJ/f38AAAAAA8zMzADAwP8Af39/AAAAAAAAAAAAAAAAAAAAAAAAAAAAIQAAABgAAAAUAAAAyCgAALEBAABwNQAAsCUAABAAAAAmAAAACAAAAAMAAAAAAAAA"/>
               </a:ext>
             </a:extLst>
           </p:cNvSpPr>
@@ -904,12 +899,12 @@
           <a:lstStyle/>
           <a:p>
             <a:pPr>
-              <a:defRPr lang="en-us"/>
+              <a:defRPr lang="en-US"/>
             </a:pPr>
             <a:r>
               <a:t>Click to edit Master title style</a:t>
             </a:r>
-            <a:endParaRPr lang="en-au"/>
+            <a:endParaRPr lang="en-AU"/>
           </a:p>
         </p:txBody>
       </p:sp>
@@ -920,7 +915,7 @@
             <a:spLocks noGrp="1" noChangeArrowheads="1"/>
             <a:extLst>
               <a:ext uri="smNativeData">
-                <pr:smNativeData xmlns:pr="smNativeData" val="SMDATA_16_n4i/WxMAAAAlAAAAZAAAAA0AAAAAkAAAAEgAAACQAAAASAAAAAAAAAAAAAAAAQAAAAEAAABQAAAAAAAAAAAA4D8AAAAAAADgPwAAAAAAAOA/AAAAAAAA4D8AAAAAAADgPwAAAAAAAOA/AAAAAAAA4D8AAAAAAADgPwAAAAAAAOA/AAAAAAAA4D8CAAAAjAAAAAAAAAAAAAAAT4G9DP///wgAAAAAAAAAAAAAAAAAAAAAAAAAAAAAAAAAAAAAZAAAAAEAAABAAAAAAAAAAAAAAAAAAAAAAAAAAAAAAAAAAAAAAAAAAAAAAAAAAAAAAAAAAAAAAAAAAAAAAAAAAAAAAAAAAAAAAAAAAAAAAAAAAAAAAAAAAAAAAAAAAAAAFAAAADwAAAAAAAAAAAAAAAAAAAkUAAAAAQAAABQAAAAUAAAAFAAAAAEAAAAAAAAAZAAAAGQAAAAAAAAAZAAAAGQAAAAVAAAAYAAAAAAAAAAAAAAADwAAACADAAAAAAAAAAAAAAEAAACgMgAAVgcAAKr4//8BAAAAf39/AAEAAABkAAAAAAAAABQAAABAHwAAAAAAACYAAAAAAAAAwOD//wAAAAAmAAAAZAAAABYAAABMAAAAAAAAAAAAAAAEAAAAAAAAAAEAAADu7OEKAAAAACgAAAAoAAAAZAAAAGQAAAAAAAAAzMzMAAAAAABQAAAAUAAAAGQAAABkAAAAAAAAABcAAAAUAAAAAAAAAAAAAAD/fwAA/38AAAAAAAAJAAAABAAAAAAAAAAMAAAAEAAAAAAAAAAAAAAAAAAAAAAAAAAeAAAAaAAAAAAAAAAAAAAAAAAAAAAAAAAAAAAAECcAABAnAAAAAAAAAAAAAAAAAAAAAAAAAAAAAAAAAAAAAAAAAAAAABQAAAAAAAAAwMD/AAAAAABkAAAAMgAAAAAAAABkAAAAAAAAAH9/fwAKAAAAIgAAABgAAAAAAAAAAAAAAAAAAAAAAAAAAAAAAAAAAAAkAAAAJAAAAAAAAAAHAAAAAAAAAAAAAAAAAAAAAAAAAAAAAAAAAAAAf39/ACUAAABYAAAAAAAAAAAAAAAAAAAAAAAAAAAAAAAAAAAAAAAAAAAAAAAAAAAAAAAAAAAAAAA/AAAAAAAAAKCGAQAAAAAAAAAAAAAAAAAMAAAAAQAAAAAAAAAAAAAAAAAAAB8AAABUAAAAAAAABQAAAAEAAAAAAAAAAAAAAAAAAAAAAAAAAAAAAAAAAAAAAAAAAAAAAAJ/f38AAAAAA8zMzADAwP8Af39/AAAAAAAAAAAAAAAAAAAAAAAAAAAAIQAAABgAAAAUAAAA0AIAALEBAADYJwAAsCUAABAAAAAmAAAACAAAAAMAAAAAAAAA"/>
+                <pr:smNativeData xmlns="" xmlns:p14="http://schemas.microsoft.com/office/powerpoint/2010/main" xmlns:pr="smNativeData" val="SMDATA_16_n4i/WxMAAAAlAAAAZAAAAA0AAAAAkAAAAEgAAACQAAAASAAAAAAAAAAAAAAAAQAAAAEAAABQAAAAAAAAAAAA4D8AAAAAAADgPwAAAAAAAOA/AAAAAAAA4D8AAAAAAADgPwAAAAAAAOA/AAAAAAAA4D8AAAAAAADgPwAAAAAAAOA/AAAAAAAA4D8CAAAAjAAAAAAAAAAAAAAAT4G9DP///wgAAAAAAAAAAAAAAAAAAAAAAAAAAAAAAAAAAAAAZAAAAAEAAABAAAAAAAAAAAAAAAAAAAAAAAAAAAAAAAAAAAAAAAAAAAAAAAAAAAAAAAAAAAAAAAAAAAAAAAAAAAAAAAAAAAAAAAAAAAAAAAAAAAAAAAAAAAAAAAAAAAAAFAAAADwAAAAAAAAAAAAAAAAAAAkUAAAAAQAAABQAAAAUAAAAFAAAAAEAAAAAAAAAZAAAAGQAAAAAAAAAZAAAAGQAAAAVAAAAYAAAAAAAAAAAAAAADwAAACADAAAAAAAAAAAAAAEAAACgMgAAVgcAAKr4//8BAAAAf39/AAEAAABkAAAAAAAAABQAAABAHwAAAAAAACYAAAAAAAAAwOD//wAAAAAmAAAAZAAAABYAAABMAAAAAAAAAAAAAAAEAAAAAAAAAAEAAADu7OEKAAAAACgAAAAoAAAAZAAAAGQAAAAAAAAAzMzMAAAAAABQAAAAUAAAAGQAAABkAAAAAAAAABcAAAAUAAAAAAAAAAAAAAD/fwAA/38AAAAAAAAJAAAABAAAAAAAAAAMAAAAEAAAAAAAAAAAAAAAAAAAAAAAAAAeAAAAaAAAAAAAAAAAAAAAAAAAAAAAAAAAAAAAECcAABAnAAAAAAAAAAAAAAAAAAAAAAAAAAAAAAAAAAAAAAAAAAAAABQAAAAAAAAAwMD/AAAAAABkAAAAMgAAAAAAAABkAAAAAAAAAH9/fwAKAAAAIgAAABgAAAAAAAAAAAAAAAAAAAAAAAAAAAAAAAAAAAAkAAAAJAAAAAAAAAAHAAAAAAAAAAAAAAAAAAAAAAAAAAAAAAAAAAAAf39/ACUAAABYAAAAAAAAAAAAAAAAAAAAAAAAAAAAAAAAAAAAAAAAAAAAAAAAAAAAAAAAAAAAAAA/AAAAAAAAAKCGAQAAAAAAAAAAAAAAAAAMAAAAAQAAAAAAAAAAAAAAAAAAAB8AAABUAAAAAAAABQAAAAEAAAAAAAAAAAAAAAAAAAAAAAAAAAAAAAAAAAAAAAAAAAAAAAJ/f38AAAAAA8zMzADAwP8Af39/AAAAAAAAAAAAAAAAAAAAAAAAAAAAIQAAABgAAAAUAAAA0AIAALEBAADYJwAAsCUAABAAAAAmAAAACAAAAAMAAAAAAAAA"/>
               </a:ext>
             </a:extLst>
           </p:cNvSpPr>
@@ -943,7 +938,7 @@
           <a:lstStyle/>
           <a:p>
             <a:pPr>
-              <a:defRPr lang="en-us"/>
+              <a:defRPr lang="en-US"/>
             </a:pPr>
             <a:r>
               <a:t>Click to edit Master text styles</a:t>
@@ -951,7 +946,7 @@
           </a:p>
           <a:p>
             <a:pPr lvl="1">
-              <a:defRPr lang="en-us"/>
+              <a:defRPr lang="en-US"/>
             </a:pPr>
             <a:r>
               <a:t>Second level</a:t>
@@ -959,7 +954,7 @@
           </a:p>
           <a:p>
             <a:pPr lvl="2">
-              <a:defRPr lang="en-us"/>
+              <a:defRPr lang="en-US"/>
             </a:pPr>
             <a:r>
               <a:t>Third level</a:t>
@@ -967,7 +962,7 @@
           </a:p>
           <a:p>
             <a:pPr lvl="3">
-              <a:defRPr lang="en-us"/>
+              <a:defRPr lang="en-US"/>
             </a:pPr>
             <a:r>
               <a:t>Fourth level</a:t>
@@ -975,12 +970,12 @@
           </a:p>
           <a:p>
             <a:pPr lvl="4">
-              <a:defRPr lang="en-us"/>
+              <a:defRPr lang="en-US"/>
             </a:pPr>
             <a:r>
               <a:t>Fifth level</a:t>
             </a:r>
-            <a:endParaRPr lang="en-au"/>
+            <a:endParaRPr lang="en-AU"/>
           </a:p>
         </p:txBody>
       </p:sp>
@@ -991,7 +986,7 @@
             <a:spLocks noGrp="1" noChangeArrowheads="1"/>
             <a:extLst>
               <a:ext uri="smNativeData">
-                <pr:smNativeData xmlns:pr="smNativeData" val="SMDATA_16_n4i/WxMAAAAlAAAAZAAAAA0AAAAAkAAAAEgAAACQAAAASAAAAAAAAAABAAAAAAAAAAEAAABQAAAAAAAAAAAA4D8AAAAAAADgPwAAAAAAAOA/AAAAAAAA4D8AAAAAAADgPwAAAAAAAOA/AAAAAAAA4D8AAAAAAADgPwAAAAAAAOA/AAAAAAAA4D8CAAAAjAAAAAAAAAAAAAAAT4G9DP///wgAAAAAAAAAAAAAAAAAAAAAAAAAAAAAAAAAAAAAZAAAAAEAAABAAAAAAAAAAAAAAAAAAAAAAAAAAAAAAAAAAAAAAAAAAAAAAAAAAAAAAAAAAAAAAAAAAAAAAAAAAAAAAAAAAAAAAAAAAAAAAAAAAAAAAAAAAAAAAAAAAAAAFAAAADwAAAAAAAAAAAAAAAAAAAkUAAAAAQAAABQAAAAUAAAAFAAAAAEAAAAAAAAAZAAAAGQAAAAAAAAAZAAAAGQAAAAVAAAAYAAAAAAAAAAAAAAADwAAACADAAAAAAAAAAAAAAEAAACgMgAAVgcAAKr4//8BAAAAf39/AAEAAABkAAAAAAAAABQAAABAHwAAAAAAACYAAAAAAAAAwOD//wAAAAAmAAAAZAAAABYAAABMAAAAAAAAAAAAAAAEAAAAAAAAAAEAAADu7OEKAAAAACgAAAAoAAAAZAAAAGQAAAAAAAAAzMzMAAAAAABQAAAAUAAAAGQAAABkAAAAAAAAABcAAAAUAAAAAAAAAAAAAAD/fwAA/38AAAAAAAAJAAAABAAAAAAAAAAMAAAAEAAAAAAAAAAAAAAAAAAAAAAAAAAeAAAAaAAAAAAAAAAAAAAAAAAAAAAAAAAAAAAAECcAABAnAAAAAAAAAAAAAAAAAAAAAAAAAAAAAAAAAAAAAAAAAAAAABQAAAAAAAAAwMD/AAAAAABkAAAAMgAAAAAAAABkAAAAAAAAAH9/fwAKAAAAIgAAABgAAAAAAAAAAAAAAAAAAAAAAAAAAAAAAAAAAAAkAAAAJAAAAAAAAAAHAAAAAAAAAAAAAAAAAAAAAAAAAAAAAAAAAAAAf39/ACUAAABYAAAAAAAAAAAAAAAAAAAAAAAAAAAAAAAAAAAAAAAAAAAAAAAAAAAAAAAAAAAAAAA/AAAAAAAAAKCGAQAAAAAAAAAAAAAAAAAMAAAAAQAAAAAAAAAAAAAAAAAAAB8AAABUAAAAAAAABQAAAAEAAAAAAAAAAAAAAAAAAAAAAAAAAAAAAAAAAAAAAAAAAAAAAAJ/f38AAAAAA8zMzADAwP8Af39/AAAAAAAAAAAAAAAAAAAAAAAAAAAAIQAAABgAAAAUAAAA0AIAABonAADwDwAAWSkAABAAAAAmAAAACAAAAACAAAAAAAAA"/>
+                <pr:smNativeData xmlns="" xmlns:p14="http://schemas.microsoft.com/office/powerpoint/2010/main" xmlns:pr="smNativeData" val="SMDATA_16_n4i/WxMAAAAlAAAAZAAAAA0AAAAAkAAAAEgAAACQAAAASAAAAAAAAAABAAAAAAAAAAEAAABQAAAAAAAAAAAA4D8AAAAAAADgPwAAAAAAAOA/AAAAAAAA4D8AAAAAAADgPwAAAAAAAOA/AAAAAAAA4D8AAAAAAADgPwAAAAAAAOA/AAAAAAAA4D8CAAAAjAAAAAAAAAAAAAAAT4G9DP///wgAAAAAAAAAAAAAAAAAAAAAAAAAAAAAAAAAAAAAZAAAAAEAAABAAAAAAAAAAAAAAAAAAAAAAAAAAAAAAAAAAAAAAAAAAAAAAAAAAAAAAAAAAAAAAAAAAAAAAAAAAAAAAAAAAAAAAAAAAAAAAAAAAAAAAAAAAAAAAAAAAAAAFAAAADwAAAAAAAAAAAAAAAAAAAkUAAAAAQAAABQAAAAUAAAAFAAAAAEAAAAAAAAAZAAAAGQAAAAAAAAAZAAAAGQAAAAVAAAAYAAAAAAAAAAAAAAADwAAACADAAAAAAAAAAAAAAEAAACgMgAAVgcAAKr4//8BAAAAf39/AAEAAABkAAAAAAAAABQAAABAHwAAAAAAACYAAAAAAAAAwOD//wAAAAAmAAAAZAAAABYAAABMAAAAAAAAAAAAAAAEAAAAAAAAAAEAAADu7OEKAAAAACgAAAAoAAAAZAAAAGQAAAAAAAAAzMzMAAAAAABQAAAAUAAAAGQAAABkAAAAAAAAABcAAAAUAAAAAAAAAAAAAAD/fwAA/38AAAAAAAAJAAAABAAAAAAAAAAMAAAAEAAAAAAAAAAAAAAAAAAAAAAAAAAeAAAAaAAAAAAAAAAAAAAAAAAAAAAAAAAAAAAAECcAABAnAAAAAAAAAAAAAAAAAAAAAAAAAAAAAAAAAAAAAAAAAAAAABQAAAAAAAAAwMD/AAAAAABkAAAAMgAAAAAAAABkAAAAAAAAAH9/fwAKAAAAIgAAABgAAAAAAAAAAAAAAAAAAAAAAAAAAAAAAAAAAAAkAAAAJAAAAAAAAAAHAAAAAAAAAAAAAAAAAAAAAAAAAAAAAAAAAAAAf39/ACUAAABYAAAAAAAAAAAAAAAAAAAAAAAAAAAAAAAAAAAAAAAAAAAAAAAAAAAAAAAAAAAAAAA/AAAAAAAAAKCGAQAAAAAAAAAAAAAAAAAMAAAAAQAAAAAAAAAAAAAAAAAAAB8AAABUAAAAAAAABQAAAAEAAAAAAAAAAAAAAAAAAAAAAAAAAAAAAAAAAAAAAAAAAAAAAAJ/f38AAAAAA8zMzADAwP8Af39/AAAAAAAAAAAAAAAAAAAAAAAAAAAAIQAAABgAAAAUAAAA0AIAABonAADwDwAAWSkAABAAAAAmAAAACAAAAACAAAAAAAAA"/>
               </a:ext>
             </a:extLst>
           </p:cNvSpPr>
@@ -1004,40 +999,41 @@
           <a:bodyPr/>
           <a:lstStyle>
             <a:lvl1pPr>
-              <a:defRPr lang="en-au"/>
+              <a:defRPr lang="en-AU"/>
             </a:lvl1pPr>
             <a:lvl2pPr>
-              <a:defRPr lang="en-us"/>
+              <a:defRPr lang="en-US"/>
             </a:lvl2pPr>
             <a:lvl3pPr>
-              <a:defRPr lang="en-us"/>
+              <a:defRPr lang="en-US"/>
             </a:lvl3pPr>
             <a:lvl4pPr>
-              <a:defRPr lang="en-us"/>
+              <a:defRPr lang="en-US"/>
             </a:lvl4pPr>
             <a:lvl5pPr>
-              <a:defRPr lang="en-us"/>
+              <a:defRPr lang="en-US"/>
             </a:lvl5pPr>
             <a:lvl6pPr>
-              <a:defRPr lang="en-us"/>
+              <a:defRPr lang="en-US"/>
             </a:lvl6pPr>
             <a:lvl7pPr>
-              <a:defRPr lang="en-us"/>
+              <a:defRPr lang="en-US"/>
             </a:lvl7pPr>
             <a:lvl8pPr>
-              <a:defRPr lang="en-us"/>
+              <a:defRPr lang="en-US"/>
             </a:lvl8pPr>
             <a:lvl9pPr>
-              <a:defRPr lang="en-us"/>
+              <a:defRPr lang="en-US"/>
             </a:lvl9pPr>
           </a:lstStyle>
           <a:p>
             <a:pPr>
-              <a:defRPr lang="en-au"/>
+              <a:defRPr lang="en-AU"/>
             </a:pPr>
             <a:fld id="{3D68986B-25D0-3D6E-9ED0-D33BD69E6886}" type="datetime1">
-              <a:t>9/10/2018</a:t>
+              <a:t>10/12/2018</a:t>
             </a:fld>
+            <a:endParaRPr/>
           </a:p>
         </p:txBody>
       </p:sp>
@@ -1048,7 +1044,7 @@
             <a:spLocks noGrp="1" noChangeArrowheads="1"/>
             <a:extLst>
               <a:ext uri="smNativeData">
-                <pr:smNativeData xmlns:pr="smNativeData" val="SMDATA_16_n4i/WxMAAAAlAAAAZAAAAA0AAAAAkAAAAEgAAACQAAAASAAAAAAAAAABAAAAAAAAAAEAAABQAAAAAAAAAAAA4D8AAAAAAADgPwAAAAAAAOA/AAAAAAAA4D8AAAAAAADgPwAAAAAAAOA/AAAAAAAA4D8AAAAAAADgPwAAAAAAAOA/AAAAAAAA4D8CAAAAjAAAAAAAAAAAAAAAT4G9DP///wgAAAAAAAAAAAAAAAAAAAAAAAAAAAAAAAAAAAAAZAAAAAEAAABAAAAAAAAAAAAAAAAAAAAAAAAAAAAAAAAAAAAAAAAAAAAAAAAAAAAAAAAAAAAAAAAAAAAAAAAAAAAAAAAAAAAAAAAAAAAAAAAAAAAAAAAAAAAAAAAAAAAAFAAAADwAAAAAAAAAAAAAAAAAAAkUAAAAAQAAABQAAAAUAAAAFAAAAAEAAAAAAAAAZAAAAGQAAAAAAAAAZAAAAGQAAAAVAAAAYAAAAAAAAAAAAAAADwAAACADAAAAAAAAAAAAAAEAAACgMgAAVgcAAKr4//8BAAAAf39/AAEAAABkAAAAAAAAABQAAABAHwAAAAAAACYAAAAAAAAAwOD//wAAAAAmAAAAZAAAABYAAABMAAAAAAAAAAAAAAAEAAAAAAAAAAEAAADu7OEKAAAAACgAAAAoAAAAZAAAAGQAAAAAAAAAzMzMAAAAAABQAAAAUAAAAGQAAABkAAAAAAAAABcAAAAUAAAAAAAAAAAAAAD/fwAA/38AAAAAAAAJAAAABAAAAAAAAAAMAAAAEAAAAAAAAAAAAAAAAAAAAAAAAAAeAAAAaAAAAAAAAAAAAAAAAAAAAAAAAAAAAAAAECcAABAnAAAAAAAAAAAAAAAAAAAAAAAAAAAAAAAAAAAAAAAAAAAAABQAAAAAAAAAwMD/AAAAAABkAAAAMgAAAAAAAABkAAAAAAAAAH9/fwAKAAAAIgAAABgAAAAAAAAAAAAAAAAAAAAAAAAAAAAAAAAAAAAkAAAAJAAAAAAAAAAHAAAAAAAAAAAAAAAAAAAAAAAAAAAAAAAAAAAAf39/ACUAAABYAAAAAAAAAAAAAAAAAAAAAAAAAAAAAAAAAAAAAAAAAAAAAAAAAAAAAAAAAAAAAAA/AAAAAAAAAKCGAQAAAAAAAAAAAAAAAAAMAAAAAQAAAAAAAAAAAAAAAAAAAB8AAABUAAAAAAAABQAAAAEAAAAAAAAAAAAAAAAAAAAAAAAAAAAAAAAAAAAAAAAAAAAAAAJ/f38AAAAAA8zMzADAwP8Af39/AAAAAAAAAAAAAAAAAAAAAAAAAAAAIQAAABgAAAAUAAAAOBMAABonAAAIJQAAWSkAABAAAAAmAAAACAAAAACAAAAAAAAA"/>
+                <pr:smNativeData xmlns="" xmlns:p14="http://schemas.microsoft.com/office/powerpoint/2010/main" xmlns:pr="smNativeData" val="SMDATA_16_n4i/WxMAAAAlAAAAZAAAAA0AAAAAkAAAAEgAAACQAAAASAAAAAAAAAABAAAAAAAAAAEAAABQAAAAAAAAAAAA4D8AAAAAAADgPwAAAAAAAOA/AAAAAAAA4D8AAAAAAADgPwAAAAAAAOA/AAAAAAAA4D8AAAAAAADgPwAAAAAAAOA/AAAAAAAA4D8CAAAAjAAAAAAAAAAAAAAAT4G9DP///wgAAAAAAAAAAAAAAAAAAAAAAAAAAAAAAAAAAAAAZAAAAAEAAABAAAAAAAAAAAAAAAAAAAAAAAAAAAAAAAAAAAAAAAAAAAAAAAAAAAAAAAAAAAAAAAAAAAAAAAAAAAAAAAAAAAAAAAAAAAAAAAAAAAAAAAAAAAAAAAAAAAAAFAAAADwAAAAAAAAAAAAAAAAAAAkUAAAAAQAAABQAAAAUAAAAFAAAAAEAAAAAAAAAZAAAAGQAAAAAAAAAZAAAAGQAAAAVAAAAYAAAAAAAAAAAAAAADwAAACADAAAAAAAAAAAAAAEAAACgMgAAVgcAAKr4//8BAAAAf39/AAEAAABkAAAAAAAAABQAAABAHwAAAAAAACYAAAAAAAAAwOD//wAAAAAmAAAAZAAAABYAAABMAAAAAAAAAAAAAAAEAAAAAAAAAAEAAADu7OEKAAAAACgAAAAoAAAAZAAAAGQAAAAAAAAAzMzMAAAAAABQAAAAUAAAAGQAAABkAAAAAAAAABcAAAAUAAAAAAAAAAAAAAD/fwAA/38AAAAAAAAJAAAABAAAAAAAAAAMAAAAEAAAAAAAAAAAAAAAAAAAAAAAAAAeAAAAaAAAAAAAAAAAAAAAAAAAAAAAAAAAAAAAECcAABAnAAAAAAAAAAAAAAAAAAAAAAAAAAAAAAAAAAAAAAAAAAAAABQAAAAAAAAAwMD/AAAAAABkAAAAMgAAAAAAAABkAAAAAAAAAH9/fwAKAAAAIgAAABgAAAAAAAAAAAAAAAAAAAAAAAAAAAAAAAAAAAAkAAAAJAAAAAAAAAAHAAAAAAAAAAAAAAAAAAAAAAAAAAAAAAAAAAAAf39/ACUAAABYAAAAAAAAAAAAAAAAAAAAAAAAAAAAAAAAAAAAAAAAAAAAAAAAAAAAAAAAAAAAAAA/AAAAAAAAAKCGAQAAAAAAAAAAAAAAAAAMAAAAAQAAAAAAAAAAAAAAAAAAAB8AAABUAAAAAAAABQAAAAEAAAAAAAAAAAAAAAAAAAAAAAAAAAAAAAAAAAAAAAAAAAAAAAJ/f38AAAAAA8zMzADAwP8Af39/AAAAAAAAAAAAAAAAAAAAAAAAAAAAIQAAABgAAAAUAAAAOBMAABonAAAIJQAAWSkAABAAAAAmAAAACAAAAACAAAAAAAAA"/>
               </a:ext>
             </a:extLst>
           </p:cNvSpPr>
@@ -1061,37 +1057,38 @@
           <a:bodyPr/>
           <a:lstStyle>
             <a:lvl1pPr>
-              <a:defRPr lang="en-au"/>
+              <a:defRPr lang="en-AU"/>
             </a:lvl1pPr>
             <a:lvl2pPr>
-              <a:defRPr lang="en-us"/>
+              <a:defRPr lang="en-US"/>
             </a:lvl2pPr>
             <a:lvl3pPr>
-              <a:defRPr lang="en-us"/>
+              <a:defRPr lang="en-US"/>
             </a:lvl3pPr>
             <a:lvl4pPr>
-              <a:defRPr lang="en-us"/>
+              <a:defRPr lang="en-US"/>
             </a:lvl4pPr>
             <a:lvl5pPr>
-              <a:defRPr lang="en-us"/>
+              <a:defRPr lang="en-US"/>
             </a:lvl5pPr>
             <a:lvl6pPr>
-              <a:defRPr lang="en-us"/>
+              <a:defRPr lang="en-US"/>
             </a:lvl6pPr>
             <a:lvl7pPr>
-              <a:defRPr lang="en-us"/>
+              <a:defRPr lang="en-US"/>
             </a:lvl7pPr>
             <a:lvl8pPr>
-              <a:defRPr lang="en-us"/>
+              <a:defRPr lang="en-US"/>
             </a:lvl8pPr>
             <a:lvl9pPr>
-              <a:defRPr lang="en-us"/>
+              <a:defRPr lang="en-US"/>
             </a:lvl9pPr>
           </a:lstStyle>
           <a:p>
             <a:pPr>
-              <a:defRPr lang="en-au"/>
-            </a:pPr>
+              <a:defRPr lang="en-AU"/>
+            </a:pPr>
+            <a:endParaRPr/>
           </a:p>
         </p:txBody>
       </p:sp>
@@ -1102,7 +1099,7 @@
             <a:spLocks noGrp="1" noChangeArrowheads="1"/>
             <a:extLst>
               <a:ext uri="smNativeData">
-                <pr:smNativeData xmlns:pr="smNativeData" val="SMDATA_16_n4i/WxMAAAAlAAAAZAAAAA0AAAAAkAAAAEgAAACQAAAASAAAAAAAAAABAAAAAAAAAAEAAABQAAAAAAAAAAAA4D8AAAAAAADgPwAAAAAAAOA/AAAAAAAA4D8AAAAAAADgPwAAAAAAAOA/AAAAAAAA4D8AAAAAAADgPwAAAAAAAOA/AAAAAAAA4D8CAAAAjAAAAAAAAAAAAAAAT4G9DP///wgAAAAAAAAAAAAAAAAAAAAAAAAAAAAAAAAAAAAAZAAAAAEAAABAAAAAAAAAAAAAAAAAAAAAAAAAAAAAAAAAAAAAAAAAAAAAAAAAAAAAAAAAAAAAAAAAAAAAAAAAAAAAAAAAAAAAAAAAAAAAAAAAAAAAAAAAAAAAAAAAAAAAFAAAADwAAAAAAAAAAAAAAAAAAAkUAAAAAQAAABQAAAAUAAAAFAAAAAEAAAAAAAAAZAAAAGQAAAAAAAAAZAAAAGQAAAAVAAAAYAAAAAAAAAAAAAAADwAAACADAAAAAAAAAAAAAAEAAACgMgAAVgcAAKr4//8BAAAAf39/AAEAAABkAAAAAAAAABQAAABAHwAAAAAAACYAAAAAAAAAwOD//wAAAAAmAAAAZAAAABYAAABMAAAAAAAAAAAAAAAEAAAAAAAAAAEAAADu7OEKAAAAACgAAAAoAAAAZAAAAGQAAAAAAAAAzMzMAAAAAABQAAAAUAAAAGQAAABkAAAAAAAAABcAAAAUAAAAAAAAAAAAAAD/fwAA/38AAAAAAAAJAAAABAAAAAAAAAAMAAAAEAAAAAAAAAAAAAAAAAAAAAAAAAAeAAAAaAAAAAAAAAAAAAAAAAAAAAAAAAAAAAAAECcAABAnAAAAAAAAAAAAAAAAAAAAAAAAAAAAAAAAAAAAAAAAAAAAABQAAAAAAAAAwMD/AAAAAABkAAAAMgAAAAAAAABkAAAAAAAAAH9/fwAKAAAAIgAAABgAAAAAAAAAAAAAAAAAAAAAAAAAAAAAAAAAAAAkAAAAJAAAAAAAAAAHAAAAAAAAAAAAAAAAAAAAAAAAAAAAAAAAAAAAf39/ACUAAABYAAAAAAAAAAAAAAAAAAAAAAAAAAAAAAAAAAAAAAAAAAAAAAAAAAAAAAAAAAAAAAA/AAAAAAAAAKCGAQAAAAAAAAAAAAAAAAAMAAAAAQAAAAAAAAAAAAAAAAAAAB8AAABUAAAAAAAABQAAAAEAAAAAAAAAAAAAAAAAAAAAAAAAAAAAAAAAAAAAAAAAAAAAAAJ/f38AAAAAA8zMzADAwP8Af39/AAAAAAAAAAAAAAAAAAAAAAAAAAAAIQAAABgAAAAUAAAAUCgAABonAABwNQAAWSkAABAAAAAmAAAACAAAAACAAAAAAAAA"/>
+                <pr:smNativeData xmlns="" xmlns:p14="http://schemas.microsoft.com/office/powerpoint/2010/main" xmlns:pr="smNativeData" val="SMDATA_16_n4i/WxMAAAAlAAAAZAAAAA0AAAAAkAAAAEgAAACQAAAASAAAAAAAAAABAAAAAAAAAAEAAABQAAAAAAAAAAAA4D8AAAAAAADgPwAAAAAAAOA/AAAAAAAA4D8AAAAAAADgPwAAAAAAAOA/AAAAAAAA4D8AAAAAAADgPwAAAAAAAOA/AAAAAAAA4D8CAAAAjAAAAAAAAAAAAAAAT4G9DP///wgAAAAAAAAAAAAAAAAAAAAAAAAAAAAAAAAAAAAAZAAAAAEAAABAAAAAAAAAAAAAAAAAAAAAAAAAAAAAAAAAAAAAAAAAAAAAAAAAAAAAAAAAAAAAAAAAAAAAAAAAAAAAAAAAAAAAAAAAAAAAAAAAAAAAAAAAAAAAAAAAAAAAFAAAADwAAAAAAAAAAAAAAAAAAAkUAAAAAQAAABQAAAAUAAAAFAAAAAEAAAAAAAAAZAAAAGQAAAAAAAAAZAAAAGQAAAAVAAAAYAAAAAAAAAAAAAAADwAAACADAAAAAAAAAAAAAAEAAACgMgAAVgcAAKr4//8BAAAAf39/AAEAAABkAAAAAAAAABQAAABAHwAAAAAAACYAAAAAAAAAwOD//wAAAAAmAAAAZAAAABYAAABMAAAAAAAAAAAAAAAEAAAAAAAAAAEAAADu7OEKAAAAACgAAAAoAAAAZAAAAGQAAAAAAAAAzMzMAAAAAABQAAAAUAAAAGQAAABkAAAAAAAAABcAAAAUAAAAAAAAAAAAAAD/fwAA/38AAAAAAAAJAAAABAAAAAAAAAAMAAAAEAAAAAAAAAAAAAAAAAAAAAAAAAAeAAAAaAAAAAAAAAAAAAAAAAAAAAAAAAAAAAAAECcAABAnAAAAAAAAAAAAAAAAAAAAAAAAAAAAAAAAAAAAAAAAAAAAABQAAAAAAAAAwMD/AAAAAABkAAAAMgAAAAAAAABkAAAAAAAAAH9/fwAKAAAAIgAAABgAAAAAAAAAAAAAAAAAAAAAAAAAAAAAAAAAAAAkAAAAJAAAAAAAAAAHAAAAAAAAAAAAAAAAAAAAAAAAAAAAAAAAAAAAf39/ACUAAABYAAAAAAAAAAAAAAAAAAAAAAAAAAAAAAAAAAAAAAAAAAAAAAAAAAAAAAAAAAAAAAA/AAAAAAAAAKCGAQAAAAAAAAAAAAAAAAAMAAAAAQAAAAAAAAAAAAAAAAAAAB8AAABUAAAAAAAABQAAAAEAAAAAAAAAAAAAAAAAAAAAAAAAAAAAAAAAAAAAAAAAAAAAAAJ/f38AAAAAA8zMzADAwP8Af39/AAAAAAAAAAAAAAAAAAAAAAAAAAAAIQAAABgAAAAUAAAAUCgAABonAABwNQAAWSkAABAAAAAmAAAACAAAAACAAAAAAAAA"/>
               </a:ext>
             </a:extLst>
           </p:cNvSpPr>
@@ -1115,40 +1112,41 @@
           <a:bodyPr/>
           <a:lstStyle>
             <a:lvl1pPr>
-              <a:defRPr lang="en-au"/>
+              <a:defRPr lang="en-AU"/>
             </a:lvl1pPr>
             <a:lvl2pPr>
-              <a:defRPr lang="en-us"/>
+              <a:defRPr lang="en-US"/>
             </a:lvl2pPr>
             <a:lvl3pPr>
-              <a:defRPr lang="en-us"/>
+              <a:defRPr lang="en-US"/>
             </a:lvl3pPr>
             <a:lvl4pPr>
-              <a:defRPr lang="en-us"/>
+              <a:defRPr lang="en-US"/>
             </a:lvl4pPr>
             <a:lvl5pPr>
-              <a:defRPr lang="en-us"/>
+              <a:defRPr lang="en-US"/>
             </a:lvl5pPr>
             <a:lvl6pPr>
-              <a:defRPr lang="en-us"/>
+              <a:defRPr lang="en-US"/>
             </a:lvl6pPr>
             <a:lvl7pPr>
-              <a:defRPr lang="en-us"/>
+              <a:defRPr lang="en-US"/>
             </a:lvl7pPr>
             <a:lvl8pPr>
-              <a:defRPr lang="en-us"/>
+              <a:defRPr lang="en-US"/>
             </a:lvl8pPr>
             <a:lvl9pPr>
-              <a:defRPr lang="en-us"/>
+              <a:defRPr lang="en-US"/>
             </a:lvl9pPr>
           </a:lstStyle>
           <a:p>
             <a:pPr>
-              <a:defRPr lang="en-au"/>
+              <a:defRPr lang="en-AU"/>
             </a:pPr>
             <a:fld id="{3D689732-7CD0-3D61-9ED0-8A34D99E68DF}" type="slidenum">
               <a:t>‹#›</a:t>
             </a:fld>
+            <a:endParaRPr/>
           </a:p>
         </p:txBody>
       </p:sp>
@@ -1161,7 +1159,7 @@
 </file>
 
 <file path=ppt/slideLayouts/slideLayout2.xml><?xml version="1.0" encoding="utf-8"?>
-<p:sldLayout xmlns:p="http://schemas.openxmlformats.org/presentationml/2006/main" xmlns:p14="http://schemas.microsoft.com/office/powerpoint/2010/main" xmlns:r="http://schemas.openxmlformats.org/officeDocument/2006/relationships" xmlns:a="http://schemas.openxmlformats.org/drawingml/2006/main" type="obj" preserve="1">
+<p:sldLayout xmlns:a="http://schemas.openxmlformats.org/drawingml/2006/main" xmlns:r="http://schemas.openxmlformats.org/officeDocument/2006/relationships" xmlns:p="http://schemas.openxmlformats.org/presentationml/2006/main" type="obj" preserve="1">
   <p:cSld name="Title and Content">
     <p:spTree>
       <p:nvGrpSpPr>
@@ -1184,7 +1182,7 @@
             <a:spLocks noGrp="1" noChangeArrowheads="1"/>
             <a:extLst>
               <a:ext uri="smNativeData">
-                <pr:smNativeData xmlns:pr="smNativeData" val="SMDATA_16_n4i/WxMAAAAlAAAAZAAAAA0AAAAAkAAAAEgAAACQAAAASAAAAAAAAAABAAAAAAAAAAEAAABQAAAAAAAAAAAA4D8AAAAAAADgPwAAAAAAAOA/AAAAAAAA4D8AAAAAAADgPwAAAAAAAOA/AAAAAAAA4D8AAAAAAADgPwAAAAAAAOA/AAAAAAAA4D8CAAAAjAAAAAAAAAAAAAAAT4G9DP///wgAAAAAAAAAAAAAAAAAAAAAAAAAAAAAAAAAAAAAZAAAAAEAAABAAAAAAAAAAAAAAAAAAAAAAAAAAAAAAAAAAAAAAAAAAAAAAAAAAAAAAAAAAAAAAAAAAAAAAAAAAAAAAAAAAAAAAAAAAAAAAAAAAAAAAAAAAAAAAAAAAAAAFAAAADwAAAAAAAAAAAAAAAAAAAkUAAAAAQAAABQAAAAUAAAAFAAAAAEAAAAAAAAAZAAAAGQAAAAAAAAAZAAAAGQAAAAVAAAAYAAAAAAAAAAAAAAADwAAACADAAAAAAAAAAAAAAEAAACgMgAAVgcAAKr4//8BAAAAf39/AAEAAABkAAAAAAAAABQAAABAHwAAAAAAACYAAAAAAAAAwOD//wAAAAAmAAAAZAAAABYAAABMAAAAAAAAAAAAAAAEAAAAAAAAAAEAAADu7OEKAAAAACgAAAAoAAAAZAAAAGQAAAAAAAAAzMzMAAAAAABQAAAAUAAAAGQAAABkAAAAAAAAABcAAAAUAAAAAAAAAAAAAAD/fwAA/38AAAAAAAAJAAAABAAAAAAAAAAMAAAAEAAAAAAAAAAAAAAAAAAAAAAAAAAeAAAAaAAAAAAAAAAAAAAAAAAAAAAAAAAAAAAAECcAABAnAAAAAAAAAAAAAAAAAAAAAAAAAAAAAAAAAAAAAAAAAAAAABQAAAAAAAAAwMD/AAAAAABkAAAAMgAAAAAAAABkAAAAAAAAAH9/fwAKAAAAIgAAABgAAAAAAAAAAAAAAAAAAAAAAAAAAAAAAAAAAAAkAAAAJAAAAAAAAAAHAAAAAAAAAAAAAAAAAAAAAAAAAAAAAAAAAAAAf39/ACUAAABYAAAAAAAAAAAAAAAAAAAAAAAAAAAAAAAAAAAAAAAAAAAAAAAAAAAAAAAAAAAAAAA/AAAAAAAAAKCGAQAAAAAAAAAAAAAAAAAMAAAAAQAAAAAAAAAAAAAAAAAAAB8AAABUAAAAAAAABQAAAAEAAAAAAAAAAAAAAAAAAAAAAAAAAAAAAAAAAAAAAAAAAAAAAAJ/f38AAAAAA8zMzADAwP8Af39/AAAAAAAAAAAAAAAAAAAAAAAAAAAAIQAAABgAAAAUAAAA0AIAALEBAABwNQAAuQgAABAAAAAmAAAACAAAAAAAAAAAAAAA"/>
+                <pr:smNativeData xmlns="" xmlns:p14="http://schemas.microsoft.com/office/powerpoint/2010/main" xmlns:pr="smNativeData" val="SMDATA_16_n4i/WxMAAAAlAAAAZAAAAA0AAAAAkAAAAEgAAACQAAAASAAAAAAAAAABAAAAAAAAAAEAAABQAAAAAAAAAAAA4D8AAAAAAADgPwAAAAAAAOA/AAAAAAAA4D8AAAAAAADgPwAAAAAAAOA/AAAAAAAA4D8AAAAAAADgPwAAAAAAAOA/AAAAAAAA4D8CAAAAjAAAAAAAAAAAAAAAT4G9DP///wgAAAAAAAAAAAAAAAAAAAAAAAAAAAAAAAAAAAAAZAAAAAEAAABAAAAAAAAAAAAAAAAAAAAAAAAAAAAAAAAAAAAAAAAAAAAAAAAAAAAAAAAAAAAAAAAAAAAAAAAAAAAAAAAAAAAAAAAAAAAAAAAAAAAAAAAAAAAAAAAAAAAAFAAAADwAAAAAAAAAAAAAAAAAAAkUAAAAAQAAABQAAAAUAAAAFAAAAAEAAAAAAAAAZAAAAGQAAAAAAAAAZAAAAGQAAAAVAAAAYAAAAAAAAAAAAAAADwAAACADAAAAAAAAAAAAAAEAAACgMgAAVgcAAKr4//8BAAAAf39/AAEAAABkAAAAAAAAABQAAABAHwAAAAAAACYAAAAAAAAAwOD//wAAAAAmAAAAZAAAABYAAABMAAAAAAAAAAAAAAAEAAAAAAAAAAEAAADu7OEKAAAAACgAAAAoAAAAZAAAAGQAAAAAAAAAzMzMAAAAAABQAAAAUAAAAGQAAABkAAAAAAAAABcAAAAUAAAAAAAAAAAAAAD/fwAA/38AAAAAAAAJAAAABAAAAAAAAAAMAAAAEAAAAAAAAAAAAAAAAAAAAAAAAAAeAAAAaAAAAAAAAAAAAAAAAAAAAAAAAAAAAAAAECcAABAnAAAAAAAAAAAAAAAAAAAAAAAAAAAAAAAAAAAAAAAAAAAAABQAAAAAAAAAwMD/AAAAAABkAAAAMgAAAAAAAABkAAAAAAAAAH9/fwAKAAAAIgAAABgAAAAAAAAAAAAAAAAAAAAAAAAAAAAAAAAAAAAkAAAAJAAAAAAAAAAHAAAAAAAAAAAAAAAAAAAAAAAAAAAAAAAAAAAAf39/ACUAAABYAAAAAAAAAAAAAAAAAAAAAAAAAAAAAAAAAAAAAAAAAAAAAAAAAAAAAAAAAAAAAAA/AAAAAAAAAKCGAQAAAAAAAAAAAAAAAAAMAAAAAQAAAAAAAAAAAAAAAAAAAB8AAABUAAAAAAAABQAAAAEAAAAAAAAAAAAAAAAAAAAAAAAAAAAAAAAAAAAAAAAAAAAAAAJ/f38AAAAAA8zMzADAwP8Af39/AAAAAAAAAAAAAAAAAAAAAAAAAAAAIQAAABgAAAAUAAAA0AIAALEBAABwNQAAuQgAABAAAAAmAAAACAAAAAAAAAAAAAAA"/>
               </a:ext>
             </a:extLst>
           </p:cNvSpPr>
@@ -1198,12 +1196,12 @@
           <a:lstStyle/>
           <a:p>
             <a:pPr>
-              <a:defRPr lang="en-us"/>
+              <a:defRPr lang="en-US"/>
             </a:pPr>
             <a:r>
               <a:t>Click to edit Master title style</a:t>
             </a:r>
-            <a:endParaRPr lang="en-au"/>
+            <a:endParaRPr lang="en-AU"/>
           </a:p>
         </p:txBody>
       </p:sp>
@@ -1214,7 +1212,7 @@
             <a:spLocks noGrp="1" noChangeArrowheads="1"/>
             <a:extLst>
               <a:ext uri="smNativeData">
-                <pr:smNativeData xmlns:pr="smNativeData" val="SMDATA_16_n4i/WxMAAAAlAAAAZAAAAA0AAAAAkAAAAEgAAACQAAAASAAAAAAAAAAAAAAAAAAAAAEAAABQAAAAAAAAAAAA4D8AAAAAAADgPwAAAAAAAOA/AAAAAAAA4D8AAAAAAADgPwAAAAAAAOA/AAAAAAAA4D8AAAAAAADgPwAAAAAAAOA/AAAAAAAA4D8CAAAAjAAAAAAAAAAAAAAAT4G9DP///wgAAAAAAAAAAAAAAAAAAAAAAAAAAAAAAAAAAAAAZAAAAAEAAABAAAAAAAAAAAAAAAAAAAAAAAAAAAAAAAAAAAAAAAAAAAAAAAAAAAAAAAAAAAAAAAAAAAAAAAAAAAAAAAAAAAAAAAAAAAAAAAAAAAAAAAAAAAAAAAAAAAAAFAAAADwAAAAAAAAAAAAAAAAAAAkUAAAAAQAAABQAAAAUAAAAFAAAAAEAAAAAAAAAZAAAAGQAAAAAAAAAZAAAAGQAAAAVAAAAYAAAAAAAAAAAAAAADwAAACADAAAAAAAAAAAAAAEAAACgMgAAVgcAAKr4//8BAAAAf39/AAEAAABkAAAAAAAAABQAAABAHwAAAAAAACYAAAAAAAAAwOD//wAAAAAmAAAAZAAAABYAAABMAAAAAAAAAAAAAAAEAAAAAAAAAAEAAADu7OEKAAAAACgAAAAoAAAAZAAAAGQAAAAAAAAAzMzMAAAAAABQAAAAUAAAAGQAAABkAAAAAAAAABcAAAAUAAAAAAAAAAAAAAD/fwAA/38AAAAAAAAJAAAABAAAAAAAAAAMAAAAEAAAAAAAAAAAAAAAAAAAAAAAAAAeAAAAaAAAAAAAAAAAAAAAAAAAAAAAAAAAAAAAECcAABAnAAAAAAAAAAAAAAAAAAAAAAAAAAAAAAAAAAAAAAAAAAAAABQAAAAAAAAAwMD/AAAAAABkAAAAMgAAAAAAAABkAAAAAAAAAH9/fwAKAAAAIgAAABgAAAAAAAAAAAAAAAAAAAAAAAAAAAAAAAAAAAAkAAAAJAAAAAAAAAAHAAAAAAAAAAAAAAAAAAAAAAAAAAAAAAAAAAAAf39/ACUAAABYAAAAAAAAAAAAAAAAAAAAAAAAAAAAAAAAAAAAAAAAAAAAAAAAAAAAAAAAAAAAAAA/AAAAAAAAAKCGAQAAAAAAAAAAAAAAAAAMAAAAAQAAAAAAAAAAAAAAAAAAAB8AAABUAAAAAAAABQAAAAEAAAAAAAAAAAAAAAAAAAAAAAAAAAAAAAAAAAAAAAAAAAAAAAJ/f38AAAAAA8zMzADAwP8Af39/AAAAAAAAAAAAAAAAAAAAAAAAAAAAIQAAABgAAAAUAAAA0AIAANgJAABwNQAAsCUAABAAAAAmAAAACAAAAAAAAAAAAAAA"/>
+                <pr:smNativeData xmlns="" xmlns:p14="http://schemas.microsoft.com/office/powerpoint/2010/main" xmlns:pr="smNativeData" val="SMDATA_16_n4i/WxMAAAAlAAAAZAAAAA0AAAAAkAAAAEgAAACQAAAASAAAAAAAAAAAAAAAAAAAAAEAAABQAAAAAAAAAAAA4D8AAAAAAADgPwAAAAAAAOA/AAAAAAAA4D8AAAAAAADgPwAAAAAAAOA/AAAAAAAA4D8AAAAAAADgPwAAAAAAAOA/AAAAAAAA4D8CAAAAjAAAAAAAAAAAAAAAT4G9DP///wgAAAAAAAAAAAAAAAAAAAAAAAAAAAAAAAAAAAAAZAAAAAEAAABAAAAAAAAAAAAAAAAAAAAAAAAAAAAAAAAAAAAAAAAAAAAAAAAAAAAAAAAAAAAAAAAAAAAAAAAAAAAAAAAAAAAAAAAAAAAAAAAAAAAAAAAAAAAAAAAAAAAAFAAAADwAAAAAAAAAAAAAAAAAAAkUAAAAAQAAABQAAAAUAAAAFAAAAAEAAAAAAAAAZAAAAGQAAAAAAAAAZAAAAGQAAAAVAAAAYAAAAAAAAAAAAAAADwAAACADAAAAAAAAAAAAAAEAAACgMgAAVgcAAKr4//8BAAAAf39/AAEAAABkAAAAAAAAABQAAABAHwAAAAAAACYAAAAAAAAAwOD//wAAAAAmAAAAZAAAABYAAABMAAAAAAAAAAAAAAAEAAAAAAAAAAEAAADu7OEKAAAAACgAAAAoAAAAZAAAAGQAAAAAAAAAzMzMAAAAAABQAAAAUAAAAGQAAABkAAAAAAAAABcAAAAUAAAAAAAAAAAAAAD/fwAA/38AAAAAAAAJAAAABAAAAAAAAAAMAAAAEAAAAAAAAAAAAAAAAAAAAAAAAAAeAAAAaAAAAAAAAAAAAAAAAAAAAAAAAAAAAAAAECcAABAnAAAAAAAAAAAAAAAAAAAAAAAAAAAAAAAAAAAAAAAAAAAAABQAAAAAAAAAwMD/AAAAAABkAAAAMgAAAAAAAABkAAAAAAAAAH9/fwAKAAAAIgAAABgAAAAAAAAAAAAAAAAAAAAAAAAAAAAAAAAAAAAkAAAAJAAAAAAAAAAHAAAAAAAAAAAAAAAAAAAAAAAAAAAAAAAAAAAAf39/ACUAAABYAAAAAAAAAAAAAAAAAAAAAAAAAAAAAAAAAAAAAAAAAAAAAAAAAAAAAAAAAAAAAAA/AAAAAAAAAKCGAQAAAAAAAAAAAAAAAAAMAAAAAQAAAAAAAAAAAAAAAAAAAB8AAABUAAAAAAAABQAAAAEAAAAAAAAAAAAAAAAAAAAAAAAAAAAAAAAAAAAAAAAAAAAAAAJ/f38AAAAAA8zMzADAwP8Af39/AAAAAAAAAAAAAAAAAAAAAAAAAAAAIQAAABgAAAAUAAAA0AIAANgJAABwNQAAsCUAABAAAAAmAAAACAAAAAAAAAAAAAAA"/>
               </a:ext>
             </a:extLst>
           </p:cNvSpPr>
@@ -1228,7 +1226,7 @@
           <a:lstStyle/>
           <a:p>
             <a:pPr>
-              <a:defRPr lang="en-us"/>
+              <a:defRPr lang="en-US"/>
             </a:pPr>
             <a:r>
               <a:t>Click to edit Master text styles</a:t>
@@ -1236,7 +1234,7 @@
           </a:p>
           <a:p>
             <a:pPr lvl="1">
-              <a:defRPr lang="en-us"/>
+              <a:defRPr lang="en-US"/>
             </a:pPr>
             <a:r>
               <a:t>Second level</a:t>
@@ -1244,7 +1242,7 @@
           </a:p>
           <a:p>
             <a:pPr lvl="2">
-              <a:defRPr lang="en-us"/>
+              <a:defRPr lang="en-US"/>
             </a:pPr>
             <a:r>
               <a:t>Third level</a:t>
@@ -1252,7 +1250,7 @@
           </a:p>
           <a:p>
             <a:pPr lvl="3">
-              <a:defRPr lang="en-us"/>
+              <a:defRPr lang="en-US"/>
             </a:pPr>
             <a:r>
               <a:t>Fourth level</a:t>
@@ -1260,12 +1258,12 @@
           </a:p>
           <a:p>
             <a:pPr lvl="4">
-              <a:defRPr lang="en-us"/>
+              <a:defRPr lang="en-US"/>
             </a:pPr>
             <a:r>
               <a:t>Fifth level</a:t>
             </a:r>
-            <a:endParaRPr lang="en-au"/>
+            <a:endParaRPr lang="en-AU"/>
           </a:p>
         </p:txBody>
       </p:sp>
@@ -1276,7 +1274,7 @@
             <a:spLocks noGrp="1" noChangeArrowheads="1"/>
             <a:extLst>
               <a:ext uri="smNativeData">
-                <pr:smNativeData xmlns:pr="smNativeData" val="SMDATA_16_n4i/WxMAAAAlAAAAZAAAAA0AAAAAkAAAAEgAAACQAAAASAAAAAAAAAABAAAAAAAAAAEAAABQAAAAAAAAAAAA4D8AAAAAAADgPwAAAAAAAOA/AAAAAAAA4D8AAAAAAADgPwAAAAAAAOA/AAAAAAAA4D8AAAAAAADgPwAAAAAAAOA/AAAAAAAA4D8CAAAAjAAAAAAAAAAAAAAAT4G9DP///wgAAAAAAAAAAAAAAAAAAAAAAAAAAAAAAAAAAAAAZAAAAAEAAABAAAAAAAAAAAAAAAAAAAAAAAAAAAAAAAAAAAAAAAAAAAAAAAAAAAAAAAAAAAAAAAAAAAAAAAAAAAAAAAAAAAAAAAAAAAAAAAAAAAAAAAAAAAAAAAAAAAAAFAAAADwAAAAAAAAAAAAAAAAAAAkUAAAAAQAAABQAAAAUAAAAFAAAAAEAAAAAAAAAZAAAAGQAAAAAAAAAZAAAAGQAAAAVAAAAYAAAAAAAAAAAAAAADwAAACADAAAAAAAAAAAAAAEAAACgMgAAVgcAAKr4//8BAAAAf39/AAEAAABkAAAAAAAAABQAAABAHwAAAAAAACYAAAAAAAAAwOD//wAAAAAmAAAAZAAAABYAAABMAAAAAAAAAAAAAAAEAAAAAAAAAAEAAADu7OEKAAAAACgAAAAoAAAAZAAAAGQAAAAAAAAAzMzMAAAAAABQAAAAUAAAAGQAAABkAAAAAAAAABcAAAAUAAAAAAAAAAAAAAD/fwAA/38AAAAAAAAJAAAABAAAAAAAAAAMAAAAEAAAAAAAAAAAAAAAAAAAAAAAAAAeAAAAaAAAAAAAAAAAAAAAAAAAAAAAAAAAAAAAECcAABAnAAAAAAAAAAAAAAAAAAAAAAAAAAAAAAAAAAAAAAAAAAAAABQAAAAAAAAAwMD/AAAAAABkAAAAMgAAAAAAAABkAAAAAAAAAH9/fwAKAAAAIgAAABgAAAAAAAAAAAAAAAAAAAAAAAAAAAAAAAAAAAAkAAAAJAAAAAAAAAAHAAAAAAAAAAAAAAAAAAAAAAAAAAAAAAAAAAAAf39/ACUAAABYAAAAAAAAAAAAAAAAAAAAAAAAAAAAAAAAAAAAAAAAAAAAAAAAAAAAAAAAAAAAAAA/AAAAAAAAAKCGAQAAAAAAAAAAAAAAAAAMAAAAAQAAAAAAAAAAAAAAAAAAAB8AAABUAAAAAAAABQAAAAEAAAAAAAAAAAAAAAAAAAAAAAAAAAAAAAAAAAAAAAAAAAAAAAJ/f38AAAAAA8zMzADAwP8Af39/AAAAAAAAAAAAAAAAAAAAAAAAAAAAIQAAABgAAAAUAAAA0AIAABonAADwDwAAWSkAABAAAAAmAAAACAAAAACAAAAAAAAA"/>
+                <pr:smNativeData xmlns="" xmlns:p14="http://schemas.microsoft.com/office/powerpoint/2010/main" xmlns:pr="smNativeData" val="SMDATA_16_n4i/WxMAAAAlAAAAZAAAAA0AAAAAkAAAAEgAAACQAAAASAAAAAAAAAABAAAAAAAAAAEAAABQAAAAAAAAAAAA4D8AAAAAAADgPwAAAAAAAOA/AAAAAAAA4D8AAAAAAADgPwAAAAAAAOA/AAAAAAAA4D8AAAAAAADgPwAAAAAAAOA/AAAAAAAA4D8CAAAAjAAAAAAAAAAAAAAAT4G9DP///wgAAAAAAAAAAAAAAAAAAAAAAAAAAAAAAAAAAAAAZAAAAAEAAABAAAAAAAAAAAAAAAAAAAAAAAAAAAAAAAAAAAAAAAAAAAAAAAAAAAAAAAAAAAAAAAAAAAAAAAAAAAAAAAAAAAAAAAAAAAAAAAAAAAAAAAAAAAAAAAAAAAAAFAAAADwAAAAAAAAAAAAAAAAAAAkUAAAAAQAAABQAAAAUAAAAFAAAAAEAAAAAAAAAZAAAAGQAAAAAAAAAZAAAAGQAAAAVAAAAYAAAAAAAAAAAAAAADwAAACADAAAAAAAAAAAAAAEAAACgMgAAVgcAAKr4//8BAAAAf39/AAEAAABkAAAAAAAAABQAAABAHwAAAAAAACYAAAAAAAAAwOD//wAAAAAmAAAAZAAAABYAAABMAAAAAAAAAAAAAAAEAAAAAAAAAAEAAADu7OEKAAAAACgAAAAoAAAAZAAAAGQAAAAAAAAAzMzMAAAAAABQAAAAUAAAAGQAAABkAAAAAAAAABcAAAAUAAAAAAAAAAAAAAD/fwAA/38AAAAAAAAJAAAABAAAAAAAAAAMAAAAEAAAAAAAAAAAAAAAAAAAAAAAAAAeAAAAaAAAAAAAAAAAAAAAAAAAAAAAAAAAAAAAECcAABAnAAAAAAAAAAAAAAAAAAAAAAAAAAAAAAAAAAAAAAAAAAAAABQAAAAAAAAAwMD/AAAAAABkAAAAMgAAAAAAAABkAAAAAAAAAH9/fwAKAAAAIgAAABgAAAAAAAAAAAAAAAAAAAAAAAAAAAAAAAAAAAAkAAAAJAAAAAAAAAAHAAAAAAAAAAAAAAAAAAAAAAAAAAAAAAAAAAAAf39/ACUAAABYAAAAAAAAAAAAAAAAAAAAAAAAAAAAAAAAAAAAAAAAAAAAAAAAAAAAAAAAAAAAAAA/AAAAAAAAAKCGAQAAAAAAAAAAAAAAAAAMAAAAAQAAAAAAAAAAAAAAAAAAAB8AAABUAAAAAAAABQAAAAEAAAAAAAAAAAAAAAAAAAAAAAAAAAAAAAAAAAAAAAAAAAAAAAJ/f38AAAAAA8zMzADAwP8Af39/AAAAAAAAAAAAAAAAAAAAAAAAAAAAIQAAABgAAAAUAAAA0AIAABonAADwDwAAWSkAABAAAAAmAAAACAAAAACAAAAAAAAA"/>
               </a:ext>
             </a:extLst>
           </p:cNvSpPr>
@@ -1289,40 +1287,41 @@
           <a:bodyPr/>
           <a:lstStyle>
             <a:lvl1pPr>
-              <a:defRPr lang="en-au"/>
+              <a:defRPr lang="en-AU"/>
             </a:lvl1pPr>
             <a:lvl2pPr>
-              <a:defRPr lang="en-us"/>
+              <a:defRPr lang="en-US"/>
             </a:lvl2pPr>
             <a:lvl3pPr>
-              <a:defRPr lang="en-us"/>
+              <a:defRPr lang="en-US"/>
             </a:lvl3pPr>
             <a:lvl4pPr>
-              <a:defRPr lang="en-us"/>
+              <a:defRPr lang="en-US"/>
             </a:lvl4pPr>
             <a:lvl5pPr>
-              <a:defRPr lang="en-us"/>
+              <a:defRPr lang="en-US"/>
             </a:lvl5pPr>
             <a:lvl6pPr>
-              <a:defRPr lang="en-us"/>
+              <a:defRPr lang="en-US"/>
             </a:lvl6pPr>
             <a:lvl7pPr>
-              <a:defRPr lang="en-us"/>
+              <a:defRPr lang="en-US"/>
             </a:lvl7pPr>
             <a:lvl8pPr>
-              <a:defRPr lang="en-us"/>
+              <a:defRPr lang="en-US"/>
             </a:lvl8pPr>
             <a:lvl9pPr>
-              <a:defRPr lang="en-us"/>
+              <a:defRPr lang="en-US"/>
             </a:lvl9pPr>
           </a:lstStyle>
           <a:p>
             <a:pPr>
-              <a:defRPr lang="en-au"/>
+              <a:defRPr lang="en-AU"/>
             </a:pPr>
             <a:fld id="{3D68C5C2-8CD0-3D33-9ED0-7A668B9E682F}" type="datetime1">
-              <a:t>9/10/2018</a:t>
+              <a:t>10/12/2018</a:t>
             </a:fld>
+            <a:endParaRPr/>
           </a:p>
         </p:txBody>
       </p:sp>
@@ -1333,7 +1332,7 @@
             <a:spLocks noGrp="1" noChangeArrowheads="1"/>
             <a:extLst>
               <a:ext uri="smNativeData">
-                <pr:smNativeData xmlns:pr="smNativeData" val="SMDATA_16_n4i/WxMAAAAlAAAAZAAAAA0AAAAAkAAAAEgAAACQAAAASAAAAAAAAAABAAAAAAAAAAEAAABQAAAAAAAAAAAA4D8AAAAAAADgPwAAAAAAAOA/AAAAAAAA4D8AAAAAAADgPwAAAAAAAOA/AAAAAAAA4D8AAAAAAADgPwAAAAAAAOA/AAAAAAAA4D8CAAAAjAAAAAAAAAAAAAAAT4G9DP///wgAAAAAAAAAAAAAAAAAAAAAAAAAAAAAAAAAAAAAZAAAAAEAAABAAAAAAAAAAAAAAAAAAAAAAAAAAAAAAAAAAAAAAAAAAAAAAAAAAAAAAAAAAAAAAAAAAAAAAAAAAAAAAAAAAAAAAAAAAAAAAAAAAAAAAAAAAAAAAAAAAAAAFAAAADwAAAAAAAAAAAAAAAAAAAkUAAAAAQAAABQAAAAUAAAAFAAAAAEAAAAAAAAAZAAAAGQAAAAAAAAAZAAAAGQAAAAVAAAAYAAAAAAAAAAAAAAADwAAACADAAAAAAAAAAAAAAEAAACgMgAAVgcAAKr4//8BAAAAf39/AAEAAABkAAAAAAAAABQAAABAHwAAAAAAACYAAAAAAAAAwOD//wAAAAAmAAAAZAAAABYAAABMAAAAAAAAAAAAAAAEAAAAAAAAAAEAAADu7OEKAAAAACgAAAAoAAAAZAAAAGQAAAAAAAAAzMzMAAAAAABQAAAAUAAAAGQAAABkAAAAAAAAABcAAAAUAAAAAAAAAAAAAAD/fwAA/38AAAAAAAAJAAAABAAAAAAAAAAMAAAAEAAAAAAAAAAAAAAAAAAAAAAAAAAeAAAAaAAAAAAAAAAAAAAAAAAAAAAAAAAAAAAAECcAABAnAAAAAAAAAAAAAAAAAAAAAAAAAAAAAAAAAAAAAAAAAAAAABQAAAAAAAAAwMD/AAAAAABkAAAAMgAAAAAAAABkAAAAAAAAAH9/fwAKAAAAIgAAABgAAAAAAAAAAAAAAAAAAAAAAAAAAAAAAAAAAAAkAAAAJAAAAAAAAAAHAAAAAAAAAAAAAAAAAAAAAAAAAAAAAAAAAAAAf39/ACUAAABYAAAAAAAAAAAAAAAAAAAAAAAAAAAAAAAAAAAAAAAAAAAAAAAAAAAAAAAAAAAAAAA/AAAAAAAAAKCGAQAAAAAAAAAAAAAAAAAMAAAAAQAAAAAAAAAAAAAAAAAAAB8AAABUAAAAAAAABQAAAAEAAAAAAAAAAAAAAAAAAAAAAAAAAAAAAAAAAAAAAAAAAAAAAAJ/f38AAAAAA8zMzADAwP8Af39/AAAAAAAAAAAAAAAAAAAAAAAAAAAAIQAAABgAAAAUAAAAOBMAABonAAAIJQAAWSkAABAAAAAmAAAACAAAAACAAAAAAAAA"/>
+                <pr:smNativeData xmlns="" xmlns:p14="http://schemas.microsoft.com/office/powerpoint/2010/main" xmlns:pr="smNativeData" val="SMDATA_16_n4i/WxMAAAAlAAAAZAAAAA0AAAAAkAAAAEgAAACQAAAASAAAAAAAAAABAAAAAAAAAAEAAABQAAAAAAAAAAAA4D8AAAAAAADgPwAAAAAAAOA/AAAAAAAA4D8AAAAAAADgPwAAAAAAAOA/AAAAAAAA4D8AAAAAAADgPwAAAAAAAOA/AAAAAAAA4D8CAAAAjAAAAAAAAAAAAAAAT4G9DP///wgAAAAAAAAAAAAAAAAAAAAAAAAAAAAAAAAAAAAAZAAAAAEAAABAAAAAAAAAAAAAAAAAAAAAAAAAAAAAAAAAAAAAAAAAAAAAAAAAAAAAAAAAAAAAAAAAAAAAAAAAAAAAAAAAAAAAAAAAAAAAAAAAAAAAAAAAAAAAAAAAAAAAFAAAADwAAAAAAAAAAAAAAAAAAAkUAAAAAQAAABQAAAAUAAAAFAAAAAEAAAAAAAAAZAAAAGQAAAAAAAAAZAAAAGQAAAAVAAAAYAAAAAAAAAAAAAAADwAAACADAAAAAAAAAAAAAAEAAACgMgAAVgcAAKr4//8BAAAAf39/AAEAAABkAAAAAAAAABQAAABAHwAAAAAAACYAAAAAAAAAwOD//wAAAAAmAAAAZAAAABYAAABMAAAAAAAAAAAAAAAEAAAAAAAAAAEAAADu7OEKAAAAACgAAAAoAAAAZAAAAGQAAAAAAAAAzMzMAAAAAABQAAAAUAAAAGQAAABkAAAAAAAAABcAAAAUAAAAAAAAAAAAAAD/fwAA/38AAAAAAAAJAAAABAAAAAAAAAAMAAAAEAAAAAAAAAAAAAAAAAAAAAAAAAAeAAAAaAAAAAAAAAAAAAAAAAAAAAAAAAAAAAAAECcAABAnAAAAAAAAAAAAAAAAAAAAAAAAAAAAAAAAAAAAAAAAAAAAABQAAAAAAAAAwMD/AAAAAABkAAAAMgAAAAAAAABkAAAAAAAAAH9/fwAKAAAAIgAAABgAAAAAAAAAAAAAAAAAAAAAAAAAAAAAAAAAAAAkAAAAJAAAAAAAAAAHAAAAAAAAAAAAAAAAAAAAAAAAAAAAAAAAAAAAf39/ACUAAABYAAAAAAAAAAAAAAAAAAAAAAAAAAAAAAAAAAAAAAAAAAAAAAAAAAAAAAAAAAAAAAA/AAAAAAAAAKCGAQAAAAAAAAAAAAAAAAAMAAAAAQAAAAAAAAAAAAAAAAAAAB8AAABUAAAAAAAABQAAAAEAAAAAAAAAAAAAAAAAAAAAAAAAAAAAAAAAAAAAAAAAAAAAAAJ/f38AAAAAA8zMzADAwP8Af39/AAAAAAAAAAAAAAAAAAAAAAAAAAAAIQAAABgAAAAUAAAAOBMAABonAAAIJQAAWSkAABAAAAAmAAAACAAAAACAAAAAAAAA"/>
               </a:ext>
             </a:extLst>
           </p:cNvSpPr>
@@ -1346,37 +1345,38 @@
           <a:bodyPr/>
           <a:lstStyle>
             <a:lvl1pPr>
-              <a:defRPr lang="en-au"/>
+              <a:defRPr lang="en-AU"/>
             </a:lvl1pPr>
             <a:lvl2pPr>
-              <a:defRPr lang="en-us"/>
+              <a:defRPr lang="en-US"/>
             </a:lvl2pPr>
             <a:lvl3pPr>
-              <a:defRPr lang="en-us"/>
+              <a:defRPr lang="en-US"/>
             </a:lvl3pPr>
             <a:lvl4pPr>
-              <a:defRPr lang="en-us"/>
+              <a:defRPr lang="en-US"/>
             </a:lvl4pPr>
             <a:lvl5pPr>
-              <a:defRPr lang="en-us"/>
+              <a:defRPr lang="en-US"/>
             </a:lvl5pPr>
             <a:lvl6pPr>
-              <a:defRPr lang="en-us"/>
+              <a:defRPr lang="en-US"/>
             </a:lvl6pPr>
             <a:lvl7pPr>
-              <a:defRPr lang="en-us"/>
+              <a:defRPr lang="en-US"/>
             </a:lvl7pPr>
             <a:lvl8pPr>
-              <a:defRPr lang="en-us"/>
+              <a:defRPr lang="en-US"/>
             </a:lvl8pPr>
             <a:lvl9pPr>
-              <a:defRPr lang="en-us"/>
+              <a:defRPr lang="en-US"/>
             </a:lvl9pPr>
           </a:lstStyle>
           <a:p>
             <a:pPr>
-              <a:defRPr lang="en-au"/>
-            </a:pPr>
+              <a:defRPr lang="en-AU"/>
+            </a:pPr>
+            <a:endParaRPr/>
           </a:p>
         </p:txBody>
       </p:sp>
@@ -1387,7 +1387,7 @@
             <a:spLocks noGrp="1" noChangeArrowheads="1"/>
             <a:extLst>
               <a:ext uri="smNativeData">
-                <pr:smNativeData xmlns:pr="smNativeData" val="SMDATA_16_n4i/WxMAAAAlAAAAZAAAAA0AAAAAkAAAAEgAAACQAAAASAAAAAAAAAABAAAAAAAAAAEAAABQAAAAAAAAAAAA4D8AAAAAAADgPwAAAAAAAOA/AAAAAAAA4D8AAAAAAADgPwAAAAAAAOA/AAAAAAAA4D8AAAAAAADgPwAAAAAAAOA/AAAAAAAA4D8CAAAAjAAAAAAAAAAAAAAAT4G9DP///wgAAAAAAAAAAAAAAAAAAAAAAAAAAAAAAAAAAAAAZAAAAAEAAABAAAAAAAAAAAAAAAAAAAAAAAAAAAAAAAAAAAAAAAAAAAAAAAAAAAAAAAAAAAAAAAAAAAAAAAAAAAAAAAAAAAAAAAAAAAAAAAAAAAAAAAAAAAAAAAAAAAAAFAAAADwAAAAAAAAAAAAAAAAAAAkUAAAAAQAAABQAAAAUAAAAFAAAAAEAAAAAAAAAZAAAAGQAAAAAAAAAZAAAAGQAAAAVAAAAYAAAAAAAAAAAAAAADwAAACADAAAAAAAAAAAAAAEAAACgMgAAVgcAAKr4//8BAAAAf39/AAEAAABkAAAAAAAAABQAAABAHwAAAAAAACYAAAAAAAAAwOD//wAAAAAmAAAAZAAAABYAAABMAAAAAAAAAAAAAAAEAAAAAAAAAAEAAADu7OEKAAAAACgAAAAoAAAAZAAAAGQAAAAAAAAAzMzMAAAAAABQAAAAUAAAAGQAAABkAAAAAAAAABcAAAAUAAAAAAAAAAAAAAD/fwAA/38AAAAAAAAJAAAABAAAAAAAAAAMAAAAEAAAAAAAAAAAAAAAAAAAAAAAAAAeAAAAaAAAAAAAAAAAAAAAAAAAAAAAAAAAAAAAECcAABAnAAAAAAAAAAAAAAAAAAAAAAAAAAAAAAAAAAAAAAAAAAAAABQAAAAAAAAAwMD/AAAAAABkAAAAMgAAAAAAAABkAAAAAAAAAH9/fwAKAAAAIgAAABgAAAAAAAAAAAAAAAAAAAAAAAAAAAAAAAAAAAAkAAAAJAAAAAAAAAAHAAAAAAAAAAAAAAAAAAAAAAAAAAAAAAAAAAAAf39/ACUAAABYAAAAAAAAAAAAAAAAAAAAAAAAAAAAAAAAAAAAAAAAAAAAAAAAAAAAAAAAAAAAAAA/AAAAAAAAAKCGAQAAAAAAAAAAAAAAAAAMAAAAAQAAAAAAAAAAAAAAAAAAAB8AAABUAAAAAAAABQAAAAEAAAAAAAAAAAAAAAAAAAAAAAAAAAAAAAAAAAAAAAAAAAAAAAJ/f38AAAAAA8zMzADAwP8Af39/AAAAAAAAAAAAAAAAAAAAAAAAAAAAIQAAABgAAAAUAAAAUCgAABonAABwNQAAWSkAABAAAAAmAAAACAAAAACAAAAAAAAA"/>
+                <pr:smNativeData xmlns="" xmlns:p14="http://schemas.microsoft.com/office/powerpoint/2010/main" xmlns:pr="smNativeData" val="SMDATA_16_n4i/WxMAAAAlAAAAZAAAAA0AAAAAkAAAAEgAAACQAAAASAAAAAAAAAABAAAAAAAAAAEAAABQAAAAAAAAAAAA4D8AAAAAAADgPwAAAAAAAOA/AAAAAAAA4D8AAAAAAADgPwAAAAAAAOA/AAAAAAAA4D8AAAAAAADgPwAAAAAAAOA/AAAAAAAA4D8CAAAAjAAAAAAAAAAAAAAAT4G9DP///wgAAAAAAAAAAAAAAAAAAAAAAAAAAAAAAAAAAAAAZAAAAAEAAABAAAAAAAAAAAAAAAAAAAAAAAAAAAAAAAAAAAAAAAAAAAAAAAAAAAAAAAAAAAAAAAAAAAAAAAAAAAAAAAAAAAAAAAAAAAAAAAAAAAAAAAAAAAAAAAAAAAAAFAAAADwAAAAAAAAAAAAAAAAAAAkUAAAAAQAAABQAAAAUAAAAFAAAAAEAAAAAAAAAZAAAAGQAAAAAAAAAZAAAAGQAAAAVAAAAYAAAAAAAAAAAAAAADwAAACADAAAAAAAAAAAAAAEAAACgMgAAVgcAAKr4//8BAAAAf39/AAEAAABkAAAAAAAAABQAAABAHwAAAAAAACYAAAAAAAAAwOD//wAAAAAmAAAAZAAAABYAAABMAAAAAAAAAAAAAAAEAAAAAAAAAAEAAADu7OEKAAAAACgAAAAoAAAAZAAAAGQAAAAAAAAAzMzMAAAAAABQAAAAUAAAAGQAAABkAAAAAAAAABcAAAAUAAAAAAAAAAAAAAD/fwAA/38AAAAAAAAJAAAABAAAAAAAAAAMAAAAEAAAAAAAAAAAAAAAAAAAAAAAAAAeAAAAaAAAAAAAAAAAAAAAAAAAAAAAAAAAAAAAECcAABAnAAAAAAAAAAAAAAAAAAAAAAAAAAAAAAAAAAAAAAAAAAAAABQAAAAAAAAAwMD/AAAAAABkAAAAMgAAAAAAAABkAAAAAAAAAH9/fwAKAAAAIgAAABgAAAAAAAAAAAAAAAAAAAAAAAAAAAAAAAAAAAAkAAAAJAAAAAAAAAAHAAAAAAAAAAAAAAAAAAAAAAAAAAAAAAAAAAAAf39/ACUAAABYAAAAAAAAAAAAAAAAAAAAAAAAAAAAAAAAAAAAAAAAAAAAAAAAAAAAAAAAAAAAAAA/AAAAAAAAAKCGAQAAAAAAAAAAAAAAAAAMAAAAAQAAAAAAAAAAAAAAAAAAAB8AAABUAAAAAAAABQAAAAEAAAAAAAAAAAAAAAAAAAAAAAAAAAAAAAAAAAAAAAAAAAAAAAJ/f38AAAAAA8zMzADAwP8Af39/AAAAAAAAAAAAAAAAAAAAAAAAAAAAIQAAABgAAAAUAAAAUCgAABonAABwNQAAWSkAABAAAAAmAAAACAAAAACAAAAAAAAA"/>
               </a:ext>
             </a:extLst>
           </p:cNvSpPr>
@@ -1400,40 +1400,41 @@
           <a:bodyPr/>
           <a:lstStyle>
             <a:lvl1pPr>
-              <a:defRPr lang="en-au"/>
+              <a:defRPr lang="en-AU"/>
             </a:lvl1pPr>
             <a:lvl2pPr>
-              <a:defRPr lang="en-us"/>
+              <a:defRPr lang="en-US"/>
             </a:lvl2pPr>
             <a:lvl3pPr>
-              <a:defRPr lang="en-us"/>
+              <a:defRPr lang="en-US"/>
             </a:lvl3pPr>
             <a:lvl4pPr>
-              <a:defRPr lang="en-us"/>
+              <a:defRPr lang="en-US"/>
             </a:lvl4pPr>
             <a:lvl5pPr>
-              <a:defRPr lang="en-us"/>
+              <a:defRPr lang="en-US"/>
             </a:lvl5pPr>
             <a:lvl6pPr>
-              <a:defRPr lang="en-us"/>
+              <a:defRPr lang="en-US"/>
             </a:lvl6pPr>
             <a:lvl7pPr>
-              <a:defRPr lang="en-us"/>
+              <a:defRPr lang="en-US"/>
             </a:lvl7pPr>
             <a:lvl8pPr>
-              <a:defRPr lang="en-us"/>
+              <a:defRPr lang="en-US"/>
             </a:lvl8pPr>
             <a:lvl9pPr>
-              <a:defRPr lang="en-us"/>
+              <a:defRPr lang="en-US"/>
             </a:lvl9pPr>
           </a:lstStyle>
           <a:p>
             <a:pPr>
-              <a:defRPr lang="en-au"/>
+              <a:defRPr lang="en-AU"/>
             </a:pPr>
             <a:fld id="{3D6890A1-EFD0-3D66-9ED0-1933DE9E684C}" type="slidenum">
               <a:t>‹#›</a:t>
             </a:fld>
+            <a:endParaRPr/>
           </a:p>
         </p:txBody>
       </p:sp>
@@ -1446,7 +1447,7 @@
 </file>
 
 <file path=ppt/slideLayouts/slideLayout3.xml><?xml version="1.0" encoding="utf-8"?>
-<p:sldLayout xmlns:p="http://schemas.openxmlformats.org/presentationml/2006/main" xmlns:p14="http://schemas.microsoft.com/office/powerpoint/2010/main" xmlns:r="http://schemas.openxmlformats.org/officeDocument/2006/relationships" xmlns:a="http://schemas.openxmlformats.org/drawingml/2006/main" type="secHead" preserve="1">
+<p:sldLayout xmlns:a="http://schemas.openxmlformats.org/drawingml/2006/main" xmlns:r="http://schemas.openxmlformats.org/officeDocument/2006/relationships" xmlns:p="http://schemas.openxmlformats.org/presentationml/2006/main" type="secHead" preserve="1">
   <p:cSld name="Section Header">
     <p:spTree>
       <p:nvGrpSpPr>
@@ -1469,7 +1470,7 @@
             <a:spLocks noGrp="1" noChangeArrowheads="1"/>
             <a:extLst>
               <a:ext uri="smNativeData">
-                <pr:smNativeData xmlns:pr="smNativeData" val="SMDATA_16_n4i/WxMAAAAlAAAAZAAAAA0AAAAAkAAAAEgAAACQAAAASAAAAAAAAAAAAAAAAAAAAAEAAABQAAAAAAAAAAAA4D8AAAAAAADgPwAAAAAAAOA/AAAAAAAA4D8AAAAAAADgPwAAAAAAAOA/AAAAAAAA4D8AAAAAAADgPwAAAAAAAOA/AAAAAAAA4D8CAAAAjAAAAAAAAAAAAAAAT4G9DP///wgAAAAAAAAAAAAAAAAAAAAAAAAAAAAAAAAAAAAAZAAAAAEAAABAAAAAAAAAAAAAAAAAAAAAAAAAAAAAAAAAAAAAAAAAAAAAAAAAAAAAAAAAAAAAAAAAAAAAAAAAAAAAAAAAAAAAAAAAAAAAAAAAAAAAAAAAAAAAAAAAAAAAFAAAADwAAAAAAAAAAAAAAAAAAAkUAAAAAQAAABQAAAAUAAAAFAAAAAEAAAAAAAAAZAAAAGQAAAAAAAAAZAAAAGQAAAAVAAAAYAAAAAAAAAAAAAAADwAAACADAAAAAAAAAAAAAAEAAACgMgAAVgcAAKr4//8BAAAAf39/AAEAAABkAAAAAAAAABQAAABAHwAAAAAAACYAAAAAAAAAwOD//wAAAAAmAAAAZAAAABYAAABMAAAAAAAAAAAAAAAEAAAAAAAAAAEAAADu7OEKAAAAACgAAAAoAAAAZAAAAGQAAAAAAAAAzMzMAAAAAABQAAAAUAAAAGQAAABkAAAAAAAAABcAAAAUAAAAAAAAAAAAAAD/fwAA/38AAAAAAAAJAAAABAAAAAAAAAAMAAAAEAAAAAAAAAAAAAAAAAAAAAAAAAAeAAAAaAAAAAAAAAAAAAAAAAAAAAAAAAAAAAAAECcAABAnAAAAAAAAAAAAAAAAAAAAAAAAAAAAAAAAAAAAAAAAAAAAABQAAAAAAAAAwMD/AAAAAABkAAAAMgAAAAAAAABkAAAAAAAAAH9/fwAKAAAAIgAAABgAAAAAAAAAAAAAAAAAAAAAAAAAAAAAAAAAAAAkAAAAJAAAAAAAAAAHAAAAAAAAAAAAAAAAAAAAAAAAAAAAAAAAAAAAf39/ACUAAABYAAAAAAAAAAAAAAAAAAAAAAAAAAAAAAAAAAAAAAAAAAAAAAAAAAAAAAAAAAAAAAA/AAAAAAAAAKCGAQAAAAAAAAAAAAAAAAAMAAAAAQAAAAAAAAAAAAAAAAAAAB8AAABUAAAAAAAABQAAAAEAAAAAAAAAAAAAAAAAAAAAAAAAAAAAAAAAAAAAAAAAAAAAAAJ/f38AAAAAA8zMzADAwP8Af39/AAAAAAAAAAAAAAAAAAAAAAAAAAAAIQAAABgAAAAUAAAAcgQAABwbAABCNAAAfSMAABAAAAAmAAAACAAAAIGAAAAAAAAA"/>
+                <pr:smNativeData xmlns="" xmlns:p14="http://schemas.microsoft.com/office/powerpoint/2010/main" xmlns:pr="smNativeData" val="SMDATA_16_n4i/WxMAAAAlAAAAZAAAAA0AAAAAkAAAAEgAAACQAAAASAAAAAAAAAAAAAAAAAAAAAEAAABQAAAAAAAAAAAA4D8AAAAAAADgPwAAAAAAAOA/AAAAAAAA4D8AAAAAAADgPwAAAAAAAOA/AAAAAAAA4D8AAAAAAADgPwAAAAAAAOA/AAAAAAAA4D8CAAAAjAAAAAAAAAAAAAAAT4G9DP///wgAAAAAAAAAAAAAAAAAAAAAAAAAAAAAAAAAAAAAZAAAAAEAAABAAAAAAAAAAAAAAAAAAAAAAAAAAAAAAAAAAAAAAAAAAAAAAAAAAAAAAAAAAAAAAAAAAAAAAAAAAAAAAAAAAAAAAAAAAAAAAAAAAAAAAAAAAAAAAAAAAAAAFAAAADwAAAAAAAAAAAAAAAAAAAkUAAAAAQAAABQAAAAUAAAAFAAAAAEAAAAAAAAAZAAAAGQAAAAAAAAAZAAAAGQAAAAVAAAAYAAAAAAAAAAAAAAADwAAACADAAAAAAAAAAAAAAEAAACgMgAAVgcAAKr4//8BAAAAf39/AAEAAABkAAAAAAAAABQAAABAHwAAAAAAACYAAAAAAAAAwOD//wAAAAAmAAAAZAAAABYAAABMAAAAAAAAAAAAAAAEAAAAAAAAAAEAAADu7OEKAAAAACgAAAAoAAAAZAAAAGQAAAAAAAAAzMzMAAAAAABQAAAAUAAAAGQAAABkAAAAAAAAABcAAAAUAAAAAAAAAAAAAAD/fwAA/38AAAAAAAAJAAAABAAAAAAAAAAMAAAAEAAAAAAAAAAAAAAAAAAAAAAAAAAeAAAAaAAAAAAAAAAAAAAAAAAAAAAAAAAAAAAAECcAABAnAAAAAAAAAAAAAAAAAAAAAAAAAAAAAAAAAAAAAAAAAAAAABQAAAAAAAAAwMD/AAAAAABkAAAAMgAAAAAAAABkAAAAAAAAAH9/fwAKAAAAIgAAABgAAAAAAAAAAAAAAAAAAAAAAAAAAAAAAAAAAAAkAAAAJAAAAAAAAAAHAAAAAAAAAAAAAAAAAAAAAAAAAAAAAAAAAAAAf39/ACUAAABYAAAAAAAAAAAAAAAAAAAAAAAAAAAAAAAAAAAAAAAAAAAAAAAAAAAAAAAAAAAAAAA/AAAAAAAAAKCGAQAAAAAAAAAAAAAAAAAMAAAAAQAAAAAAAAAAAAAAAAAAAB8AAABUAAAAAAAABQAAAAEAAAAAAAAAAAAAAAAAAAAAAAAAAAAAAAAAAAAAAAAAAAAAAAJ/f38AAAAAA8zMzADAwP8Af39/AAAAAAAAAAAAAAAAAAAAAAAAAAAAIQAAABgAAAAUAAAAcgQAABwbAABCNAAAfSMAABAAAAAmAAAACAAAAIGAAAAAAAAA"/>
               </a:ext>
             </a:extLst>
           </p:cNvSpPr>
@@ -1491,41 +1492,41 @@
           </a:bodyPr>
           <a:lstStyle>
             <a:lvl1pPr algn="l">
-              <a:defRPr lang="en-us" sz="4000" b="1"/>
+              <a:defRPr lang="en-US" sz="4000" b="1"/>
             </a:lvl1pPr>
             <a:lvl2pPr>
-              <a:defRPr lang="en-us"/>
+              <a:defRPr lang="en-US"/>
             </a:lvl2pPr>
             <a:lvl3pPr>
-              <a:defRPr lang="en-us"/>
+              <a:defRPr lang="en-US"/>
             </a:lvl3pPr>
             <a:lvl4pPr>
-              <a:defRPr lang="en-us"/>
+              <a:defRPr lang="en-US"/>
             </a:lvl4pPr>
             <a:lvl5pPr>
-              <a:defRPr lang="en-us"/>
+              <a:defRPr lang="en-US"/>
             </a:lvl5pPr>
             <a:lvl6pPr>
-              <a:defRPr lang="en-us"/>
+              <a:defRPr lang="en-US"/>
             </a:lvl6pPr>
             <a:lvl7pPr>
-              <a:defRPr lang="en-us"/>
+              <a:defRPr lang="en-US"/>
             </a:lvl7pPr>
             <a:lvl8pPr>
-              <a:defRPr lang="en-us"/>
+              <a:defRPr lang="en-US"/>
             </a:lvl8pPr>
             <a:lvl9pPr>
-              <a:defRPr lang="en-us"/>
+              <a:defRPr lang="en-US"/>
             </a:lvl9pPr>
           </a:lstStyle>
           <a:p>
             <a:pPr>
-              <a:defRPr lang="en-us"/>
+              <a:defRPr lang="en-US"/>
             </a:pPr>
             <a:r>
               <a:t>Click to edit Master title style</a:t>
             </a:r>
-            <a:endParaRPr lang="en-au"/>
+            <a:endParaRPr lang="en-AU"/>
           </a:p>
         </p:txBody>
       </p:sp>
@@ -1536,7 +1537,7 @@
             <a:spLocks noGrp="1" noChangeArrowheads="1"/>
             <a:extLst>
               <a:ext uri="smNativeData">
-                <pr:smNativeData xmlns:pr="smNativeData" val="SMDATA_16_n4i/WxMAAAAlAAAAZAAAAA0AAAAAkAAAAEgAAACQAAAASAAAAAAAAAACAAAAAAAAAAEAAABQAAAAAAAAAAAA4D8AAAAAAADgPwAAAAAAAOA/AAAAAAAA4D8AAAAAAADgPwAAAAAAAOA/AAAAAAAA4D8AAAAAAADgPwAAAAAAAOA/AAAAAAAA4D8CAAAAjAAAAAAAAAAAAAAAT4G9DP///wgAAAAAAAAAAAAAAAAAAAAAAAAAAAAAAAAAAAAAZAAAAAEAAABAAAAAAAAAAAAAAAAAAAAAAAAAAAAAAAAAAAAAAAAAAAAAAAAAAAAAAAAAAAAAAAAAAAAAAAAAAAAAAAAAAAAAAAAAAAAAAAAAAAAAAAAAAAAAAAAAAAAAFAAAADwAAAAAAAAAAAAAAAAAAAkUAAAAAQAAABQAAAAUAAAAFAAAAAEAAAAAAAAAZAAAAGQAAAAAAAAAZAAAAGQAAAAVAAAAYAAAAAAAAAAAAAAADwAAACADAAAAAAAAAAAAAAEAAACgMgAAVgcAAKr4//8BAAAAf39/AAEAAABkAAAAAAAAABQAAABAHwAAAAAAACYAAAAAAAAAwOD//wAAAAAmAAAAZAAAABYAAABMAAAAAAAAAAAAAAAEAAAAAAAAAAEAAADu7OEKAAAAACgAAAAoAAAAZAAAAGQAAAAAAAAAzMzMAAAAAABQAAAAUAAAAGQAAABkAAAAAAAAABcAAAAUAAAAAAAAAAAAAAD/fwAA/38AAAAAAAAJAAAABAAAAAAAAAAMAAAAEAAAAAAAAAAAAAAAAAAAAAAAAAAeAAAAaAAAAAAAAAAAAAAAAAAAAAAAAAAAAAAAECcAABAnAAAAAAAAAAAAAAAAAAAAAAAAAAAAAAAAAAAAAAAAAAAAABQAAAAAAAAAwMD/AAAAAABkAAAAMgAAAAAAAABkAAAAAAAAAH9/fwAKAAAAIgAAABgAAAAAAAAAAAAAAAAAAAAAAAAAAAAAAAAAAAAkAAAAJAAAAAAAAAAHAAAAAAAAAAAAAAAAAAAAAAAAAAAAAAAAAAAAf39/ACUAAABYAAAAAAAAAAAAAAAAAAAAAAAAAAAAAAAAAAAAAAAAAAAAAAAAAAAAAAAAAAAAAAA/AAAAAAAAAKCGAQAAAAAAAAAAAAAAAAAMAAAAAQAAAAAAAAAAAAAAAAAAAB8AAABUAAAAAAAABQAAAAEAAAAAAAAAAAAAAAAAAAAAAAAAAAAAAAAAAAAAAAAAAAAAAAJ/f38AAAAAA8zMzADAwP8Af39/AAAAAAAAAAAAAAAAAAAAAAAAAAAAIQAAABgAAAAUAAAAcgQAAOIRAABCNAAAHBsAABAAAAAmAAAACAAAAIGAAAAAAAAA"/>
+                <pr:smNativeData xmlns="" xmlns:p14="http://schemas.microsoft.com/office/powerpoint/2010/main" xmlns:pr="smNativeData" val="SMDATA_16_n4i/WxMAAAAlAAAAZAAAAA0AAAAAkAAAAEgAAACQAAAASAAAAAAAAAACAAAAAAAAAAEAAABQAAAAAAAAAAAA4D8AAAAAAADgPwAAAAAAAOA/AAAAAAAA4D8AAAAAAADgPwAAAAAAAOA/AAAAAAAA4D8AAAAAAADgPwAAAAAAAOA/AAAAAAAA4D8CAAAAjAAAAAAAAAAAAAAAT4G9DP///wgAAAAAAAAAAAAAAAAAAAAAAAAAAAAAAAAAAAAAZAAAAAEAAABAAAAAAAAAAAAAAAAAAAAAAAAAAAAAAAAAAAAAAAAAAAAAAAAAAAAAAAAAAAAAAAAAAAAAAAAAAAAAAAAAAAAAAAAAAAAAAAAAAAAAAAAAAAAAAAAAAAAAFAAAADwAAAAAAAAAAAAAAAAAAAkUAAAAAQAAABQAAAAUAAAAFAAAAAEAAAAAAAAAZAAAAGQAAAAAAAAAZAAAAGQAAAAVAAAAYAAAAAAAAAAAAAAADwAAACADAAAAAAAAAAAAAAEAAACgMgAAVgcAAKr4//8BAAAAf39/AAEAAABkAAAAAAAAABQAAABAHwAAAAAAACYAAAAAAAAAwOD//wAAAAAmAAAAZAAAABYAAABMAAAAAAAAAAAAAAAEAAAAAAAAAAEAAADu7OEKAAAAACgAAAAoAAAAZAAAAGQAAAAAAAAAzMzMAAAAAABQAAAAUAAAAGQAAABkAAAAAAAAABcAAAAUAAAAAAAAAAAAAAD/fwAA/38AAAAAAAAJAAAABAAAAAAAAAAMAAAAEAAAAAAAAAAAAAAAAAAAAAAAAAAeAAAAaAAAAAAAAAAAAAAAAAAAAAAAAAAAAAAAECcAABAnAAAAAAAAAAAAAAAAAAAAAAAAAAAAAAAAAAAAAAAAAAAAABQAAAAAAAAAwMD/AAAAAABkAAAAMgAAAAAAAABkAAAAAAAAAH9/fwAKAAAAIgAAABgAAAAAAAAAAAAAAAAAAAAAAAAAAAAAAAAAAAAkAAAAJAAAAAAAAAAHAAAAAAAAAAAAAAAAAAAAAAAAAAAAAAAAAAAAf39/ACUAAABYAAAAAAAAAAAAAAAAAAAAAAAAAAAAAAAAAAAAAAAAAAAAAAAAAAAAAAAAAAAAAAA/AAAAAAAAAKCGAQAAAAAAAAAAAAAAAAAMAAAAAQAAAAAAAAAAAAAAAAAAAB8AAABUAAAAAAAABQAAAAEAAAAAAAAAAAAAAAAAAAAAAAAAAAAAAAAAAAAAAAAAAAAAAAJ/f38AAAAAA8zMzADAwP8Af39/AAAAAAAAAAAAAAAAAAAAAAAAAAAAIQAAABgAAAAUAAAAcgQAAOIRAABCNAAAHBsAABAAAAAmAAAACAAAAIGAAAAAAAAA"/>
               </a:ext>
             </a:extLst>
           </p:cNvSpPr>
@@ -1559,7 +1560,7 @@
           <a:lstStyle>
             <a:lvl1pPr marL="0" indent="0">
               <a:buNone/>
-              <a:defRPr lang="en-us" sz="2000">
+              <a:defRPr lang="en-US" sz="2000">
                 <a:solidFill>
                   <a:srgbClr val="8C8C8C"/>
                 </a:solidFill>
@@ -1567,7 +1568,7 @@
             </a:lvl1pPr>
             <a:lvl2pPr marL="457200" indent="0">
               <a:buNone/>
-              <a:defRPr lang="en-us" sz="1800">
+              <a:defRPr lang="en-US" sz="1800">
                 <a:solidFill>
                   <a:srgbClr val="8C8C8C"/>
                 </a:solidFill>
@@ -1575,7 +1576,7 @@
             </a:lvl2pPr>
             <a:lvl3pPr marL="914400" indent="0">
               <a:buNone/>
-              <a:defRPr lang="en-us" sz="1600">
+              <a:defRPr lang="en-US" sz="1600">
                 <a:solidFill>
                   <a:srgbClr val="8C8C8C"/>
                 </a:solidFill>
@@ -1583,7 +1584,7 @@
             </a:lvl3pPr>
             <a:lvl4pPr marL="1371600" indent="0">
               <a:buNone/>
-              <a:defRPr lang="en-us" sz="1400">
+              <a:defRPr lang="en-US" sz="1400">
                 <a:solidFill>
                   <a:srgbClr val="8C8C8C"/>
                 </a:solidFill>
@@ -1591,7 +1592,7 @@
             </a:lvl4pPr>
             <a:lvl5pPr marL="1828800" indent="0">
               <a:buNone/>
-              <a:defRPr lang="en-us" sz="1400">
+              <a:defRPr lang="en-US" sz="1400">
                 <a:solidFill>
                   <a:srgbClr val="8C8C8C"/>
                 </a:solidFill>
@@ -1599,7 +1600,7 @@
             </a:lvl5pPr>
             <a:lvl6pPr marL="2286000" indent="0">
               <a:buNone/>
-              <a:defRPr lang="en-us" sz="1400">
+              <a:defRPr lang="en-US" sz="1400">
                 <a:solidFill>
                   <a:srgbClr val="8C8C8C"/>
                 </a:solidFill>
@@ -1607,7 +1608,7 @@
             </a:lvl6pPr>
             <a:lvl7pPr marL="2743200" indent="0">
               <a:buNone/>
-              <a:defRPr lang="en-us" sz="1400">
+              <a:defRPr lang="en-US" sz="1400">
                 <a:solidFill>
                   <a:srgbClr val="8C8C8C"/>
                 </a:solidFill>
@@ -1615,7 +1616,7 @@
             </a:lvl7pPr>
             <a:lvl8pPr marL="3200400" indent="0">
               <a:buNone/>
-              <a:defRPr lang="en-us" sz="1400">
+              <a:defRPr lang="en-US" sz="1400">
                 <a:solidFill>
                   <a:srgbClr val="8C8C8C"/>
                 </a:solidFill>
@@ -1623,7 +1624,7 @@
             </a:lvl8pPr>
             <a:lvl9pPr marL="3657600" indent="0">
               <a:buNone/>
-              <a:defRPr lang="en-us" sz="1400">
+              <a:defRPr lang="en-US" sz="1400">
                 <a:solidFill>
                   <a:srgbClr val="8C8C8C"/>
                 </a:solidFill>
@@ -1632,7 +1633,7 @@
           </a:lstStyle>
           <a:p>
             <a:pPr>
-              <a:defRPr lang="en-us"/>
+              <a:defRPr lang="en-US"/>
             </a:pPr>
             <a:r>
               <a:t>Click to edit Master text styles</a:t>
@@ -1647,7 +1648,7 @@
             <a:spLocks noGrp="1" noChangeArrowheads="1"/>
             <a:extLst>
               <a:ext uri="smNativeData">
-                <pr:smNativeData xmlns:pr="smNativeData" val="SMDATA_16_n4i/WxMAAAAlAAAAZAAAAA0AAAAAkAAAAEgAAACQAAAASAAAAAAAAAABAAAAAAAAAAEAAABQAAAAAAAAAAAA4D8AAAAAAADgPwAAAAAAAOA/AAAAAAAA4D8AAAAAAADgPwAAAAAAAOA/AAAAAAAA4D8AAAAAAADgPwAAAAAAAOA/AAAAAAAA4D8CAAAAjAAAAAAAAAAAAAAAT4G9DP///wgAAAAAAAAAAAAAAAAAAAAAAAAAAAAAAAAAAAAAZAAAAAEAAABAAAAAAAAAAAAAAAAAAAAAAAAAAAAAAAAAAAAAAAAAAAAAAAAAAAAAAAAAAAAAAAAAAAAAAAAAAAAAAAAAAAAAAAAAAAAAAAAAAAAAAAAAAAAAAAAAAAAAFAAAADwAAAAAAAAAAAAAAAAAAAkUAAAAAQAAABQAAAAUAAAAFAAAAAEAAAAAAAAAZAAAAGQAAAAAAAAAZAAAAGQAAAAVAAAAYAAAAAAAAAAAAAAADwAAACADAAAAAAAAAAAAAAEAAACgMgAAVgcAAKr4//8BAAAAf39/AAEAAABkAAAAAAAAABQAAABAHwAAAAAAACYAAAAAAAAAwOD//wAAAAAmAAAAZAAAABYAAABMAAAAAAAAAAAAAAAEAAAAAAAAAAEAAADu7OEKAAAAACgAAAAoAAAAZAAAAGQAAAAAAAAAzMzMAAAAAABQAAAAUAAAAGQAAABkAAAAAAAAABcAAAAUAAAAAAAAAAAAAAD/fwAA/38AAAAAAAAJAAAABAAAAAAAAAAMAAAAEAAAAAAAAAAAAAAAAAAAAAAAAAAeAAAAaAAAAAAAAAAAAAAAAAAAAAAAAAAAAAAAECcAABAnAAAAAAAAAAAAAAAAAAAAAAAAAAAAAAAAAAAAAAAAAAAAABQAAAAAAAAAwMD/AAAAAABkAAAAMgAAAAAAAABkAAAAAAAAAH9/fwAKAAAAIgAAABgAAAAAAAAAAAAAAAAAAAAAAAAAAAAAAAAAAAAkAAAAJAAAAAAAAAAHAAAAAAAAAAAAAAAAAAAAAAAAAAAAAAAAAAAAf39/ACUAAABYAAAAAAAAAAAAAAAAAAAAAAAAAAAAAAAAAAAAAAAAAAAAAAAAAAAAAAAAAAAAAAA/AAAAAAAAAKCGAQAAAAAAAAAAAAAAAAAMAAAAAQAAAAAAAAAAAAAAAAAAAB8AAABUAAAAAAAABQAAAAEAAAAAAAAAAAAAAAAAAAAAAAAAAAAAAAAAAAAAAAAAAAAAAAJ/f38AAAAAA8zMzADAwP8Af39/AAAAAAAAAAAAAAAAAAAAAAAAAAAAIQAAABgAAAAUAAAA0AIAABonAADwDwAAWSkAABAAAAAmAAAACAAAAACAAAAAAAAA"/>
+                <pr:smNativeData xmlns="" xmlns:p14="http://schemas.microsoft.com/office/powerpoint/2010/main" xmlns:pr="smNativeData" val="SMDATA_16_n4i/WxMAAAAlAAAAZAAAAA0AAAAAkAAAAEgAAACQAAAASAAAAAAAAAABAAAAAAAAAAEAAABQAAAAAAAAAAAA4D8AAAAAAADgPwAAAAAAAOA/AAAAAAAA4D8AAAAAAADgPwAAAAAAAOA/AAAAAAAA4D8AAAAAAADgPwAAAAAAAOA/AAAAAAAA4D8CAAAAjAAAAAAAAAAAAAAAT4G9DP///wgAAAAAAAAAAAAAAAAAAAAAAAAAAAAAAAAAAAAAZAAAAAEAAABAAAAAAAAAAAAAAAAAAAAAAAAAAAAAAAAAAAAAAAAAAAAAAAAAAAAAAAAAAAAAAAAAAAAAAAAAAAAAAAAAAAAAAAAAAAAAAAAAAAAAAAAAAAAAAAAAAAAAFAAAADwAAAAAAAAAAAAAAAAAAAkUAAAAAQAAABQAAAAUAAAAFAAAAAEAAAAAAAAAZAAAAGQAAAAAAAAAZAAAAGQAAAAVAAAAYAAAAAAAAAAAAAAADwAAACADAAAAAAAAAAAAAAEAAACgMgAAVgcAAKr4//8BAAAAf39/AAEAAABkAAAAAAAAABQAAABAHwAAAAAAACYAAAAAAAAAwOD//wAAAAAmAAAAZAAAABYAAABMAAAAAAAAAAAAAAAEAAAAAAAAAAEAAADu7OEKAAAAACgAAAAoAAAAZAAAAGQAAAAAAAAAzMzMAAAAAABQAAAAUAAAAGQAAABkAAAAAAAAABcAAAAUAAAAAAAAAAAAAAD/fwAA/38AAAAAAAAJAAAABAAAAAAAAAAMAAAAEAAAAAAAAAAAAAAAAAAAAAAAAAAeAAAAaAAAAAAAAAAAAAAAAAAAAAAAAAAAAAAAECcAABAnAAAAAAAAAAAAAAAAAAAAAAAAAAAAAAAAAAAAAAAAAAAAABQAAAAAAAAAwMD/AAAAAABkAAAAMgAAAAAAAABkAAAAAAAAAH9/fwAKAAAAIgAAABgAAAAAAAAAAAAAAAAAAAAAAAAAAAAAAAAAAAAkAAAAJAAAAAAAAAAHAAAAAAAAAAAAAAAAAAAAAAAAAAAAAAAAAAAAf39/ACUAAABYAAAAAAAAAAAAAAAAAAAAAAAAAAAAAAAAAAAAAAAAAAAAAAAAAAAAAAAAAAAAAAA/AAAAAAAAAKCGAQAAAAAAAAAAAAAAAAAMAAAAAQAAAAAAAAAAAAAAAAAAAB8AAABUAAAAAAAABQAAAAEAAAAAAAAAAAAAAAAAAAAAAAAAAAAAAAAAAAAAAAAAAAAAAAJ/f38AAAAAA8zMzADAwP8Af39/AAAAAAAAAAAAAAAAAAAAAAAAAAAAIQAAABgAAAAUAAAA0AIAABonAADwDwAAWSkAABAAAAAmAAAACAAAAACAAAAAAAAA"/>
               </a:ext>
             </a:extLst>
           </p:cNvSpPr>
@@ -1660,40 +1661,41 @@
           <a:bodyPr/>
           <a:lstStyle>
             <a:lvl1pPr>
-              <a:defRPr lang="en-au"/>
+              <a:defRPr lang="en-AU"/>
             </a:lvl1pPr>
             <a:lvl2pPr>
-              <a:defRPr lang="en-us"/>
+              <a:defRPr lang="en-US"/>
             </a:lvl2pPr>
             <a:lvl3pPr>
-              <a:defRPr lang="en-us"/>
+              <a:defRPr lang="en-US"/>
             </a:lvl3pPr>
             <a:lvl4pPr>
-              <a:defRPr lang="en-us"/>
+              <a:defRPr lang="en-US"/>
             </a:lvl4pPr>
             <a:lvl5pPr>
-              <a:defRPr lang="en-us"/>
+              <a:defRPr lang="en-US"/>
             </a:lvl5pPr>
             <a:lvl6pPr>
-              <a:defRPr lang="en-us"/>
+              <a:defRPr lang="en-US"/>
             </a:lvl6pPr>
             <a:lvl7pPr>
-              <a:defRPr lang="en-us"/>
+              <a:defRPr lang="en-US"/>
             </a:lvl7pPr>
             <a:lvl8pPr>
-              <a:defRPr lang="en-us"/>
+              <a:defRPr lang="en-US"/>
             </a:lvl8pPr>
             <a:lvl9pPr>
-              <a:defRPr lang="en-us"/>
+              <a:defRPr lang="en-US"/>
             </a:lvl9pPr>
           </a:lstStyle>
           <a:p>
             <a:pPr>
-              <a:defRPr lang="en-au"/>
+              <a:defRPr lang="en-AU"/>
             </a:pPr>
             <a:fld id="{3D688F6E-20D0-3D79-9ED0-D62CC19E6883}" type="datetime1">
-              <a:t>9/10/2018</a:t>
+              <a:t>10/12/2018</a:t>
             </a:fld>
+            <a:endParaRPr/>
           </a:p>
         </p:txBody>
       </p:sp>
@@ -1704,7 +1706,7 @@
             <a:spLocks noGrp="1" noChangeArrowheads="1"/>
             <a:extLst>
               <a:ext uri="smNativeData">
-                <pr:smNativeData xmlns:pr="smNativeData" val="SMDATA_16_n4i/WxMAAAAlAAAAZAAAAA0AAAAAkAAAAEgAAACQAAAASAAAAAAAAAABAAAAAAAAAAEAAABQAAAAAAAAAAAA4D8AAAAAAADgPwAAAAAAAOA/AAAAAAAA4D8AAAAAAADgPwAAAAAAAOA/AAAAAAAA4D8AAAAAAADgPwAAAAAAAOA/AAAAAAAA4D8CAAAAjAAAAAAAAAAAAAAAT4G9DP///wgAAAAAAAAAAAAAAAAAAAAAAAAAAAAAAAAAAAAAZAAAAAEAAABAAAAAAAAAAAAAAAAAAAAAAAAAAAAAAAAAAAAAAAAAAAAAAAAAAAAAAAAAAAAAAAAAAAAAAAAAAAAAAAAAAAAAAAAAAAAAAAAAAAAAAAAAAAAAAAAAAAAAFAAAADwAAAAAAAAAAAAAAAAAAAkUAAAAAQAAABQAAAAUAAAAFAAAAAEAAAAAAAAAZAAAAGQAAAAAAAAAZAAAAGQAAAAVAAAAYAAAAAAAAAAAAAAADwAAACADAAAAAAAAAAAAAAEAAACgMgAAVgcAAKr4//8BAAAAf39/AAEAAABkAAAAAAAAABQAAABAHwAAAAAAACYAAAAAAAAAwOD//wAAAAAmAAAAZAAAABYAAABMAAAAAAAAAAAAAAAEAAAAAAAAAAEAAADu7OEKAAAAACgAAAAoAAAAZAAAAGQAAAAAAAAAzMzMAAAAAABQAAAAUAAAAGQAAABkAAAAAAAAABcAAAAUAAAAAAAAAAAAAAD/fwAA/38AAAAAAAAJAAAABAAAAAAAAAAMAAAAEAAAAAAAAAAAAAAAAAAAAAAAAAAeAAAAaAAAAAAAAAAAAAAAAAAAAAAAAAAAAAAAECcAABAnAAAAAAAAAAAAAAAAAAAAAAAAAAAAAAAAAAAAAAAAAAAAABQAAAAAAAAAwMD/AAAAAABkAAAAMgAAAAAAAABkAAAAAAAAAH9/fwAKAAAAIgAAABgAAAAAAAAAAAAAAAAAAAAAAAAAAAAAAAAAAAAkAAAAJAAAAAAAAAAHAAAAAAAAAAAAAAAAAAAAAAAAAAAAAAAAAAAAf39/ACUAAABYAAAAAAAAAAAAAAAAAAAAAAAAAAAAAAAAAAAAAAAAAAAAAAAAAAAAAAAAAAAAAAA/AAAAAAAAAKCGAQAAAAAAAAAAAAAAAAAMAAAAAQAAAAAAAAAAAAAAAAAAAB8AAABUAAAAAAAABQAAAAEAAAAAAAAAAAAAAAAAAAAAAAAAAAAAAAAAAAAAAAAAAAAAAAJ/f38AAAAAA8zMzADAwP8Af39/AAAAAAAAAAAAAAAAAAAAAAAAAAAAIQAAABgAAAAUAAAAOBMAABonAAAIJQAAWSkAABAAAAAmAAAACAAAAACAAAAAAAAA"/>
+                <pr:smNativeData xmlns="" xmlns:p14="http://schemas.microsoft.com/office/powerpoint/2010/main" xmlns:pr="smNativeData" val="SMDATA_16_n4i/WxMAAAAlAAAAZAAAAA0AAAAAkAAAAEgAAACQAAAASAAAAAAAAAABAAAAAAAAAAEAAABQAAAAAAAAAAAA4D8AAAAAAADgPwAAAAAAAOA/AAAAAAAA4D8AAAAAAADgPwAAAAAAAOA/AAAAAAAA4D8AAAAAAADgPwAAAAAAAOA/AAAAAAAA4D8CAAAAjAAAAAAAAAAAAAAAT4G9DP///wgAAAAAAAAAAAAAAAAAAAAAAAAAAAAAAAAAAAAAZAAAAAEAAABAAAAAAAAAAAAAAAAAAAAAAAAAAAAAAAAAAAAAAAAAAAAAAAAAAAAAAAAAAAAAAAAAAAAAAAAAAAAAAAAAAAAAAAAAAAAAAAAAAAAAAAAAAAAAAAAAAAAAFAAAADwAAAAAAAAAAAAAAAAAAAkUAAAAAQAAABQAAAAUAAAAFAAAAAEAAAAAAAAAZAAAAGQAAAAAAAAAZAAAAGQAAAAVAAAAYAAAAAAAAAAAAAAADwAAACADAAAAAAAAAAAAAAEAAACgMgAAVgcAAKr4//8BAAAAf39/AAEAAABkAAAAAAAAABQAAABAHwAAAAAAACYAAAAAAAAAwOD//wAAAAAmAAAAZAAAABYAAABMAAAAAAAAAAAAAAAEAAAAAAAAAAEAAADu7OEKAAAAACgAAAAoAAAAZAAAAGQAAAAAAAAAzMzMAAAAAABQAAAAUAAAAGQAAABkAAAAAAAAABcAAAAUAAAAAAAAAAAAAAD/fwAA/38AAAAAAAAJAAAABAAAAAAAAAAMAAAAEAAAAAAAAAAAAAAAAAAAAAAAAAAeAAAAaAAAAAAAAAAAAAAAAAAAAAAAAAAAAAAAECcAABAnAAAAAAAAAAAAAAAAAAAAAAAAAAAAAAAAAAAAAAAAAAAAABQAAAAAAAAAwMD/AAAAAABkAAAAMgAAAAAAAABkAAAAAAAAAH9/fwAKAAAAIgAAABgAAAAAAAAAAAAAAAAAAAAAAAAAAAAAAAAAAAAkAAAAJAAAAAAAAAAHAAAAAAAAAAAAAAAAAAAAAAAAAAAAAAAAAAAAf39/ACUAAABYAAAAAAAAAAAAAAAAAAAAAAAAAAAAAAAAAAAAAAAAAAAAAAAAAAAAAAAAAAAAAAA/AAAAAAAAAKCGAQAAAAAAAAAAAAAAAAAMAAAAAQAAAAAAAAAAAAAAAAAAAB8AAABUAAAAAAAABQAAAAEAAAAAAAAAAAAAAAAAAAAAAAAAAAAAAAAAAAAAAAAAAAAAAAJ/f38AAAAAA8zMzADAwP8Af39/AAAAAAAAAAAAAAAAAAAAAAAAAAAAIQAAABgAAAAUAAAAOBMAABonAAAIJQAAWSkAABAAAAAmAAAACAAAAACAAAAAAAAA"/>
               </a:ext>
             </a:extLst>
           </p:cNvSpPr>
@@ -1717,37 +1719,38 @@
           <a:bodyPr/>
           <a:lstStyle>
             <a:lvl1pPr>
-              <a:defRPr lang="en-au"/>
+              <a:defRPr lang="en-AU"/>
             </a:lvl1pPr>
             <a:lvl2pPr>
-              <a:defRPr lang="en-us"/>
+              <a:defRPr lang="en-US"/>
             </a:lvl2pPr>
             <a:lvl3pPr>
-              <a:defRPr lang="en-us"/>
+              <a:defRPr lang="en-US"/>
             </a:lvl3pPr>
             <a:lvl4pPr>
-              <a:defRPr lang="en-us"/>
+              <a:defRPr lang="en-US"/>
             </a:lvl4pPr>
             <a:lvl5pPr>
-              <a:defRPr lang="en-us"/>
+              <a:defRPr lang="en-US"/>
             </a:lvl5pPr>
             <a:lvl6pPr>
-              <a:defRPr lang="en-us"/>
+              <a:defRPr lang="en-US"/>
             </a:lvl6pPr>
             <a:lvl7pPr>
-              <a:defRPr lang="en-us"/>
+              <a:defRPr lang="en-US"/>
             </a:lvl7pPr>
             <a:lvl8pPr>
-              <a:defRPr lang="en-us"/>
+              <a:defRPr lang="en-US"/>
             </a:lvl8pPr>
             <a:lvl9pPr>
-              <a:defRPr lang="en-us"/>
+              <a:defRPr lang="en-US"/>
             </a:lvl9pPr>
           </a:lstStyle>
           <a:p>
             <a:pPr>
-              <a:defRPr lang="en-au"/>
-            </a:pPr>
+              <a:defRPr lang="en-AU"/>
+            </a:pPr>
+            <a:endParaRPr/>
           </a:p>
         </p:txBody>
       </p:sp>
@@ -1758,7 +1761,7 @@
             <a:spLocks noGrp="1" noChangeArrowheads="1"/>
             <a:extLst>
               <a:ext uri="smNativeData">
-                <pr:smNativeData xmlns:pr="smNativeData" val="SMDATA_16_n4i/WxMAAAAlAAAAZAAAAA0AAAAAkAAAAEgAAACQAAAASAAAAAAAAAABAAAAAAAAAAEAAABQAAAAAAAAAAAA4D8AAAAAAADgPwAAAAAAAOA/AAAAAAAA4D8AAAAAAADgPwAAAAAAAOA/AAAAAAAA4D8AAAAAAADgPwAAAAAAAOA/AAAAAAAA4D8CAAAAjAAAAAAAAAAAAAAAT4G9DP///wgAAAAAAAAAAAAAAAAAAAAAAAAAAAAAAAAAAAAAZAAAAAEAAABAAAAAAAAAAAAAAAAAAAAAAAAAAAAAAAAAAAAAAAAAAAAAAAAAAAAAAAAAAAAAAAAAAAAAAAAAAAAAAAAAAAAAAAAAAAAAAAAAAAAAAAAAAAAAAAAAAAAAFAAAADwAAAAAAAAAAAAAAAAAAAkUAAAAAQAAABQAAAAUAAAAFAAAAAEAAAAAAAAAZAAAAGQAAAAAAAAAZAAAAGQAAAAVAAAAYAAAAAAAAAAAAAAADwAAACADAAAAAAAAAAAAAAEAAACgMgAAVgcAAKr4//8BAAAAf39/AAEAAABkAAAAAAAAABQAAABAHwAAAAAAACYAAAAAAAAAwOD//wAAAAAmAAAAZAAAABYAAABMAAAAAAAAAAAAAAAEAAAAAAAAAAEAAADu7OEKAAAAACgAAAAoAAAAZAAAAGQAAAAAAAAAzMzMAAAAAABQAAAAUAAAAGQAAABkAAAAAAAAABcAAAAUAAAAAAAAAAAAAAD/fwAA/38AAAAAAAAJAAAABAAAAAAAAAAMAAAAEAAAAAAAAAAAAAAAAAAAAAAAAAAeAAAAaAAAAAAAAAAAAAAAAAAAAAAAAAAAAAAAECcAABAnAAAAAAAAAAAAAAAAAAAAAAAAAAAAAAAAAAAAAAAAAAAAABQAAAAAAAAAwMD/AAAAAABkAAAAMgAAAAAAAABkAAAAAAAAAH9/fwAKAAAAIgAAABgAAAAAAAAAAAAAAAAAAAAAAAAAAAAAAAAAAAAkAAAAJAAAAAAAAAAHAAAAAAAAAAAAAAAAAAAAAAAAAAAAAAAAAAAAf39/ACUAAABYAAAAAAAAAAAAAAAAAAAAAAAAAAAAAAAAAAAAAAAAAAAAAAAAAAAAAAAAAAAAAAA/AAAAAAAAAKCGAQAAAAAAAAAAAAAAAAAMAAAAAQAAAAAAAAAAAAAAAAAAAB8AAABUAAAAAAAABQAAAAEAAAAAAAAAAAAAAAAAAAAAAAAAAAAAAAAAAAAAAAAAAAAAAAJ/f38AAAAAA8zMzADAwP8Af39/AAAAAAAAAAAAAAAAAAAAAAAAAAAAIQAAABgAAAAUAAAAUCgAABonAABwNQAAWSkAABAAAAAmAAAACAAAAACAAAAAAAAA"/>
+                <pr:smNativeData xmlns="" xmlns:p14="http://schemas.microsoft.com/office/powerpoint/2010/main" xmlns:pr="smNativeData" val="SMDATA_16_n4i/WxMAAAAlAAAAZAAAAA0AAAAAkAAAAEgAAACQAAAASAAAAAAAAAABAAAAAAAAAAEAAABQAAAAAAAAAAAA4D8AAAAAAADgPwAAAAAAAOA/AAAAAAAA4D8AAAAAAADgPwAAAAAAAOA/AAAAAAAA4D8AAAAAAADgPwAAAAAAAOA/AAAAAAAA4D8CAAAAjAAAAAAAAAAAAAAAT4G9DP///wgAAAAAAAAAAAAAAAAAAAAAAAAAAAAAAAAAAAAAZAAAAAEAAABAAAAAAAAAAAAAAAAAAAAAAAAAAAAAAAAAAAAAAAAAAAAAAAAAAAAAAAAAAAAAAAAAAAAAAAAAAAAAAAAAAAAAAAAAAAAAAAAAAAAAAAAAAAAAAAAAAAAAFAAAADwAAAAAAAAAAAAAAAAAAAkUAAAAAQAAABQAAAAUAAAAFAAAAAEAAAAAAAAAZAAAAGQAAAAAAAAAZAAAAGQAAAAVAAAAYAAAAAAAAAAAAAAADwAAACADAAAAAAAAAAAAAAEAAACgMgAAVgcAAKr4//8BAAAAf39/AAEAAABkAAAAAAAAABQAAABAHwAAAAAAACYAAAAAAAAAwOD//wAAAAAmAAAAZAAAABYAAABMAAAAAAAAAAAAAAAEAAAAAAAAAAEAAADu7OEKAAAAACgAAAAoAAAAZAAAAGQAAAAAAAAAzMzMAAAAAABQAAAAUAAAAGQAAABkAAAAAAAAABcAAAAUAAAAAAAAAAAAAAD/fwAA/38AAAAAAAAJAAAABAAAAAAAAAAMAAAAEAAAAAAAAAAAAAAAAAAAAAAAAAAeAAAAaAAAAAAAAAAAAAAAAAAAAAAAAAAAAAAAECcAABAnAAAAAAAAAAAAAAAAAAAAAAAAAAAAAAAAAAAAAAAAAAAAABQAAAAAAAAAwMD/AAAAAABkAAAAMgAAAAAAAABkAAAAAAAAAH9/fwAKAAAAIgAAABgAAAAAAAAAAAAAAAAAAAAAAAAAAAAAAAAAAAAkAAAAJAAAAAAAAAAHAAAAAAAAAAAAAAAAAAAAAAAAAAAAAAAAAAAAf39/ACUAAABYAAAAAAAAAAAAAAAAAAAAAAAAAAAAAAAAAAAAAAAAAAAAAAAAAAAAAAAAAAAAAAA/AAAAAAAAAKCGAQAAAAAAAAAAAAAAAAAMAAAAAQAAAAAAAAAAAAAAAAAAAB8AAABUAAAAAAAABQAAAAEAAAAAAAAAAAAAAAAAAAAAAAAAAAAAAAAAAAAAAAAAAAAAAAJ/f38AAAAAA8zMzADAwP8Af39/AAAAAAAAAAAAAAAAAAAAAAAAAAAAIQAAABgAAAAUAAAAUCgAABonAABwNQAAWSkAABAAAAAmAAAACAAAAACAAAAAAAAA"/>
               </a:ext>
             </a:extLst>
           </p:cNvSpPr>
@@ -1771,40 +1774,41 @@
           <a:bodyPr/>
           <a:lstStyle>
             <a:lvl1pPr>
-              <a:defRPr lang="en-au"/>
+              <a:defRPr lang="en-AU"/>
             </a:lvl1pPr>
             <a:lvl2pPr>
-              <a:defRPr lang="en-us"/>
+              <a:defRPr lang="en-US"/>
             </a:lvl2pPr>
             <a:lvl3pPr>
-              <a:defRPr lang="en-us"/>
+              <a:defRPr lang="en-US"/>
             </a:lvl3pPr>
             <a:lvl4pPr>
-              <a:defRPr lang="en-us"/>
+              <a:defRPr lang="en-US"/>
             </a:lvl4pPr>
             <a:lvl5pPr>
-              <a:defRPr lang="en-us"/>
+              <a:defRPr lang="en-US"/>
             </a:lvl5pPr>
             <a:lvl6pPr>
-              <a:defRPr lang="en-us"/>
+              <a:defRPr lang="en-US"/>
             </a:lvl6pPr>
             <a:lvl7pPr>
-              <a:defRPr lang="en-us"/>
+              <a:defRPr lang="en-US"/>
             </a:lvl7pPr>
             <a:lvl8pPr>
-              <a:defRPr lang="en-us"/>
+              <a:defRPr lang="en-US"/>
             </a:lvl8pPr>
             <a:lvl9pPr>
-              <a:defRPr lang="en-us"/>
+              <a:defRPr lang="en-US"/>
             </a:lvl9pPr>
           </a:lstStyle>
           <a:p>
             <a:pPr>
-              <a:defRPr lang="en-au"/>
+              <a:defRPr lang="en-AU"/>
             </a:pPr>
             <a:fld id="{3D68F487-C9D0-3D02-9ED0-3F57BA9E686A}" type="slidenum">
               <a:t>‹#›</a:t>
             </a:fld>
+            <a:endParaRPr/>
           </a:p>
         </p:txBody>
       </p:sp>
@@ -1817,7 +1821,7 @@
 </file>
 
 <file path=ppt/slideLayouts/slideLayout4.xml><?xml version="1.0" encoding="utf-8"?>
-<p:sldLayout xmlns:p="http://schemas.openxmlformats.org/presentationml/2006/main" xmlns:p14="http://schemas.microsoft.com/office/powerpoint/2010/main" xmlns:r="http://schemas.openxmlformats.org/officeDocument/2006/relationships" xmlns:a="http://schemas.openxmlformats.org/drawingml/2006/main" type="twoObj" preserve="1">
+<p:sldLayout xmlns:a="http://schemas.openxmlformats.org/drawingml/2006/main" xmlns:r="http://schemas.openxmlformats.org/officeDocument/2006/relationships" xmlns:p="http://schemas.openxmlformats.org/presentationml/2006/main" type="twoObj" preserve="1">
   <p:cSld name="Two Content">
     <p:spTree>
       <p:nvGrpSpPr>
@@ -1840,7 +1844,7 @@
             <a:spLocks noGrp="1" noChangeArrowheads="1"/>
             <a:extLst>
               <a:ext uri="smNativeData">
-                <pr:smNativeData xmlns:pr="smNativeData" val="SMDATA_16_n4i/WxMAAAAlAAAAZAAAAA0AAAAAkAAAAEgAAACQAAAASAAAAAAAAAABAAAAAAAAAAEAAABQAAAAAAAAAAAA4D8AAAAAAADgPwAAAAAAAOA/AAAAAAAA4D8AAAAAAADgPwAAAAAAAOA/AAAAAAAA4D8AAAAAAADgPwAAAAAAAOA/AAAAAAAA4D8CAAAAjAAAAAAAAAAAAAAAT4G9DP///wgAAAAAAAAAAAAAAAAAAAAAAAAAAAAAAAAAAAAAZAAAAAEAAABAAAAAAAAAAAAAAAAAAAAAAAAAAAAAAAAAAAAAAAAAAAAAAAAAAAAAAAAAAAAAAAAAAAAAAAAAAAAAAAAAAAAAAAAAAAAAAAAAAAAAAAAAAAAAAAAAAAAAFAAAADwAAAAAAAAAAAAAAAAAAAkUAAAAAQAAABQAAAAUAAAAFAAAAAEAAAAAAAAAZAAAAGQAAAAAAAAAZAAAAGQAAAAVAAAAYAAAAAAAAAAAAAAADwAAACADAAAAAAAAAAAAAAEAAACgMgAAVgcAAKr4//8BAAAAf39/AAEAAABkAAAAAAAAABQAAABAHwAAAAAAACYAAAAAAAAAwOD//wAAAAAmAAAAZAAAABYAAABMAAAAAAAAAAAAAAAEAAAAAAAAAAEAAADu7OEKAAAAACgAAAAoAAAAZAAAAGQAAAAAAAAAzMzMAAAAAABQAAAAUAAAAGQAAABkAAAAAAAAABcAAAAUAAAAAAAAAAAAAAD/fwAA/38AAAAAAAAJAAAABAAAAAAAAAAMAAAAEAAAAAAAAAAAAAAAAAAAAAAAAAAeAAAAaAAAAAAAAAAAAAAAAAAAAAAAAAAAAAAAECcAABAnAAAAAAAAAAAAAAAAAAAAAAAAAAAAAAAAAAAAAAAAAAAAABQAAAAAAAAAwMD/AAAAAABkAAAAMgAAAAAAAABkAAAAAAAAAH9/fwAKAAAAIgAAABgAAAAAAAAAAAAAAAAAAAAAAAAAAAAAAAAAAAAkAAAAJAAAAAAAAAAHAAAAAAAAAAAAAAAAAAAAAAAAAAAAAAAAAAAAf39/ACUAAABYAAAAAAAAAAAAAAAAAAAAAAAAAAAAAAAAAAAAAAAAAAAAAAAAAAAAAAAAAAAAAAA/AAAAAAAAAKCGAQAAAAAAAAAAAAAAAAAMAAAAAQAAAAAAAAAAAAAAAAAAAB8AAABUAAAAAAAABQAAAAEAAAAAAAAAAAAAAAAAAAAAAAAAAAAAAAAAAAAAAAAAAAAAAAJ/f38AAAAAA8zMzADAwP8Af39/AAAAAAAAAAAAAAAAAAAAAAAAAAAAIQAAABgAAAAUAAAA0AIAALEBAABwNQAAuQgAABAAAAAmAAAACAAAAAAAAAAAAAAA"/>
+                <pr:smNativeData xmlns="" xmlns:p14="http://schemas.microsoft.com/office/powerpoint/2010/main" xmlns:pr="smNativeData" val="SMDATA_16_n4i/WxMAAAAlAAAAZAAAAA0AAAAAkAAAAEgAAACQAAAASAAAAAAAAAABAAAAAAAAAAEAAABQAAAAAAAAAAAA4D8AAAAAAADgPwAAAAAAAOA/AAAAAAAA4D8AAAAAAADgPwAAAAAAAOA/AAAAAAAA4D8AAAAAAADgPwAAAAAAAOA/AAAAAAAA4D8CAAAAjAAAAAAAAAAAAAAAT4G9DP///wgAAAAAAAAAAAAAAAAAAAAAAAAAAAAAAAAAAAAAZAAAAAEAAABAAAAAAAAAAAAAAAAAAAAAAAAAAAAAAAAAAAAAAAAAAAAAAAAAAAAAAAAAAAAAAAAAAAAAAAAAAAAAAAAAAAAAAAAAAAAAAAAAAAAAAAAAAAAAAAAAAAAAFAAAADwAAAAAAAAAAAAAAAAAAAkUAAAAAQAAABQAAAAUAAAAFAAAAAEAAAAAAAAAZAAAAGQAAAAAAAAAZAAAAGQAAAAVAAAAYAAAAAAAAAAAAAAADwAAACADAAAAAAAAAAAAAAEAAACgMgAAVgcAAKr4//8BAAAAf39/AAEAAABkAAAAAAAAABQAAABAHwAAAAAAACYAAAAAAAAAwOD//wAAAAAmAAAAZAAAABYAAABMAAAAAAAAAAAAAAAEAAAAAAAAAAEAAADu7OEKAAAAACgAAAAoAAAAZAAAAGQAAAAAAAAAzMzMAAAAAABQAAAAUAAAAGQAAABkAAAAAAAAABcAAAAUAAAAAAAAAAAAAAD/fwAA/38AAAAAAAAJAAAABAAAAAAAAAAMAAAAEAAAAAAAAAAAAAAAAAAAAAAAAAAeAAAAaAAAAAAAAAAAAAAAAAAAAAAAAAAAAAAAECcAABAnAAAAAAAAAAAAAAAAAAAAAAAAAAAAAAAAAAAAAAAAAAAAABQAAAAAAAAAwMD/AAAAAABkAAAAMgAAAAAAAABkAAAAAAAAAH9/fwAKAAAAIgAAABgAAAAAAAAAAAAAAAAAAAAAAAAAAAAAAAAAAAAkAAAAJAAAAAAAAAAHAAAAAAAAAAAAAAAAAAAAAAAAAAAAAAAAAAAAf39/ACUAAABYAAAAAAAAAAAAAAAAAAAAAAAAAAAAAAAAAAAAAAAAAAAAAAAAAAAAAAAAAAAAAAA/AAAAAAAAAKCGAQAAAAAAAAAAAAAAAAAMAAAAAQAAAAAAAAAAAAAAAAAAAB8AAABUAAAAAAAABQAAAAEAAAAAAAAAAAAAAAAAAAAAAAAAAAAAAAAAAAAAAAAAAAAAAAJ/f38AAAAAA8zMzADAwP8Af39/AAAAAAAAAAAAAAAAAAAAAAAAAAAAIQAAABgAAAAUAAAA0AIAALEBAABwNQAAuQgAABAAAAAmAAAACAAAAAAAAAAAAAAA"/>
               </a:ext>
             </a:extLst>
           </p:cNvSpPr>
@@ -1854,12 +1858,12 @@
           <a:lstStyle/>
           <a:p>
             <a:pPr>
-              <a:defRPr lang="en-us"/>
+              <a:defRPr lang="en-US"/>
             </a:pPr>
             <a:r>
               <a:t>Click to edit Master title style</a:t>
             </a:r>
-            <a:endParaRPr lang="en-au"/>
+            <a:endParaRPr lang="en-AU"/>
           </a:p>
         </p:txBody>
       </p:sp>
@@ -1870,7 +1874,7 @@
             <a:spLocks noGrp="1" noChangeArrowheads="1"/>
             <a:extLst>
               <a:ext uri="smNativeData">
-                <pr:smNativeData xmlns:pr="smNativeData" val="SMDATA_16_n4i/WxMAAAAlAAAAZAAAAA0AAAAAkAAAAEgAAACQAAAASAAAAAAAAAAAAAAAAAAAAAEAAABQAAAAAAAAAAAA4D8AAAAAAADgPwAAAAAAAOA/AAAAAAAA4D8AAAAAAADgPwAAAAAAAOA/AAAAAAAA4D8AAAAAAADgPwAAAAAAAOA/AAAAAAAA4D8CAAAAjAAAAAAAAAAAAAAAT4G9DP///wgAAAAAAAAAAAAAAAAAAAAAAAAAAAAAAAAAAAAAZAAAAAEAAABAAAAAAAAAAAAAAAAAAAAAAAAAAAAAAAAAAAAAAAAAAAAAAAAAAAAAAAAAAAAAAAAAAAAAAAAAAAAAAAAAAAAAAAAAAAAAAAAAAAAAAAAAAAAAAAAAAAAAFAAAADwAAAAAAAAAAAAAAAAAAAkUAAAAAQAAABQAAAAUAAAAFAAAAAEAAAAAAAAAZAAAAGQAAAAAAAAAZAAAAGQAAAAVAAAAYAAAAAAAAAAAAAAADwAAACADAAAAAAAAAAAAAAEAAACgMgAAVgcAAKr4//8BAAAAf39/AAEAAABkAAAAAAAAABQAAABAHwAAAAAAACYAAAAAAAAAwOD//wAAAAAmAAAAZAAAABYAAABMAAAAAAAAAAAAAAAEAAAAAAAAAAEAAADu7OEKAAAAACgAAAAoAAAAZAAAAGQAAAAAAAAAzMzMAAAAAABQAAAAUAAAAGQAAABkAAAAAAAAABcAAAAUAAAAAAAAAAAAAAD/fwAA/38AAAAAAAAJAAAABAAAAAAAAAAMAAAAEAAAAAAAAAAAAAAAAAAAAAAAAAAeAAAAaAAAAAAAAAAAAAAAAAAAAAAAAAAAAAAAECcAABAnAAAAAAAAAAAAAAAAAAAAAAAAAAAAAAAAAAAAAAAAAAAAABQAAAAAAAAAwMD/AAAAAABkAAAAMgAAAAAAAABkAAAAAAAAAH9/fwAKAAAAIgAAABgAAAAAAAAAAAAAAAAAAAAAAAAAAAAAAAAAAAAkAAAAJAAAAAAAAAAHAAAAAAAAAAAAAAAAAAAAAAAAAAAAAAAAAAAAf39/ACUAAABYAAAAAAAAAAAAAAAAAAAAAAAAAAAAAAAAAAAAAAAAAAAAAAAAAAAAAAAAAAAAAAA/AAAAAAAAAKCGAQAAAAAAAAAAAAAAAAAMAAAAAQAAAAAAAAAAAAAAAAAAAB8AAABUAAAAAAAABQAAAAEAAAAAAAAAAAAAAAAAAAAAAAAAAAAAAAAAAAAAAAAAAAAAAAJ/f38AAAAAA8zMzADAwP8Af39/AAAAAAAAAAAAAAAAAAAAAAAAAAAAIQAAABgAAAAUAAAA0AIAANgJAACoGwAAsCUAABAAAAAmAAAACAAAAAGAAAAAAAAA"/>
+                <pr:smNativeData xmlns="" xmlns:p14="http://schemas.microsoft.com/office/powerpoint/2010/main" xmlns:pr="smNativeData" val="SMDATA_16_n4i/WxMAAAAlAAAAZAAAAA0AAAAAkAAAAEgAAACQAAAASAAAAAAAAAAAAAAAAAAAAAEAAABQAAAAAAAAAAAA4D8AAAAAAADgPwAAAAAAAOA/AAAAAAAA4D8AAAAAAADgPwAAAAAAAOA/AAAAAAAA4D8AAAAAAADgPwAAAAAAAOA/AAAAAAAA4D8CAAAAjAAAAAAAAAAAAAAAT4G9DP///wgAAAAAAAAAAAAAAAAAAAAAAAAAAAAAAAAAAAAAZAAAAAEAAABAAAAAAAAAAAAAAAAAAAAAAAAAAAAAAAAAAAAAAAAAAAAAAAAAAAAAAAAAAAAAAAAAAAAAAAAAAAAAAAAAAAAAAAAAAAAAAAAAAAAAAAAAAAAAAAAAAAAAFAAAADwAAAAAAAAAAAAAAAAAAAkUAAAAAQAAABQAAAAUAAAAFAAAAAEAAAAAAAAAZAAAAGQAAAAAAAAAZAAAAGQAAAAVAAAAYAAAAAAAAAAAAAAADwAAACADAAAAAAAAAAAAAAEAAACgMgAAVgcAAKr4//8BAAAAf39/AAEAAABkAAAAAAAAABQAAABAHwAAAAAAACYAAAAAAAAAwOD//wAAAAAmAAAAZAAAABYAAABMAAAAAAAAAAAAAAAEAAAAAAAAAAEAAADu7OEKAAAAACgAAAAoAAAAZAAAAGQAAAAAAAAAzMzMAAAAAABQAAAAUAAAAGQAAABkAAAAAAAAABcAAAAUAAAAAAAAAAAAAAD/fwAA/38AAAAAAAAJAAAABAAAAAAAAAAMAAAAEAAAAAAAAAAAAAAAAAAAAAAAAAAeAAAAaAAAAAAAAAAAAAAAAAAAAAAAAAAAAAAAECcAABAnAAAAAAAAAAAAAAAAAAAAAAAAAAAAAAAAAAAAAAAAAAAAABQAAAAAAAAAwMD/AAAAAABkAAAAMgAAAAAAAABkAAAAAAAAAH9/fwAKAAAAIgAAABgAAAAAAAAAAAAAAAAAAAAAAAAAAAAAAAAAAAAkAAAAJAAAAAAAAAAHAAAAAAAAAAAAAAAAAAAAAAAAAAAAAAAAAAAAf39/ACUAAABYAAAAAAAAAAAAAAAAAAAAAAAAAAAAAAAAAAAAAAAAAAAAAAAAAAAAAAAAAAAAAAA/AAAAAAAAAKCGAQAAAAAAAAAAAAAAAAAMAAAAAQAAAAAAAAAAAAAAAAAAAB8AAABUAAAAAAAABQAAAAEAAAAAAAAAAAAAAAAAAAAAAAAAAAAAAAAAAAAAAAAAAAAAAAJ/f38AAAAAA8zMzADAwP8Af39/AAAAAAAAAAAAAAAAAAAAAAAAAAAAIQAAABgAAAAUAAAA0AIAANgJAACoGwAAsCUAABAAAAAmAAAACAAAAAGAAAAAAAAA"/>
               </a:ext>
             </a:extLst>
           </p:cNvSpPr>
@@ -1888,36 +1892,36 @@
           <a:bodyPr/>
           <a:lstStyle>
             <a:lvl1pPr>
-              <a:defRPr lang="en-us" sz="2800"/>
+              <a:defRPr lang="en-US" sz="2800"/>
             </a:lvl1pPr>
             <a:lvl2pPr>
-              <a:defRPr lang="en-us" sz="2400"/>
+              <a:defRPr lang="en-US" sz="2400"/>
             </a:lvl2pPr>
             <a:lvl3pPr>
-              <a:defRPr lang="en-us" sz="2000"/>
+              <a:defRPr lang="en-US" sz="2000"/>
             </a:lvl3pPr>
             <a:lvl4pPr>
-              <a:defRPr lang="en-us" sz="1800"/>
+              <a:defRPr lang="en-US" sz="1800"/>
             </a:lvl4pPr>
             <a:lvl5pPr>
-              <a:defRPr lang="en-us" sz="1800"/>
+              <a:defRPr lang="en-US" sz="1800"/>
             </a:lvl5pPr>
             <a:lvl6pPr>
-              <a:defRPr lang="en-us" sz="1800"/>
+              <a:defRPr lang="en-US" sz="1800"/>
             </a:lvl6pPr>
             <a:lvl7pPr>
-              <a:defRPr lang="en-us" sz="1800"/>
+              <a:defRPr lang="en-US" sz="1800"/>
             </a:lvl7pPr>
             <a:lvl8pPr>
-              <a:defRPr lang="en-us" sz="1800"/>
+              <a:defRPr lang="en-US" sz="1800"/>
             </a:lvl8pPr>
             <a:lvl9pPr>
-              <a:defRPr lang="en-us" sz="1800"/>
+              <a:defRPr lang="en-US" sz="1800"/>
             </a:lvl9pPr>
           </a:lstStyle>
           <a:p>
             <a:pPr>
-              <a:defRPr lang="en-us"/>
+              <a:defRPr lang="en-US"/>
             </a:pPr>
             <a:r>
               <a:t>Click to edit Master text styles</a:t>
@@ -1925,7 +1929,7 @@
           </a:p>
           <a:p>
             <a:pPr lvl="1">
-              <a:defRPr lang="en-us"/>
+              <a:defRPr lang="en-US"/>
             </a:pPr>
             <a:r>
               <a:t>Second level</a:t>
@@ -1933,7 +1937,7 @@
           </a:p>
           <a:p>
             <a:pPr lvl="2">
-              <a:defRPr lang="en-us"/>
+              <a:defRPr lang="en-US"/>
             </a:pPr>
             <a:r>
               <a:t>Third level</a:t>
@@ -1941,7 +1945,7 @@
           </a:p>
           <a:p>
             <a:pPr lvl="3">
-              <a:defRPr lang="en-us"/>
+              <a:defRPr lang="en-US"/>
             </a:pPr>
             <a:r>
               <a:t>Fourth level</a:t>
@@ -1949,12 +1953,12 @@
           </a:p>
           <a:p>
             <a:pPr lvl="4">
-              <a:defRPr lang="en-us"/>
+              <a:defRPr lang="en-US"/>
             </a:pPr>
             <a:r>
               <a:t>Fifth level</a:t>
             </a:r>
-            <a:endParaRPr lang="en-au"/>
+            <a:endParaRPr lang="en-AU"/>
           </a:p>
         </p:txBody>
       </p:sp>
@@ -1965,7 +1969,7 @@
             <a:spLocks noGrp="1" noChangeArrowheads="1"/>
             <a:extLst>
               <a:ext uri="smNativeData">
-                <pr:smNativeData xmlns:pr="smNativeData" val="SMDATA_16_n4i/WxMAAAAlAAAAZAAAAA0AAAAAkAAAAEgAAACQAAAASAAAAAAAAAAAAAAAAAAAAAEAAABQAAAAAAAAAAAA4D8AAAAAAADgPwAAAAAAAOA/AAAAAAAA4D8AAAAAAADgPwAAAAAAAOA/AAAAAAAA4D8AAAAAAADgPwAAAAAAAOA/AAAAAAAA4D8CAAAAjAAAAAAAAAAAAAAAT4G9DP///wgAAAAAAAAAAAAAAAAAAAAAAAAAAAAAAAAAAAAAZAAAAAEAAABAAAAAAAAAAAAAAAAAAAAAAAAAAAAAAAAAAAAAAAAAAAAAAAAAAAAAAAAAAAAAAAAAAAAAAAAAAAAAAAAAAAAAAAAAAAAAAAAAAAAAAAAAAAAAAAAAAAAAFAAAADwAAAAAAAAAAAAAAAAAAAkUAAAAAQAAABQAAAAUAAAAFAAAAAEAAAAAAAAAZAAAAGQAAAAAAAAAZAAAAGQAAAAVAAAAYAAAAAAAAAAAAAAADwAAACADAAAAAAAAAAAAAAEAAACgMgAAVgcAAKr4//8BAAAAf39/AAEAAABkAAAAAAAAABQAAABAHwAAAAAAACYAAAAAAAAAwOD//wAAAAAmAAAAZAAAABYAAABMAAAAAAAAAAAAAAAEAAAAAAAAAAEAAADu7OEKAAAAACgAAAAoAAAAZAAAAGQAAAAAAAAAzMzMAAAAAABQAAAAUAAAAGQAAABkAAAAAAAAABcAAAAUAAAAAAAAAAAAAAD/fwAA/38AAAAAAAAJAAAABAAAAAAAAAAMAAAAEAAAAAAAAAAAAAAAAAAAAAAAAAAeAAAAaAAAAAAAAAAAAAAAAAAAAAAAAAAAAAAAECcAABAnAAAAAAAAAAAAAAAAAAAAAAAAAAAAAAAAAAAAAAAAAAAAABQAAAAAAAAAwMD/AAAAAABkAAAAMgAAAAAAAABkAAAAAAAAAH9/fwAKAAAAIgAAABgAAAAAAAAAAAAAAAAAAAAAAAAAAAAAAAAAAAAkAAAAJAAAAAAAAAAHAAAAAAAAAAAAAAAAAAAAAAAAAAAAAAAAAAAAf39/ACUAAABYAAAAAAAAAAAAAAAAAAAAAAAAAAAAAAAAAAAAAAAAAAAAAAAAAAAAAAAAAAAAAAA/AAAAAAAAAKCGAQAAAAAAAAAAAAAAAAAMAAAAAQAAAAAAAAAAAAAAAAAAAB8AAABUAAAAAAAABQAAAAEAAAAAAAAAAAAAAAAAAAAAAAAAAAAAAAAAAAAAAAAAAAAAAAJ/f38AAAAAA8zMzADAwP8Af39/AAAAAAAAAAAAAAAAAAAAAAAAAAAAIQAAABgAAAAUAAAAmBwAANgJAABwNQAAsCUAABAAAAAmAAAACAAAAAGAAAAAAAAA"/>
+                <pr:smNativeData xmlns="" xmlns:p14="http://schemas.microsoft.com/office/powerpoint/2010/main" xmlns:pr="smNativeData" val="SMDATA_16_n4i/WxMAAAAlAAAAZAAAAA0AAAAAkAAAAEgAAACQAAAASAAAAAAAAAAAAAAAAAAAAAEAAABQAAAAAAAAAAAA4D8AAAAAAADgPwAAAAAAAOA/AAAAAAAA4D8AAAAAAADgPwAAAAAAAOA/AAAAAAAA4D8AAAAAAADgPwAAAAAAAOA/AAAAAAAA4D8CAAAAjAAAAAAAAAAAAAAAT4G9DP///wgAAAAAAAAAAAAAAAAAAAAAAAAAAAAAAAAAAAAAZAAAAAEAAABAAAAAAAAAAAAAAAAAAAAAAAAAAAAAAAAAAAAAAAAAAAAAAAAAAAAAAAAAAAAAAAAAAAAAAAAAAAAAAAAAAAAAAAAAAAAAAAAAAAAAAAAAAAAAAAAAAAAAFAAAADwAAAAAAAAAAAAAAAAAAAkUAAAAAQAAABQAAAAUAAAAFAAAAAEAAAAAAAAAZAAAAGQAAAAAAAAAZAAAAGQAAAAVAAAAYAAAAAAAAAAAAAAADwAAACADAAAAAAAAAAAAAAEAAACgMgAAVgcAAKr4//8BAAAAf39/AAEAAABkAAAAAAAAABQAAABAHwAAAAAAACYAAAAAAAAAwOD//wAAAAAmAAAAZAAAABYAAABMAAAAAAAAAAAAAAAEAAAAAAAAAAEAAADu7OEKAAAAACgAAAAoAAAAZAAAAGQAAAAAAAAAzMzMAAAAAABQAAAAUAAAAGQAAABkAAAAAAAAABcAAAAUAAAAAAAAAAAAAAD/fwAA/38AAAAAAAAJAAAABAAAAAAAAAAMAAAAEAAAAAAAAAAAAAAAAAAAAAAAAAAeAAAAaAAAAAAAAAAAAAAAAAAAAAAAAAAAAAAAECcAABAnAAAAAAAAAAAAAAAAAAAAAAAAAAAAAAAAAAAAAAAAAAAAABQAAAAAAAAAwMD/AAAAAABkAAAAMgAAAAAAAABkAAAAAAAAAH9/fwAKAAAAIgAAABgAAAAAAAAAAAAAAAAAAAAAAAAAAAAAAAAAAAAkAAAAJAAAAAAAAAAHAAAAAAAAAAAAAAAAAAAAAAAAAAAAAAAAAAAAf39/ACUAAABYAAAAAAAAAAAAAAAAAAAAAAAAAAAAAAAAAAAAAAAAAAAAAAAAAAAAAAAAAAAAAAA/AAAAAAAAAKCGAQAAAAAAAAAAAAAAAAAMAAAAAQAAAAAAAAAAAAAAAAAAAB8AAABUAAAAAAAABQAAAAEAAAAAAAAAAAAAAAAAAAAAAAAAAAAAAAAAAAAAAAAAAAAAAAJ/f38AAAAAA8zMzADAwP8Af39/AAAAAAAAAAAAAAAAAAAAAAAAAAAAIQAAABgAAAAUAAAAmBwAANgJAABwNQAAsCUAABAAAAAmAAAACAAAAAGAAAAAAAAA"/>
               </a:ext>
             </a:extLst>
           </p:cNvSpPr>
@@ -1983,36 +1987,36 @@
           <a:bodyPr/>
           <a:lstStyle>
             <a:lvl1pPr>
-              <a:defRPr lang="en-us" sz="2800"/>
+              <a:defRPr lang="en-US" sz="2800"/>
             </a:lvl1pPr>
             <a:lvl2pPr>
-              <a:defRPr lang="en-us" sz="2400"/>
+              <a:defRPr lang="en-US" sz="2400"/>
             </a:lvl2pPr>
             <a:lvl3pPr>
-              <a:defRPr lang="en-us" sz="2000"/>
+              <a:defRPr lang="en-US" sz="2000"/>
             </a:lvl3pPr>
             <a:lvl4pPr>
-              <a:defRPr lang="en-us" sz="1800"/>
+              <a:defRPr lang="en-US" sz="1800"/>
             </a:lvl4pPr>
             <a:lvl5pPr>
-              <a:defRPr lang="en-us" sz="1800"/>
+              <a:defRPr lang="en-US" sz="1800"/>
             </a:lvl5pPr>
             <a:lvl6pPr>
-              <a:defRPr lang="en-us" sz="1800"/>
+              <a:defRPr lang="en-US" sz="1800"/>
             </a:lvl6pPr>
             <a:lvl7pPr>
-              <a:defRPr lang="en-us" sz="1800"/>
+              <a:defRPr lang="en-US" sz="1800"/>
             </a:lvl7pPr>
             <a:lvl8pPr>
-              <a:defRPr lang="en-us" sz="1800"/>
+              <a:defRPr lang="en-US" sz="1800"/>
             </a:lvl8pPr>
             <a:lvl9pPr>
-              <a:defRPr lang="en-us" sz="1800"/>
+              <a:defRPr lang="en-US" sz="1800"/>
             </a:lvl9pPr>
           </a:lstStyle>
           <a:p>
             <a:pPr>
-              <a:defRPr lang="en-us"/>
+              <a:defRPr lang="en-US"/>
             </a:pPr>
             <a:r>
               <a:t>Click to edit Master text styles</a:t>
@@ -2020,7 +2024,7 @@
           </a:p>
           <a:p>
             <a:pPr lvl="1">
-              <a:defRPr lang="en-us"/>
+              <a:defRPr lang="en-US"/>
             </a:pPr>
             <a:r>
               <a:t>Second level</a:t>
@@ -2028,7 +2032,7 @@
           </a:p>
           <a:p>
             <a:pPr lvl="2">
-              <a:defRPr lang="en-us"/>
+              <a:defRPr lang="en-US"/>
             </a:pPr>
             <a:r>
               <a:t>Third level</a:t>
@@ -2036,7 +2040,7 @@
           </a:p>
           <a:p>
             <a:pPr lvl="3">
-              <a:defRPr lang="en-us"/>
+              <a:defRPr lang="en-US"/>
             </a:pPr>
             <a:r>
               <a:t>Fourth level</a:t>
@@ -2044,12 +2048,12 @@
           </a:p>
           <a:p>
             <a:pPr lvl="4">
-              <a:defRPr lang="en-us"/>
+              <a:defRPr lang="en-US"/>
             </a:pPr>
             <a:r>
               <a:t>Fifth level</a:t>
             </a:r>
-            <a:endParaRPr lang="en-au"/>
+            <a:endParaRPr lang="en-AU"/>
           </a:p>
         </p:txBody>
       </p:sp>
@@ -2060,7 +2064,7 @@
             <a:spLocks noGrp="1" noChangeArrowheads="1"/>
             <a:extLst>
               <a:ext uri="smNativeData">
-                <pr:smNativeData xmlns:pr="smNativeData" val="SMDATA_16_n4i/WxMAAAAlAAAAZAAAAA0AAAAAkAAAAEgAAACQAAAASAAAAAAAAAABAAAAAAAAAAEAAABQAAAAAAAAAAAA4D8AAAAAAADgPwAAAAAAAOA/AAAAAAAA4D8AAAAAAADgPwAAAAAAAOA/AAAAAAAA4D8AAAAAAADgPwAAAAAAAOA/AAAAAAAA4D8CAAAAjAAAAAAAAAAAAAAAT4G9DP///wgAAAAAAAAAAAAAAAAAAAAAAAAAAAAAAAAAAAAAZAAAAAEAAABAAAAAAAAAAAAAAAAAAAAAAAAAAAAAAAAAAAAAAAAAAAAAAAAAAAAAAAAAAAAAAAAAAAAAAAAAAAAAAAAAAAAAAAAAAAAAAAAAAAAAAAAAAAAAAAAAAAAAFAAAADwAAAAAAAAAAAAAAAAAAAkUAAAAAQAAABQAAAAUAAAAFAAAAAEAAAAAAAAAZAAAAGQAAAAAAAAAZAAAAGQAAAAVAAAAYAAAAAAAAAAAAAAADwAAACADAAAAAAAAAAAAAAEAAACgMgAAVgcAAKr4//8BAAAAf39/AAEAAABkAAAAAAAAABQAAABAHwAAAAAAACYAAAAAAAAAwOD//wAAAAAmAAAAZAAAABYAAABMAAAAAAAAAAAAAAAEAAAAAAAAAAEAAADu7OEKAAAAACgAAAAoAAAAZAAAAGQAAAAAAAAAzMzMAAAAAABQAAAAUAAAAGQAAABkAAAAAAAAABcAAAAUAAAAAAAAAAAAAAD/fwAA/38AAAAAAAAJAAAABAAAAAAxAAAMAAAAEAAAAAAAAAAAAAAAAAAAAAAAAAAeAAAAaAAAAAAAAAAAAAAAAAAAAAAAAAAAAAAAECcAABAnAAAAAAAAAAAAAAAAAAAAAAAAAAAAAAAAAAAAAAAAAAAAABQAAAAAAAAAwMD/AAAAAABkAAAAMgAAAAAAAABkAAAAAAAAAH9/fwAKAAAAIgAAABgAAAAAAAAAAAAAAAAAAAAAAAAAAAAAAAAAAAAkAAAAJAAAAAAAAAAHAAAAAAAAAAAAAAAAAAAAAAAAAAAAAAAAAAAAf39/ACUAAABYAAAAAAAAAAAAAAAAAAAAAAAAAAAAAAAAAAAAAAAAAAAAAAAAAAAAAAAAAAAAAAA/AAAAAAAAAKCGAQAAAAAAAAAAAAAAAAAMAAAAAQAAAAAAAAAAAAAAAAAAAB8AAABUAAAAAAAABQAAAAEAAAAAAAAAAAAAAAAAAAAAAAAAAAAAAAAAAAAAAAAAAAAAAAJ/f38AAAAAA8zMzADAwP8Af39/AAAAAAAAAAAAAAAAAAAAAAAAAAAAIQAAABgAAAAUAAAA0AIAABonAADwDwAAWSkAABAAAAAmAAAACAAAAACAAAAAAAAA"/>
+                <pr:smNativeData xmlns="" xmlns:p14="http://schemas.microsoft.com/office/powerpoint/2010/main" xmlns:pr="smNativeData" val="SMDATA_16_n4i/WxMAAAAlAAAAZAAAAA0AAAAAkAAAAEgAAACQAAAASAAAAAAAAAABAAAAAAAAAAEAAABQAAAAAAAAAAAA4D8AAAAAAADgPwAAAAAAAOA/AAAAAAAA4D8AAAAAAADgPwAAAAAAAOA/AAAAAAAA4D8AAAAAAADgPwAAAAAAAOA/AAAAAAAA4D8CAAAAjAAAAAAAAAAAAAAAT4G9DP///wgAAAAAAAAAAAAAAAAAAAAAAAAAAAAAAAAAAAAAZAAAAAEAAABAAAAAAAAAAAAAAAAAAAAAAAAAAAAAAAAAAAAAAAAAAAAAAAAAAAAAAAAAAAAAAAAAAAAAAAAAAAAAAAAAAAAAAAAAAAAAAAAAAAAAAAAAAAAAAAAAAAAAFAAAADwAAAAAAAAAAAAAAAAAAAkUAAAAAQAAABQAAAAUAAAAFAAAAAEAAAAAAAAAZAAAAGQAAAAAAAAAZAAAAGQAAAAVAAAAYAAAAAAAAAAAAAAADwAAACADAAAAAAAAAAAAAAEAAACgMgAAVgcAAKr4//8BAAAAf39/AAEAAABkAAAAAAAAABQAAABAHwAAAAAAACYAAAAAAAAAwOD//wAAAAAmAAAAZAAAABYAAABMAAAAAAAAAAAAAAAEAAAAAAAAAAEAAADu7OEKAAAAACgAAAAoAAAAZAAAAGQAAAAAAAAAzMzMAAAAAABQAAAAUAAAAGQAAABkAAAAAAAAABcAAAAUAAAAAAAAAAAAAAD/fwAA/38AAAAAAAAJAAAABAAAAAAxAAAMAAAAEAAAAAAAAAAAAAAAAAAAAAAAAAAeAAAAaAAAAAAAAAAAAAAAAAAAAAAAAAAAAAAAECcAABAnAAAAAAAAAAAAAAAAAAAAAAAAAAAAAAAAAAAAAAAAAAAAABQAAAAAAAAAwMD/AAAAAABkAAAAMgAAAAAAAABkAAAAAAAAAH9/fwAKAAAAIgAAABgAAAAAAAAAAAAAAAAAAAAAAAAAAAAAAAAAAAAkAAAAJAAAAAAAAAAHAAAAAAAAAAAAAAAAAAAAAAAAAAAAAAAAAAAAf39/ACUAAABYAAAAAAAAAAAAAAAAAAAAAAAAAAAAAAAAAAAAAAAAAAAAAAAAAAAAAAAAAAAAAAA/AAAAAAAAAKCGAQAAAAAAAAAAAAAAAAAMAAAAAQAAAAAAAAAAAAAAAAAAAB8AAABUAAAAAAAABQAAAAEAAAAAAAAAAAAAAAAAAAAAAAAAAAAAAAAAAAAAAAAAAAAAAAJ/f38AAAAAA8zMzADAwP8Af39/AAAAAAAAAAAAAAAAAAAAAAAAAAAAIQAAABgAAAAUAAAA0AIAABonAADwDwAAWSkAABAAAAAmAAAACAAAAACAAAAAAAAA"/>
               </a:ext>
             </a:extLst>
           </p:cNvSpPr>
@@ -2073,40 +2077,41 @@
           <a:bodyPr/>
           <a:lstStyle>
             <a:lvl1pPr>
-              <a:defRPr lang="en-au"/>
+              <a:defRPr lang="en-AU"/>
             </a:lvl1pPr>
             <a:lvl2pPr>
-              <a:defRPr lang="en-us"/>
+              <a:defRPr lang="en-US"/>
             </a:lvl2pPr>
             <a:lvl3pPr>
-              <a:defRPr lang="en-us"/>
+              <a:defRPr lang="en-US"/>
             </a:lvl3pPr>
             <a:lvl4pPr>
-              <a:defRPr lang="en-us"/>
+              <a:defRPr lang="en-US"/>
             </a:lvl4pPr>
             <a:lvl5pPr>
-              <a:defRPr lang="en-us"/>
+              <a:defRPr lang="en-US"/>
             </a:lvl5pPr>
             <a:lvl6pPr>
-              <a:defRPr lang="en-us"/>
+              <a:defRPr lang="en-US"/>
             </a:lvl6pPr>
             <a:lvl7pPr>
-              <a:defRPr lang="en-us"/>
+              <a:defRPr lang="en-US"/>
             </a:lvl7pPr>
             <a:lvl8pPr>
-              <a:defRPr lang="en-us"/>
+              <a:defRPr lang="en-US"/>
             </a:lvl8pPr>
             <a:lvl9pPr>
-              <a:defRPr lang="en-us"/>
+              <a:defRPr lang="en-US"/>
             </a:lvl9pPr>
           </a:lstStyle>
           <a:p>
             <a:pPr>
-              <a:defRPr lang="en-au"/>
+              <a:defRPr lang="en-AU"/>
             </a:pPr>
             <a:fld id="{3D688B6F-21D0-3D7D-9ED0-D728C59E6882}" type="datetime1">
-              <a:t>9/10/2018</a:t>
+              <a:t>10/12/2018</a:t>
             </a:fld>
+            <a:endParaRPr/>
           </a:p>
         </p:txBody>
       </p:sp>
@@ -2117,7 +2122,7 @@
             <a:spLocks noGrp="1" noChangeArrowheads="1"/>
             <a:extLst>
               <a:ext uri="smNativeData">
-                <pr:smNativeData xmlns:pr="smNativeData" val="SMDATA_16_n4i/WxMAAAAlAAAAZAAAAA0AAAAAkAAAAEgAAACQAAAASAAAAAAAAAABAAAAAAAAAAEAAABQAAAAAAAAAAAA4D8AAAAAAADgPwAAAAAAAOA/AAAAAAAA4D8AAAAAAADgPwAAAAAAAOA/AAAAAAAA4D8AAAAAAADgPwAAAAAAAOA/AAAAAAAA4D8CAAAAjAAAAAAAAAAAAAAAT4G9DP///wgAAAAAAAAAAAAAAAAAAAAAAAAAAAAAAAAAAAAAZAAAAAEAAABAAAAAAAAAAAAAAAAAAAAAAAAAAAAAAAAAAAAAAAAAAAAAAAAAAAAAAAAAAAAAAAAAAAAAAAAAAAAAAAAAAAAAAAAAAAAAAAAAAAAAAAAAAAAAAAAAAAAAFAAAADwAAAAAAAAAAAAAAAAAAAkUAAAAAQAAABQAAAAUAAAAFAAAAAEAAAAAAAAAZAAAAGQAAAAAAAAAZAAAAGQAAAAVAAAAYAAAAAAAAAAAAAAADwAAACADAAAAAAAAAAAAAAEAAACgMgAAVgcAAKr4//8BAAAAf39/AAEAAABkAAAAAAAAABQAAABAHwAAAAAAACYAAAAAAAAAwOD//wAAAAAmAAAAZAAAABYAAABMAAAAAAAAAAAAAAAEAAAAAAAAAAEAAADu7OEKAAAAACgAAAAoAAAAZAAAAGQAAAAAAAAAzMzMAAAAAABQAAAAUAAAAGQAAABkAAAAAAAAABcAAAAUAAAAAAAAAAAAAAD/fwAA/38AAAAAAAAJAAAABAAAAAAAAAAMAAAAEAAAAAAAAAAAAAAAAAAAAAAAAAAeAAAAaAAAAAAAAAAAAAAAAAAAAAAAAAAAAAAAECcAABAnAAAAAAAAAAAAAAAAAAAAAAAAAAAAAAAAAAAAAAAAAAAAABQAAAAAAAAAwMD/AAAAAABkAAAAMgAAAAAAAABkAAAAAAAAAH9/fwAKAAAAIgAAABgAAAAAAAAAAAAAAAAAAAAAAAAAAAAAAAAAAAAkAAAAJAAAAAAAAAAHAAAAAAAAAAAAAAAAAAAAAAAAAAAAAAAAAAAAf39/ACUAAABYAAAAAAAAAAAAAAAAAAAAAAAAAAAAAAAAAAAAAAAAAAAAAAAAAAAAAAAAAAAAAAA/AAAAAAAAAKCGAQAAAAAAAAAAAAAAAAAMAAAAAQAAAAAAAAAAAAAAAAAAAB8AAABUAAAAAAAABQAAAAEAAAAAAAAAAAAAAAAAAAAAAAAAAAAAAAAAAAAAAAAAAAAAAAJ/f38AAAAAA8zMzADAwP8Af39/AAAAAAAAAAAAAAAAAAAAAAAAAAAAIQAAABgAAAAUAAAAOBMAABonAAAIJQAAWSkAABAAAAAmAAAACAAAAACAAAAAAAAA"/>
+                <pr:smNativeData xmlns="" xmlns:p14="http://schemas.microsoft.com/office/powerpoint/2010/main" xmlns:pr="smNativeData" val="SMDATA_16_n4i/WxMAAAAlAAAAZAAAAA0AAAAAkAAAAEgAAACQAAAASAAAAAAAAAABAAAAAAAAAAEAAABQAAAAAAAAAAAA4D8AAAAAAADgPwAAAAAAAOA/AAAAAAAA4D8AAAAAAADgPwAAAAAAAOA/AAAAAAAA4D8AAAAAAADgPwAAAAAAAOA/AAAAAAAA4D8CAAAAjAAAAAAAAAAAAAAAT4G9DP///wgAAAAAAAAAAAAAAAAAAAAAAAAAAAAAAAAAAAAAZAAAAAEAAABAAAAAAAAAAAAAAAAAAAAAAAAAAAAAAAAAAAAAAAAAAAAAAAAAAAAAAAAAAAAAAAAAAAAAAAAAAAAAAAAAAAAAAAAAAAAAAAAAAAAAAAAAAAAAAAAAAAAAFAAAADwAAAAAAAAAAAAAAAAAAAkUAAAAAQAAABQAAAAUAAAAFAAAAAEAAAAAAAAAZAAAAGQAAAAAAAAAZAAAAGQAAAAVAAAAYAAAAAAAAAAAAAAADwAAACADAAAAAAAAAAAAAAEAAACgMgAAVgcAAKr4//8BAAAAf39/AAEAAABkAAAAAAAAABQAAABAHwAAAAAAACYAAAAAAAAAwOD//wAAAAAmAAAAZAAAABYAAABMAAAAAAAAAAAAAAAEAAAAAAAAAAEAAADu7OEKAAAAACgAAAAoAAAAZAAAAGQAAAAAAAAAzMzMAAAAAABQAAAAUAAAAGQAAABkAAAAAAAAABcAAAAUAAAAAAAAAAAAAAD/fwAA/38AAAAAAAAJAAAABAAAAAAAAAAMAAAAEAAAAAAAAAAAAAAAAAAAAAAAAAAeAAAAaAAAAAAAAAAAAAAAAAAAAAAAAAAAAAAAECcAABAnAAAAAAAAAAAAAAAAAAAAAAAAAAAAAAAAAAAAAAAAAAAAABQAAAAAAAAAwMD/AAAAAABkAAAAMgAAAAAAAABkAAAAAAAAAH9/fwAKAAAAIgAAABgAAAAAAAAAAAAAAAAAAAAAAAAAAAAAAAAAAAAkAAAAJAAAAAAAAAAHAAAAAAAAAAAAAAAAAAAAAAAAAAAAAAAAAAAAf39/ACUAAABYAAAAAAAAAAAAAAAAAAAAAAAAAAAAAAAAAAAAAAAAAAAAAAAAAAAAAAAAAAAAAAA/AAAAAAAAAKCGAQAAAAAAAAAAAAAAAAAMAAAAAQAAAAAAAAAAAAAAAAAAAB8AAABUAAAAAAAABQAAAAEAAAAAAAAAAAAAAAAAAAAAAAAAAAAAAAAAAAAAAAAAAAAAAAJ/f38AAAAAA8zMzADAwP8Af39/AAAAAAAAAAAAAAAAAAAAAAAAAAAAIQAAABgAAAAUAAAAOBMAABonAAAIJQAAWSkAABAAAAAmAAAACAAAAACAAAAAAAAA"/>
               </a:ext>
             </a:extLst>
           </p:cNvSpPr>
@@ -2130,37 +2135,38 @@
           <a:bodyPr/>
           <a:lstStyle>
             <a:lvl1pPr>
-              <a:defRPr lang="en-au"/>
+              <a:defRPr lang="en-AU"/>
             </a:lvl1pPr>
             <a:lvl2pPr>
-              <a:defRPr lang="en-us"/>
+              <a:defRPr lang="en-US"/>
             </a:lvl2pPr>
             <a:lvl3pPr>
-              <a:defRPr lang="en-us"/>
+              <a:defRPr lang="en-US"/>
             </a:lvl3pPr>
             <a:lvl4pPr>
-              <a:defRPr lang="en-us"/>
+              <a:defRPr lang="en-US"/>
             </a:lvl4pPr>
             <a:lvl5pPr>
-              <a:defRPr lang="en-us"/>
+              <a:defRPr lang="en-US"/>
             </a:lvl5pPr>
             <a:lvl6pPr>
-              <a:defRPr lang="en-us"/>
+              <a:defRPr lang="en-US"/>
             </a:lvl6pPr>
             <a:lvl7pPr>
-              <a:defRPr lang="en-us"/>
+              <a:defRPr lang="en-US"/>
             </a:lvl7pPr>
             <a:lvl8pPr>
-              <a:defRPr lang="en-us"/>
+              <a:defRPr lang="en-US"/>
             </a:lvl8pPr>
             <a:lvl9pPr>
-              <a:defRPr lang="en-us"/>
+              <a:defRPr lang="en-US"/>
             </a:lvl9pPr>
           </a:lstStyle>
           <a:p>
             <a:pPr>
-              <a:defRPr lang="en-au"/>
-            </a:pPr>
+              <a:defRPr lang="en-AU"/>
+            </a:pPr>
+            <a:endParaRPr/>
           </a:p>
         </p:txBody>
       </p:sp>
@@ -2171,7 +2177,7 @@
             <a:spLocks noGrp="1" noChangeArrowheads="1"/>
             <a:extLst>
               <a:ext uri="smNativeData">
-                <pr:smNativeData xmlns:pr="smNativeData" val="SMDATA_16_n4i/WxMAAAAlAAAAZAAAAA0AAAAAkAAAAEgAAACQAAAASAAAAAAAAAABAAAAAAAAAAEAAABQAAAAAAAAAAAA4D8AAAAAAADgPwAAAAAAAOA/AAAAAAAA4D8AAAAAAADgPwAAAAAAAOA/AAAAAAAA4D8AAAAAAADgPwAAAAAAAOA/AAAAAAAA4D8CAAAAjAAAAAAAAAAAAAAAT4G9DP///wgAAAAAAAAAAAAAAAAAAAAAAAAAAAAAAAAAAAAAZAAAAAEAAABAAAAAAAAAAAAAAAAAAAAAAAAAAAAAAAAAAAAAAAAAAAAAAAAAAAAAAAAAAAAAAAAAAAAAAAAAAAAAAAAAAAAAAAAAAAAAAAAAAAAAAAAAAAAAAAAAAAAAFAAAADwAAAAAAAAAAAAAAAAAAAkUAAAAAQAAABQAAAAUAAAAFAAAAAEAAAAAAAAAZAAAAGQAAAAAAAAAZAAAAGQAAAAVAAAAYAAAAAAAAAAAAAAADwAAACADAAAAAAAAAAAAAAEAAACgMgAAVgcAAKr4//8BAAAAf39/AAEAAABkAAAAAAAAABQAAABAHwAAAAAAACYAAAAAAAAAwOD//wAAAAAmAAAAZAAAABYAAABMAAAAAAAAAAAAAAAEAAAAAAAAAAEAAADu7OEKAAAAACgAAAAoAAAAZAAAAGQAAAAAAAAAzMzMAAAAAABQAAAAUAAAAGQAAABkAAAAAAAAABcAAAAUAAAAAAAAAAAAAAD/fwAA/38AAAAAAAAJAAAABAAAAAAAAAAMAAAAEAAAAAAAAAAAAAAAAAAAAAAAAAAeAAAAaAAAAAAAAAAAAAAAAAAAAAAAAAAAAAAAECcAABAnAAAAAAAAAAAAAAAAAAAAAAAAAAAAAAAAAAAAAAAAAAAAABQAAAAAAAAAwMD/AAAAAABkAAAAMgAAAAAAAABkAAAAAAAAAH9/fwAKAAAAIgAAABgAAAAAAAAAAAAAAAAAAAAAAAAAAAAAAAAAAAAkAAAAJAAAAAAAAAAHAAAAAAAAAAAAAAAAAAAAAAAAAAAAAAAAAAAAf39/ACUAAABYAAAAAAAAAAAAAAAAAAAAAAAAAAAAAAAAAAAAAAAAAAAAAAAAAAAAAAAAAAAAAAA/AAAAAAAAAKCGAQAAAAAAAAAAAAAAAAAMAAAAAQAAAAAAAAAAAAAAAAAAAB8AAABUAAAAAAAABQAAAAEAAAAAAAAAAAAAAAAAAAAAAAAAAAAAAAAAAAAAAAAAAAAAAAJ/f38AAAAAA8zMzADAwP8Af39/AAAAAAAAAAAAAAAAAAAAAAAAAAAAIQAAABgAAAAUAAAAUCgAABonAABwNQAAWSkAABAAAAAmAAAACAAAAACAAAAAAAAA"/>
+                <pr:smNativeData xmlns="" xmlns:p14="http://schemas.microsoft.com/office/powerpoint/2010/main" xmlns:pr="smNativeData" val="SMDATA_16_n4i/WxMAAAAlAAAAZAAAAA0AAAAAkAAAAEgAAACQAAAASAAAAAAAAAABAAAAAAAAAAEAAABQAAAAAAAAAAAA4D8AAAAAAADgPwAAAAAAAOA/AAAAAAAA4D8AAAAAAADgPwAAAAAAAOA/AAAAAAAA4D8AAAAAAADgPwAAAAAAAOA/AAAAAAAA4D8CAAAAjAAAAAAAAAAAAAAAT4G9DP///wgAAAAAAAAAAAAAAAAAAAAAAAAAAAAAAAAAAAAAZAAAAAEAAABAAAAAAAAAAAAAAAAAAAAAAAAAAAAAAAAAAAAAAAAAAAAAAAAAAAAAAAAAAAAAAAAAAAAAAAAAAAAAAAAAAAAAAAAAAAAAAAAAAAAAAAAAAAAAAAAAAAAAFAAAADwAAAAAAAAAAAAAAAAAAAkUAAAAAQAAABQAAAAUAAAAFAAAAAEAAAAAAAAAZAAAAGQAAAAAAAAAZAAAAGQAAAAVAAAAYAAAAAAAAAAAAAAADwAAACADAAAAAAAAAAAAAAEAAACgMgAAVgcAAKr4//8BAAAAf39/AAEAAABkAAAAAAAAABQAAABAHwAAAAAAACYAAAAAAAAAwOD//wAAAAAmAAAAZAAAABYAAABMAAAAAAAAAAAAAAAEAAAAAAAAAAEAAADu7OEKAAAAACgAAAAoAAAAZAAAAGQAAAAAAAAAzMzMAAAAAABQAAAAUAAAAGQAAABkAAAAAAAAABcAAAAUAAAAAAAAAAAAAAD/fwAA/38AAAAAAAAJAAAABAAAAAAAAAAMAAAAEAAAAAAAAAAAAAAAAAAAAAAAAAAeAAAAaAAAAAAAAAAAAAAAAAAAAAAAAAAAAAAAECcAABAnAAAAAAAAAAAAAAAAAAAAAAAAAAAAAAAAAAAAAAAAAAAAABQAAAAAAAAAwMD/AAAAAABkAAAAMgAAAAAAAABkAAAAAAAAAH9/fwAKAAAAIgAAABgAAAAAAAAAAAAAAAAAAAAAAAAAAAAAAAAAAAAkAAAAJAAAAAAAAAAHAAAAAAAAAAAAAAAAAAAAAAAAAAAAAAAAAAAAf39/ACUAAABYAAAAAAAAAAAAAAAAAAAAAAAAAAAAAAAAAAAAAAAAAAAAAAAAAAAAAAAAAAAAAAA/AAAAAAAAAKCGAQAAAAAAAAAAAAAAAAAMAAAAAQAAAAAAAAAAAAAAAAAAAB8AAABUAAAAAAAABQAAAAEAAAAAAAAAAAAAAAAAAAAAAAAAAAAAAAAAAAAAAAAAAAAAAAJ/f38AAAAAA8zMzADAwP8Af39/AAAAAAAAAAAAAAAAAAAAAAAAAAAAIQAAABgAAAAUAAAAUCgAABonAABwNQAAWSkAABAAAAAmAAAACAAAAACAAAAAAAAA"/>
               </a:ext>
             </a:extLst>
           </p:cNvSpPr>
@@ -2184,40 +2190,41 @@
           <a:bodyPr/>
           <a:lstStyle>
             <a:lvl1pPr>
-              <a:defRPr lang="en-au"/>
+              <a:defRPr lang="en-AU"/>
             </a:lvl1pPr>
             <a:lvl2pPr>
-              <a:defRPr lang="en-us"/>
+              <a:defRPr lang="en-US"/>
             </a:lvl2pPr>
             <a:lvl3pPr>
-              <a:defRPr lang="en-us"/>
+              <a:defRPr lang="en-US"/>
             </a:lvl3pPr>
             <a:lvl4pPr>
-              <a:defRPr lang="en-us"/>
+              <a:defRPr lang="en-US"/>
             </a:lvl4pPr>
             <a:lvl5pPr>
-              <a:defRPr lang="en-us"/>
+              <a:defRPr lang="en-US"/>
             </a:lvl5pPr>
             <a:lvl6pPr>
-              <a:defRPr lang="en-us"/>
+              <a:defRPr lang="en-US"/>
             </a:lvl6pPr>
             <a:lvl7pPr>
-              <a:defRPr lang="en-us"/>
+              <a:defRPr lang="en-US"/>
             </a:lvl7pPr>
             <a:lvl8pPr>
-              <a:defRPr lang="en-us"/>
+              <a:defRPr lang="en-US"/>
             </a:lvl8pPr>
             <a:lvl9pPr>
-              <a:defRPr lang="en-us"/>
+              <a:defRPr lang="en-US"/>
             </a:lvl9pPr>
           </a:lstStyle>
           <a:p>
             <a:pPr>
-              <a:defRPr lang="en-au"/>
+              <a:defRPr lang="en-AU"/>
             </a:pPr>
             <a:fld id="{3D689C3D-73D0-3D6A-9ED0-853FD29E68D0}" type="slidenum">
               <a:t>‹#›</a:t>
             </a:fld>
+            <a:endParaRPr/>
           </a:p>
         </p:txBody>
       </p:sp>
@@ -2230,7 +2237,7 @@
 </file>
 
 <file path=ppt/slideLayouts/slideLayout5.xml><?xml version="1.0" encoding="utf-8"?>
-<p:sldLayout xmlns:p="http://schemas.openxmlformats.org/presentationml/2006/main" xmlns:p14="http://schemas.microsoft.com/office/powerpoint/2010/main" xmlns:r="http://schemas.openxmlformats.org/officeDocument/2006/relationships" xmlns:a="http://schemas.openxmlformats.org/drawingml/2006/main" type="twoTxTwoObj" preserve="1">
+<p:sldLayout xmlns:a="http://schemas.openxmlformats.org/drawingml/2006/main" xmlns:r="http://schemas.openxmlformats.org/officeDocument/2006/relationships" xmlns:p="http://schemas.openxmlformats.org/presentationml/2006/main" type="twoTxTwoObj" preserve="1">
   <p:cSld name="Comparison">
     <p:spTree>
       <p:nvGrpSpPr>
@@ -2253,7 +2260,7 @@
             <a:spLocks noGrp="1" noChangeArrowheads="1"/>
             <a:extLst>
               <a:ext uri="smNativeData">
-                <pr:smNativeData xmlns:pr="smNativeData" val="SMDATA_16_n4i/WxMAAAAlAAAAZAAAAA0AAAAAkAAAAEgAAACQAAAASAAAAAAAAAABAAAAAAAAAAEAAABQAAAAAAAAAAAA4D8AAAAAAADgPwAAAAAAAOA/AAAAAAAA4D8AAAAAAADgPwAAAAAAAOA/AAAAAAAA4D8AAAAAAADgPwAAAAAAAOA/AAAAAAAA4D8CAAAAjAAAAAAAAAAAAAAAT4G9DP///wgAAAAAAAAAAAAAAAAAAAAAAAAAAAAAAAAAAAAAZAAAAAEAAABAAAAAAAAAAAAAAAAAAAAAAAAAAAAAAAAAAAAAAAAAAAAAAAAAAAAAAAAAAAAAAAAAAAAAAAAAAAAAAAAAAAAAAAAAAAAAAAAAAAAAAAAAAAAAAAAAAAAAFAAAADwAAAAAAAAAAAAAAAAAAAkUAAAAAQAAABQAAAAUAAAAFAAAAAEAAAAAAAAAZAAAAGQAAAAAAAAAZAAAAGQAAAAVAAAAYAAAAAAAAAAAAAAADwAAACADAAAAAAAAAAAAAAEAAACgMgAAVgcAAKr4//8BAAAAf39/AAEAAABkAAAAAAAAABQAAABAHwAAAAAAACYAAAAAAAAAwOD//wAAAAAmAAAAZAAAABYAAABMAAAAAAAAAAAAAAAEAAAAAAAAAAEAAADu7OEKAAAAACgAAAAoAAAAZAAAAGQAAAAAAAAAzMzMAAAAAABQAAAAUAAAAGQAAABkAAAAAAAAABcAAAAUAAAAAAAAAAAAAAD/fwAA/38AAAAAAAAJAAAABAAAAAAAAAAMAAAAEAAAAAAAAAAAAAAAAAAAAAAAAAAeAAAAaAAAAAAAAAAAAAAAAAAAAAAAAAAAAAAAECcAABAnAAAAAAAAAAAAAAAAAAAAAAAAAAAAAAAAAAAAAAAAAAAAABQAAAAAAAAAwMD/AAAAAABkAAAAMgAAAAAAAABkAAAAAAAAAH9/fwAKAAAAIgAAABgAAAAAAAAAAAAAAAAAAAAAAAAAAAAAAAAAAAAkAAAAJAAAAAAAAAAHAAAAAAAAAAAAAAAAAAAAAAAAAAAAAAAAAAAAf39/ACUAAABYAAAAAAAAAAAAAAAAAAAAAAAAAAAAAAAAAAAAAAAAAAAAAAAAAAAAAAAAAAAAAAA/AAAAAAAAAKCGAQAAAAAAAAAAAAAAAAAMAAAAAQAAAAAAAAAAAAAAAAAAAB8AAABUAAAAAAAABQAAAAEAAAAAAAAAAAAAAAAAAAAAAAAAAAAAAAAAAAAAAAAAAAAAAAJ/f38AAAAAA8zMzADAwP8Af39/AAAAAAAAAAAAAAAAAAAAAAAAAAAAIQAAABgAAAAUAAAA0AIAALEBAABwNQAAuQgAABAAAAAmAAAACAAAAAAAAAAAAAAA"/>
+                <pr:smNativeData xmlns="" xmlns:p14="http://schemas.microsoft.com/office/powerpoint/2010/main" xmlns:pr="smNativeData" val="SMDATA_16_n4i/WxMAAAAlAAAAZAAAAA0AAAAAkAAAAEgAAACQAAAASAAAAAAAAAABAAAAAAAAAAEAAABQAAAAAAAAAAAA4D8AAAAAAADgPwAAAAAAAOA/AAAAAAAA4D8AAAAAAADgPwAAAAAAAOA/AAAAAAAA4D8AAAAAAADgPwAAAAAAAOA/AAAAAAAA4D8CAAAAjAAAAAAAAAAAAAAAT4G9DP///wgAAAAAAAAAAAAAAAAAAAAAAAAAAAAAAAAAAAAAZAAAAAEAAABAAAAAAAAAAAAAAAAAAAAAAAAAAAAAAAAAAAAAAAAAAAAAAAAAAAAAAAAAAAAAAAAAAAAAAAAAAAAAAAAAAAAAAAAAAAAAAAAAAAAAAAAAAAAAAAAAAAAAFAAAADwAAAAAAAAAAAAAAAAAAAkUAAAAAQAAABQAAAAUAAAAFAAAAAEAAAAAAAAAZAAAAGQAAAAAAAAAZAAAAGQAAAAVAAAAYAAAAAAAAAAAAAAADwAAACADAAAAAAAAAAAAAAEAAACgMgAAVgcAAKr4//8BAAAAf39/AAEAAABkAAAAAAAAABQAAABAHwAAAAAAACYAAAAAAAAAwOD//wAAAAAmAAAAZAAAABYAAABMAAAAAAAAAAAAAAAEAAAAAAAAAAEAAADu7OEKAAAAACgAAAAoAAAAZAAAAGQAAAAAAAAAzMzMAAAAAABQAAAAUAAAAGQAAABkAAAAAAAAABcAAAAUAAAAAAAAAAAAAAD/fwAA/38AAAAAAAAJAAAABAAAAAAAAAAMAAAAEAAAAAAAAAAAAAAAAAAAAAAAAAAeAAAAaAAAAAAAAAAAAAAAAAAAAAAAAAAAAAAAECcAABAnAAAAAAAAAAAAAAAAAAAAAAAAAAAAAAAAAAAAAAAAAAAAABQAAAAAAAAAwMD/AAAAAABkAAAAMgAAAAAAAABkAAAAAAAAAH9/fwAKAAAAIgAAABgAAAAAAAAAAAAAAAAAAAAAAAAAAAAAAAAAAAAkAAAAJAAAAAAAAAAHAAAAAAAAAAAAAAAAAAAAAAAAAAAAAAAAAAAAf39/ACUAAABYAAAAAAAAAAAAAAAAAAAAAAAAAAAAAAAAAAAAAAAAAAAAAAAAAAAAAAAAAAAAAAA/AAAAAAAAAKCGAQAAAAAAAAAAAAAAAAAMAAAAAQAAAAAAAAAAAAAAAAAAAB8AAABUAAAAAAAABQAAAAEAAAAAAAAAAAAAAAAAAAAAAAAAAAAAAAAAAAAAAAAAAAAAAAJ/f38AAAAAA8zMzADAwP8Af39/AAAAAAAAAAAAAAAAAAAAAAAAAAAAIQAAABgAAAAUAAAA0AIAALEBAABwNQAAuQgAABAAAAAmAAAACAAAAAAAAAAAAAAA"/>
               </a:ext>
             </a:extLst>
           </p:cNvSpPr>
@@ -2267,12 +2274,12 @@
           <a:lstStyle/>
           <a:p>
             <a:pPr>
-              <a:defRPr lang="en-us"/>
+              <a:defRPr lang="en-US"/>
             </a:pPr>
             <a:r>
               <a:t>Click to edit Master title style</a:t>
             </a:r>
-            <a:endParaRPr lang="en-au"/>
+            <a:endParaRPr lang="en-AU"/>
           </a:p>
         </p:txBody>
       </p:sp>
@@ -2283,7 +2290,7 @@
             <a:spLocks noGrp="1" noChangeArrowheads="1"/>
             <a:extLst>
               <a:ext uri="smNativeData">
-                <pr:smNativeData xmlns:pr="smNativeData" val="SMDATA_16_n4i/WxMAAAAlAAAAZAAAAA0AAAAAkAAAAEgAAACQAAAASAAAAAAAAAACAAAAAAAAAAEAAABQAAAAAAAAAAAA4D8AAAAAAADgPwAAAAAAAOA/AAAAAAAA4D8AAAAAAADgPwAAAAAAAOA/AAAAAAAA4D8AAAAAAADgPwAAAAAAAOA/AAAAAAAA4D8CAAAAjAAAAAAAAAAAAAAAT4G9DP///wgAAAAAAAAAAAAAAAAAAAAAAAAAAAAAAAAAAAAAZAAAAAEAAABAAAAAAAAAAAAAAAAAAAAAAAAAAAAAAAAAAAAAAAAAAAAAAAAAAAAAAAAAAAAAAAAAAAAAAAAAAAAAAAAAAAAAAAAAAAAAAAAAAAAAAAAAAAAAAAAAAAAAFAAAADwAAAAAAAAAAAAAAAAAAAkUAAAAAQAAABQAAAAUAAAAFAAAAAEAAAAAAAAAZAAAAGQAAAAAAAAAZAAAAGQAAAAVAAAAYAAAAAAAAAAAAAAADwAAACADAAAAAAAAAAAAAAEAAACgMgAAVgcAAKr4//8BAAAAf39/AAEAAABkAAAAAAAAABQAAABAHwAAAAAAACYAAAAAAAAAwOD//wAAAAAmAAAAZAAAABYAAABMAAAAAAAAAAAAAAAEAAAAAAAAAAEAAADu7OEKAAAAACgAAAAoAAAAZAAAAGQAAAAAAAAAzMzMAAAAAABQAAAAUAAAAGQAAABkAAAAAAAAABcAAAAUAAAAAAAAAAAAAAD/fwAA/38AAAAAAAAJAAAABAAAAAAAAAAMAAAAEAAAAAAAAAAAAAAAAAAAAAAAAAAeAAAAaAAAAAAAAAAAAAAAAAAAAAAAAAAAAAAAECcAABAnAAAAAAAAAAAAAAAAAAAAAAAAAAAAAAAAAAAAAAAAAAAAABQAAAAAAAAAwMD/AAAAAABkAAAAMgAAAAAAAABkAAAAAAAAAH9/fwAKAAAAIgAAABgAAAAAAAAAAAAAAAAAAAAAAAAAAAAAAAAAAAAkAAAAJAAAAAAAAAAHAAAAAAAAAAAAAAAAAAAAAAAAAAAAAAAAAAAAf39/ACUAAABYAAAAAAAAAAAAAAAAAAAAAAAAAAAAAAAAAAAAAAAAAAAAAAAAAAAAAAAAAAAAAAA/AAAAAAAAAKCGAQAAAAAAAAAAAAAAAAAMAAAAAQAAAAAAAAAAAAAAAAAAAB8AAABUAAAAAAAABQAAAAEAAAAAAAAAAAAAAAAAAAAAAAAAAAAAAAAAAAAAAAAAAAAAAAJ/f38AAAAAA8zMzADAwP8Af39/AAAAAAAAAAAAAAAAAAAAAAAAAAAAIQAAABgAAAAUAAAA0AIAAHIJAACrGwAAYQ0AABAAAAAmAAAACAAAAIGAAAAAAAAA"/>
+                <pr:smNativeData xmlns="" xmlns:p14="http://schemas.microsoft.com/office/powerpoint/2010/main" xmlns:pr="smNativeData" val="SMDATA_16_n4i/WxMAAAAlAAAAZAAAAA0AAAAAkAAAAEgAAACQAAAASAAAAAAAAAACAAAAAAAAAAEAAABQAAAAAAAAAAAA4D8AAAAAAADgPwAAAAAAAOA/AAAAAAAA4D8AAAAAAADgPwAAAAAAAOA/AAAAAAAA4D8AAAAAAADgPwAAAAAAAOA/AAAAAAAA4D8CAAAAjAAAAAAAAAAAAAAAT4G9DP///wgAAAAAAAAAAAAAAAAAAAAAAAAAAAAAAAAAAAAAZAAAAAEAAABAAAAAAAAAAAAAAAAAAAAAAAAAAAAAAAAAAAAAAAAAAAAAAAAAAAAAAAAAAAAAAAAAAAAAAAAAAAAAAAAAAAAAAAAAAAAAAAAAAAAAAAAAAAAAAAAAAAAAFAAAADwAAAAAAAAAAAAAAAAAAAkUAAAAAQAAABQAAAAUAAAAFAAAAAEAAAAAAAAAZAAAAGQAAAAAAAAAZAAAAGQAAAAVAAAAYAAAAAAAAAAAAAAADwAAACADAAAAAAAAAAAAAAEAAACgMgAAVgcAAKr4//8BAAAAf39/AAEAAABkAAAAAAAAABQAAABAHwAAAAAAACYAAAAAAAAAwOD//wAAAAAmAAAAZAAAABYAAABMAAAAAAAAAAAAAAAEAAAAAAAAAAEAAADu7OEKAAAAACgAAAAoAAAAZAAAAGQAAAAAAAAAzMzMAAAAAABQAAAAUAAAAGQAAABkAAAAAAAAABcAAAAUAAAAAAAAAAAAAAD/fwAA/38AAAAAAAAJAAAABAAAAAAAAAAMAAAAEAAAAAAAAAAAAAAAAAAAAAAAAAAeAAAAaAAAAAAAAAAAAAAAAAAAAAAAAAAAAAAAECcAABAnAAAAAAAAAAAAAAAAAAAAAAAAAAAAAAAAAAAAAAAAAAAAABQAAAAAAAAAwMD/AAAAAABkAAAAMgAAAAAAAABkAAAAAAAAAH9/fwAKAAAAIgAAABgAAAAAAAAAAAAAAAAAAAAAAAAAAAAAAAAAAAAkAAAAJAAAAAAAAAAHAAAAAAAAAAAAAAAAAAAAAAAAAAAAAAAAAAAAf39/ACUAAABYAAAAAAAAAAAAAAAAAAAAAAAAAAAAAAAAAAAAAAAAAAAAAAAAAAAAAAAAAAAAAAA/AAAAAAAAAKCGAQAAAAAAAAAAAAAAAAAMAAAAAQAAAAAAAAAAAAAAAAAAAB8AAABUAAAAAAAABQAAAAEAAAAAAAAAAAAAAAAAAAAAAAAAAAAAAAAAAAAAAAAAAAAAAAJ/f38AAAAAA8zMzADAwP8Af39/AAAAAAAAAAAAAAAAAAAAAAAAAAAAIQAAABgAAAAUAAAA0AIAAHIJAACrGwAAYQ0AABAAAAAmAAAACAAAAIGAAAAAAAAA"/>
               </a:ext>
             </a:extLst>
           </p:cNvSpPr>
@@ -2306,44 +2313,44 @@
           <a:lstStyle>
             <a:lvl1pPr marL="0" indent="0">
               <a:buNone/>
-              <a:defRPr lang="en-us" sz="2400" b="1"/>
+              <a:defRPr lang="en-US" sz="2400" b="1"/>
             </a:lvl1pPr>
             <a:lvl2pPr marL="457200" indent="0">
               <a:buNone/>
-              <a:defRPr lang="en-us" sz="2000" b="1"/>
+              <a:defRPr lang="en-US" sz="2000" b="1"/>
             </a:lvl2pPr>
             <a:lvl3pPr marL="914400" indent="0">
               <a:buNone/>
-              <a:defRPr lang="en-us" sz="1800" b="1"/>
+              <a:defRPr lang="en-US" sz="1800" b="1"/>
             </a:lvl3pPr>
             <a:lvl4pPr marL="1371600" indent="0">
               <a:buNone/>
-              <a:defRPr lang="en-us" sz="1600" b="1"/>
+              <a:defRPr lang="en-US" sz="1600" b="1"/>
             </a:lvl4pPr>
             <a:lvl5pPr marL="1828800" indent="0">
               <a:buNone/>
-              <a:defRPr lang="en-us" sz="1600" b="1"/>
+              <a:defRPr lang="en-US" sz="1600" b="1"/>
             </a:lvl5pPr>
             <a:lvl6pPr marL="2286000" indent="0">
               <a:buNone/>
-              <a:defRPr lang="en-us" sz="1600" b="1"/>
+              <a:defRPr lang="en-US" sz="1600" b="1"/>
             </a:lvl6pPr>
             <a:lvl7pPr marL="2743200" indent="0">
               <a:buNone/>
-              <a:defRPr lang="en-us" sz="1600" b="1"/>
+              <a:defRPr lang="en-US" sz="1600" b="1"/>
             </a:lvl7pPr>
             <a:lvl8pPr marL="3200400" indent="0">
               <a:buNone/>
-              <a:defRPr lang="en-us" sz="1600" b="1"/>
+              <a:defRPr lang="en-US" sz="1600" b="1"/>
             </a:lvl8pPr>
             <a:lvl9pPr marL="3657600" indent="0">
               <a:buNone/>
-              <a:defRPr lang="en-us" sz="1600" b="1"/>
+              <a:defRPr lang="en-US" sz="1600" b="1"/>
             </a:lvl9pPr>
           </a:lstStyle>
           <a:p>
             <a:pPr>
-              <a:defRPr lang="en-us"/>
+              <a:defRPr lang="en-US"/>
             </a:pPr>
             <a:r>
               <a:t>Click to edit Master text styles</a:t>
@@ -2358,7 +2365,7 @@
             <a:spLocks noGrp="1" noChangeArrowheads="1"/>
             <a:extLst>
               <a:ext uri="smNativeData">
-                <pr:smNativeData xmlns:pr="smNativeData" val="SMDATA_16_n4i/WxMAAAAlAAAAZAAAAA0AAAAAkAAAAEgAAACQAAAASAAAAAAAAAAAAAAAAAAAAAEAAABQAAAAAAAAAAAA4D8AAAAAAADgPwAAAAAAAOA/AAAAAAAA4D8AAAAAAADgPwAAAAAAAOA/AAAAAAAA4D8AAAAAAADgPwAAAAAAAOA/AAAAAAAA4D8CAAAAjAAAAAAAAAAAAAAAT4G9DP///wgAAAAAAAAAAAAAAAAAAAAAAAAAAAAAAAAAAAAAZAAAAAEAAABAAAAAAAAAAAAAAAAAAAAAAAAAAAAAAAAAAAAAAAAAAAAAAAAAAAAAAAAAAAAAAAAAAAAAAAAAAAAAAAAAAAAAAAAAAAAAAAAAAAAAAAAAAAAAAAAAAAAAFAAAADwAAAAAAAAAAAAAAAAAAAkUAAAAAQAAABQAAAAUAAAAFAAAAAEAAAAAAAAAZAAAAGQAAAAAAAAAZAAAAGQAAAAVAAAAYAAAAAAAAAAAAAAADwAAACADAAAAAAAAAAAAAAEAAACgMgAAVgcAAKr4//8BAAAAf39/AAEAAABkAAAAAAAAABQAAABAHwAAAAAAACYAAAAAAAAAwOD//wAAAAAmAAAAZAAAABYAAABMAAAAAAAAAAAAAAAEAAAAAAAAAAEAAADu7OEKAAAAACgAAAAoAAAAZAAAAGQAAAAAAAAAzMzMAAAAAABQAAAAUAAAAGQAAABkAAAAAAAAABcAAAAUAAAAAAAAAAAAAAD/fwAA/38AAAAAAAAJAAAABAAAAAAAAAAMAAAAEAAAAAAAAAAAAAAAAAAAAAAAAAAeAAAAaAAAAAAAAAAAAAAAAAAAAAAAAAAAAAAAECcAABAnAAAAAAAAAAAAAAAAAAAAAAAAAAAAAAAAAAAAAAAAAAAAABQAAAAAAAAAwMD/AAAAAABkAAAAMgAAAAAAAABkAAAAAAAAAH9/fwAKAAAAIgAAABgAAAAAAAAAAAAAAAAAAAAAAAAAAAAAAAAAAAAkAAAAJAAAAAAAAAAHAAAAAAAAAAAAAAAAAAAAAAAAAAAAAAAAAAAAf39/ACUAAABYAAAAAAAAAAAAAAAAAAAAAAAAAAAAAAAAAAAAAAAAAAAAAAAAAAAAAAAAAAAAAAA/AAAAAAAAAKCGAQAAAAAAAAAAAAAAAAAMAAAAAQAAAAAAAAAAAAAAAAAAAB8AAABUAAAAAAAABQAAAAEAAAAAAAAAAAAAAAAAAAAAAAAAAAAAAAAAAAAAAAAAAAAAAAJ/f38AAAAAA8zMzADAwP8Af39/AAAAAAAAAAAAAAAAAAAAAAAAAAAAIQAAABgAAAAUAAAA0AIAAGENAACrGwAAsCUAABAAAAAmAAAACAAAAAGAAAAAAAAA"/>
+                <pr:smNativeData xmlns="" xmlns:p14="http://schemas.microsoft.com/office/powerpoint/2010/main" xmlns:pr="smNativeData" val="SMDATA_16_n4i/WxMAAAAlAAAAZAAAAA0AAAAAkAAAAEgAAACQAAAASAAAAAAAAAAAAAAAAAAAAAEAAABQAAAAAAAAAAAA4D8AAAAAAADgPwAAAAAAAOA/AAAAAAAA4D8AAAAAAADgPwAAAAAAAOA/AAAAAAAA4D8AAAAAAADgPwAAAAAAAOA/AAAAAAAA4D8CAAAAjAAAAAAAAAAAAAAAT4G9DP///wgAAAAAAAAAAAAAAAAAAAAAAAAAAAAAAAAAAAAAZAAAAAEAAABAAAAAAAAAAAAAAAAAAAAAAAAAAAAAAAAAAAAAAAAAAAAAAAAAAAAAAAAAAAAAAAAAAAAAAAAAAAAAAAAAAAAAAAAAAAAAAAAAAAAAAAAAAAAAAAAAAAAAFAAAADwAAAAAAAAAAAAAAAAAAAkUAAAAAQAAABQAAAAUAAAAFAAAAAEAAAAAAAAAZAAAAGQAAAAAAAAAZAAAAGQAAAAVAAAAYAAAAAAAAAAAAAAADwAAACADAAAAAAAAAAAAAAEAAACgMgAAVgcAAKr4//8BAAAAf39/AAEAAABkAAAAAAAAABQAAABAHwAAAAAAACYAAAAAAAAAwOD//wAAAAAmAAAAZAAAABYAAABMAAAAAAAAAAAAAAAEAAAAAAAAAAEAAADu7OEKAAAAACgAAAAoAAAAZAAAAGQAAAAAAAAAzMzMAAAAAABQAAAAUAAAAGQAAABkAAAAAAAAABcAAAAUAAAAAAAAAAAAAAD/fwAA/38AAAAAAAAJAAAABAAAAAAAAAAMAAAAEAAAAAAAAAAAAAAAAAAAAAAAAAAeAAAAaAAAAAAAAAAAAAAAAAAAAAAAAAAAAAAAECcAABAnAAAAAAAAAAAAAAAAAAAAAAAAAAAAAAAAAAAAAAAAAAAAABQAAAAAAAAAwMD/AAAAAABkAAAAMgAAAAAAAABkAAAAAAAAAH9/fwAKAAAAIgAAABgAAAAAAAAAAAAAAAAAAAAAAAAAAAAAAAAAAAAkAAAAJAAAAAAAAAAHAAAAAAAAAAAAAAAAAAAAAAAAAAAAAAAAAAAAf39/ACUAAABYAAAAAAAAAAAAAAAAAAAAAAAAAAAAAAAAAAAAAAAAAAAAAAAAAAAAAAAAAAAAAAA/AAAAAAAAAKCGAQAAAAAAAAAAAAAAAAAMAAAAAQAAAAAAAAAAAAAAAAAAAB8AAABUAAAAAAAABQAAAAEAAAAAAAAAAAAAAAAAAAAAAAAAAAAAAAAAAAAAAAAAAAAAAAJ/f38AAAAAA8zMzADAwP8Af39/AAAAAAAAAAAAAAAAAAAAAAAAAAAAIQAAABgAAAAUAAAA0AIAAGENAACrGwAAsCUAABAAAAAmAAAACAAAAAGAAAAAAAAA"/>
               </a:ext>
             </a:extLst>
           </p:cNvSpPr>
@@ -2376,36 +2383,36 @@
           <a:bodyPr/>
           <a:lstStyle>
             <a:lvl1pPr>
-              <a:defRPr lang="en-us" sz="2400"/>
+              <a:defRPr lang="en-US" sz="2400"/>
             </a:lvl1pPr>
             <a:lvl2pPr>
-              <a:defRPr lang="en-us" sz="2000"/>
+              <a:defRPr lang="en-US" sz="2000"/>
             </a:lvl2pPr>
             <a:lvl3pPr>
-              <a:defRPr lang="en-us" sz="1800"/>
+              <a:defRPr lang="en-US" sz="1800"/>
             </a:lvl3pPr>
             <a:lvl4pPr>
-              <a:defRPr lang="en-us" sz="1600"/>
+              <a:defRPr lang="en-US" sz="1600"/>
             </a:lvl4pPr>
             <a:lvl5pPr>
-              <a:defRPr lang="en-us" sz="1600"/>
+              <a:defRPr lang="en-US" sz="1600"/>
             </a:lvl5pPr>
             <a:lvl6pPr>
-              <a:defRPr lang="en-us" sz="1600"/>
+              <a:defRPr lang="en-US" sz="1600"/>
             </a:lvl6pPr>
             <a:lvl7pPr>
-              <a:defRPr lang="en-us" sz="1600"/>
+              <a:defRPr lang="en-US" sz="1600"/>
             </a:lvl7pPr>
             <a:lvl8pPr>
-              <a:defRPr lang="en-us" sz="1600"/>
+              <a:defRPr lang="en-US" sz="1600"/>
             </a:lvl8pPr>
             <a:lvl9pPr>
-              <a:defRPr lang="en-us" sz="1600"/>
+              <a:defRPr lang="en-US" sz="1600"/>
             </a:lvl9pPr>
           </a:lstStyle>
           <a:p>
             <a:pPr>
-              <a:defRPr lang="en-us"/>
+              <a:defRPr lang="en-US"/>
             </a:pPr>
             <a:r>
               <a:t>Click to edit Master text styles</a:t>
@@ -2413,7 +2420,7 @@
           </a:p>
           <a:p>
             <a:pPr lvl="1">
-              <a:defRPr lang="en-us"/>
+              <a:defRPr lang="en-US"/>
             </a:pPr>
             <a:r>
               <a:t>Second level</a:t>
@@ -2421,7 +2428,7 @@
           </a:p>
           <a:p>
             <a:pPr lvl="2">
-              <a:defRPr lang="en-us"/>
+              <a:defRPr lang="en-US"/>
             </a:pPr>
             <a:r>
               <a:t>Third level</a:t>
@@ -2429,7 +2436,7 @@
           </a:p>
           <a:p>
             <a:pPr lvl="3">
-              <a:defRPr lang="en-us"/>
+              <a:defRPr lang="en-US"/>
             </a:pPr>
             <a:r>
               <a:t>Fourth level</a:t>
@@ -2437,12 +2444,12 @@
           </a:p>
           <a:p>
             <a:pPr lvl="4">
-              <a:defRPr lang="en-us"/>
+              <a:defRPr lang="en-US"/>
             </a:pPr>
             <a:r>
               <a:t>Fifth level</a:t>
             </a:r>
-            <a:endParaRPr lang="en-au"/>
+            <a:endParaRPr lang="en-AU"/>
           </a:p>
         </p:txBody>
       </p:sp>
@@ -2453,7 +2460,7 @@
             <a:spLocks noGrp="1" noChangeArrowheads="1"/>
             <a:extLst>
               <a:ext uri="smNativeData">
-                <pr:smNativeData xmlns:pr="smNativeData" val="SMDATA_16_n4i/WxMAAAAlAAAAZAAAAA0AAAAAkAAAAEgAAACQAAAASAAAAAAAAAACAAAAAAAAAAEAAABQAAAAAAAAAAAA4D8AAAAAAADgPwAAAAAAAOA/AAAAAAAA4D8AAAAAAADgPwAAAAAAAOA/AAAAAAAA4D8AAAAAAADgPwAAAAAAAOA/AAAAAAAA4D8CAAAAjAAAAAAAAAAAAAAAT4G9DP///wgAAAAAAAAAAAAAAAAAAAAAAAAAAAAAAAAAAAAAZAAAAAEAAABAAAAAAAAAAAAAAAAAAAAAAAAAAAAAAAAAAAAAAAAAAAAAAAAAAAAAAAAAAAAAAAAAAAAAAAAAAAAAAAAAAAAAAAAAAAAAAAAAAAAAAAAAAAAAAAAAAAAAFAAAADwAAAAAAAAAAAAAAAAAAAkUAAAAAQAAABQAAAAUAAAAFAAAAAEAAAAAAAAAZAAAAGQAAAAAAAAAZAAAAGQAAAAVAAAAYAAAAAAAAAAAAAAADwAAACADAAAAAAAAAAAAAAEAAACgMgAAVgcAAKr4//8BAAAAf39/AAEAAABkAAAAAAAAABQAAABAHwAAAAAAACYAAAAAAAAAwOD//wAAAAAmAAAAZAAAABYAAABMAAAAAAAAAAAAAAAEAAAAAAAAAAEAAADu7OEKAAAAACgAAAAoAAAAZAAAAGQAAAAAAAAAzMzMAAAAAABQAAAAUAAAAGQAAABkAAAAAAAAABcAAAAUAAAAAAAAAAAAAAD/fwAA/38AAAAAAAAJAAAABAAAAAAAAAAMAAAAEAAAAAAAAAAAAAAAAAAAAAAAAAAeAAAAaAAAAAAAAAAAAAAAAAAAAAAAAAAAAAAAECcAABAnAAAAAAAAAAAAAAAAAAAAAAAAAAAAAAAAAAAAAAAAAAAAABQAAAAAAAAAwMD/AAAAAABkAAAAMgAAAAAAAABkAAAAAAAAAH9/fwAKAAAAIgAAABgAAAAAAAAAAAAAAAAAAAAAAAAAAAAAAAAAAAAkAAAAJAAAAAAAAAAHAAAAAAAAAAAAAAAAAAAAAAAAAAAAAAAAAAAAf39/ACUAAABYAAAAAAAAAAAAAAAAAAAAAAAAAAAAAAAAAAAAAAAAAAAAAAAAAAAAAAAAAAAAAAA/AAAAAAAAAKCGAQAAAAAAAAAAAAAAAAAMAAAAAQAAAAAAAAAAAAAAAAAAAB8AAABUAAAAAAAABQAAAAEAAAAAAAAAAAAAAAAAAAAAAAAAAAAAAAAAAAAAAAAAAAAAAAJ/f38AAAAAA8zMzADAwP8Af39/AAAAAAAAAAAAAAAAAAAAAAAAAAAAIQAAABgAAAAUAAAAkxwAAHIJAABwNQAAYQ0AABAAAAAmAAAACAAAAIGAAAAAAAAA"/>
+                <pr:smNativeData xmlns="" xmlns:p14="http://schemas.microsoft.com/office/powerpoint/2010/main" xmlns:pr="smNativeData" val="SMDATA_16_n4i/WxMAAAAlAAAAZAAAAA0AAAAAkAAAAEgAAACQAAAASAAAAAAAAAACAAAAAAAAAAEAAABQAAAAAAAAAAAA4D8AAAAAAADgPwAAAAAAAOA/AAAAAAAA4D8AAAAAAADgPwAAAAAAAOA/AAAAAAAA4D8AAAAAAADgPwAAAAAAAOA/AAAAAAAA4D8CAAAAjAAAAAAAAAAAAAAAT4G9DP///wgAAAAAAAAAAAAAAAAAAAAAAAAAAAAAAAAAAAAAZAAAAAEAAABAAAAAAAAAAAAAAAAAAAAAAAAAAAAAAAAAAAAAAAAAAAAAAAAAAAAAAAAAAAAAAAAAAAAAAAAAAAAAAAAAAAAAAAAAAAAAAAAAAAAAAAAAAAAAAAAAAAAAFAAAADwAAAAAAAAAAAAAAAAAAAkUAAAAAQAAABQAAAAUAAAAFAAAAAEAAAAAAAAAZAAAAGQAAAAAAAAAZAAAAGQAAAAVAAAAYAAAAAAAAAAAAAAADwAAACADAAAAAAAAAAAAAAEAAACgMgAAVgcAAKr4//8BAAAAf39/AAEAAABkAAAAAAAAABQAAABAHwAAAAAAACYAAAAAAAAAwOD//wAAAAAmAAAAZAAAABYAAABMAAAAAAAAAAAAAAAEAAAAAAAAAAEAAADu7OEKAAAAACgAAAAoAAAAZAAAAGQAAAAAAAAAzMzMAAAAAABQAAAAUAAAAGQAAABkAAAAAAAAABcAAAAUAAAAAAAAAAAAAAD/fwAA/38AAAAAAAAJAAAABAAAAAAAAAAMAAAAEAAAAAAAAAAAAAAAAAAAAAAAAAAeAAAAaAAAAAAAAAAAAAAAAAAAAAAAAAAAAAAAECcAABAnAAAAAAAAAAAAAAAAAAAAAAAAAAAAAAAAAAAAAAAAAAAAABQAAAAAAAAAwMD/AAAAAABkAAAAMgAAAAAAAABkAAAAAAAAAH9/fwAKAAAAIgAAABgAAAAAAAAAAAAAAAAAAAAAAAAAAAAAAAAAAAAkAAAAJAAAAAAAAAAHAAAAAAAAAAAAAAAAAAAAAAAAAAAAAAAAAAAAf39/ACUAAABYAAAAAAAAAAAAAAAAAAAAAAAAAAAAAAAAAAAAAAAAAAAAAAAAAAAAAAAAAAAAAAA/AAAAAAAAAKCGAQAAAAAAAAAAAAAAAAAMAAAAAQAAAAAAAAAAAAAAAAAAAB8AAABUAAAAAAAABQAAAAEAAAAAAAAAAAAAAAAAAAAAAAAAAAAAAAAAAAAAAAAAAAAAAAJ/f38AAAAAA8zMzADAwP8Af39/AAAAAAAAAAAAAAAAAAAAAAAAAAAAIQAAABgAAAAUAAAAkxwAAHIJAABwNQAAYQ0AABAAAAAmAAAACAAAAIGAAAAAAAAA"/>
               </a:ext>
             </a:extLst>
           </p:cNvSpPr>
@@ -2476,44 +2483,44 @@
           <a:lstStyle>
             <a:lvl1pPr marL="0" indent="0">
               <a:buNone/>
-              <a:defRPr lang="en-us" sz="2400" b="1"/>
+              <a:defRPr lang="en-US" sz="2400" b="1"/>
             </a:lvl1pPr>
             <a:lvl2pPr marL="457200" indent="0">
               <a:buNone/>
-              <a:defRPr lang="en-us" sz="2000" b="1"/>
+              <a:defRPr lang="en-US" sz="2000" b="1"/>
             </a:lvl2pPr>
             <a:lvl3pPr marL="914400" indent="0">
               <a:buNone/>
-              <a:defRPr lang="en-us" sz="1800" b="1"/>
+              <a:defRPr lang="en-US" sz="1800" b="1"/>
             </a:lvl3pPr>
             <a:lvl4pPr marL="1371600" indent="0">
               <a:buNone/>
-              <a:defRPr lang="en-us" sz="1600" b="1"/>
+              <a:defRPr lang="en-US" sz="1600" b="1"/>
             </a:lvl4pPr>
             <a:lvl5pPr marL="1828800" indent="0">
               <a:buNone/>
-              <a:defRPr lang="en-us" sz="1600" b="1"/>
+              <a:defRPr lang="en-US" sz="1600" b="1"/>
             </a:lvl5pPr>
             <a:lvl6pPr marL="2286000" indent="0">
               <a:buNone/>
-              <a:defRPr lang="en-us" sz="1600" b="1"/>
+              <a:defRPr lang="en-US" sz="1600" b="1"/>
             </a:lvl6pPr>
             <a:lvl7pPr marL="2743200" indent="0">
               <a:buNone/>
-              <a:defRPr lang="en-us" sz="1600" b="1"/>
+              <a:defRPr lang="en-US" sz="1600" b="1"/>
             </a:lvl7pPr>
             <a:lvl8pPr marL="3200400" indent="0">
               <a:buNone/>
-              <a:defRPr lang="en-us" sz="1600" b="1"/>
+              <a:defRPr lang="en-US" sz="1600" b="1"/>
             </a:lvl8pPr>
             <a:lvl9pPr marL="3657600" indent="0">
               <a:buNone/>
-              <a:defRPr lang="en-us" sz="1600" b="1"/>
+              <a:defRPr lang="en-US" sz="1600" b="1"/>
             </a:lvl9pPr>
           </a:lstStyle>
           <a:p>
             <a:pPr>
-              <a:defRPr lang="en-us"/>
+              <a:defRPr lang="en-US"/>
             </a:pPr>
             <a:r>
               <a:t>Click to edit Master text styles</a:t>
@@ -2528,7 +2535,7 @@
             <a:spLocks noGrp="1" noChangeArrowheads="1"/>
             <a:extLst>
               <a:ext uri="smNativeData">
-                <pr:smNativeData xmlns:pr="smNativeData" val="SMDATA_16_n4i/WxMAAAAlAAAAZAAAAA0AAAAAkAAAAEgAAACQAAAASAAAAAAAAAAAAAAAAAAAAAEAAABQAAAAAAAAAAAA4D8AAAAAAADgPwAAAAAAAOA/AAAAAAAA4D8AAAAAAADgPwAAAAAAAOA/AAAAAAAA4D8AAAAAAADgPwAAAAAAAOA/AAAAAAAA4D8CAAAAjAAAAAAAAAAAAAAAT4G9DP///wgAAAAAAAAAAAAAAAAAAAAAAAAAAAAAAAAAAAAAZAAAAAEAAABAAAAAAAAAAAAAAAAAAAAAAAAAAAAAAAAAAAAAAAAAAAAAAAAAAAAAAAAAAAAAAAAAAAAAAAAAAAAAAAAAAAAAAAAAAAAAAAAAAAAAAAAAAAAAAAAAAAAAFAAAADwAAAAAAAAAAAAAAAAAAAkUAAAAAQAAABQAAAAUAAAAFAAAAAEAAAAAAAAAZAAAAGQAAAAAAAAAZAAAAGQAAAAVAAAAYAAAAAAAAAAAAAAADwAAACADAAAAAAAAAAAAAAEAAACgMgAAVgcAAKr4//8BAAAAf39/AAEAAABkAAAAAAAAABQAAABAHwAAAAAAACYAAAAAAAAAwOD//wAAAAAmAAAAZAAAABYAAABMAAAAAAAAAAAAAAAEAAAAAAAAAAEAAADu7OEKAAAAACgAAAAoAAAAZAAAAGQAAAAAAAAAzMzMAAAAAABQAAAAUAAAAGQAAABkAAAAAAAAABcAAAAUAAAAAAAAAAAAAAD/fwAA/38AAAAAAAAJAAAABAAAAAAAAAAMAAAAEAAAAAAAAAAAAAAAAAAAAAAAAAAeAAAAaAAAAAAAAAAAAAAAAAAAAAAAAAAAAAAAECcAABAnAAAAAAAAAAAAAAAAAAAAAAAAAAAAAAAAAAAAAAAAAAAAABQAAAAAAAAAwMD/AAAAAABkAAAAMgAAAAAAAABkAAAAAAAAAH9/fwAKAAAAIgAAABgAAAAAAAAAAAAAAAAAAAAAAAAAAAAAAAAAAAAkAAAAJAAAAAAAAAAHAAAAAAAAAAAAAAAAAAAAAAAAAAAAAAAAAAAAf39/ACUAAABYAAAAAAAAAAAAAAAAAAAAAAAAAAAAAAAAAAAAAAAAAAAAAAAAAAAAAAAAAAAAAAA/AAAAAAAAAKCGAQAAAAAAAAAAAAAAAAAMAAAAAQAAAAAAAAAAAAAAAAAAAB8AAABUAAAAAAAABQAAAAEAAAAAAAAAAAAAAAAAAAAAAAAAAAAAAAAAAAAAAAAAAAAAAAJ/f38AAAAAA8zMzADAwP8Af39/AAAAAAAAAAAAAAAAAAAAAAAAAAAAIQAAABgAAAAUAAAAkxwAAGENAABwNQAAsCUAABAAAAAmAAAACAAAAAGAAAAAAAAA"/>
+                <pr:smNativeData xmlns="" xmlns:p14="http://schemas.microsoft.com/office/powerpoint/2010/main" xmlns:pr="smNativeData" val="SMDATA_16_n4i/WxMAAAAlAAAAZAAAAA0AAAAAkAAAAEgAAACQAAAASAAAAAAAAAAAAAAAAAAAAAEAAABQAAAAAAAAAAAA4D8AAAAAAADgPwAAAAAAAOA/AAAAAAAA4D8AAAAAAADgPwAAAAAAAOA/AAAAAAAA4D8AAAAAAADgPwAAAAAAAOA/AAAAAAAA4D8CAAAAjAAAAAAAAAAAAAAAT4G9DP///wgAAAAAAAAAAAAAAAAAAAAAAAAAAAAAAAAAAAAAZAAAAAEAAABAAAAAAAAAAAAAAAAAAAAAAAAAAAAAAAAAAAAAAAAAAAAAAAAAAAAAAAAAAAAAAAAAAAAAAAAAAAAAAAAAAAAAAAAAAAAAAAAAAAAAAAAAAAAAAAAAAAAAFAAAADwAAAAAAAAAAAAAAAAAAAkUAAAAAQAAABQAAAAUAAAAFAAAAAEAAAAAAAAAZAAAAGQAAAAAAAAAZAAAAGQAAAAVAAAAYAAAAAAAAAAAAAAADwAAACADAAAAAAAAAAAAAAEAAACgMgAAVgcAAKr4//8BAAAAf39/AAEAAABkAAAAAAAAABQAAABAHwAAAAAAACYAAAAAAAAAwOD//wAAAAAmAAAAZAAAABYAAABMAAAAAAAAAAAAAAAEAAAAAAAAAAEAAADu7OEKAAAAACgAAAAoAAAAZAAAAGQAAAAAAAAAzMzMAAAAAABQAAAAUAAAAGQAAABkAAAAAAAAABcAAAAUAAAAAAAAAAAAAAD/fwAA/38AAAAAAAAJAAAABAAAAAAAAAAMAAAAEAAAAAAAAAAAAAAAAAAAAAAAAAAeAAAAaAAAAAAAAAAAAAAAAAAAAAAAAAAAAAAAECcAABAnAAAAAAAAAAAAAAAAAAAAAAAAAAAAAAAAAAAAAAAAAAAAABQAAAAAAAAAwMD/AAAAAABkAAAAMgAAAAAAAABkAAAAAAAAAH9/fwAKAAAAIgAAABgAAAAAAAAAAAAAAAAAAAAAAAAAAAAAAAAAAAAkAAAAJAAAAAAAAAAHAAAAAAAAAAAAAAAAAAAAAAAAAAAAAAAAAAAAf39/ACUAAABYAAAAAAAAAAAAAAAAAAAAAAAAAAAAAAAAAAAAAAAAAAAAAAAAAAAAAAAAAAAAAAA/AAAAAAAAAKCGAQAAAAAAAAAAAAAAAAAMAAAAAQAAAAAAAAAAAAAAAAAAAB8AAABUAAAAAAAABQAAAAEAAAAAAAAAAAAAAAAAAAAAAAAAAAAAAAAAAAAAAAAAAAAAAAJ/f38AAAAAA8zMzADAwP8Af39/AAAAAAAAAAAAAAAAAAAAAAAAAAAAIQAAABgAAAAUAAAAkxwAAGENAABwNQAAsCUAABAAAAAmAAAACAAAAAGAAAAAAAAA"/>
               </a:ext>
             </a:extLst>
           </p:cNvSpPr>
@@ -2546,36 +2553,36 @@
           <a:bodyPr/>
           <a:lstStyle>
             <a:lvl1pPr>
-              <a:defRPr lang="en-us" sz="2400"/>
+              <a:defRPr lang="en-US" sz="2400"/>
             </a:lvl1pPr>
             <a:lvl2pPr>
-              <a:defRPr lang="en-us" sz="2000"/>
+              <a:defRPr lang="en-US" sz="2000"/>
             </a:lvl2pPr>
             <a:lvl3pPr>
-              <a:defRPr lang="en-us" sz="1800"/>
+              <a:defRPr lang="en-US" sz="1800"/>
             </a:lvl3pPr>
             <a:lvl4pPr>
-              <a:defRPr lang="en-us" sz="1600"/>
+              <a:defRPr lang="en-US" sz="1600"/>
             </a:lvl4pPr>
             <a:lvl5pPr>
-              <a:defRPr lang="en-us" sz="1600"/>
+              <a:defRPr lang="en-US" sz="1600"/>
             </a:lvl5pPr>
             <a:lvl6pPr>
-              <a:defRPr lang="en-us" sz="1600"/>
+              <a:defRPr lang="en-US" sz="1600"/>
             </a:lvl6pPr>
             <a:lvl7pPr>
-              <a:defRPr lang="en-us" sz="1600"/>
+              <a:defRPr lang="en-US" sz="1600"/>
             </a:lvl7pPr>
             <a:lvl8pPr>
-              <a:defRPr lang="en-us" sz="1600"/>
+              <a:defRPr lang="en-US" sz="1600"/>
             </a:lvl8pPr>
             <a:lvl9pPr>
-              <a:defRPr lang="en-us" sz="1600"/>
+              <a:defRPr lang="en-US" sz="1600"/>
             </a:lvl9pPr>
           </a:lstStyle>
           <a:p>
             <a:pPr>
-              <a:defRPr lang="en-us"/>
+              <a:defRPr lang="en-US"/>
             </a:pPr>
             <a:r>
               <a:t>Click to edit Master text styles</a:t>
@@ -2583,7 +2590,7 @@
           </a:p>
           <a:p>
             <a:pPr lvl="1">
-              <a:defRPr lang="en-us"/>
+              <a:defRPr lang="en-US"/>
             </a:pPr>
             <a:r>
               <a:t>Second level</a:t>
@@ -2591,7 +2598,7 @@
           </a:p>
           <a:p>
             <a:pPr lvl="2">
-              <a:defRPr lang="en-us"/>
+              <a:defRPr lang="en-US"/>
             </a:pPr>
             <a:r>
               <a:t>Third level</a:t>
@@ -2599,7 +2606,7 @@
           </a:p>
           <a:p>
             <a:pPr lvl="3">
-              <a:defRPr lang="en-us"/>
+              <a:defRPr lang="en-US"/>
             </a:pPr>
             <a:r>
               <a:t>Fourth level</a:t>
@@ -2607,12 +2614,12 @@
           </a:p>
           <a:p>
             <a:pPr lvl="4">
-              <a:defRPr lang="en-us"/>
+              <a:defRPr lang="en-US"/>
             </a:pPr>
             <a:r>
               <a:t>Fifth level</a:t>
             </a:r>
-            <a:endParaRPr lang="en-au"/>
+            <a:endParaRPr lang="en-AU"/>
           </a:p>
         </p:txBody>
       </p:sp>
@@ -2623,7 +2630,7 @@
             <a:spLocks noGrp="1" noChangeArrowheads="1"/>
             <a:extLst>
               <a:ext uri="smNativeData">
-                <pr:smNativeData xmlns:pr="smNativeData" val="SMDATA_16_n4i/WxMAAAAlAAAAZAAAAA0AAAAAkAAAAEgAAACQAAAASAAAAAAAAAABAAAAAAAAAAEAAABQAAAAAAAAAAAA4D8AAAAAAADgPwAAAAAAAOA/AAAAAAAA4D8AAAAAAADgPwAAAAAAAOA/AAAAAAAA4D8AAAAAAADgPwAAAAAAAOA/AAAAAAAA4D8CAAAAjAAAAAAAAAAAAAAAT4G9DP///wgAAAAAAAAAAAAAAAAAAAAAAAAAAAAAAAAAAAAAZAAAAAEAAABAAAAAAAAAAAAAAAAAAAAAAAAAAAAAAAAAAAAAAAAAAAAAAAAAAAAAAAAAAAAAAAAAAAAAAAAAAAAAAAAAAAAAAAAAAAAAAAAAAAAAAAAAAAAAAAAAAAAAFAAAADwAAAAAAAAAAAAAAAAAAAkUAAAAAQAAABQAAAAUAAAAFAAAAAEAAAAAAAAAZAAAAGQAAAAAAAAAZAAAAGQAAAAVAAAAYAAAAAAAAAAAAAAADwAAACADAAAAAAAAAAAAAAEAAACgMgAAVgcAAKr4//8BAAAAf39/AAEAAABkAAAAAAAAABQAAABAHwAAAAAAACYAAAAAAAAAwOD//wAAAAAmAAAAZAAAABYAAABMAAAAAAAAAAAAAAAEAAAAAAAAAAEAAADu7OEKAAAAACgAAAAoAAAAZAAAAGQAAAAAAAAAzMzMAAAAAABQAAAAUAAAAGQAAABkAAAAAAAAABcAAAAUAAAAAAAAAAAAAAD/fwAA/38AAAAAAAAJAAAABAAAAAAAAAAMAAAAEAAAAAAAAAAAAAAAAAAAAAAAAAAeAAAAaAAAAAAAAAAAAAAAAAAAAAAAAAAAAAAAECcAABAnAAAAAAAAAAAAAAAAAAAAAAAAAAAAAAAAAAAAAAAAAAAAABQAAAAAAAAAwMD/AAAAAABkAAAAMgAAAAAAAABkAAAAAAAAAH9/fwAKAAAAIgAAABgAAAAAAAAAAAAAAAAAAAAAAAAAAAAAAAAAAAAkAAAAJAAAAAAAAAAHAAAAAAAAAAAAAAAAAAAAAAAAAAAAAAAAAAAAf39/ACUAAABYAAAAAAAAAAAAAAAAAAAAAAAAAAAAAAAAAAAAAAAAAAAAAAAAAAAAAAAAAAAAAAA/AAAAAAAAAKCGAQAAAAAAAAAAAAAAAAAMAAAAAQAAAAAAAAAAAAAAAAAAAB8AAABUAAAAAAAABQAAAAEAAAAAAAAAAAAAAAAAAAAAAAAAAAAAAAAAAAAAAAAAAAAAAAJ/f38AAAAAA8zMzADAwP8Af39/AAAAAAAAAAAAAAAAAAAAAAAAAAAAIQAAABgAAAAUAAAA0AIAABonAADwDwAAWSkAABAAAAAmAAAACAAAAACAAAAAAAAA"/>
+                <pr:smNativeData xmlns="" xmlns:p14="http://schemas.microsoft.com/office/powerpoint/2010/main" xmlns:pr="smNativeData" val="SMDATA_16_n4i/WxMAAAAlAAAAZAAAAA0AAAAAkAAAAEgAAACQAAAASAAAAAAAAAABAAAAAAAAAAEAAABQAAAAAAAAAAAA4D8AAAAAAADgPwAAAAAAAOA/AAAAAAAA4D8AAAAAAADgPwAAAAAAAOA/AAAAAAAA4D8AAAAAAADgPwAAAAAAAOA/AAAAAAAA4D8CAAAAjAAAAAAAAAAAAAAAT4G9DP///wgAAAAAAAAAAAAAAAAAAAAAAAAAAAAAAAAAAAAAZAAAAAEAAABAAAAAAAAAAAAAAAAAAAAAAAAAAAAAAAAAAAAAAAAAAAAAAAAAAAAAAAAAAAAAAAAAAAAAAAAAAAAAAAAAAAAAAAAAAAAAAAAAAAAAAAAAAAAAAAAAAAAAFAAAADwAAAAAAAAAAAAAAAAAAAkUAAAAAQAAABQAAAAUAAAAFAAAAAEAAAAAAAAAZAAAAGQAAAAAAAAAZAAAAGQAAAAVAAAAYAAAAAAAAAAAAAAADwAAACADAAAAAAAAAAAAAAEAAACgMgAAVgcAAKr4//8BAAAAf39/AAEAAABkAAAAAAAAABQAAABAHwAAAAAAACYAAAAAAAAAwOD//wAAAAAmAAAAZAAAABYAAABMAAAAAAAAAAAAAAAEAAAAAAAAAAEAAADu7OEKAAAAACgAAAAoAAAAZAAAAGQAAAAAAAAAzMzMAAAAAABQAAAAUAAAAGQAAABkAAAAAAAAABcAAAAUAAAAAAAAAAAAAAD/fwAA/38AAAAAAAAJAAAABAAAAAAAAAAMAAAAEAAAAAAAAAAAAAAAAAAAAAAAAAAeAAAAaAAAAAAAAAAAAAAAAAAAAAAAAAAAAAAAECcAABAnAAAAAAAAAAAAAAAAAAAAAAAAAAAAAAAAAAAAAAAAAAAAABQAAAAAAAAAwMD/AAAAAABkAAAAMgAAAAAAAABkAAAAAAAAAH9/fwAKAAAAIgAAABgAAAAAAAAAAAAAAAAAAAAAAAAAAAAAAAAAAAAkAAAAJAAAAAAAAAAHAAAAAAAAAAAAAAAAAAAAAAAAAAAAAAAAAAAAf39/ACUAAABYAAAAAAAAAAAAAAAAAAAAAAAAAAAAAAAAAAAAAAAAAAAAAAAAAAAAAAAAAAAAAAA/AAAAAAAAAKCGAQAAAAAAAAAAAAAAAAAMAAAAAQAAAAAAAAAAAAAAAAAAAB8AAABUAAAAAAAABQAAAAEAAAAAAAAAAAAAAAAAAAAAAAAAAAAAAAAAAAAAAAAAAAAAAAJ/f38AAAAAA8zMzADAwP8Af39/AAAAAAAAAAAAAAAAAAAAAAAAAAAAIQAAABgAAAAUAAAA0AIAABonAADwDwAAWSkAABAAAAAmAAAACAAAAACAAAAAAAAA"/>
               </a:ext>
             </a:extLst>
           </p:cNvSpPr>
@@ -2636,40 +2643,41 @@
           <a:bodyPr/>
           <a:lstStyle>
             <a:lvl1pPr>
-              <a:defRPr lang="en-au"/>
+              <a:defRPr lang="en-AU"/>
             </a:lvl1pPr>
             <a:lvl2pPr>
-              <a:defRPr lang="en-us"/>
+              <a:defRPr lang="en-US"/>
             </a:lvl2pPr>
             <a:lvl3pPr>
-              <a:defRPr lang="en-us"/>
+              <a:defRPr lang="en-US"/>
             </a:lvl3pPr>
             <a:lvl4pPr>
-              <a:defRPr lang="en-us"/>
+              <a:defRPr lang="en-US"/>
             </a:lvl4pPr>
             <a:lvl5pPr>
-              <a:defRPr lang="en-us"/>
+              <a:defRPr lang="en-US"/>
             </a:lvl5pPr>
             <a:lvl6pPr>
-              <a:defRPr lang="en-us"/>
+              <a:defRPr lang="en-US"/>
             </a:lvl6pPr>
             <a:lvl7pPr>
-              <a:defRPr lang="en-us"/>
+              <a:defRPr lang="en-US"/>
             </a:lvl7pPr>
             <a:lvl8pPr>
-              <a:defRPr lang="en-us"/>
+              <a:defRPr lang="en-US"/>
             </a:lvl8pPr>
             <a:lvl9pPr>
-              <a:defRPr lang="en-us"/>
+              <a:defRPr lang="en-US"/>
             </a:lvl9pPr>
           </a:lstStyle>
           <a:p>
             <a:pPr>
-              <a:defRPr lang="en-au"/>
+              <a:defRPr lang="en-AU"/>
             </a:pPr>
             <a:fld id="{3D68FDF6-B8D0-3D0B-9ED0-4E5EB39E681B}" type="datetime1">
-              <a:t>9/10/2018</a:t>
+              <a:t>10/12/2018</a:t>
             </a:fld>
+            <a:endParaRPr/>
           </a:p>
         </p:txBody>
       </p:sp>
@@ -2680,7 +2688,7 @@
             <a:spLocks noGrp="1" noChangeArrowheads="1"/>
             <a:extLst>
               <a:ext uri="smNativeData">
-                <pr:smNativeData xmlns:pr="smNativeData" val="SMDATA_16_n4i/WxMAAAAlAAAAZAAAAA0AAAAAkAAAAEgAAACQAAAASAAAAAAAAAABAAAAAAAAAAEAAABQAAAAAAAAAAAA4D8AAAAAAADgPwAAAAAAAOA/AAAAAAAA4D8AAAAAAADgPwAAAAAAAOA/AAAAAAAA4D8AAAAAAADgPwAAAAAAAOA/AAAAAAAA4D8CAAAAjAAAAAAAAAAAAAAAT4G9DP///wgAAAAAAAAAAAAAAAAAAAAAAAAAAAAAAAAAAAAAZAAAAAEAAABAAAAAAAAAAAAAAAAAAAAAAAAAAAAAAAAAAAAAAAAAAAAAAAAAAAAAAAAAAAAAAAAAAAAAAAAAAAAAAAAAAAAAAAAAAAAAAAAAAAAAAAAAAAAAAAAAAAAAFAAAADwAAAAAAAAAAAAAAAAAAAkUAAAAAQAAABQAAAAUAAAAFAAAAAEAAAAAAAAAZAAAAGQAAAAAAAAAZAAAAGQAAAAVAAAAYAAAAAAAAAAAAAAADwAAACADAAAAAAAAAAAAAAEAAACgMgAAVgcAAKr4//8BAAAAf39/AAEAAABkAAAAAAAAABQAAABAHwAAAAAAACYAAAAAAAAAwOD//wAAAAAmAAAAZAAAABYAAABMAAAAAAAAAAAAAAAEAAAAAAAAAAEAAADu7OEKAAAAACgAAAAoAAAAZAAAAGQAAAAAAAAAzMzMAAAAAABQAAAAUAAAAGQAAABkAAAAAAAAABcAAAAUAAAAAAAAAAAAAAD/fwAA/38AAAAAAAAJAAAABAAAAAAAAAAMAAAAEAAAAAAAAAAAAAAAAAAAAAAAAAAeAAAAaAAAAAAAAAAAAAAAAAAAAAAAAAAAAAAAECcAABAnAAAAAAAAAAAAAAAAAAAAAAAAAAAAAAAAAAAAAAAAAAAAABQAAAAAAAAAwMD/AAAAAABkAAAAMgAAAAAAAABkAAAAAAAAAH9/fwAKAAAAIgAAABgAAAAAAAAAAAAAAAAAAAAAAAAAAAAAAAAAAAAkAAAAJAAAAAAAAAAHAAAAAAAAAAAAAAAAAAAAAAAAAAAAAAAAAAAAf39/ACUAAABYAAAAAAAAAAAAAAAAAAAAAAAAAAAAAAAAAAAAAAAAAAAAAAAAAAAAAAAAAAAAAAA/AAAAAAAAAKCGAQAAAAAAAAAAAAAAAAAMAAAAAQAAAAAAAAAAAAAAAAAAAB8AAABUAAAAAAAABQAAAAEAAAAAAAAAAAAAAAAAAAAAAAAAAAAAAAAAAAAAAAAAAAAAAAJ/f38AAAAAA8zMzADAwP8Af39/AAAAAAAAAAAAAAAAAAAAAAAAAAAAIQAAABgAAAAUAAAAOBMAABonAAAIJQAAWSkAABAAAAAmAAAACAAAAACAAAAAAAAA"/>
+                <pr:smNativeData xmlns="" xmlns:p14="http://schemas.microsoft.com/office/powerpoint/2010/main" xmlns:pr="smNativeData" val="SMDATA_16_n4i/WxMAAAAlAAAAZAAAAA0AAAAAkAAAAEgAAACQAAAASAAAAAAAAAABAAAAAAAAAAEAAABQAAAAAAAAAAAA4D8AAAAAAADgPwAAAAAAAOA/AAAAAAAA4D8AAAAAAADgPwAAAAAAAOA/AAAAAAAA4D8AAAAAAADgPwAAAAAAAOA/AAAAAAAA4D8CAAAAjAAAAAAAAAAAAAAAT4G9DP///wgAAAAAAAAAAAAAAAAAAAAAAAAAAAAAAAAAAAAAZAAAAAEAAABAAAAAAAAAAAAAAAAAAAAAAAAAAAAAAAAAAAAAAAAAAAAAAAAAAAAAAAAAAAAAAAAAAAAAAAAAAAAAAAAAAAAAAAAAAAAAAAAAAAAAAAAAAAAAAAAAAAAAFAAAADwAAAAAAAAAAAAAAAAAAAkUAAAAAQAAABQAAAAUAAAAFAAAAAEAAAAAAAAAZAAAAGQAAAAAAAAAZAAAAGQAAAAVAAAAYAAAAAAAAAAAAAAADwAAACADAAAAAAAAAAAAAAEAAACgMgAAVgcAAKr4//8BAAAAf39/AAEAAABkAAAAAAAAABQAAABAHwAAAAAAACYAAAAAAAAAwOD//wAAAAAmAAAAZAAAABYAAABMAAAAAAAAAAAAAAAEAAAAAAAAAAEAAADu7OEKAAAAACgAAAAoAAAAZAAAAGQAAAAAAAAAzMzMAAAAAABQAAAAUAAAAGQAAABkAAAAAAAAABcAAAAUAAAAAAAAAAAAAAD/fwAA/38AAAAAAAAJAAAABAAAAAAAAAAMAAAAEAAAAAAAAAAAAAAAAAAAAAAAAAAeAAAAaAAAAAAAAAAAAAAAAAAAAAAAAAAAAAAAECcAABAnAAAAAAAAAAAAAAAAAAAAAAAAAAAAAAAAAAAAAAAAAAAAABQAAAAAAAAAwMD/AAAAAABkAAAAMgAAAAAAAABkAAAAAAAAAH9/fwAKAAAAIgAAABgAAAAAAAAAAAAAAAAAAAAAAAAAAAAAAAAAAAAkAAAAJAAAAAAAAAAHAAAAAAAAAAAAAAAAAAAAAAAAAAAAAAAAAAAAf39/ACUAAABYAAAAAAAAAAAAAAAAAAAAAAAAAAAAAAAAAAAAAAAAAAAAAAAAAAAAAAAAAAAAAAA/AAAAAAAAAKCGAQAAAAAAAAAAAAAAAAAMAAAAAQAAAAAAAAAAAAAAAAAAAB8AAABUAAAAAAAABQAAAAEAAAAAAAAAAAAAAAAAAAAAAAAAAAAAAAAAAAAAAAAAAAAAAAJ/f38AAAAAA8zMzADAwP8Af39/AAAAAAAAAAAAAAAAAAAAAAAAAAAAIQAAABgAAAAUAAAAOBMAABonAAAIJQAAWSkAABAAAAAmAAAACAAAAACAAAAAAAAA"/>
               </a:ext>
             </a:extLst>
           </p:cNvSpPr>
@@ -2693,37 +2701,38 @@
           <a:bodyPr/>
           <a:lstStyle>
             <a:lvl1pPr>
-              <a:defRPr lang="en-au"/>
+              <a:defRPr lang="en-AU"/>
             </a:lvl1pPr>
             <a:lvl2pPr>
-              <a:defRPr lang="en-us"/>
+              <a:defRPr lang="en-US"/>
             </a:lvl2pPr>
             <a:lvl3pPr>
-              <a:defRPr lang="en-us"/>
+              <a:defRPr lang="en-US"/>
             </a:lvl3pPr>
             <a:lvl4pPr>
-              <a:defRPr lang="en-us"/>
+              <a:defRPr lang="en-US"/>
             </a:lvl4pPr>
             <a:lvl5pPr>
-              <a:defRPr lang="en-us"/>
+              <a:defRPr lang="en-US"/>
             </a:lvl5pPr>
             <a:lvl6pPr>
-              <a:defRPr lang="en-us"/>
+              <a:defRPr lang="en-US"/>
             </a:lvl6pPr>
             <a:lvl7pPr>
-              <a:defRPr lang="en-us"/>
+              <a:defRPr lang="en-US"/>
             </a:lvl7pPr>
             <a:lvl8pPr>
-              <a:defRPr lang="en-us"/>
+              <a:defRPr lang="en-US"/>
             </a:lvl8pPr>
             <a:lvl9pPr>
-              <a:defRPr lang="en-us"/>
+              <a:defRPr lang="en-US"/>
             </a:lvl9pPr>
           </a:lstStyle>
           <a:p>
             <a:pPr>
-              <a:defRPr lang="en-au"/>
-            </a:pPr>
+              <a:defRPr lang="en-AU"/>
+            </a:pPr>
+            <a:endParaRPr/>
           </a:p>
         </p:txBody>
       </p:sp>
@@ -2734,7 +2743,7 @@
             <a:spLocks noGrp="1" noChangeArrowheads="1"/>
             <a:extLst>
               <a:ext uri="smNativeData">
-                <pr:smNativeData xmlns:pr="smNativeData" val="SMDATA_16_n4i/WxMAAAAlAAAAZAAAAA0AAAAAkAAAAEgAAACQAAAASAAAAAAAAAABAAAAAAAAAAEAAABQAAAAAAAAAAAA4D8AAAAAAADgPwAAAAAAAOA/AAAAAAAA4D8AAAAAAADgPwAAAAAAAOA/AAAAAAAA4D8AAAAAAADgPwAAAAAAAOA/AAAAAAAA4D8CAAAAjAAAAAAAAAAAAAAAT4G9DP///wgAAAAAAAAAAAAAAAAAAAAAAAAAAAAAAAAAAAAAZAAAAAEAAABAAAAAAAAAAAAAAAAAAAAAAAAAAAAAAAAAAAAAAAAAAAAAAAAAAAAAAAAAAAAAAAAAAAAAAAAAAAAAAAAAAAAAAAAAAAAAAAAAAAAAAAAAAAAAAAAAAAAAFAAAADwAAAAAAAAAAAAAAAAAAAkUAAAAAQAAABQAAAAUAAAAFAAAAAEAAAAAAAAAZAAAAGQAAAAAAAAAZAAAAGQAAAAVAAAAYAAAAAAAAAAAAAAADwAAACADAAAAAAAAAAAAAAEAAACgMgAAVgcAAKr4//8BAAAAf39/AAEAAABkAAAAAAAAABQAAABAHwAAAAAAACYAAAAAAAAAwOD//wAAAAAmAAAAZAAAABYAAABMAAAAAAAAAAAAAAAEAAAAAAAAAAEAAADu7OEKAAAAACgAAAAoAAAAZAAAAGQAAAAAAAAAzMzMAAAAAABQAAAAUAAAAGQAAABkAAAAAAAAABcAAAAUAAAAAAAAAAAAAAD/fwAA/38AAAAAAAAJAAAABAAAAAAAAAAMAAAAEAAAAAAAAAAAAAAAAAAAAAAAAAAeAAAAaAAAAAAAAAAAAAAAAAAAAAAAAAAAAAAAECcAABAnAAAAAAAAAAAAAAAAAAAAAAAAAAAAAAAAAAAAAAAAAAAAABQAAAAAAAAAwMD/AAAAAABkAAAAMgAAAAAAAABkAAAAAAAAAH9/fwAKAAAAIgAAABgAAAAAAAAAAAAAAAAAAAAAAAAAAAAAAAAAAAAkAAAAJAAAAAAAAAAHAAAAAAAAAAAAAAAAAAAAAAAAAAAAAAAAAAAAf39/ACUAAABYAAAAAAAAAAAAAAAAAAAAAAAAAAAAAAAAAAAAAAAAAAAAAAAAAAAAAAAAAAAAAAA/AAAAAAAAAKCGAQAAAAAAAAAAAAAAAAAMAAAAAQAAAAAAAAAAAAAAAAAAAB8AAABUAAAAAAAABQAAAAEAAAAAAAAAAAAAAAAAAAAAAAAAAAAAAAAAAAAAAAAAAAAAAAJ/f38AAAAAA8zMzADAwP8Af39/AAAAAAAAAAAAAAAAAAAAAAAAAAAAIQAAABgAAAAUAAAAUCgAABonAABwNQAAWSkAABAAAAAmAAAACAAAAACAAAAAAAAA"/>
+                <pr:smNativeData xmlns="" xmlns:p14="http://schemas.microsoft.com/office/powerpoint/2010/main" xmlns:pr="smNativeData" val="SMDATA_16_n4i/WxMAAAAlAAAAZAAAAA0AAAAAkAAAAEgAAACQAAAASAAAAAAAAAABAAAAAAAAAAEAAABQAAAAAAAAAAAA4D8AAAAAAADgPwAAAAAAAOA/AAAAAAAA4D8AAAAAAADgPwAAAAAAAOA/AAAAAAAA4D8AAAAAAADgPwAAAAAAAOA/AAAAAAAA4D8CAAAAjAAAAAAAAAAAAAAAT4G9DP///wgAAAAAAAAAAAAAAAAAAAAAAAAAAAAAAAAAAAAAZAAAAAEAAABAAAAAAAAAAAAAAAAAAAAAAAAAAAAAAAAAAAAAAAAAAAAAAAAAAAAAAAAAAAAAAAAAAAAAAAAAAAAAAAAAAAAAAAAAAAAAAAAAAAAAAAAAAAAAAAAAAAAAFAAAADwAAAAAAAAAAAAAAAAAAAkUAAAAAQAAABQAAAAUAAAAFAAAAAEAAAAAAAAAZAAAAGQAAAAAAAAAZAAAAGQAAAAVAAAAYAAAAAAAAAAAAAAADwAAACADAAAAAAAAAAAAAAEAAACgMgAAVgcAAKr4//8BAAAAf39/AAEAAABkAAAAAAAAABQAAABAHwAAAAAAACYAAAAAAAAAwOD//wAAAAAmAAAAZAAAABYAAABMAAAAAAAAAAAAAAAEAAAAAAAAAAEAAADu7OEKAAAAACgAAAAoAAAAZAAAAGQAAAAAAAAAzMzMAAAAAABQAAAAUAAAAGQAAABkAAAAAAAAABcAAAAUAAAAAAAAAAAAAAD/fwAA/38AAAAAAAAJAAAABAAAAAAAAAAMAAAAEAAAAAAAAAAAAAAAAAAAAAAAAAAeAAAAaAAAAAAAAAAAAAAAAAAAAAAAAAAAAAAAECcAABAnAAAAAAAAAAAAAAAAAAAAAAAAAAAAAAAAAAAAAAAAAAAAABQAAAAAAAAAwMD/AAAAAABkAAAAMgAAAAAAAABkAAAAAAAAAH9/fwAKAAAAIgAAABgAAAAAAAAAAAAAAAAAAAAAAAAAAAAAAAAAAAAkAAAAJAAAAAAAAAAHAAAAAAAAAAAAAAAAAAAAAAAAAAAAAAAAAAAAf39/ACUAAABYAAAAAAAAAAAAAAAAAAAAAAAAAAAAAAAAAAAAAAAAAAAAAAAAAAAAAAAAAAAAAAA/AAAAAAAAAKCGAQAAAAAAAAAAAAAAAAAMAAAAAQAAAAAAAAAAAAAAAAAAAB8AAABUAAAAAAAABQAAAAEAAAAAAAAAAAAAAAAAAAAAAAAAAAAAAAAAAAAAAAAAAAAAAAJ/f38AAAAAA8zMzADAwP8Af39/AAAAAAAAAAAAAAAAAAAAAAAAAAAAIQAAABgAAAAUAAAAUCgAABonAABwNQAAWSkAABAAAAAmAAAACAAAAACAAAAAAAAA"/>
               </a:ext>
             </a:extLst>
           </p:cNvSpPr>
@@ -2747,40 +2756,41 @@
           <a:bodyPr/>
           <a:lstStyle>
             <a:lvl1pPr>
-              <a:defRPr lang="en-au"/>
+              <a:defRPr lang="en-AU"/>
             </a:lvl1pPr>
             <a:lvl2pPr>
-              <a:defRPr lang="en-us"/>
+              <a:defRPr lang="en-US"/>
             </a:lvl2pPr>
             <a:lvl3pPr>
-              <a:defRPr lang="en-us"/>
+              <a:defRPr lang="en-US"/>
             </a:lvl3pPr>
             <a:lvl4pPr>
-              <a:defRPr lang="en-us"/>
+              <a:defRPr lang="en-US"/>
             </a:lvl4pPr>
             <a:lvl5pPr>
-              <a:defRPr lang="en-us"/>
+              <a:defRPr lang="en-US"/>
             </a:lvl5pPr>
             <a:lvl6pPr>
-              <a:defRPr lang="en-us"/>
+              <a:defRPr lang="en-US"/>
             </a:lvl6pPr>
             <a:lvl7pPr>
-              <a:defRPr lang="en-us"/>
+              <a:defRPr lang="en-US"/>
             </a:lvl7pPr>
             <a:lvl8pPr>
-              <a:defRPr lang="en-us"/>
+              <a:defRPr lang="en-US"/>
             </a:lvl8pPr>
             <a:lvl9pPr>
-              <a:defRPr lang="en-us"/>
+              <a:defRPr lang="en-US"/>
             </a:lvl9pPr>
           </a:lstStyle>
           <a:p>
             <a:pPr>
-              <a:defRPr lang="en-au"/>
+              <a:defRPr lang="en-AU"/>
             </a:pPr>
             <a:fld id="{3D689DCD-83D0-3D6B-9ED0-753ED39E6820}" type="slidenum">
               <a:t>‹#›</a:t>
             </a:fld>
+            <a:endParaRPr/>
           </a:p>
         </p:txBody>
       </p:sp>
@@ -2793,7 +2803,7 @@
 </file>
 
 <file path=ppt/slideLayouts/slideLayout6.xml><?xml version="1.0" encoding="utf-8"?>
-<p:sldLayout xmlns:p="http://schemas.openxmlformats.org/presentationml/2006/main" xmlns:p14="http://schemas.microsoft.com/office/powerpoint/2010/main" xmlns:r="http://schemas.openxmlformats.org/officeDocument/2006/relationships" xmlns:a="http://schemas.openxmlformats.org/drawingml/2006/main" type="titleOnly" preserve="1">
+<p:sldLayout xmlns:a="http://schemas.openxmlformats.org/drawingml/2006/main" xmlns:r="http://schemas.openxmlformats.org/officeDocument/2006/relationships" xmlns:p="http://schemas.openxmlformats.org/presentationml/2006/main" type="titleOnly" preserve="1">
   <p:cSld name="Title Only">
     <p:spTree>
       <p:nvGrpSpPr>
@@ -2816,7 +2826,7 @@
             <a:spLocks noGrp="1" noChangeArrowheads="1"/>
             <a:extLst>
               <a:ext uri="smNativeData">
-                <pr:smNativeData xmlns:pr="smNativeData" val="SMDATA_16_n4i/WxMAAAAlAAAAZAAAAA0AAAAAkAAAAEgAAACQAAAASAAAAAAAAAABAAAAAAAAAAEAAABQAAAAAAAAAAAA4D8AAAAAAADgPwAAAAAAAOA/AAAAAAAA4D8AAAAAAADgPwAAAAAAAOA/AAAAAAAA4D8AAAAAAADgPwAAAAAAAOA/AAAAAAAA4D8CAAAAjAAAAAAAAAAAAAAAT4G9DP///wgAAAAAAAAAAAAAAAAAAAAAAAAAAAAAAAAAAAAAZAAAAAEAAABAAAAAAAAAAAAAAAAAAAAAAAAAAAAAAAAAAAAAAAAAAAAAAAAAAAAAAAAAAAAAAAAAAAAAAAAAAAAAAAAAAAAAAAAAAAAAAAAAAAAAAAAAAAAAAAAAAAAAFAAAADwAAAAAAAAAAAAAAAAAAAkUAAAAAQAAABQAAAAUAAAAFAAAAAEAAAAAAAAAZAAAAGQAAAAAAAAAZAAAAGQAAAAVAAAAYAAAAAAAAAAAAAAADwAAACADAAAAAAAAAAAAAAEAAACgMgAAVgcAAKr4//8BAAAAf39/AAEAAABkAAAAAAAAABQAAABAHwAAAAAAACYAAAAAAAAAwOD//wAAAAAmAAAAZAAAABYAAABMAAAAAAAAAAAAAAAEAAAAAAAAAAEAAADu7OEKAAAAACgAAAAoAAAAZAAAAGQAAAAAAAAAzMzMAAAAAABQAAAAUAAAAGQAAABkAAAAAAAAABcAAAAUAAAAAAAAAAAAAAD/fwAA/38AAAAAAAAJAAAABAAAAAAAAAAMAAAAEAAAAAAAAAAAAAAAAAAAAAAAAAAeAAAAaAAAAAAAAAAAAAAAAAAAAAAAAAAAAAAAECcAABAnAAAAAAAAAAAAAAAAAAAAAAAAAAAAAAAAAAAAAAAAAAAAABQAAAAAAAAAwMD/AAAAAABkAAAAMgAAAAAAAABkAAAAAAAAAH9/fwAKAAAAIgAAABgAAAAAAAAAAAAAAAAAAAAAAAAAAAAAAAAAAAAkAAAAJAAAAAAAAAAHAAAAAAAAAAAAAAAAAAAAAAAAAAAAAAAAAAAAf39/ACUAAABYAAAAAAAAAAAAAAAAAAAAAAAAAAAAAAAAAAAAAAAAAAAAAAAAAAAAAAAAAAAAAAA/AAAAAAAAAKCGAQAAAAAAAAAAAAAAAAAMAAAAAQAAAAAAAAAAAAAAAAAAAB8AAABUAAAAAAAABQAAAAEAAAAAAAAAAAAAAAAAAAAAAAAAAAAAAAAAAAAAAAAAAAAAAAJ/f38AAAAAA8zMzADAwP8Af39/AAAAAAAAAAAAAAAAAAAAAAAAAAAAIQAAABgAAAAUAAAA0AIAALEBAABwNQAAuQgAABAAAAAmAAAACAAAAAAAAAAAAAAA"/>
+                <pr:smNativeData xmlns="" xmlns:p14="http://schemas.microsoft.com/office/powerpoint/2010/main" xmlns:pr="smNativeData" val="SMDATA_16_n4i/WxMAAAAlAAAAZAAAAA0AAAAAkAAAAEgAAACQAAAASAAAAAAAAAABAAAAAAAAAAEAAABQAAAAAAAAAAAA4D8AAAAAAADgPwAAAAAAAOA/AAAAAAAA4D8AAAAAAADgPwAAAAAAAOA/AAAAAAAA4D8AAAAAAADgPwAAAAAAAOA/AAAAAAAA4D8CAAAAjAAAAAAAAAAAAAAAT4G9DP///wgAAAAAAAAAAAAAAAAAAAAAAAAAAAAAAAAAAAAAZAAAAAEAAABAAAAAAAAAAAAAAAAAAAAAAAAAAAAAAAAAAAAAAAAAAAAAAAAAAAAAAAAAAAAAAAAAAAAAAAAAAAAAAAAAAAAAAAAAAAAAAAAAAAAAAAAAAAAAAAAAAAAAFAAAADwAAAAAAAAAAAAAAAAAAAkUAAAAAQAAABQAAAAUAAAAFAAAAAEAAAAAAAAAZAAAAGQAAAAAAAAAZAAAAGQAAAAVAAAAYAAAAAAAAAAAAAAADwAAACADAAAAAAAAAAAAAAEAAACgMgAAVgcAAKr4//8BAAAAf39/AAEAAABkAAAAAAAAABQAAABAHwAAAAAAACYAAAAAAAAAwOD//wAAAAAmAAAAZAAAABYAAABMAAAAAAAAAAAAAAAEAAAAAAAAAAEAAADu7OEKAAAAACgAAAAoAAAAZAAAAGQAAAAAAAAAzMzMAAAAAABQAAAAUAAAAGQAAABkAAAAAAAAABcAAAAUAAAAAAAAAAAAAAD/fwAA/38AAAAAAAAJAAAABAAAAAAAAAAMAAAAEAAAAAAAAAAAAAAAAAAAAAAAAAAeAAAAaAAAAAAAAAAAAAAAAAAAAAAAAAAAAAAAECcAABAnAAAAAAAAAAAAAAAAAAAAAAAAAAAAAAAAAAAAAAAAAAAAABQAAAAAAAAAwMD/AAAAAABkAAAAMgAAAAAAAABkAAAAAAAAAH9/fwAKAAAAIgAAABgAAAAAAAAAAAAAAAAAAAAAAAAAAAAAAAAAAAAkAAAAJAAAAAAAAAAHAAAAAAAAAAAAAAAAAAAAAAAAAAAAAAAAAAAAf39/ACUAAABYAAAAAAAAAAAAAAAAAAAAAAAAAAAAAAAAAAAAAAAAAAAAAAAAAAAAAAAAAAAAAAA/AAAAAAAAAKCGAQAAAAAAAAAAAAAAAAAMAAAAAQAAAAAAAAAAAAAAAAAAAB8AAABUAAAAAAAABQAAAAEAAAAAAAAAAAAAAAAAAAAAAAAAAAAAAAAAAAAAAAAAAAAAAAJ/f38AAAAAA8zMzADAwP8Af39/AAAAAAAAAAAAAAAAAAAAAAAAAAAAIQAAABgAAAAUAAAA0AIAALEBAABwNQAAuQgAABAAAAAmAAAACAAAAAAAAAAAAAAA"/>
               </a:ext>
             </a:extLst>
           </p:cNvSpPr>
@@ -2830,12 +2840,12 @@
           <a:lstStyle/>
           <a:p>
             <a:pPr>
-              <a:defRPr lang="en-us"/>
+              <a:defRPr lang="en-US"/>
             </a:pPr>
             <a:r>
               <a:t>Click to edit Master title style</a:t>
             </a:r>
-            <a:endParaRPr lang="en-au"/>
+            <a:endParaRPr lang="en-AU"/>
           </a:p>
         </p:txBody>
       </p:sp>
@@ -2846,7 +2856,7 @@
             <a:spLocks noGrp="1" noChangeArrowheads="1"/>
             <a:extLst>
               <a:ext uri="smNativeData">
-                <pr:smNativeData xmlns:pr="smNativeData" val="SMDATA_16_n4i/WxMAAAAlAAAAZAAAAA0AAAAAkAAAAEgAAACQAAAASAAAAAAAAAABAAAAAAAAAAEAAABQAAAAAAAAAAAA4D8AAAAAAADgPwAAAAAAAOA/AAAAAAAA4D8AAAAAAADgPwAAAAAAAOA/AAAAAAAA4D8AAAAAAADgPwAAAAAAAOA/AAAAAAAA4D8CAAAAjAAAAAAAAAAAAAAAT4G9DP///wgAAAAAAAAAAAAAAAAAAAAAAAAAAAAAAAAAAAAAZAAAAAEAAABAAAAAAAAAAAAAAAAAAAAAAAAAAAAAAAAAAAAAAAAAAAAAAAAAAAAAAAAAAAAAAAAAAAAAAAAAAAAAAAAAAAAAAAAAAAAAAAAAAAAAAAAAAAAAAAAAAAAAFAAAADwAAAAAAAAAAAAAAAAAAAkUAAAAAQAAABQAAAAUAAAAFAAAAAEAAAAAAAAAZAAAAGQAAAAAAAAAZAAAAGQAAAAVAAAAYAAAAAAAAAAAAAAADwAAACADAAAAAAAAAAAAAAEAAACgMgAAVgcAAKr4//8BAAAAf39/AAEAAABkAAAAAAAAABQAAABAHwAAAAAAACYAAAAAAAAAwOD//wAAAAAmAAAAZAAAABYAAABMAAAAAAAAAAAAAAAEAAAAAAAAAAEAAADu7OEKAAAAACgAAAAoAAAAZAAAAGQAAAAAAAAAzMzMAAAAAABQAAAAUAAAAGQAAABkAAAAAAAAABcAAAAUAAAAAAAAAAAAAAD/fwAA/38AAAAAAAAJAAAABAAAAAAAAAAMAAAAEAAAAAAAAAAAAAAAAAAAAAAAAAAeAAAAaAAAAAAAAAAAAAAAAAAAAAAAAAAAAAAAECcAABAnAAAAAAAAAAAAAAAAAAAAAAAAAAAAAAAAAAAAAAAAAAAAABQAAAAAAAAAwMD/AAAAAABkAAAAMgAAAAAAAABkAAAAAAAAAH9/fwAKAAAAIgAAABgAAAAAAAAAAAAAAAAAAAAAAAAAAAAAAAAAAAAkAAAAJAAAAAAAAAAHAAAAAAAAAAAAAAAAAAAAAAAAAAAAAAAAAAAAf39/ACUAAABYAAAAAAAAAAAAAAAAAAAAAAAAAAAAAAAAAAAAAAAAAAAAAAAAAAAAAAAAAAAAAAA/AAAAAAAAAKCGAQAAAAAAAAAAAAAAAAAMAAAAAQAAAAAAAAAAAAAAAAAAAB8AAABUAAAAAAAABQAAAAEAAAAAAAAAAAAAAAAAAAAAAAAAAAAAAAAAAAAAAAAAAAAAAAJ/f38AAAAAA8zMzADAwP8Af39/AAAAAAAAAAAAAAAAAAAAAAAAAAAAIQAAABgAAAAUAAAA0AIAABonAADwDwAAWSkAABAAAAAmAAAACAAAAACAAAAAAAAA"/>
+                <pr:smNativeData xmlns="" xmlns:p14="http://schemas.microsoft.com/office/powerpoint/2010/main" xmlns:pr="smNativeData" val="SMDATA_16_n4i/WxMAAAAlAAAAZAAAAA0AAAAAkAAAAEgAAACQAAAASAAAAAAAAAABAAAAAAAAAAEAAABQAAAAAAAAAAAA4D8AAAAAAADgPwAAAAAAAOA/AAAAAAAA4D8AAAAAAADgPwAAAAAAAOA/AAAAAAAA4D8AAAAAAADgPwAAAAAAAOA/AAAAAAAA4D8CAAAAjAAAAAAAAAAAAAAAT4G9DP///wgAAAAAAAAAAAAAAAAAAAAAAAAAAAAAAAAAAAAAZAAAAAEAAABAAAAAAAAAAAAAAAAAAAAAAAAAAAAAAAAAAAAAAAAAAAAAAAAAAAAAAAAAAAAAAAAAAAAAAAAAAAAAAAAAAAAAAAAAAAAAAAAAAAAAAAAAAAAAAAAAAAAAFAAAADwAAAAAAAAAAAAAAAAAAAkUAAAAAQAAABQAAAAUAAAAFAAAAAEAAAAAAAAAZAAAAGQAAAAAAAAAZAAAAGQAAAAVAAAAYAAAAAAAAAAAAAAADwAAACADAAAAAAAAAAAAAAEAAACgMgAAVgcAAKr4//8BAAAAf39/AAEAAABkAAAAAAAAABQAAABAHwAAAAAAACYAAAAAAAAAwOD//wAAAAAmAAAAZAAAABYAAABMAAAAAAAAAAAAAAAEAAAAAAAAAAEAAADu7OEKAAAAACgAAAAoAAAAZAAAAGQAAAAAAAAAzMzMAAAAAABQAAAAUAAAAGQAAABkAAAAAAAAABcAAAAUAAAAAAAAAAAAAAD/fwAA/38AAAAAAAAJAAAABAAAAAAAAAAMAAAAEAAAAAAAAAAAAAAAAAAAAAAAAAAeAAAAaAAAAAAAAAAAAAAAAAAAAAAAAAAAAAAAECcAABAnAAAAAAAAAAAAAAAAAAAAAAAAAAAAAAAAAAAAAAAAAAAAABQAAAAAAAAAwMD/AAAAAABkAAAAMgAAAAAAAABkAAAAAAAAAH9/fwAKAAAAIgAAABgAAAAAAAAAAAAAAAAAAAAAAAAAAAAAAAAAAAAkAAAAJAAAAAAAAAAHAAAAAAAAAAAAAAAAAAAAAAAAAAAAAAAAAAAAf39/ACUAAABYAAAAAAAAAAAAAAAAAAAAAAAAAAAAAAAAAAAAAAAAAAAAAAAAAAAAAAAAAAAAAAA/AAAAAAAAAKCGAQAAAAAAAAAAAAAAAAAMAAAAAQAAAAAAAAAAAAAAAAAAAB8AAABUAAAAAAAABQAAAAEAAAAAAAAAAAAAAAAAAAAAAAAAAAAAAAAAAAAAAAAAAAAAAAJ/f38AAAAAA8zMzADAwP8Af39/AAAAAAAAAAAAAAAAAAAAAAAAAAAAIQAAABgAAAAUAAAA0AIAABonAADwDwAAWSkAABAAAAAmAAAACAAAAACAAAAAAAAA"/>
               </a:ext>
             </a:extLst>
           </p:cNvSpPr>
@@ -2859,40 +2869,41 @@
           <a:bodyPr/>
           <a:lstStyle>
             <a:lvl1pPr>
-              <a:defRPr lang="en-au"/>
+              <a:defRPr lang="en-AU"/>
             </a:lvl1pPr>
             <a:lvl2pPr>
-              <a:defRPr lang="en-us"/>
+              <a:defRPr lang="en-US"/>
             </a:lvl2pPr>
             <a:lvl3pPr>
-              <a:defRPr lang="en-us"/>
+              <a:defRPr lang="en-US"/>
             </a:lvl3pPr>
             <a:lvl4pPr>
-              <a:defRPr lang="en-us"/>
+              <a:defRPr lang="en-US"/>
             </a:lvl4pPr>
             <a:lvl5pPr>
-              <a:defRPr lang="en-us"/>
+              <a:defRPr lang="en-US"/>
             </a:lvl5pPr>
             <a:lvl6pPr>
-              <a:defRPr lang="en-us"/>
+              <a:defRPr lang="en-US"/>
             </a:lvl6pPr>
             <a:lvl7pPr>
-              <a:defRPr lang="en-us"/>
+              <a:defRPr lang="en-US"/>
             </a:lvl7pPr>
             <a:lvl8pPr>
-              <a:defRPr lang="en-us"/>
+              <a:defRPr lang="en-US"/>
             </a:lvl8pPr>
             <a:lvl9pPr>
-              <a:defRPr lang="en-us"/>
+              <a:defRPr lang="en-US"/>
             </a:lvl9pPr>
           </a:lstStyle>
           <a:p>
             <a:pPr>
-              <a:defRPr lang="en-au"/>
+              <a:defRPr lang="en-AU"/>
             </a:pPr>
             <a:fld id="{3D68DA58-16D0-3D2C-9ED0-E079949E68B5}" type="datetime1">
-              <a:t>9/10/2018</a:t>
+              <a:t>10/12/2018</a:t>
             </a:fld>
+            <a:endParaRPr/>
           </a:p>
         </p:txBody>
       </p:sp>
@@ -2903,7 +2914,7 @@
             <a:spLocks noGrp="1" noChangeArrowheads="1"/>
             <a:extLst>
               <a:ext uri="smNativeData">
-                <pr:smNativeData xmlns:pr="smNativeData" val="SMDATA_16_n4i/WxMAAAAlAAAAZAAAAA0AAAAAkAAAAEgAAACQAAAASAAAAAAAAAABAAAAAAAAAAEAAABQAAAAAAAAAAAA4D8AAAAAAADgPwAAAAAAAOA/AAAAAAAA4D8AAAAAAADgPwAAAAAAAOA/AAAAAAAA4D8AAAAAAADgPwAAAAAAAOA/AAAAAAAA4D8CAAAAjAAAAAAAAAAAAAAAT4G9DP///wgAAAAAAAAAAAAAAAAAAAAAAAAAAAAAAAAAAAAAZAAAAAEAAABAAAAAAAAAAAAAAAAAAAAAAAAAAAAAAAAAAAAAAAAAAAAAAAAAAAAAAAAAAAAAAAAAAAAAAAAAAAAAAAAAAAAAAAAAAAAAAAAAAAAAAAAAAAAAAAAAAAAAFAAAADwAAAAAAAAAAAAAAAAAAAkUAAAAAQAAABQAAAAUAAAAFAAAAAEAAAAAAAAAZAAAAGQAAAAAAAAAZAAAAGQAAAAVAAAAYAAAAAAAAAAAAAAADwAAACADAAAAAAAAAAAAAAEAAACgMgAAVgcAAKr4//8BAAAAf39/AAEAAABkAAAAAAAAABQAAABAHwAAAAAAACYAAAAAAAAAwOD//wAAAAAmAAAAZAAAABYAAABMAAAAAAAAAAAAAAAEAAAAAAAAAAEAAADu7OEKAAAAACgAAAAoAAAAZAAAAGQAAAAAAAAAzMzMAAAAAABQAAAAUAAAAGQAAABkAAAAAAAAABcAAAAUAAAAAAAAAAAAAAD/fwAA/38AAAAAAAAJAAAABAAAAAAAAAAMAAAAEAAAAAAAAAAAAAAAAAAAAAAAAAAeAAAAaAAAAAAAAAAAAAAAAAAAAAAAAAAAAAAAECcAABAnAAAAAAAAAAAAAAAAAAAAAAAAAAAAAAAAAAAAAAAAAAAAABQAAAAAAAAAwMD/AAAAAABkAAAAMgAAAAAAAABkAAAAAAAAAH9/fwAKAAAAIgAAABgAAAAAAAAAAAAAAAAAAAAAAAAAAAAAAAAAAAAkAAAAJAAAAAAAAAAHAAAAAAAAAAAAAAAAAAAAAAAAAAAAAAAAAAAAf39/ACUAAABYAAAAAAAAAAAAAAAAAAAAAAAAAAAAAAAAAAAAAAAAAAAAAAAAAAAAAAAAAAAAAAA/AAAAAAAAAKCGAQAAAAAAAAAAAAAAAAAMAAAAAQAAAAAAAAAAAAAAAAAAAB8AAABUAAAAAAAABQAAAAEAAAAAAAAAAAAAAAAAAAAAAAAAAAAAAAAAAAAAAAAAAAAAAAJ/f38AAAAAA8zMzADAwP8Af39/AAAAAAAAAAAAAAAAAAAAAAAAAAAAIQAAABgAAAAUAAAAOBMAABonAAAIJQAAWSkAABAAAAAmAAAACAAAAACAAAAAAAAA"/>
+                <pr:smNativeData xmlns="" xmlns:p14="http://schemas.microsoft.com/office/powerpoint/2010/main" xmlns:pr="smNativeData" val="SMDATA_16_n4i/WxMAAAAlAAAAZAAAAA0AAAAAkAAAAEgAAACQAAAASAAAAAAAAAABAAAAAAAAAAEAAABQAAAAAAAAAAAA4D8AAAAAAADgPwAAAAAAAOA/AAAAAAAA4D8AAAAAAADgPwAAAAAAAOA/AAAAAAAA4D8AAAAAAADgPwAAAAAAAOA/AAAAAAAA4D8CAAAAjAAAAAAAAAAAAAAAT4G9DP///wgAAAAAAAAAAAAAAAAAAAAAAAAAAAAAAAAAAAAAZAAAAAEAAABAAAAAAAAAAAAAAAAAAAAAAAAAAAAAAAAAAAAAAAAAAAAAAAAAAAAAAAAAAAAAAAAAAAAAAAAAAAAAAAAAAAAAAAAAAAAAAAAAAAAAAAAAAAAAAAAAAAAAFAAAADwAAAAAAAAAAAAAAAAAAAkUAAAAAQAAABQAAAAUAAAAFAAAAAEAAAAAAAAAZAAAAGQAAAAAAAAAZAAAAGQAAAAVAAAAYAAAAAAAAAAAAAAADwAAACADAAAAAAAAAAAAAAEAAACgMgAAVgcAAKr4//8BAAAAf39/AAEAAABkAAAAAAAAABQAAABAHwAAAAAAACYAAAAAAAAAwOD//wAAAAAmAAAAZAAAABYAAABMAAAAAAAAAAAAAAAEAAAAAAAAAAEAAADu7OEKAAAAACgAAAAoAAAAZAAAAGQAAAAAAAAAzMzMAAAAAABQAAAAUAAAAGQAAABkAAAAAAAAABcAAAAUAAAAAAAAAAAAAAD/fwAA/38AAAAAAAAJAAAABAAAAAAAAAAMAAAAEAAAAAAAAAAAAAAAAAAAAAAAAAAeAAAAaAAAAAAAAAAAAAAAAAAAAAAAAAAAAAAAECcAABAnAAAAAAAAAAAAAAAAAAAAAAAAAAAAAAAAAAAAAAAAAAAAABQAAAAAAAAAwMD/AAAAAABkAAAAMgAAAAAAAABkAAAAAAAAAH9/fwAKAAAAIgAAABgAAAAAAAAAAAAAAAAAAAAAAAAAAAAAAAAAAAAkAAAAJAAAAAAAAAAHAAAAAAAAAAAAAAAAAAAAAAAAAAAAAAAAAAAAf39/ACUAAABYAAAAAAAAAAAAAAAAAAAAAAAAAAAAAAAAAAAAAAAAAAAAAAAAAAAAAAAAAAAAAAA/AAAAAAAAAKCGAQAAAAAAAAAAAAAAAAAMAAAAAQAAAAAAAAAAAAAAAAAAAB8AAABUAAAAAAAABQAAAAEAAAAAAAAAAAAAAAAAAAAAAAAAAAAAAAAAAAAAAAAAAAAAAAJ/f38AAAAAA8zMzADAwP8Af39/AAAAAAAAAAAAAAAAAAAAAAAAAAAAIQAAABgAAAAUAAAAOBMAABonAAAIJQAAWSkAABAAAAAmAAAACAAAAACAAAAAAAAA"/>
               </a:ext>
             </a:extLst>
           </p:cNvSpPr>
@@ -2916,37 +2927,38 @@
           <a:bodyPr/>
           <a:lstStyle>
             <a:lvl1pPr>
-              <a:defRPr lang="en-au"/>
+              <a:defRPr lang="en-AU"/>
             </a:lvl1pPr>
             <a:lvl2pPr>
-              <a:defRPr lang="en-us"/>
+              <a:defRPr lang="en-US"/>
             </a:lvl2pPr>
             <a:lvl3pPr>
-              <a:defRPr lang="en-us"/>
+              <a:defRPr lang="en-US"/>
             </a:lvl3pPr>
             <a:lvl4pPr>
-              <a:defRPr lang="en-us"/>
+              <a:defRPr lang="en-US"/>
             </a:lvl4pPr>
             <a:lvl5pPr>
-              <a:defRPr lang="en-us"/>
+              <a:defRPr lang="en-US"/>
             </a:lvl5pPr>
             <a:lvl6pPr>
-              <a:defRPr lang="en-us"/>
+              <a:defRPr lang="en-US"/>
             </a:lvl6pPr>
             <a:lvl7pPr>
-              <a:defRPr lang="en-us"/>
+              <a:defRPr lang="en-US"/>
             </a:lvl7pPr>
             <a:lvl8pPr>
-              <a:defRPr lang="en-us"/>
+              <a:defRPr lang="en-US"/>
             </a:lvl8pPr>
             <a:lvl9pPr>
-              <a:defRPr lang="en-us"/>
+              <a:defRPr lang="en-US"/>
             </a:lvl9pPr>
           </a:lstStyle>
           <a:p>
             <a:pPr>
-              <a:defRPr lang="en-au"/>
-            </a:pPr>
+              <a:defRPr lang="en-AU"/>
+            </a:pPr>
+            <a:endParaRPr/>
           </a:p>
         </p:txBody>
       </p:sp>
@@ -2957,7 +2969,7 @@
             <a:spLocks noGrp="1" noChangeArrowheads="1"/>
             <a:extLst>
               <a:ext uri="smNativeData">
-                <pr:smNativeData xmlns:pr="smNativeData" val="SMDATA_16_n4i/WxMAAAAlAAAAZAAAAA0AAAAAkAAAAEgAAACQAAAASAAAAAAAAAABAAAAAAAAAAEAAABQAAAAAAAAAAAA4D8AAAAAAADgPwAAAAAAAOA/AAAAAAAA4D8AAAAAAADgPwAAAAAAAOA/AAAAAAAA4D8AAAAAAADgPwAAAAAAAOA/AAAAAAAA4D8CAAAAjAAAAAAAAAAAAAAAT4G9DP///wgAAAAAAAAAAAAAAAAAAAAAAAAAAAAAAAAAAAAAZAAAAAEAAABAAAAAAAAAAAAAAAAAAAAAAAAAAAAAAAAAAAAAAAAAAAAAAAAAAAAAAAAAAAAAAAAAAAAAAAAAAAAAAAAAAAAAAAAAAAAAAAAAAAAAAAAAAAAAAAAAAAAAFAAAADwAAAAAAAAAAAAAAAAAAAkUAAAAAQAAABQAAAAUAAAAFAAAAAEAAAAAAAAAZAAAAGQAAAAAAAAAZAAAAGQAAAAVAAAAYAAAAAAAAAAAAAAADwAAACADAAAAAAAAAAAAAAEAAACgMgAAVgcAAKr4//8BAAAAf39/AAEAAABkAAAAAAAAABQAAABAHwAAAAAAACYAAAAAAAAAwOD//wAAAAAmAAAAZAAAABYAAABMAAAAAAAAAAAAAAAEAAAAAAAAAAEAAADu7OEKAAAAACgAAAAoAAAAZAAAAGQAAAAAAAAAzMzMAAAAAABQAAAAUAAAAGQAAABkAAAAAAAAABcAAAAUAAAAAAAAAAAAAAD/fwAA/38AAAAAAAAJAAAABAAAAAAAAAAMAAAAEAAAAAAAAAAAAAAAAAAAAAAAAAAeAAAAaAAAAAAAAAAAAAAAAAAAAAAAAAAAAAAAECcAABAnAAAAAAAAAAAAAAAAAAAAAAAAAAAAAAAAAAAAAAAAAAAAABQAAAAAAAAAwMD/AAAAAABkAAAAMgAAAAAAAABkAAAAAAAAAH9/fwAKAAAAIgAAABgAAAAAAAAAAAAAAAAAAAAAAAAAAAAAAAAAAAAkAAAAJAAAAAAAAAAHAAAAAAAAAAAAAAAAAAAAAAAAAAAAAAAAAAAAf39/ACUAAABYAAAAAAAAAAAAAAAAAAAAAAAAAAAAAAAAAAAAAAAAAAAAAAAAAAAAAAAAAAAAAAA/AAAAAAAAAKCGAQAAAAAAAAAAAAAAAAAMAAAAAQAAAAAAAAAAAAAAAAAAAB8AAABUAAAAAAAABQAAAAEAAAAAAAAAAAAAAAAAAAAAAAAAAAAAAAAAAAAAAAAAAAAAAAJ/f38AAAAAA8zMzADAwP8Af39/AAAAAAAAAAAAAAAAAAAAAAAAAAAAIQAAABgAAAAUAAAAUCgAABonAABwNQAAWSkAABAAAAAmAAAACAAAAACAAAAAAAAA"/>
+                <pr:smNativeData xmlns="" xmlns:p14="http://schemas.microsoft.com/office/powerpoint/2010/main" xmlns:pr="smNativeData" val="SMDATA_16_n4i/WxMAAAAlAAAAZAAAAA0AAAAAkAAAAEgAAACQAAAASAAAAAAAAAABAAAAAAAAAAEAAABQAAAAAAAAAAAA4D8AAAAAAADgPwAAAAAAAOA/AAAAAAAA4D8AAAAAAADgPwAAAAAAAOA/AAAAAAAA4D8AAAAAAADgPwAAAAAAAOA/AAAAAAAA4D8CAAAAjAAAAAAAAAAAAAAAT4G9DP///wgAAAAAAAAAAAAAAAAAAAAAAAAAAAAAAAAAAAAAZAAAAAEAAABAAAAAAAAAAAAAAAAAAAAAAAAAAAAAAAAAAAAAAAAAAAAAAAAAAAAAAAAAAAAAAAAAAAAAAAAAAAAAAAAAAAAAAAAAAAAAAAAAAAAAAAAAAAAAAAAAAAAAFAAAADwAAAAAAAAAAAAAAAAAAAkUAAAAAQAAABQAAAAUAAAAFAAAAAEAAAAAAAAAZAAAAGQAAAAAAAAAZAAAAGQAAAAVAAAAYAAAAAAAAAAAAAAADwAAACADAAAAAAAAAAAAAAEAAACgMgAAVgcAAKr4//8BAAAAf39/AAEAAABkAAAAAAAAABQAAABAHwAAAAAAACYAAAAAAAAAwOD//wAAAAAmAAAAZAAAABYAAABMAAAAAAAAAAAAAAAEAAAAAAAAAAEAAADu7OEKAAAAACgAAAAoAAAAZAAAAGQAAAAAAAAAzMzMAAAAAABQAAAAUAAAAGQAAABkAAAAAAAAABcAAAAUAAAAAAAAAAAAAAD/fwAA/38AAAAAAAAJAAAABAAAAAAAAAAMAAAAEAAAAAAAAAAAAAAAAAAAAAAAAAAeAAAAaAAAAAAAAAAAAAAAAAAAAAAAAAAAAAAAECcAABAnAAAAAAAAAAAAAAAAAAAAAAAAAAAAAAAAAAAAAAAAAAAAABQAAAAAAAAAwMD/AAAAAABkAAAAMgAAAAAAAABkAAAAAAAAAH9/fwAKAAAAIgAAABgAAAAAAAAAAAAAAAAAAAAAAAAAAAAAAAAAAAAkAAAAJAAAAAAAAAAHAAAAAAAAAAAAAAAAAAAAAAAAAAAAAAAAAAAAf39/ACUAAABYAAAAAAAAAAAAAAAAAAAAAAAAAAAAAAAAAAAAAAAAAAAAAAAAAAAAAAAAAAAAAAA/AAAAAAAAAKCGAQAAAAAAAAAAAAAAAAAMAAAAAQAAAAAAAAAAAAAAAAAAAB8AAABUAAAAAAAABQAAAAEAAAAAAAAAAAAAAAAAAAAAAAAAAAAAAAAAAAAAAAAAAAAAAAJ/f38AAAAAA8zMzADAwP8Af39/AAAAAAAAAAAAAAAAAAAAAAAAAAAAIQAAABgAAAAUAAAAUCgAABonAABwNQAAWSkAABAAAAAmAAAACAAAAACAAAAAAAAA"/>
               </a:ext>
             </a:extLst>
           </p:cNvSpPr>
@@ -2970,40 +2982,41 @@
           <a:bodyPr/>
           <a:lstStyle>
             <a:lvl1pPr>
-              <a:defRPr lang="en-au"/>
+              <a:defRPr lang="en-AU"/>
             </a:lvl1pPr>
             <a:lvl2pPr>
-              <a:defRPr lang="en-us"/>
+              <a:defRPr lang="en-US"/>
             </a:lvl2pPr>
             <a:lvl3pPr>
-              <a:defRPr lang="en-us"/>
+              <a:defRPr lang="en-US"/>
             </a:lvl3pPr>
             <a:lvl4pPr>
-              <a:defRPr lang="en-us"/>
+              <a:defRPr lang="en-US"/>
             </a:lvl4pPr>
             <a:lvl5pPr>
-              <a:defRPr lang="en-us"/>
+              <a:defRPr lang="en-US"/>
             </a:lvl5pPr>
             <a:lvl6pPr>
-              <a:defRPr lang="en-us"/>
+              <a:defRPr lang="en-US"/>
             </a:lvl6pPr>
             <a:lvl7pPr>
-              <a:defRPr lang="en-us"/>
+              <a:defRPr lang="en-US"/>
             </a:lvl7pPr>
             <a:lvl8pPr>
-              <a:defRPr lang="en-us"/>
+              <a:defRPr lang="en-US"/>
             </a:lvl8pPr>
             <a:lvl9pPr>
-              <a:defRPr lang="en-us"/>
+              <a:defRPr lang="en-US"/>
             </a:lvl9pPr>
           </a:lstStyle>
           <a:p>
             <a:pPr>
-              <a:defRPr lang="en-au"/>
+              <a:defRPr lang="en-AU"/>
             </a:pPr>
             <a:fld id="{3D68A468-26D0-3D52-9ED0-D007EA9E6885}" type="slidenum">
               <a:t>‹#›</a:t>
             </a:fld>
+            <a:endParaRPr/>
           </a:p>
         </p:txBody>
       </p:sp>
@@ -3016,7 +3029,7 @@
 </file>
 
 <file path=ppt/slideLayouts/slideLayout7.xml><?xml version="1.0" encoding="utf-8"?>
-<p:sldLayout xmlns:p="http://schemas.openxmlformats.org/presentationml/2006/main" xmlns:p14="http://schemas.microsoft.com/office/powerpoint/2010/main" xmlns:r="http://schemas.openxmlformats.org/officeDocument/2006/relationships" xmlns:a="http://schemas.openxmlformats.org/drawingml/2006/main" type="blank" preserve="1">
+<p:sldLayout xmlns:a="http://schemas.openxmlformats.org/drawingml/2006/main" xmlns:r="http://schemas.openxmlformats.org/officeDocument/2006/relationships" xmlns:p="http://schemas.openxmlformats.org/presentationml/2006/main" type="blank" preserve="1">
   <p:cSld name="Blank">
     <p:spTree>
       <p:nvGrpSpPr>
@@ -3039,7 +3052,7 @@
             <a:spLocks noGrp="1" noChangeArrowheads="1"/>
             <a:extLst>
               <a:ext uri="smNativeData">
-                <pr:smNativeData xmlns:pr="smNativeData" val="SMDATA_16_n4i/WxMAAAAlAAAAZAAAAA0AAAAAkAAAAEgAAACQAAAASAAAAAAAAAABAAAAAAAAAAEAAABQAAAAAAAAAAAA4D8AAAAAAADgPwAAAAAAAOA/AAAAAAAA4D8AAAAAAADgPwAAAAAAAOA/AAAAAAAA4D8AAAAAAADgPwAAAAAAAOA/AAAAAAAA4D8CAAAAjAAAAAAAAAAAAAAAT4G9DP///wgAAAAAAAAAAAAAAAAAAAAAAAAAAAAAAAAAAAAAZAAAAAEAAABAAAAAAAAAAAAAAAAAAAAAAAAAAAAAAAAAAAAAAAAAAAAAAAAAAAAAAAAAAAAAAAAAAAAAAAAAAAAAAAAAAAAAAAAAAAAAAAAAAAAAAAAAAAAAAAAAAAAAFAAAADwAAAAAAAAAAAAAAAAAAAkUAAAAAQAAABQAAAAUAAAAFAAAAAEAAAAAAAAAZAAAAGQAAAAAAAAAZAAAAGQAAAAVAAAAYAAAAAAAAAAAAAAADwAAACADAAAAAAAAAAAAAAEAAACgMgAAVgcAAKr4//8BAAAAf39/AAEAAABkAAAAAAAAABQAAABAHwAAAAAAACYAAAAAAAAAwOD//wAAAAAmAAAAZAAAABYAAABMAAAAAAAAAAAAAAAEAAAAAAAAAAEAAADu7OEKAAAAACgAAAAoAAAAZAAAAGQAAAAAAAAAzMzMAAAAAABQAAAAUAAAAGQAAABkAAAAAAAAABcAAAAUAAAAAAAAAAAAAAD/fwAA/38AAAAAAAAJAAAABAAAAAAAAAAMAAAAEAAAAAAAAAAAAAAAAAAAAAAAAAAeAAAAaAAAAAAAAAAAAAAAAAAAAAAAAAAAAAAAECcAABAnAAAAAAAAAAAAAAAAAAAAAAAAAAAAAAAAAAAAAAAAAAAAABQAAAAAAAAAwMD/AAAAAABkAAAAMgAAAAAAAABkAAAAAAAAAH9/fwAKAAAAIgAAABgAAAAAAAAAAAAAAAAAAAAAAAAAAAAAAAAAAAAkAAAAJAAAAAAAAAAHAAAAAAAAAAAAAAAAAAAAAAAAAAAAAAAAAAAAf39/ACUAAABYAAAAAAAAAAAAAAAAAAAAAAAAAAAAAAAAAAAAAAAAAAAAAAAAAAAAAAAAAAAAAAA/AAAAAAAAAKCGAQAAAAAAAAAAAAAAAAAMAAAAAQAAAAAAAAAAAAAAAAAAAB8AAABUAAAAAAAABQAAAAEAAAAAAAAAAAAAAAAAAAAAAAAAAAAAAAAAAAAAAAAAAAAAAAJ/f38AAAAAA8zMzADAwP8Af39/AAAAAAAAAAAAAAAAAAAAAAAAAAAAIQAAABgAAAAUAAAA0AIAABonAADwDwAAWSkAABAAAAAmAAAACAAAAACAAAAAAAAA"/>
+                <pr:smNativeData xmlns="" xmlns:p14="http://schemas.microsoft.com/office/powerpoint/2010/main" xmlns:pr="smNativeData" val="SMDATA_16_n4i/WxMAAAAlAAAAZAAAAA0AAAAAkAAAAEgAAACQAAAASAAAAAAAAAABAAAAAAAAAAEAAABQAAAAAAAAAAAA4D8AAAAAAADgPwAAAAAAAOA/AAAAAAAA4D8AAAAAAADgPwAAAAAAAOA/AAAAAAAA4D8AAAAAAADgPwAAAAAAAOA/AAAAAAAA4D8CAAAAjAAAAAAAAAAAAAAAT4G9DP///wgAAAAAAAAAAAAAAAAAAAAAAAAAAAAAAAAAAAAAZAAAAAEAAABAAAAAAAAAAAAAAAAAAAAAAAAAAAAAAAAAAAAAAAAAAAAAAAAAAAAAAAAAAAAAAAAAAAAAAAAAAAAAAAAAAAAAAAAAAAAAAAAAAAAAAAAAAAAAAAAAAAAAFAAAADwAAAAAAAAAAAAAAAAAAAkUAAAAAQAAABQAAAAUAAAAFAAAAAEAAAAAAAAAZAAAAGQAAAAAAAAAZAAAAGQAAAAVAAAAYAAAAAAAAAAAAAAADwAAACADAAAAAAAAAAAAAAEAAACgMgAAVgcAAKr4//8BAAAAf39/AAEAAABkAAAAAAAAABQAAABAHwAAAAAAACYAAAAAAAAAwOD//wAAAAAmAAAAZAAAABYAAABMAAAAAAAAAAAAAAAEAAAAAAAAAAEAAADu7OEKAAAAACgAAAAoAAAAZAAAAGQAAAAAAAAAzMzMAAAAAABQAAAAUAAAAGQAAABkAAAAAAAAABcAAAAUAAAAAAAAAAAAAAD/fwAA/38AAAAAAAAJAAAABAAAAAAAAAAMAAAAEAAAAAAAAAAAAAAAAAAAAAAAAAAeAAAAaAAAAAAAAAAAAAAAAAAAAAAAAAAAAAAAECcAABAnAAAAAAAAAAAAAAAAAAAAAAAAAAAAAAAAAAAAAAAAAAAAABQAAAAAAAAAwMD/AAAAAABkAAAAMgAAAAAAAABkAAAAAAAAAH9/fwAKAAAAIgAAABgAAAAAAAAAAAAAAAAAAAAAAAAAAAAAAAAAAAAkAAAAJAAAAAAAAAAHAAAAAAAAAAAAAAAAAAAAAAAAAAAAAAAAAAAAf39/ACUAAABYAAAAAAAAAAAAAAAAAAAAAAAAAAAAAAAAAAAAAAAAAAAAAAAAAAAAAAAAAAAAAAA/AAAAAAAAAKCGAQAAAAAAAAAAAAAAAAAMAAAAAQAAAAAAAAAAAAAAAAAAAB8AAABUAAAAAAAABQAAAAEAAAAAAAAAAAAAAAAAAAAAAAAAAAAAAAAAAAAAAAAAAAAAAAJ/f38AAAAAA8zMzADAwP8Af39/AAAAAAAAAAAAAAAAAAAAAAAAAAAAIQAAABgAAAAUAAAA0AIAABonAADwDwAAWSkAABAAAAAmAAAACAAAAACAAAAAAAAA"/>
               </a:ext>
             </a:extLst>
           </p:cNvSpPr>
@@ -3052,40 +3065,41 @@
           <a:bodyPr/>
           <a:lstStyle>
             <a:lvl1pPr>
-              <a:defRPr lang="en-au"/>
+              <a:defRPr lang="en-AU"/>
             </a:lvl1pPr>
             <a:lvl2pPr>
-              <a:defRPr lang="en-us"/>
+              <a:defRPr lang="en-US"/>
             </a:lvl2pPr>
             <a:lvl3pPr>
-              <a:defRPr lang="en-us"/>
+              <a:defRPr lang="en-US"/>
             </a:lvl3pPr>
             <a:lvl4pPr>
-              <a:defRPr lang="en-us"/>
+              <a:defRPr lang="en-US"/>
             </a:lvl4pPr>
             <a:lvl5pPr>
-              <a:defRPr lang="en-us"/>
+              <a:defRPr lang="en-US"/>
             </a:lvl5pPr>
             <a:lvl6pPr>
-              <a:defRPr lang="en-us"/>
+              <a:defRPr lang="en-US"/>
             </a:lvl6pPr>
             <a:lvl7pPr>
-              <a:defRPr lang="en-us"/>
+              <a:defRPr lang="en-US"/>
             </a:lvl7pPr>
             <a:lvl8pPr>
-              <a:defRPr lang="en-us"/>
+              <a:defRPr lang="en-US"/>
             </a:lvl8pPr>
             <a:lvl9pPr>
-              <a:defRPr lang="en-us"/>
+              <a:defRPr lang="en-US"/>
             </a:lvl9pPr>
           </a:lstStyle>
           <a:p>
             <a:pPr>
-              <a:defRPr lang="en-au"/>
+              <a:defRPr lang="en-AU"/>
             </a:pPr>
             <a:fld id="{3D688631-7FD0-3D70-9ED0-8925C89E68DC}" type="datetime1">
-              <a:t>9/10/2018</a:t>
+              <a:t>10/12/2018</a:t>
             </a:fld>
+            <a:endParaRPr/>
           </a:p>
         </p:txBody>
       </p:sp>
@@ -3096,7 +3110,7 @@
             <a:spLocks noGrp="1" noChangeArrowheads="1"/>
             <a:extLst>
               <a:ext uri="smNativeData">
-                <pr:smNativeData xmlns:pr="smNativeData" val="SMDATA_16_n4i/WxMAAAAlAAAAZAAAAA0AAAAAkAAAAEgAAACQAAAASAAAAAAAAAABAAAAAAAAAAEAAABQAAAAAAAAAAAA4D8AAAAAAADgPwAAAAAAAOA/AAAAAAAA4D8AAAAAAADgPwAAAAAAAOA/AAAAAAAA4D8AAAAAAADgPwAAAAAAAOA/AAAAAAAA4D8CAAAAjAAAAAAAAAAAAAAAT4G9DP///wgAAAAAAAAAAAAAAAAAAAAAAAAAAAAAAAAAAAAAZAAAAAEAAABAAAAAAAAAAAAAAAAAAAAAAAAAAAAAAAAAAAAAAAAAAAAAAAAAAAAAAAAAAAAAAAAAAAAAAAAAAAAAAAAAAAAAAAAAAAAAAAAAAAAAAAAAAAAAAAAAAAAAFAAAADwAAAAAAAAAAAAAAAAAAAkUAAAAAQAAABQAAAAUAAAAFAAAAAEAAAAAAAAAZAAAAGQAAAAAAAAAZAAAAGQAAAAVAAAAYAAAAAAAAAAAAAAADwAAACADAAAAAAAAAAAAAAEAAACgMgAAVgcAAKr4//8BAAAAf39/AAEAAABkAAAAAAAAABQAAABAHwAAAAAAACYAAAAAAAAAwOD//wAAAAAmAAAAZAAAABYAAABMAAAAAAAAAAAAAAAEAAAAAAAAAAEAAADu7OEKAAAAACgAAAAoAAAAZAAAAGQAAAAAAAAAzMzMAAAAAABQAAAAUAAAAGQAAABkAAAAAAAAABcAAAAUAAAAAAAAAAAAAAD/fwAA/38AAAAAAAAJAAAABAAAAAAAAAAMAAAAEAAAAAAAAAAAAAAAAAAAAAAAAAAeAAAAaAAAAAAAAAAAAAAAAAAAAAAAAAAAAAAAECcAABAnAAAAAAAAAAAAAAAAAAAAAAAAAAAAAAAAAAAAAAAAAAAAABQAAAAAAAAAwMD/AAAAAABkAAAAMgAAAAAAAABkAAAAAAAAAH9/fwAKAAAAIgAAABgAAAAAAAAAAAAAAAAAAAAAAAAAAAAAAAAAAAAkAAAAJAAAAAAAAAAHAAAAAAAAAAAAAAAAAAAAAAAAAAAAAAAAAAAAf39/ACUAAABYAAAAAAAAAAAAAAAAAAAAAAAAAAAAAAAAAAAAAAAAAAAAAAAAAAAAAAAAAAAAAAA/AAAAAAAAAKCGAQAAAAAAAAAAAAAAAAAMAAAAAQAAAAAAAAAAAAAAAAAAAB8AAABUAAAAAAAABQAAAAEAAAAAAAAAAAAAAAAAAAAAAAAAAAAAAAAAAAAAAAAAAAAAAAJ/f38AAAAAA8zMzADAwP8Af39/AAAAAAAAAAAAAAAAAAAAAAAAAAAAIQAAABgAAAAUAAAAOBMAABonAAAIJQAAWSkAABAAAAAmAAAACAAAAACAAAAAAAAA"/>
+                <pr:smNativeData xmlns="" xmlns:p14="http://schemas.microsoft.com/office/powerpoint/2010/main" xmlns:pr="smNativeData" val="SMDATA_16_n4i/WxMAAAAlAAAAZAAAAA0AAAAAkAAAAEgAAACQAAAASAAAAAAAAAABAAAAAAAAAAEAAABQAAAAAAAAAAAA4D8AAAAAAADgPwAAAAAAAOA/AAAAAAAA4D8AAAAAAADgPwAAAAAAAOA/AAAAAAAA4D8AAAAAAADgPwAAAAAAAOA/AAAAAAAA4D8CAAAAjAAAAAAAAAAAAAAAT4G9DP///wgAAAAAAAAAAAAAAAAAAAAAAAAAAAAAAAAAAAAAZAAAAAEAAABAAAAAAAAAAAAAAAAAAAAAAAAAAAAAAAAAAAAAAAAAAAAAAAAAAAAAAAAAAAAAAAAAAAAAAAAAAAAAAAAAAAAAAAAAAAAAAAAAAAAAAAAAAAAAAAAAAAAAFAAAADwAAAAAAAAAAAAAAAAAAAkUAAAAAQAAABQAAAAUAAAAFAAAAAEAAAAAAAAAZAAAAGQAAAAAAAAAZAAAAGQAAAAVAAAAYAAAAAAAAAAAAAAADwAAACADAAAAAAAAAAAAAAEAAACgMgAAVgcAAKr4//8BAAAAf39/AAEAAABkAAAAAAAAABQAAABAHwAAAAAAACYAAAAAAAAAwOD//wAAAAAmAAAAZAAAABYAAABMAAAAAAAAAAAAAAAEAAAAAAAAAAEAAADu7OEKAAAAACgAAAAoAAAAZAAAAGQAAAAAAAAAzMzMAAAAAABQAAAAUAAAAGQAAABkAAAAAAAAABcAAAAUAAAAAAAAAAAAAAD/fwAA/38AAAAAAAAJAAAABAAAAAAAAAAMAAAAEAAAAAAAAAAAAAAAAAAAAAAAAAAeAAAAaAAAAAAAAAAAAAAAAAAAAAAAAAAAAAAAECcAABAnAAAAAAAAAAAAAAAAAAAAAAAAAAAAAAAAAAAAAAAAAAAAABQAAAAAAAAAwMD/AAAAAABkAAAAMgAAAAAAAABkAAAAAAAAAH9/fwAKAAAAIgAAABgAAAAAAAAAAAAAAAAAAAAAAAAAAAAAAAAAAAAkAAAAJAAAAAAAAAAHAAAAAAAAAAAAAAAAAAAAAAAAAAAAAAAAAAAAf39/ACUAAABYAAAAAAAAAAAAAAAAAAAAAAAAAAAAAAAAAAAAAAAAAAAAAAAAAAAAAAAAAAAAAAA/AAAAAAAAAKCGAQAAAAAAAAAAAAAAAAAMAAAAAQAAAAAAAAAAAAAAAAAAAB8AAABUAAAAAAAABQAAAAEAAAAAAAAAAAAAAAAAAAAAAAAAAAAAAAAAAAAAAAAAAAAAAAJ/f38AAAAAA8zMzADAwP8Af39/AAAAAAAAAAAAAAAAAAAAAAAAAAAAIQAAABgAAAAUAAAAOBMAABonAAAIJQAAWSkAABAAAAAmAAAACAAAAACAAAAAAAAA"/>
               </a:ext>
             </a:extLst>
           </p:cNvSpPr>
@@ -3109,37 +3123,38 @@
           <a:bodyPr/>
           <a:lstStyle>
             <a:lvl1pPr>
-              <a:defRPr lang="en-au"/>
+              <a:defRPr lang="en-AU"/>
             </a:lvl1pPr>
             <a:lvl2pPr>
-              <a:defRPr lang="en-us"/>
+              <a:defRPr lang="en-US"/>
             </a:lvl2pPr>
             <a:lvl3pPr>
-              <a:defRPr lang="en-us"/>
+              <a:defRPr lang="en-US"/>
             </a:lvl3pPr>
             <a:lvl4pPr>
-              <a:defRPr lang="en-us"/>
+              <a:defRPr lang="en-US"/>
             </a:lvl4pPr>
             <a:lvl5pPr>
-              <a:defRPr lang="en-us"/>
+              <a:defRPr lang="en-US"/>
             </a:lvl5pPr>
             <a:lvl6pPr>
-              <a:defRPr lang="en-us"/>
+              <a:defRPr lang="en-US"/>
             </a:lvl6pPr>
             <a:lvl7pPr>
-              <a:defRPr lang="en-us"/>
+              <a:defRPr lang="en-US"/>
             </a:lvl7pPr>
             <a:lvl8pPr>
-              <a:defRPr lang="en-us"/>
+              <a:defRPr lang="en-US"/>
             </a:lvl8pPr>
             <a:lvl9pPr>
-              <a:defRPr lang="en-us"/>
+              <a:defRPr lang="en-US"/>
             </a:lvl9pPr>
           </a:lstStyle>
           <a:p>
             <a:pPr>
-              <a:defRPr lang="en-au"/>
-            </a:pPr>
+              <a:defRPr lang="en-AU"/>
+            </a:pPr>
+            <a:endParaRPr/>
           </a:p>
         </p:txBody>
       </p:sp>
@@ -3150,7 +3165,7 @@
             <a:spLocks noGrp="1" noChangeArrowheads="1"/>
             <a:extLst>
               <a:ext uri="smNativeData">
-                <pr:smNativeData xmlns:pr="smNativeData" val="SMDATA_16_n4i/WxMAAAAlAAAAZAAAAA0AAAAAkAAAAEgAAACQAAAASAAAAAAAAAABAAAAAAAAAAEAAABQAAAAAAAAAAAA4D8AAAAAAADgPwAAAAAAAOA/AAAAAAAA4D8AAAAAAADgPwAAAAAAAOA/AAAAAAAA4D8AAAAAAADgPwAAAAAAAOA/AAAAAAAA4D8CAAAAjAAAAAAAAAAAAAAAT4G9DP///wgAAAAAAAAAAAAAAAAAAAAAAAAAAAAAAAAAAAAAZAAAAAEAAABAAAAAAAAAAAAAAAAAAAAAAAAAAAAAAAAAAAAAAAAAAAAAAAAAAAAAAAAAAAAAAAAAAAAAAAAAAAAAAAAAAAAAAAAAAAAAAAAAAAAAAAAAAAAAAAAAAAAAFAAAADwAAAAAAAAAAAAAAAAAAAkUAAAAAQAAABQAAAAUAAAAFAAAAAEAAAAAAAAAZAAAAGQAAAAAAAAAZAAAAGQAAAAVAAAAYAAAAAAAAAAAAAAADwAAACADAAAAAAAAAAAAAAEAAACgMgAAVgcAAKr4//8BAAAAf39/AAEAAABkAAAAAAAAABQAAABAHwAAAAAAACYAAAAAAAAAwOD//wAAAAAmAAAAZAAAABYAAABMAAAAAAAAAAAAAAAEAAAAAAAAAAEAAADu7OEKAAAAACgAAAAoAAAAZAAAAGQAAAAAAAAAzMzMAAAAAABQAAAAUAAAAGQAAABkAAAAAAAAABcAAAAUAAAAAAAAAAAAAAD/fwAA/38AAAAAAAAJAAAABAAAAAAAAAAMAAAAEAAAAAAAAAAAAAAAAAAAAAAAAAAeAAAAaAAAAAAAAAAAAAAAAAAAAAAAAAAAAAAAECcAABAnAAAAAAAAAAAAAAAAAAAAAAAAAAAAAAAAAAAAAAAAAAAAABQAAAAAAAAAwMD/AAAAAABkAAAAMgAAAAAAAABkAAAAAAAAAH9/fwAKAAAAIgAAABgAAAAAAAAAAAAAAAAAAAAAAAAAAAAAAAAAAAAkAAAAJAAAAAAAAAAHAAAAAAAAAAAAAAAAAAAAAAAAAAAAAAAAAAAAf39/ACUAAABYAAAAAAAAAAAAAAAAAAAAAAAAAAAAAAAAAAAAAAAAAAAAAAAAAAAAAAAAAAAAAAA/AAAAAAAAAKCGAQAAAAAAAAAAAAAAAAAMAAAAAQAAAAAAAAAAAAAAAAAAAB8AAABUAAAAAAAABQAAAAEAAAAAAAAAAAAAAAAAAAAAAAAAAAAAAAAAAAAAAAAAAAAAAAJ/f38AAAAAA8zMzADAwP8Af39/AAAAAAAAAAAAAAAAAAAAAAAAAAAAIQAAABgAAAAUAAAAUCgAABonAABwNQAAWSkAABAAAAAmAAAACAAAAACAAAAAAAAA"/>
+                <pr:smNativeData xmlns="" xmlns:p14="http://schemas.microsoft.com/office/powerpoint/2010/main" xmlns:pr="smNativeData" val="SMDATA_16_n4i/WxMAAAAlAAAAZAAAAA0AAAAAkAAAAEgAAACQAAAASAAAAAAAAAABAAAAAAAAAAEAAABQAAAAAAAAAAAA4D8AAAAAAADgPwAAAAAAAOA/AAAAAAAA4D8AAAAAAADgPwAAAAAAAOA/AAAAAAAA4D8AAAAAAADgPwAAAAAAAOA/AAAAAAAA4D8CAAAAjAAAAAAAAAAAAAAAT4G9DP///wgAAAAAAAAAAAAAAAAAAAAAAAAAAAAAAAAAAAAAZAAAAAEAAABAAAAAAAAAAAAAAAAAAAAAAAAAAAAAAAAAAAAAAAAAAAAAAAAAAAAAAAAAAAAAAAAAAAAAAAAAAAAAAAAAAAAAAAAAAAAAAAAAAAAAAAAAAAAAAAAAAAAAFAAAADwAAAAAAAAAAAAAAAAAAAkUAAAAAQAAABQAAAAUAAAAFAAAAAEAAAAAAAAAZAAAAGQAAAAAAAAAZAAAAGQAAAAVAAAAYAAAAAAAAAAAAAAADwAAACADAAAAAAAAAAAAAAEAAACgMgAAVgcAAKr4//8BAAAAf39/AAEAAABkAAAAAAAAABQAAABAHwAAAAAAACYAAAAAAAAAwOD//wAAAAAmAAAAZAAAABYAAABMAAAAAAAAAAAAAAAEAAAAAAAAAAEAAADu7OEKAAAAACgAAAAoAAAAZAAAAGQAAAAAAAAAzMzMAAAAAABQAAAAUAAAAGQAAABkAAAAAAAAABcAAAAUAAAAAAAAAAAAAAD/fwAA/38AAAAAAAAJAAAABAAAAAAAAAAMAAAAEAAAAAAAAAAAAAAAAAAAAAAAAAAeAAAAaAAAAAAAAAAAAAAAAAAAAAAAAAAAAAAAECcAABAnAAAAAAAAAAAAAAAAAAAAAAAAAAAAAAAAAAAAAAAAAAAAABQAAAAAAAAAwMD/AAAAAABkAAAAMgAAAAAAAABkAAAAAAAAAH9/fwAKAAAAIgAAABgAAAAAAAAAAAAAAAAAAAAAAAAAAAAAAAAAAAAkAAAAJAAAAAAAAAAHAAAAAAAAAAAAAAAAAAAAAAAAAAAAAAAAAAAAf39/ACUAAABYAAAAAAAAAAAAAAAAAAAAAAAAAAAAAAAAAAAAAAAAAAAAAAAAAAAAAAAAAAAAAAA/AAAAAAAAAKCGAQAAAAAAAAAAAAAAAAAMAAAAAQAAAAAAAAAAAAAAAAAAAB8AAABUAAAAAAAABQAAAAEAAAAAAAAAAAAAAAAAAAAAAAAAAAAAAAAAAAAAAAAAAAAAAAJ/f38AAAAAA8zMzADAwP8Af39/AAAAAAAAAAAAAAAAAAAAAAAAAAAAIQAAABgAAAAUAAAAUCgAABonAABwNQAAWSkAABAAAAAmAAAACAAAAACAAAAAAAAA"/>
               </a:ext>
             </a:extLst>
           </p:cNvSpPr>
@@ -3163,40 +3178,41 @@
           <a:bodyPr/>
           <a:lstStyle>
             <a:lvl1pPr>
-              <a:defRPr lang="en-au"/>
+              <a:defRPr lang="en-AU"/>
             </a:lvl1pPr>
             <a:lvl2pPr>
-              <a:defRPr lang="en-us"/>
+              <a:defRPr lang="en-US"/>
             </a:lvl2pPr>
             <a:lvl3pPr>
-              <a:defRPr lang="en-us"/>
+              <a:defRPr lang="en-US"/>
             </a:lvl3pPr>
             <a:lvl4pPr>
-              <a:defRPr lang="en-us"/>
+              <a:defRPr lang="en-US"/>
             </a:lvl4pPr>
             <a:lvl5pPr>
-              <a:defRPr lang="en-us"/>
+              <a:defRPr lang="en-US"/>
             </a:lvl5pPr>
             <a:lvl6pPr>
-              <a:defRPr lang="en-us"/>
+              <a:defRPr lang="en-US"/>
             </a:lvl6pPr>
             <a:lvl7pPr>
-              <a:defRPr lang="en-us"/>
+              <a:defRPr lang="en-US"/>
             </a:lvl7pPr>
             <a:lvl8pPr>
-              <a:defRPr lang="en-us"/>
+              <a:defRPr lang="en-US"/>
             </a:lvl8pPr>
             <a:lvl9pPr>
-              <a:defRPr lang="en-us"/>
+              <a:defRPr lang="en-US"/>
             </a:lvl9pPr>
           </a:lstStyle>
           <a:p>
             <a:pPr>
-              <a:defRPr lang="en-au"/>
+              <a:defRPr lang="en-AU"/>
             </a:pPr>
             <a:fld id="{3D68F506-48D0-3D03-9ED0-BE56BB9E68EB}" type="slidenum">
               <a:t>‹#›</a:t>
             </a:fld>
+            <a:endParaRPr/>
           </a:p>
         </p:txBody>
       </p:sp>
@@ -3209,7 +3225,7 @@
 </file>
 
 <file path=ppt/slideLayouts/slideLayout8.xml><?xml version="1.0" encoding="utf-8"?>
-<p:sldLayout xmlns:p="http://schemas.openxmlformats.org/presentationml/2006/main" xmlns:p14="http://schemas.microsoft.com/office/powerpoint/2010/main" xmlns:r="http://schemas.openxmlformats.org/officeDocument/2006/relationships" xmlns:a="http://schemas.openxmlformats.org/drawingml/2006/main" type="objTx" preserve="1">
+<p:sldLayout xmlns:a="http://schemas.openxmlformats.org/drawingml/2006/main" xmlns:r="http://schemas.openxmlformats.org/officeDocument/2006/relationships" xmlns:p="http://schemas.openxmlformats.org/presentationml/2006/main" type="objTx" preserve="1">
   <p:cSld name="Content with Caption">
     <p:spTree>
       <p:nvGrpSpPr>
@@ -3232,7 +3248,7 @@
             <a:spLocks noGrp="1" noChangeArrowheads="1"/>
             <a:extLst>
               <a:ext uri="smNativeData">
-                <pr:smNativeData xmlns:pr="smNativeData" val="SMDATA_16_n4i/WxMAAAAlAAAAZAAAAA0AAAAAkAAAAEgAAACQAAAASAAAAAAAAAACAAAAAAAAAAEAAABQAAAAAAAAAAAA4D8AAAAAAADgPwAAAAAAAOA/AAAAAAAA4D8AAAAAAADgPwAAAAAAAOA/AAAAAAAA4D8AAAAAAADgPwAAAAAAAOA/AAAAAAAA4D8CAAAAjAAAAAAAAAAAAAAAT4G9DP///wgAAAAAAAAAAAAAAAAAAAAAAAAAAAAAAAAAAAAAZAAAAAEAAABAAAAAAAAAAAAAAAAAAAAAAAAAAAAAAAAAAAAAAAAAAAAAAAAAAAAAAAAAAAAAAAAAAAAAAAAAAAAAAAAAAAAAAAAAAAAAAAAAAAAAAAAAAAAAAAAAAAAAFAAAADwAAAAAAAAAAAAAAAAAAAkUAAAAAQAAABQAAAAUAAAAFAAAAAEAAAAAAAAAZAAAAGQAAAAAAAAAZAAAAGQAAAAVAAAAYAAAAAAAAAAAAAAADwAAACADAAAAAAAAAAAAAAEAAACgMgAAVgcAAKr4//8BAAAAf39/AAEAAABkAAAAAAAAABQAAABAHwAAAAAAACYAAAAAAAAAwOD//wAAAAAmAAAAZAAAABYAAABMAAAAAAAAAAAAAAAEAAAAAAAAAAEAAADu7OEKAAAAACgAAAAoAAAAZAAAAGQAAAAAAAAAzMzMAAAAAABQAAAAUAAAAGQAAABkAAAAAAAAABcAAAAUAAAAAAAAAAAAAAD/fwAA/38AAAAAAAAJAAAABAAAAAAAAAAMAAAAEAAAAAAAAAAAAAAAAAAAAAAAAAAeAAAAaAAAAAAAAAAAAAAAAAAAAAAAAAAAAAAAECcAABAnAAAAAAAAAAAAAAAAAAAAAAAAAAAAAAAAAAAAAAAAAAAAABQAAAAAAAAAwMD/AAAAAABkAAAAMgAAAAAAAABkAAAAAAAAAH9/fwAKAAAAIgAAABgAAAAAAAAAAAAAAAAAAAAAAAAAAAAAAAAAAAAkAAAAJAAAAAAAAAAHAAAAAAAAAAAAAAAAAAAAAAAAAAAAAAAAAAAAf39/ACUAAABYAAAAAAAAAAAAAAAAAAAAAAAAAAAAAAAAAAAAAAAAAAAAAAAAAAAAAAAAAAAAAAA/AAAAAAAAAKCGAQAAAAAAAAAAAAAAAAAMAAAAAQAAAAAAAAAAAAAAAAAAAB8AAABUAAAAAAAABQAAAAEAAAAAAAAAAAAAAAAAAAAAAAAAAAAAAAAAAAAAAAAAAAAAAAJ/f38AAAAAA8zMzADAwP8Af39/AAAAAAAAAAAAAAAAAAAAAAAAAAAAIQAAABgAAAAUAAAA0AIAAK4BAABSFQAA1AgAABAAAAAmAAAACAAAAIGAAAAAAAAA"/>
+                <pr:smNativeData xmlns="" xmlns:p14="http://schemas.microsoft.com/office/powerpoint/2010/main" xmlns:pr="smNativeData" val="SMDATA_16_n4i/WxMAAAAlAAAAZAAAAA0AAAAAkAAAAEgAAACQAAAASAAAAAAAAAACAAAAAAAAAAEAAABQAAAAAAAAAAAA4D8AAAAAAADgPwAAAAAAAOA/AAAAAAAA4D8AAAAAAADgPwAAAAAAAOA/AAAAAAAA4D8AAAAAAADgPwAAAAAAAOA/AAAAAAAA4D8CAAAAjAAAAAAAAAAAAAAAT4G9DP///wgAAAAAAAAAAAAAAAAAAAAAAAAAAAAAAAAAAAAAZAAAAAEAAABAAAAAAAAAAAAAAAAAAAAAAAAAAAAAAAAAAAAAAAAAAAAAAAAAAAAAAAAAAAAAAAAAAAAAAAAAAAAAAAAAAAAAAAAAAAAAAAAAAAAAAAAAAAAAAAAAAAAAFAAAADwAAAAAAAAAAAAAAAAAAAkUAAAAAQAAABQAAAAUAAAAFAAAAAEAAAAAAAAAZAAAAGQAAAAAAAAAZAAAAGQAAAAVAAAAYAAAAAAAAAAAAAAADwAAACADAAAAAAAAAAAAAAEAAACgMgAAVgcAAKr4//8BAAAAf39/AAEAAABkAAAAAAAAABQAAABAHwAAAAAAACYAAAAAAAAAwOD//wAAAAAmAAAAZAAAABYAAABMAAAAAAAAAAAAAAAEAAAAAAAAAAEAAADu7OEKAAAAACgAAAAoAAAAZAAAAGQAAAAAAAAAzMzMAAAAAABQAAAAUAAAAGQAAABkAAAAAAAAABcAAAAUAAAAAAAAAAAAAAD/fwAA/38AAAAAAAAJAAAABAAAAAAAAAAMAAAAEAAAAAAAAAAAAAAAAAAAAAAAAAAeAAAAaAAAAAAAAAAAAAAAAAAAAAAAAAAAAAAAECcAABAnAAAAAAAAAAAAAAAAAAAAAAAAAAAAAAAAAAAAAAAAAAAAABQAAAAAAAAAwMD/AAAAAABkAAAAMgAAAAAAAABkAAAAAAAAAH9/fwAKAAAAIgAAABgAAAAAAAAAAAAAAAAAAAAAAAAAAAAAAAAAAAAkAAAAJAAAAAAAAAAHAAAAAAAAAAAAAAAAAAAAAAAAAAAAAAAAAAAAf39/ACUAAABYAAAAAAAAAAAAAAAAAAAAAAAAAAAAAAAAAAAAAAAAAAAAAAAAAAAAAAAAAAAAAAA/AAAAAAAAAKCGAQAAAAAAAAAAAAAAAAAMAAAAAQAAAAAAAAAAAAAAAAAAAB8AAABUAAAAAAAABQAAAAEAAAAAAAAAAAAAAAAAAAAAAAAAAAAAAAAAAAAAAAAAAAAAAAJ/f38AAAAAA8zMzADAwP8Af39/AAAAAAAAAAAAAAAAAAAAAAAAAAAAIQAAABgAAAAUAAAA0AIAAK4BAABSFQAA1AgAABAAAAAmAAAACAAAAIGAAAAAAAAA"/>
               </a:ext>
             </a:extLst>
           </p:cNvSpPr>
@@ -3254,41 +3270,41 @@
           </a:bodyPr>
           <a:lstStyle>
             <a:lvl1pPr algn="l">
-              <a:defRPr lang="en-us" sz="2000" b="1"/>
+              <a:defRPr lang="en-US" sz="2000" b="1"/>
             </a:lvl1pPr>
             <a:lvl2pPr>
-              <a:defRPr lang="en-us"/>
+              <a:defRPr lang="en-US"/>
             </a:lvl2pPr>
             <a:lvl3pPr>
-              <a:defRPr lang="en-us"/>
+              <a:defRPr lang="en-US"/>
             </a:lvl3pPr>
             <a:lvl4pPr>
-              <a:defRPr lang="en-us"/>
+              <a:defRPr lang="en-US"/>
             </a:lvl4pPr>
             <a:lvl5pPr>
-              <a:defRPr lang="en-us"/>
+              <a:defRPr lang="en-US"/>
             </a:lvl5pPr>
             <a:lvl6pPr>
-              <a:defRPr lang="en-us"/>
+              <a:defRPr lang="en-US"/>
             </a:lvl6pPr>
             <a:lvl7pPr>
-              <a:defRPr lang="en-us"/>
+              <a:defRPr lang="en-US"/>
             </a:lvl7pPr>
             <a:lvl8pPr>
-              <a:defRPr lang="en-us"/>
+              <a:defRPr lang="en-US"/>
             </a:lvl8pPr>
             <a:lvl9pPr>
-              <a:defRPr lang="en-us"/>
+              <a:defRPr lang="en-US"/>
             </a:lvl9pPr>
           </a:lstStyle>
           <a:p>
             <a:pPr>
-              <a:defRPr lang="en-us"/>
+              <a:defRPr lang="en-US"/>
             </a:pPr>
             <a:r>
               <a:t>Click to edit Master title style</a:t>
             </a:r>
-            <a:endParaRPr lang="en-au"/>
+            <a:endParaRPr lang="en-AU"/>
           </a:p>
         </p:txBody>
       </p:sp>
@@ -3299,7 +3315,7 @@
             <a:spLocks noGrp="1" noChangeArrowheads="1"/>
             <a:extLst>
               <a:ext uri="smNativeData">
-                <pr:smNativeData xmlns:pr="smNativeData" val="SMDATA_16_n4i/WxMAAAAlAAAAZAAAAA0AAAAAkAAAAEgAAACQAAAASAAAAAAAAAAAAAAAAAAAAAEAAABQAAAAAAAAAAAA4D8AAAAAAADgPwAAAAAAAOA/AAAAAAAA4D8AAAAAAADgPwAAAAAAAOA/AAAAAAAA4D8AAAAAAADgPwAAAAAAAOA/AAAAAAAA4D8CAAAAjAAAAAAAAAAAAAAAT4G9DP///wgAAAAAAAAAAAAAAAAAAAAAAAAAAAAAAAAAAAAAZAAAAAEAAABAAAAAAAAAAAAAAAAAAAAAAAAAAAAAAAAAAAAAAAAAAAAAAAAAAAAAAAAAAAAAAAAAAAAAAAAAAAAAAAAAAAAAAAAAAAAAAAAAAAAAAAAAAAAAAAAAAAAAFAAAADwAAAAAAAAAAAAAAAAAAAkUAAAAAQAAABQAAAAUAAAAFAAAAAEAAAAAAAAAZAAAAGQAAAAAAAAAZAAAAGQAAAAVAAAAYAAAAAAAAAAAAAAADwAAACADAAAAAAAAAAAAAAEAAACgMgAAVgcAAKr4//8BAAAAf39/AAEAAABkAAAAAAAAABQAAABAHwAAAAAAACYAAAAAAAAAwOD//wAAAAAmAAAAZAAAABYAAABMAAAAAAAAAAAAAAAEAAAAAAAAAAEAAADu7OEKAAAAACgAAAAoAAAAZAAAAGQAAAAAAAAAzMzMAAAAAABQAAAAUAAAAGQAAABkAAAAAAAAABcAAAAUAAAAAAAAAAAAAAD/fwAA/38AAAAAAAAJAAAABAAAAAAAAAAMAAAAEAAAAAAAAAAAAAAAAAAAAAAAAAAeAAAAaAAAAAAAAAAAAAAAAAAAAAAAAAAAAAAAECcAABAnAAAAAAAAAAAAAAAAAAAAAAAAAAAAAAAAAAAAAAAAAAAAABQAAAAAAAAAwMD/AAAAAABkAAAAMgAAAAAAAABkAAAAAAAAAH9/fwAKAAAAIgAAABgAAAAAAAAAAAAAAAAAAAAAAAAAAAAAAAAAAAAkAAAAJAAAAAAAAAAHAAAAAAAAAAAAAAAAAAAAAAAAAAAAAAAAAAAAf39/ACUAAABYAAAAAAAAAAAAAAAAAAAAAAAAAAAAAAAAAAAAAAAAAAAAAAAAAAAAAAAAAAAAAAA/AAAAAAAAAKCGAQAAAAAAAAAAAAAAAAAMAAAAAQAAAAAAAAAAAAAAAAAAAB8AAABUAAAAAAAABQAAAAEAAAAAAAAAAAAAAAAAAAAAAAAAAAAAAAAAAAAAAAAAAAAAAAJ/f38AAAAAA8zMzADAwP8Af39/AAAAAAAAAAAAAAAAAAAAAAAAAAAAIQAAABgAAAAUAAAA/hUAAK4BAABwNQAAsCUAABAAAAAmAAAACAAAAAGAAAAAAAAA"/>
+                <pr:smNativeData xmlns="" xmlns:p14="http://schemas.microsoft.com/office/powerpoint/2010/main" xmlns:pr="smNativeData" val="SMDATA_16_n4i/WxMAAAAlAAAAZAAAAA0AAAAAkAAAAEgAAACQAAAASAAAAAAAAAAAAAAAAAAAAAEAAABQAAAAAAAAAAAA4D8AAAAAAADgPwAAAAAAAOA/AAAAAAAA4D8AAAAAAADgPwAAAAAAAOA/AAAAAAAA4D8AAAAAAADgPwAAAAAAAOA/AAAAAAAA4D8CAAAAjAAAAAAAAAAAAAAAT4G9DP///wgAAAAAAAAAAAAAAAAAAAAAAAAAAAAAAAAAAAAAZAAAAAEAAABAAAAAAAAAAAAAAAAAAAAAAAAAAAAAAAAAAAAAAAAAAAAAAAAAAAAAAAAAAAAAAAAAAAAAAAAAAAAAAAAAAAAAAAAAAAAAAAAAAAAAAAAAAAAAAAAAAAAAFAAAADwAAAAAAAAAAAAAAAAAAAkUAAAAAQAAABQAAAAUAAAAFAAAAAEAAAAAAAAAZAAAAGQAAAAAAAAAZAAAAGQAAAAVAAAAYAAAAAAAAAAAAAAADwAAACADAAAAAAAAAAAAAAEAAACgMgAAVgcAAKr4//8BAAAAf39/AAEAAABkAAAAAAAAABQAAABAHwAAAAAAACYAAAAAAAAAwOD//wAAAAAmAAAAZAAAABYAAABMAAAAAAAAAAAAAAAEAAAAAAAAAAEAAADu7OEKAAAAACgAAAAoAAAAZAAAAGQAAAAAAAAAzMzMAAAAAABQAAAAUAAAAGQAAABkAAAAAAAAABcAAAAUAAAAAAAAAAAAAAD/fwAA/38AAAAAAAAJAAAABAAAAAAAAAAMAAAAEAAAAAAAAAAAAAAAAAAAAAAAAAAeAAAAaAAAAAAAAAAAAAAAAAAAAAAAAAAAAAAAECcAABAnAAAAAAAAAAAAAAAAAAAAAAAAAAAAAAAAAAAAAAAAAAAAABQAAAAAAAAAwMD/AAAAAABkAAAAMgAAAAAAAABkAAAAAAAAAH9/fwAKAAAAIgAAABgAAAAAAAAAAAAAAAAAAAAAAAAAAAAAAAAAAAAkAAAAJAAAAAAAAAAHAAAAAAAAAAAAAAAAAAAAAAAAAAAAAAAAAAAAf39/ACUAAABYAAAAAAAAAAAAAAAAAAAAAAAAAAAAAAAAAAAAAAAAAAAAAAAAAAAAAAAAAAAAAAA/AAAAAAAAAKCGAQAAAAAAAAAAAAAAAAAMAAAAAQAAAAAAAAAAAAAAAAAAAB8AAABUAAAAAAAABQAAAAEAAAAAAAAAAAAAAAAAAAAAAAAAAAAAAAAAAAAAAAAAAAAAAAJ/f38AAAAAA8zMzADAwP8Af39/AAAAAAAAAAAAAAAAAAAAAAAAAAAAIQAAABgAAAAUAAAA/hUAAK4BAABwNQAAsCUAABAAAAAmAAAACAAAAAGAAAAAAAAA"/>
               </a:ext>
             </a:extLst>
           </p:cNvSpPr>
@@ -3317,36 +3333,36 @@
           <a:bodyPr/>
           <a:lstStyle>
             <a:lvl1pPr>
-              <a:defRPr lang="en-us" sz="3200"/>
+              <a:defRPr lang="en-US" sz="3200"/>
             </a:lvl1pPr>
             <a:lvl2pPr>
-              <a:defRPr lang="en-us" sz="2800"/>
+              <a:defRPr lang="en-US" sz="2800"/>
             </a:lvl2pPr>
             <a:lvl3pPr>
-              <a:defRPr lang="en-us" sz="2400"/>
+              <a:defRPr lang="en-US" sz="2400"/>
             </a:lvl3pPr>
             <a:lvl4pPr>
-              <a:defRPr lang="en-us" sz="2000"/>
+              <a:defRPr lang="en-US" sz="2000"/>
             </a:lvl4pPr>
             <a:lvl5pPr>
-              <a:defRPr lang="en-us" sz="2000"/>
+              <a:defRPr lang="en-US" sz="2000"/>
             </a:lvl5pPr>
             <a:lvl6pPr>
-              <a:defRPr lang="en-us" sz="2000"/>
+              <a:defRPr lang="en-US" sz="2000"/>
             </a:lvl6pPr>
             <a:lvl7pPr>
-              <a:defRPr lang="en-us" sz="2000"/>
+              <a:defRPr lang="en-US" sz="2000"/>
             </a:lvl7pPr>
             <a:lvl8pPr>
-              <a:defRPr lang="en-us" sz="2000"/>
+              <a:defRPr lang="en-US" sz="2000"/>
             </a:lvl8pPr>
             <a:lvl9pPr>
-              <a:defRPr lang="en-us" sz="2000"/>
+              <a:defRPr lang="en-US" sz="2000"/>
             </a:lvl9pPr>
           </a:lstStyle>
           <a:p>
             <a:pPr>
-              <a:defRPr lang="en-us"/>
+              <a:defRPr lang="en-US"/>
             </a:pPr>
             <a:r>
               <a:t>Click to edit Master text styles</a:t>
@@ -3354,7 +3370,7 @@
           </a:p>
           <a:p>
             <a:pPr lvl="1">
-              <a:defRPr lang="en-us"/>
+              <a:defRPr lang="en-US"/>
             </a:pPr>
             <a:r>
               <a:t>Second level</a:t>
@@ -3362,7 +3378,7 @@
           </a:p>
           <a:p>
             <a:pPr lvl="2">
-              <a:defRPr lang="en-us"/>
+              <a:defRPr lang="en-US"/>
             </a:pPr>
             <a:r>
               <a:t>Third level</a:t>
@@ -3370,7 +3386,7 @@
           </a:p>
           <a:p>
             <a:pPr lvl="3">
-              <a:defRPr lang="en-us"/>
+              <a:defRPr lang="en-US"/>
             </a:pPr>
             <a:r>
               <a:t>Fourth level</a:t>
@@ -3378,12 +3394,12 @@
           </a:p>
           <a:p>
             <a:pPr lvl="4">
-              <a:defRPr lang="en-us"/>
+              <a:defRPr lang="en-US"/>
             </a:pPr>
             <a:r>
               <a:t>Fifth level</a:t>
             </a:r>
-            <a:endParaRPr lang="en-au"/>
+            <a:endParaRPr lang="en-AU"/>
           </a:p>
         </p:txBody>
       </p:sp>
@@ -3394,7 +3410,7 @@
             <a:spLocks noGrp="1" noChangeArrowheads="1"/>
             <a:extLst>
               <a:ext uri="smNativeData">
-                <pr:smNativeData xmlns:pr="smNativeData" val="SMDATA_16_n4i/WxMAAAAlAAAAZAAAAA0AAAAAkAAAAEgAAACQAAAASAAAAAAAAAAAAAAAAAAAAAEAAABQAAAAAAAAAAAA4D8AAAAAAADgPwAAAAAAAOA/AAAAAAAA4D8AAAAAAADgPwAAAAAAAOA/AAAAAAAA4D8AAAAAAADgPwAAAAAAAOA/AAAAAAAA4D8CAAAAjAAAAAAAAAAAAAAAT4G9DP///wgAAAAAAAAAAAAAAAAAAAAAAAAAAAAAAAAAAAAAZAAAAAEAAABAAAAAAAAAAAAAAAAAAAAAAAAAAAAAAAAAAAAAAAAAAAAAAAAAAAAAAAAAAAAAAAAAAAAAAAAAAAAAAAAAAAAAAAAAAAAAAAAAAAAAAAAAAAAAAAAAAAAAFAAAADwAAAAAAAAAAAAAAAAAAAkUAAAAAQAAABQAAAAUAAAAFAAAAAEAAAAAAAAAZAAAAGQAAAAAAAAAZAAAAGQAAAAVAAAAYAAAAAAAAAAAAAAADwAAACADAAAAAAAAAAAAAAEAAACgMgAAVgcAAKr4//8BAAAAf39/AAEAAABkAAAAAAAAABQAAABAHwAAAAAAACYAAAAAAAAAwOD//wAAAAAmAAAAZAAAABYAAABMAAAAAAAAAAAAAAAEAAAAAAAAAAEAAADu7OEKAAAAACgAAAAoAAAAZAAAAGQAAAAAAAAAzMzMAAAAAABQAAAAUAAAAGQAAABkAAAAAAAAABcAAAAUAAAAAAAAAAAAAAD/fwAA/38AAAAAAAAJAAAABAAAAAAAAAAMAAAAEAAAAAAAAAAAAAAAAAAAAAAAAAAeAAAAaAAAAAAAAAAAAAAAAAAAAAAAAAAAAAAAECcAABAnAAAAAAAAAAAAAAAAAAAAAAAAAAAAAAAAAAAAAAAAAAAAABQAAAAAAAAAwMD/AAAAAABkAAAAMgAAAAAAAABkAAAAAAAAAH9/fwAKAAAAIgAAABgAAAAAAAAAAAAAAAAAAAAAAAAAAAAAAAAAAAAkAAAAJAAAAAAAAAAHAAAAAAAAAAAAAAAAAAAAAAAAAAAAAAAAAAAAf39/ACUAAABYAAAAAAAAAAAAAAAAAAAAAAAAAAAAAAAAAAAAAAAAAAAAAAAAAAAAAAAAAAAAAAA/AAAAAAAAAKCGAQAAAAAAAAAAAAAAAAAMAAAAAQAAAAAAAAAAAAAAAAAAAB8AAABUAAAAAAAABQAAAAEAAAAAAAAAAAAAAAAAAAAAAAAAAAAAAAAAAAAAAAAAAAAAAAJ/f38AAAAAA8zMzADAwP8Af39/AAAAAAAAAAAAAAAAAAAAAAAAAAAAIQAAABgAAAAUAAAA0AIAANQIAABSFQAAsCUAABAAAAAmAAAACAAAAAGAAAAAAAAA"/>
+                <pr:smNativeData xmlns="" xmlns:p14="http://schemas.microsoft.com/office/powerpoint/2010/main" xmlns:pr="smNativeData" val="SMDATA_16_n4i/WxMAAAAlAAAAZAAAAA0AAAAAkAAAAEgAAACQAAAASAAAAAAAAAAAAAAAAAAAAAEAAABQAAAAAAAAAAAA4D8AAAAAAADgPwAAAAAAAOA/AAAAAAAA4D8AAAAAAADgPwAAAAAAAOA/AAAAAAAA4D8AAAAAAADgPwAAAAAAAOA/AAAAAAAA4D8CAAAAjAAAAAAAAAAAAAAAT4G9DP///wgAAAAAAAAAAAAAAAAAAAAAAAAAAAAAAAAAAAAAZAAAAAEAAABAAAAAAAAAAAAAAAAAAAAAAAAAAAAAAAAAAAAAAAAAAAAAAAAAAAAAAAAAAAAAAAAAAAAAAAAAAAAAAAAAAAAAAAAAAAAAAAAAAAAAAAAAAAAAAAAAAAAAFAAAADwAAAAAAAAAAAAAAAAAAAkUAAAAAQAAABQAAAAUAAAAFAAAAAEAAAAAAAAAZAAAAGQAAAAAAAAAZAAAAGQAAAAVAAAAYAAAAAAAAAAAAAAADwAAACADAAAAAAAAAAAAAAEAAACgMgAAVgcAAKr4//8BAAAAf39/AAEAAABkAAAAAAAAABQAAABAHwAAAAAAACYAAAAAAAAAwOD//wAAAAAmAAAAZAAAABYAAABMAAAAAAAAAAAAAAAEAAAAAAAAAAEAAADu7OEKAAAAACgAAAAoAAAAZAAAAGQAAAAAAAAAzMzMAAAAAABQAAAAUAAAAGQAAABkAAAAAAAAABcAAAAUAAAAAAAAAAAAAAD/fwAA/38AAAAAAAAJAAAABAAAAAAAAAAMAAAAEAAAAAAAAAAAAAAAAAAAAAAAAAAeAAAAaAAAAAAAAAAAAAAAAAAAAAAAAAAAAAAAECcAABAnAAAAAAAAAAAAAAAAAAAAAAAAAAAAAAAAAAAAAAAAAAAAABQAAAAAAAAAwMD/AAAAAABkAAAAMgAAAAAAAABkAAAAAAAAAH9/fwAKAAAAIgAAABgAAAAAAAAAAAAAAAAAAAAAAAAAAAAAAAAAAAAkAAAAJAAAAAAAAAAHAAAAAAAAAAAAAAAAAAAAAAAAAAAAAAAAAAAAf39/ACUAAABYAAAAAAAAAAAAAAAAAAAAAAAAAAAAAAAAAAAAAAAAAAAAAAAAAAAAAAAAAAAAAAA/AAAAAAAAAKCGAQAAAAAAAAAAAAAAAAAMAAAAAQAAAAAAAAAAAAAAAAAAAB8AAABUAAAAAAAABQAAAAEAAAAAAAAAAAAAAAAAAAAAAAAAAAAAAAAAAAAAAAAAAAAAAAJ/f38AAAAAA8zMzADAwP8Af39/AAAAAAAAAAAAAAAAAAAAAAAAAAAAIQAAABgAAAAUAAAA0AIAANQIAABSFQAAsCUAABAAAAAmAAAACAAAAAGAAAAAAAAA"/>
               </a:ext>
             </a:extLst>
           </p:cNvSpPr>
@@ -3413,44 +3429,44 @@
           <a:lstStyle>
             <a:lvl1pPr marL="0" indent="0">
               <a:buNone/>
-              <a:defRPr lang="en-us" sz="1400"/>
+              <a:defRPr lang="en-US" sz="1400"/>
             </a:lvl1pPr>
             <a:lvl2pPr marL="457200" indent="0">
               <a:buNone/>
-              <a:defRPr lang="en-us" sz="1200"/>
+              <a:defRPr lang="en-US" sz="1200"/>
             </a:lvl2pPr>
             <a:lvl3pPr marL="914400" indent="0">
               <a:buNone/>
-              <a:defRPr lang="en-us" sz="1000"/>
+              <a:defRPr lang="en-US" sz="1000"/>
             </a:lvl3pPr>
             <a:lvl4pPr marL="1371600" indent="0">
               <a:buNone/>
-              <a:defRPr lang="en-us" sz="900"/>
+              <a:defRPr lang="en-US" sz="900"/>
             </a:lvl4pPr>
             <a:lvl5pPr marL="1828800" indent="0">
               <a:buNone/>
-              <a:defRPr lang="en-us" sz="900"/>
+              <a:defRPr lang="en-US" sz="900"/>
             </a:lvl5pPr>
             <a:lvl6pPr marL="2286000" indent="0">
               <a:buNone/>
-              <a:defRPr lang="en-us" sz="900"/>
+              <a:defRPr lang="en-US" sz="900"/>
             </a:lvl6pPr>
             <a:lvl7pPr marL="2743200" indent="0">
               <a:buNone/>
-              <a:defRPr lang="en-us" sz="900"/>
+              <a:defRPr lang="en-US" sz="900"/>
             </a:lvl7pPr>
             <a:lvl8pPr marL="3200400" indent="0">
               <a:buNone/>
-              <a:defRPr lang="en-us" sz="900"/>
+              <a:defRPr lang="en-US" sz="900"/>
             </a:lvl8pPr>
             <a:lvl9pPr marL="3657600" indent="0">
               <a:buNone/>
-              <a:defRPr lang="en-us" sz="900"/>
+              <a:defRPr lang="en-US" sz="900"/>
             </a:lvl9pPr>
           </a:lstStyle>
           <a:p>
             <a:pPr>
-              <a:defRPr lang="en-us"/>
+              <a:defRPr lang="en-US"/>
             </a:pPr>
             <a:r>
               <a:t>Click to edit Master text styles</a:t>
@@ -3465,7 +3481,7 @@
             <a:spLocks noGrp="1" noChangeArrowheads="1"/>
             <a:extLst>
               <a:ext uri="smNativeData">
-                <pr:smNativeData xmlns:pr="smNativeData" val="SMDATA_16_n4i/WxMAAAAlAAAAZAAAAA0AAAAAkAAAAEgAAACQAAAASAAAAAAAAAABAAAAAAAAAAEAAABQAAAAAAAAAAAA4D8AAAAAAADgPwAAAAAAAOA/AAAAAAAA4D8AAAAAAADgPwAAAAAAAOA/AAAAAAAA4D8AAAAAAADgPwAAAAAAAOA/AAAAAAAA4D8CAAAAjAAAAAAAAAAAAAAAT4G9DP///wgAAAAAAAAAAAAAAAAAAAAAAAAAAAAAAAAAAAAAZAAAAAEAAABAAAAAAAAAAAAAAAAAAAAAAAAAAAAAAAAAAAAAAAAAAAAAAAAAAAAAAAAAAAAAAAAAAAAAAAAAAAAAAAAAAAAAAAAAAAAAAAAAAAAAAAAAAAAAAAAAAAAAFAAAADwAAAAAAAAAAAAAAAAAAAkUAAAAAQAAABQAAAAUAAAAFAAAAAEAAAAAAAAAZAAAAGQAAAAAAAAAZAAAAGQAAAAVAAAAYAAAAAAAAAAAAAAADwAAACADAAAAAAAAAAAAAAEAAACgMgAAVgcAAKr4//8BAAAAf39/AAEAAABkAAAAAAAAABQAAABAHwAAAAAAACYAAAAAAAAAwOD//wAAAAAmAAAAZAAAABYAAABMAAAAAAAAAAAAAAAEAAAAAAAAAAEAAADu7OEKAAAAACgAAAAoAAAAZAAAAGQAAAAAAAAAzMzMAAAAAABQAAAAUAAAAGQAAABkAAAAAAAAABcAAAAUAAAAAAAAAAAAAAD/fwAA/38AAAAAAAAJAAAABAAAAAAAAAAMAAAAEAAAAAAAAAAAAAAAAAAAAAAAAAAeAAAAaAAAAAAAAAAAAAAAAAAAAAAAAAAAAAAAECcAABAnAAAAAAAAAAAAAAAAAAAAAAAAAAAAAAAAAAAAAAAAAAAAABQAAAAAAAAAwMD/AAAAAABkAAAAMgAAAAAAAABkAAAAAAAAAH9/fwAKAAAAIgAAABgAAAAAAAAAAAAAAAAAAAAAAAAAAAAAAAAAAAAkAAAAJAAAAAAAAAAHAAAAAAAAAAAAAAAAAAAAAAAAAAAAAAAAAAAAf39/ACUAAABYAAAAAAAAAAAAAAAAAAAAAAAAAAAAAAAAAAAAAAAAAAAAAAAAAAAAAAAAAAAAAAA/AAAAAAAAAKCGAQAAAAAAAAAAAAAAAAAMAAAAAQAAAAAAAAAAAAAAAAAAAB8AAABUAAAAAAAABQAAAAEAAAAAAAAAAAAAAAAAAAAAAAAAAAAAAAAAAAAAAAAAAAAAAAJ/f38AAAAAA8zMzADAwP8Af39/AAAAAAAAAAAAAAAAAAAAAAAAAAAAIQAAABgAAAAUAAAA0AIAABonAADwDwAAWSkAABAAAAAmAAAACAAAAACAAAAAAAAA"/>
+                <pr:smNativeData xmlns="" xmlns:p14="http://schemas.microsoft.com/office/powerpoint/2010/main" xmlns:pr="smNativeData" val="SMDATA_16_n4i/WxMAAAAlAAAAZAAAAA0AAAAAkAAAAEgAAACQAAAASAAAAAAAAAABAAAAAAAAAAEAAABQAAAAAAAAAAAA4D8AAAAAAADgPwAAAAAAAOA/AAAAAAAA4D8AAAAAAADgPwAAAAAAAOA/AAAAAAAA4D8AAAAAAADgPwAAAAAAAOA/AAAAAAAA4D8CAAAAjAAAAAAAAAAAAAAAT4G9DP///wgAAAAAAAAAAAAAAAAAAAAAAAAAAAAAAAAAAAAAZAAAAAEAAABAAAAAAAAAAAAAAAAAAAAAAAAAAAAAAAAAAAAAAAAAAAAAAAAAAAAAAAAAAAAAAAAAAAAAAAAAAAAAAAAAAAAAAAAAAAAAAAAAAAAAAAAAAAAAAAAAAAAAFAAAADwAAAAAAAAAAAAAAAAAAAkUAAAAAQAAABQAAAAUAAAAFAAAAAEAAAAAAAAAZAAAAGQAAAAAAAAAZAAAAGQAAAAVAAAAYAAAAAAAAAAAAAAADwAAACADAAAAAAAAAAAAAAEAAACgMgAAVgcAAKr4//8BAAAAf39/AAEAAABkAAAAAAAAABQAAABAHwAAAAAAACYAAAAAAAAAwOD//wAAAAAmAAAAZAAAABYAAABMAAAAAAAAAAAAAAAEAAAAAAAAAAEAAADu7OEKAAAAACgAAAAoAAAAZAAAAGQAAAAAAAAAzMzMAAAAAABQAAAAUAAAAGQAAABkAAAAAAAAABcAAAAUAAAAAAAAAAAAAAD/fwAA/38AAAAAAAAJAAAABAAAAAAAAAAMAAAAEAAAAAAAAAAAAAAAAAAAAAAAAAAeAAAAaAAAAAAAAAAAAAAAAAAAAAAAAAAAAAAAECcAABAnAAAAAAAAAAAAAAAAAAAAAAAAAAAAAAAAAAAAAAAAAAAAABQAAAAAAAAAwMD/AAAAAABkAAAAMgAAAAAAAABkAAAAAAAAAH9/fwAKAAAAIgAAABgAAAAAAAAAAAAAAAAAAAAAAAAAAAAAAAAAAAAkAAAAJAAAAAAAAAAHAAAAAAAAAAAAAAAAAAAAAAAAAAAAAAAAAAAAf39/ACUAAABYAAAAAAAAAAAAAAAAAAAAAAAAAAAAAAAAAAAAAAAAAAAAAAAAAAAAAAAAAAAAAAA/AAAAAAAAAKCGAQAAAAAAAAAAAAAAAAAMAAAAAQAAAAAAAAAAAAAAAAAAAB8AAABUAAAAAAAABQAAAAEAAAAAAAAAAAAAAAAAAAAAAAAAAAAAAAAAAAAAAAAAAAAAAAJ/f38AAAAAA8zMzADAwP8Af39/AAAAAAAAAAAAAAAAAAAAAAAAAAAAIQAAABgAAAAUAAAA0AIAABonAADwDwAAWSkAABAAAAAmAAAACAAAAACAAAAAAAAA"/>
               </a:ext>
             </a:extLst>
           </p:cNvSpPr>
@@ -3478,40 +3494,41 @@
           <a:bodyPr/>
           <a:lstStyle>
             <a:lvl1pPr>
-              <a:defRPr lang="en-au"/>
+              <a:defRPr lang="en-AU"/>
             </a:lvl1pPr>
             <a:lvl2pPr>
-              <a:defRPr lang="en-us"/>
+              <a:defRPr lang="en-US"/>
             </a:lvl2pPr>
             <a:lvl3pPr>
-              <a:defRPr lang="en-us"/>
+              <a:defRPr lang="en-US"/>
             </a:lvl3pPr>
             <a:lvl4pPr>
-              <a:defRPr lang="en-us"/>
+              <a:defRPr lang="en-US"/>
             </a:lvl4pPr>
             <a:lvl5pPr>
-              <a:defRPr lang="en-us"/>
+              <a:defRPr lang="en-US"/>
             </a:lvl5pPr>
             <a:lvl6pPr>
-              <a:defRPr lang="en-us"/>
+              <a:defRPr lang="en-US"/>
             </a:lvl6pPr>
             <a:lvl7pPr>
-              <a:defRPr lang="en-us"/>
+              <a:defRPr lang="en-US"/>
             </a:lvl7pPr>
             <a:lvl8pPr>
-              <a:defRPr lang="en-us"/>
+              <a:defRPr lang="en-US"/>
             </a:lvl8pPr>
             <a:lvl9pPr>
-              <a:defRPr lang="en-us"/>
+              <a:defRPr lang="en-US"/>
             </a:lvl9pPr>
           </a:lstStyle>
           <a:p>
             <a:pPr>
-              <a:defRPr lang="en-au"/>
+              <a:defRPr lang="en-AU"/>
             </a:pPr>
             <a:fld id="{3D689DCA-84D0-3D6B-9ED0-723ED39E6827}" type="datetime1">
-              <a:t>9/10/2018</a:t>
+              <a:t>10/12/2018</a:t>
             </a:fld>
+            <a:endParaRPr/>
           </a:p>
         </p:txBody>
       </p:sp>
@@ -3522,7 +3539,7 @@
             <a:spLocks noGrp="1" noChangeArrowheads="1"/>
             <a:extLst>
               <a:ext uri="smNativeData">
-                <pr:smNativeData xmlns:pr="smNativeData" val="SMDATA_16_n4i/WxMAAAAlAAAAZAAAAA0AAAAAkAAAAEgAAACQAAAASAAAAAAAAAABAAAAAAAAAAEAAABQAAAAAAAAAAAA4D8AAAAAAADgPwAAAAAAAOA/AAAAAAAA4D8AAAAAAADgPwAAAAAAAOA/AAAAAAAA4D8AAAAAAADgPwAAAAAAAOA/AAAAAAAA4D8CAAAAjAAAAAAAAAAAAAAAT4G9DP///wgAAAAAAAAAAAAAAAAAAAAAAAAAAAAAAAAAAAAAZAAAAAEAAABAAAAAAAAAAAAAAAAAAAAAAAAAAAAAAAAAAAAAAAAAAAAAAAAAAAAAAAAAAAAAAAAAAAAAAAAAAAAAAAAAAAAAAAAAAAAAAAAAAAAAAAAAAAAAAAAAAAAAFAAAADwAAAAAAAAAAAAAAAAAAAkUAAAAAQAAABQAAAAUAAAAFAAAAAEAAAAAAAAAZAAAAGQAAAAAAAAAZAAAAGQAAAAVAAAAYAAAAAAAAAAAAAAADwAAACADAAAAAAAAAAAAAAEAAACgMgAAVgcAAKr4//8BAAAAf39/AAEAAABkAAAAAAAAABQAAABAHwAAAAAAACYAAAAAAAAAwOD//wAAAAAmAAAAZAAAABYAAABMAAAAAAAAAAAAAAAEAAAAAAAAAAEAAADu7OEKAAAAACgAAAAoAAAAZAAAAGQAAAAAAAAAzMzMAAAAAABQAAAAUAAAAGQAAABkAAAAAAAAABcAAAAUAAAAAAAAAAAAAAD/fwAA/38AAAAAAAAJAAAABAAAAAAAAAAMAAAAEAAAAAAAAAAAAAAAAAAAAAAAAAAeAAAAaAAAAAAAAAAAAAAAAAAAAAAAAAAAAAAAECcAABAnAAAAAAAAAAAAAAAAAAAAAAAAAAAAAAAAAAAAAAAAAAAAABQAAAAAAAAAwMD/AAAAAABkAAAAMgAAAAAAAABkAAAAAAAAAH9/fwAKAAAAIgAAABgAAAAAAAAAAAAAAAAAAAAAAAAAAAAAAAAAAAAkAAAAJAAAAAAAAAAHAAAAAAAAAAAAAAAAAAAAAAAAAAAAAAAAAAAAf39/ACUAAABYAAAAAAAAAAAAAAAAAAAAAAAAAAAAAAAAAAAAAAAAAAAAAAAAAAAAAAAAAAAAAAA/AAAAAAAAAKCGAQAAAAAAAAAAAAAAAAAMAAAAAQAAAAAAAAAAAAAAAAAAAB8AAABUAAAAAAAABQAAAAEAAAAAAAAAAAAAAAAAAAAAAAAAAAAAAAAAAAAAAAAAAAAAAAJ/f38AAAAAA8zMzADAwP8Af39/AAAAAAAAAAAAAAAAAAAAAAAAAAAAIQAAABgAAAAUAAAAOBMAABonAAAIJQAAWSkAABAAAAAmAAAACAAAAACAAAAAAAAA"/>
+                <pr:smNativeData xmlns="" xmlns:p14="http://schemas.microsoft.com/office/powerpoint/2010/main" xmlns:pr="smNativeData" val="SMDATA_16_n4i/WxMAAAAlAAAAZAAAAA0AAAAAkAAAAEgAAACQAAAASAAAAAAAAAABAAAAAAAAAAEAAABQAAAAAAAAAAAA4D8AAAAAAADgPwAAAAAAAOA/AAAAAAAA4D8AAAAAAADgPwAAAAAAAOA/AAAAAAAA4D8AAAAAAADgPwAAAAAAAOA/AAAAAAAA4D8CAAAAjAAAAAAAAAAAAAAAT4G9DP///wgAAAAAAAAAAAAAAAAAAAAAAAAAAAAAAAAAAAAAZAAAAAEAAABAAAAAAAAAAAAAAAAAAAAAAAAAAAAAAAAAAAAAAAAAAAAAAAAAAAAAAAAAAAAAAAAAAAAAAAAAAAAAAAAAAAAAAAAAAAAAAAAAAAAAAAAAAAAAAAAAAAAAFAAAADwAAAAAAAAAAAAAAAAAAAkUAAAAAQAAABQAAAAUAAAAFAAAAAEAAAAAAAAAZAAAAGQAAAAAAAAAZAAAAGQAAAAVAAAAYAAAAAAAAAAAAAAADwAAACADAAAAAAAAAAAAAAEAAACgMgAAVgcAAKr4//8BAAAAf39/AAEAAABkAAAAAAAAABQAAABAHwAAAAAAACYAAAAAAAAAwOD//wAAAAAmAAAAZAAAABYAAABMAAAAAAAAAAAAAAAEAAAAAAAAAAEAAADu7OEKAAAAACgAAAAoAAAAZAAAAGQAAAAAAAAAzMzMAAAAAABQAAAAUAAAAGQAAABkAAAAAAAAABcAAAAUAAAAAAAAAAAAAAD/fwAA/38AAAAAAAAJAAAABAAAAAAAAAAMAAAAEAAAAAAAAAAAAAAAAAAAAAAAAAAeAAAAaAAAAAAAAAAAAAAAAAAAAAAAAAAAAAAAECcAABAnAAAAAAAAAAAAAAAAAAAAAAAAAAAAAAAAAAAAAAAAAAAAABQAAAAAAAAAwMD/AAAAAABkAAAAMgAAAAAAAABkAAAAAAAAAH9/fwAKAAAAIgAAABgAAAAAAAAAAAAAAAAAAAAAAAAAAAAAAAAAAAAkAAAAJAAAAAAAAAAHAAAAAAAAAAAAAAAAAAAAAAAAAAAAAAAAAAAAf39/ACUAAABYAAAAAAAAAAAAAAAAAAAAAAAAAAAAAAAAAAAAAAAAAAAAAAAAAAAAAAAAAAAAAAA/AAAAAAAAAKCGAQAAAAAAAAAAAAAAAAAMAAAAAQAAAAAAAAAAAAAAAAAAAB8AAABUAAAAAAAABQAAAAEAAAAAAAAAAAAAAAAAAAAAAAAAAAAAAAAAAAAAAAAAAAAAAAJ/f38AAAAAA8zMzADAwP8Af39/AAAAAAAAAAAAAAAAAAAAAAAAAAAAIQAAABgAAAAUAAAAOBMAABonAAAIJQAAWSkAABAAAAAmAAAACAAAAACAAAAAAAAA"/>
               </a:ext>
             </a:extLst>
           </p:cNvSpPr>
@@ -3535,37 +3552,38 @@
           <a:bodyPr/>
           <a:lstStyle>
             <a:lvl1pPr>
-              <a:defRPr lang="en-au"/>
+              <a:defRPr lang="en-AU"/>
             </a:lvl1pPr>
             <a:lvl2pPr>
-              <a:defRPr lang="en-us"/>
+              <a:defRPr lang="en-US"/>
             </a:lvl2pPr>
             <a:lvl3pPr>
-              <a:defRPr lang="en-us"/>
+              <a:defRPr lang="en-US"/>
             </a:lvl3pPr>
             <a:lvl4pPr>
-              <a:defRPr lang="en-us"/>
+              <a:defRPr lang="en-US"/>
             </a:lvl4pPr>
             <a:lvl5pPr>
-              <a:defRPr lang="en-us"/>
+              <a:defRPr lang="en-US"/>
             </a:lvl5pPr>
             <a:lvl6pPr>
-              <a:defRPr lang="en-us"/>
+              <a:defRPr lang="en-US"/>
             </a:lvl6pPr>
             <a:lvl7pPr>
-              <a:defRPr lang="en-us"/>
+              <a:defRPr lang="en-US"/>
             </a:lvl7pPr>
             <a:lvl8pPr>
-              <a:defRPr lang="en-us"/>
+              <a:defRPr lang="en-US"/>
             </a:lvl8pPr>
             <a:lvl9pPr>
-              <a:defRPr lang="en-us"/>
+              <a:defRPr lang="en-US"/>
             </a:lvl9pPr>
           </a:lstStyle>
           <a:p>
             <a:pPr>
-              <a:defRPr lang="en-au"/>
-            </a:pPr>
+              <a:defRPr lang="en-AU"/>
+            </a:pPr>
+            <a:endParaRPr/>
           </a:p>
         </p:txBody>
       </p:sp>
@@ -3576,7 +3594,7 @@
             <a:spLocks noGrp="1" noChangeArrowheads="1"/>
             <a:extLst>
               <a:ext uri="smNativeData">
-                <pr:smNativeData xmlns:pr="smNativeData" val="SMDATA_16_n4i/WxMAAAAlAAAAZAAAAA0AAAAAkAAAAEgAAACQAAAASAAAAAAAAAABAAAAAAAAAAEAAABQAAAAAAAAAAAA4D8AAAAAAADgPwAAAAAAAOA/AAAAAAAA4D8AAAAAAADgPwAAAAAAAOA/AAAAAAAA4D8AAAAAAADgPwAAAAAAAOA/AAAAAAAA4D8CAAAAjAAAAAAAAAAAAAAAT4G9DP///wgAAAAAAAAAAAAAAAAAAAAAAAAAAAAAAAAAAAAAZAAAAAEAAABAAAAAAAAAAAAAAAAAAAAAAAAAAAAAAAAAAAAAAAAAAAAAAAAAAAAAAAAAAAAAAAAAAAAAAAAAAAAAAAAAAAAAAAAAAAAAAAAAAAAAAAAAAAAAAAAAAAAAFAAAADwAAAAAAAAAAAAAAAAAAAkUAAAAAQAAABQAAAAUAAAAFAAAAAEAAAAAAAAAZAAAAGQAAAAAAAAAZAAAAGQAAAAVAAAAYAAAAAAAAAAAAAAADwAAACADAAAAAAAAAAAAAAEAAACgMgAAVgcAAKr4//8BAAAAf39/AAEAAABkAAAAAAAAABQAAABAHwAAAAAAACYAAAAAAAAAwOD//wAAAAAmAAAAZAAAABYAAABMAAAAAAAAAAAAAAAEAAAAAAAAAAEAAADu7OEKAAAAACgAAAAoAAAAZAAAAGQAAAAAAAAAzMzMAAAAAABQAAAAUAAAAGQAAABkAAAAAAAAABcAAAAUAAAAAAAAAAAAAAD/fwAA/38AAAAAAAAJAAAABAAAAAAAAAAMAAAAEAAAAAAAAAAAAAAAAAAAAAAAAAAeAAAAaAAAAAAAAAAAAAAAAAAAAAAAAAAAAAAAECcAABAnAAAAAAAAAAAAAAAAAAAAAAAAAAAAAAAAAAAAAAAAAAAAABQAAAAAAAAAwMD/AAAAAABkAAAAMgAAAAAAAABkAAAAAAAAAH9/fwAKAAAAIgAAABgAAAAAAAAAAAAAAAAAAAAAAAAAAAAAAAAAAAAkAAAAJAAAAAAAAAAHAAAAAAAAAAAAAAAAAAAAAAAAAAAAAAAAAAAAf39/ACUAAABYAAAAAAAAAAAAAAAAAAAAAAAAAAAAAAAAAAAAAAAAAAAAAAAAAAAAAAAAAAAAAAA/AAAAAAAAAKCGAQAAAAAAAAAAAAAAAAAMAAAAAQAAAAAAAAAAAAAAAAAAAB8AAABUAAAAAAAABQAAAAEAAAAAAAAAAAAAAAAAAAAAAAAAAAAAAAAAAAAAAAAAAAAAAAJ/f38AAAAAA8zMzADAwP8Af39/AAAAAAAAAAAAAAAAAAAAAAAAAAAAIQAAABgAAAAUAAAAUCgAABonAABwNQAAWSkAABAAAAAmAAAACAAAAACAAAAAAAAA"/>
+                <pr:smNativeData xmlns="" xmlns:p14="http://schemas.microsoft.com/office/powerpoint/2010/main" xmlns:pr="smNativeData" val="SMDATA_16_n4i/WxMAAAAlAAAAZAAAAA0AAAAAkAAAAEgAAACQAAAASAAAAAAAAAABAAAAAAAAAAEAAABQAAAAAAAAAAAA4D8AAAAAAADgPwAAAAAAAOA/AAAAAAAA4D8AAAAAAADgPwAAAAAAAOA/AAAAAAAA4D8AAAAAAADgPwAAAAAAAOA/AAAAAAAA4D8CAAAAjAAAAAAAAAAAAAAAT4G9DP///wgAAAAAAAAAAAAAAAAAAAAAAAAAAAAAAAAAAAAAZAAAAAEAAABAAAAAAAAAAAAAAAAAAAAAAAAAAAAAAAAAAAAAAAAAAAAAAAAAAAAAAAAAAAAAAAAAAAAAAAAAAAAAAAAAAAAAAAAAAAAAAAAAAAAAAAAAAAAAAAAAAAAAFAAAADwAAAAAAAAAAAAAAAAAAAkUAAAAAQAAABQAAAAUAAAAFAAAAAEAAAAAAAAAZAAAAGQAAAAAAAAAZAAAAGQAAAAVAAAAYAAAAAAAAAAAAAAADwAAACADAAAAAAAAAAAAAAEAAACgMgAAVgcAAKr4//8BAAAAf39/AAEAAABkAAAAAAAAABQAAABAHwAAAAAAACYAAAAAAAAAwOD//wAAAAAmAAAAZAAAABYAAABMAAAAAAAAAAAAAAAEAAAAAAAAAAEAAADu7OEKAAAAACgAAAAoAAAAZAAAAGQAAAAAAAAAzMzMAAAAAABQAAAAUAAAAGQAAABkAAAAAAAAABcAAAAUAAAAAAAAAAAAAAD/fwAA/38AAAAAAAAJAAAABAAAAAAAAAAMAAAAEAAAAAAAAAAAAAAAAAAAAAAAAAAeAAAAaAAAAAAAAAAAAAAAAAAAAAAAAAAAAAAAECcAABAnAAAAAAAAAAAAAAAAAAAAAAAAAAAAAAAAAAAAAAAAAAAAABQAAAAAAAAAwMD/AAAAAABkAAAAMgAAAAAAAABkAAAAAAAAAH9/fwAKAAAAIgAAABgAAAAAAAAAAAAAAAAAAAAAAAAAAAAAAAAAAAAkAAAAJAAAAAAAAAAHAAAAAAAAAAAAAAAAAAAAAAAAAAAAAAAAAAAAf39/ACUAAABYAAAAAAAAAAAAAAAAAAAAAAAAAAAAAAAAAAAAAAAAAAAAAAAAAAAAAAAAAAAAAAA/AAAAAAAAAKCGAQAAAAAAAAAAAAAAAAAMAAAAAQAAAAAAAAAAAAAAAAAAAB8AAABUAAAAAAAABQAAAAEAAAAAAAAAAAAAAAAAAAAAAAAAAAAAAAAAAAAAAAAAAAAAAAJ/f38AAAAAA8zMzADAwP8Af39/AAAAAAAAAAAAAAAAAAAAAAAAAAAAIQAAABgAAAAUAAAAUCgAABonAABwNQAAWSkAABAAAAAmAAAACAAAAACAAAAAAAAA"/>
               </a:ext>
             </a:extLst>
           </p:cNvSpPr>
@@ -3589,40 +3607,41 @@
           <a:bodyPr/>
           <a:lstStyle>
             <a:lvl1pPr>
-              <a:defRPr lang="en-au"/>
+              <a:defRPr lang="en-AU"/>
             </a:lvl1pPr>
             <a:lvl2pPr>
-              <a:defRPr lang="en-us"/>
+              <a:defRPr lang="en-US"/>
             </a:lvl2pPr>
             <a:lvl3pPr>
-              <a:defRPr lang="en-us"/>
+              <a:defRPr lang="en-US"/>
             </a:lvl3pPr>
             <a:lvl4pPr>
-              <a:defRPr lang="en-us"/>
+              <a:defRPr lang="en-US"/>
             </a:lvl4pPr>
             <a:lvl5pPr>
-              <a:defRPr lang="en-us"/>
+              <a:defRPr lang="en-US"/>
             </a:lvl5pPr>
             <a:lvl6pPr>
-              <a:defRPr lang="en-us"/>
+              <a:defRPr lang="en-US"/>
             </a:lvl6pPr>
             <a:lvl7pPr>
-              <a:defRPr lang="en-us"/>
+              <a:defRPr lang="en-US"/>
             </a:lvl7pPr>
             <a:lvl8pPr>
-              <a:defRPr lang="en-us"/>
+              <a:defRPr lang="en-US"/>
             </a:lvl8pPr>
             <a:lvl9pPr>
-              <a:defRPr lang="en-us"/>
+              <a:defRPr lang="en-US"/>
             </a:lvl9pPr>
           </a:lstStyle>
           <a:p>
             <a:pPr>
-              <a:defRPr lang="en-au"/>
+              <a:defRPr lang="en-AU"/>
             </a:pPr>
             <a:fld id="{3D68ADC7-89D0-3D5B-9ED0-7F0EE39E682A}" type="slidenum">
               <a:t>‹#›</a:t>
             </a:fld>
+            <a:endParaRPr/>
           </a:p>
         </p:txBody>
       </p:sp>
@@ -3635,7 +3654,7 @@
 </file>
 
 <file path=ppt/slideLayouts/slideLayout9.xml><?xml version="1.0" encoding="utf-8"?>
-<p:sldLayout xmlns:p="http://schemas.openxmlformats.org/presentationml/2006/main" xmlns:p14="http://schemas.microsoft.com/office/powerpoint/2010/main" xmlns:r="http://schemas.openxmlformats.org/officeDocument/2006/relationships" xmlns:a="http://schemas.openxmlformats.org/drawingml/2006/main" type="picTx" preserve="1">
+<p:sldLayout xmlns:a="http://schemas.openxmlformats.org/drawingml/2006/main" xmlns:r="http://schemas.openxmlformats.org/officeDocument/2006/relationships" xmlns:p="http://schemas.openxmlformats.org/presentationml/2006/main" type="picTx" preserve="1">
   <p:cSld name="Picture with Caption">
     <p:spTree>
       <p:nvGrpSpPr>
@@ -3658,7 +3677,7 @@
             <a:spLocks noGrp="1" noChangeArrowheads="1"/>
             <a:extLst>
               <a:ext uri="smNativeData">
-                <pr:smNativeData xmlns:pr="smNativeData" val="SMDATA_16_n4i/WxMAAAAlAAAAZAAAAA0AAAAAkAAAAEgAAACQAAAASAAAAAAAAAACAAAAAAAAAAEAAABQAAAAAAAAAAAA4D8AAAAAAADgPwAAAAAAAOA/AAAAAAAA4D8AAAAAAADgPwAAAAAAAOA/AAAAAAAA4D8AAAAAAADgPwAAAAAAAOA/AAAAAAAA4D8CAAAAjAAAAAAAAAAAAAAAT4G9DP///wgAAAAAAAAAAAAAAAAAAAAAAAAAAAAAAAAAAAAAZAAAAAEAAABAAAAAAAAAAAAAAAAAAAAAAAAAAAAAAAAAAAAAAAAAAAAAAAAAAAAAAAAAAAAAAAAAAAAAAAAAAAAAAAAAAAAAAAAAAAAAAAAAAAAAAAAAAAAAAAAAAAAAFAAAADwAAAAAAAAAAAAAAAAAAAkUAAAAAQAAABQAAAAUAAAAFAAAAAEAAAAAAAAAZAAAAGQAAAAAAAAAZAAAAGQAAAAVAAAAYAAAAAAAAAAAAAAADwAAACADAAAAAAAAAAAAAAEAAACgMgAAVgcAAKr4//8BAAAAf39/AAEAAABkAAAAAAAAABQAAABAHwAAAAAAACYAAAAAAAAAwOD//wAAAAAmAAAAZAAAABYAAABMAAAAAAAAAAAAAAAEAAAAAAAAAAEAAADu7OEKAAAAACgAAAAoAAAAZAAAAGQAAAAAAAAAzMzMAAAAAABQAAAAUAAAAGQAAABkAAAAAAAAABcAAAAUAAAAAAAAAAAAAAD/fwAA/38AAAAAAAAJAAAABAAAAAAAAAAMAAAAEAAAAAAAAAAAAAAAAAAAAAAAAAAeAAAAaAAAAAAAAAAAAAAAAAAAAAAAAAAAAAAAECcAABAnAAAAAAAAAAAAAAAAAAAAAAAAAAAAAAAAAAAAAAAAAAAAABQAAAAAAAAAwMD/AAAAAABkAAAAMgAAAAAAAABkAAAAAAAAAH9/fwAKAAAAIgAAABgAAAAAAAAAAAAAAAAAAAAAAAAAAAAAAAAAAAAkAAAAJAAAAAAAAAAHAAAAAAAAAAAAAAAAAAAAAAAAAAAAAAAAAAAAf39/ACUAAABYAAAAAAAAAAAAAAAAAAAAAAAAAAAAAAAAAAAAAAAAAAAAAAAAAAAAAAAAAAAAAAA/AAAAAAAAAKCGAQAAAAAAAAAAAAAAAAAMAAAAAQAAAAAAAAAAAAAAAAAAAB8AAABUAAAAAAAABQAAAAEAAAAAAAAAAAAAAAAAAAAAAAAAAAAAAAAAAAAAAAAAAAAAAAJ/f38AAAAAA8zMzADAwP8Af39/AAAAAAAAAAAAAAAAAAAAAAAAAAAAIQAAABgAAAAUAAAABwsAAIgdAADHLAAABSEAABAAAAAmAAAACAAAAIGAAAAAAAAA"/>
+                <pr:smNativeData xmlns="" xmlns:p14="http://schemas.microsoft.com/office/powerpoint/2010/main" xmlns:pr="smNativeData" val="SMDATA_16_n4i/WxMAAAAlAAAAZAAAAA0AAAAAkAAAAEgAAACQAAAASAAAAAAAAAACAAAAAAAAAAEAAABQAAAAAAAAAAAA4D8AAAAAAADgPwAAAAAAAOA/AAAAAAAA4D8AAAAAAADgPwAAAAAAAOA/AAAAAAAA4D8AAAAAAADgPwAAAAAAAOA/AAAAAAAA4D8CAAAAjAAAAAAAAAAAAAAAT4G9DP///wgAAAAAAAAAAAAAAAAAAAAAAAAAAAAAAAAAAAAAZAAAAAEAAABAAAAAAAAAAAAAAAAAAAAAAAAAAAAAAAAAAAAAAAAAAAAAAAAAAAAAAAAAAAAAAAAAAAAAAAAAAAAAAAAAAAAAAAAAAAAAAAAAAAAAAAAAAAAAAAAAAAAAFAAAADwAAAAAAAAAAAAAAAAAAAkUAAAAAQAAABQAAAAUAAAAFAAAAAEAAAAAAAAAZAAAAGQAAAAAAAAAZAAAAGQAAAAVAAAAYAAAAAAAAAAAAAAADwAAACADAAAAAAAAAAAAAAEAAACgMgAAVgcAAKr4//8BAAAAf39/AAEAAABkAAAAAAAAABQAAABAHwAAAAAAACYAAAAAAAAAwOD//wAAAAAmAAAAZAAAABYAAABMAAAAAAAAAAAAAAAEAAAAAAAAAAEAAADu7OEKAAAAACgAAAAoAAAAZAAAAGQAAAAAAAAAzMzMAAAAAABQAAAAUAAAAGQAAABkAAAAAAAAABcAAAAUAAAAAAAAAAAAAAD/fwAA/38AAAAAAAAJAAAABAAAAAAAAAAMAAAAEAAAAAAAAAAAAAAAAAAAAAAAAAAeAAAAaAAAAAAAAAAAAAAAAAAAAAAAAAAAAAAAECcAABAnAAAAAAAAAAAAAAAAAAAAAAAAAAAAAAAAAAAAAAAAAAAAABQAAAAAAAAAwMD/AAAAAABkAAAAMgAAAAAAAABkAAAAAAAAAH9/fwAKAAAAIgAAABgAAAAAAAAAAAAAAAAAAAAAAAAAAAAAAAAAAAAkAAAAJAAAAAAAAAAHAAAAAAAAAAAAAAAAAAAAAAAAAAAAAAAAAAAAf39/ACUAAABYAAAAAAAAAAAAAAAAAAAAAAAAAAAAAAAAAAAAAAAAAAAAAAAAAAAAAAAAAAAAAAA/AAAAAAAAAKCGAQAAAAAAAAAAAAAAAAAMAAAAAQAAAAAAAAAAAAAAAAAAAB8AAABUAAAAAAAABQAAAAEAAAAAAAAAAAAAAAAAAAAAAAAAAAAAAAAAAAAAAAAAAAAAAAJ/f38AAAAAA8zMzADAwP8Af39/AAAAAAAAAAAAAAAAAAAAAAAAAAAAIQAAABgAAAAUAAAABwsAAIgdAADHLAAABSEAABAAAAAmAAAACAAAAIGAAAAAAAAA"/>
               </a:ext>
             </a:extLst>
           </p:cNvSpPr>
@@ -3680,41 +3699,41 @@
           </a:bodyPr>
           <a:lstStyle>
             <a:lvl1pPr algn="l">
-              <a:defRPr lang="en-us" sz="2000" b="1"/>
+              <a:defRPr lang="en-US" sz="2000" b="1"/>
             </a:lvl1pPr>
             <a:lvl2pPr>
-              <a:defRPr lang="en-us"/>
+              <a:defRPr lang="en-US"/>
             </a:lvl2pPr>
             <a:lvl3pPr>
-              <a:defRPr lang="en-us"/>
+              <a:defRPr lang="en-US"/>
             </a:lvl3pPr>
             <a:lvl4pPr>
-              <a:defRPr lang="en-us"/>
+              <a:defRPr lang="en-US"/>
             </a:lvl4pPr>
             <a:lvl5pPr>
-              <a:defRPr lang="en-us"/>
+              <a:defRPr lang="en-US"/>
             </a:lvl5pPr>
             <a:lvl6pPr>
-              <a:defRPr lang="en-us"/>
+              <a:defRPr lang="en-US"/>
             </a:lvl6pPr>
             <a:lvl7pPr>
-              <a:defRPr lang="en-us"/>
+              <a:defRPr lang="en-US"/>
             </a:lvl7pPr>
             <a:lvl8pPr>
-              <a:defRPr lang="en-us"/>
+              <a:defRPr lang="en-US"/>
             </a:lvl8pPr>
             <a:lvl9pPr>
-              <a:defRPr lang="en-us"/>
+              <a:defRPr lang="en-US"/>
             </a:lvl9pPr>
           </a:lstStyle>
           <a:p>
             <a:pPr>
-              <a:defRPr lang="en-us"/>
+              <a:defRPr lang="en-US"/>
             </a:pPr>
             <a:r>
               <a:t>Click to edit Master title style</a:t>
             </a:r>
-            <a:endParaRPr lang="en-au"/>
+            <a:endParaRPr lang="en-AU"/>
           </a:p>
         </p:txBody>
       </p:sp>
@@ -3725,7 +3744,7 @@
             <a:spLocks noGrp="1" noChangeArrowheads="1"/>
             <a:extLst>
               <a:ext uri="smNativeData">
-                <pr:smNativeData xmlns:pr="smNativeData" val="SMDATA_16_n4i/WxMAAAAlAAAAZAAAAA0AAAAAkAAAAEgAAACQAAAASAAAAAAAAAAAAAAAAAAAAAEAAABQAAAAAAAAAAAA4D8AAAAAAADgPwAAAAAAAOA/AAAAAAAA4D8AAAAAAADgPwAAAAAAAOA/AAAAAAAA4D8AAAAAAADgPwAAAAAAAOA/AAAAAAAA4D8CAAAAjAAAAAAAAAAAAAAAT4G9DP///wgAAAAAAAAAAAAAAAAAAAAAAAAAAAAAAAAAAAAAZAAAAAEAAABAAAAAAAAAAAAAAAAAAAAAAAAAAAAAAAAAAAAAAAAAAAAAAAAAAAAAAAAAAAAAAAAAAAAAAAAAAAAAAAAAAAAAAAAAAAAAAAAAAAAAAAAAAAAAAAAAAAAAFAAAADwAAAAAAAAAAAAAAAAAAAkUAAAAAQAAABQAAAAUAAAAFAAAAAEAAAAAAAAAZAAAAGQAAAAAAAAAZAAAAGQAAAAVAAAAYAAAAAAAAAAAAAAADwAAACADAAAAAAAAAAAAAAEAAACgMgAAVgcAAKr4//8BAAAAf39/AAEAAABkAAAAAAAAABQAAABAHwAAAAAAACYAAAAAAAAAwOD//wAAAAAmAAAAZAAAABYAAABMAAAAAAAAAAAAAAAEAAAAAAAAAAEAAADu7OEKAAAAACgAAAAoAAAAZAAAAGQAAAAAAAAAzMzMAAAAAABQAAAAUAAAAGQAAABkAAAAAAAAABcAAAAUAAAAAAAAAAAAAAD/fwAA/38AAAAAAAAJAAAABAAAAAAAAAAMAAAAEAAAAAAAAAAAAAAAAAAAAAAAAAAeAAAAaAAAAAAAAAAAAAAAAAAAAAAAAAAAAAAAECcAABAnAAAAAAAAAAAAAAAAAAAAAAAAAAAAAAAAAAAAAAAAAAAAABQAAAAAAAAAwMD/AAAAAABkAAAAMgAAAAAAAABkAAAAAAAAAH9/fwAKAAAAIgAAABgAAAAAAAAAAAAAAAAAAAAAAAAAAAAAAAAAAAAkAAAAJAAAAAAAAAAHAAAAAAAAAAAAAAAAAAAAAAAAAAAAAAAAAAAAf39/ACUAAABYAAAAAAAAAAAAAAAAAAAAAAAAAAAAAAAAAAAAAAAAAAAAAAAAAAAAAAAAAAAAAAA/AAAAAAAAAKCGAQAAAAAAAAAAAAAAAAAMAAAAAQAAAAAAAAAAAAAAAAAAAB8AAABUAAAAAAAABQAAAAEAAAAAAAAAAAAAAAAAAAAAAAAAAAAAAAAAAAAAAAAAAAAAAAJ/f38AAAAAA8zMzADAwP8Af39/AAAAAAAAAAAAAAAAAAAAAAAAAAAAIQAAABgAAAAUAAAABwsAAMUDAADHLAAAFR0AABAAAAAmAAAACAAAAAGAAAAAAAAA"/>
+                <pr:smNativeData xmlns="" xmlns:p14="http://schemas.microsoft.com/office/powerpoint/2010/main" xmlns:pr="smNativeData" val="SMDATA_16_n4i/WxMAAAAlAAAAZAAAAA0AAAAAkAAAAEgAAACQAAAASAAAAAAAAAAAAAAAAAAAAAEAAABQAAAAAAAAAAAA4D8AAAAAAADgPwAAAAAAAOA/AAAAAAAA4D8AAAAAAADgPwAAAAAAAOA/AAAAAAAA4D8AAAAAAADgPwAAAAAAAOA/AAAAAAAA4D8CAAAAjAAAAAAAAAAAAAAAT4G9DP///wgAAAAAAAAAAAAAAAAAAAAAAAAAAAAAAAAAAAAAZAAAAAEAAABAAAAAAAAAAAAAAAAAAAAAAAAAAAAAAAAAAAAAAAAAAAAAAAAAAAAAAAAAAAAAAAAAAAAAAAAAAAAAAAAAAAAAAAAAAAAAAAAAAAAAAAAAAAAAAAAAAAAAFAAAADwAAAAAAAAAAAAAAAAAAAkUAAAAAQAAABQAAAAUAAAAFAAAAAEAAAAAAAAAZAAAAGQAAAAAAAAAZAAAAGQAAAAVAAAAYAAAAAAAAAAAAAAADwAAACADAAAAAAAAAAAAAAEAAACgMgAAVgcAAKr4//8BAAAAf39/AAEAAABkAAAAAAAAABQAAABAHwAAAAAAACYAAAAAAAAAwOD//wAAAAAmAAAAZAAAABYAAABMAAAAAAAAAAAAAAAEAAAAAAAAAAEAAADu7OEKAAAAACgAAAAoAAAAZAAAAGQAAAAAAAAAzMzMAAAAAABQAAAAUAAAAGQAAABkAAAAAAAAABcAAAAUAAAAAAAAAAAAAAD/fwAA/38AAAAAAAAJAAAABAAAAAAAAAAMAAAAEAAAAAAAAAAAAAAAAAAAAAAAAAAeAAAAaAAAAAAAAAAAAAAAAAAAAAAAAAAAAAAAECcAABAnAAAAAAAAAAAAAAAAAAAAAAAAAAAAAAAAAAAAAAAAAAAAABQAAAAAAAAAwMD/AAAAAABkAAAAMgAAAAAAAABkAAAAAAAAAH9/fwAKAAAAIgAAABgAAAAAAAAAAAAAAAAAAAAAAAAAAAAAAAAAAAAkAAAAJAAAAAAAAAAHAAAAAAAAAAAAAAAAAAAAAAAAAAAAAAAAAAAAf39/ACUAAABYAAAAAAAAAAAAAAAAAAAAAAAAAAAAAAAAAAAAAAAAAAAAAAAAAAAAAAAAAAAAAAA/AAAAAAAAAKCGAQAAAAAAAAAAAAAAAAAMAAAAAQAAAAAAAAAAAAAAAAAAAB8AAABUAAAAAAAABQAAAAEAAAAAAAAAAAAAAAAAAAAAAAAAAAAAAAAAAAAAAAAAAAAAAAJ/f38AAAAAA8zMzADAwP8Af39/AAAAAAAAAAAAAAAAAAAAAAAAAAAAIQAAABgAAAAUAAAABwsAAMUDAADHLAAAFR0AABAAAAAmAAAACAAAAAGAAAAAAAAA"/>
               </a:ext>
             </a:extLst>
           </p:cNvSpPr>
@@ -3744,45 +3763,46 @@
           <a:lstStyle>
             <a:lvl1pPr marL="0" indent="0">
               <a:buNone/>
-              <a:defRPr lang="en-au" sz="3200"/>
+              <a:defRPr lang="en-AU" sz="3200"/>
             </a:lvl1pPr>
             <a:lvl2pPr marL="457200" indent="0">
               <a:buNone/>
-              <a:defRPr lang="en-us" sz="2800"/>
+              <a:defRPr lang="en-US" sz="2800"/>
             </a:lvl2pPr>
             <a:lvl3pPr marL="914400" indent="0">
               <a:buNone/>
-              <a:defRPr lang="en-us" sz="2400"/>
+              <a:defRPr lang="en-US" sz="2400"/>
             </a:lvl3pPr>
             <a:lvl4pPr marL="1371600" indent="0">
               <a:buNone/>
-              <a:defRPr lang="en-us" sz="2000"/>
+              <a:defRPr lang="en-US" sz="2000"/>
             </a:lvl4pPr>
             <a:lvl5pPr marL="1828800" indent="0">
               <a:buNone/>
-              <a:defRPr lang="en-us" sz="2000"/>
+              <a:defRPr lang="en-US" sz="2000"/>
             </a:lvl5pPr>
             <a:lvl6pPr marL="2286000" indent="0">
               <a:buNone/>
-              <a:defRPr lang="en-us" sz="2000"/>
+              <a:defRPr lang="en-US" sz="2000"/>
             </a:lvl6pPr>
             <a:lvl7pPr marL="2743200" indent="0">
               <a:buNone/>
-              <a:defRPr lang="en-us" sz="2000"/>
+              <a:defRPr lang="en-US" sz="2000"/>
             </a:lvl7pPr>
             <a:lvl8pPr marL="3200400" indent="0">
               <a:buNone/>
-              <a:defRPr lang="en-us" sz="2000"/>
+              <a:defRPr lang="en-US" sz="2000"/>
             </a:lvl8pPr>
             <a:lvl9pPr marL="3657600" indent="0">
               <a:buNone/>
-              <a:defRPr lang="en-us" sz="2000"/>
+              <a:defRPr lang="en-US" sz="2000"/>
             </a:lvl9pPr>
           </a:lstStyle>
           <a:p>
             <a:pPr>
-              <a:defRPr lang="en-au"/>
-            </a:pPr>
+              <a:defRPr lang="en-AU"/>
+            </a:pPr>
+            <a:endParaRPr/>
           </a:p>
         </p:txBody>
       </p:sp>
@@ -3793,7 +3813,7 @@
             <a:spLocks noGrp="1" noChangeArrowheads="1"/>
             <a:extLst>
               <a:ext uri="smNativeData">
-                <pr:smNativeData xmlns:pr="smNativeData" val="SMDATA_16_n4i/WxMAAAAlAAAAZAAAAA0AAAAAkAAAAEgAAACQAAAASAAAAAAAAAAAAAAAAAAAAAEAAABQAAAAAAAAAAAA4D8AAAAAAADgPwAAAAAAAOA/AAAAAAAA4D8AAAAAAADgPwAAAAAAAOA/AAAAAAAA4D8AAAAAAADgPwAAAAAAAOA/AAAAAAAA4D8CAAAAjAAAAAAAAAAAAAAAT4G9DP///wgAAAAAAAAAAAAAAAAAAAAAAAAAAAAAAAAAAAAAZAAAAAEAAABAAAAAAAAAAAAAAAAAAAAAAAAAAAAAAAAAAAAAAAAAAAAAAAAAAAAAAAAAAAAAAAAAAAAAAAAAAAAAAAAAAAAAAAAAAAAAAAAAAAAAAAAAAAAAAAAAAAAAFAAAADwAAAAAAAAAAAAAAAAAAAkUAAAAAQAAABQAAAAUAAAAFAAAAAEAAAAAAAAAZAAAAGQAAAAAAAAAZAAAAGQAAAAVAAAAYAAAAAAAAAAAAAAADwAAACADAAAAAAAAAAAAAAEAAACgMgAAVgcAAKr4//8BAAAAf39/AAEAAABkAAAAAAAAABQAAABAHwAAAAAAACYAAAAAAAAAwOD//wAAAAAmAAAAZAAAABYAAABMAAAAAAAAAAAAAAAEAAAAAAAAAAEAAADu7OEKAAAAACgAAAAoAAAAZAAAAGQAAAAAAAAAzMzMAAAAAABQAAAAUAAAAGQAAABkAAAAAAAAABcAAAAUAAAAAAAAAAAAAAD/fwAA/38AAAAAAAAJAAAABAAAAAAAAAAMAAAAEAAAAAAAAAAAAAAAAAAAAAAAAAAeAAAAaAAAAAAAAAAAAAAAAAAAAAAAAAAAAAAAECcAABAnAAAAAAAAAAAAAAAAAAAAAAAAAAAAAAAAAAAAAAAAAAAAABQAAAAAAAAAwMD/AAAAAABkAAAAMgAAAAAAAABkAAAAAAAAAH9/fwAKAAAAIgAAABgAAAAAAAAAAAAAAAAAAAAAAAAAAAAAAAAAAAAkAAAAJAAAAAAAAAAHAAAAAAAAAAAAAAAAAAAAAAAAAAAAAAAAAAAAf39/ACUAAABYAAAAAAAAAAAAAAAAAAAAAAAAAAAAAAAAAAAAAAAAAAAAAAAAAAAAAAAAAAAAAAA/AAAAAAAAAKCGAQAAAAAAAAAAAAAAAAAMAAAAAQAAAAAAAAAAAAAAAAAAAB8AAABUAAAAAAAABQAAAAEAAAAAAAAAAAAAAAAAAAAAAAAAAAAAAAAAAAAAAAAAAAAAAAJ/f38AAAAAA8zMzADAwP8Af39/AAAAAAAAAAAAAAAAAAAAAAAAAAAAIQAAABgAAAAUAAAABwsAAAUhAADHLAAA+CUAABAAAAAmAAAACAAAAAGAAAAAAAAA"/>
+                <pr:smNativeData xmlns="" xmlns:p14="http://schemas.microsoft.com/office/powerpoint/2010/main" xmlns:pr="smNativeData" val="SMDATA_16_n4i/WxMAAAAlAAAAZAAAAA0AAAAAkAAAAEgAAACQAAAASAAAAAAAAAAAAAAAAAAAAAEAAABQAAAAAAAAAAAA4D8AAAAAAADgPwAAAAAAAOA/AAAAAAAA4D8AAAAAAADgPwAAAAAAAOA/AAAAAAAA4D8AAAAAAADgPwAAAAAAAOA/AAAAAAAA4D8CAAAAjAAAAAAAAAAAAAAAT4G9DP///wgAAAAAAAAAAAAAAAAAAAAAAAAAAAAAAAAAAAAAZAAAAAEAAABAAAAAAAAAAAAAAAAAAAAAAAAAAAAAAAAAAAAAAAAAAAAAAAAAAAAAAAAAAAAAAAAAAAAAAAAAAAAAAAAAAAAAAAAAAAAAAAAAAAAAAAAAAAAAAAAAAAAAFAAAADwAAAAAAAAAAAAAAAAAAAkUAAAAAQAAABQAAAAUAAAAFAAAAAEAAAAAAAAAZAAAAGQAAAAAAAAAZAAAAGQAAAAVAAAAYAAAAAAAAAAAAAAADwAAACADAAAAAAAAAAAAAAEAAACgMgAAVgcAAKr4//8BAAAAf39/AAEAAABkAAAAAAAAABQAAABAHwAAAAAAACYAAAAAAAAAwOD//wAAAAAmAAAAZAAAABYAAABMAAAAAAAAAAAAAAAEAAAAAAAAAAEAAADu7OEKAAAAACgAAAAoAAAAZAAAAGQAAAAAAAAAzMzMAAAAAABQAAAAUAAAAGQAAABkAAAAAAAAABcAAAAUAAAAAAAAAAAAAAD/fwAA/38AAAAAAAAJAAAABAAAAAAAAAAMAAAAEAAAAAAAAAAAAAAAAAAAAAAAAAAeAAAAaAAAAAAAAAAAAAAAAAAAAAAAAAAAAAAAECcAABAnAAAAAAAAAAAAAAAAAAAAAAAAAAAAAAAAAAAAAAAAAAAAABQAAAAAAAAAwMD/AAAAAABkAAAAMgAAAAAAAABkAAAAAAAAAH9/fwAKAAAAIgAAABgAAAAAAAAAAAAAAAAAAAAAAAAAAAAAAAAAAAAkAAAAJAAAAAAAAAAHAAAAAAAAAAAAAAAAAAAAAAAAAAAAAAAAAAAAf39/ACUAAABYAAAAAAAAAAAAAAAAAAAAAAAAAAAAAAAAAAAAAAAAAAAAAAAAAAAAAAAAAAAAAAA/AAAAAAAAAKCGAQAAAAAAAAAAAAAAAAAMAAAAAQAAAAAAAAAAAAAAAAAAAB8AAABUAAAAAAAABQAAAAEAAAAAAAAAAAAAAAAAAAAAAAAAAAAAAAAAAAAAAAAAAAAAAAJ/f38AAAAAA8zMzADAwP8Af39/AAAAAAAAAAAAAAAAAAAAAAAAAAAAIQAAABgAAAAUAAAABwsAAAUhAADHLAAA+CUAABAAAAAmAAAACAAAAAGAAAAAAAAA"/>
               </a:ext>
             </a:extLst>
           </p:cNvSpPr>
@@ -3812,44 +3832,44 @@
           <a:lstStyle>
             <a:lvl1pPr marL="0" indent="0">
               <a:buNone/>
-              <a:defRPr lang="en-us" sz="1400"/>
+              <a:defRPr lang="en-US" sz="1400"/>
             </a:lvl1pPr>
             <a:lvl2pPr marL="457200" indent="0">
               <a:buNone/>
-              <a:defRPr lang="en-us" sz="1200"/>
+              <a:defRPr lang="en-US" sz="1200"/>
             </a:lvl2pPr>
             <a:lvl3pPr marL="914400" indent="0">
               <a:buNone/>
-              <a:defRPr lang="en-us" sz="1000"/>
+              <a:defRPr lang="en-US" sz="1000"/>
             </a:lvl3pPr>
             <a:lvl4pPr marL="1371600" indent="0">
               <a:buNone/>
-              <a:defRPr lang="en-us" sz="900"/>
+              <a:defRPr lang="en-US" sz="900"/>
             </a:lvl4pPr>
             <a:lvl5pPr marL="1828800" indent="0">
               <a:buNone/>
-              <a:defRPr lang="en-us" sz="900"/>
+              <a:defRPr lang="en-US" sz="900"/>
             </a:lvl5pPr>
             <a:lvl6pPr marL="2286000" indent="0">
               <a:buNone/>
-              <a:defRPr lang="en-us" sz="900"/>
+              <a:defRPr lang="en-US" sz="900"/>
             </a:lvl6pPr>
             <a:lvl7pPr marL="2743200" indent="0">
               <a:buNone/>
-              <a:defRPr lang="en-us" sz="900"/>
+              <a:defRPr lang="en-US" sz="900"/>
             </a:lvl7pPr>
             <a:lvl8pPr marL="3200400" indent="0">
               <a:buNone/>
-              <a:defRPr lang="en-us" sz="900"/>
+              <a:defRPr lang="en-US" sz="900"/>
             </a:lvl8pPr>
             <a:lvl9pPr marL="3657600" indent="0">
               <a:buNone/>
-              <a:defRPr lang="en-us" sz="900"/>
+              <a:defRPr lang="en-US" sz="900"/>
             </a:lvl9pPr>
           </a:lstStyle>
           <a:p>
             <a:pPr>
-              <a:defRPr lang="en-us"/>
+              <a:defRPr lang="en-US"/>
             </a:pPr>
             <a:r>
               <a:t>Click to edit Master text styles</a:t>
@@ -3864,7 +3884,7 @@
             <a:spLocks noGrp="1" noChangeArrowheads="1"/>
             <a:extLst>
               <a:ext uri="smNativeData">
-                <pr:smNativeData xmlns:pr="smNativeData" val="SMDATA_16_n4i/WxMAAAAlAAAAZAAAAA0AAAAAkAAAAEgAAACQAAAASAAAAAAAAAABAAAAAAAAAAEAAABQAAAAAAAAAAAA4D8AAAAAAADgPwAAAAAAAOA/AAAAAAAA4D8AAAAAAADgPwAAAAAAAOA/AAAAAAAA4D8AAAAAAADgPwAAAAAAAOA/AAAAAAAA4D8CAAAAjAAAAAAAAAAAAAAAT4G9DP///wgAAAAAAAAAAAAAAAAAAAAAAAAAAAAAAAAAAAAAZAAAAAEAAABAAAAAAAAAAAAAAAAAAAAAAAAAAAAAAAAAAAAAAAAAAAAAAAAAAAAAAAAAAAAAAAAAAAAAAAAAAAAAAAAAAAAAAAAAAAAAAAAAAAAAAAAAAAAAAAAAAAAAFAAAADwAAAAAAAAAAAAAAAAAAAkUAAAAAQAAABQAAAAUAAAAFAAAAAEAAAAAAAAAZAAAAGQAAAAAAAAAZAAAAGQAAAAVAAAAYAAAAAAAAAAAAAAADwAAACADAAAAAAAAAAAAAAEAAACgMgAAVgcAAKr4//8BAAAAf39/AAEAAABkAAAAAAAAABQAAABAHwAAAAAAACYAAAAAAAAAwOD//wAAAAAmAAAAZAAAABYAAABMAAAAAAAAAAAAAAAEAAAAAAAAAAEAAADu7OEKAAAAACgAAAAoAAAAZAAAAGQAAAAAAAAAzMzMAAAAAABQAAAAUAAAAGQAAABkAAAAAAAAABcAAAAUAAAAAAAAAAAAAAD/fwAA/38AAAAAAAAJAAAABAAAAAAAAAAMAAAAEAAAAAAAAAAAAAAAAAAAAAAAAAAeAAAAaAAAAAAAAAAAAAAAAAAAAAAAAAAAAAAAECcAABAnAAAAAAAAAAAAAAAAAAAAAAAAAAAAAAAAAAAAAAAAAAAAABQAAAAAAAAAwMD/AAAAAABkAAAAMgAAAAAAAABkAAAAAAAAAH9/fwAKAAAAIgAAABgAAAAAAAAAAAAAAAAAAAAAAAAAAAAAAAAAAAAkAAAAJAAAAAAAAAAHAAAAAAAAAAAAAAAAAAAAAAAAAAAAAAAAAAAAf39/ACUAAABYAAAAAAAAAAAAAAAAAAAAAAAAAAAAAAAAAAAAAAAAAAAAAAAAAAAAAAAAAAAAAAA/AAAAAAAAAKCGAQAAAAAAAAAAAAAAAAAMAAAAAQAAAAAAAAAAAAAAAAAAAB8AAABUAAAAAAAABQAAAAEAAAAAAAAAAAAAAAAAAAAAAAAAAAAAAAAAAAAAAAAAAAAAAAJ/f38AAAAAA8zMzADAwP8Af39/AAAAAAAAAAAAAAAAAAAAAAAAAAAAIQAAABgAAAAUAAAA0AIAABonAADwDwAAWSkAABAAAAAmAAAACAAAAACAAAAAAAAA"/>
+                <pr:smNativeData xmlns="" xmlns:p14="http://schemas.microsoft.com/office/powerpoint/2010/main" xmlns:pr="smNativeData" val="SMDATA_16_n4i/WxMAAAAlAAAAZAAAAA0AAAAAkAAAAEgAAACQAAAASAAAAAAAAAABAAAAAAAAAAEAAABQAAAAAAAAAAAA4D8AAAAAAADgPwAAAAAAAOA/AAAAAAAA4D8AAAAAAADgPwAAAAAAAOA/AAAAAAAA4D8AAAAAAADgPwAAAAAAAOA/AAAAAAAA4D8CAAAAjAAAAAAAAAAAAAAAT4G9DP///wgAAAAAAAAAAAAAAAAAAAAAAAAAAAAAAAAAAAAAZAAAAAEAAABAAAAAAAAAAAAAAAAAAAAAAAAAAAAAAAAAAAAAAAAAAAAAAAAAAAAAAAAAAAAAAAAAAAAAAAAAAAAAAAAAAAAAAAAAAAAAAAAAAAAAAAAAAAAAAAAAAAAAFAAAADwAAAAAAAAAAAAAAAAAAAkUAAAAAQAAABQAAAAUAAAAFAAAAAEAAAAAAAAAZAAAAGQAAAAAAAAAZAAAAGQAAAAVAAAAYAAAAAAAAAAAAAAADwAAACADAAAAAAAAAAAAAAEAAACgMgAAVgcAAKr4//8BAAAAf39/AAEAAABkAAAAAAAAABQAAABAHwAAAAAAACYAAAAAAAAAwOD//wAAAAAmAAAAZAAAABYAAABMAAAAAAAAAAAAAAAEAAAAAAAAAAEAAADu7OEKAAAAACgAAAAoAAAAZAAAAGQAAAAAAAAAzMzMAAAAAABQAAAAUAAAAGQAAABkAAAAAAAAABcAAAAUAAAAAAAAAAAAAAD/fwAA/38AAAAAAAAJAAAABAAAAAAAAAAMAAAAEAAAAAAAAAAAAAAAAAAAAAAAAAAeAAAAaAAAAAAAAAAAAAAAAAAAAAAAAAAAAAAAECcAABAnAAAAAAAAAAAAAAAAAAAAAAAAAAAAAAAAAAAAAAAAAAAAABQAAAAAAAAAwMD/AAAAAABkAAAAMgAAAAAAAABkAAAAAAAAAH9/fwAKAAAAIgAAABgAAAAAAAAAAAAAAAAAAAAAAAAAAAAAAAAAAAAkAAAAJAAAAAAAAAAHAAAAAAAAAAAAAAAAAAAAAAAAAAAAAAAAAAAAf39/ACUAAABYAAAAAAAAAAAAAAAAAAAAAAAAAAAAAAAAAAAAAAAAAAAAAAAAAAAAAAAAAAAAAAA/AAAAAAAAAKCGAQAAAAAAAAAAAAAAAAAMAAAAAQAAAAAAAAAAAAAAAAAAAB8AAABUAAAAAAAABQAAAAEAAAAAAAAAAAAAAAAAAAAAAAAAAAAAAAAAAAAAAAAAAAAAAAJ/f38AAAAAA8zMzADAwP8Af39/AAAAAAAAAAAAAAAAAAAAAAAAAAAAIQAAABgAAAAUAAAA0AIAABonAADwDwAAWSkAABAAAAAmAAAACAAAAACAAAAAAAAA"/>
               </a:ext>
             </a:extLst>
           </p:cNvSpPr>
@@ -3877,40 +3897,41 @@
           <a:bodyPr/>
           <a:lstStyle>
             <a:lvl1pPr>
-              <a:defRPr lang="en-au"/>
+              <a:defRPr lang="en-AU"/>
             </a:lvl1pPr>
             <a:lvl2pPr>
-              <a:defRPr lang="en-us"/>
+              <a:defRPr lang="en-US"/>
             </a:lvl2pPr>
             <a:lvl3pPr>
-              <a:defRPr lang="en-us"/>
+              <a:defRPr lang="en-US"/>
             </a:lvl3pPr>
             <a:lvl4pPr>
-              <a:defRPr lang="en-us"/>
+              <a:defRPr lang="en-US"/>
             </a:lvl4pPr>
             <a:lvl5pPr>
-              <a:defRPr lang="en-us"/>
+              <a:defRPr lang="en-US"/>
             </a:lvl5pPr>
             <a:lvl6pPr>
-              <a:defRPr lang="en-us"/>
+              <a:defRPr lang="en-US"/>
             </a:lvl6pPr>
             <a:lvl7pPr>
-              <a:defRPr lang="en-us"/>
+              <a:defRPr lang="en-US"/>
             </a:lvl7pPr>
             <a:lvl8pPr>
-              <a:defRPr lang="en-us"/>
+              <a:defRPr lang="en-US"/>
             </a:lvl8pPr>
             <a:lvl9pPr>
-              <a:defRPr lang="en-us"/>
+              <a:defRPr lang="en-US"/>
             </a:lvl9pPr>
           </a:lstStyle>
           <a:p>
             <a:pPr>
-              <a:defRPr lang="en-au"/>
+              <a:defRPr lang="en-AU"/>
             </a:pPr>
             <a:fld id="{3D68C0AF-E1D0-3D36-9ED0-17638E9E6842}" type="datetime1">
-              <a:t>9/10/2018</a:t>
+              <a:t>10/12/2018</a:t>
             </a:fld>
+            <a:endParaRPr/>
           </a:p>
         </p:txBody>
       </p:sp>
@@ -3921,7 +3942,7 @@
             <a:spLocks noGrp="1" noChangeArrowheads="1"/>
             <a:extLst>
               <a:ext uri="smNativeData">
-                <pr:smNativeData xmlns:pr="smNativeData" val="SMDATA_16_n4i/WxMAAAAlAAAAZAAAAA0AAAAAkAAAAEgAAACQAAAASAAAAAAAAAABAAAAAAAAAAEAAABQAAAAAAAAAAAA4D8AAAAAAADgPwAAAAAAAOA/AAAAAAAA4D8AAAAAAADgPwAAAAAAAOA/AAAAAAAA4D8AAAAAAADgPwAAAAAAAOA/AAAAAAAA4D8CAAAAjAAAAAAAAAAAAAAAT4G9DP///wgAAAAAAAAAAAAAAAAAAAAAAAAAAAAAAAAAAAAAZAAAAAEAAABAAAAAAAAAAAAAAAAAAAAAAAAAAAAAAAAAAAAAAAAAAAAAAAAAAAAAAAAAAAAAAAAAAAAAAAAAAAAAAAAAAAAAAAAAAAAAAAAAAAAAAAAAAAAAAAAAAAAAFAAAADwAAAAAAAAAAAAAAAAAAAkUAAAAAQAAABQAAAAUAAAAFAAAAAEAAAAAAAAAZAAAAGQAAAAAAAAAZAAAAGQAAAAVAAAAYAAAAAAAAAAAAAAADwAAACADAAAAAAAAAAAAAAEAAACgMgAAVgcAAKr4//8BAAAAf39/AAEAAABkAAAAAAAAABQAAABAHwAAAAAAACYAAAAAAAAAwOD//wAAAAAmAAAAZAAAABYAAABMAAAAAAAAAAAAAAAEAAAAAAAAAAEAAADu7OEKAAAAACgAAAAoAAAAZAAAAGQAAAAAAAAAzMzMAAAAAABQAAAAUAAAAGQAAABkAAAAAAAAABcAAAAUAAAAAAAAAAAAAAD/fwAA/38AAAAAAAAJAAAABAAAAAAAAAAMAAAAEAAAAAAAAAAAAAAAAAAAAAAAAAAeAAAAaAAAAAAAAAAAAAAAAAAAAAAAAAAAAAAAECcAABAnAAAAAAAAAAAAAAAAAAAAAAAAAAAAAAAAAAAAAAAAAAAAABQAAAAAAAAAwMD/AAAAAABkAAAAMgAAAAAAAABkAAAAAAAAAH9/fwAKAAAAIgAAABgAAAAAAAAAAAAAAAAAAAAAAAAAAAAAAAAAAAAkAAAAJAAAAAAAAAAHAAAAAAAAAAAAAAAAAAAAAAAAAAAAAAAAAAAAf39/ACUAAABYAAAAAAAAAAAAAAAAAAAAAAAAAAAAAAAAAAAAAAAAAAAAAAAAAAAAAAAAAAAAAAA/AAAAAAAAAKCGAQAAAAAAAAAAAAAAAAAMAAAAAQAAAAAAAAAAAAAAAAAAAB8AAABUAAAAAAAABQAAAAEAAAAAAAAAAAAAAAAAAAAAAAAAAAAAAAAAAAAAAAAAAAAAAAJ/f38AAAAAA8zMzADAwP8Af39/AAAAAAAAAAAAAAAAAAAAAAAAAAAAIQAAABgAAAAUAAAAOBMAABonAAAIJQAAWSkAABAAAAAmAAAACAAAAACAAAAAAAAA"/>
+                <pr:smNativeData xmlns="" xmlns:p14="http://schemas.microsoft.com/office/powerpoint/2010/main" xmlns:pr="smNativeData" val="SMDATA_16_n4i/WxMAAAAlAAAAZAAAAA0AAAAAkAAAAEgAAACQAAAASAAAAAAAAAABAAAAAAAAAAEAAABQAAAAAAAAAAAA4D8AAAAAAADgPwAAAAAAAOA/AAAAAAAA4D8AAAAAAADgPwAAAAAAAOA/AAAAAAAA4D8AAAAAAADgPwAAAAAAAOA/AAAAAAAA4D8CAAAAjAAAAAAAAAAAAAAAT4G9DP///wgAAAAAAAAAAAAAAAAAAAAAAAAAAAAAAAAAAAAAZAAAAAEAAABAAAAAAAAAAAAAAAAAAAAAAAAAAAAAAAAAAAAAAAAAAAAAAAAAAAAAAAAAAAAAAAAAAAAAAAAAAAAAAAAAAAAAAAAAAAAAAAAAAAAAAAAAAAAAAAAAAAAAFAAAADwAAAAAAAAAAAAAAAAAAAkUAAAAAQAAABQAAAAUAAAAFAAAAAEAAAAAAAAAZAAAAGQAAAAAAAAAZAAAAGQAAAAVAAAAYAAAAAAAAAAAAAAADwAAACADAAAAAAAAAAAAAAEAAACgMgAAVgcAAKr4//8BAAAAf39/AAEAAABkAAAAAAAAABQAAABAHwAAAAAAACYAAAAAAAAAwOD//wAAAAAmAAAAZAAAABYAAABMAAAAAAAAAAAAAAAEAAAAAAAAAAEAAADu7OEKAAAAACgAAAAoAAAAZAAAAGQAAAAAAAAAzMzMAAAAAABQAAAAUAAAAGQAAABkAAAAAAAAABcAAAAUAAAAAAAAAAAAAAD/fwAA/38AAAAAAAAJAAAABAAAAAAAAAAMAAAAEAAAAAAAAAAAAAAAAAAAAAAAAAAeAAAAaAAAAAAAAAAAAAAAAAAAAAAAAAAAAAAAECcAABAnAAAAAAAAAAAAAAAAAAAAAAAAAAAAAAAAAAAAAAAAAAAAABQAAAAAAAAAwMD/AAAAAABkAAAAMgAAAAAAAABkAAAAAAAAAH9/fwAKAAAAIgAAABgAAAAAAAAAAAAAAAAAAAAAAAAAAAAAAAAAAAAkAAAAJAAAAAAAAAAHAAAAAAAAAAAAAAAAAAAAAAAAAAAAAAAAAAAAf39/ACUAAABYAAAAAAAAAAAAAAAAAAAAAAAAAAAAAAAAAAAAAAAAAAAAAAAAAAAAAAAAAAAAAAA/AAAAAAAAAKCGAQAAAAAAAAAAAAAAAAAMAAAAAQAAAAAAAAAAAAAAAAAAAB8AAABUAAAAAAAABQAAAAEAAAAAAAAAAAAAAAAAAAAAAAAAAAAAAAAAAAAAAAAAAAAAAAJ/f38AAAAAA8zMzADAwP8Af39/AAAAAAAAAAAAAAAAAAAAAAAAAAAAIQAAABgAAAAUAAAAOBMAABonAAAIJQAAWSkAABAAAAAmAAAACAAAAACAAAAAAAAA"/>
               </a:ext>
             </a:extLst>
           </p:cNvSpPr>
@@ -3934,37 +3955,38 @@
           <a:bodyPr/>
           <a:lstStyle>
             <a:lvl1pPr>
-              <a:defRPr lang="en-au"/>
+              <a:defRPr lang="en-AU"/>
             </a:lvl1pPr>
             <a:lvl2pPr>
-              <a:defRPr lang="en-us"/>
+              <a:defRPr lang="en-US"/>
             </a:lvl2pPr>
             <a:lvl3pPr>
-              <a:defRPr lang="en-us"/>
+              <a:defRPr lang="en-US"/>
             </a:lvl3pPr>
             <a:lvl4pPr>
-              <a:defRPr lang="en-us"/>
+              <a:defRPr lang="en-US"/>
             </a:lvl4pPr>
             <a:lvl5pPr>
-              <a:defRPr lang="en-us"/>
+              <a:defRPr lang="en-US"/>
             </a:lvl5pPr>
             <a:lvl6pPr>
-              <a:defRPr lang="en-us"/>
+              <a:defRPr lang="en-US"/>
             </a:lvl6pPr>
             <a:lvl7pPr>
-              <a:defRPr lang="en-us"/>
+              <a:defRPr lang="en-US"/>
             </a:lvl7pPr>
             <a:lvl8pPr>
-              <a:defRPr lang="en-us"/>
+              <a:defRPr lang="en-US"/>
             </a:lvl8pPr>
             <a:lvl9pPr>
-              <a:defRPr lang="en-us"/>
+              <a:defRPr lang="en-US"/>
             </a:lvl9pPr>
           </a:lstStyle>
           <a:p>
             <a:pPr>
-              <a:defRPr lang="en-au"/>
-            </a:pPr>
+              <a:defRPr lang="en-AU"/>
+            </a:pPr>
+            <a:endParaRPr/>
           </a:p>
         </p:txBody>
       </p:sp>
@@ -3975,7 +3997,7 @@
             <a:spLocks noGrp="1" noChangeArrowheads="1"/>
             <a:extLst>
               <a:ext uri="smNativeData">
-                <pr:smNativeData xmlns:pr="smNativeData" val="SMDATA_16_n4i/WxMAAAAlAAAAZAAAAA0AAAAAkAAAAEgAAACQAAAASAAAAAAAAAABAAAAAAAAAAEAAABQAAAAAAAAAAAA4D8AAAAAAADgPwAAAAAAAOA/AAAAAAAA4D8AAAAAAADgPwAAAAAAAOA/AAAAAAAA4D8AAAAAAADgPwAAAAAAAOA/AAAAAAAA4D8CAAAAjAAAAAAAAAAAAAAAT4G9DP///wgAAAAAAAAAAAAAAAAAAAAAAAAAAAAAAAAAAAAAZAAAAAEAAABAAAAAAAAAAAAAAAAAAAAAAAAAAAAAAAAAAAAAAAAAAAAAAAAAAAAAAAAAAAAAAAAAAAAAAAAAAAAAAAAAAAAAAAAAAAAAAAAAAAAAAAAAAAAAAAAAAAAAFAAAADwAAAAAAAAAAAAAAAAAAAkUAAAAAQAAABQAAAAUAAAAFAAAAAEAAAAAAAAAZAAAAGQAAAAAAAAAZAAAAGQAAAAVAAAAYAAAAAAAAAAAAAAADwAAACADAAAAAAAAAAAAAAEAAACgMgAAVgcAAKr4//8BAAAAf39/AAEAAABkAAAAAAAAABQAAABAHwAAAAAAACYAAAAAAAAAwOD//wAAAAAmAAAAZAAAABYAAABMAAAAAAAAAAAAAAAEAAAAAAAAAAEAAADu7OEKAAAAACgAAAAoAAAAZAAAAGQAAAAAAAAAzMzMAAAAAABQAAAAUAAAAGQAAABkAAAAAAAAABcAAAAUAAAAAAAAAAAAAAD/fwAA/38AAAAAAAAJAAAABAAAAAAAAAAMAAAAEAAAAAAAAAAAAAAAAAAAAAAAAAAeAAAAaAAAAAAAAAAAAAAAAAAAAAAAAAAAAAAAECcAABAnAAAAAAAAAAAAAAAAAAAAAAAAAAAAAAAAAAAAAAAAAAAAABQAAAAAAAAAwMD/AAAAAABkAAAAMgAAAAAAAABkAAAAAAAAAH9/fwAKAAAAIgAAABgAAAAAAAAAAAAAAAAAAAAAAAAAAAAAAAAAAAAkAAAAJAAAAAAAAAAHAAAAAAAAAAAAAAAAAAAAAAAAAAAAAAAAAAAAf39/ACUAAABYAAAAAAAAAAAAAAAAAAAAAAAAAAAAAAAAAAAAAAAAAAAAAAAAAAAAAAAAAAAAAAA/AAAAAAAAAKCGAQAAAAAAAAAAAAAAAAAMAAAAAQAAAAAAAAAAAAAAAAAAAB8AAABUAAAAAAAABQAAAAEAAAAAAAAAAAAAAAAAAAAAAAAAAAAAAAAAAAAAAAAAAAAAAAJ/f38AAAAAA8zMzADAwP8Af39/AAAAAAAAAAAAAAAAAAAAAAAAAAAAIQAAABgAAAAUAAAAUCgAABonAABwNQAAWSkAABAAAAAmAAAACAAAAACAAAAAAAAA"/>
+                <pr:smNativeData xmlns="" xmlns:p14="http://schemas.microsoft.com/office/powerpoint/2010/main" xmlns:pr="smNativeData" val="SMDATA_16_n4i/WxMAAAAlAAAAZAAAAA0AAAAAkAAAAEgAAACQAAAASAAAAAAAAAABAAAAAAAAAAEAAABQAAAAAAAAAAAA4D8AAAAAAADgPwAAAAAAAOA/AAAAAAAA4D8AAAAAAADgPwAAAAAAAOA/AAAAAAAA4D8AAAAAAADgPwAAAAAAAOA/AAAAAAAA4D8CAAAAjAAAAAAAAAAAAAAAT4G9DP///wgAAAAAAAAAAAAAAAAAAAAAAAAAAAAAAAAAAAAAZAAAAAEAAABAAAAAAAAAAAAAAAAAAAAAAAAAAAAAAAAAAAAAAAAAAAAAAAAAAAAAAAAAAAAAAAAAAAAAAAAAAAAAAAAAAAAAAAAAAAAAAAAAAAAAAAAAAAAAAAAAAAAAFAAAADwAAAAAAAAAAAAAAAAAAAkUAAAAAQAAABQAAAAUAAAAFAAAAAEAAAAAAAAAZAAAAGQAAAAAAAAAZAAAAGQAAAAVAAAAYAAAAAAAAAAAAAAADwAAACADAAAAAAAAAAAAAAEAAACgMgAAVgcAAKr4//8BAAAAf39/AAEAAABkAAAAAAAAABQAAABAHwAAAAAAACYAAAAAAAAAwOD//wAAAAAmAAAAZAAAABYAAABMAAAAAAAAAAAAAAAEAAAAAAAAAAEAAADu7OEKAAAAACgAAAAoAAAAZAAAAGQAAAAAAAAAzMzMAAAAAABQAAAAUAAAAGQAAABkAAAAAAAAABcAAAAUAAAAAAAAAAAAAAD/fwAA/38AAAAAAAAJAAAABAAAAAAAAAAMAAAAEAAAAAAAAAAAAAAAAAAAAAAAAAAeAAAAaAAAAAAAAAAAAAAAAAAAAAAAAAAAAAAAECcAABAnAAAAAAAAAAAAAAAAAAAAAAAAAAAAAAAAAAAAAAAAAAAAABQAAAAAAAAAwMD/AAAAAABkAAAAMgAAAAAAAABkAAAAAAAAAH9/fwAKAAAAIgAAABgAAAAAAAAAAAAAAAAAAAAAAAAAAAAAAAAAAAAkAAAAJAAAAAAAAAAHAAAAAAAAAAAAAAAAAAAAAAAAAAAAAAAAAAAAf39/ACUAAABYAAAAAAAAAAAAAAAAAAAAAAAAAAAAAAAAAAAAAAAAAAAAAAAAAAAAAAAAAAAAAAA/AAAAAAAAAKCGAQAAAAAAAAAAAAAAAAAMAAAAAQAAAAAAAAAAAAAAAAAAAB8AAABUAAAAAAAABQAAAAEAAAAAAAAAAAAAAAAAAAAAAAAAAAAAAAAAAAAAAAAAAAAAAAJ/f38AAAAAA8zMzADAwP8Af39/AAAAAAAAAAAAAAAAAAAAAAAAAAAAIQAAABgAAAAUAAAAUCgAABonAABwNQAAWSkAABAAAAAmAAAACAAAAACAAAAAAAAA"/>
               </a:ext>
             </a:extLst>
           </p:cNvSpPr>
@@ -3988,40 +4010,41 @@
           <a:bodyPr/>
           <a:lstStyle>
             <a:lvl1pPr>
-              <a:defRPr lang="en-au"/>
+              <a:defRPr lang="en-AU"/>
             </a:lvl1pPr>
             <a:lvl2pPr>
-              <a:defRPr lang="en-us"/>
+              <a:defRPr lang="en-US"/>
             </a:lvl2pPr>
             <a:lvl3pPr>
-              <a:defRPr lang="en-us"/>
+              <a:defRPr lang="en-US"/>
             </a:lvl3pPr>
             <a:lvl4pPr>
-              <a:defRPr lang="en-us"/>
+              <a:defRPr lang="en-US"/>
             </a:lvl4pPr>
             <a:lvl5pPr>
-              <a:defRPr lang="en-us"/>
+              <a:defRPr lang="en-US"/>
             </a:lvl5pPr>
             <a:lvl6pPr>
-              <a:defRPr lang="en-us"/>
+              <a:defRPr lang="en-US"/>
             </a:lvl6pPr>
             <a:lvl7pPr>
-              <a:defRPr lang="en-us"/>
+              <a:defRPr lang="en-US"/>
             </a:lvl7pPr>
             <a:lvl8pPr>
-              <a:defRPr lang="en-us"/>
+              <a:defRPr lang="en-US"/>
             </a:lvl8pPr>
             <a:lvl9pPr>
-              <a:defRPr lang="en-us"/>
+              <a:defRPr lang="en-US"/>
             </a:lvl9pPr>
           </a:lstStyle>
           <a:p>
             <a:pPr>
-              <a:defRPr lang="en-au"/>
+              <a:defRPr lang="en-AU"/>
             </a:pPr>
             <a:fld id="{3D68E629-67D0-3D10-9ED0-9145A89E68C4}" type="slidenum">
               <a:t>‹#›</a:t>
             </a:fld>
+            <a:endParaRPr/>
           </a:p>
         </p:txBody>
       </p:sp>
@@ -4034,7 +4057,7 @@
 </file>
 
 <file path=ppt/slideMasters/slideMaster1.xml><?xml version="1.0" encoding="utf-8"?>
-<p:sldMaster xmlns:p="http://schemas.openxmlformats.org/presentationml/2006/main" xmlns:p14="http://schemas.microsoft.com/office/powerpoint/2010/main" xmlns:r="http://schemas.openxmlformats.org/officeDocument/2006/relationships" xmlns:a="http://schemas.openxmlformats.org/drawingml/2006/main">
+<p:sldMaster xmlns:a="http://schemas.openxmlformats.org/drawingml/2006/main" xmlns:r="http://schemas.openxmlformats.org/officeDocument/2006/relationships" xmlns:p="http://schemas.openxmlformats.org/presentationml/2006/main">
   <p:cSld>
     <p:bg>
       <p:bgPr>
@@ -4065,7 +4088,7 @@
             <a:spLocks noGrp="1" noChangeArrowheads="1"/>
             <a:extLst>
               <a:ext uri="smNativeData">
-                <pr:smNativeData xmlns:pr="smNativeData" val="SMDATA_16_n4i/WxMAAAAlAAAAZAAAAA0AAAAAkAAAAEgAAACQAAAASAAAAAAAAAABAAAAAAAAAAEAAABQAAAAAAAAAAAA4D8AAAAAAADgPwAAAAAAAOA/AAAAAAAA4D8AAAAAAADgPwAAAAAAAOA/AAAAAAAA4D8AAAAAAADgPwAAAAAAAOA/AAAAAAAA4D8CAAAAjAAAAAAAAAAAAAAA////AP///wgAAAAAAAAAAAAAAAAAAAAAAAAAAAAAAAAAAAAAeAAAAAEAAABAAAAAAAAAAAAAAABaAAAAAAAAAAAAAAAAAAAAAAAAAAAAAAAAAAAAAAAAAAAAAAAAAAAAAAAAAAAAAAAAAAAAAAAAAAAAAAAAAAAAAAAAAAAAAAAAAAAAFAAAADwAAAAAAAAAAAAAAAAAAAAPAAAAAQAAACMAAAAjAAAAIwAAAB4AAAAAAAAAZAAAAGQAAAAAAAAAZAAAAGQAAAAVAAAAYAAAAAAAAAAAAAAADwAAACADAAAAAAAAAAAAAAEAAACgMgAAVgcAAKr4//8BAAAAf39/AAEAAABkAAAAAAAAABQAAABAHwAAAAAAACYAAAAAAAAAwOD//wAAAAAmAAAAZAAAABYAAABMAAAAAAAAAAAAAAAEAAAAAAAAAAEAAADu7OEKAAAAACgAAAAoAAAAZAAAAGQAAAAAAAAAzMzMAAAAAABQAAAAUAAAAGQAAABkAAAAAAAAABcAAAAUAAAAAAAAAAAAAAD/fwAA/38AAAAAAAAJAAAABAAAAHNsaWQMAAAAEAAAAAAAAAAAAAAAAAAAAAAAAAAeAAAAaAAAAAAAAAAAAAAAAAAAAAAAAAAAAAAAECcAABAnAAAAAAAAAAAAAAAAAAAAAAAAAAAAAAAAAAAAAAAAAAAAABQAAAAAAAAAwMD/AAAAAABkAAAAMgAAAAAAAABkAAAAAAAAAH9/fwAKAAAAIgAAABgAAAAAAAAAAAAAAAAAAAAAAAAAAAAAAAAAAAAkAAAAJAAAAAAAAAAHAAAAAAAAAAAAAAAAAAAAAAAAAAAAAAAAAAAAf39/ACUAAABYAAAAAAAAAAAAAAAAAAAAAAAAAAAAAAAAAAAAAAAAAAAAAAAAAAAAAAAAAAAAAAA/AAAAAAAAAKCGAQAAAAAAAAAAAAAAAAAMAAAAAQAAAAAAAAAAAAAAAAAAAB8AAABUAAAA////AAAAAAEAAAAAAAAAAAAAAAAAAAAAAAAAAAAAAAAAAAAAAAAAAAAAAAB/f38AAAAAA8zMzADAwP8Af39/AAAAAAAAAAAAAAAAAAAAAAAAAAAAIQAAABgAAAAUAAAA0AIAALEBAABwNQAAuQgAABAAAAAmAAAACAAAAL8vAAAAAAAA"/>
+                <pr:smNativeData xmlns="" xmlns:p14="http://schemas.microsoft.com/office/powerpoint/2010/main" xmlns:pr="smNativeData" val="SMDATA_16_n4i/WxMAAAAlAAAAZAAAAA0AAAAAkAAAAEgAAACQAAAASAAAAAAAAAABAAAAAAAAAAEAAABQAAAAAAAAAAAA4D8AAAAAAADgPwAAAAAAAOA/AAAAAAAA4D8AAAAAAADgPwAAAAAAAOA/AAAAAAAA4D8AAAAAAADgPwAAAAAAAOA/AAAAAAAA4D8CAAAAjAAAAAAAAAAAAAAA////AP///wgAAAAAAAAAAAAAAAAAAAAAAAAAAAAAAAAAAAAAeAAAAAEAAABAAAAAAAAAAAAAAABaAAAAAAAAAAAAAAAAAAAAAAAAAAAAAAAAAAAAAAAAAAAAAAAAAAAAAAAAAAAAAAAAAAAAAAAAAAAAAAAAAAAAAAAAAAAAAAAAAAAAFAAAADwAAAAAAAAAAAAAAAAAAAAPAAAAAQAAACMAAAAjAAAAIwAAAB4AAAAAAAAAZAAAAGQAAAAAAAAAZAAAAGQAAAAVAAAAYAAAAAAAAAAAAAAADwAAACADAAAAAAAAAAAAAAEAAACgMgAAVgcAAKr4//8BAAAAf39/AAEAAABkAAAAAAAAABQAAABAHwAAAAAAACYAAAAAAAAAwOD//wAAAAAmAAAAZAAAABYAAABMAAAAAAAAAAAAAAAEAAAAAAAAAAEAAADu7OEKAAAAACgAAAAoAAAAZAAAAGQAAAAAAAAAzMzMAAAAAABQAAAAUAAAAGQAAABkAAAAAAAAABcAAAAUAAAAAAAAAAAAAAD/fwAA/38AAAAAAAAJAAAABAAAAHNsaWQMAAAAEAAAAAAAAAAAAAAAAAAAAAAAAAAeAAAAaAAAAAAAAAAAAAAAAAAAAAAAAAAAAAAAECcAABAnAAAAAAAAAAAAAAAAAAAAAAAAAAAAAAAAAAAAAAAAAAAAABQAAAAAAAAAwMD/AAAAAABkAAAAMgAAAAAAAABkAAAAAAAAAH9/fwAKAAAAIgAAABgAAAAAAAAAAAAAAAAAAAAAAAAAAAAAAAAAAAAkAAAAJAAAAAAAAAAHAAAAAAAAAAAAAAAAAAAAAAAAAAAAAAAAAAAAf39/ACUAAABYAAAAAAAAAAAAAAAAAAAAAAAAAAAAAAAAAAAAAAAAAAAAAAAAAAAAAAAAAAAAAAA/AAAAAAAAAKCGAQAAAAAAAAAAAAAAAAAMAAAAAQAAAAAAAAAAAAAAAAAAAB8AAABUAAAA////AAAAAAEAAAAAAAAAAAAAAAAAAAAAAAAAAAAAAAAAAAAAAAAAAAAAAAB/f38AAAAAA8zMzADAwP8Af39/AAAAAAAAAAAAAAAAAAAAAAAAAAAAIQAAABgAAAAUAAAA0AIAALEBAABwNQAAuQgAABAAAAAmAAAACAAAAL8vAAAAAAAA"/>
               </a:ext>
             </a:extLst>
           </p:cNvSpPr>
@@ -4091,12 +4114,12 @@
           <a:lstStyle/>
           <a:p>
             <a:pPr>
-              <a:defRPr lang="en-us"/>
+              <a:defRPr lang="en-US"/>
             </a:pPr>
             <a:r>
               <a:t>Click to edit Master title style</a:t>
             </a:r>
-            <a:endParaRPr lang="en-au"/>
+            <a:endParaRPr lang="en-AU"/>
           </a:p>
         </p:txBody>
       </p:sp>
@@ -4107,7 +4130,7 @@
             <a:spLocks noGrp="1" noChangeArrowheads="1"/>
             <a:extLst>
               <a:ext uri="smNativeData">
-                <pr:smNativeData xmlns:pr="smNativeData" val="SMDATA_16_n4i/WxMAAAAlAAAAZAAAAA0AAAAAkAAAAEgAAACQAAAASAAAAAAAAAAAAAAAAAAAAAEAAABQAAAAAAAAAAAA4D8AAAAAAADgPwAAAAAAAOA/AAAAAAAA4D8AAAAAAADgPwAAAAAAAOA/AAAAAAAA4D8AAAAAAADgPwAAAAAAAOA/AAAAAAAA4D8CAAAAjAAAAAAAAAAAAAAA////AP///wgAAAAAAAAAAAAAAAAAAAAAAAAAAAAAAAAAAAAAeAAAAAEAAABAAAAAAAAAAAAAAABaAAAAAAAAAAAAAAAAAAAAAAAAAAAAAAAAAAAAAAAAAAAAAAAAAAAAAAAAAAAAAAAAAAAAAAAAAAAAAAAAAAAAAAAAAAAAAAAAAAAAFAAAADwAAAAAAAAAAAAAAAAAAAAPAAAAAQAAACMAAAAjAAAAIwAAAB4AAAAAAAAAZAAAAGQAAAAAAAAAZAAAAGQAAAAVAAAAYAAAAAAAAAAAAAAADwAAACADAAAAAAAAAAAAAAEAAACgMgAAVgcAAKr4//8BAAAAf39/AAEAAABkAAAAAAAAABQAAABAHwAAAAAAACYAAAAAAAAAwOD//wAAAAAmAAAAZAAAABYAAABMAAAAAAAAAAAAAAAEAAAAAAAAAAEAAADu7OEKAAAAACgAAAAoAAAAZAAAAGQAAAAAAAAAzMzMAAAAAABQAAAAUAAAAGQAAABkAAAAAAAAABcAAAAUAAAAAAAAAAAAAAD/fwAA/38AAAAAAAAJAAAABAAAAHNsaWQMAAAAEAAAAAAAAAAAAAAAAAAAAAAAAAAeAAAAaAAAAAAAAAAAAAAAAAAAAAAAAAAAAAAAECcAABAnAAAAAAAAAAAAAAAAAAAAAAAAAAAAAAAAAAAAAAAAAAAAABQAAAAAAAAAwMD/AAAAAABkAAAAMgAAAAAAAABkAAAAAAAAAH9/fwAKAAAAIgAAABgAAAAAAAAAAAAAAAAAAAAAAAAAAAAAAAAAAAAkAAAAJAAAAAAAAAAHAAAAAAAAAAAAAAAAAAAAAAAAAAAAAAAAAAAAf39/ACUAAABYAAAAAAAAAAAAAAAAAAAAAAAAAAAAAAAAAAAAAAAAAAAAAAAAAAAAAAAAAAAAAAA/AAAAAAAAAKCGAQAAAAAAAAAAAAAAAAAMAAAAAQAAAAAAAAAAAAAAAAAAAB8AAABUAAAA////AAAAAAEAAAAAAAAAAAAAAAAAAAAAAAAAAAAAAAAAAAAAAAAAAAAAAAB/f38AAAAAA8zMzADAwP8Af39/AAAAAAAAAAAAAAAAAAAAAAAAAAAAIQAAABgAAAAUAAAA0AIAANgJAABwNQAAsCUAABAAAAAmAAAACAAAAD8vAAAAAAAA"/>
+                <pr:smNativeData xmlns="" xmlns:p14="http://schemas.microsoft.com/office/powerpoint/2010/main" xmlns:pr="smNativeData" val="SMDATA_16_n4i/WxMAAAAlAAAAZAAAAA0AAAAAkAAAAEgAAACQAAAASAAAAAAAAAAAAAAAAAAAAAEAAABQAAAAAAAAAAAA4D8AAAAAAADgPwAAAAAAAOA/AAAAAAAA4D8AAAAAAADgPwAAAAAAAOA/AAAAAAAA4D8AAAAAAADgPwAAAAAAAOA/AAAAAAAA4D8CAAAAjAAAAAAAAAAAAAAA////AP///wgAAAAAAAAAAAAAAAAAAAAAAAAAAAAAAAAAAAAAeAAAAAEAAABAAAAAAAAAAAAAAABaAAAAAAAAAAAAAAAAAAAAAAAAAAAAAAAAAAAAAAAAAAAAAAAAAAAAAAAAAAAAAAAAAAAAAAAAAAAAAAAAAAAAAAAAAAAAAAAAAAAAFAAAADwAAAAAAAAAAAAAAAAAAAAPAAAAAQAAACMAAAAjAAAAIwAAAB4AAAAAAAAAZAAAAGQAAAAAAAAAZAAAAGQAAAAVAAAAYAAAAAAAAAAAAAAADwAAACADAAAAAAAAAAAAAAEAAACgMgAAVgcAAKr4//8BAAAAf39/AAEAAABkAAAAAAAAABQAAABAHwAAAAAAACYAAAAAAAAAwOD//wAAAAAmAAAAZAAAABYAAABMAAAAAAAAAAAAAAAEAAAAAAAAAAEAAADu7OEKAAAAACgAAAAoAAAAZAAAAGQAAAAAAAAAzMzMAAAAAABQAAAAUAAAAGQAAABkAAAAAAAAABcAAAAUAAAAAAAAAAAAAAD/fwAA/38AAAAAAAAJAAAABAAAAHNsaWQMAAAAEAAAAAAAAAAAAAAAAAAAAAAAAAAeAAAAaAAAAAAAAAAAAAAAAAAAAAAAAAAAAAAAECcAABAnAAAAAAAAAAAAAAAAAAAAAAAAAAAAAAAAAAAAAAAAAAAAABQAAAAAAAAAwMD/AAAAAABkAAAAMgAAAAAAAABkAAAAAAAAAH9/fwAKAAAAIgAAABgAAAAAAAAAAAAAAAAAAAAAAAAAAAAAAAAAAAAkAAAAJAAAAAAAAAAHAAAAAAAAAAAAAAAAAAAAAAAAAAAAAAAAAAAAf39/ACUAAABYAAAAAAAAAAAAAAAAAAAAAAAAAAAAAAAAAAAAAAAAAAAAAAAAAAAAAAAAAAAAAAA/AAAAAAAAAKCGAQAAAAAAAAAAAAAAAAAMAAAAAQAAAAAAAAAAAAAAAAAAAB8AAABUAAAA////AAAAAAEAAAAAAAAAAAAAAAAAAAAAAAAAAAAAAAAAAAAAAAAAAAAAAAB/f38AAAAAA8zMzADAwP8Af39/AAAAAAAAAAAAAAAAAAAAAAAAAAAAIQAAABgAAAAUAAAA0AIAANgJAABwNQAAsCUAABAAAAAmAAAACAAAAD8vAAAAAAAA"/>
               </a:ext>
             </a:extLst>
           </p:cNvSpPr>
@@ -4133,7 +4156,7 @@
           <a:lstStyle/>
           <a:p>
             <a:pPr>
-              <a:defRPr lang="en-us"/>
+              <a:defRPr lang="en-US"/>
             </a:pPr>
             <a:r>
               <a:t>Click to edit Master text styles</a:t>
@@ -4141,7 +4164,7 @@
           </a:p>
           <a:p>
             <a:pPr lvl="1">
-              <a:defRPr lang="en-us"/>
+              <a:defRPr lang="en-US"/>
             </a:pPr>
             <a:r>
               <a:t>Second level</a:t>
@@ -4149,7 +4172,7 @@
           </a:p>
           <a:p>
             <a:pPr lvl="2">
-              <a:defRPr lang="en-us"/>
+              <a:defRPr lang="en-US"/>
             </a:pPr>
             <a:r>
               <a:t>Third level</a:t>
@@ -4157,7 +4180,7 @@
           </a:p>
           <a:p>
             <a:pPr lvl="3">
-              <a:defRPr lang="en-us"/>
+              <a:defRPr lang="en-US"/>
             </a:pPr>
             <a:r>
               <a:t>Fourth level</a:t>
@@ -4165,12 +4188,12 @@
           </a:p>
           <a:p>
             <a:pPr lvl="4">
-              <a:defRPr lang="en-us"/>
+              <a:defRPr lang="en-US"/>
             </a:pPr>
             <a:r>
               <a:t>Fifth level</a:t>
             </a:r>
-            <a:endParaRPr lang="en-au"/>
+            <a:endParaRPr lang="en-AU"/>
           </a:p>
         </p:txBody>
       </p:sp>
@@ -4181,7 +4204,7 @@
             <a:spLocks noGrp="1" noChangeArrowheads="1"/>
             <a:extLst>
               <a:ext uri="smNativeData">
-                <pr:smNativeData xmlns:pr="smNativeData" val="SMDATA_16_n4i/WxMAAAAlAAAAZAAAAA0AAAAAkAAAAEgAAACQAAAASAAAAAAAAAABAAAAAAAAAAEAAABQAAAAAAAAAAAA4D8AAAAAAADgPwAAAAAAAOA/AAAAAAAA4D8AAAAAAADgPwAAAAAAAOA/AAAAAAAA4D8AAAAAAADgPwAAAAAAAOA/AAAAAAAA4D8CAAAAjAAAAAAAAAAAAAAA////AP///wgAAAAAAAAAAAAAAAAAAAAAAAAAAAAAAAAAAAAAeAAAAAEAAABAAAAAAAAAAAAAAABaAAAAAAAAAAAAAAAAAAAAAAAAAAAAAAAAAAAAAAAAAAAAAAAAAAAAAAAAAAAAAAAAAAAAAAAAAAAAAAAAAAAAAAAAAAAAAAAAAAAAFAAAADwAAAAAAAAAAAAAAAAAAAAPAAAAAQAAACMAAAAjAAAAIwAAAB4AAAAAAAAAZAAAAGQAAAAAAAAAZAAAAGQAAAAVAAAAYAAAAAAAAAAAAAAADwAAACADAAAAAAAAAAAAAAEAAACgMgAAVgcAAKr4//8BAAAAf39/AAEAAABkAAAAAAAAABQAAABAHwAAAAAAACYAAAAAAAAAwOD//wAAAAAmAAAAZAAAABYAAABMAAAAAAAAAAAAAAAEAAAAAAAAAAEAAADu7OEKAAAAACgAAAAoAAAAZAAAAGQAAAAAAAAAzMzMAAAAAABQAAAAUAAAAGQAAABkAAAAAAAAABcAAAAUAAAAAAAAAAAAAAD/fwAA/38AAAAAAAAJAAAABAAAAAAAAAAMAAAAEAAAAAAAAAAAAAAAAAAAAAAAAAAeAAAAaAAAAAAAAAAAAAAAAAAAAAAAAAAAAAAAECcAABAnAAAAAAAAAAAAAAAAAAAAAAAAAAAAAAAAAAAAAAAAAAAAABQAAAAAAAAAwMD/AAAAAABkAAAAMgAAAAAAAABkAAAAAAAAAH9/fwAKAAAAIgAAABgAAAAAAAAAAAAAAAAAAAAAAAAAAAAAAAAAAAAkAAAAJAAAAAAAAAAHAAAAAAAAAAAAAAAAAAAAAAAAAAAAAAAAAAAAf39/ACUAAABYAAAAAAAAAAAAAAAAAAAAAAAAAAAAAAAAAAAAAAAAAAAAAAAAAAAAAAAAAAAAAAA/AAAAAAAAAKCGAQAAAAAAAAAAAAAAAAAMAAAAAQAAAAAAAAAAAAAAAAAAAB8AAABUAAAA////AAAAAAEAAAAAAAAAAAAAAAAAAAAAAAAAAAAAAAAAAAAAAAAAAAAAAAB/f38AAAAAA8zMzADAwP8Af39/AAAAAAAAAAAAAAAAAAAAAAAAAAAAIQAAABgAAAAUAAAA0AIAABonAADwDwAAWSkAABAAAAAmAAAACAAAAL+PAAAAAAAA"/>
+                <pr:smNativeData xmlns="" xmlns:p14="http://schemas.microsoft.com/office/powerpoint/2010/main" xmlns:pr="smNativeData" val="SMDATA_16_n4i/WxMAAAAlAAAAZAAAAA0AAAAAkAAAAEgAAACQAAAASAAAAAAAAAABAAAAAAAAAAEAAABQAAAAAAAAAAAA4D8AAAAAAADgPwAAAAAAAOA/AAAAAAAA4D8AAAAAAADgPwAAAAAAAOA/AAAAAAAA4D8AAAAAAADgPwAAAAAAAOA/AAAAAAAA4D8CAAAAjAAAAAAAAAAAAAAA////AP///wgAAAAAAAAAAAAAAAAAAAAAAAAAAAAAAAAAAAAAeAAAAAEAAABAAAAAAAAAAAAAAABaAAAAAAAAAAAAAAAAAAAAAAAAAAAAAAAAAAAAAAAAAAAAAAAAAAAAAAAAAAAAAAAAAAAAAAAAAAAAAAAAAAAAAAAAAAAAAAAAAAAAFAAAADwAAAAAAAAAAAAAAAAAAAAPAAAAAQAAACMAAAAjAAAAIwAAAB4AAAAAAAAAZAAAAGQAAAAAAAAAZAAAAGQAAAAVAAAAYAAAAAAAAAAAAAAADwAAACADAAAAAAAAAAAAAAEAAACgMgAAVgcAAKr4//8BAAAAf39/AAEAAABkAAAAAAAAABQAAABAHwAAAAAAACYAAAAAAAAAwOD//wAAAAAmAAAAZAAAABYAAABMAAAAAAAAAAAAAAAEAAAAAAAAAAEAAADu7OEKAAAAACgAAAAoAAAAZAAAAGQAAAAAAAAAzMzMAAAAAABQAAAAUAAAAGQAAABkAAAAAAAAABcAAAAUAAAAAAAAAAAAAAD/fwAA/38AAAAAAAAJAAAABAAAAAAAAAAMAAAAEAAAAAAAAAAAAAAAAAAAAAAAAAAeAAAAaAAAAAAAAAAAAAAAAAAAAAAAAAAAAAAAECcAABAnAAAAAAAAAAAAAAAAAAAAAAAAAAAAAAAAAAAAAAAAAAAAABQAAAAAAAAAwMD/AAAAAABkAAAAMgAAAAAAAABkAAAAAAAAAH9/fwAKAAAAIgAAABgAAAAAAAAAAAAAAAAAAAAAAAAAAAAAAAAAAAAkAAAAJAAAAAAAAAAHAAAAAAAAAAAAAAAAAAAAAAAAAAAAAAAAAAAAf39/ACUAAABYAAAAAAAAAAAAAAAAAAAAAAAAAAAAAAAAAAAAAAAAAAAAAAAAAAAAAAAAAAAAAAA/AAAAAAAAAKCGAQAAAAAAAAAAAAAAAAAMAAAAAQAAAAAAAAAAAAAAAAAAAB8AAABUAAAA////AAAAAAEAAAAAAAAAAAAAAAAAAAAAAAAAAAAAAAAAAAAAAAAAAAAAAAB/f38AAAAAA8zMzADAwP8Af39/AAAAAAAAAAAAAAAAAAAAAAAAAAAAIQAAABgAAAAUAAAA0AIAABonAADwDwAAWSkAABAAAAAmAAAACAAAAL+PAAAAAAAA"/>
               </a:ext>
             </a:extLst>
           </p:cNvSpPr>
@@ -4206,46 +4229,46 @@
           </a:bodyPr>
           <a:lstStyle>
             <a:lvl1pPr algn="l">
-              <a:defRPr lang="en-au" sz="1200">
+              <a:defRPr lang="en-AU" sz="1200">
                 <a:solidFill>
                   <a:srgbClr val="8C8C8C"/>
                 </a:solidFill>
               </a:defRPr>
             </a:lvl1pPr>
             <a:lvl2pPr>
-              <a:defRPr lang="en-us"/>
+              <a:defRPr lang="en-US"/>
             </a:lvl2pPr>
             <a:lvl3pPr>
-              <a:defRPr lang="en-us"/>
+              <a:defRPr lang="en-US"/>
             </a:lvl3pPr>
             <a:lvl4pPr>
-              <a:defRPr lang="en-us"/>
+              <a:defRPr lang="en-US"/>
             </a:lvl4pPr>
             <a:lvl5pPr>
-              <a:defRPr lang="en-us"/>
+              <a:defRPr lang="en-US"/>
             </a:lvl5pPr>
             <a:lvl6pPr>
-              <a:defRPr lang="en-us"/>
+              <a:defRPr lang="en-US"/>
             </a:lvl6pPr>
             <a:lvl7pPr>
-              <a:defRPr lang="en-us"/>
+              <a:defRPr lang="en-US"/>
             </a:lvl7pPr>
             <a:lvl8pPr>
-              <a:defRPr lang="en-us"/>
+              <a:defRPr lang="en-US"/>
             </a:lvl8pPr>
             <a:lvl9pPr>
-              <a:defRPr lang="en-us"/>
+              <a:defRPr lang="en-US"/>
             </a:lvl9pPr>
           </a:lstStyle>
           <a:p>
             <a:pPr>
-              <a:defRPr lang="en-us"/>
+              <a:defRPr lang="en-US"/>
             </a:pPr>
             <a:fld id="{3D688B73-3DD0-3D7D-9ED0-CB28C59E689E}" type="datetime1">
-              <a:rPr lang="en-au"/>
-              <a:t/>
+              <a:rPr lang="en-AU"/>
+              <a:t>12/10/2018</a:t>
             </a:fld>
-            <a:endParaRPr lang="en-au"/>
+            <a:endParaRPr lang="en-AU"/>
           </a:p>
         </p:txBody>
       </p:sp>
@@ -4256,7 +4279,7 @@
             <a:spLocks noGrp="1" noChangeArrowheads="1"/>
             <a:extLst>
               <a:ext uri="smNativeData">
-                <pr:smNativeData xmlns:pr="smNativeData" val="SMDATA_16_n4i/WxMAAAAlAAAAZAAAAA0AAAAAkAAAAEgAAACQAAAASAAAAAAAAAABAAAAAAAAAAEAAABQAAAAAAAAAAAA4D8AAAAAAADgPwAAAAAAAOA/AAAAAAAA4D8AAAAAAADgPwAAAAAAAOA/AAAAAAAA4D8AAAAAAADgPwAAAAAAAOA/AAAAAAAA4D8CAAAAjAAAAAAAAAAAAAAA////AP///wgAAAAAAAAAAAAAAAAAAAAAAAAAAAAAAAAAAAAAeAAAAAEAAABAAAAAAAAAAAAAAABaAAAAAAAAAAAAAAAAAAAAAAAAAAAAAAAAAAAAAAAAAAAAAAAAAAAAAAAAAAAAAAAAAAAAAAAAAAAAAAAAAAAAAAAAAAAAAAAAAAAAFAAAADwAAAAAAAAAAAAAAAAAAAAPAAAAAQAAACMAAAAjAAAAIwAAAB4AAAAAAAAAZAAAAGQAAAAAAAAAZAAAAGQAAAAVAAAAYAAAAAAAAAAAAAAADwAAACADAAAAAAAAAAAAAAEAAACgMgAAVgcAAKr4//8BAAAAf39/AAEAAABkAAAAAAAAABQAAABAHwAAAAAAACYAAAAAAAAAwOD//wAAAAAmAAAAZAAAABYAAABMAAAAAAAAAAAAAAAEAAAAAAAAAAEAAADu7OEKAAAAACgAAAAoAAAAZAAAAGQAAAAAAAAAzMzMAAAAAABQAAAAUAAAAGQAAABkAAAAAAAAABcAAAAUAAAAAAAAAAAAAAD/fwAA/38AAAAAAAAJAAAABAAAAAAAAAAMAAAAEAAAAAAAAAAAAAAAAAAAAAAAAAAeAAAAaAAAAAAAAAAAAAAAAAAAAAAAAAAAAAAAECcAABAnAAAAAAAAAAAAAAAAAAAAAAAAAAAAAAAAAAAAAAAAAAAAABQAAAAAAAAAwMD/AAAAAABkAAAAMgAAAAAAAABkAAAAAAAAAH9/fwAKAAAAIgAAABgAAAAAAAAAAAAAAAAAAAAAAAAAAAAAAAAAAAAkAAAAJAAAAAAAAAAHAAAAAAAAAAAAAAAAAAAAAAAAAAAAAAAAAAAAf39/ACUAAABYAAAAAAAAAAAAAAAAAAAAAAAAAAAAAAAAAAAAAAAAAAAAAAAAAAAAAAAAAAAAAAA/AAAAAAAAAKCGAQAAAAAAAAAAAAAAAAAMAAAAAQAAAAAAAAAAAAAAAAAAAB8AAABUAAAA////AAAAAAEAAAAAAAAAAAAAAAAAAAAAAAAAAAAAAAAAAAAAAAAAAAAAAAB/f38AAAAAA8zMzADAwP8Af39/AAAAAAAAAAAAAAAAAAAAAAAAAAAAIQAAABgAAAAUAAAAOBMAABonAAAIJQAAWSkAABAAAAAmAAAACAAAAL+PAAAAAAAA"/>
+                <pr:smNativeData xmlns="" xmlns:p14="http://schemas.microsoft.com/office/powerpoint/2010/main" xmlns:pr="smNativeData" val="SMDATA_16_n4i/WxMAAAAlAAAAZAAAAA0AAAAAkAAAAEgAAACQAAAASAAAAAAAAAABAAAAAAAAAAEAAABQAAAAAAAAAAAA4D8AAAAAAADgPwAAAAAAAOA/AAAAAAAA4D8AAAAAAADgPwAAAAAAAOA/AAAAAAAA4D8AAAAAAADgPwAAAAAAAOA/AAAAAAAA4D8CAAAAjAAAAAAAAAAAAAAA////AP///wgAAAAAAAAAAAAAAAAAAAAAAAAAAAAAAAAAAAAAeAAAAAEAAABAAAAAAAAAAAAAAABaAAAAAAAAAAAAAAAAAAAAAAAAAAAAAAAAAAAAAAAAAAAAAAAAAAAAAAAAAAAAAAAAAAAAAAAAAAAAAAAAAAAAAAAAAAAAAAAAAAAAFAAAADwAAAAAAAAAAAAAAAAAAAAPAAAAAQAAACMAAAAjAAAAIwAAAB4AAAAAAAAAZAAAAGQAAAAAAAAAZAAAAGQAAAAVAAAAYAAAAAAAAAAAAAAADwAAACADAAAAAAAAAAAAAAEAAACgMgAAVgcAAKr4//8BAAAAf39/AAEAAABkAAAAAAAAABQAAABAHwAAAAAAACYAAAAAAAAAwOD//wAAAAAmAAAAZAAAABYAAABMAAAAAAAAAAAAAAAEAAAAAAAAAAEAAADu7OEKAAAAACgAAAAoAAAAZAAAAGQAAAAAAAAAzMzMAAAAAABQAAAAUAAAAGQAAABkAAAAAAAAABcAAAAUAAAAAAAAAAAAAAD/fwAA/38AAAAAAAAJAAAABAAAAAAAAAAMAAAAEAAAAAAAAAAAAAAAAAAAAAAAAAAeAAAAaAAAAAAAAAAAAAAAAAAAAAAAAAAAAAAAECcAABAnAAAAAAAAAAAAAAAAAAAAAAAAAAAAAAAAAAAAAAAAAAAAABQAAAAAAAAAwMD/AAAAAABkAAAAMgAAAAAAAABkAAAAAAAAAH9/fwAKAAAAIgAAABgAAAAAAAAAAAAAAAAAAAAAAAAAAAAAAAAAAAAkAAAAJAAAAAAAAAAHAAAAAAAAAAAAAAAAAAAAAAAAAAAAAAAAAAAAf39/ACUAAABYAAAAAAAAAAAAAAAAAAAAAAAAAAAAAAAAAAAAAAAAAAAAAAAAAAAAAAAAAAAAAAA/AAAAAAAAAKCGAQAAAAAAAAAAAAAAAAAMAAAAAQAAAAAAAAAAAAAAAAAAAB8AAABUAAAA////AAAAAAEAAAAAAAAAAAAAAAAAAAAAAAAAAAAAAAAAAAAAAAAAAAAAAAB/f38AAAAAA8zMzADAwP8Af39/AAAAAAAAAAAAAAAAAAAAAAAAAAAAIQAAABgAAAAUAAAAOBMAABonAAAIJQAAWSkAABAAAAAmAAAACAAAAL+PAAAAAAAA"/>
               </a:ext>
             </a:extLst>
           </p:cNvSpPr>
@@ -4281,42 +4304,42 @@
           </a:bodyPr>
           <a:lstStyle>
             <a:lvl1pPr algn="ctr">
-              <a:defRPr lang="en-au" sz="1200">
+              <a:defRPr lang="en-AU" sz="1200">
                 <a:solidFill>
                   <a:srgbClr val="8C8C8C"/>
                 </a:solidFill>
               </a:defRPr>
             </a:lvl1pPr>
             <a:lvl2pPr>
-              <a:defRPr lang="en-us"/>
+              <a:defRPr lang="en-US"/>
             </a:lvl2pPr>
             <a:lvl3pPr>
-              <a:defRPr lang="en-us"/>
+              <a:defRPr lang="en-US"/>
             </a:lvl3pPr>
             <a:lvl4pPr>
-              <a:defRPr lang="en-us"/>
+              <a:defRPr lang="en-US"/>
             </a:lvl4pPr>
             <a:lvl5pPr>
-              <a:defRPr lang="en-us"/>
+              <a:defRPr lang="en-US"/>
             </a:lvl5pPr>
             <a:lvl6pPr>
-              <a:defRPr lang="en-us"/>
+              <a:defRPr lang="en-US"/>
             </a:lvl6pPr>
             <a:lvl7pPr>
-              <a:defRPr lang="en-us"/>
+              <a:defRPr lang="en-US"/>
             </a:lvl7pPr>
             <a:lvl8pPr>
-              <a:defRPr lang="en-us"/>
+              <a:defRPr lang="en-US"/>
             </a:lvl8pPr>
             <a:lvl9pPr>
-              <a:defRPr lang="en-us"/>
+              <a:defRPr lang="en-US"/>
             </a:lvl9pPr>
           </a:lstStyle>
           <a:p>
             <a:pPr>
-              <a:defRPr lang="en-us"/>
-            </a:pPr>
-            <a:endParaRPr lang="en-au"/>
+              <a:defRPr lang="en-US"/>
+            </a:pPr>
+            <a:endParaRPr lang="en-AU"/>
           </a:p>
         </p:txBody>
       </p:sp>
@@ -4327,7 +4350,7 @@
             <a:spLocks noGrp="1" noChangeArrowheads="1"/>
             <a:extLst>
               <a:ext uri="smNativeData">
-                <pr:smNativeData xmlns:pr="smNativeData" val="SMDATA_16_n4i/WxMAAAAlAAAAZAAAAA0AAAAAkAAAAEgAAACQAAAASAAAAAAAAAABAAAAAAAAAAEAAABQAAAAAAAAAAAA4D8AAAAAAADgPwAAAAAAAOA/AAAAAAAA4D8AAAAAAADgPwAAAAAAAOA/AAAAAAAA4D8AAAAAAADgPwAAAAAAAOA/AAAAAAAA4D8CAAAAjAAAAAAAAAAAAAAA////AP///wgAAAAAAAAAAAAAAAAAAAAAAAAAAAAAAAAAAAAAeAAAAAEAAABAAAAAAAAAAAAAAABaAAAAAAAAAAAAAAAAAAAAAAAAAAAAAAAAAAAAAAAAAAAAAAAAAAAAAAAAAAAAAAAAAAAAAAAAAAAAAAAAAAAAAAAAAAAAAAAAAAAAFAAAADwAAAAAAAAAAAAAAAAAAAAPAAAAAQAAACMAAAAjAAAAIwAAAB4AAAAAAAAAZAAAAGQAAAAAAAAAZAAAAGQAAAAVAAAAYAAAAAAAAAAAAAAADwAAACADAAAAAAAAAAAAAAEAAACgMgAAVgcAAKr4//8BAAAAf39/AAEAAABkAAAAAAAAABQAAABAHwAAAAAAACYAAAAAAAAAwOD//wAAAAAmAAAAZAAAABYAAABMAAAAAAAAAAAAAAAEAAAAAAAAAAEAAADu7OEKAAAAACgAAAAoAAAAZAAAAGQAAAAAAAAAzMzMAAAAAABQAAAAUAAAAGQAAABkAAAAAAAAABcAAAAUAAAAAAAAAAAAAAD/fwAA/38AAAAAAAAJAAAABAAAAAAAAAAMAAAAEAAAAAAAAAAAAAAAAAAAAAAAAAAeAAAAaAAAAAAAAAAAAAAAAAAAAAAAAAAAAAAAECcAABAnAAAAAAAAAAAAAAAAAAAAAAAAAAAAAAAAAAAAAAAAAAAAABQAAAAAAAAAwMD/AAAAAABkAAAAMgAAAAAAAABkAAAAAAAAAH9/fwAKAAAAIgAAABgAAAAAAAAAAAAAAAAAAAAAAAAAAAAAAAAAAAAkAAAAJAAAAAAAAAAHAAAAAAAAAAAAAAAAAAAAAAAAAAAAAAAAAAAAf39/ACUAAABYAAAAAAAAAAAAAAAAAAAAAAAAAAAAAAAAAAAAAAAAAAAAAAAAAAAAAAAAAAAAAAA/AAAAAAAAAKCGAQAAAAAAAAAAAAAAAAAMAAAAAQAAAAAAAAAAAAAAAAAAAB8AAABUAAAA////AAAAAAEAAAAAAAAAAAAAAAAAAAAAAAAAAAAAAAAAAAAAAAAAAAAAAAB/f38AAAAAA8zMzADAwP8Af39/AAAAAAAAAAAAAAAAAAAAAAAAAAAAIQAAABgAAAAUAAAAUCgAABonAABwNQAAWSkAABAAAAAmAAAACAAAAL+PAAAAAAAA"/>
+                <pr:smNativeData xmlns="" xmlns:p14="http://schemas.microsoft.com/office/powerpoint/2010/main" xmlns:pr="smNativeData" val="SMDATA_16_n4i/WxMAAAAlAAAAZAAAAA0AAAAAkAAAAEgAAACQAAAASAAAAAAAAAABAAAAAAAAAAEAAABQAAAAAAAAAAAA4D8AAAAAAADgPwAAAAAAAOA/AAAAAAAA4D8AAAAAAADgPwAAAAAAAOA/AAAAAAAA4D8AAAAAAADgPwAAAAAAAOA/AAAAAAAA4D8CAAAAjAAAAAAAAAAAAAAA////AP///wgAAAAAAAAAAAAAAAAAAAAAAAAAAAAAAAAAAAAAeAAAAAEAAABAAAAAAAAAAAAAAABaAAAAAAAAAAAAAAAAAAAAAAAAAAAAAAAAAAAAAAAAAAAAAAAAAAAAAAAAAAAAAAAAAAAAAAAAAAAAAAAAAAAAAAAAAAAAAAAAAAAAFAAAADwAAAAAAAAAAAAAAAAAAAAPAAAAAQAAACMAAAAjAAAAIwAAAB4AAAAAAAAAZAAAAGQAAAAAAAAAZAAAAGQAAAAVAAAAYAAAAAAAAAAAAAAADwAAACADAAAAAAAAAAAAAAEAAACgMgAAVgcAAKr4//8BAAAAf39/AAEAAABkAAAAAAAAABQAAABAHwAAAAAAACYAAAAAAAAAwOD//wAAAAAmAAAAZAAAABYAAABMAAAAAAAAAAAAAAAEAAAAAAAAAAEAAADu7OEKAAAAACgAAAAoAAAAZAAAAGQAAAAAAAAAzMzMAAAAAABQAAAAUAAAAGQAAABkAAAAAAAAABcAAAAUAAAAAAAAAAAAAAD/fwAA/38AAAAAAAAJAAAABAAAAAAAAAAMAAAAEAAAAAAAAAAAAAAAAAAAAAAAAAAeAAAAaAAAAAAAAAAAAAAAAAAAAAAAAAAAAAAAECcAABAnAAAAAAAAAAAAAAAAAAAAAAAAAAAAAAAAAAAAAAAAAAAAABQAAAAAAAAAwMD/AAAAAABkAAAAMgAAAAAAAABkAAAAAAAAAH9/fwAKAAAAIgAAABgAAAAAAAAAAAAAAAAAAAAAAAAAAAAAAAAAAAAkAAAAJAAAAAAAAAAHAAAAAAAAAAAAAAAAAAAAAAAAAAAAAAAAAAAAf39/ACUAAABYAAAAAAAAAAAAAAAAAAAAAAAAAAAAAAAAAAAAAAAAAAAAAAAAAAAAAAAAAAAAAAA/AAAAAAAAAKCGAQAAAAAAAAAAAAAAAAAMAAAAAQAAAAAAAAAAAAAAAAAAAB8AAABUAAAA////AAAAAAEAAAAAAAAAAAAAAAAAAAAAAAAAAAAAAAAAAAAAAAAAAAAAAAB/f38AAAAAA8zMzADAwP8Af39/AAAAAAAAAAAAAAAAAAAAAAAAAAAAIQAAABgAAAAUAAAAUCgAABonAABwNQAAWSkAABAAAAAmAAAACAAAAL+PAAAAAAAA"/>
               </a:ext>
             </a:extLst>
           </p:cNvSpPr>
@@ -4352,46 +4375,46 @@
           </a:bodyPr>
           <a:lstStyle>
             <a:lvl1pPr algn="r">
-              <a:defRPr lang="en-au" sz="1200">
+              <a:defRPr lang="en-AU" sz="1200">
                 <a:solidFill>
                   <a:srgbClr val="8C8C8C"/>
                 </a:solidFill>
               </a:defRPr>
             </a:lvl1pPr>
             <a:lvl2pPr>
-              <a:defRPr lang="en-us"/>
+              <a:defRPr lang="en-US"/>
             </a:lvl2pPr>
             <a:lvl3pPr>
-              <a:defRPr lang="en-us"/>
+              <a:defRPr lang="en-US"/>
             </a:lvl3pPr>
             <a:lvl4pPr>
-              <a:defRPr lang="en-us"/>
+              <a:defRPr lang="en-US"/>
             </a:lvl4pPr>
             <a:lvl5pPr>
-              <a:defRPr lang="en-us"/>
+              <a:defRPr lang="en-US"/>
             </a:lvl5pPr>
             <a:lvl6pPr>
-              <a:defRPr lang="en-us"/>
+              <a:defRPr lang="en-US"/>
             </a:lvl6pPr>
             <a:lvl7pPr>
-              <a:defRPr lang="en-us"/>
+              <a:defRPr lang="en-US"/>
             </a:lvl7pPr>
             <a:lvl8pPr>
-              <a:defRPr lang="en-us"/>
+              <a:defRPr lang="en-US"/>
             </a:lvl8pPr>
             <a:lvl9pPr>
-              <a:defRPr lang="en-us"/>
+              <a:defRPr lang="en-US"/>
             </a:lvl9pPr>
           </a:lstStyle>
           <a:p>
             <a:pPr>
-              <a:defRPr lang="en-us"/>
+              <a:defRPr lang="en-US"/>
             </a:pPr>
             <a:fld id="{3D6892DC-92D0-3D64-9ED0-6431DC9E6831}" type="slidenum">
-              <a:rPr lang="en-au"/>
-              <a:t/>
+              <a:rPr lang="en-AU"/>
+              <a:t>‹#›</a:t>
             </a:fld>
-            <a:endParaRPr lang="en-au"/>
+            <a:endParaRPr lang="en-AU"/>
           </a:p>
         </p:txBody>
       </p:sp>
@@ -4426,12 +4449,11 @@
         </a:spcAft>
         <a:buNone/>
         <a:tabLst/>
-        <a:defRPr lang="en-us" sz="4400" b="0" i="0" u="none" strike="noStrike" kern="1" spc="0" baseline="0">
+        <a:defRPr lang="en-US" sz="4400" b="0" i="0" u="none" strike="noStrike" kern="1" spc="0" baseline="0">
           <a:solidFill>
             <a:schemeClr val="tx1"/>
           </a:solidFill>
           <a:effectLst/>
-          <a:txBgFill val="auto"/>
           <a:latin typeface="Calibri" pitchFamily="2" charset="0"/>
           <a:ea typeface="Calibri" pitchFamily="2" charset="0"/>
           <a:cs typeface="Calibri" pitchFamily="2" charset="0"/>
@@ -4449,12 +4471,11 @@
         </a:spcAft>
         <a:buNone/>
         <a:tabLst/>
-        <a:defRPr lang="en-us" sz="1800" b="0" i="0" u="none" strike="noStrike" kern="1" spc="0" baseline="0">
+        <a:defRPr lang="en-US" sz="1800" b="0" i="0" u="none" strike="noStrike" kern="1" spc="0" baseline="0">
           <a:solidFill>
             <a:schemeClr val="tx1"/>
           </a:solidFill>
           <a:effectLst/>
-          <a:txBgFill val="auto"/>
           <a:latin typeface="Calibri" pitchFamily="2" charset="0"/>
           <a:ea typeface="Calibri" pitchFamily="2" charset="0"/>
           <a:cs typeface="Calibri" pitchFamily="2" charset="0"/>
@@ -4472,12 +4493,11 @@
         </a:spcAft>
         <a:buNone/>
         <a:tabLst/>
-        <a:defRPr lang="en-us" sz="1800" b="0" i="0" u="none" strike="noStrike" kern="1" spc="0" baseline="0">
+        <a:defRPr lang="en-US" sz="1800" b="0" i="0" u="none" strike="noStrike" kern="1" spc="0" baseline="0">
           <a:solidFill>
             <a:schemeClr val="tx1"/>
           </a:solidFill>
           <a:effectLst/>
-          <a:txBgFill val="auto"/>
           <a:latin typeface="Calibri" pitchFamily="2" charset="0"/>
           <a:ea typeface="Calibri" pitchFamily="2" charset="0"/>
           <a:cs typeface="Calibri" pitchFamily="2" charset="0"/>
@@ -4495,12 +4515,11 @@
         </a:spcAft>
         <a:buNone/>
         <a:tabLst/>
-        <a:defRPr lang="en-us" sz="1800" b="0" i="0" u="none" strike="noStrike" kern="1" spc="0" baseline="0">
+        <a:defRPr lang="en-US" sz="1800" b="0" i="0" u="none" strike="noStrike" kern="1" spc="0" baseline="0">
           <a:solidFill>
             <a:schemeClr val="tx1"/>
           </a:solidFill>
           <a:effectLst/>
-          <a:txBgFill val="auto"/>
           <a:latin typeface="Calibri" pitchFamily="2" charset="0"/>
           <a:ea typeface="Calibri" pitchFamily="2" charset="0"/>
           <a:cs typeface="Calibri" pitchFamily="2" charset="0"/>
@@ -4518,12 +4537,11 @@
         </a:spcAft>
         <a:buNone/>
         <a:tabLst/>
-        <a:defRPr lang="en-us" sz="1800" b="0" i="0" u="none" strike="noStrike" kern="1" spc="0" baseline="0">
+        <a:defRPr lang="en-US" sz="1800" b="0" i="0" u="none" strike="noStrike" kern="1" spc="0" baseline="0">
           <a:solidFill>
             <a:schemeClr val="tx1"/>
           </a:solidFill>
           <a:effectLst/>
-          <a:txBgFill val="auto"/>
           <a:latin typeface="Calibri" pitchFamily="2" charset="0"/>
           <a:ea typeface="Calibri" pitchFamily="2" charset="0"/>
           <a:cs typeface="Calibri" pitchFamily="2" charset="0"/>
@@ -4541,12 +4559,11 @@
         </a:spcAft>
         <a:buNone/>
         <a:tabLst/>
-        <a:defRPr lang="en-us" sz="1800" b="0" i="0" u="none" strike="noStrike" kern="1" spc="0" baseline="0">
+        <a:defRPr lang="en-US" sz="1800" b="0" i="0" u="none" strike="noStrike" kern="1" spc="0" baseline="0">
           <a:solidFill>
             <a:schemeClr val="tx1"/>
           </a:solidFill>
           <a:effectLst/>
-          <a:txBgFill val="auto"/>
           <a:latin typeface="Calibri" pitchFamily="2" charset="0"/>
           <a:ea typeface="Calibri" pitchFamily="2" charset="0"/>
           <a:cs typeface="Calibri" pitchFamily="2" charset="0"/>
@@ -4564,12 +4581,11 @@
         </a:spcAft>
         <a:buNone/>
         <a:tabLst/>
-        <a:defRPr lang="en-us" sz="1800" b="0" i="0" u="none" strike="noStrike" kern="1" spc="0" baseline="0">
+        <a:defRPr lang="en-US" sz="1800" b="0" i="0" u="none" strike="noStrike" kern="1" spc="0" baseline="0">
           <a:solidFill>
             <a:schemeClr val="tx1"/>
           </a:solidFill>
           <a:effectLst/>
-          <a:txBgFill val="auto"/>
           <a:latin typeface="Calibri" pitchFamily="2" charset="0"/>
           <a:ea typeface="Calibri" pitchFamily="2" charset="0"/>
           <a:cs typeface="Calibri" pitchFamily="2" charset="0"/>
@@ -4587,12 +4603,11 @@
         </a:spcAft>
         <a:buNone/>
         <a:tabLst/>
-        <a:defRPr lang="en-us" sz="1800" b="0" i="0" u="none" strike="noStrike" kern="1" spc="0" baseline="0">
+        <a:defRPr lang="en-US" sz="1800" b="0" i="0" u="none" strike="noStrike" kern="1" spc="0" baseline="0">
           <a:solidFill>
             <a:schemeClr val="tx1"/>
           </a:solidFill>
           <a:effectLst/>
-          <a:txBgFill val="auto"/>
           <a:latin typeface="Calibri" pitchFamily="2" charset="0"/>
           <a:ea typeface="Calibri" pitchFamily="2" charset="0"/>
           <a:cs typeface="Calibri" pitchFamily="2" charset="0"/>
@@ -4610,12 +4625,11 @@
         </a:spcAft>
         <a:buNone/>
         <a:tabLst/>
-        <a:defRPr lang="en-us" sz="1800" b="0" i="0" u="none" strike="noStrike" kern="1" spc="0" baseline="0">
+        <a:defRPr lang="en-US" sz="1800" b="0" i="0" u="none" strike="noStrike" kern="1" spc="0" baseline="0">
           <a:solidFill>
             <a:schemeClr val="tx1"/>
           </a:solidFill>
           <a:effectLst/>
-          <a:txBgFill val="auto"/>
           <a:latin typeface="Calibri" pitchFamily="2" charset="0"/>
           <a:ea typeface="Calibri" pitchFamily="2" charset="0"/>
           <a:cs typeface="Calibri" pitchFamily="2" charset="0"/>
@@ -4638,12 +4652,11 @@
         <a:buFont typeface="Arial" pitchFamily="2" charset="0"/>
         <a:buChar char="•"/>
         <a:tabLst/>
-        <a:defRPr lang="en-us" sz="3200" b="0" i="0" u="none" strike="noStrike" kern="1" spc="0" baseline="0">
+        <a:defRPr lang="en-US" sz="3200" b="0" i="0" u="none" strike="noStrike" kern="1" spc="0" baseline="0">
           <a:solidFill>
             <a:schemeClr val="tx1"/>
           </a:solidFill>
           <a:effectLst/>
-          <a:txBgFill val="auto"/>
           <a:latin typeface="Calibri" pitchFamily="2" charset="0"/>
           <a:ea typeface="Calibri" pitchFamily="2" charset="0"/>
           <a:cs typeface="Calibri" pitchFamily="2" charset="0"/>
@@ -4664,12 +4677,11 @@
         <a:buFont typeface="Arial" pitchFamily="2" charset="0"/>
         <a:buChar char="–"/>
         <a:tabLst/>
-        <a:defRPr lang="en-us" sz="2800" b="0" i="0" u="none" strike="noStrike" kern="1" spc="0" baseline="0">
+        <a:defRPr lang="en-US" sz="2800" b="0" i="0" u="none" strike="noStrike" kern="1" spc="0" baseline="0">
           <a:solidFill>
             <a:schemeClr val="tx1"/>
           </a:solidFill>
           <a:effectLst/>
-          <a:txBgFill val="auto"/>
           <a:latin typeface="Calibri" pitchFamily="2" charset="0"/>
           <a:ea typeface="Calibri" pitchFamily="2" charset="0"/>
           <a:cs typeface="Calibri" pitchFamily="2" charset="0"/>
@@ -4690,12 +4702,11 @@
         <a:buFont typeface="Arial" pitchFamily="2" charset="0"/>
         <a:buChar char="•"/>
         <a:tabLst/>
-        <a:defRPr lang="en-us" sz="2400" b="0" i="0" u="none" strike="noStrike" kern="1" spc="0" baseline="0">
+        <a:defRPr lang="en-US" sz="2400" b="0" i="0" u="none" strike="noStrike" kern="1" spc="0" baseline="0">
           <a:solidFill>
             <a:schemeClr val="tx1"/>
           </a:solidFill>
           <a:effectLst/>
-          <a:txBgFill val="auto"/>
           <a:latin typeface="Calibri" pitchFamily="2" charset="0"/>
           <a:ea typeface="Calibri" pitchFamily="2" charset="0"/>
           <a:cs typeface="Calibri" pitchFamily="2" charset="0"/>
@@ -4716,12 +4727,11 @@
         <a:buFont typeface="Arial" pitchFamily="2" charset="0"/>
         <a:buChar char="–"/>
         <a:tabLst/>
-        <a:defRPr lang="en-us" sz="2000" b="0" i="0" u="none" strike="noStrike" kern="1" spc="0" baseline="0">
+        <a:defRPr lang="en-US" sz="2000" b="0" i="0" u="none" strike="noStrike" kern="1" spc="0" baseline="0">
           <a:solidFill>
             <a:schemeClr val="tx1"/>
           </a:solidFill>
           <a:effectLst/>
-          <a:txBgFill val="auto"/>
           <a:latin typeface="Calibri" pitchFamily="2" charset="0"/>
           <a:ea typeface="Calibri" pitchFamily="2" charset="0"/>
           <a:cs typeface="Calibri" pitchFamily="2" charset="0"/>
@@ -4742,12 +4752,11 @@
         <a:buFont typeface="Arial" pitchFamily="2" charset="0"/>
         <a:buChar char="»"/>
         <a:tabLst/>
-        <a:defRPr lang="en-us" sz="2000" b="0" i="0" u="none" strike="noStrike" kern="1" spc="0" baseline="0">
+        <a:defRPr lang="en-US" sz="2000" b="0" i="0" u="none" strike="noStrike" kern="1" spc="0" baseline="0">
           <a:solidFill>
             <a:schemeClr val="tx1"/>
           </a:solidFill>
           <a:effectLst/>
-          <a:txBgFill val="auto"/>
           <a:latin typeface="Calibri" pitchFamily="2" charset="0"/>
           <a:ea typeface="Calibri" pitchFamily="2" charset="0"/>
           <a:cs typeface="Calibri" pitchFamily="2" charset="0"/>
@@ -4768,12 +4777,11 @@
         <a:buFont typeface="Arial" pitchFamily="2" charset="0"/>
         <a:buChar char="•"/>
         <a:tabLst/>
-        <a:defRPr lang="en-us" sz="2000" b="0" i="0" u="none" strike="noStrike" kern="1" spc="0" baseline="0">
+        <a:defRPr lang="en-US" sz="2000" b="0" i="0" u="none" strike="noStrike" kern="1" spc="0" baseline="0">
           <a:solidFill>
             <a:schemeClr val="tx1"/>
           </a:solidFill>
           <a:effectLst/>
-          <a:txBgFill val="auto"/>
           <a:latin typeface="Calibri" pitchFamily="2" charset="0"/>
           <a:ea typeface="Calibri" pitchFamily="2" charset="0"/>
           <a:cs typeface="Calibri" pitchFamily="2" charset="0"/>
@@ -4794,12 +4802,11 @@
         <a:buFont typeface="Arial" pitchFamily="2" charset="0"/>
         <a:buChar char="•"/>
         <a:tabLst/>
-        <a:defRPr lang="en-us" sz="2000" b="0" i="0" u="none" strike="noStrike" kern="1" spc="0" baseline="0">
+        <a:defRPr lang="en-US" sz="2000" b="0" i="0" u="none" strike="noStrike" kern="1" spc="0" baseline="0">
           <a:solidFill>
             <a:schemeClr val="tx1"/>
           </a:solidFill>
           <a:effectLst/>
-          <a:txBgFill val="auto"/>
           <a:latin typeface="Calibri" pitchFamily="2" charset="0"/>
           <a:ea typeface="Calibri" pitchFamily="2" charset="0"/>
           <a:cs typeface="Calibri" pitchFamily="2" charset="0"/>
@@ -4820,12 +4827,11 @@
         <a:buFont typeface="Arial" pitchFamily="2" charset="0"/>
         <a:buChar char="•"/>
         <a:tabLst/>
-        <a:defRPr lang="en-us" sz="2000" b="0" i="0" u="none" strike="noStrike" kern="1" spc="0" baseline="0">
+        <a:defRPr lang="en-US" sz="2000" b="0" i="0" u="none" strike="noStrike" kern="1" spc="0" baseline="0">
           <a:solidFill>
             <a:schemeClr val="tx1"/>
           </a:solidFill>
           <a:effectLst/>
-          <a:txBgFill val="auto"/>
           <a:latin typeface="Calibri" pitchFamily="2" charset="0"/>
           <a:ea typeface="Calibri" pitchFamily="2" charset="0"/>
           <a:cs typeface="Calibri" pitchFamily="2" charset="0"/>
@@ -4846,12 +4852,11 @@
         <a:buFont typeface="Arial" pitchFamily="2" charset="0"/>
         <a:buChar char="•"/>
         <a:tabLst/>
-        <a:defRPr lang="en-us" sz="2000" b="0" i="0" u="none" strike="noStrike" kern="1" spc="0" baseline="0">
+        <a:defRPr lang="en-US" sz="2000" b="0" i="0" u="none" strike="noStrike" kern="1" spc="0" baseline="0">
           <a:solidFill>
             <a:schemeClr val="tx1"/>
           </a:solidFill>
           <a:effectLst/>
-          <a:txBgFill val="auto"/>
           <a:latin typeface="Calibri" pitchFamily="2" charset="0"/>
           <a:ea typeface="Calibri" pitchFamily="2" charset="0"/>
           <a:cs typeface="Calibri" pitchFamily="2" charset="0"/>
@@ -4871,12 +4876,11 @@
         </a:spcAft>
         <a:buNone/>
         <a:tabLst/>
-        <a:defRPr lang="en-us" sz="1800" b="0" i="0" u="none" strike="noStrike" kern="1" spc="0" baseline="0">
+        <a:defRPr lang="en-US" sz="1800" b="0" i="0" u="none" strike="noStrike" kern="1" spc="0" baseline="0">
           <a:solidFill>
             <a:schemeClr val="tx1"/>
           </a:solidFill>
           <a:effectLst/>
-          <a:txBgFill val="auto"/>
           <a:latin typeface="Calibri" pitchFamily="2" charset="0"/>
           <a:ea typeface="Calibri" pitchFamily="2" charset="0"/>
           <a:cs typeface="Calibri" pitchFamily="2" charset="0"/>
@@ -4894,12 +4898,11 @@
         </a:spcAft>
         <a:buNone/>
         <a:tabLst/>
-        <a:defRPr lang="en-us" sz="1800" b="0" i="0" u="none" strike="noStrike" kern="1" spc="0" baseline="0">
+        <a:defRPr lang="en-US" sz="1800" b="0" i="0" u="none" strike="noStrike" kern="1" spc="0" baseline="0">
           <a:solidFill>
             <a:schemeClr val="tx1"/>
           </a:solidFill>
           <a:effectLst/>
-          <a:txBgFill val="auto"/>
           <a:latin typeface="Calibri" pitchFamily="2" charset="0"/>
           <a:ea typeface="Calibri" pitchFamily="2" charset="0"/>
           <a:cs typeface="Calibri" pitchFamily="2" charset="0"/>
@@ -4917,12 +4920,11 @@
         </a:spcAft>
         <a:buNone/>
         <a:tabLst/>
-        <a:defRPr lang="en-us" sz="1800" b="0" i="0" u="none" strike="noStrike" kern="1" spc="0" baseline="0">
+        <a:defRPr lang="en-US" sz="1800" b="0" i="0" u="none" strike="noStrike" kern="1" spc="0" baseline="0">
           <a:solidFill>
             <a:schemeClr val="tx1"/>
           </a:solidFill>
           <a:effectLst/>
-          <a:txBgFill val="auto"/>
           <a:latin typeface="Calibri" pitchFamily="2" charset="0"/>
           <a:ea typeface="Calibri" pitchFamily="2" charset="0"/>
           <a:cs typeface="Calibri" pitchFamily="2" charset="0"/>
@@ -4940,12 +4942,11 @@
         </a:spcAft>
         <a:buNone/>
         <a:tabLst/>
-        <a:defRPr lang="en-us" sz="1800" b="0" i="0" u="none" strike="noStrike" kern="1" spc="0" baseline="0">
+        <a:defRPr lang="en-US" sz="1800" b="0" i="0" u="none" strike="noStrike" kern="1" spc="0" baseline="0">
           <a:solidFill>
             <a:schemeClr val="tx1"/>
           </a:solidFill>
           <a:effectLst/>
-          <a:txBgFill val="auto"/>
           <a:latin typeface="Calibri" pitchFamily="2" charset="0"/>
           <a:ea typeface="Calibri" pitchFamily="2" charset="0"/>
           <a:cs typeface="Calibri" pitchFamily="2" charset="0"/>
@@ -4963,12 +4964,11 @@
         </a:spcAft>
         <a:buNone/>
         <a:tabLst/>
-        <a:defRPr lang="en-us" sz="1800" b="0" i="0" u="none" strike="noStrike" kern="1" spc="0" baseline="0">
+        <a:defRPr lang="en-US" sz="1800" b="0" i="0" u="none" strike="noStrike" kern="1" spc="0" baseline="0">
           <a:solidFill>
             <a:schemeClr val="tx1"/>
           </a:solidFill>
           <a:effectLst/>
-          <a:txBgFill val="auto"/>
           <a:latin typeface="Calibri" pitchFamily="2" charset="0"/>
           <a:ea typeface="Calibri" pitchFamily="2" charset="0"/>
           <a:cs typeface="Calibri" pitchFamily="2" charset="0"/>
@@ -4986,12 +4986,11 @@
         </a:spcAft>
         <a:buNone/>
         <a:tabLst/>
-        <a:defRPr lang="en-us" sz="1800" b="0" i="0" u="none" strike="noStrike" kern="1" spc="0" baseline="0">
+        <a:defRPr lang="en-US" sz="1800" b="0" i="0" u="none" strike="noStrike" kern="1" spc="0" baseline="0">
           <a:solidFill>
             <a:schemeClr val="tx1"/>
           </a:solidFill>
           <a:effectLst/>
-          <a:txBgFill val="auto"/>
           <a:latin typeface="Calibri" pitchFamily="2" charset="0"/>
           <a:ea typeface="Calibri" pitchFamily="2" charset="0"/>
           <a:cs typeface="Calibri" pitchFamily="2" charset="0"/>
@@ -5009,12 +5008,11 @@
         </a:spcAft>
         <a:buNone/>
         <a:tabLst/>
-        <a:defRPr lang="en-us" sz="1800" b="0" i="0" u="none" strike="noStrike" kern="1" spc="0" baseline="0">
+        <a:defRPr lang="en-US" sz="1800" b="0" i="0" u="none" strike="noStrike" kern="1" spc="0" baseline="0">
           <a:solidFill>
             <a:schemeClr val="tx1"/>
           </a:solidFill>
           <a:effectLst/>
-          <a:txBgFill val="auto"/>
           <a:latin typeface="Calibri" pitchFamily="2" charset="0"/>
           <a:ea typeface="Calibri" pitchFamily="2" charset="0"/>
           <a:cs typeface="Calibri" pitchFamily="2" charset="0"/>
@@ -5032,12 +5030,11 @@
         </a:spcAft>
         <a:buNone/>
         <a:tabLst/>
-        <a:defRPr lang="en-us" sz="1800" b="0" i="0" u="none" strike="noStrike" kern="1" spc="0" baseline="0">
+        <a:defRPr lang="en-US" sz="1800" b="0" i="0" u="none" strike="noStrike" kern="1" spc="0" baseline="0">
           <a:solidFill>
             <a:schemeClr val="tx1"/>
           </a:solidFill>
           <a:effectLst/>
-          <a:txBgFill val="auto"/>
           <a:latin typeface="Calibri" pitchFamily="2" charset="0"/>
           <a:ea typeface="Calibri" pitchFamily="2" charset="0"/>
           <a:cs typeface="Calibri" pitchFamily="2" charset="0"/>
@@ -5055,12 +5052,11 @@
         </a:spcAft>
         <a:buNone/>
         <a:tabLst/>
-        <a:defRPr lang="en-us" sz="1800" b="0" i="0" u="none" strike="noStrike" kern="1" spc="0" baseline="0">
+        <a:defRPr lang="en-US" sz="1800" b="0" i="0" u="none" strike="noStrike" kern="1" spc="0" baseline="0">
           <a:solidFill>
             <a:schemeClr val="tx1"/>
           </a:solidFill>
           <a:effectLst/>
-          <a:txBgFill val="auto"/>
           <a:latin typeface="Calibri" pitchFamily="2" charset="0"/>
           <a:ea typeface="Calibri" pitchFamily="2" charset="0"/>
           <a:cs typeface="Calibri" pitchFamily="2" charset="0"/>
@@ -5072,7 +5068,7 @@
 </file>
 
 <file path=ppt/slides/slide1.xml><?xml version="1.0" encoding="utf-8"?>
-<p:sld xmlns:p="http://schemas.openxmlformats.org/presentationml/2006/main" xmlns:p14="http://schemas.microsoft.com/office/powerpoint/2010/main" xmlns:r="http://schemas.openxmlformats.org/officeDocument/2006/relationships" xmlns:a="http://schemas.openxmlformats.org/drawingml/2006/main">
+<p:sld xmlns:a="http://schemas.openxmlformats.org/drawingml/2006/main" xmlns:r="http://schemas.openxmlformats.org/officeDocument/2006/relationships" xmlns:p="http://schemas.openxmlformats.org/presentationml/2006/main">
   <p:cSld>
     <p:spTree>
       <p:nvGrpSpPr>
@@ -5095,7 +5091,7 @@
             <a:spLocks noGrp="1" noChangeArrowheads="1"/>
             <a:extLst>
               <a:ext uri="smNativeData">
-                <pr:smNativeData xmlns:pr="smNativeData" val="SMDATA_16_n4i/WxMAAAAlAAAAZAAAAA0AAAAAkAAAAEgAAACQAAAASAAAAAAAAAABAAAAAAAAAAEAAABQAAAAAAAAAAAA4D8AAAAAAADgPwAAAAAAAOA/AAAAAAAA4D8AAAAAAADgPwAAAAAAAOA/AAAAAAAA4D8AAAAAAADgPwAAAAAAAOA/AAAAAAAA4D8CAAAAjAAAAAAAAAAAAAAAT4G9DP///wgAAAAAAAAAAAAAAAAAAAAAAAAAAAAAAAAAAAAAZAAAAAEAAABAAAAAAAAAAAAAAAAAAAAAAAAAAAAAAAAAAAAAAAAAAAAAAAAAAAAAAAAAAAAAAAAAAAAAAAAAAAAAAAAAAAAAAAAAAAAAAAAAAAAAAAAAAAAAAAAAAAAAFAAAADwAAAAAAAAAAAAAAAAAAAkUAAAAAQAAABQAAAAUAAAAFAAAAAEAAAAAAAAAZAAAAGQAAAAAAAAAZAAAAGQAAAAVAAAAYAAAAAAAAAAAAAAADwAAACADAAAAAAAAAAAAAAEAAACgMgAAVgcAAKr4//8BAAAAf39/AAEAAABkAAAAAAAAABQAAABAHwAAAAAAACYAAAAAAAAAwOD//wAAAAAmAAAAZAAAABYAAABMAAAAAAAAAAAAAAAEAAAAAAAAAAEAAADu7OEKAAAAACgAAAAoAAAAZAAAAGQAAAAAAAAAzMzMAAAAAABQAAAAUAAAAGQAAABkAAAAAAAAABcAAAAUAAAAAAAAAAAAAAD/fwAA/38AAAAAAAAJAAAABAAAAAAAAAAMAAAAEAAAAAAAAAAAAAAAAAAAAAAAAAAeAAAAaAAAAAAAAAAAAAAAAAAAAAAAAAAAAAAAECcAABAnAAAAAAAAAAAAAAAAAAAAAAAAAAAAAAAAAAAAAAAAAAAAABQAAAAAAAAAwMD/AAAAAABkAAAAMgAAAAAAAABkAAAAAAAAAH9/fwAKAAAAIgAAABgAAAAAAAAAAAAAAAAAAAAAAAAAAAAAAAAAAAAkAAAAJAAAAAAAAAAHAAAAAAAAAAAAAAAAAAAAAAAAAAAAAAAAAAAAf39/ACUAAABYAAAAAAAAAAAAAAAAAAAAAAAAAAAAAAAAAAAAAAAAAAAAAAAAAAAAAAAAAAAAAAA/AAAAAAAAAKCGAQAAAAAAAAAAAAAAAAAMAAAAAQAAAAAAAAAAAAAAAAAAAB8AAABUAAAAT4G9Bf///wEAAAAAAAAAAAAAAAAAAAAAAAAAAAAAAAAAAAAAAAAAAAAAAAJ/f38A7uzhA8zMzADAwP8Af39/AAAAAAAAAAAAAAAAAAAAAAAAAAAAIQAAABgAAAAUAAAAOAQAABsNAAAINAAAJhYAABAAAAAmAAAACAAAAAAAAAAAAAAA"/>
+                <pr:smNativeData xmlns="" xmlns:p14="http://schemas.microsoft.com/office/powerpoint/2010/main" xmlns:pr="smNativeData" val="SMDATA_16_n4i/WxMAAAAlAAAAZAAAAA0AAAAAkAAAAEgAAACQAAAASAAAAAAAAAABAAAAAAAAAAEAAABQAAAAAAAAAAAA4D8AAAAAAADgPwAAAAAAAOA/AAAAAAAA4D8AAAAAAADgPwAAAAAAAOA/AAAAAAAA4D8AAAAAAADgPwAAAAAAAOA/AAAAAAAA4D8CAAAAjAAAAAAAAAAAAAAAT4G9DP///wgAAAAAAAAAAAAAAAAAAAAAAAAAAAAAAAAAAAAAZAAAAAEAAABAAAAAAAAAAAAAAAAAAAAAAAAAAAAAAAAAAAAAAAAAAAAAAAAAAAAAAAAAAAAAAAAAAAAAAAAAAAAAAAAAAAAAAAAAAAAAAAAAAAAAAAAAAAAAAAAAAAAAFAAAADwAAAAAAAAAAAAAAAAAAAkUAAAAAQAAABQAAAAUAAAAFAAAAAEAAAAAAAAAZAAAAGQAAAAAAAAAZAAAAGQAAAAVAAAAYAAAAAAAAAAAAAAADwAAACADAAAAAAAAAAAAAAEAAACgMgAAVgcAAKr4//8BAAAAf39/AAEAAABkAAAAAAAAABQAAABAHwAAAAAAACYAAAAAAAAAwOD//wAAAAAmAAAAZAAAABYAAABMAAAAAAAAAAAAAAAEAAAAAAAAAAEAAADu7OEKAAAAACgAAAAoAAAAZAAAAGQAAAAAAAAAzMzMAAAAAABQAAAAUAAAAGQAAABkAAAAAAAAABcAAAAUAAAAAAAAAAAAAAD/fwAA/38AAAAAAAAJAAAABAAAAAAAAAAMAAAAEAAAAAAAAAAAAAAAAAAAAAAAAAAeAAAAaAAAAAAAAAAAAAAAAAAAAAAAAAAAAAAAECcAABAnAAAAAAAAAAAAAAAAAAAAAAAAAAAAAAAAAAAAAAAAAAAAABQAAAAAAAAAwMD/AAAAAABkAAAAMgAAAAAAAABkAAAAAAAAAH9/fwAKAAAAIgAAABgAAAAAAAAAAAAAAAAAAAAAAAAAAAAAAAAAAAAkAAAAJAAAAAAAAAAHAAAAAAAAAAAAAAAAAAAAAAAAAAAAAAAAAAAAf39/ACUAAABYAAAAAAAAAAAAAAAAAAAAAAAAAAAAAAAAAAAAAAAAAAAAAAAAAAAAAAAAAAAAAAA/AAAAAAAAAKCGAQAAAAAAAAAAAAAAAAAMAAAAAQAAAAAAAAAAAAAAAAAAAB8AAABUAAAAT4G9Bf///wEAAAAAAAAAAAAAAAAAAAAAAAAAAAAAAAAAAAAAAAAAAAAAAAJ/f38A7uzhA8zMzADAwP8Af39/AAAAAAAAAAAAAAAAAAAAAAAAAAAAIQAAABgAAAAUAAAAOAQAABsNAAAINAAAJhYAABAAAAAmAAAACAAAAAAAAAAAAAAA"/>
               </a:ext>
             </a:extLst>
           </p:cNvSpPr>
@@ -5109,13 +5105,12 @@
           <a:lstStyle/>
           <a:p>
             <a:pPr>
-              <a:defRPr lang="en-us"/>
-            </a:pPr>
-            <a:r>
-              <a:rPr lang="en-au"/>
+              <a:defRPr lang="en-US"/>
+            </a:pPr>
+            <a:r>
+              <a:rPr lang="en-AU" dirty="0"/>
               <a:t>REST API Security</a:t>
             </a:r>
-            <a:endParaRPr lang="en-au"/>
           </a:p>
         </p:txBody>
       </p:sp>
@@ -5126,7 +5121,7 @@
             <a:spLocks noGrp="1" noChangeArrowheads="1"/>
             <a:extLst>
               <a:ext uri="smNativeData">
-                <pr:smNativeData xmlns:pr="smNativeData" val="SMDATA_16_n4i/WxMAAAAlAAAAZAAAAA0AAAAAkAAAAEgAAACQAAAASAAAAAAAAAAAAAAAAAAAAAEAAABQAAAAAAAAAAAA4D8AAAAAAADgPwAAAAAAAOA/AAAAAAAA4D8AAAAAAADgPwAAAAAAAOA/AAAAAAAA4D8AAAAAAADgPwAAAAAAAOA/AAAAAAAA4D8CAAAAjAAAAAAAAAAAAAAAT4G9DP///wgAAAAAAAAAAAAAAAAAAAAAAAAAAAAAAAAAAAAAZAAAAAEAAABAAAAAAAAAAAAAAAAAAAAAAAAAAAAAAAAAAAAAAAAAAAAAAAAAAAAAAAAAAAAAAAAAAAAAAAAAAAAAAAAAAAAAAAAAAAAAAAAAAAAAAAAAAAAAAAAAAAAAFAAAADwAAAAAAAAAAAAAAAAAAAkUAAAAAQAAABQAAAAUAAAAFAAAAAEAAAAAAAAAZAAAAGQAAAAAAAAAZAAAAGQAAAAVAAAAYAAAAAAAAAAAAAAADwAAACADAAAAAAAAAAAAAAEAAACgMgAAVgcAAKr4//8BAAAAf39/AAEAAABkAAAAAAAAABQAAABAHwAAAAAAACYAAAAAAAAAwOD//wAAAAAmAAAAZAAAABYAAABMAAAAAAAAAAAAAAAEAAAAAAAAAAEAAADu7OEKAAAAACgAAAAoAAAAZAAAAGQAAAAAAAAAzMzMAAAAAABQAAAAUAAAAGQAAABkAAAAAAAAABcAAAAUAAAAAAAAAAAAAAD/fwAA/38AAAAAAAAJAAAABAAAAAAAAAAMAAAAEAAAAAAAAAAAAAAAAAAAAAAAAAAeAAAAaAAAAAAAAAAAAAAAAAAAAAAAAAAAAAAAECcAABAnAAAAAAAAAAAAAAAAAAAAAAAAAAAAAAAAAAAAAAAAAAAAABQAAAAAAAAAwMD/AAAAAABkAAAAMgAAAAAAAABkAAAAAAAAAH9/fwAKAAAAIgAAABgAAAAAAAAAAAAAAAAAAAAAAAAAAAAAAAAAAAAkAAAAJAAAAAAAAAAHAAAAAAAAAAAAAAAAAAAAAAAAAAAAAAAAAAAAf39/ACUAAABYAAAAAAAAAAAAAAAAAAAAAAAAAAAAAAAAAAAAAAAAAAAAAAAAAAAAAAAAAAAAAAA/AAAAAAAAAKCGAQAAAAAAAAAAAAAAAAAMAAAAAQAAAAAAAAAAAAAAAAAAAB8AAABUAAAAT4G9Bf///wEAAAAAAAAAAAAAAAAAAAAAAAAAAAAAAAAAAAAAAAAAAAAAAAJ/f38A7uzhA8zMzADAwP8Af39/AAAAAAAAAAAAAAAAAAAAAAAAAAAAIQAAABgAAAAUAAAAcAgAAOgXAADQLwAAsCIAABAAAAAmAAAACAAAAAAAAAAAAAAA"/>
+                <pr:smNativeData xmlns="" xmlns:p14="http://schemas.microsoft.com/office/powerpoint/2010/main" xmlns:pr="smNativeData" val="SMDATA_16_n4i/WxMAAAAlAAAAZAAAAA0AAAAAkAAAAEgAAACQAAAASAAAAAAAAAAAAAAAAAAAAAEAAABQAAAAAAAAAAAA4D8AAAAAAADgPwAAAAAAAOA/AAAAAAAA4D8AAAAAAADgPwAAAAAAAOA/AAAAAAAA4D8AAAAAAADgPwAAAAAAAOA/AAAAAAAA4D8CAAAAjAAAAAAAAAAAAAAAT4G9DP///wgAAAAAAAAAAAAAAAAAAAAAAAAAAAAAAAAAAAAAZAAAAAEAAABAAAAAAAAAAAAAAAAAAAAAAAAAAAAAAAAAAAAAAAAAAAAAAAAAAAAAAAAAAAAAAAAAAAAAAAAAAAAAAAAAAAAAAAAAAAAAAAAAAAAAAAAAAAAAAAAAAAAAFAAAADwAAAAAAAAAAAAAAAAAAAkUAAAAAQAAABQAAAAUAAAAFAAAAAEAAAAAAAAAZAAAAGQAAAAAAAAAZAAAAGQAAAAVAAAAYAAAAAAAAAAAAAAADwAAACADAAAAAAAAAAAAAAEAAACgMgAAVgcAAKr4//8BAAAAf39/AAEAAABkAAAAAAAAABQAAABAHwAAAAAAACYAAAAAAAAAwOD//wAAAAAmAAAAZAAAABYAAABMAAAAAAAAAAAAAAAEAAAAAAAAAAEAAADu7OEKAAAAACgAAAAoAAAAZAAAAGQAAAAAAAAAzMzMAAAAAABQAAAAUAAAAGQAAABkAAAAAAAAABcAAAAUAAAAAAAAAAAAAAD/fwAA/38AAAAAAAAJAAAABAAAAAAAAAAMAAAAEAAAAAAAAAAAAAAAAAAAAAAAAAAeAAAAaAAAAAAAAAAAAAAAAAAAAAAAAAAAAAAAECcAABAnAAAAAAAAAAAAAAAAAAAAAAAAAAAAAAAAAAAAAAAAAAAAABQAAAAAAAAAwMD/AAAAAABkAAAAMgAAAAAAAABkAAAAAAAAAH9/fwAKAAAAIgAAABgAAAAAAAAAAAAAAAAAAAAAAAAAAAAAAAAAAAAkAAAAJAAAAAAAAAAHAAAAAAAAAAAAAAAAAAAAAAAAAAAAAAAAAAAAf39/ACUAAABYAAAAAAAAAAAAAAAAAAAAAAAAAAAAAAAAAAAAAAAAAAAAAAAAAAAAAAAAAAAAAAA/AAAAAAAAAKCGAQAAAAAAAAAAAAAAAAAMAAAAAQAAAAAAAAAAAAAAAAAAAB8AAABUAAAAT4G9Bf///wEAAAAAAAAAAAAAAAAAAAAAAAAAAAAAAAAAAAAAAAAAAAAAAAJ/f38A7uzhA8zMzADAwP8Af39/AAAAAAAAAAAAAAAAAAAAAAAAAAAAIQAAABgAAAAUAAAAcAgAAOgXAADQLwAAsCIAABAAAAAmAAAACAAAAAAAAAAAAAAA"/>
               </a:ext>
             </a:extLst>
           </p:cNvSpPr>
@@ -5140,8 +5135,9 @@
           <a:lstStyle/>
           <a:p>
             <a:pPr>
-              <a:defRPr lang="en-us"/>
-            </a:pPr>
+              <a:defRPr lang="en-US"/>
+            </a:pPr>
+            <a:endParaRPr dirty="0"/>
           </a:p>
         </p:txBody>
       </p:sp>
@@ -5161,7 +5157,7 @@
 </file>
 
 <file path=ppt/slides/slide10.xml><?xml version="1.0" encoding="utf-8"?>
-<p:sld xmlns:p="http://schemas.openxmlformats.org/presentationml/2006/main" xmlns:p14="http://schemas.microsoft.com/office/powerpoint/2010/main" xmlns:r="http://schemas.openxmlformats.org/officeDocument/2006/relationships" xmlns:a="http://schemas.openxmlformats.org/drawingml/2006/main">
+<p:sld xmlns:a="http://schemas.openxmlformats.org/drawingml/2006/main" xmlns:r="http://schemas.openxmlformats.org/officeDocument/2006/relationships" xmlns:p="http://schemas.openxmlformats.org/presentationml/2006/main">
   <p:cSld>
     <p:spTree>
       <p:nvGrpSpPr>
@@ -5184,7 +5180,7 @@
             <a:spLocks noGrp="1" noChangeArrowheads="1"/>
             <a:extLst>
               <a:ext uri="smNativeData">
-                <pr:smNativeData xmlns:pr="smNativeData" val="SMDATA_16_n4i/WxMAAAAlAAAAZAAAAA0AAAAAkAAAAEgAAACQAAAASAAAAAAAAAABAAAAAAAAAAEAAABQAAAAAAAAAAAA4D8AAAAAAADgPwAAAAAAAOA/AAAAAAAA4D8AAAAAAADgPwAAAAAAAOA/AAAAAAAA4D8AAAAAAADgPwAAAAAAAOA/AAAAAAAA4D8CAAAAjAAAAAAAAAAAAAAAT4G9DP///wgAAAAAAAAAAAAAAAAAAAAAAAAAAAAAAAAAAAAAZAAAAAEAAABAAAAAAAAAAAAAAAAAAAAAAAAAAAAAAAAAAAAAAAAAAAAAAAAAAAAAAAAAAAAAAAAAAAAAAAAAAAAAAAAAAAAAAAAAAAAAAAAAAAAAAAAAAAAAAAAAAAAAFAAAADwAAAAAAAAAAAAAAAAAAAkUAAAAAQAAABQAAAAUAAAAFAAAAAEAAAAAAAAAZAAAAGQAAAAAAAAAZAAAAGQAAAAVAAAAYAAAAAAAAAAAAAAADwAAACADAAAAAAAAAAAAAAEAAACgMgAAVgcAAKr4//8BAAAAf39/AAEAAABkAAAAAAAAABQAAABAHwAAAAAAACYAAAAAAAAAwOD//wAAAAAmAAAAZAAAABYAAABMAAAAAAAAAAAAAAAEAAAAAAAAAAEAAADu7OEKAAAAACgAAAAoAAAAZAAAAGQAAAAAAAAAzMzMAAAAAABQAAAAUAAAAGQAAABkAAAAAAAAABcAAAAUAAAAAAAAAAAAAAD/fwAA/38AAAAAAAAJAAAABAAAAGcAaAAMAAAAEAAAAAAAAAAAAAAAAAAAAAAAAAAeAAAAaAAAAAAAAAAAAAAAAAAAAAAAAAAAAAAAECcAABAnAAAAAAAAAAAAAAAAAAAAAAAAAAAAAAAAAAAAAAAAAAAAABQAAAAAAAAAwMD/AAAAAABkAAAAMgAAAAAAAABkAAAAAAAAAH9/fwAKAAAAIgAAABgAAAAAAAAAAAAAAAAAAAAAAAAAAAAAAAAAAAAkAAAAJAAAAAAAAAAHAAAAAAAAAAAAAAAAAAAAAAAAAAAAAAAAAAAAf39/ACUAAABYAAAAAAAAAAAAAAAAAAAAAAAAAAAAAAAAAAAAAAAAAAAAAAAAAAAAAAAAAAAAAAA/AAAAAAAAAKCGAQAAAAAAAAAAAAAAAAAMAAAAAQAAAAAAAAAAAAAAAAAAAB8AAABUAAAAT4G9Bf///wEAAAAAAAAAAAAAAAAAAAAAAAAAAAAAAAAAAAAAAAAAAAAAAAJ/f38A7uzhA8zMzADAwP8Af39/AAAAAAAAAAAAAAAAAAAAAAAAAAAAIQAAABgAAAAUAAAA0AIAALEBAABwNQAACAYAABAAAAAmAAAACAAAAAEgAAAAAAAA"/>
+                <pr:smNativeData xmlns="" xmlns:p14="http://schemas.microsoft.com/office/powerpoint/2010/main" xmlns:pr="smNativeData" val="SMDATA_16_n4i/WxMAAAAlAAAAZAAAAA0AAAAAkAAAAEgAAACQAAAASAAAAAAAAAABAAAAAAAAAAEAAABQAAAAAAAAAAAA4D8AAAAAAADgPwAAAAAAAOA/AAAAAAAA4D8AAAAAAADgPwAAAAAAAOA/AAAAAAAA4D8AAAAAAADgPwAAAAAAAOA/AAAAAAAA4D8CAAAAjAAAAAAAAAAAAAAAT4G9DP///wgAAAAAAAAAAAAAAAAAAAAAAAAAAAAAAAAAAAAAZAAAAAEAAABAAAAAAAAAAAAAAAAAAAAAAAAAAAAAAAAAAAAAAAAAAAAAAAAAAAAAAAAAAAAAAAAAAAAAAAAAAAAAAAAAAAAAAAAAAAAAAAAAAAAAAAAAAAAAAAAAAAAAFAAAADwAAAAAAAAAAAAAAAAAAAkUAAAAAQAAABQAAAAUAAAAFAAAAAEAAAAAAAAAZAAAAGQAAAAAAAAAZAAAAGQAAAAVAAAAYAAAAAAAAAAAAAAADwAAACADAAAAAAAAAAAAAAEAAACgMgAAVgcAAKr4//8BAAAAf39/AAEAAABkAAAAAAAAABQAAABAHwAAAAAAACYAAAAAAAAAwOD//wAAAAAmAAAAZAAAABYAAABMAAAAAAAAAAAAAAAEAAAAAAAAAAEAAADu7OEKAAAAACgAAAAoAAAAZAAAAGQAAAAAAAAAzMzMAAAAAABQAAAAUAAAAGQAAABkAAAAAAAAABcAAAAUAAAAAAAAAAAAAAD/fwAA/38AAAAAAAAJAAAABAAAAAAAAAAMAAAAEAAAAAAAAAAAAAAAAAAAAAAAAAAeAAAAaAAAAAAAAAAAAAAAAAAAAAAAAAAAAAAAECcAABAnAAAAAAAAAAAAAAAAAAAAAAAAAAAAAAAAAAAAAAAAAAAAABQAAAAAAAAAwMD/AAAAAABkAAAAMgAAAAAAAABkAAAAAAAAAH9/fwAKAAAAIgAAABgAAAAAAAAAAAAAAAAAAAAAAAAAAAAAAAAAAAAkAAAAJAAAAAAAAAAHAAAAAAAAAAAAAAAAAAAAAAAAAAAAAAAAAAAAf39/ACUAAABYAAAAAAAAAAAAAAAAAAAAAAAAAAAAAAAAAAAAAAAAAAAAAAAAAAAAAAAAAAAAAAA/AAAAAAAAAKCGAQAAAAAAAAAAAAAAAAAMAAAAAQAAAAAAAAAAAAAAAAAAAB8AAABUAAAAT4G9Bf///wEAAAAAAAAAAAAAAAAAAAAAAAAAAAAAAAAAAAAAAAAAAAAAAAJ/f38A7uzhA8zMzADAwP8Af39/AAAAAAAAAAAAAAAAAAAAAAAAAAAAIQAAABgAAAAUAAAA0AIAALEBAABwNQAACAYAAAAAAAAmAAAACAAAAAEgAAAAAAAA"/>
               </a:ext>
             </a:extLst>
           </p:cNvSpPr>
@@ -5207,13 +5203,13 @@
           <a:lstStyle/>
           <a:p>
             <a:pPr>
-              <a:defRPr lang="en-us"/>
-            </a:pPr>
-            <a:r>
-              <a:rPr lang="en-au" sz="2800"/>
-              <a:t>Solution Outline – Components</a:t>
-            </a:r>
-            <a:endParaRPr lang="en-au" sz="2800"/>
+              <a:defRPr lang="en-US"/>
+            </a:pPr>
+            <a:r>
+              <a:rPr lang="en-AU" sz="2800" dirty="0" smtClean="0"/>
+              <a:t>Further consideration</a:t>
+            </a:r>
+            <a:endParaRPr lang="en-AU" sz="2800" dirty="0"/>
           </a:p>
         </p:txBody>
       </p:sp>
@@ -5224,7 +5220,7 @@
             <a:spLocks noGrp="1" noChangeArrowheads="1"/>
             <a:extLst>
               <a:ext uri="smNativeData">
-                <pr:smNativeData xmlns:pr="smNativeData" val="SMDATA_16_n4i/WxMAAAAlAAAAZAAAAA0AAAAAkAAAAEgAAACQAAAASAAAAAAAAAAAAAAAAAAAAAEAAABQAAAAAAAAAAAA4D8AAAAAAADgPwAAAAAAAOA/AAAAAAAA4D8AAAAAAADgPwAAAAAAAOA/AAAAAAAA4D8AAAAAAADgPwAAAAAAAOA/AAAAAAAA4D8CAAAAjAAAAAAAAAAAAAAAT4G9DP///wgAAAAAAAAAAAAAAAAAAAAAAAAAAAAAAAAAAAAAZAAAAAEAAABAAAAAAAAAAAAAAAAAAAAAAAAAAAAAAAAAAAAAAAAAAAAAAAAAAAAAAAAAAAAAAAAAAAAAAAAAAAAAAAAAAAAAAAAAAAAAAAAAAAAAAAAAAAAAAAAAAAAAFAAAADwAAAAAAAAAAAAAAAAAAAkUAAAAAQAAABQAAAAUAAAAFAAAAAEAAAAAAAAAZAAAAGQAAAAAAAAAZAAAAGQAAAAVAAAAYAAAAAAAAAAAAAAADwAAACADAAAAAAAAAAAAAAEAAACgMgAAVgcAAKr4//8BAAAAf39/AAEAAABkAAAAAAAAABQAAABAHwAAAAAAACYAAAAAAAAAwOD//wAAAAAmAAAAZAAAABYAAABMAAAAAAAAAAAAAAAEAAAAAAAAAAEAAADu7OEKAAAAACgAAAAoAAAAZAAAAGQAAAAAAAAAzMzMAAAAAABQAAAAUAAAAGQAAABkAAAAAAAAABcAAAAUAAAAAAAAAAAAAAD/fwAA/38AAAAAAAAJAAAABAAAAAAAAAAMAAAAEAAAAAAAAAAAAAAAAAAAAAAAAAAeAAAAaAAAAAAAAAAAAAAAAAAAAAAAAAAAAAAAECcAABAnAAAAAAAAAAAAAAAAAAAAAAAAAAAAAAAAAAAAAAAAAAAAABQAAAAAAAAAwMD/AAAAAABkAAAAMgAAAAAAAABkAAAAAAAAAH9/fwAKAAAAIgAAABgAAAAAAAAAAAAAAAAAAAAAAAAAAAAAAAAAAAAkAAAAJAAAAAAAAAAHAAAAAAAAAAAAAAAAAAAAAAAAAAAAAAAAAAAAf39/ACUAAABYAAAAAAAAAAAAAAAAAAAAAAAAAAAAAAAAAAAAAAAAAAAAAAAAAAAAAAAAAAAAAAA/AAAAAAAAAKCGAQAAAAAAAAAAAAAAAAAMAAAAAQAAAAAAAAAAAAAAAAAAAB8AAABUAAAAT4G9Bf///wEAAAAAAAAAAAAAAAAAAAAAAAAAAAAAAAAAAAAAAAAAAAAAAAJ/f38A7uzhA8zMzADAwP8Af39/AAAAAAAAAAAAAAAAAAAAAAAAAAAAIQAAABgAAAAUAAAA0AIAANgJAABwNQAAsCUAABAAAAAmAAAACAAAAAAgAAAAAAAA"/>
+                <pr:smNativeData xmlns="" xmlns:p14="http://schemas.microsoft.com/office/powerpoint/2010/main" xmlns:pr="smNativeData" val="SMDATA_16_n4i/WxMAAAAlAAAAZAAAAA0AAAAAkAAAAEgAAACQAAAASAAAAAAAAAAAAAAAAAAAAAEAAABQAAAAAAAAAAAA4D8AAAAAAADgPwAAAAAAAOA/AAAAAAAA4D8AAAAAAADgPwAAAAAAAOA/AAAAAAAA4D8AAAAAAADgPwAAAAAAAOA/AAAAAAAA4D8CAAAAjAAAAAAAAAAAAAAAT4G9DP///wgAAAAAAAAAAAAAAAAAAAAAAAAAAAAAAAAAAAAAZAAAAAEAAABAAAAAAAAAAAAAAAAAAAAAAAAAAAAAAAAAAAAAAAAAAAAAAAAAAAAAAAAAAAAAAAAAAAAAAAAAAAAAAAAAAAAAAAAAAAAAAAAAAAAAAAAAAAAAAAAAAAAAFAAAADwAAAAAAAAAAAAAAAAAAAkUAAAAAQAAABQAAAAUAAAAFAAAAAEAAAAAAAAAZAAAAGQAAAAAAAAAZAAAAGQAAAAVAAAAYAAAAAAAAAAAAAAADwAAACADAAAAAAAAAAAAAAEAAACgMgAAVgcAAKr4//8BAAAAf39/AAEAAABkAAAAAAAAABQAAABAHwAAAAAAACYAAAAAAAAAwOD//wAAAAAmAAAAZAAAABYAAABMAAAAAAAAAAAAAAAEAAAAAAAAAAEAAADu7OEKAAAAACgAAAAoAAAAZAAAAGQAAAAAAAAAzMzMAAAAAABQAAAAUAAAAGQAAABkAAAAAAAAABcAAAAUAAAAAAAAAAAAAAD/fwAA/38AAAAAAAAJAAAABAAAAAAAAAAMAAAAEAAAAAAAAAAAAAAAAAAAAAAAAAAeAAAAaAAAAAAAAAAAAAAAAAAAAAAAAAAAAAAAECcAABAnAAAAAAAAAAAAAAAAAAAAAAAAAAAAAAAAAAAAAAAAAAAAABQAAAAAAAAAwMD/AAAAAABkAAAAMgAAAAAAAABkAAAAAAAAAH9/fwAKAAAAIgAAABgAAAAAAAAAAAAAAAAAAAAAAAAAAAAAAAAAAAAkAAAAJAAAAAAAAAAHAAAAAAAAAAAAAAAAAAAAAAAAAAAAAAAAAAAAf39/ACUAAABYAAAAAAAAAAAAAAAAAAAAAAAAAAAAAAAAAAAAAAAAAAAAAAAAAAAAAAAAAAAAAAA/AAAAAAAAAKCGAQAAAAAAAAAAAAAAAAAMAAAAAQAAAAAAAAAAAAAAAAAAAB8AAABUAAAAT4G9Bf///wEAAAAAAAAAAAAAAAAAAAAAAAAAAAAAAAAAAAAAAAAAAAAAAAJ/f38A7uzhA8zMzADAwP8Af39/AAAAAAAAAAAAAAAAAAAAAAAAAAAAIQAAABgAAAAUAAAA0AIAANgJAABwNQAAsCUAAAAAAAAmAAAACAAAAAEgAAAAAAAA"/>
               </a:ext>
             </a:extLst>
           </p:cNvSpPr>
@@ -5232,7 +5228,12 @@
             <p:ph type="body" idx="1"/>
           </p:nvPr>
         </p:nvSpPr>
-        <p:spPr/>
+        <p:spPr>
+          <a:xfrm>
+            <a:off x="457200" y="1600200"/>
+            <a:ext cx="8229600" cy="4526280"/>
+          </a:xfrm>
+        </p:spPr>
         <p:txBody>
           <a:bodyPr vert="horz" wrap="square" lIns="91440" tIns="45720" rIns="91440" bIns="45720" numCol="1" anchor="t">
             <a:prstTxWarp prst="textNoShape">
@@ -5244,12 +5245,112 @@
             <a:pPr>
               <a:buFontTx/>
               <a:buAutoNum type="arabicPeriod"/>
-              <a:defRPr lang="en-us"/>
-            </a:pPr>
+              <a:defRPr lang="en-US" sz="1600"/>
+            </a:pPr>
+            <a:r>
+              <a:rPr dirty="0" smtClean="0"/>
+              <a:t>Token style options</a:t>
+            </a:r>
+          </a:p>
+          <a:p>
+            <a:pPr marL="800100" lvl="1" indent="-342900">
+              <a:buFont typeface="+mj-lt"/>
+              <a:buAutoNum type="alphaLcParenR"/>
+              <a:defRPr lang="en-US" sz="1600"/>
+            </a:pPr>
+            <a:r>
+              <a:rPr lang="en-US" dirty="0" smtClean="0"/>
+              <a:t>JWT</a:t>
+            </a:r>
+          </a:p>
+          <a:p>
+            <a:pPr lvl="1">
+              <a:buFontTx/>
+              <a:buAutoNum type="alphaLcParenR"/>
+              <a:defRPr lang="en-US" sz="1600"/>
+            </a:pPr>
+            <a:r>
+              <a:rPr lang="en-US" dirty="0" smtClean="0"/>
+              <a:t>Binary</a:t>
+            </a:r>
+            <a:br>
+              <a:rPr lang="en-US" dirty="0" smtClean="0"/>
+            </a:br>
+            <a:endParaRPr lang="en-US" dirty="0" smtClean="0"/>
+          </a:p>
+          <a:p>
+            <a:pPr>
+              <a:buFontTx/>
+              <a:buAutoNum type="arabicPeriod"/>
+              <a:defRPr lang="en-US" sz="1600"/>
+            </a:pPr>
+            <a:r>
+              <a:rPr lang="en-US" dirty="0" smtClean="0"/>
+              <a:t>Liberty based OpenID provider</a:t>
+            </a:r>
+            <a:br>
+              <a:rPr lang="en-US" dirty="0" smtClean="0"/>
+            </a:br>
+            <a:endParaRPr lang="en-US" dirty="0" smtClean="0"/>
+          </a:p>
+          <a:p>
+            <a:pPr>
+              <a:buFontTx/>
+              <a:buAutoNum type="arabicPeriod"/>
+              <a:defRPr lang="en-US" sz="1600"/>
+            </a:pPr>
+            <a:r>
+              <a:rPr dirty="0" smtClean="0"/>
+              <a:t>Current issues</a:t>
+            </a:r>
+          </a:p>
+          <a:p>
+            <a:pPr marL="800100" lvl="1" indent="-342900">
+              <a:buFont typeface="+mj-lt"/>
+              <a:buAutoNum type="alphaLcParenR"/>
+              <a:defRPr lang="en-US" sz="1600"/>
+            </a:pPr>
+            <a:r>
+              <a:rPr lang="en-US" dirty="0" smtClean="0"/>
+              <a:t>JWT + JDBC </a:t>
+            </a:r>
+            <a:r>
+              <a:rPr lang="en-US" dirty="0" err="1" smtClean="0"/>
+              <a:t>troken</a:t>
+            </a:r>
+            <a:r>
+              <a:rPr lang="en-US" dirty="0" smtClean="0"/>
+              <a:t> store not provided out of the box in Spring</a:t>
+            </a:r>
+          </a:p>
+          <a:p>
+            <a:pPr lvl="1">
+              <a:buFontTx/>
+              <a:buAutoNum type="alphaLcParenR"/>
+              <a:defRPr lang="en-US" sz="1600"/>
+            </a:pPr>
+            <a:r>
+              <a:rPr lang="en-US" dirty="0" smtClean="0"/>
+              <a:t>Basic Authentication enforced on </a:t>
+            </a:r>
+            <a:r>
+              <a:rPr lang="en-US" dirty="0" err="1" smtClean="0"/>
+              <a:t>Authorisation</a:t>
+            </a:r>
+            <a:r>
+              <a:rPr lang="en-US" dirty="0" smtClean="0"/>
+              <a:t> Server endpoints</a:t>
+            </a:r>
+            <a:endParaRPr dirty="0"/>
           </a:p>
         </p:txBody>
       </p:sp>
     </p:spTree>
+    <p:extLst>
+      <p:ext uri="{BB962C8B-B14F-4D97-AF65-F5344CB8AC3E}">
+        <p14:creationId xmlns:p14="http://schemas.microsoft.com/office/powerpoint/2010/main" val="1977721480"/>
+      </p:ext>
+    </p:extLst>
   </p:cSld>
   <p:clrMapOvr>
     <a:masterClrMapping/>
@@ -5264,8 +5365,8 @@
 </p:sld>
 </file>
 
-<file path=ppt/slides/slide11.xml><?xml version="1.0" encoding="utf-8"?>
-<p:sld xmlns:p="http://schemas.openxmlformats.org/presentationml/2006/main" xmlns:p14="http://schemas.microsoft.com/office/powerpoint/2010/main" xmlns:r="http://schemas.openxmlformats.org/officeDocument/2006/relationships" xmlns:a="http://schemas.openxmlformats.org/drawingml/2006/main">
+<file path=ppt/slides/slide2.xml><?xml version="1.0" encoding="utf-8"?>
+<p:sld xmlns:a="http://schemas.openxmlformats.org/drawingml/2006/main" xmlns:r="http://schemas.openxmlformats.org/officeDocument/2006/relationships" xmlns:p="http://schemas.openxmlformats.org/presentationml/2006/main">
   <p:cSld>
     <p:spTree>
       <p:nvGrpSpPr>
@@ -5288,7 +5389,7 @@
             <a:spLocks noGrp="1" noChangeArrowheads="1"/>
             <a:extLst>
               <a:ext uri="smNativeData">
-                <pr:smNativeData xmlns:pr="smNativeData" val="SMDATA_16_n4i/WxMAAAAlAAAAZAAAAA0AAAAAkAAAAEgAAACQAAAASAAAAAAAAAABAAAAAAAAAAEAAABQAAAAAAAAAAAA4D8AAAAAAADgPwAAAAAAAOA/AAAAAAAA4D8AAAAAAADgPwAAAAAAAOA/AAAAAAAA4D8AAAAAAADgPwAAAAAAAOA/AAAAAAAA4D8CAAAAjAAAAAAAAAAAAAAAT4G9DP///wgAAAAAAAAAAAAAAAAAAAAAAAAAAAAAAAAAAAAAZAAAAAEAAABAAAAAAAAAAAAAAAAAAAAAAAAAAAAAAAAAAAAAAAAAAAAAAAAAAAAAAAAAAAAAAAAAAAAAAAAAAAAAAAAAAAAAAAAAAAAAAAAAAAAAAAAAAAAAAAAAAAAAFAAAADwAAAAAAAAAAAAAAAAAAAkUAAAAAQAAABQAAAAUAAAAFAAAAAEAAAAAAAAAZAAAAGQAAAAAAAAAZAAAAGQAAAAVAAAAYAAAAAAAAAAAAAAADwAAACADAAAAAAAAAAAAAAEAAACgMgAAVgcAAKr4//8BAAAAf39/AAEAAABkAAAAAAAAABQAAABAHwAAAAAAACYAAAAAAAAAwOD//wAAAAAmAAAAZAAAABYAAABMAAAAAAAAAAAAAAAEAAAAAAAAAAEAAADu7OEKAAAAACgAAAAoAAAAZAAAAGQAAAAAAAAAzMzMAAAAAABQAAAAUAAAAGQAAABkAAAAAAAAABcAAAAUAAAAAAAAAAAAAAD/fwAA/38AAAAAAAAJAAAABAAAAEkBAAAMAAAAEAAAAAAAAAAAAAAAAAAAAAAAAAAeAAAAaAAAAAAAAAAAAAAAAAAAAAAAAAAAAAAAECcAABAnAAAAAAAAAAAAAAAAAAAAAAAAAAAAAAAAAAAAAAAAAAAAABQAAAAAAAAAwMD/AAAAAABkAAAAMgAAAAAAAABkAAAAAAAAAH9/fwAKAAAAIgAAABgAAAAAAAAAAAAAAAAAAAAAAAAAAAAAAAAAAAAkAAAAJAAAAAAAAAAHAAAAAAAAAAAAAAAAAAAAAAAAAAAAAAAAAAAAf39/ACUAAABYAAAAAAAAAAAAAAAAAAAAAAAAAAAAAAAAAAAAAAAAAAAAAAAAAAAAAAAAAAAAAAA/AAAAAAAAAKCGAQAAAAAAAAAAAAAAAAAMAAAAAQAAAAAAAAAAAAAAAAAAAB8AAABUAAAAT4G9Bf///wEAAAAAAAAAAAAAAAAAAAAAAAAAAAAAAAAAAAAAAAAAAAAAAAJ/f38A7uzhA8zMzADAwP8Af39/AAAAAAAAAAAAAAAAAAAAAAAAAAAAIQAAABgAAAAUAAAA0AIAALEBAABwNQAACAYAABAAAAAmAAAACAAAAAEgAAAAAAAA"/>
+                <pr:smNativeData xmlns="" xmlns:p14="http://schemas.microsoft.com/office/powerpoint/2010/main" xmlns:pr="smNativeData" val="SMDATA_16_n4i/WxMAAAAlAAAAZAAAAA0AAAAAkAAAAEgAAACQAAAASAAAAAAAAAABAAAAAAAAAAEAAABQAAAAAAAAAAAA4D8AAAAAAADgPwAAAAAAAOA/AAAAAAAA4D8AAAAAAADgPwAAAAAAAOA/AAAAAAAA4D8AAAAAAADgPwAAAAAAAOA/AAAAAAAA4D8CAAAAjAAAAAAAAAAAAAAAT4G9DP///wgAAAAAAAAAAAAAAAAAAAAAAAAAAAAAAAAAAAAAZAAAAAEAAABAAAAAAAAAAAAAAAAAAAAAAAAAAAAAAAAAAAAAAAAAAAAAAAAAAAAAAAAAAAAAAAAAAAAAAAAAAAAAAAAAAAAAAAAAAAAAAAAAAAAAAAAAAAAAAAAAAAAAFAAAADwAAAAAAAAAAAAAAAAAAAkUAAAAAQAAABQAAAAUAAAAFAAAAAEAAAAAAAAAZAAAAGQAAAAAAAAAZAAAAGQAAAAVAAAAYAAAAAAAAAAAAAAADwAAACADAAAAAAAAAAAAAAEAAACgMgAAVgcAAKr4//8BAAAAf39/AAEAAABkAAAAAAAAABQAAABAHwAAAAAAACYAAAAAAAAAwOD//wAAAAAmAAAAZAAAABYAAABMAAAAAAAAAAAAAAAEAAAAAAAAAAEAAADu7OEKAAAAACgAAAAoAAAAZAAAAGQAAAAAAAAAzMzMAAAAAABQAAAAUAAAAGQAAABkAAAAAAAAABcAAAAUAAAAAAAAAAAAAAD/fwAA/38AAAAAAAAJAAAABAAAAAAAAAAMAAAAEAAAAAAAAAAAAAAAAAAAAAAAAAAeAAAAaAAAAAAAAAAAAAAAAAAAAAAAAAAAAAAAECcAABAnAAAAAAAAAAAAAAAAAAAAAAAAAAAAAAAAAAAAAAAAAAAAABQAAAAAAAAAwMD/AAAAAABkAAAAMgAAAAAAAABkAAAAAAAAAH9/fwAKAAAAIgAAABgAAAAAAAAAAAAAAAAAAAAAAAAAAAAAAAAAAAAkAAAAJAAAAAAAAAAHAAAAAAAAAAAAAAAAAAAAAAAAAAAAAAAAAAAAf39/ACUAAABYAAAAAAAAAAAAAAAAAAAAAAAAAAAAAAAAAAAAAAAAAAAAAAAAAAAAAAAAAAAAAAA/AAAAAAAAAKCGAQAAAAAAAAAAAAAAAAAMAAAAAQAAAAAAAAAAAAAAAAAAAB8AAABUAAAAT4G9Bf///wEAAAAAAAAAAAAAAAAAAAAAAAAAAAAAAAAAAAAAAAAAAAAAAAJ/f38A7uzhA8zMzADAwP8Af39/AAAAAAAAAAAAAAAAAAAAAAAAAAAAIQAAABgAAAAUAAAA0AIAALEBAABwNQAACAYAABAAAAAmAAAACAAAAAEgAAAAAAAA"/>
               </a:ext>
             </a:extLst>
           </p:cNvSpPr>
@@ -5311,13 +5412,12 @@
           <a:lstStyle/>
           <a:p>
             <a:pPr>
-              <a:defRPr lang="en-us"/>
-            </a:pPr>
-            <a:r>
-              <a:rPr lang="en-au" sz="2800"/>
-              <a:t>Solution Outline – Technology Stack</a:t>
-            </a:r>
-            <a:endParaRPr lang="en-au" sz="2800"/>
+              <a:defRPr lang="en-US"/>
+            </a:pPr>
+            <a:r>
+              <a:rPr lang="en-AU" sz="2800"/>
+              <a:t>Drivers</a:t>
+            </a:r>
           </a:p>
         </p:txBody>
       </p:sp>
@@ -5328,7 +5428,7 @@
             <a:spLocks noGrp="1" noChangeArrowheads="1"/>
             <a:extLst>
               <a:ext uri="smNativeData">
-                <pr:smNativeData xmlns:pr="smNativeData" val="SMDATA_16_n4i/WxMAAAAlAAAAZAAAAA0AAAAAkAAAAEgAAACQAAAASAAAAAAAAAAAAAAAAAAAAAEAAABQAAAAAAAAAAAA4D8AAAAAAADgPwAAAAAAAOA/AAAAAAAA4D8AAAAAAADgPwAAAAAAAOA/AAAAAAAA4D8AAAAAAADgPwAAAAAAAOA/AAAAAAAA4D8CAAAAjAAAAAAAAAAAAAAAT4G9DP///wgAAAAAAAAAAAAAAAAAAAAAAAAAAAAAAAAAAAAAZAAAAAEAAABAAAAAAAAAAAAAAAAAAAAAAAAAAAAAAAAAAAAAAAAAAAAAAAAAAAAAAAAAAAAAAAAAAAAAAAAAAAAAAAAAAAAAAAAAAAAAAAAAAAAAAAAAAAAAAAAAAAAAFAAAADwAAAAAAAAAAAAAAAAAAAkUAAAAAQAAABQAAAAUAAAAFAAAAAEAAAAAAAAAZAAAAGQAAAAAAAAAZAAAAGQAAAAVAAAAYAAAAAAAAAAAAAAADwAAACADAAAAAAAAAAAAAAEAAACgMgAAVgcAAKr4//8BAAAAf39/AAEAAABkAAAAAAAAABQAAABAHwAAAAAAACYAAAAAAAAAwOD//wAAAAAmAAAAZAAAABYAAABMAAAAAAAAAAAAAAAEAAAAAAAAAAEAAADu7OEKAAAAACgAAAAoAAAAZAAAAGQAAAAAAAAAzMzMAAAAAABQAAAAUAAAAGQAAABkAAAAAAAAABcAAAAUAAAAAAAAAAAAAAD/fwAA/38AAAAAAAAJAAAABAAAAAAAAAAMAAAAEAAAAAAAAAAAAAAAAAAAAAAAAAAeAAAAaAAAAAAAAAAAAAAAAAAAAAAAAAAAAAAAECcAABAnAAAAAAAAAAAAAAAAAAAAAAAAAAAAAAAAAAAAAAAAAAAAABQAAAAAAAAAwMD/AAAAAABkAAAAMgAAAAAAAABkAAAAAAAAAH9/fwAKAAAAIgAAABgAAAAAAAAAAAAAAAAAAAAAAAAAAAAAAAAAAAAkAAAAJAAAAAAAAAAHAAAAAAAAAAAAAAAAAAAAAAAAAAAAAAAAAAAAf39/ACUAAABYAAAAAAAAAAAAAAAAAAAAAAAAAAAAAAAAAAAAAAAAAAAAAAAAAAAAAAAAAAAAAAA/AAAAAAAAAKCGAQAAAAAAAAAAAAAAAAAMAAAAAQAAAAAAAAAAAAAAAAAAAB8AAABUAAAAT4G9Bf///wEAAAAAAAAAAAAAAAAAAAAAAAAAAAAAAAAAAAAAAAAAAAAAAAJ/f38A7uzhA8zMzADAwP8Af39/AAAAAAAAAAAAAAAAAAAAAAAAAAAAIQAAABgAAAAUAAAA0AIAANgJAABwNQAAsCUAABAAAAAmAAAACAAAAAAgAAAAAAAA"/>
+                <pr:smNativeData xmlns="" xmlns:p14="http://schemas.microsoft.com/office/powerpoint/2010/main" xmlns:pr="smNativeData" val="SMDATA_16_n4i/WxMAAAAlAAAAZAAAAA0AAAAAkAAAAEgAAACQAAAASAAAAAAAAAAAAAAAAAAAAAEAAABQAAAAAAAAAAAA4D8AAAAAAADgPwAAAAAAAOA/AAAAAAAA4D8AAAAAAADgPwAAAAAAAOA/AAAAAAAA4D8AAAAAAADgPwAAAAAAAOA/AAAAAAAA4D8CAAAAjAAAAAAAAAAAAAAAT4G9DP///wgAAAAAAAAAAAAAAAAAAAAAAAAAAAAAAAAAAAAAZAAAAAEAAABAAAAAAAAAAAAAAAAAAAAAAAAAAAAAAAAAAAAAAAAAAAAAAAAAAAAAAAAAAAAAAAAAAAAAAAAAAAAAAAAAAAAAAAAAAAAAAAAAAAAAAAAAAAAAAAAAAAAAFAAAADwAAAAAAAAAAAAAAAAAAAkUAAAAAQAAABQAAAAUAAAAFAAAAAEAAAAAAAAAZAAAAGQAAAAAAAAAZAAAAGQAAAAVAAAAYAAAAAAAAAAAAAAADwAAACADAAAAAAAAAAAAAAEAAACgMgAAVgcAAKr4//8BAAAAf39/AAEAAABkAAAAAAAAABQAAABAHwAAAAAAACYAAAAAAAAAwOD//wAAAAAmAAAAZAAAABYAAABMAAAAAAAAAAAAAAAEAAAAAAAAAAEAAADu7OEKAAAAACgAAAAoAAAAZAAAAGQAAAAAAAAAzMzMAAAAAABQAAAAUAAAAGQAAABkAAAAAAAAABcAAAAUAAAAAAAAAAAAAAD/fwAA/38AAAAAAAAJAAAABAAAAAAAAAAMAAAAEAAAAAAAAAAAAAAAAAAAAAAAAAAeAAAAaAAAAAAAAAAAAAAAAAAAAAAAAAAAAAAAECcAABAnAAAAAAAAAAAAAAAAAAAAAAAAAAAAAAAAAAAAAAAAAAAAABQAAAAAAAAAwMD/AAAAAABkAAAAMgAAAAAAAABkAAAAAAAAAH9/fwAKAAAAIgAAABgAAAAAAAAAAAAAAAAAAAAAAAAAAAAAAAAAAAAkAAAAJAAAAAAAAAAHAAAAAAAAAAAAAAAAAAAAAAAAAAAAAAAAAAAAf39/ACUAAABYAAAAAAAAAAAAAAAAAAAAAAAAAAAAAAAAAAAAAAAAAAAAAAAAAAAAAAAAAAAAAAA/AAAAAAAAAKCGAQAAAAAAAAAAAAAAAAAMAAAAAQAAAAAAAAAAAAAAAAAAAB8AAABUAAAAT4G9Bf///wEAAAAAAAAAAAAAAAAAAAAAAAAAAAAAAAAAAAAAAAAAAAAAAAJ/f38A7uzhA8zMzADAwP8Af39/AAAAAAAAAAAAAAAAAAAAAAAAAAAAIQAAABgAAAAUAAAA0AIAANgJAABwNQAAsCUAABAAAAAmAAAACAAAAAAgAAAAAAAA"/>
               </a:ext>
             </a:extLst>
           </p:cNvSpPr>
@@ -5346,10 +5446,99 @@
           <a:lstStyle/>
           <a:p>
             <a:pPr>
-              <a:buFontTx/>
-              <a:buAutoNum type="arabicPeriod"/>
-              <a:defRPr lang="en-us"/>
-            </a:pPr>
+              <a:defRPr lang="en-US"/>
+            </a:pPr>
+            <a:r>
+              <a:rPr lang="en-AU" sz="1600" dirty="0" smtClean="0"/>
+              <a:t>REST </a:t>
+            </a:r>
+            <a:r>
+              <a:rPr lang="en-AU" sz="1600" dirty="0"/>
+              <a:t>API becoming predominant in communication between client and server as well as in communication with external partners</a:t>
+            </a:r>
+          </a:p>
+          <a:p>
+            <a:pPr>
+              <a:defRPr lang="en-US"/>
+            </a:pPr>
+            <a:r>
+              <a:rPr lang="en-AU" sz="1600" dirty="0"/>
+              <a:t>OAuth2 / OpenID and JWT have become de facto standards for REST API authentication and </a:t>
+            </a:r>
+            <a:r>
+              <a:rPr lang="en-AU" sz="1600" dirty="0" smtClean="0"/>
+              <a:t>authorisation</a:t>
+            </a:r>
+          </a:p>
+          <a:p>
+            <a:pPr>
+              <a:defRPr lang="en-US"/>
+            </a:pPr>
+            <a:r>
+              <a:rPr lang="en-AU" sz="1600" dirty="0" smtClean="0"/>
+              <a:t>Change to stateless server application style</a:t>
+            </a:r>
+          </a:p>
+          <a:p>
+            <a:pPr>
+              <a:defRPr lang="en-US"/>
+            </a:pPr>
+            <a:r>
+              <a:rPr lang="en-AU" sz="1600" dirty="0" smtClean="0"/>
+              <a:t>Web application architecture change from JSP/JSF to </a:t>
+            </a:r>
+            <a:r>
+              <a:rPr lang="en-AU" sz="1600" dirty="0"/>
+              <a:t>S</a:t>
+            </a:r>
+            <a:r>
+              <a:rPr lang="en-AU" sz="1600" dirty="0" smtClean="0"/>
+              <a:t>ingle Page with REST API.</a:t>
+            </a:r>
+            <a:endParaRPr lang="en-AU" sz="1600" dirty="0"/>
+          </a:p>
+          <a:p>
+            <a:pPr>
+              <a:defRPr lang="en-US"/>
+            </a:pPr>
+            <a:r>
+              <a:rPr lang="en-AU" sz="1600" dirty="0"/>
+              <a:t>SRO currently does not have a </a:t>
+            </a:r>
+            <a:r>
+              <a:rPr lang="en-AU" sz="1600" dirty="0" smtClean="0"/>
+              <a:t>common solution for </a:t>
+            </a:r>
+            <a:r>
+              <a:rPr lang="en-AU" sz="1600" dirty="0"/>
+              <a:t>REST API security. Different applications use different </a:t>
+            </a:r>
+            <a:r>
+              <a:rPr lang="en-AU" sz="1600" dirty="0" smtClean="0"/>
+              <a:t>solutions.</a:t>
+            </a:r>
+            <a:endParaRPr lang="en-AU" sz="1600" dirty="0"/>
+          </a:p>
+          <a:p>
+            <a:pPr>
+              <a:defRPr lang="en-US"/>
+            </a:pPr>
+            <a:r>
+              <a:rPr lang="en-AU" sz="1600" dirty="0"/>
+              <a:t>Integration with </a:t>
+            </a:r>
+            <a:r>
+              <a:rPr lang="en-AU" sz="1600" dirty="0" err="1"/>
+              <a:t>myGov</a:t>
+            </a:r>
+            <a:endParaRPr lang="en-AU" sz="1600" dirty="0"/>
+          </a:p>
+          <a:p>
+            <a:pPr marL="0" indent="0">
+              <a:buNone/>
+              <a:defRPr lang="en-US"/>
+            </a:pPr>
+            <a:endParaRPr lang="en-AU" sz="1600" dirty="0"/>
           </a:p>
         </p:txBody>
       </p:sp>
@@ -5368,8 +5557,8 @@
 </p:sld>
 </file>
 
-<file path=ppt/slides/slide12.xml><?xml version="1.0" encoding="utf-8"?>
-<p:sld xmlns:p="http://schemas.openxmlformats.org/presentationml/2006/main" xmlns:p14="http://schemas.microsoft.com/office/powerpoint/2010/main" xmlns:r="http://schemas.openxmlformats.org/officeDocument/2006/relationships" xmlns:a="http://schemas.openxmlformats.org/drawingml/2006/main">
+<file path=ppt/slides/slide3.xml><?xml version="1.0" encoding="utf-8"?>
+<p:sld xmlns:a="http://schemas.openxmlformats.org/drawingml/2006/main" xmlns:r="http://schemas.openxmlformats.org/officeDocument/2006/relationships" xmlns:p="http://schemas.openxmlformats.org/presentationml/2006/main">
   <p:cSld>
     <p:spTree>
       <p:nvGrpSpPr>
@@ -5392,7 +5581,7 @@
             <a:spLocks noGrp="1" noChangeArrowheads="1"/>
             <a:extLst>
               <a:ext uri="smNativeData">
-                <pr:smNativeData xmlns:pr="smNativeData" val="SMDATA_16_n4i/WxMAAAAlAAAAZAAAAA0AAAAAkAAAAEgAAACQAAAASAAAAAAAAAABAAAAAAAAAAEAAABQAAAAAAAAAAAA4D8AAAAAAADgPwAAAAAAAOA/AAAAAAAA4D8AAAAAAADgPwAAAAAAAOA/AAAAAAAA4D8AAAAAAADgPwAAAAAAAOA/AAAAAAAA4D8CAAAAjAAAAAAAAAAAAAAAT4G9DP///wgAAAAAAAAAAAAAAAAAAAAAAAAAAAAAAAAAAAAAZAAAAAEAAABAAAAAAAAAAAAAAAAAAAAAAAAAAAAAAAAAAAAAAAAAAAAAAAAAAAAAAAAAAAAAAAAAAAAAAAAAAAAAAAAAAAAAAAAAAAAAAAAAAAAAAAAAAAAAAAAAAAAAFAAAADwAAAAAAAAAAAAAAAAAAAkUAAAAAQAAABQAAAAUAAAAFAAAAAEAAAAAAAAAZAAAAGQAAAAAAAAAZAAAAGQAAAAVAAAAYAAAAAAAAAAAAAAADwAAACADAAAAAAAAAAAAAAEAAACgMgAAVgcAAKr4//8BAAAAf39/AAEAAABkAAAAAAAAABQAAABAHwAAAAAAACYAAAAAAAAAwOD//wAAAAAmAAAAZAAAABYAAABMAAAAAAAAAAAAAAAEAAAAAAAAAAEAAADu7OEKAAAAACgAAAAoAAAAZAAAAGQAAAAAAAAAzMzMAAAAAABQAAAAUAAAAGQAAABkAAAAAAAAABcAAAAUAAAAAAAAAAAAAAD/fwAA/38AAAAAAAAJAAAABAAAAAAAAAAMAAAAEAAAAAAAAAAAAAAAAAAAAAAAAAAeAAAAaAAAAAAAAAAAAAAAAAAAAAAAAAAAAAAAECcAABAnAAAAAAAAAAAAAAAAAAAAAAAAAAAAAAAAAAAAAAAAAAAAABQAAAAAAAAAwMD/AAAAAABkAAAAMgAAAAAAAABkAAAAAAAAAH9/fwAKAAAAIgAAABgAAAAAAAAAAAAAAAAAAAAAAAAAAAAAAAAAAAAkAAAAJAAAAAAAAAAHAAAAAAAAAAAAAAAAAAAAAAAAAAAAAAAAAAAAf39/ACUAAABYAAAAAAAAAAAAAAAAAAAAAAAAAAAAAAAAAAAAAAAAAAAAAAAAAAAAAAAAAAAAAAA/AAAAAAAAAKCGAQAAAAAAAAAAAAAAAAAMAAAAAQAAAAAAAAAAAAAAAAAAAB8AAABUAAAAT4G9Bf///wEAAAAAAAAAAAAAAAAAAAAAAAAAAAAAAAAAAAAAAAAAAAAAAAJ/f38A7uzhA8zMzADAwP8Af39/AAAAAAAAAAAAAAAAAAAAAAAAAAAAIQAAABgAAAAUAAAA0AIAALEBAABwNQAACAYAAAAAAAAmAAAACAAAAAEgAAAAAAAA"/>
+                <pr:smNativeData xmlns="" xmlns:p14="http://schemas.microsoft.com/office/powerpoint/2010/main" xmlns:pr="smNativeData" val="SMDATA_16_n4i/WxMAAAAlAAAAZAAAAA0AAAAAkAAAAEgAAACQAAAASAAAAAAAAAABAAAAAAAAAAEAAABQAAAAAAAAAAAA4D8AAAAAAADgPwAAAAAAAOA/AAAAAAAA4D8AAAAAAADgPwAAAAAAAOA/AAAAAAAA4D8AAAAAAADgPwAAAAAAAOA/AAAAAAAA4D8CAAAAjAAAAAAAAAAAAAAAT4G9DP///wgAAAAAAAAAAAAAAAAAAAAAAAAAAAAAAAAAAAAAZAAAAAEAAABAAAAAAAAAAAAAAAAAAAAAAAAAAAAAAAAAAAAAAAAAAAAAAAAAAAAAAAAAAAAAAAAAAAAAAAAAAAAAAAAAAAAAAAAAAAAAAAAAAAAAAAAAAAAAAAAAAAAAFAAAADwAAAAAAAAAAAAAAAAAAAkUAAAAAQAAABQAAAAUAAAAFAAAAAEAAAAAAAAAZAAAAGQAAAAAAAAAZAAAAGQAAAAVAAAAYAAAAAAAAAAAAAAADwAAACADAAAAAAAAAAAAAAEAAACgMgAAVgcAAKr4//8BAAAAf39/AAEAAABkAAAAAAAAABQAAABAHwAAAAAAACYAAAAAAAAAwOD//wAAAAAmAAAAZAAAABYAAABMAAAAAAAAAAAAAAAEAAAAAAAAAAEAAADu7OEKAAAAACgAAAAoAAAAZAAAAGQAAAAAAAAAzMzMAAAAAABQAAAAUAAAAGQAAABkAAAAAAAAABcAAAAUAAAAAAAAAAAAAAD/fwAA/38AAAAAAAAJAAAABAAAAAAAAAAMAAAAEAAAAAAAAAAAAAAAAAAAAAAAAAAeAAAAaAAAAAAAAAAAAAAAAAAAAAAAAAAAAAAAECcAABAnAAAAAAAAAAAAAAAAAAAAAAAAAAAAAAAAAAAAAAAAAAAAABQAAAAAAAAAwMD/AAAAAABkAAAAMgAAAAAAAABkAAAAAAAAAH9/fwAKAAAAIgAAABgAAAAAAAAAAAAAAAAAAAAAAAAAAAAAAAAAAAAkAAAAJAAAAAAAAAAHAAAAAAAAAAAAAAAAAAAAAAAAAAAAAAAAAAAAf39/ACUAAABYAAAAAAAAAAAAAAAAAAAAAAAAAAAAAAAAAAAAAAAAAAAAAAAAAAAAAAAAAAAAAAA/AAAAAAAAAKCGAQAAAAAAAAAAAAAAAAAMAAAAAQAAAAAAAAAAAAAAAAAAAB8AAABUAAAAT4G9Bf///wEAAAAAAAAAAAAAAAAAAAAAAAAAAAAAAAAAAAAAAAAAAAAAAAJ/f38A7uzhA8zMzADAwP8Af39/AAAAAAAAAAAAAAAAAAAAAAAAAAAAIQAAABgAAAAUAAAA0AIAALEBAABwNQAACAYAABAAAAAmAAAACAAAAAEgAAAAAAAA"/>
               </a:ext>
             </a:extLst>
           </p:cNvSpPr>
@@ -5415,13 +5604,12 @@
           <a:lstStyle/>
           <a:p>
             <a:pPr>
-              <a:defRPr lang="en-us"/>
-            </a:pPr>
-            <a:r>
-              <a:rPr lang="en-au" sz="2800"/>
-              <a:t>Solution Outline - API</a:t>
-            </a:r>
-            <a:endParaRPr lang="en-au" sz="2800"/>
+              <a:defRPr lang="en-US"/>
+            </a:pPr>
+            <a:r>
+              <a:rPr lang="en-AU" sz="2800" dirty="0"/>
+              <a:t>Requirements</a:t>
+            </a:r>
           </a:p>
         </p:txBody>
       </p:sp>
@@ -5432,7 +5620,1080 @@
             <a:spLocks noGrp="1" noChangeArrowheads="1"/>
             <a:extLst>
               <a:ext uri="smNativeData">
-                <pr:smNativeData xmlns:pr="smNativeData" val="SMDATA_16_n4i/WxMAAAAlAAAAZAAAAA0AAAAAkAAAAEgAAACQAAAASAAAAAAAAAAAAAAAAAAAAAEAAABQAAAAAAAAAAAA4D8AAAAAAADgPwAAAAAAAOA/AAAAAAAA4D8AAAAAAADgPwAAAAAAAOA/AAAAAAAA4D8AAAAAAADgPwAAAAAAAOA/AAAAAAAA4D8CAAAAjAAAAAAAAAAAAAAAT4G9DP///wgAAAAAAAAAAAAAAAAAAAAAAAAAAAAAAAAAAAAAZAAAAAEAAABAAAAAAAAAAAAAAAAAAAAAAAAAAAAAAAAAAAAAAAAAAAAAAAAAAAAAAAAAAAAAAAAAAAAAAAAAAAAAAAAAAAAAAAAAAAAAAAAAAAAAAAAAAAAAAAAAAAAAFAAAADwAAAAAAAAAAAAAAAAAAAkUAAAAAQAAABQAAAAUAAAAFAAAAAEAAAAAAAAAZAAAAGQAAAAAAAAAZAAAAGQAAAAVAAAAYAAAAAAAAAAAAAAADwAAACADAAAAAAAAAAAAAAEAAACgMgAAVgcAAKr4//8BAAAAf39/AAEAAABkAAAAAAAAABQAAABAHwAAAAAAACYAAAAAAAAAwOD//wAAAAAmAAAAZAAAABYAAABMAAAAAAAAAAAAAAAEAAAAAAAAAAEAAADu7OEKAAAAACgAAAAoAAAAZAAAAGQAAAAAAAAAzMzMAAAAAABQAAAAUAAAAGQAAABkAAAAAAAAABcAAAAUAAAAAAAAAAAAAAD/fwAA/38AAAAAAAAJAAAABAAAAAAAAAAMAAAAEAAAAAAAAAAAAAAAAAAAAAAAAAAeAAAAaAAAAAAAAAAAAAAAAAAAAAAAAAAAAAAAECcAABAnAAAAAAAAAAAAAAAAAAAAAAAAAAAAAAAAAAAAAAAAAAAAABQAAAAAAAAAwMD/AAAAAABkAAAAMgAAAAAAAABkAAAAAAAAAH9/fwAKAAAAIgAAABgAAAAAAAAAAAAAAAAAAAAAAAAAAAAAAAAAAAAkAAAAJAAAAAAAAAAHAAAAAAAAAAAAAAAAAAAAAAAAAAAAAAAAAAAAf39/ACUAAABYAAAAAAAAAAAAAAAAAAAAAAAAAAAAAAAAAAAAAAAAAAAAAAAAAAAAAAAAAAAAAAA/AAAAAAAAAKCGAQAAAAAAAAAAAAAAAAAMAAAAAQAAAAAAAAAAAAAAAAAAAB8AAABUAAAAT4G9Bf///wEAAAAAAAAAAAAAAAAAAAAAAAAAAAAAAAAAAAAAAAAAAAAAAAJ/f38A7uzhA8zMzADAwP8Af39/AAAAAAAAAAAAAAAAAAAAAAAAAAAAIQAAABgAAAAUAAAA0AIAANgJAABwNQAAsCUAAAAAAAAmAAAACAAAAAEgAAAAAAAA"/>
+                <pr:smNativeData xmlns="" xmlns:p14="http://schemas.microsoft.com/office/powerpoint/2010/main" xmlns:pr="smNativeData" val="SMDATA_16_n4i/WxMAAAAlAAAAZAAAAA0AAAAAkAAAAEgAAACQAAAASAAAAAAAAAAAAAAAAAAAAAEAAABQAAAAAAAAAAAA4D8AAAAAAADgPwAAAAAAAOA/AAAAAAAA4D8AAAAAAADgPwAAAAAAAOA/AAAAAAAA4D8AAAAAAADgPwAAAAAAAOA/AAAAAAAA4D8CAAAAjAAAAAAAAAAAAAAAT4G9DP///wgAAAAAAAAAAAAAAAAAAAAAAAAAAAAAAAAAAAAAZAAAAAEAAABAAAAAAAAAAAAAAAAAAAAAAAAAAAAAAAAAAAAAAAAAAAAAAAAAAAAAAAAAAAAAAAAAAAAAAAAAAAAAAAAAAAAAAAAAAAAAAAAAAAAAAAAAAAAAAAAAAAAAFAAAADwAAAAAAAAAAAAAAAAAAAkUAAAAAQAAABQAAAAUAAAAFAAAAAEAAAAAAAAAZAAAAGQAAAAAAAAAZAAAAGQAAAAVAAAAYAAAAAAAAAAAAAAADwAAACADAAAAAAAAAAAAAAEAAACgMgAAVgcAAKr4//8BAAAAf39/AAEAAABkAAAAAAAAABQAAABAHwAAAAAAACYAAAAAAAAAwOD//wAAAAAmAAAAZAAAABYAAABMAAAAAAAAAAAAAAAEAAAAAAAAAAEAAADu7OEKAAAAACgAAAAoAAAAZAAAAGQAAAAAAAAAzMzMAAAAAABQAAAAUAAAAGQAAABkAAAAAAAAABcAAAAUAAAAAAAAAAAAAAD/fwAA/38AAAAAAAAJAAAABAAAAGcAaAAMAAAAEAAAAAAAAAAAAAAAAAAAAAAAAAAeAAAAaAAAAAAAAAAAAAAAAAAAAAAAAAAAAAAAECcAABAnAAAAAAAAAAAAAAAAAAAAAAAAAAAAAAAAAAAAAAAAAAAAABQAAAAAAAAAwMD/AAAAAABkAAAAMgAAAAAAAABkAAAAAAAAAH9/fwAKAAAAIgAAABgAAAAAAAAAAAAAAAAAAAAAAAAAAAAAAAAAAAAkAAAAJAAAAAAAAAAHAAAAAAAAAAAAAAAAAAAAAAAAAAAAAAAAAAAAf39/ACUAAABYAAAAAAAAAAAAAAAAAAAAAAAAAAAAAAAAAAAAAAAAAAAAAAAAAAAAAAAAAAAAAAA/AAAAAAAAAKCGAQAAAAAAAAAAAAAAAAAMAAAAAQAAAAAAAAAAAAAAAAAAAB8AAABUAAAAT4G9Bf///wEAAAAAAAAAAAAAAAAAAAAAAAAAAAAAAAAAAAAAAAAAAAAAAAJ/f38A7uzhA8zMzADAwP8Af39/AAAAAAAAAAAAAAAAAAAAAAAAAAAAIQAAABgAAAAUAAAA0AIAANgJAABwNQAAsCUAABAAAAAmAAAACAAAAAAgAAAAAAAA"/>
+              </a:ext>
+            </a:extLst>
+          </p:cNvSpPr>
+          <p:nvPr>
+            <p:ph type="body" idx="1"/>
+          </p:nvPr>
+        </p:nvSpPr>
+        <p:spPr/>
+        <p:txBody>
+          <a:bodyPr vert="horz" wrap="square" lIns="91440" tIns="45720" rIns="91440" bIns="45720" numCol="1" anchor="t">
+            <a:prstTxWarp prst="textNoShape">
+              <a:avLst/>
+            </a:prstTxWarp>
+          </a:bodyPr>
+          <a:lstStyle/>
+          <a:p>
+            <a:pPr>
+              <a:defRPr lang="en-US"/>
+            </a:pPr>
+            <a:r>
+              <a:rPr lang="en-AU" sz="1600" dirty="0"/>
+              <a:t>Support multiple authentication methods:</a:t>
+            </a:r>
+          </a:p>
+          <a:p>
+            <a:pPr lvl="1">
+              <a:defRPr lang="en-US"/>
+            </a:pPr>
+            <a:r>
+              <a:rPr lang="en-AU" sz="1200" dirty="0"/>
+              <a:t>LDAP</a:t>
+            </a:r>
+          </a:p>
+          <a:p>
+            <a:pPr lvl="1">
+              <a:defRPr lang="en-US"/>
+            </a:pPr>
+            <a:r>
+              <a:rPr lang="en-AU" sz="1200" dirty="0" err="1"/>
+              <a:t>Esys</a:t>
+            </a:r>
+            <a:r>
+              <a:rPr lang="en-AU" sz="1200" dirty="0"/>
+              <a:t> database</a:t>
+            </a:r>
+          </a:p>
+          <a:p>
+            <a:pPr lvl="1">
+              <a:defRPr lang="en-US"/>
+            </a:pPr>
+            <a:r>
+              <a:rPr lang="en-AU" sz="1200" dirty="0" err="1"/>
+              <a:t>myGov</a:t>
+            </a:r>
+            <a:r>
+              <a:rPr dirty="0"/>
+              <a:t/>
+            </a:r>
+            <a:br>
+              <a:rPr dirty="0"/>
+            </a:br>
+            <a:endParaRPr lang="en-AU" sz="1200" dirty="0"/>
+          </a:p>
+          <a:p>
+            <a:pPr>
+              <a:defRPr lang="en-US"/>
+            </a:pPr>
+            <a:r>
+              <a:rPr lang="en-AU" sz="1600" dirty="0"/>
+              <a:t>Use OpenID/OAuth2 </a:t>
+            </a:r>
+            <a:r>
+              <a:rPr lang="en-AU" sz="1600" dirty="0" smtClean="0"/>
+              <a:t>standard</a:t>
+            </a:r>
+            <a:endParaRPr lang="en-AU" sz="1600" dirty="0"/>
+          </a:p>
+          <a:p>
+            <a:pPr>
+              <a:defRPr lang="en-US"/>
+            </a:pPr>
+            <a:r>
+              <a:rPr lang="en-AU" sz="1600" dirty="0"/>
+              <a:t>Allow for custom claims to be added to </a:t>
+            </a:r>
+            <a:r>
+              <a:rPr lang="en-AU" sz="1600" dirty="0" smtClean="0"/>
+              <a:t>tokens</a:t>
+            </a:r>
+            <a:endParaRPr lang="en-AU" sz="1600" dirty="0"/>
+          </a:p>
+          <a:p>
+            <a:pPr>
+              <a:defRPr lang="en-US"/>
+            </a:pPr>
+            <a:r>
+              <a:rPr lang="en-AU" sz="1600" dirty="0"/>
+              <a:t>Sign tokens using asymmetric keys</a:t>
+            </a:r>
+          </a:p>
+          <a:p>
+            <a:pPr>
+              <a:defRPr lang="en-US"/>
+            </a:pPr>
+            <a:r>
+              <a:rPr lang="en-AU" sz="1600" dirty="0"/>
+              <a:t>Cater for </a:t>
+            </a:r>
+            <a:r>
+              <a:rPr lang="en-AU" sz="1600" dirty="0" smtClean="0"/>
+              <a:t>logout</a:t>
+            </a:r>
+            <a:endParaRPr lang="en-AU" sz="1600" dirty="0"/>
+          </a:p>
+        </p:txBody>
+      </p:sp>
+    </p:spTree>
+  </p:cSld>
+  <p:clrMapOvr>
+    <a:masterClrMapping/>
+  </p:clrMapOvr>
+  <p:timing>
+    <p:tnLst>
+      <p:par>
+        <p:cTn id="1" dur="indefinite" restart="never" nodeType="tmRoot"/>
+      </p:par>
+    </p:tnLst>
+  </p:timing>
+</p:sld>
+</file>
+
+<file path=ppt/slides/slide4.xml><?xml version="1.0" encoding="utf-8"?>
+<p:sld xmlns:a="http://schemas.openxmlformats.org/drawingml/2006/main" xmlns:r="http://schemas.openxmlformats.org/officeDocument/2006/relationships" xmlns:p="http://schemas.openxmlformats.org/presentationml/2006/main">
+  <p:cSld>
+    <p:spTree>
+      <p:nvGrpSpPr>
+        <p:cNvPr id="1" name=""/>
+        <p:cNvGrpSpPr/>
+        <p:nvPr/>
+      </p:nvGrpSpPr>
+      <p:grpSpPr>
+        <a:xfrm>
+          <a:off x="0" y="0"/>
+          <a:ext cx="0" cy="0"/>
+          <a:chOff x="0" y="0"/>
+          <a:chExt cx="0" cy="0"/>
+        </a:xfrm>
+      </p:grpSpPr>
+      <p:sp>
+        <p:nvSpPr>
+          <p:cNvPr id="4" name="Rectangle 3"/>
+          <p:cNvSpPr/>
+          <p:nvPr/>
+        </p:nvSpPr>
+        <p:spPr>
+          <a:xfrm>
+            <a:off x="481965" y="1922145"/>
+            <a:ext cx="7893050" cy="430530"/>
+          </a:xfrm>
+          <a:prstGeom prst="rect">
+            <a:avLst/>
+          </a:prstGeom>
+          <a:solidFill>
+            <a:srgbClr val="FFFF00"/>
+          </a:solidFill>
+          <a:ln>
+            <a:solidFill>
+              <a:schemeClr val="accent6">
+                <a:lumMod val="20000"/>
+                <a:lumOff val="80000"/>
+              </a:schemeClr>
+            </a:solidFill>
+          </a:ln>
+        </p:spPr>
+        <p:style>
+          <a:lnRef idx="2">
+            <a:schemeClr val="accent1">
+              <a:shade val="50000"/>
+            </a:schemeClr>
+          </a:lnRef>
+          <a:fillRef idx="1">
+            <a:schemeClr val="accent1"/>
+          </a:fillRef>
+          <a:effectRef idx="0">
+            <a:schemeClr val="accent1"/>
+          </a:effectRef>
+          <a:fontRef idx="minor">
+            <a:schemeClr val="lt1"/>
+          </a:fontRef>
+        </p:style>
+        <p:txBody>
+          <a:bodyPr rtlCol="0" anchor="ctr"/>
+          <a:lstStyle/>
+          <a:p>
+            <a:pPr algn="ctr"/>
+            <a:endParaRPr lang="en-AU"/>
+          </a:p>
+        </p:txBody>
+      </p:sp>
+      <p:sp>
+        <p:nvSpPr>
+          <p:cNvPr id="2" name="Title 1"/>
+          <p:cNvSpPr>
+            <a:spLocks noGrp="1" noChangeArrowheads="1"/>
+            <a:extLst>
+              <a:ext uri="smNativeData">
+                <pr:smNativeData xmlns="" xmlns:p14="http://schemas.microsoft.com/office/powerpoint/2010/main" xmlns:pr="smNativeData" val="SMDATA_16_n4i/WxMAAAAlAAAAZAAAAA0AAAAAkAAAAEgAAACQAAAASAAAAAAAAAABAAAAAAAAAAEAAABQAAAAAAAAAAAA4D8AAAAAAADgPwAAAAAAAOA/AAAAAAAA4D8AAAAAAADgPwAAAAAAAOA/AAAAAAAA4D8AAAAAAADgPwAAAAAAAOA/AAAAAAAA4D8CAAAAjAAAAAAAAAAAAAAAT4G9DP///wgAAAAAAAAAAAAAAAAAAAAAAAAAAAAAAAAAAAAAZAAAAAEAAABAAAAAAAAAAAAAAAAAAAAAAAAAAAAAAAAAAAAAAAAAAAAAAAAAAAAAAAAAAAAAAAAAAAAAAAAAAAAAAAAAAAAAAAAAAAAAAAAAAAAAAAAAAAAAAAAAAAAAFAAAADwAAAAAAAAAAAAAAAAAAAkUAAAAAQAAABQAAAAUAAAAFAAAAAEAAAAAAAAAZAAAAGQAAAAAAAAAZAAAAGQAAAAVAAAAYAAAAAAAAAAAAAAADwAAACADAAAAAAAAAAAAAAEAAACgMgAAVgcAAKr4//8BAAAAf39/AAEAAABkAAAAAAAAABQAAABAHwAAAAAAACYAAAAAAAAAwOD//wAAAAAmAAAAZAAAABYAAABMAAAAAAAAAAAAAAAEAAAAAAAAAAEAAADu7OEKAAAAACgAAAAoAAAAZAAAAGQAAAAAAAAAzMzMAAAAAABQAAAAUAAAAGQAAABkAAAAAAAAABcAAAAUAAAAAAAAAAAAAAD/fwAA/38AAAAAAAAJAAAABAAAAGcAaAAMAAAAEAAAAAAAAAAAAAAAAAAAAAAAAAAeAAAAaAAAAAAAAAAAAAAAAAAAAAAAAAAAAAAAECcAABAnAAAAAAAAAAAAAAAAAAAAAAAAAAAAAAAAAAAAAAAAAAAAABQAAAAAAAAAwMD/AAAAAABkAAAAMgAAAAAAAABkAAAAAAAAAH9/fwAKAAAAIgAAABgAAAAAAAAAAAAAAAAAAAAAAAAAAAAAAAAAAAAkAAAAJAAAAAAAAAAHAAAAAAAAAAAAAAAAAAAAAAAAAAAAAAAAAAAAf39/ACUAAABYAAAAAAAAAAAAAAAAAAAAAAAAAAAAAAAAAAAAAAAAAAAAAAAAAAAAAAAAAAAAAAA/AAAAAAAAAKCGAQAAAAAAAAAAAAAAAAAMAAAAAQAAAAAAAAAAAAAAAAAAAB8AAABUAAAAT4G9Bf///wEAAAAAAAAAAAAAAAAAAAAAAAAAAAAAAAAAAAAAAAAAAAAAAAJ/f38A7uzhA8zMzADAwP8Af39/AAAAAAAAAAAAAAAAAAAAAAAAAAAAIQAAABgAAAAUAAAA0AIAALEBAABwNQAACAYAABAAAAAmAAAACAAAAAEgAAAAAAAA"/>
+              </a:ext>
+            </a:extLst>
+          </p:cNvSpPr>
+          <p:nvPr>
+            <p:ph type="title"/>
+          </p:nvPr>
+        </p:nvSpPr>
+        <p:spPr>
+          <a:xfrm>
+            <a:off x="457200" y="274955"/>
+            <a:ext cx="8229600" cy="705485"/>
+          </a:xfrm>
+        </p:spPr>
+        <p:txBody>
+          <a:bodyPr vert="horz" wrap="square" lIns="91440" tIns="45720" rIns="91440" bIns="45720" numCol="1" anchor="ctr">
+            <a:prstTxWarp prst="textNoShape">
+              <a:avLst/>
+            </a:prstTxWarp>
+          </a:bodyPr>
+          <a:lstStyle/>
+          <a:p>
+            <a:pPr>
+              <a:defRPr lang="en-US"/>
+            </a:pPr>
+            <a:r>
+              <a:rPr lang="en-AU" sz="2800"/>
+              <a:t>Options</a:t>
+            </a:r>
+          </a:p>
+        </p:txBody>
+      </p:sp>
+      <p:sp>
+        <p:nvSpPr>
+          <p:cNvPr id="3" name="Content Placeholder 2"/>
+          <p:cNvSpPr>
+            <a:spLocks noGrp="1" noChangeArrowheads="1"/>
+            <a:extLst>
+              <a:ext uri="smNativeData">
+                <pr:smNativeData xmlns="" xmlns:p14="http://schemas.microsoft.com/office/powerpoint/2010/main" xmlns:pr="smNativeData" val="SMDATA_16_n4i/WxMAAAAlAAAAZAAAAA0AAAAAkAAAAEgAAACQAAAASAAAAAAAAAAAAAAAAAAAAAEAAABQAAAAAAAAAAAA4D8AAAAAAADgPwAAAAAAAOA/AAAAAAAA4D8AAAAAAADgPwAAAAAAAOA/AAAAAAAA4D8AAAAAAADgPwAAAAAAAOA/AAAAAAAA4D8CAAAAjAAAAAAAAAAAAAAAT4G9DP///wgAAAAAAAAAAAAAAAAAAAAAAAAAAAAAAAAAAAAAZAAAAAEAAABAAAAAAAAAAAAAAAAAAAAAAAAAAAAAAAAAAAAAAAAAAAAAAAAAAAAAAAAAAAAAAAAAAAAAAAAAAAAAAAAAAAAAAAAAAAAAAAAAAAAAAAAAAAAAAAAAAAAAFAAAADwAAAAAAAAAAAAAAAAAAAkUAAAAAQAAABQAAAAUAAAAFAAAAAEAAAAAAAAAZAAAAGQAAAAAAAAAZAAAAGQAAAAVAAAAYAAAAAAAAAAAAAAADwAAACADAAAAAAAAAAAAAAEAAACgMgAAVgcAAKr4//8BAAAAf39/AAEAAABkAAAAAAAAABQAAABAHwAAAAAAACYAAAAAAAAAwOD//wAAAAAmAAAAZAAAABYAAABMAAAAAAAAAAAAAAAEAAAAAAAAAAEAAADu7OEKAAAAACgAAAAoAAAAZAAAAGQAAAAAAAAAzMzMAAAAAABQAAAAUAAAAGQAAABkAAAAAAAAABcAAAAUAAAAAAAAAAAAAAD/fwAA/38AAAAAAAAJAAAABAAAAGcAaAAMAAAAEAAAAAAAAAAAAAAAAAAAAAAAAAAeAAAAaAAAAAAAAAAAAAAAAAAAAAAAAAAAAAAAECcAABAnAAAAAAAAAAAAAAAAAAAAAAAAAAAAAAAAAAAAAAAAAAAAABQAAAAAAAAAwMD/AAAAAABkAAAAMgAAAAAAAABkAAAAAAAAAH9/fwAKAAAAIgAAABgAAAAAAAAAAAAAAAAAAAAAAAAAAAAAAAAAAAAkAAAAJAAAAAAAAAAHAAAAAAAAAAAAAAAAAAAAAAAAAAAAAAAAAAAAf39/ACUAAABYAAAAAAAAAAAAAAAAAAAAAAAAAAAAAAAAAAAAAAAAAAAAAAAAAAAAAAAAAAAAAAA/AAAAAAAAAKCGAQAAAAAAAAAAAAAAAAAMAAAAAQAAAAAAAAAAAAAAAAAAAB8AAABUAAAAT4G9Bf///wEAAAAAAAAAAAAAAAAAAAAAAAAAAAAAAAAAAAAAAAAAAAAAAAJ/f38A7uzhA8zMzADAwP8Af39/AAAAAAAAAAAAAAAAAAAAAAAAAAAAIQAAABgAAAAUAAAA0AIAANgJAABwNQAAsCUAABAAAAAmAAAACAAAAAAgAAAAAAAA"/>
+              </a:ext>
+            </a:extLst>
+          </p:cNvSpPr>
+          <p:nvPr>
+            <p:ph type="body" idx="1"/>
+          </p:nvPr>
+        </p:nvSpPr>
+        <p:spPr/>
+        <p:txBody>
+          <a:bodyPr vert="horz" wrap="square" lIns="91440" tIns="45720" rIns="91440" bIns="45720" numCol="1" anchor="t">
+            <a:prstTxWarp prst="textNoShape">
+              <a:avLst/>
+            </a:prstTxWarp>
+          </a:bodyPr>
+          <a:lstStyle/>
+          <a:p>
+            <a:pPr>
+              <a:buFontTx/>
+              <a:buAutoNum type="arabicPeriod"/>
+              <a:defRPr lang="en-US"/>
+            </a:pPr>
+            <a:r>
+              <a:rPr lang="en-AU" sz="1600" dirty="0"/>
+              <a:t>Embedded library component with token generation and token store capability</a:t>
+            </a:r>
+          </a:p>
+          <a:p>
+            <a:pPr>
+              <a:buFontTx/>
+              <a:buAutoNum type="arabicPeriod"/>
+              <a:defRPr lang="en-US"/>
+            </a:pPr>
+            <a:r>
+              <a:rPr lang="en-AU" sz="1600" dirty="0"/>
+              <a:t>External authorisation service that can be accessed by multiple applications at run time</a:t>
+            </a:r>
+          </a:p>
+          <a:p>
+            <a:pPr>
+              <a:buFontTx/>
+              <a:buAutoNum type="arabicPeriod"/>
+              <a:defRPr lang="en-US"/>
+            </a:pPr>
+            <a:r>
+              <a:rPr lang="en-AU" sz="1600" dirty="0"/>
+              <a:t>Third party security </a:t>
+            </a:r>
+            <a:r>
+              <a:rPr lang="en-AU" sz="1600" dirty="0" smtClean="0"/>
+              <a:t>provider product</a:t>
+            </a:r>
+            <a:endParaRPr lang="en-AU" sz="1600" dirty="0"/>
+          </a:p>
+        </p:txBody>
+      </p:sp>
+    </p:spTree>
+  </p:cSld>
+  <p:clrMapOvr>
+    <a:masterClrMapping/>
+  </p:clrMapOvr>
+  <p:timing>
+    <p:tnLst>
+      <p:par>
+        <p:cTn id="1" dur="indefinite" restart="never" nodeType="tmRoot"/>
+      </p:par>
+    </p:tnLst>
+  </p:timing>
+</p:sld>
+</file>
+
+<file path=ppt/slides/slide5.xml><?xml version="1.0" encoding="utf-8"?>
+<p:sld xmlns:a="http://schemas.openxmlformats.org/drawingml/2006/main" xmlns:r="http://schemas.openxmlformats.org/officeDocument/2006/relationships" xmlns:p="http://schemas.openxmlformats.org/presentationml/2006/main">
+  <p:cSld>
+    <p:spTree>
+      <p:nvGrpSpPr>
+        <p:cNvPr id="1" name=""/>
+        <p:cNvGrpSpPr/>
+        <p:nvPr/>
+      </p:nvGrpSpPr>
+      <p:grpSpPr>
+        <a:xfrm>
+          <a:off x="0" y="0"/>
+          <a:ext cx="0" cy="0"/>
+          <a:chOff x="0" y="0"/>
+          <a:chExt cx="0" cy="0"/>
+        </a:xfrm>
+      </p:grpSpPr>
+      <p:sp>
+        <p:nvSpPr>
+          <p:cNvPr id="2" name="Title 1"/>
+          <p:cNvSpPr>
+            <a:spLocks noGrp="1" noChangeArrowheads="1"/>
+            <a:extLst>
+              <a:ext uri="smNativeData">
+                <pr:smNativeData xmlns="" xmlns:p14="http://schemas.microsoft.com/office/powerpoint/2010/main" xmlns:pr="smNativeData" val="SMDATA_16_n4i/WxMAAAAlAAAAZAAAAA0AAAAAkAAAAEgAAACQAAAASAAAAAAAAAABAAAAAAAAAAEAAABQAAAAAAAAAAAA4D8AAAAAAADgPwAAAAAAAOA/AAAAAAAA4D8AAAAAAADgPwAAAAAAAOA/AAAAAAAA4D8AAAAAAADgPwAAAAAAAOA/AAAAAAAA4D8CAAAAjAAAAAAAAAAAAAAAT4G9DP///wgAAAAAAAAAAAAAAAAAAAAAAAAAAAAAAAAAAAAAZAAAAAEAAABAAAAAAAAAAAAAAAAAAAAAAAAAAAAAAAAAAAAAAAAAAAAAAAAAAAAAAAAAAAAAAAAAAAAAAAAAAAAAAAAAAAAAAAAAAAAAAAAAAAAAAAAAAAAAAAAAAAAAFAAAADwAAAAAAAAAAAAAAAAAAAkUAAAAAQAAABQAAAAUAAAAFAAAAAEAAAAAAAAAZAAAAGQAAAAAAAAAZAAAAGQAAAAVAAAAYAAAAAAAAAAAAAAADwAAACADAAAAAAAAAAAAAAEAAACgMgAAVgcAAKr4//8BAAAAf39/AAEAAABkAAAAAAAAABQAAABAHwAAAAAAACYAAAAAAAAAwOD//wAAAAAmAAAAZAAAABYAAABMAAAAAAAAAAAAAAAEAAAAAAAAAAEAAADu7OEKAAAAACgAAAAoAAAAZAAAAGQAAAAAAAAAzMzMAAAAAABQAAAAUAAAAGQAAABkAAAAAAAAABcAAAAUAAAAAAAAAAAAAAD/fwAA/38AAAAAAAAJAAAABAAAAGcAaAAMAAAAEAAAAAAAAAAAAAAAAAAAAAAAAAAeAAAAaAAAAAAAAAAAAAAAAAAAAAAAAAAAAAAAECcAABAnAAAAAAAAAAAAAAAAAAAAAAAAAAAAAAAAAAAAAAAAAAAAABQAAAAAAAAAwMD/AAAAAABkAAAAMgAAAAAAAABkAAAAAAAAAH9/fwAKAAAAIgAAABgAAAAAAAAAAAAAAAAAAAAAAAAAAAAAAAAAAAAkAAAAJAAAAAAAAAAHAAAAAAAAAAAAAAAAAAAAAAAAAAAAAAAAAAAAf39/ACUAAABYAAAAAAAAAAAAAAAAAAAAAAAAAAAAAAAAAAAAAAAAAAAAAAAAAAAAAAAAAAAAAAA/AAAAAAAAAKCGAQAAAAAAAAAAAAAAAAAMAAAAAQAAAAAAAAAAAAAAAAAAAB8AAABUAAAAT4G9Bf///wEAAAAAAAAAAAAAAAAAAAAAAAAAAAAAAAAAAAAAAAAAAAAAAAJ/f38A7uzhA8zMzADAwP8Af39/AAAAAAAAAAAAAAAAAAAAAAAAAAAAIQAAABgAAAAUAAAA0AIAALEBAABwNQAACAYAABAAAAAmAAAACAAAAAEgAAAAAAAA"/>
+              </a:ext>
+            </a:extLst>
+          </p:cNvSpPr>
+          <p:nvPr>
+            <p:ph type="title"/>
+          </p:nvPr>
+        </p:nvSpPr>
+        <p:spPr>
+          <a:xfrm>
+            <a:off x="457200" y="274955"/>
+            <a:ext cx="8229600" cy="705485"/>
+          </a:xfrm>
+        </p:spPr>
+        <p:txBody>
+          <a:bodyPr vert="horz" wrap="square" lIns="91440" tIns="45720" rIns="91440" bIns="45720" numCol="1" anchor="ctr">
+            <a:prstTxWarp prst="textNoShape">
+              <a:avLst/>
+            </a:prstTxWarp>
+          </a:bodyPr>
+          <a:lstStyle/>
+          <a:p>
+            <a:pPr>
+              <a:defRPr lang="en-US"/>
+            </a:pPr>
+            <a:r>
+              <a:rPr lang="en-AU" sz="2800" dirty="0"/>
+              <a:t>Solution Outline</a:t>
+            </a:r>
+          </a:p>
+        </p:txBody>
+      </p:sp>
+      <p:sp>
+        <p:nvSpPr>
+          <p:cNvPr id="3" name="Content Placeholder 2"/>
+          <p:cNvSpPr>
+            <a:spLocks noGrp="1" noChangeArrowheads="1"/>
+            <a:extLst>
+              <a:ext uri="smNativeData">
+                <pr:smNativeData xmlns="" xmlns:p14="http://schemas.microsoft.com/office/powerpoint/2010/main" xmlns:pr="smNativeData" val="SMDATA_16_n4i/WxMAAAAlAAAAZAAAAA0AAAAAkAAAAEgAAACQAAAASAAAAAAAAAAAAAAAAAAAAAEAAABQAAAAAAAAAAAA4D8AAAAAAADgPwAAAAAAAOA/AAAAAAAA4D8AAAAAAADgPwAAAAAAAOA/AAAAAAAA4D8AAAAAAADgPwAAAAAAAOA/AAAAAAAA4D8CAAAAjAAAAAAAAAAAAAAAT4G9DP///wgAAAAAAAAAAAAAAAAAAAAAAAAAAAAAAAAAAAAAZAAAAAEAAABAAAAAAAAAAAAAAAAAAAAAAAAAAAAAAAAAAAAAAAAAAAAAAAAAAAAAAAAAAAAAAAAAAAAAAAAAAAAAAAAAAAAAAAAAAAAAAAAAAAAAAAAAAAAAAAAAAAAAFAAAADwAAAAAAAAAAAAAAAAAAAkUAAAAAQAAABQAAAAUAAAAFAAAAAEAAAAAAAAAZAAAAGQAAAAAAAAAZAAAAGQAAAAVAAAAYAAAAAAAAAAAAAAADwAAACADAAAAAAAAAAAAAAEAAACgMgAAVgcAAKr4//8BAAAAf39/AAEAAABkAAAAAAAAABQAAABAHwAAAAAAACYAAAAAAAAAwOD//wAAAAAmAAAAZAAAABYAAABMAAAAAAAAAAAAAAAEAAAAAAAAAAEAAADu7OEKAAAAACgAAAAoAAAAZAAAAGQAAAAAAAAAzMzMAAAAAABQAAAAUAAAAGQAAABkAAAAAAAAABcAAAAUAAAAAAAAAAAAAAD/fwAA/38AAAAAAAAJAAAABAAAACwBAAAMAAAAEAAAAAAAAAAAAAAAAAAAAAAAAAAeAAAAaAAAAAAAAAAAAAAAAAAAAAAAAAAAAAAAECcAABAnAAAAAAAAAAAAAAAAAAAAAAAAAAAAAAAAAAAAAAAAAAAAABQAAAAAAAAAwMD/AAAAAABkAAAAMgAAAAAAAABkAAAAAAAAAH9/fwAKAAAAIgAAABgAAAAAAAAAAAAAAAAAAAAAAAAAAAAAAAAAAAAkAAAAJAAAAAAAAAAHAAAAAAAAAAAAAAAAAAAAAAAAAAAAAAAAAAAAf39/ACUAAABYAAAAAAAAAAAAAAAAAAAAAAAAAAAAAAAAAAAAAAAAAAAAAAAAAAAAAAAAAAAAAAA/AAAAAAAAAKCGAQAAAAAAAAAAAAAAAAAMAAAAAQAAAAAAAAAAAAAAAAAAAB8AAABUAAAAT4G9Bf///wEAAAAAAAAAAAAAAAAAAAAAAAAAAAAAAAAAAAAAAAAAAAAAAAJ/f38A7uzhA8zMzADAwP8Af39/AAAAAAAAAAAAAAAAAAAAAAAAAAAAIQAAABgAAAAUAAAA0AIAANgJAABwNQAAsCUAABAAAAAmAAAACAAAAAAgAAAAAAAA"/>
+              </a:ext>
+            </a:extLst>
+          </p:cNvSpPr>
+          <p:nvPr>
+            <p:ph type="body" idx="1"/>
+          </p:nvPr>
+        </p:nvSpPr>
+        <p:spPr>
+          <a:xfrm>
+            <a:off x="457200" y="1491615"/>
+            <a:ext cx="8229600" cy="4634865"/>
+          </a:xfrm>
+        </p:spPr>
+        <p:txBody>
+          <a:bodyPr vert="horz" wrap="square" lIns="91440" tIns="45720" rIns="91440" bIns="45720" numCol="1" anchor="t">
+            <a:prstTxWarp prst="textNoShape">
+              <a:avLst/>
+            </a:prstTxWarp>
+          </a:bodyPr>
+          <a:lstStyle/>
+          <a:p>
+            <a:pPr>
+              <a:buFontTx/>
+              <a:buAutoNum type="arabicPeriod"/>
+              <a:defRPr lang="en-US"/>
+            </a:pPr>
+            <a:r>
+              <a:rPr lang="en-AU" sz="1600" dirty="0"/>
+              <a:t>Short term create a Spring based </a:t>
+            </a:r>
+            <a:r>
+              <a:rPr lang="en-AU" sz="1600" dirty="0" smtClean="0"/>
+              <a:t>OAuth2 </a:t>
+            </a:r>
+            <a:r>
+              <a:rPr lang="en-AU" sz="1600" dirty="0"/>
+              <a:t>security component with minimum custom code. </a:t>
+            </a:r>
+            <a:r>
+              <a:rPr dirty="0"/>
+              <a:t/>
+            </a:r>
+            <a:br>
+              <a:rPr dirty="0"/>
+            </a:br>
+            <a:r>
+              <a:rPr lang="en-AU" sz="1600" dirty="0"/>
+              <a:t>Longer term evaluate and stand up a third party </a:t>
+            </a:r>
+            <a:r>
+              <a:rPr lang="en-AU" sz="1600" dirty="0" smtClean="0"/>
+              <a:t>IAM product </a:t>
+            </a:r>
+            <a:r>
+              <a:rPr lang="en-AU" sz="1600" dirty="0"/>
+              <a:t>that satisfies SRO requirements.</a:t>
+            </a:r>
+          </a:p>
+          <a:p>
+            <a:pPr>
+              <a:buFontTx/>
+              <a:buAutoNum type="arabicPeriod"/>
+              <a:defRPr lang="en-US"/>
+            </a:pPr>
+            <a:r>
+              <a:rPr lang="en-AU" sz="1600" dirty="0"/>
+              <a:t>Deploy this component as a separate service that will be remotely accessed from any Java application (client) that requires REST API security</a:t>
+            </a:r>
+          </a:p>
+          <a:p>
+            <a:pPr>
+              <a:buFontTx/>
+              <a:buAutoNum type="arabicPeriod"/>
+              <a:defRPr lang="en-US"/>
+            </a:pPr>
+            <a:r>
+              <a:rPr lang="en-AU" sz="1600" dirty="0"/>
+              <a:t>Initially deploy this service on the existing WebSphere cluster, </a:t>
+            </a:r>
+            <a:r>
+              <a:rPr lang="en-AU" sz="1600" dirty="0" smtClean="0"/>
+              <a:t>consider </a:t>
+            </a:r>
+            <a:r>
+              <a:rPr lang="en-AU" sz="1600" dirty="0" err="1"/>
+              <a:t>microservice</a:t>
+            </a:r>
+            <a:r>
+              <a:rPr lang="en-AU" sz="1600" dirty="0"/>
+              <a:t> architecture </a:t>
+            </a:r>
+            <a:r>
+              <a:rPr lang="en-AU" sz="1600" dirty="0" smtClean="0"/>
+              <a:t>on Liberty or Tomcat </a:t>
+            </a:r>
+            <a:r>
+              <a:rPr lang="en-AU" sz="1600" dirty="0"/>
+              <a:t>and No-SQL database</a:t>
+            </a:r>
+          </a:p>
+          <a:p>
+            <a:pPr>
+              <a:buFontTx/>
+              <a:buAutoNum type="arabicPeriod"/>
+              <a:defRPr lang="en-US"/>
+            </a:pPr>
+            <a:r>
+              <a:rPr lang="en-AU" sz="1600" dirty="0"/>
+              <a:t>Create token store on the existing Oracle database server using the schema from the Spring OAuth2 implementation</a:t>
+            </a:r>
+          </a:p>
+          <a:p>
+            <a:pPr>
+              <a:buFontTx/>
+              <a:buAutoNum type="arabicPeriod"/>
+              <a:defRPr lang="en-US"/>
+            </a:pPr>
+            <a:r>
+              <a:rPr lang="en-AU" sz="1600" dirty="0"/>
+              <a:t>Cater for the following authentication methods:</a:t>
+            </a:r>
+          </a:p>
+          <a:p>
+            <a:pPr lvl="1">
+              <a:buFontTx/>
+              <a:buAutoNum type="alphaLcPeriod"/>
+              <a:defRPr lang="en-US"/>
+            </a:pPr>
+            <a:r>
+              <a:rPr lang="en-AU" sz="1200" dirty="0"/>
+              <a:t>LDAP</a:t>
+            </a:r>
+          </a:p>
+          <a:p>
+            <a:pPr lvl="1">
+              <a:buFontTx/>
+              <a:buAutoNum type="alphaLcPeriod"/>
+              <a:defRPr lang="en-US"/>
+            </a:pPr>
+            <a:r>
+              <a:rPr lang="en-AU" sz="1200" dirty="0"/>
+              <a:t>Custom (this covers </a:t>
+            </a:r>
+            <a:r>
+              <a:rPr lang="en-AU" sz="1200" dirty="0" err="1"/>
+              <a:t>esys</a:t>
+            </a:r>
+            <a:r>
+              <a:rPr lang="en-AU" sz="1200" dirty="0"/>
+              <a:t>, </a:t>
+            </a:r>
+            <a:r>
+              <a:rPr lang="en-AU" sz="1200" dirty="0" err="1"/>
+              <a:t>myGov</a:t>
+            </a:r>
+            <a:r>
+              <a:rPr lang="en-AU" sz="1200" dirty="0"/>
+              <a:t> and any combination of the above)</a:t>
+            </a:r>
+          </a:p>
+          <a:p>
+            <a:pPr>
+              <a:buFontTx/>
+              <a:buAutoNum type="arabicPeriod"/>
+              <a:defRPr lang="en-US"/>
+            </a:pPr>
+            <a:r>
+              <a:rPr lang="en-AU" sz="1600" dirty="0"/>
+              <a:t>Custom authentication method to be configured as a REST endpoint on the Authentication server and implemented either within the client application or as a separate service</a:t>
+            </a:r>
+          </a:p>
+          <a:p>
+            <a:pPr>
+              <a:buFontTx/>
+              <a:buAutoNum type="arabicPeriod"/>
+              <a:defRPr lang="en-US"/>
+            </a:pPr>
+            <a:r>
+              <a:rPr lang="en-AU" sz="1600" dirty="0"/>
+              <a:t>Allow for custom configuration for each client application, including authentication method, authentication server properties, token timeouts </a:t>
+            </a:r>
+            <a:r>
+              <a:rPr lang="en-AU" sz="1600" dirty="0" err="1"/>
+              <a:t>etc</a:t>
+            </a:r>
+            <a:endParaRPr lang="en-AU" sz="1600" dirty="0"/>
+          </a:p>
+          <a:p>
+            <a:pPr>
+              <a:buFontTx/>
+              <a:buAutoNum type="arabicPeriod"/>
+              <a:defRPr lang="en-US"/>
+            </a:pPr>
+            <a:endParaRPr lang="en-AU" sz="1600" dirty="0"/>
+          </a:p>
+        </p:txBody>
+      </p:sp>
+    </p:spTree>
+  </p:cSld>
+  <p:clrMapOvr>
+    <a:masterClrMapping/>
+  </p:clrMapOvr>
+  <p:timing>
+    <p:tnLst>
+      <p:par>
+        <p:cTn id="1" dur="indefinite" restart="never" nodeType="tmRoot"/>
+      </p:par>
+    </p:tnLst>
+  </p:timing>
+</p:sld>
+</file>
+
+<file path=ppt/slides/slide6.xml><?xml version="1.0" encoding="utf-8"?>
+<p:sld xmlns:a="http://schemas.openxmlformats.org/drawingml/2006/main" xmlns:r="http://schemas.openxmlformats.org/officeDocument/2006/relationships" xmlns:p="http://schemas.openxmlformats.org/presentationml/2006/main">
+  <p:cSld>
+    <p:spTree>
+      <p:nvGrpSpPr>
+        <p:cNvPr id="1" name=""/>
+        <p:cNvGrpSpPr/>
+        <p:nvPr/>
+      </p:nvGrpSpPr>
+      <p:grpSpPr>
+        <a:xfrm>
+          <a:off x="0" y="0"/>
+          <a:ext cx="0" cy="0"/>
+          <a:chOff x="0" y="0"/>
+          <a:chExt cx="0" cy="0"/>
+        </a:xfrm>
+      </p:grpSpPr>
+      <p:sp>
+        <p:nvSpPr>
+          <p:cNvPr id="2" name="Title 1"/>
+          <p:cNvSpPr>
+            <a:spLocks noGrp="1" noChangeArrowheads="1"/>
+            <a:extLst>
+              <a:ext uri="smNativeData">
+                <pr:smNativeData xmlns="" xmlns:p14="http://schemas.microsoft.com/office/powerpoint/2010/main" xmlns:pr="smNativeData" val="SMDATA_16_n4i/WxMAAAAlAAAAZAAAAA0AAAAAkAAAAEgAAACQAAAASAAAAAAAAAABAAAAAAAAAAEAAABQAAAAAAAAAAAA4D8AAAAAAADgPwAAAAAAAOA/AAAAAAAA4D8AAAAAAADgPwAAAAAAAOA/AAAAAAAA4D8AAAAAAADgPwAAAAAAAOA/AAAAAAAA4D8CAAAAjAAAAAAAAAAAAAAAT4G9DP///wgAAAAAAAAAAAAAAAAAAAAAAAAAAAAAAAAAAAAAZAAAAAEAAABAAAAAAAAAAAAAAAAAAAAAAAAAAAAAAAAAAAAAAAAAAAAAAAAAAAAAAAAAAAAAAAAAAAAAAAAAAAAAAAAAAAAAAAAAAAAAAAAAAAAAAAAAAAAAAAAAAAAAFAAAADwAAAAAAAAAAAAAAAAAAAkUAAAAAQAAABQAAAAUAAAAFAAAAAEAAAAAAAAAZAAAAGQAAAAAAAAAZAAAAGQAAAAVAAAAYAAAAAAAAAAAAAAADwAAACADAAAAAAAAAAAAAAEAAACgMgAAVgcAAKr4//8BAAAAf39/AAEAAABkAAAAAAAAABQAAABAHwAAAAAAACYAAAAAAAAAwOD//wAAAAAmAAAAZAAAABYAAABMAAAAAAAAAAAAAAAEAAAAAAAAAAEAAADu7OEKAAAAACgAAAAoAAAAZAAAAGQAAAAAAAAAzMzMAAAAAABQAAAAUAAAAGQAAABkAAAAAAAAABcAAAAUAAAAAAAAAAAAAAD/fwAA/38AAAAAAAAJAAAABAAAAAAAAAAMAAAAEAAAAAAAAAAAAAAAAAAAAAAAAAAeAAAAaAAAAAAAAAAAAAAAAAAAAAAAAAAAAAAAECcAABAnAAAAAAAAAAAAAAAAAAAAAAAAAAAAAAAAAAAAAAAAAAAAABQAAAAAAAAAwMD/AAAAAABkAAAAMgAAAAAAAABkAAAAAAAAAH9/fwAKAAAAIgAAABgAAAAAAAAAAAAAAAAAAAAAAAAAAAAAAAAAAAAkAAAAJAAAAAAAAAAHAAAAAAAAAAAAAAAAAAAAAAAAAAAAAAAAAAAAf39/ACUAAABYAAAAAAAAAAAAAAAAAAAAAAAAAAAAAAAAAAAAAAAAAAAAAAAAAAAAAAAAAAAAAAA/AAAAAAAAAKCGAQAAAAAAAAAAAAAAAAAMAAAAAQAAAAAAAAAAAAAAAAAAAB8AAABUAAAAT4G9Bf///wEAAAAAAAAAAAAAAAAAAAAAAAAAAAAAAAAAAAAAAAAAAAAAAAJ/f38A7uzhA8zMzADAwP8Af39/AAAAAAAAAAAAAAAAAAAAAAAAAAAAIQAAABgAAAAUAAAA0AIAALEBAABwNQAACAYAABAAAAAmAAAACAAAAAEgAAAAAAAA"/>
+              </a:ext>
+            </a:extLst>
+          </p:cNvSpPr>
+          <p:nvPr>
+            <p:ph type="title"/>
+          </p:nvPr>
+        </p:nvSpPr>
+        <p:spPr>
+          <a:xfrm>
+            <a:off x="457200" y="274955"/>
+            <a:ext cx="8229600" cy="705485"/>
+          </a:xfrm>
+        </p:spPr>
+        <p:txBody>
+          <a:bodyPr vert="horz" wrap="square" lIns="91440" tIns="45720" rIns="91440" bIns="45720" numCol="1" anchor="ctr">
+            <a:prstTxWarp prst="textNoShape">
+              <a:avLst/>
+            </a:prstTxWarp>
+          </a:bodyPr>
+          <a:lstStyle/>
+          <a:p>
+            <a:pPr>
+              <a:defRPr lang="en-US"/>
+            </a:pPr>
+            <a:r>
+              <a:rPr lang="en-AU" sz="2800" dirty="0"/>
+              <a:t>Solution Outline – Context</a:t>
+            </a:r>
+          </a:p>
+        </p:txBody>
+      </p:sp>
+      <p:sp>
+        <p:nvSpPr>
+          <p:cNvPr id="3" name="Content Placeholder 2"/>
+          <p:cNvSpPr>
+            <a:spLocks noGrp="1" noChangeArrowheads="1"/>
+            <a:extLst>
+              <a:ext uri="smNativeData">
+                <pr:smNativeData xmlns="" xmlns:p14="http://schemas.microsoft.com/office/powerpoint/2010/main" xmlns:pr="smNativeData" val="SMDATA_16_n4i/WxMAAAAlAAAAZAAAAA0AAAAAkAAAAEgAAACQAAAASAAAAAAAAAAAAAAAAAAAAAEAAABQAAAAAAAAAAAA4D8AAAAAAADgPwAAAAAAAOA/AAAAAAAA4D8AAAAAAADgPwAAAAAAAOA/AAAAAAAA4D8AAAAAAADgPwAAAAAAAOA/AAAAAAAA4D8CAAAAjAAAAAAAAAAAAAAAT4G9DP///wgAAAAAAAAAAAAAAAAAAAAAAAAAAAAAAAAAAAAAZAAAAAEAAABAAAAAAAAAAAAAAAAAAAAAAAAAAAAAAAAAAAAAAAAAAAAAAAAAAAAAAAAAAAAAAAAAAAAAAAAAAAAAAAAAAAAAAAAAAAAAAAAAAAAAAAAAAAAAAAAAAAAAFAAAADwAAAAAAAAAAAAAAAAAAAkUAAAAAQAAABQAAAAUAAAAFAAAAAEAAAAAAAAAZAAAAGQAAAAAAAAAZAAAAGQAAAAVAAAAYAAAAAAAAAAAAAAADwAAACADAAAAAAAAAAAAAAEAAACgMgAAVgcAAKr4//8BAAAAf39/AAEAAABkAAAAAAAAABQAAABAHwAAAAAAACYAAAAAAAAAwOD//wAAAAAmAAAAZAAAABYAAABMAAAAAAAAAAAAAAAEAAAAAAAAAAEAAADu7OEKAAAAACgAAAAoAAAAZAAAAGQAAAAAAAAAzMzMAAAAAABQAAAAUAAAAGQAAABkAAAAAAAAABcAAAAUAAAAAAAAAAAAAAD/fwAA/38AAAAAAAAJAAAABAAAAAAAAAAMAAAAEAAAAAAAAAAAAAAAAAAAAAAAAAAeAAAAaAAAAAAAAAAAAAAAAAAAAAAAAAAAAAAAECcAABAnAAAAAAAAAAAAAAAAAAAAAAAAAAAAAAAAAAAAAAAAAAAAABQAAAAAAAAAwMD/AAAAAABkAAAAMgAAAAAAAABkAAAAAAAAAH9/fwAKAAAAIgAAABgAAAAAAAAAAAAAAAAAAAAAAAAAAAAAAAAAAAAkAAAAJAAAAAAAAAAHAAAAAAAAAAAAAAAAAAAAAAAAAAAAAAAAAAAAf39/ACUAAABYAAAAAAAAAAAAAAAAAAAAAAAAAAAAAAAAAAAAAAAAAAAAAAAAAAAAAAAAAAAAAAA/AAAAAAAAAKCGAQAAAAAAAAAAAAAAAAAMAAAAAQAAAAAAAAAAAAAAAAAAAB8AAABUAAAAT4G9Bf///wEAAAAAAAAAAAAAAAAAAAAAAAAAAAAAAAAAAAAAAAAAAAAAAAJ/f38A7uzhA8zMzADAwP8Af39/AAAAAAAAAAAAAAAAAAAAAAAAAAAAIQAAABgAAAAUAAAA0AIAANgJAABwNQAAsCUAABAAAAAmAAAACAAAAAAgAAAAAAAA"/>
+              </a:ext>
+            </a:extLst>
+          </p:cNvSpPr>
+          <p:nvPr>
+            <p:ph type="body" idx="1"/>
+          </p:nvPr>
+        </p:nvSpPr>
+        <p:spPr>
+          <a:ln>
+            <a:solidFill>
+              <a:schemeClr val="accent1"/>
+            </a:solidFill>
+          </a:ln>
+        </p:spPr>
+        <p:txBody>
+          <a:bodyPr vert="horz" wrap="square" lIns="91440" tIns="45720" rIns="91440" bIns="45720" numCol="1" anchor="t">
+            <a:prstTxWarp prst="textNoShape">
+              <a:avLst/>
+            </a:prstTxWarp>
+          </a:bodyPr>
+          <a:lstStyle/>
+          <a:p>
+            <a:pPr>
+              <a:buFontTx/>
+              <a:buAutoNum type="arabicPeriod"/>
+              <a:defRPr lang="en-US"/>
+            </a:pPr>
+            <a:endParaRPr dirty="0"/>
+          </a:p>
+        </p:txBody>
+      </p:sp>
+      <p:pic>
+        <p:nvPicPr>
+          <p:cNvPr id="4" name="Picture 3"/>
+          <p:cNvPicPr>
+            <a:picLocks noChangeAspect="1"/>
+          </p:cNvPicPr>
+          <p:nvPr/>
+        </p:nvPicPr>
+        <p:blipFill>
+          <a:blip r:embed="rId2">
+            <a:extLst>
+              <a:ext uri="{28A0092B-C50C-407E-A947-70E740481C1C}">
+                <a14:useLocalDpi xmlns:a14="http://schemas.microsoft.com/office/drawing/2010/main" val="0"/>
+              </a:ext>
+            </a:extLst>
+          </a:blip>
+          <a:stretch>
+            <a:fillRect/>
+          </a:stretch>
+        </p:blipFill>
+        <p:spPr>
+          <a:xfrm>
+            <a:off x="625475" y="1778636"/>
+            <a:ext cx="7967222" cy="3917646"/>
+          </a:xfrm>
+          <a:prstGeom prst="rect">
+            <a:avLst/>
+          </a:prstGeom>
+        </p:spPr>
+      </p:pic>
+    </p:spTree>
+  </p:cSld>
+  <p:clrMapOvr>
+    <a:masterClrMapping/>
+  </p:clrMapOvr>
+  <p:timing>
+    <p:tnLst>
+      <p:par>
+        <p:cTn id="1" dur="indefinite" restart="never" nodeType="tmRoot"/>
+      </p:par>
+    </p:tnLst>
+  </p:timing>
+</p:sld>
+</file>
+
+<file path=ppt/slides/slide7.xml><?xml version="1.0" encoding="utf-8"?>
+<p:sld xmlns:a="http://schemas.openxmlformats.org/drawingml/2006/main" xmlns:r="http://schemas.openxmlformats.org/officeDocument/2006/relationships" xmlns:p="http://schemas.openxmlformats.org/presentationml/2006/main">
+  <p:cSld>
+    <p:spTree>
+      <p:nvGrpSpPr>
+        <p:cNvPr id="1" name=""/>
+        <p:cNvGrpSpPr/>
+        <p:nvPr/>
+      </p:nvGrpSpPr>
+      <p:grpSpPr>
+        <a:xfrm>
+          <a:off x="0" y="0"/>
+          <a:ext cx="0" cy="0"/>
+          <a:chOff x="0" y="0"/>
+          <a:chExt cx="0" cy="0"/>
+        </a:xfrm>
+      </p:grpSpPr>
+      <p:sp>
+        <p:nvSpPr>
+          <p:cNvPr id="2" name="Title 1"/>
+          <p:cNvSpPr>
+            <a:spLocks noGrp="1" noChangeArrowheads="1"/>
+            <a:extLst>
+              <a:ext uri="smNativeData">
+                <pr:smNativeData xmlns="" xmlns:p14="http://schemas.microsoft.com/office/powerpoint/2010/main" xmlns:pr="smNativeData" val="SMDATA_16_n4i/WxMAAAAlAAAAZAAAAA0AAAAAkAAAAEgAAACQAAAASAAAAAAAAAABAAAAAAAAAAEAAABQAAAAAAAAAAAA4D8AAAAAAADgPwAAAAAAAOA/AAAAAAAA4D8AAAAAAADgPwAAAAAAAOA/AAAAAAAA4D8AAAAAAADgPwAAAAAAAOA/AAAAAAAA4D8CAAAAjAAAAAAAAAAAAAAAT4G9DP///wgAAAAAAAAAAAAAAAAAAAAAAAAAAAAAAAAAAAAAZAAAAAEAAABAAAAAAAAAAAAAAAAAAAAAAAAAAAAAAAAAAAAAAAAAAAAAAAAAAAAAAAAAAAAAAAAAAAAAAAAAAAAAAAAAAAAAAAAAAAAAAAAAAAAAAAAAAAAAAAAAAAAAFAAAADwAAAAAAAAAAAAAAAAAAAkUAAAAAQAAABQAAAAUAAAAFAAAAAEAAAAAAAAAZAAAAGQAAAAAAAAAZAAAAGQAAAAVAAAAYAAAAAAAAAAAAAAADwAAACADAAAAAAAAAAAAAAEAAACgMgAAVgcAAKr4//8BAAAAf39/AAEAAABkAAAAAAAAABQAAABAHwAAAAAAACYAAAAAAAAAwOD//wAAAAAmAAAAZAAAABYAAABMAAAAAAAAAAAAAAAEAAAAAAAAAAEAAADu7OEKAAAAACgAAAAoAAAAZAAAAGQAAAAAAAAAzMzMAAAAAABQAAAAUAAAAGQAAABkAAAAAAAAABcAAAAUAAAAAAAAAAAAAAD/fwAA/38AAAAAAAAJAAAABAAAAGcAaAAMAAAAEAAAAAAAAAAAAAAAAAAAAAAAAAAeAAAAaAAAAAAAAAAAAAAAAAAAAAAAAAAAAAAAECcAABAnAAAAAAAAAAAAAAAAAAAAAAAAAAAAAAAAAAAAAAAAAAAAABQAAAAAAAAAwMD/AAAAAABkAAAAMgAAAAAAAABkAAAAAAAAAH9/fwAKAAAAIgAAABgAAAAAAAAAAAAAAAAAAAAAAAAAAAAAAAAAAAAkAAAAJAAAAAAAAAAHAAAAAAAAAAAAAAAAAAAAAAAAAAAAAAAAAAAAf39/ACUAAABYAAAAAAAAAAAAAAAAAAAAAAAAAAAAAAAAAAAAAAAAAAAAAAAAAAAAAAAAAAAAAAA/AAAAAAAAAKCGAQAAAAAAAAAAAAAAAAAMAAAAAQAAAAAAAAAAAAAAAAAAAB8AAABUAAAAT4G9Bf///wEAAAAAAAAAAAAAAAAAAAAAAAAAAAAAAAAAAAAAAAAAAAAAAAJ/f38A7uzhA8zMzADAwP8Af39/AAAAAAAAAAAAAAAAAAAAAAAAAAAAIQAAABgAAAAUAAAA0AIAALEBAABwNQAACAYAABAAAAAmAAAACAAAAAEgAAAAAAAA"/>
+              </a:ext>
+            </a:extLst>
+          </p:cNvSpPr>
+          <p:nvPr>
+            <p:ph type="title"/>
+          </p:nvPr>
+        </p:nvSpPr>
+        <p:spPr>
+          <a:xfrm>
+            <a:off x="457200" y="274955"/>
+            <a:ext cx="8229600" cy="705485"/>
+          </a:xfrm>
+        </p:spPr>
+        <p:txBody>
+          <a:bodyPr vert="horz" wrap="square" lIns="91440" tIns="45720" rIns="91440" bIns="45720" numCol="1" anchor="ctr">
+            <a:prstTxWarp prst="textNoShape">
+              <a:avLst/>
+            </a:prstTxWarp>
+          </a:bodyPr>
+          <a:lstStyle/>
+          <a:p>
+            <a:pPr>
+              <a:defRPr lang="en-US"/>
+            </a:pPr>
+            <a:r>
+              <a:rPr lang="en-AU" sz="2800" dirty="0" smtClean="0"/>
+              <a:t>Authorisation Server </a:t>
+            </a:r>
+            <a:r>
+              <a:rPr lang="en-AU" sz="2800" dirty="0"/>
+              <a:t>Components</a:t>
+            </a:r>
+          </a:p>
+        </p:txBody>
+      </p:sp>
+      <p:sp>
+        <p:nvSpPr>
+          <p:cNvPr id="3" name="Content Placeholder 2"/>
+          <p:cNvSpPr>
+            <a:spLocks noGrp="1" noChangeArrowheads="1"/>
+            <a:extLst>
+              <a:ext uri="smNativeData">
+                <pr:smNativeData xmlns="" xmlns:p14="http://schemas.microsoft.com/office/powerpoint/2010/main" xmlns:pr="smNativeData" val="SMDATA_16_n4i/WxMAAAAlAAAAZAAAAA0AAAAAkAAAAEgAAACQAAAASAAAAAAAAAAAAAAAAAAAAAEAAABQAAAAAAAAAAAA4D8AAAAAAADgPwAAAAAAAOA/AAAAAAAA4D8AAAAAAADgPwAAAAAAAOA/AAAAAAAA4D8AAAAAAADgPwAAAAAAAOA/AAAAAAAA4D8CAAAAjAAAAAAAAAAAAAAAT4G9DP///wgAAAAAAAAAAAAAAAAAAAAAAAAAAAAAAAAAAAAAZAAAAAEAAABAAAAAAAAAAAAAAAAAAAAAAAAAAAAAAAAAAAAAAAAAAAAAAAAAAAAAAAAAAAAAAAAAAAAAAAAAAAAAAAAAAAAAAAAAAAAAAAAAAAAAAAAAAAAAAAAAAAAAFAAAADwAAAAAAAAAAAAAAAAAAAkUAAAAAQAAABQAAAAUAAAAFAAAAAEAAAAAAAAAZAAAAGQAAAAAAAAAZAAAAGQAAAAVAAAAYAAAAAAAAAAAAAAADwAAACADAAAAAAAAAAAAAAEAAACgMgAAVgcAAKr4//8BAAAAf39/AAEAAABkAAAAAAAAABQAAABAHwAAAAAAACYAAAAAAAAAwOD//wAAAAAmAAAAZAAAABYAAABMAAAAAAAAAAAAAAAEAAAAAAAAAAEAAADu7OEKAAAAACgAAAAoAAAAZAAAAGQAAAAAAAAAzMzMAAAAAABQAAAAUAAAAGQAAABkAAAAAAAAABcAAAAUAAAAAAAAAAAAAAD/fwAA/38AAAAAAAAJAAAABAAAAAAAAAAMAAAAEAAAAAAAAAAAAAAAAAAAAAAAAAAeAAAAaAAAAAAAAAAAAAAAAAAAAAAAAAAAAAAAECcAABAnAAAAAAAAAAAAAAAAAAAAAAAAAAAAAAAAAAAAAAAAAAAAABQAAAAAAAAAwMD/AAAAAABkAAAAMgAAAAAAAABkAAAAAAAAAH9/fwAKAAAAIgAAABgAAAAAAAAAAAAAAAAAAAAAAAAAAAAAAAAAAAAkAAAAJAAAAAAAAAAHAAAAAAAAAAAAAAAAAAAAAAAAAAAAAAAAAAAAf39/ACUAAABYAAAAAAAAAAAAAAAAAAAAAAAAAAAAAAAAAAAAAAAAAAAAAAAAAAAAAAAAAAAAAAA/AAAAAAAAAKCGAQAAAAAAAAAAAAAAAAAMAAAAAQAAAAAAAAAAAAAAAAAAAB8AAABUAAAAT4G9Bf///wEAAAAAAAAAAAAAAAAAAAAAAAAAAAAAAAAAAAAAAAAAAAAAAAJ/f38A7uzhA8zMzADAwP8Af39/AAAAAAAAAAAAAAAAAAAAAAAAAAAAIQAAABgAAAAUAAAA0AIAANgJAABwNQAAsCUAABAAAAAmAAAACAAAAAAgAAAAAAAA"/>
+              </a:ext>
+            </a:extLst>
+          </p:cNvSpPr>
+          <p:nvPr>
+            <p:ph type="body" idx="1"/>
+          </p:nvPr>
+        </p:nvSpPr>
+        <p:spPr>
+          <a:xfrm>
+            <a:off x="457200" y="1204595"/>
+            <a:ext cx="8229600" cy="4921885"/>
+          </a:xfrm>
+        </p:spPr>
+        <p:txBody>
+          <a:bodyPr vert="horz" wrap="square" lIns="91440" tIns="45720" rIns="91440" bIns="45720" numCol="1" anchor="t">
+            <a:prstTxWarp prst="textNoShape">
+              <a:avLst/>
+            </a:prstTxWarp>
+          </a:bodyPr>
+          <a:lstStyle/>
+          <a:p>
+            <a:pPr>
+              <a:buFontTx/>
+              <a:buAutoNum type="arabicPeriod"/>
+              <a:defRPr lang="en-US"/>
+            </a:pPr>
+            <a:endParaRPr dirty="0"/>
+          </a:p>
+        </p:txBody>
+      </p:sp>
+      <p:pic>
+        <p:nvPicPr>
+          <p:cNvPr id="4" name="Picture 3"/>
+          <p:cNvPicPr>
+            <a:picLocks noChangeAspect="1"/>
+          </p:cNvPicPr>
+          <p:nvPr/>
+        </p:nvPicPr>
+        <p:blipFill>
+          <a:blip r:embed="rId2">
+            <a:extLst>
+              <a:ext uri="{28A0092B-C50C-407E-A947-70E740481C1C}">
+                <a14:useLocalDpi xmlns:a14="http://schemas.microsoft.com/office/drawing/2010/main" val="0"/>
+              </a:ext>
+            </a:extLst>
+          </a:blip>
+          <a:stretch>
+            <a:fillRect/>
+          </a:stretch>
+        </p:blipFill>
+        <p:spPr>
+          <a:xfrm>
+            <a:off x="626091" y="1419859"/>
+            <a:ext cx="7944057" cy="4520565"/>
+          </a:xfrm>
+          <a:prstGeom prst="rect">
+            <a:avLst/>
+          </a:prstGeom>
+        </p:spPr>
+      </p:pic>
+    </p:spTree>
+  </p:cSld>
+  <p:clrMapOvr>
+    <a:masterClrMapping/>
+  </p:clrMapOvr>
+  <p:timing>
+    <p:tnLst>
+      <p:par>
+        <p:cTn id="1" dur="indefinite" restart="never" nodeType="tmRoot"/>
+      </p:par>
+    </p:tnLst>
+  </p:timing>
+</p:sld>
+</file>
+
+<file path=ppt/slides/slide8.xml><?xml version="1.0" encoding="utf-8"?>
+<p:sld xmlns:a="http://schemas.openxmlformats.org/drawingml/2006/main" xmlns:r="http://schemas.openxmlformats.org/officeDocument/2006/relationships" xmlns:p="http://schemas.openxmlformats.org/presentationml/2006/main">
+  <p:cSld>
+    <p:spTree>
+      <p:nvGrpSpPr>
+        <p:cNvPr id="1" name=""/>
+        <p:cNvGrpSpPr/>
+        <p:nvPr/>
+      </p:nvGrpSpPr>
+      <p:grpSpPr>
+        <a:xfrm>
+          <a:off x="0" y="0"/>
+          <a:ext cx="0" cy="0"/>
+          <a:chOff x="0" y="0"/>
+          <a:chExt cx="0" cy="0"/>
+        </a:xfrm>
+      </p:grpSpPr>
+      <p:sp>
+        <p:nvSpPr>
+          <p:cNvPr id="2" name="Title 1"/>
+          <p:cNvSpPr>
+            <a:spLocks noGrp="1" noChangeArrowheads="1"/>
+            <a:extLst>
+              <a:ext uri="smNativeData">
+                <pr:smNativeData xmlns="" xmlns:p14="http://schemas.microsoft.com/office/powerpoint/2010/main" xmlns:pr="smNativeData" val="SMDATA_16_n4i/WxMAAAAlAAAAZAAAAA0AAAAAkAAAAEgAAACQAAAASAAAAAAAAAABAAAAAAAAAAEAAABQAAAAAAAAAAAA4D8AAAAAAADgPwAAAAAAAOA/AAAAAAAA4D8AAAAAAADgPwAAAAAAAOA/AAAAAAAA4D8AAAAAAADgPwAAAAAAAOA/AAAAAAAA4D8CAAAAjAAAAAAAAAAAAAAAT4G9DP///wgAAAAAAAAAAAAAAAAAAAAAAAAAAAAAAAAAAAAAZAAAAAEAAABAAAAAAAAAAAAAAAAAAAAAAAAAAAAAAAAAAAAAAAAAAAAAAAAAAAAAAAAAAAAAAAAAAAAAAAAAAAAAAAAAAAAAAAAAAAAAAAAAAAAAAAAAAAAAAAAAAAAAFAAAADwAAAAAAAAAAAAAAAAAAAkUAAAAAQAAABQAAAAUAAAAFAAAAAEAAAAAAAAAZAAAAGQAAAAAAAAAZAAAAGQAAAAVAAAAYAAAAAAAAAAAAAAADwAAACADAAAAAAAAAAAAAAEAAACgMgAAVgcAAKr4//8BAAAAf39/AAEAAABkAAAAAAAAABQAAABAHwAAAAAAACYAAAAAAAAAwOD//wAAAAAmAAAAZAAAABYAAABMAAAAAAAAAAAAAAAEAAAAAAAAAAEAAADu7OEKAAAAACgAAAAoAAAAZAAAAGQAAAAAAAAAzMzMAAAAAABQAAAAUAAAAGQAAABkAAAAAAAAABcAAAAUAAAAAAAAAAAAAAD/fwAA/38AAAAAAAAJAAAABAAAAEkBAAAMAAAAEAAAAAAAAAAAAAAAAAAAAAAAAAAeAAAAaAAAAAAAAAAAAAAAAAAAAAAAAAAAAAAAECcAABAnAAAAAAAAAAAAAAAAAAAAAAAAAAAAAAAAAAAAAAAAAAAAABQAAAAAAAAAwMD/AAAAAABkAAAAMgAAAAAAAABkAAAAAAAAAH9/fwAKAAAAIgAAABgAAAAAAAAAAAAAAAAAAAAAAAAAAAAAAAAAAAAkAAAAJAAAAAAAAAAHAAAAAAAAAAAAAAAAAAAAAAAAAAAAAAAAAAAAf39/ACUAAABYAAAAAAAAAAAAAAAAAAAAAAAAAAAAAAAAAAAAAAAAAAAAAAAAAAAAAAAAAAAAAAA/AAAAAAAAAKCGAQAAAAAAAAAAAAAAAAAMAAAAAQAAAAAAAAAAAAAAAAAAAB8AAABUAAAAT4G9Bf///wEAAAAAAAAAAAAAAAAAAAAAAAAAAAAAAAAAAAAAAAAAAAAAAAJ/f38A7uzhA8zMzADAwP8Af39/AAAAAAAAAAAAAAAAAAAAAAAAAAAAIQAAABgAAAAUAAAA0AIAALEBAABwNQAACAYAABAAAAAmAAAACAAAAAEgAAAAAAAA"/>
+              </a:ext>
+            </a:extLst>
+          </p:cNvSpPr>
+          <p:nvPr>
+            <p:ph type="title"/>
+          </p:nvPr>
+        </p:nvSpPr>
+        <p:spPr>
+          <a:xfrm>
+            <a:off x="457200" y="274955"/>
+            <a:ext cx="8229600" cy="705485"/>
+          </a:xfrm>
+        </p:spPr>
+        <p:txBody>
+          <a:bodyPr vert="horz" wrap="square" lIns="91440" tIns="45720" rIns="91440" bIns="45720" numCol="1" anchor="ctr">
+            <a:prstTxWarp prst="textNoShape">
+              <a:avLst/>
+            </a:prstTxWarp>
+          </a:bodyPr>
+          <a:lstStyle/>
+          <a:p>
+            <a:pPr>
+              <a:defRPr lang="en-US"/>
+            </a:pPr>
+            <a:r>
+              <a:rPr lang="en-AU" sz="2800"/>
+              <a:t>Solution Outline – Technology Stack</a:t>
+            </a:r>
+          </a:p>
+        </p:txBody>
+      </p:sp>
+      <p:sp>
+        <p:nvSpPr>
+          <p:cNvPr id="3" name="Content Placeholder 2"/>
+          <p:cNvSpPr>
+            <a:spLocks noGrp="1" noChangeArrowheads="1"/>
+            <a:extLst>
+              <a:ext uri="smNativeData">
+                <pr:smNativeData xmlns="" xmlns:p14="http://schemas.microsoft.com/office/powerpoint/2010/main" xmlns:pr="smNativeData" val="SMDATA_16_n4i/WxMAAAAlAAAAZAAAAA0AAAAAkAAAAEgAAACQAAAASAAAAAAAAAAAAAAAAAAAAAEAAABQAAAAAAAAAAAA4D8AAAAAAADgPwAAAAAAAOA/AAAAAAAA4D8AAAAAAADgPwAAAAAAAOA/AAAAAAAA4D8AAAAAAADgPwAAAAAAAOA/AAAAAAAA4D8CAAAAjAAAAAAAAAAAAAAAT4G9DP///wgAAAAAAAAAAAAAAAAAAAAAAAAAAAAAAAAAAAAAZAAAAAEAAABAAAAAAAAAAAAAAAAAAAAAAAAAAAAAAAAAAAAAAAAAAAAAAAAAAAAAAAAAAAAAAAAAAAAAAAAAAAAAAAAAAAAAAAAAAAAAAAAAAAAAAAAAAAAAAAAAAAAAFAAAADwAAAAAAAAAAAAAAAAAAAkUAAAAAQAAABQAAAAUAAAAFAAAAAEAAAAAAAAAZAAAAGQAAAAAAAAAZAAAAGQAAAAVAAAAYAAAAAAAAAAAAAAADwAAACADAAAAAAAAAAAAAAEAAACgMgAAVgcAAKr4//8BAAAAf39/AAEAAABkAAAAAAAAABQAAABAHwAAAAAAACYAAAAAAAAAwOD//wAAAAAmAAAAZAAAABYAAABMAAAAAAAAAAAAAAAEAAAAAAAAAAEAAADu7OEKAAAAACgAAAAoAAAAZAAAAGQAAAAAAAAAzMzMAAAAAABQAAAAUAAAAGQAAABkAAAAAAAAABcAAAAUAAAAAAAAAAAAAAD/fwAA/38AAAAAAAAJAAAABAAAAAAAAAAMAAAAEAAAAAAAAAAAAAAAAAAAAAAAAAAeAAAAaAAAAAAAAAAAAAAAAAAAAAAAAAAAAAAAECcAABAnAAAAAAAAAAAAAAAAAAAAAAAAAAAAAAAAAAAAAAAAAAAAABQAAAAAAAAAwMD/AAAAAABkAAAAMgAAAAAAAABkAAAAAAAAAH9/fwAKAAAAIgAAABgAAAAAAAAAAAAAAAAAAAAAAAAAAAAAAAAAAAAkAAAAJAAAAAAAAAAHAAAAAAAAAAAAAAAAAAAAAAAAAAAAAAAAAAAAf39/ACUAAABYAAAAAAAAAAAAAAAAAAAAAAAAAAAAAAAAAAAAAAAAAAAAAAAAAAAAAAAAAAAAAAA/AAAAAAAAAKCGAQAAAAAAAAAAAAAAAAAMAAAAAQAAAAAAAAAAAAAAAAAAAB8AAABUAAAAT4G9Bf///wEAAAAAAAAAAAAAAAAAAAAAAAAAAAAAAAAAAAAAAAAAAAAAAAJ/f38A7uzhA8zMzADAwP8Af39/AAAAAAAAAAAAAAAAAAAAAAAAAAAAIQAAABgAAAAUAAAA0AIAANgJAABwNQAAsCUAABAAAAAmAAAACAAAAAAgAAAAAAAA"/>
+              </a:ext>
+            </a:extLst>
+          </p:cNvSpPr>
+          <p:nvPr>
+            <p:ph type="body" idx="1"/>
+          </p:nvPr>
+        </p:nvSpPr>
+        <p:spPr/>
+        <p:txBody>
+          <a:bodyPr vert="horz" wrap="square" lIns="91440" tIns="45720" rIns="91440" bIns="45720" numCol="1" anchor="t">
+            <a:prstTxWarp prst="textNoShape">
+              <a:avLst/>
+            </a:prstTxWarp>
+          </a:bodyPr>
+          <a:lstStyle/>
+          <a:p>
+            <a:pPr>
+              <a:buFontTx/>
+              <a:buAutoNum type="arabicPeriod"/>
+              <a:defRPr lang="en-US"/>
+            </a:pPr>
+            <a:endParaRPr/>
+          </a:p>
+        </p:txBody>
+      </p:sp>
+      <p:pic>
+        <p:nvPicPr>
+          <p:cNvPr id="4" name="Picture 3"/>
+          <p:cNvPicPr>
+            <a:picLocks noChangeAspect="1"/>
+          </p:cNvPicPr>
+          <p:nvPr/>
+        </p:nvPicPr>
+        <p:blipFill>
+          <a:blip r:embed="rId2">
+            <a:extLst>
+              <a:ext uri="{28A0092B-C50C-407E-A947-70E740481C1C}">
+                <a14:useLocalDpi xmlns:a14="http://schemas.microsoft.com/office/drawing/2010/main" val="0"/>
+              </a:ext>
+            </a:extLst>
+          </a:blip>
+          <a:stretch>
+            <a:fillRect/>
+          </a:stretch>
+        </p:blipFill>
+        <p:spPr>
+          <a:xfrm>
+            <a:off x="495508" y="1635125"/>
+            <a:ext cx="8183497" cy="3726524"/>
+          </a:xfrm>
+          <a:prstGeom prst="rect">
+            <a:avLst/>
+          </a:prstGeom>
+        </p:spPr>
+      </p:pic>
+    </p:spTree>
+  </p:cSld>
+  <p:clrMapOvr>
+    <a:masterClrMapping/>
+  </p:clrMapOvr>
+  <p:timing>
+    <p:tnLst>
+      <p:par>
+        <p:cTn id="1" dur="indefinite" restart="never" nodeType="tmRoot"/>
+      </p:par>
+    </p:tnLst>
+  </p:timing>
+</p:sld>
+</file>
+
+<file path=ppt/slides/slide9.xml><?xml version="1.0" encoding="utf-8"?>
+<p:sld xmlns:a="http://schemas.openxmlformats.org/drawingml/2006/main" xmlns:r="http://schemas.openxmlformats.org/officeDocument/2006/relationships" xmlns:p="http://schemas.openxmlformats.org/presentationml/2006/main">
+  <p:cSld>
+    <p:spTree>
+      <p:nvGrpSpPr>
+        <p:cNvPr id="1" name=""/>
+        <p:cNvGrpSpPr/>
+        <p:nvPr/>
+      </p:nvGrpSpPr>
+      <p:grpSpPr>
+        <a:xfrm>
+          <a:off x="0" y="0"/>
+          <a:ext cx="0" cy="0"/>
+          <a:chOff x="0" y="0"/>
+          <a:chExt cx="0" cy="0"/>
+        </a:xfrm>
+      </p:grpSpPr>
+      <p:sp>
+        <p:nvSpPr>
+          <p:cNvPr id="2" name="Title 1"/>
+          <p:cNvSpPr>
+            <a:spLocks noGrp="1" noChangeArrowheads="1"/>
+            <a:extLst>
+              <a:ext uri="smNativeData">
+                <pr:smNativeData xmlns="" xmlns:p14="http://schemas.microsoft.com/office/powerpoint/2010/main" xmlns:pr="smNativeData" val="SMDATA_16_n4i/WxMAAAAlAAAAZAAAAA0AAAAAkAAAAEgAAACQAAAASAAAAAAAAAABAAAAAAAAAAEAAABQAAAAAAAAAAAA4D8AAAAAAADgPwAAAAAAAOA/AAAAAAAA4D8AAAAAAADgPwAAAAAAAOA/AAAAAAAA4D8AAAAAAADgPwAAAAAAAOA/AAAAAAAA4D8CAAAAjAAAAAAAAAAAAAAAT4G9DP///wgAAAAAAAAAAAAAAAAAAAAAAAAAAAAAAAAAAAAAZAAAAAEAAABAAAAAAAAAAAAAAAAAAAAAAAAAAAAAAAAAAAAAAAAAAAAAAAAAAAAAAAAAAAAAAAAAAAAAAAAAAAAAAAAAAAAAAAAAAAAAAAAAAAAAAAAAAAAAAAAAAAAAFAAAADwAAAAAAAAAAAAAAAAAAAkUAAAAAQAAABQAAAAUAAAAFAAAAAEAAAAAAAAAZAAAAGQAAAAAAAAAZAAAAGQAAAAVAAAAYAAAAAAAAAAAAAAADwAAACADAAAAAAAAAAAAAAEAAACgMgAAVgcAAKr4//8BAAAAf39/AAEAAABkAAAAAAAAABQAAABAHwAAAAAAACYAAAAAAAAAwOD//wAAAAAmAAAAZAAAABYAAABMAAAAAAAAAAAAAAAEAAAAAAAAAAEAAADu7OEKAAAAACgAAAAoAAAAZAAAAGQAAAAAAAAAzMzMAAAAAABQAAAAUAAAAGQAAABkAAAAAAAAABcAAAAUAAAAAAAAAAAAAAD/fwAA/38AAAAAAAAJAAAABAAAAAAAAAAMAAAAEAAAAAAAAAAAAAAAAAAAAAAAAAAeAAAAaAAAAAAAAAAAAAAAAAAAAAAAAAAAAAAAECcAABAnAAAAAAAAAAAAAAAAAAAAAAAAAAAAAAAAAAAAAAAAAAAAABQAAAAAAAAAwMD/AAAAAABkAAAAMgAAAAAAAABkAAAAAAAAAH9/fwAKAAAAIgAAABgAAAAAAAAAAAAAAAAAAAAAAAAAAAAAAAAAAAAkAAAAJAAAAAAAAAAHAAAAAAAAAAAAAAAAAAAAAAAAAAAAAAAAAAAAf39/ACUAAABYAAAAAAAAAAAAAAAAAAAAAAAAAAAAAAAAAAAAAAAAAAAAAAAAAAAAAAAAAAAAAAA/AAAAAAAAAKCGAQAAAAAAAAAAAAAAAAAMAAAAAQAAAAAAAAAAAAAAAAAAAB8AAABUAAAAT4G9Bf///wEAAAAAAAAAAAAAAAAAAAAAAAAAAAAAAAAAAAAAAAAAAAAAAAJ/f38A7uzhA8zMzADAwP8Af39/AAAAAAAAAAAAAAAAAAAAAAAAAAAAIQAAABgAAAAUAAAA0AIAALEBAABwNQAACAYAAAAAAAAmAAAACAAAAAEgAAAAAAAA"/>
+              </a:ext>
+            </a:extLst>
+          </p:cNvSpPr>
+          <p:nvPr>
+            <p:ph type="title"/>
+          </p:nvPr>
+        </p:nvSpPr>
+        <p:spPr>
+          <a:xfrm>
+            <a:off x="457200" y="274955"/>
+            <a:ext cx="8229600" cy="705485"/>
+          </a:xfrm>
+        </p:spPr>
+        <p:txBody>
+          <a:bodyPr vert="horz" wrap="square" lIns="91440" tIns="45720" rIns="91440" bIns="45720" numCol="1" anchor="ctr">
+            <a:prstTxWarp prst="textNoShape">
+              <a:avLst/>
+            </a:prstTxWarp>
+          </a:bodyPr>
+          <a:lstStyle/>
+          <a:p>
+            <a:pPr>
+              <a:defRPr lang="en-US"/>
+            </a:pPr>
+            <a:r>
+              <a:rPr lang="en-AU" sz="2800"/>
+              <a:t>Solution Outline - API</a:t>
+            </a:r>
+          </a:p>
+        </p:txBody>
+      </p:sp>
+      <p:sp>
+        <p:nvSpPr>
+          <p:cNvPr id="3" name="Content Placeholder 2"/>
+          <p:cNvSpPr>
+            <a:spLocks noGrp="1" noChangeArrowheads="1"/>
+            <a:extLst>
+              <a:ext uri="smNativeData">
+                <pr:smNativeData xmlns="" xmlns:p14="http://schemas.microsoft.com/office/powerpoint/2010/main" xmlns:pr="smNativeData" val="SMDATA_16_n4i/WxMAAAAlAAAAZAAAAA0AAAAAkAAAAEgAAACQAAAASAAAAAAAAAAAAAAAAAAAAAEAAABQAAAAAAAAAAAA4D8AAAAAAADgPwAAAAAAAOA/AAAAAAAA4D8AAAAAAADgPwAAAAAAAOA/AAAAAAAA4D8AAAAAAADgPwAAAAAAAOA/AAAAAAAA4D8CAAAAjAAAAAAAAAAAAAAAT4G9DP///wgAAAAAAAAAAAAAAAAAAAAAAAAAAAAAAAAAAAAAZAAAAAEAAABAAAAAAAAAAAAAAAAAAAAAAAAAAAAAAAAAAAAAAAAAAAAAAAAAAAAAAAAAAAAAAAAAAAAAAAAAAAAAAAAAAAAAAAAAAAAAAAAAAAAAAAAAAAAAAAAAAAAAFAAAADwAAAAAAAAAAAAAAAAAAAkUAAAAAQAAABQAAAAUAAAAFAAAAAEAAAAAAAAAZAAAAGQAAAAAAAAAZAAAAGQAAAAVAAAAYAAAAAAAAAAAAAAADwAAACADAAAAAAAAAAAAAAEAAACgMgAAVgcAAKr4//8BAAAAf39/AAEAAABkAAAAAAAAABQAAABAHwAAAAAAACYAAAAAAAAAwOD//wAAAAAmAAAAZAAAABYAAABMAAAAAAAAAAAAAAAEAAAAAAAAAAEAAADu7OEKAAAAACgAAAAoAAAAZAAAAGQAAAAAAAAAzMzMAAAAAABQAAAAUAAAAGQAAABkAAAAAAAAABcAAAAUAAAAAAAAAAAAAAD/fwAA/38AAAAAAAAJAAAABAAAAAAAAAAMAAAAEAAAAAAAAAAAAAAAAAAAAAAAAAAeAAAAaAAAAAAAAAAAAAAAAAAAAAAAAAAAAAAAECcAABAnAAAAAAAAAAAAAAAAAAAAAAAAAAAAAAAAAAAAAAAAAAAAABQAAAAAAAAAwMD/AAAAAABkAAAAMgAAAAAAAABkAAAAAAAAAH9/fwAKAAAAIgAAABgAAAAAAAAAAAAAAAAAAAAAAAAAAAAAAAAAAAAkAAAAJAAAAAAAAAAHAAAAAAAAAAAAAAAAAAAAAAAAAAAAAAAAAAAAf39/ACUAAABYAAAAAAAAAAAAAAAAAAAAAAAAAAAAAAAAAAAAAAAAAAAAAAAAAAAAAAAAAAAAAAA/AAAAAAAAAKCGAQAAAAAAAAAAAAAAAAAMAAAAAQAAAAAAAAAAAAAAAAAAAB8AAABUAAAAT4G9Bf///wEAAAAAAAAAAAAAAAAAAAAAAAAAAAAAAAAAAAAAAAAAAAAAAAJ/f38A7uzhA8zMzADAwP8Af39/AAAAAAAAAAAAAAAAAAAAAAAAAAAAIQAAABgAAAAUAAAA0AIAANgJAABwNQAAsCUAAAAAAAAmAAAACAAAAAEgAAAAAAAA"/>
               </a:ext>
             </a:extLst>
           </p:cNvSpPr>
@@ -5457,8 +6718,9 @@
             <a:pPr>
               <a:buFontTx/>
               <a:buAutoNum type="arabicPeriod"/>
-              <a:defRPr lang="en-us" sz="1600"/>
-            </a:pPr>
+              <a:defRPr lang="en-US" sz="1600"/>
+            </a:pPr>
+            <a:endParaRPr dirty="0"/>
           </a:p>
         </p:txBody>
       </p:sp>
@@ -5468,11 +6730,17 @@
           <p:cNvGraphicFramePr>
             <a:graphicFrameLocks noGrp="1"/>
           </p:cNvGraphicFramePr>
-          <p:nvPr/>
+          <p:nvPr>
+            <p:extLst>
+              <p:ext uri="{D42A27DB-BD31-4B8C-83A1-F6EECF244321}">
+                <p14:modId xmlns:p14="http://schemas.microsoft.com/office/powerpoint/2010/main" val="4229296725"/>
+              </p:ext>
+            </p:extLst>
+          </p:nvPr>
         </p:nvGraphicFramePr>
         <p:xfrm>
           <a:off x="721360" y="2026920"/>
-          <a:ext cx="7746365" cy="3321050"/>
+          <a:ext cx="7746365" cy="2698115"/>
         </p:xfrm>
         <a:graphic>
           <a:graphicData uri="http://schemas.openxmlformats.org/drawingml/2006/table">
@@ -5482,19 +6750,20 @@
               </a:tblPr>
               <a:tblGrid>
                 <a:gridCol w="1964690"/>
-                <a:gridCol w="3787775"/>
-                <a:gridCol w="1993900"/>
+                <a:gridCol w="2890520"/>
+                <a:gridCol w="2891155"/>
               </a:tblGrid>
               <a:tr h="385445">
                 <a:tc>
                   <a:txBody>
-                    <a:bodyPr vert="horz" wrap="square" numCol="1"/>
+                    <a:bodyPr/>
                     <a:lstStyle/>
                     <a:p>
                       <a:pPr>
-                        <a:defRPr lang="en-us" sz="1400"/>
+                        <a:defRPr lang="en-US" sz="1400"/>
                       </a:pPr>
                       <a:r>
+                        <a:rPr dirty="0"/>
                         <a:t>Operation</a:t>
                       </a:r>
                     </a:p>
@@ -5547,11 +6816,11 @@
                 </a:tc>
                 <a:tc>
                   <a:txBody>
-                    <a:bodyPr vert="horz" wrap="square" numCol="1"/>
+                    <a:bodyPr/>
                     <a:lstStyle/>
                     <a:p>
                       <a:pPr>
-                        <a:defRPr lang="en-us"/>
+                        <a:defRPr lang="en-US"/>
                       </a:pPr>
                       <a:r>
                         <a:t>API</a:t>
@@ -5606,12 +6875,13 @@
                 </a:tc>
                 <a:tc>
                   <a:txBody>
-                    <a:bodyPr vert="horz" wrap="square" numCol="1"/>
+                    <a:bodyPr/>
                     <a:lstStyle/>
                     <a:p>
                       <a:pPr>
-                        <a:defRPr lang="en-us"/>
+                        <a:defRPr lang="en-US"/>
                       </a:pPr>
+                      <a:endParaRPr/>
                     </a:p>
                   </a:txBody>
                   <a:tcPr marL="35560" marR="35560" marT="35560" marB="35560">
@@ -5662,18 +6932,18 @@
                 </a:tc>
                 <a:extLst>
                   <a:ext uri="smNativeData">
-                    <pr:rowheight xmlns="" xmlns:pr="smNativeData" dt="1539279007" type="min" val="385445"/>
+                    <pr:rowheight xmlns:p14="http://schemas.microsoft.com/office/powerpoint/2010/main" xmlns="" xmlns:pr="smNativeData" dt="1539279007" type="min" val="385445"/>
                   </a:ext>
                 </a:extLst>
               </a:tr>
               <a:tr h="385445">
                 <a:tc>
                   <a:txBody>
-                    <a:bodyPr vert="horz" wrap="square" numCol="1"/>
+                    <a:bodyPr/>
                     <a:lstStyle/>
                     <a:p>
                       <a:pPr>
-                        <a:defRPr lang="en-us" sz="1400"/>
+                        <a:defRPr lang="en-US" sz="1400"/>
                       </a:pPr>
                       <a:r>
                         <a:t>Craete token</a:t>
@@ -5724,7 +6994,7 @@
                 </a:tc>
                 <a:tc>
                   <a:txBody>
-                    <a:bodyPr vert="horz" wrap="square" numCol="1"/>
+                    <a:bodyPr/>
                     <a:lstStyle/>
                     <a:p>
                       <a:pPr marL="0" marR="0" indent="0" algn="l" defTabSz="914400">
@@ -5744,7 +7014,6 @@
                             <a:srgbClr val="000000"/>
                           </a:solidFill>
                           <a:effectLst/>
-                          <a:txBgFill val="auto"/>
                           <a:latin typeface="Courier New" pitchFamily="3" charset="0"/>
                           <a:ea typeface="Courier New" pitchFamily="3" charset="0"/>
                           <a:cs typeface="Courier New" pitchFamily="3" charset="0"/>
@@ -5799,11 +7068,11 @@
                 </a:tc>
                 <a:tc>
                   <a:txBody>
-                    <a:bodyPr vert="horz" wrap="square" numCol="1"/>
+                    <a:bodyPr/>
                     <a:lstStyle/>
                     <a:p>
                       <a:pPr>
-                        <a:defRPr lang="en-us" sz="1400">
+                        <a:defRPr lang="en-US" sz="1400">
                           <a:latin typeface="Courier New" pitchFamily="3" charset="0"/>
                           <a:ea typeface="Courier New" pitchFamily="3" charset="0"/>
                           <a:cs typeface="Courier New" pitchFamily="3" charset="0"/>
@@ -5858,22 +7127,28 @@
                 </a:tc>
                 <a:extLst>
                   <a:ext uri="smNativeData">
-                    <pr:rowheight xmlns="" xmlns:pr="smNativeData" dt="1539279007" type="min" val="385445"/>
+                    <pr:rowheight xmlns:p14="http://schemas.microsoft.com/office/powerpoint/2010/main" xmlns="" xmlns:pr="smNativeData" dt="1539279007" type="min" val="385445"/>
                   </a:ext>
                 </a:extLst>
               </a:tr>
               <a:tr h="385445">
                 <a:tc>
                   <a:txBody>
-                    <a:bodyPr vert="horz" wrap="square" numCol="1"/>
+                    <a:bodyPr/>
                     <a:lstStyle/>
                     <a:p>
                       <a:pPr>
-                        <a:defRPr lang="en-us" sz="1400"/>
+                        <a:defRPr lang="en-US" sz="1400"/>
                       </a:pPr>
                       <a:r>
-                        <a:t>Get access token</a:t>
+                        <a:rPr dirty="0"/>
+                        <a:t>Verify </a:t>
                       </a:r>
+                      <a:r>
+                        <a:rPr dirty="0" smtClean="0"/>
+                        <a:t>token, get content</a:t>
+                      </a:r>
+                      <a:endParaRPr dirty="0"/>
                     </a:p>
                   </a:txBody>
                   <a:tcPr marL="35560" marR="35560" marT="35560" marB="35560">
@@ -5890,16 +7165,18 @@
                         <a:schemeClr val="tx1"/>
                       </a:solidFill>
                       <a:prstDash val="solid"/>
-                      <a:headEnd type="none"/>
-                      <a:tailEnd type="none"/>
+                      <a:round/>
+                      <a:headEnd type="none" w="med" len="med"/>
+                      <a:tailEnd type="none" w="med" len="med"/>
                     </a:lnR>
                     <a:lnT w="6350" cap="flat" cmpd="sng" algn="ctr">
                       <a:solidFill>
                         <a:schemeClr val="tx1"/>
                       </a:solidFill>
                       <a:prstDash val="solid"/>
-                      <a:headEnd type="none"/>
-                      <a:tailEnd type="none"/>
+                      <a:round/>
+                      <a:headEnd type="none" w="med" len="med"/>
+                      <a:tailEnd type="none" w="med" len="med"/>
                     </a:lnT>
                     <a:lnB w="6350" cap="flat" cmpd="sng" algn="ctr">
                       <a:solidFill>
@@ -5920,7 +7197,7 @@
                 </a:tc>
                 <a:tc>
                   <a:txBody>
-                    <a:bodyPr vert="horz" wrap="square" numCol="1"/>
+                    <a:bodyPr/>
                     <a:lstStyle/>
                     <a:p>
                       <a:pPr marL="0" marR="0" indent="0" algn="l" defTabSz="914400">
@@ -5940,14 +7217,13 @@
                             <a:srgbClr val="000000"/>
                           </a:solidFill>
                           <a:effectLst/>
-                          <a:txBgFill val="auto"/>
                           <a:latin typeface="Courier New" pitchFamily="3" charset="0"/>
                           <a:ea typeface="Courier New" pitchFamily="3" charset="0"/>
                           <a:cs typeface="Courier New" pitchFamily="3" charset="0"/>
                         </a:defRPr>
                       </a:pPr>
                       <a:r>
-                        <a:t>GET /oauth/token</a:t>
+                        <a:t>POST /oauth/check_token</a:t>
                       </a:r>
                     </a:p>
                   </a:txBody>
@@ -5957,24 +7233,27 @@
                         <a:schemeClr val="tx1"/>
                       </a:solidFill>
                       <a:prstDash val="solid"/>
-                      <a:headEnd type="none"/>
-                      <a:tailEnd type="none"/>
+                      <a:round/>
+                      <a:headEnd type="none" w="med" len="med"/>
+                      <a:tailEnd type="none" w="med" len="med"/>
                     </a:lnL>
                     <a:lnR w="6350" cap="flat" cmpd="sng" algn="ctr">
                       <a:solidFill>
                         <a:schemeClr val="tx1"/>
                       </a:solidFill>
                       <a:prstDash val="solid"/>
-                      <a:headEnd type="none"/>
-                      <a:tailEnd type="none"/>
+                      <a:round/>
+                      <a:headEnd type="none" w="med" len="med"/>
+                      <a:tailEnd type="none" w="med" len="med"/>
                     </a:lnR>
                     <a:lnT w="6350" cap="flat" cmpd="sng" algn="ctr">
                       <a:solidFill>
                         <a:schemeClr val="tx1"/>
                       </a:solidFill>
                       <a:prstDash val="solid"/>
-                      <a:headEnd type="none"/>
-                      <a:tailEnd type="none"/>
+                      <a:round/>
+                      <a:headEnd type="none" w="med" len="med"/>
+                      <a:tailEnd type="none" w="med" len="med"/>
                     </a:lnT>
                     <a:lnB w="6350" cap="flat" cmpd="sng" algn="ctr">
                       <a:solidFill>
@@ -5995,16 +7274,13 @@
                 </a:tc>
                 <a:tc>
                   <a:txBody>
-                    <a:bodyPr vert="horz" wrap="square" numCol="1"/>
+                    <a:bodyPr/>
                     <a:lstStyle/>
                     <a:p>
                       <a:pPr>
-                        <a:defRPr lang="en-us" sz="1400">
-                          <a:latin typeface="Courier New" pitchFamily="3" charset="0"/>
-                          <a:ea typeface="Courier New" pitchFamily="3" charset="0"/>
-                          <a:cs typeface="Courier New" pitchFamily="3" charset="0"/>
-                        </a:defRPr>
+                        <a:defRPr lang="en-US" sz="1400"/>
                       </a:pPr>
+                      <a:endParaRPr/>
                     </a:p>
                   </a:txBody>
                   <a:tcPr marL="35560" marR="35560" marT="35560" marB="35560">
@@ -6013,8 +7289,9 @@
                         <a:schemeClr val="tx1"/>
                       </a:solidFill>
                       <a:prstDash val="solid"/>
-                      <a:headEnd type="none"/>
-                      <a:tailEnd type="none"/>
+                      <a:round/>
+                      <a:headEnd type="none" w="med" len="med"/>
+                      <a:tailEnd type="none" w="med" len="med"/>
                     </a:lnL>
                     <a:lnR w="6350" cap="flat" cmpd="sng" algn="ctr">
                       <a:solidFill>
@@ -6029,8 +7306,9 @@
                         <a:schemeClr val="tx1"/>
                       </a:solidFill>
                       <a:prstDash val="solid"/>
-                      <a:headEnd type="none"/>
-                      <a:tailEnd type="none"/>
+                      <a:round/>
+                      <a:headEnd type="none" w="med" len="med"/>
+                      <a:tailEnd type="none" w="med" len="med"/>
                     </a:lnT>
                     <a:lnB w="6350" cap="flat" cmpd="sng" algn="ctr">
                       <a:solidFill>
@@ -6051,21 +7329,22 @@
                 </a:tc>
                 <a:extLst>
                   <a:ext uri="smNativeData">
-                    <pr:rowheight xmlns="" xmlns:pr="smNativeData" dt="1539279007" type="min" val="385445"/>
+                    <pr:rowheight xmlns:p14="http://schemas.microsoft.com/office/powerpoint/2010/main" xmlns="" xmlns:pr="smNativeData" dt="1539279007" type="min" val="385445"/>
                   </a:ext>
                 </a:extLst>
               </a:tr>
               <a:tr h="385445">
                 <a:tc>
                   <a:txBody>
-                    <a:bodyPr vert="horz" wrap="square" numCol="1"/>
+                    <a:bodyPr/>
                     <a:lstStyle/>
                     <a:p>
                       <a:pPr>
-                        <a:defRPr lang="en-us" sz="1400"/>
+                        <a:defRPr lang="en-US" sz="1400"/>
                       </a:pPr>
                       <a:r>
-                        <a:t>Verify token</a:t>
+                        <a:rPr dirty="0"/>
+                        <a:t>Logout</a:t>
                       </a:r>
                     </a:p>
                   </a:txBody>
@@ -6083,16 +7362,18 @@
                         <a:schemeClr val="tx1"/>
                       </a:solidFill>
                       <a:prstDash val="solid"/>
-                      <a:headEnd type="none"/>
-                      <a:tailEnd type="none"/>
+                      <a:round/>
+                      <a:headEnd type="none" w="med" len="med"/>
+                      <a:tailEnd type="none" w="med" len="med"/>
                     </a:lnR>
                     <a:lnT w="6350" cap="flat" cmpd="sng" algn="ctr">
                       <a:solidFill>
                         <a:schemeClr val="tx1"/>
                       </a:solidFill>
                       <a:prstDash val="solid"/>
-                      <a:headEnd type="none"/>
-                      <a:tailEnd type="none"/>
+                      <a:round/>
+                      <a:headEnd type="none" w="med" len="med"/>
+                      <a:tailEnd type="none" w="med" len="med"/>
                     </a:lnT>
                     <a:lnB w="6350" cap="flat" cmpd="sng" algn="ctr">
                       <a:solidFill>
@@ -6113,35 +7394,33 @@
                 </a:tc>
                 <a:tc>
                   <a:txBody>
-                    <a:bodyPr vert="horz" wrap="square" numCol="1"/>
+                    <a:bodyPr/>
                     <a:lstStyle/>
                     <a:p>
-                      <a:pPr marL="0" marR="0" indent="0" algn="l" defTabSz="914400">
-                        <a:lnSpc>
-                          <a:spcPct val="100000"/>
-                        </a:lnSpc>
-                        <a:spcBef>
-                          <a:spcPts val="0"/>
-                        </a:spcBef>
-                        <a:spcAft>
-                          <a:spcPts val="0"/>
-                        </a:spcAft>
-                        <a:buNone/>
-                        <a:tabLst/>
-                        <a:defRPr sz="1400" b="0" i="0" u="none" strike="noStrike" kern="1" spc="0" baseline="0">
-                          <a:solidFill>
-                            <a:srgbClr val="000000"/>
-                          </a:solidFill>
-                          <a:effectLst/>
-                          <a:txBgFill val="auto"/>
+                      <a:pPr>
+                        <a:defRPr lang="en-US" sz="1400">
                           <a:latin typeface="Courier New" pitchFamily="3" charset="0"/>
                           <a:ea typeface="Courier New" pitchFamily="3" charset="0"/>
                           <a:cs typeface="Courier New" pitchFamily="3" charset="0"/>
                         </a:defRPr>
                       </a:pPr>
                       <a:r>
-                        <a:t>POST /oauth/check_token</a:t>
+                        <a:rPr dirty="0"/>
+                        <a:t>POST </a:t>
                       </a:r>
+                      <a:r>
+                        <a:rPr dirty="0" smtClean="0"/>
+                        <a:t>/revoke/{</a:t>
+                      </a:r>
+                      <a:r>
+                        <a:rPr dirty="0" err="1" smtClean="0"/>
+                        <a:t>tokenId</a:t>
+                      </a:r>
+                      <a:r>
+                        <a:rPr dirty="0" smtClean="0"/>
+                        <a:t>}</a:t>
+                      </a:r>
+                      <a:endParaRPr dirty="0"/>
                     </a:p>
                   </a:txBody>
                   <a:tcPr marL="35560" marR="35560" marT="35560" marB="35560">
@@ -6150,24 +7429,27 @@
                         <a:schemeClr val="tx1"/>
                       </a:solidFill>
                       <a:prstDash val="solid"/>
-                      <a:headEnd type="none"/>
-                      <a:tailEnd type="none"/>
+                      <a:round/>
+                      <a:headEnd type="none" w="med" len="med"/>
+                      <a:tailEnd type="none" w="med" len="med"/>
                     </a:lnL>
                     <a:lnR w="6350" cap="flat" cmpd="sng" algn="ctr">
                       <a:solidFill>
                         <a:schemeClr val="tx1"/>
                       </a:solidFill>
                       <a:prstDash val="solid"/>
-                      <a:headEnd type="none"/>
-                      <a:tailEnd type="none"/>
+                      <a:round/>
+                      <a:headEnd type="none" w="med" len="med"/>
+                      <a:tailEnd type="none" w="med" len="med"/>
                     </a:lnR>
                     <a:lnT w="6350" cap="flat" cmpd="sng" algn="ctr">
                       <a:solidFill>
                         <a:schemeClr val="tx1"/>
                       </a:solidFill>
                       <a:prstDash val="solid"/>
-                      <a:headEnd type="none"/>
-                      <a:tailEnd type="none"/>
+                      <a:round/>
+                      <a:headEnd type="none" w="med" len="med"/>
+                      <a:tailEnd type="none" w="med" len="med"/>
                     </a:lnT>
                     <a:lnB w="6350" cap="flat" cmpd="sng" algn="ctr">
                       <a:solidFill>
@@ -6188,12 +7470,23 @@
                 </a:tc>
                 <a:tc>
                   <a:txBody>
-                    <a:bodyPr vert="horz" wrap="square" numCol="1"/>
+                    <a:bodyPr/>
                     <a:lstStyle/>
                     <a:p>
                       <a:pPr>
-                        <a:defRPr lang="en-us" sz="1400"/>
+                        <a:defRPr lang="en-US" sz="1400"/>
                       </a:pPr>
+                      <a:r>
+                        <a:rPr dirty="0" smtClean="0">
+                          <a:latin typeface="+mj-lt"/>
+                          <a:cs typeface="Courier New" panose="02070309020205020404" pitchFamily="49" charset="0"/>
+                        </a:rPr>
+                        <a:t>Custom endpoint</a:t>
+                      </a:r>
+                      <a:endParaRPr dirty="0">
+                        <a:latin typeface="+mj-lt"/>
+                        <a:cs typeface="Courier New" panose="02070309020205020404" pitchFamily="49" charset="0"/>
+                      </a:endParaRPr>
                     </a:p>
                   </a:txBody>
                   <a:tcPr marL="35560" marR="35560" marT="35560" marB="35560">
@@ -6202,8 +7495,9 @@
                         <a:schemeClr val="tx1"/>
                       </a:solidFill>
                       <a:prstDash val="solid"/>
-                      <a:headEnd type="none"/>
-                      <a:tailEnd type="none"/>
+                      <a:round/>
+                      <a:headEnd type="none" w="med" len="med"/>
+                      <a:tailEnd type="none" w="med" len="med"/>
                     </a:lnL>
                     <a:lnR w="6350" cap="flat" cmpd="sng" algn="ctr">
                       <a:solidFill>
@@ -6218,8 +7512,9 @@
                         <a:schemeClr val="tx1"/>
                       </a:solidFill>
                       <a:prstDash val="solid"/>
-                      <a:headEnd type="none"/>
-                      <a:tailEnd type="none"/>
+                      <a:round/>
+                      <a:headEnd type="none" w="med" len="med"/>
+                      <a:tailEnd type="none" w="med" len="med"/>
                     </a:lnT>
                     <a:lnB w="6350" cap="flat" cmpd="sng" algn="ctr">
                       <a:solidFill>
@@ -6240,364 +7535,18 @@
                 </a:tc>
                 <a:extLst>
                   <a:ext uri="smNativeData">
-                    <pr:rowheight xmlns="" xmlns:pr="smNativeData" dt="1539279007" type="min" val="385445"/>
+                    <pr:rowheight xmlns:p14="http://schemas.microsoft.com/office/powerpoint/2010/main" xmlns="" xmlns:pr="smNativeData" dt="1539279007" type="min" val="385445"/>
                   </a:ext>
                 </a:extLst>
               </a:tr>
               <a:tr h="385445">
                 <a:tc>
                   <a:txBody>
-                    <a:bodyPr vert="horz" wrap="square" numCol="1"/>
+                    <a:bodyPr/>
                     <a:lstStyle/>
                     <a:p>
                       <a:pPr>
-                        <a:defRPr lang="en-us" sz="1400"/>
-                      </a:pPr>
-                      <a:r>
-                        <a:t>Get encryption key</a:t>
-                      </a:r>
-                    </a:p>
-                  </a:txBody>
-                  <a:tcPr marL="35560" marR="35560" marT="35560" marB="35560">
-                    <a:lnL w="6350" cap="flat" cmpd="sng" algn="ctr">
-                      <a:solidFill>
-                        <a:schemeClr val="tx1"/>
-                      </a:solidFill>
-                      <a:prstDash val="solid"/>
-                      <a:headEnd type="none"/>
-                      <a:tailEnd type="none"/>
-                    </a:lnL>
-                    <a:lnR w="6350" cap="flat" cmpd="sng" algn="ctr">
-                      <a:solidFill>
-                        <a:schemeClr val="tx1"/>
-                      </a:solidFill>
-                      <a:prstDash val="solid"/>
-                      <a:headEnd type="none"/>
-                      <a:tailEnd type="none"/>
-                    </a:lnR>
-                    <a:lnT w="6350" cap="flat" cmpd="sng" algn="ctr">
-                      <a:solidFill>
-                        <a:schemeClr val="tx1"/>
-                      </a:solidFill>
-                      <a:prstDash val="solid"/>
-                      <a:headEnd type="none"/>
-                      <a:tailEnd type="none"/>
-                    </a:lnT>
-                    <a:lnB w="6350" cap="flat" cmpd="sng" algn="ctr">
-                      <a:solidFill>
-                        <a:schemeClr val="tx1"/>
-                      </a:solidFill>
-                      <a:prstDash val="solid"/>
-                      <a:headEnd type="none"/>
-                      <a:tailEnd type="none"/>
-                    </a:lnB>
-                    <a:lnTlToBr>
-                      <a:noFill/>
-                    </a:lnTlToBr>
-                    <a:lnBlToTr>
-                      <a:noFill/>
-                    </a:lnBlToTr>
-                    <a:noFill/>
-                  </a:tcPr>
-                </a:tc>
-                <a:tc>
-                  <a:txBody>
-                    <a:bodyPr vert="horz" wrap="square" numCol="1"/>
-                    <a:lstStyle/>
-                    <a:p>
-                      <a:pPr>
-                        <a:defRPr lang="en-us" sz="1400">
-                          <a:latin typeface="Courier New" pitchFamily="3" charset="0"/>
-                          <a:ea typeface="Courier New" pitchFamily="3" charset="0"/>
-                          <a:cs typeface="Courier New" pitchFamily="3" charset="0"/>
-                        </a:defRPr>
-                      </a:pPr>
-                      <a:r>
-                        <a:t>GET /oauth/token_key</a:t>
-                      </a:r>
-                    </a:p>
-                  </a:txBody>
-                  <a:tcPr marL="35560" marR="35560" marT="35560" marB="35560">
-                    <a:lnL w="6350" cap="flat" cmpd="sng" algn="ctr">
-                      <a:solidFill>
-                        <a:schemeClr val="tx1"/>
-                      </a:solidFill>
-                      <a:prstDash val="solid"/>
-                      <a:headEnd type="none"/>
-                      <a:tailEnd type="none"/>
-                    </a:lnL>
-                    <a:lnR w="6350" cap="flat" cmpd="sng" algn="ctr">
-                      <a:solidFill>
-                        <a:schemeClr val="tx1"/>
-                      </a:solidFill>
-                      <a:prstDash val="solid"/>
-                      <a:headEnd type="none"/>
-                      <a:tailEnd type="none"/>
-                    </a:lnR>
-                    <a:lnT w="6350" cap="flat" cmpd="sng" algn="ctr">
-                      <a:solidFill>
-                        <a:schemeClr val="tx1"/>
-                      </a:solidFill>
-                      <a:prstDash val="solid"/>
-                      <a:headEnd type="none"/>
-                      <a:tailEnd type="none"/>
-                    </a:lnT>
-                    <a:lnB w="6350" cap="flat" cmpd="sng" algn="ctr">
-                      <a:solidFill>
-                        <a:schemeClr val="tx1"/>
-                      </a:solidFill>
-                      <a:prstDash val="solid"/>
-                      <a:headEnd type="none"/>
-                      <a:tailEnd type="none"/>
-                    </a:lnB>
-                    <a:lnTlToBr>
-                      <a:noFill/>
-                    </a:lnTlToBr>
-                    <a:lnBlToTr>
-                      <a:noFill/>
-                    </a:lnBlToTr>
-                    <a:noFill/>
-                  </a:tcPr>
-                </a:tc>
-                <a:tc>
-                  <a:txBody>
-                    <a:bodyPr vert="horz" wrap="square" numCol="1"/>
-                    <a:lstStyle/>
-                    <a:p>
-                      <a:pPr>
-                        <a:defRPr lang="en-us" sz="1400"/>
-                      </a:pPr>
-                    </a:p>
-                  </a:txBody>
-                  <a:tcPr marL="35560" marR="35560" marT="35560" marB="35560">
-                    <a:lnL w="6350" cap="flat" cmpd="sng" algn="ctr">
-                      <a:solidFill>
-                        <a:schemeClr val="tx1"/>
-                      </a:solidFill>
-                      <a:prstDash val="solid"/>
-                      <a:headEnd type="none"/>
-                      <a:tailEnd type="none"/>
-                    </a:lnL>
-                    <a:lnR w="6350" cap="flat" cmpd="sng" algn="ctr">
-                      <a:solidFill>
-                        <a:schemeClr val="tx1"/>
-                      </a:solidFill>
-                      <a:prstDash val="solid"/>
-                      <a:headEnd type="none"/>
-                      <a:tailEnd type="none"/>
-                    </a:lnR>
-                    <a:lnT w="6350" cap="flat" cmpd="sng" algn="ctr">
-                      <a:solidFill>
-                        <a:schemeClr val="tx1"/>
-                      </a:solidFill>
-                      <a:prstDash val="solid"/>
-                      <a:headEnd type="none"/>
-                      <a:tailEnd type="none"/>
-                    </a:lnT>
-                    <a:lnB w="6350" cap="flat" cmpd="sng" algn="ctr">
-                      <a:solidFill>
-                        <a:schemeClr val="tx1"/>
-                      </a:solidFill>
-                      <a:prstDash val="solid"/>
-                      <a:headEnd type="none"/>
-                      <a:tailEnd type="none"/>
-                    </a:lnB>
-                    <a:lnTlToBr>
-                      <a:noFill/>
-                    </a:lnTlToBr>
-                    <a:lnBlToTr>
-                      <a:noFill/>
-                    </a:lnBlToTr>
-                    <a:noFill/>
-                  </a:tcPr>
-                </a:tc>
-                <a:extLst>
-                  <a:ext uri="smNativeData">
-                    <pr:rowheight xmlns="" xmlns:pr="smNativeData" dt="1539279007" type="min" val="385445"/>
-                  </a:ext>
-                </a:extLst>
-              </a:tr>
-              <a:tr h="385445">
-                <a:tc>
-                  <a:txBody>
-                    <a:bodyPr vert="horz" wrap="square" numCol="1"/>
-                    <a:lstStyle/>
-                    <a:p>
-                      <a:pPr>
-                        <a:defRPr lang="en-us" sz="1400"/>
-                      </a:pPr>
-                      <a:r>
-                        <a:t>Logout</a:t>
-                      </a:r>
-                    </a:p>
-                  </a:txBody>
-                  <a:tcPr marL="35560" marR="35560" marT="35560" marB="35560">
-                    <a:lnL w="6350" cap="flat" cmpd="sng" algn="ctr">
-                      <a:solidFill>
-                        <a:schemeClr val="tx1"/>
-                      </a:solidFill>
-                      <a:prstDash val="solid"/>
-                      <a:headEnd type="none"/>
-                      <a:tailEnd type="none"/>
-                    </a:lnL>
-                    <a:lnR w="6350" cap="flat" cmpd="sng" algn="ctr">
-                      <a:solidFill>
-                        <a:schemeClr val="tx1"/>
-                      </a:solidFill>
-                      <a:prstDash val="solid"/>
-                      <a:headEnd type="none"/>
-                      <a:tailEnd type="none"/>
-                    </a:lnR>
-                    <a:lnT w="6350" cap="flat" cmpd="sng" algn="ctr">
-                      <a:solidFill>
-                        <a:schemeClr val="tx1"/>
-                      </a:solidFill>
-                      <a:prstDash val="solid"/>
-                      <a:headEnd type="none"/>
-                      <a:tailEnd type="none"/>
-                    </a:lnT>
-                    <a:lnB w="6350" cap="flat" cmpd="sng" algn="ctr">
-                      <a:solidFill>
-                        <a:schemeClr val="tx1"/>
-                      </a:solidFill>
-                      <a:prstDash val="solid"/>
-                      <a:headEnd type="none"/>
-                      <a:tailEnd type="none"/>
-                    </a:lnB>
-                    <a:lnTlToBr>
-                      <a:noFill/>
-                    </a:lnTlToBr>
-                    <a:lnBlToTr>
-                      <a:noFill/>
-                    </a:lnBlToTr>
-                    <a:noFill/>
-                  </a:tcPr>
-                </a:tc>
-                <a:tc>
-                  <a:txBody>
-                    <a:bodyPr vert="horz" wrap="square" numCol="1"/>
-                    <a:lstStyle/>
-                    <a:p>
-                      <a:pPr>
-                        <a:defRPr lang="en-us" sz="1400">
-                          <a:latin typeface="Courier New" pitchFamily="3" charset="0"/>
-                          <a:ea typeface="Courier New" pitchFamily="3" charset="0"/>
-                          <a:cs typeface="Courier New" pitchFamily="3" charset="0"/>
-                        </a:defRPr>
-                      </a:pPr>
-                      <a:r>
-                        <a:t>POST /oauth/revoke</a:t>
-                      </a:r>
-                    </a:p>
-                  </a:txBody>
-                  <a:tcPr marL="35560" marR="35560" marT="35560" marB="35560">
-                    <a:lnL w="6350" cap="flat" cmpd="sng" algn="ctr">
-                      <a:solidFill>
-                        <a:schemeClr val="tx1"/>
-                      </a:solidFill>
-                      <a:prstDash val="solid"/>
-                      <a:headEnd type="none"/>
-                      <a:tailEnd type="none"/>
-                    </a:lnL>
-                    <a:lnR w="6350" cap="flat" cmpd="sng" algn="ctr">
-                      <a:solidFill>
-                        <a:schemeClr val="tx1"/>
-                      </a:solidFill>
-                      <a:prstDash val="solid"/>
-                      <a:headEnd type="none"/>
-                      <a:tailEnd type="none"/>
-                    </a:lnR>
-                    <a:lnT w="6350" cap="flat" cmpd="sng" algn="ctr">
-                      <a:solidFill>
-                        <a:schemeClr val="tx1"/>
-                      </a:solidFill>
-                      <a:prstDash val="solid"/>
-                      <a:headEnd type="none"/>
-                      <a:tailEnd type="none"/>
-                    </a:lnT>
-                    <a:lnB w="6350" cap="flat" cmpd="sng" algn="ctr">
-                      <a:solidFill>
-                        <a:schemeClr val="tx1"/>
-                      </a:solidFill>
-                      <a:prstDash val="solid"/>
-                      <a:headEnd type="none"/>
-                      <a:tailEnd type="none"/>
-                    </a:lnB>
-                    <a:lnTlToBr>
-                      <a:noFill/>
-                    </a:lnTlToBr>
-                    <a:lnBlToTr>
-                      <a:noFill/>
-                    </a:lnBlToTr>
-                    <a:noFill/>
-                  </a:tcPr>
-                </a:tc>
-                <a:tc>
-                  <a:txBody>
-                    <a:bodyPr vert="horz" wrap="square" numCol="1"/>
-                    <a:lstStyle/>
-                    <a:p>
-                      <a:pPr>
-                        <a:defRPr lang="en-us" sz="1400"/>
-                      </a:pPr>
-                    </a:p>
-                  </a:txBody>
-                  <a:tcPr marL="35560" marR="35560" marT="35560" marB="35560">
-                    <a:lnL w="6350" cap="flat" cmpd="sng" algn="ctr">
-                      <a:solidFill>
-                        <a:schemeClr val="tx1"/>
-                      </a:solidFill>
-                      <a:prstDash val="solid"/>
-                      <a:headEnd type="none"/>
-                      <a:tailEnd type="none"/>
-                    </a:lnL>
-                    <a:lnR w="6350" cap="flat" cmpd="sng" algn="ctr">
-                      <a:solidFill>
-                        <a:schemeClr val="tx1"/>
-                      </a:solidFill>
-                      <a:prstDash val="solid"/>
-                      <a:headEnd type="none"/>
-                      <a:tailEnd type="none"/>
-                    </a:lnR>
-                    <a:lnT w="6350" cap="flat" cmpd="sng" algn="ctr">
-                      <a:solidFill>
-                        <a:schemeClr val="tx1"/>
-                      </a:solidFill>
-                      <a:prstDash val="solid"/>
-                      <a:headEnd type="none"/>
-                      <a:tailEnd type="none"/>
-                    </a:lnT>
-                    <a:lnB w="6350" cap="flat" cmpd="sng" algn="ctr">
-                      <a:solidFill>
-                        <a:schemeClr val="tx1"/>
-                      </a:solidFill>
-                      <a:prstDash val="solid"/>
-                      <a:headEnd type="none"/>
-                      <a:tailEnd type="none"/>
-                    </a:lnB>
-                    <a:lnTlToBr>
-                      <a:noFill/>
-                    </a:lnTlToBr>
-                    <a:lnBlToTr>
-                      <a:noFill/>
-                    </a:lnBlToTr>
-                    <a:noFill/>
-                  </a:tcPr>
-                </a:tc>
-                <a:extLst>
-                  <a:ext uri="smNativeData">
-                    <pr:rowheight xmlns="" xmlns:pr="smNativeData" dt="1539279007" type="min" val="385445"/>
-                  </a:ext>
-                </a:extLst>
-              </a:tr>
-              <a:tr h="385445">
-                <a:tc>
-                  <a:txBody>
-                    <a:bodyPr vert="horz" wrap="square" numCol="1"/>
-                    <a:lstStyle/>
-                    <a:p>
-                      <a:pPr>
-                        <a:defRPr lang="en-us" sz="1400"/>
+                        <a:defRPr lang="en-US" sz="1400"/>
                       </a:pPr>
                       <a:r>
                         <a:t>Refresh token</a:t>
@@ -6634,8 +7583,9 @@
                         <a:schemeClr val="tx1"/>
                       </a:solidFill>
                       <a:prstDash val="solid"/>
-                      <a:headEnd type="none"/>
-                      <a:tailEnd type="none"/>
+                      <a:round/>
+                      <a:headEnd type="none" w="med" len="med"/>
+                      <a:tailEnd type="none" w="med" len="med"/>
                     </a:lnB>
                     <a:lnTlToBr>
                       <a:noFill/>
@@ -6648,11 +7598,11 @@
                 </a:tc>
                 <a:tc>
                   <a:txBody>
-                    <a:bodyPr vert="horz" wrap="square" numCol="1"/>
+                    <a:bodyPr/>
                     <a:lstStyle/>
                     <a:p>
                       <a:pPr>
-                        <a:defRPr lang="en-us" sz="1400">
+                        <a:defRPr lang="en-US" sz="1400">
                           <a:latin typeface="Courier New" pitchFamily="3" charset="0"/>
                           <a:ea typeface="Courier New" pitchFamily="3" charset="0"/>
                           <a:cs typeface="Courier New" pitchFamily="3" charset="0"/>
@@ -6669,11 +7619,6 @@
                         </a:rPr>
                         <a:t>/oauth/token</a:t>
                       </a:r>
-                      <a:endParaRPr>
-                        <a:solidFill>
-                          <a:srgbClr val="000000"/>
-                        </a:solidFill>
-                      </a:endParaRPr>
                     </a:p>
                   </a:txBody>
                   <a:tcPr marL="35560" marR="35560" marT="35560" marB="35560">
@@ -6706,8 +7651,9 @@
                         <a:schemeClr val="tx1"/>
                       </a:solidFill>
                       <a:prstDash val="solid"/>
-                      <a:headEnd type="none"/>
-                      <a:tailEnd type="none"/>
+                      <a:round/>
+                      <a:headEnd type="none" w="med" len="med"/>
+                      <a:tailEnd type="none" w="med" len="med"/>
                     </a:lnB>
                     <a:lnTlToBr>
                       <a:noFill/>
@@ -6720,11 +7666,11 @@
                 </a:tc>
                 <a:tc>
                   <a:txBody>
-                    <a:bodyPr vert="horz" wrap="square" numCol="1"/>
+                    <a:bodyPr/>
                     <a:lstStyle/>
                     <a:p>
                       <a:pPr>
-                        <a:defRPr lang="en-us" sz="1400">
+                        <a:defRPr lang="en-US" sz="1400">
                           <a:latin typeface="Courier New" pitchFamily="3" charset="0"/>
                           <a:ea typeface="Courier New" pitchFamily="3" charset="0"/>
                           <a:cs typeface="Courier New" pitchFamily="3" charset="0"/>
@@ -6765,6 +7711,263 @@
                         <a:schemeClr val="tx1"/>
                       </a:solidFill>
                       <a:prstDash val="solid"/>
+                      <a:round/>
+                      <a:headEnd type="none" w="med" len="med"/>
+                      <a:tailEnd type="none" w="med" len="med"/>
+                    </a:lnB>
+                    <a:lnTlToBr>
+                      <a:noFill/>
+                    </a:lnTlToBr>
+                    <a:lnBlToTr>
+                      <a:noFill/>
+                    </a:lnBlToTr>
+                    <a:noFill/>
+                  </a:tcPr>
+                </a:tc>
+                <a:extLst>
+                  <a:ext uri="smNativeData">
+                    <pr:rowheight xmlns:p14="http://schemas.microsoft.com/office/powerpoint/2010/main" xmlns="" xmlns:pr="smNativeData" dt="1539279007" type="min" val="385445"/>
+                  </a:ext>
+                </a:extLst>
+              </a:tr>
+              <a:tr h="385445">
+                <a:tc>
+                  <a:txBody>
+                    <a:bodyPr/>
+                    <a:lstStyle/>
+                    <a:p>
+                      <a:pPr>
+                        <a:defRPr lang="en-US" sz="1400"/>
+                      </a:pPr>
+                      <a:r>
+                        <a:rPr dirty="0"/>
+                        <a:t>Get encryption key</a:t>
+                      </a:r>
+                    </a:p>
+                  </a:txBody>
+                  <a:tcPr marL="35560" marR="35560" marT="35560" marB="35560">
+                    <a:lnL w="6350" cap="flat" cmpd="sng" algn="ctr">
+                      <a:solidFill>
+                        <a:schemeClr val="tx1"/>
+                      </a:solidFill>
+                      <a:prstDash val="solid"/>
+                      <a:headEnd type="none"/>
+                      <a:tailEnd type="none"/>
+                    </a:lnL>
+                    <a:lnR w="6350" cap="flat" cmpd="sng" algn="ctr">
+                      <a:solidFill>
+                        <a:schemeClr val="tx1"/>
+                      </a:solidFill>
+                      <a:prstDash val="solid"/>
+                      <a:headEnd type="none"/>
+                      <a:tailEnd type="none"/>
+                    </a:lnR>
+                    <a:lnT w="6350" cap="flat" cmpd="sng" algn="ctr">
+                      <a:solidFill>
+                        <a:schemeClr val="tx1"/>
+                      </a:solidFill>
+                      <a:prstDash val="solid"/>
+                      <a:headEnd type="none"/>
+                      <a:tailEnd type="none"/>
+                    </a:lnT>
+                    <a:lnB w="6350" cap="flat" cmpd="sng" algn="ctr">
+                      <a:solidFill>
+                        <a:schemeClr val="tx1"/>
+                      </a:solidFill>
+                      <a:prstDash val="solid"/>
+                      <a:round/>
+                      <a:headEnd type="none" w="med" len="med"/>
+                      <a:tailEnd type="none" w="med" len="med"/>
+                    </a:lnB>
+                    <a:lnTlToBr>
+                      <a:noFill/>
+                    </a:lnTlToBr>
+                    <a:lnBlToTr>
+                      <a:noFill/>
+                    </a:lnBlToTr>
+                    <a:noFill/>
+                  </a:tcPr>
+                </a:tc>
+                <a:tc>
+                  <a:txBody>
+                    <a:bodyPr/>
+                    <a:lstStyle/>
+                    <a:p>
+                      <a:pPr>
+                        <a:defRPr lang="en-US" sz="1400">
+                          <a:latin typeface="Courier New" pitchFamily="3" charset="0"/>
+                          <a:ea typeface="Courier New" pitchFamily="3" charset="0"/>
+                          <a:cs typeface="Courier New" pitchFamily="3" charset="0"/>
+                        </a:defRPr>
+                      </a:pPr>
+                      <a:r>
+                        <a:rPr dirty="0"/>
+                        <a:t>GET /</a:t>
+                      </a:r>
+                      <a:r>
+                        <a:rPr dirty="0" err="1"/>
+                        <a:t>oauth</a:t>
+                      </a:r>
+                      <a:r>
+                        <a:rPr dirty="0"/>
+                        <a:t>/</a:t>
+                      </a:r>
+                      <a:r>
+                        <a:rPr dirty="0" err="1"/>
+                        <a:t>token_key</a:t>
+                      </a:r>
+                      <a:endParaRPr dirty="0"/>
+                    </a:p>
+                  </a:txBody>
+                  <a:tcPr marL="35560" marR="35560" marT="35560" marB="35560">
+                    <a:lnL w="6350" cap="flat" cmpd="sng" algn="ctr">
+                      <a:solidFill>
+                        <a:schemeClr val="tx1"/>
+                      </a:solidFill>
+                      <a:prstDash val="solid"/>
+                      <a:headEnd type="none"/>
+                      <a:tailEnd type="none"/>
+                    </a:lnL>
+                    <a:lnR w="6350" cap="flat" cmpd="sng" algn="ctr">
+                      <a:solidFill>
+                        <a:schemeClr val="tx1"/>
+                      </a:solidFill>
+                      <a:prstDash val="solid"/>
+                      <a:headEnd type="none"/>
+                      <a:tailEnd type="none"/>
+                    </a:lnR>
+                    <a:lnT w="6350" cap="flat" cmpd="sng" algn="ctr">
+                      <a:solidFill>
+                        <a:schemeClr val="tx1"/>
+                      </a:solidFill>
+                      <a:prstDash val="solid"/>
+                      <a:headEnd type="none"/>
+                      <a:tailEnd type="none"/>
+                    </a:lnT>
+                    <a:lnB w="6350" cap="flat" cmpd="sng" algn="ctr">
+                      <a:solidFill>
+                        <a:schemeClr val="tx1"/>
+                      </a:solidFill>
+                      <a:prstDash val="solid"/>
+                      <a:round/>
+                      <a:headEnd type="none" w="med" len="med"/>
+                      <a:tailEnd type="none" w="med" len="med"/>
+                    </a:lnB>
+                    <a:lnTlToBr>
+                      <a:noFill/>
+                    </a:lnTlToBr>
+                    <a:lnBlToTr>
+                      <a:noFill/>
+                    </a:lnBlToTr>
+                    <a:noFill/>
+                  </a:tcPr>
+                </a:tc>
+                <a:tc>
+                  <a:txBody>
+                    <a:bodyPr/>
+                    <a:lstStyle/>
+                    <a:p>
+                      <a:pPr>
+                        <a:defRPr lang="en-US" sz="1400"/>
+                      </a:pPr>
+                      <a:endParaRPr dirty="0"/>
+                    </a:p>
+                  </a:txBody>
+                  <a:tcPr marL="35560" marR="35560" marT="35560" marB="35560">
+                    <a:lnL w="6350" cap="flat" cmpd="sng" algn="ctr">
+                      <a:solidFill>
+                        <a:schemeClr val="tx1"/>
+                      </a:solidFill>
+                      <a:prstDash val="solid"/>
+                      <a:headEnd type="none"/>
+                      <a:tailEnd type="none"/>
+                    </a:lnL>
+                    <a:lnR w="6350" cap="flat" cmpd="sng" algn="ctr">
+                      <a:solidFill>
+                        <a:schemeClr val="tx1"/>
+                      </a:solidFill>
+                      <a:prstDash val="solid"/>
+                      <a:headEnd type="none"/>
+                      <a:tailEnd type="none"/>
+                    </a:lnR>
+                    <a:lnT w="6350" cap="flat" cmpd="sng" algn="ctr">
+                      <a:solidFill>
+                        <a:schemeClr val="tx1"/>
+                      </a:solidFill>
+                      <a:prstDash val="solid"/>
+                      <a:headEnd type="none"/>
+                      <a:tailEnd type="none"/>
+                    </a:lnT>
+                    <a:lnB w="6350" cap="flat" cmpd="sng" algn="ctr">
+                      <a:solidFill>
+                        <a:schemeClr val="tx1"/>
+                      </a:solidFill>
+                      <a:prstDash val="solid"/>
+                      <a:round/>
+                      <a:headEnd type="none" w="med" len="med"/>
+                      <a:tailEnd type="none" w="med" len="med"/>
+                    </a:lnB>
+                    <a:lnTlToBr>
+                      <a:noFill/>
+                    </a:lnTlToBr>
+                    <a:lnBlToTr>
+                      <a:noFill/>
+                    </a:lnBlToTr>
+                    <a:noFill/>
+                  </a:tcPr>
+                </a:tc>
+                <a:extLst>
+                  <a:ext uri="smNativeData">
+                    <pr:rowheight xmlns:p14="http://schemas.microsoft.com/office/powerpoint/2010/main" xmlns="" xmlns:pr="smNativeData" dt="1539279007" type="min" val="385445"/>
+                  </a:ext>
+                </a:extLst>
+              </a:tr>
+              <a:tr h="385445">
+                <a:tc>
+                  <a:txBody>
+                    <a:bodyPr/>
+                    <a:lstStyle/>
+                    <a:p>
+                      <a:pPr>
+                        <a:defRPr lang="en-US" sz="1400"/>
+                      </a:pPr>
+                      <a:r>
+                        <a:rPr dirty="0"/>
+                        <a:t>Get access token</a:t>
+                      </a:r>
+                    </a:p>
+                  </a:txBody>
+                  <a:tcPr marL="35560" marR="35560" marT="35560" marB="35560">
+                    <a:lnL w="6350" cap="flat" cmpd="sng" algn="ctr">
+                      <a:solidFill>
+                        <a:schemeClr val="tx1"/>
+                      </a:solidFill>
+                      <a:prstDash val="solid"/>
+                      <a:headEnd type="none"/>
+                      <a:tailEnd type="none"/>
+                    </a:lnL>
+                    <a:lnR w="6350" cap="flat" cmpd="sng" algn="ctr">
+                      <a:solidFill>
+                        <a:schemeClr val="tx1"/>
+                      </a:solidFill>
+                      <a:prstDash val="solid"/>
+                      <a:round/>
+                      <a:headEnd type="none" w="med" len="med"/>
+                      <a:tailEnd type="none" w="med" len="med"/>
+                    </a:lnR>
+                    <a:lnT w="6350" cap="flat" cmpd="sng" algn="ctr">
+                      <a:solidFill>
+                        <a:schemeClr val="tx1"/>
+                      </a:solidFill>
+                      <a:prstDash val="solid"/>
+                      <a:headEnd type="none"/>
+                      <a:tailEnd type="none"/>
+                    </a:lnT>
+                    <a:lnB w="6350" cap="flat" cmpd="sng" algn="ctr">
+                      <a:solidFill>
+                        <a:schemeClr val="tx1"/>
+                      </a:solidFill>
+                      <a:prstDash val="solid"/>
                       <a:headEnd type="none"/>
                       <a:tailEnd type="none"/>
                     </a:lnB>
@@ -6777,21 +7980,45 @@
                     <a:noFill/>
                   </a:tcPr>
                 </a:tc>
-                <a:extLst>
-                  <a:ext uri="smNativeData">
-                    <pr:rowheight xmlns="" xmlns:pr="smNativeData" dt="1539279007" type="min" val="385445"/>
-                  </a:ext>
-                </a:extLst>
-              </a:tr>
-              <a:tr h="385445">
                 <a:tc>
                   <a:txBody>
-                    <a:bodyPr vert="horz" wrap="square" numCol="1"/>
+                    <a:bodyPr/>
                     <a:lstStyle/>
                     <a:p>
-                      <a:pPr>
-                        <a:defRPr lang="en-us"/>
+                      <a:pPr marL="0" marR="0" indent="0" algn="l" defTabSz="914400">
+                        <a:lnSpc>
+                          <a:spcPct val="100000"/>
+                        </a:lnSpc>
+                        <a:spcBef>
+                          <a:spcPts val="0"/>
+                        </a:spcBef>
+                        <a:spcAft>
+                          <a:spcPts val="0"/>
+                        </a:spcAft>
+                        <a:buNone/>
+                        <a:tabLst/>
+                        <a:defRPr sz="1400" b="0" i="0" u="none" strike="noStrike" kern="1" spc="0" baseline="0">
+                          <a:solidFill>
+                            <a:srgbClr val="000000"/>
+                          </a:solidFill>
+                          <a:effectLst/>
+                          <a:latin typeface="Courier New" pitchFamily="3" charset="0"/>
+                          <a:ea typeface="Courier New" pitchFamily="3" charset="0"/>
+                          <a:cs typeface="Courier New" pitchFamily="3" charset="0"/>
+                        </a:defRPr>
                       </a:pPr>
+                      <a:r>
+                        <a:rPr dirty="0"/>
+                        <a:t>GET /</a:t>
+                      </a:r>
+                      <a:r>
+                        <a:rPr dirty="0" err="1"/>
+                        <a:t>oauth</a:t>
+                      </a:r>
+                      <a:r>
+                        <a:rPr dirty="0"/>
+                        <a:t>/token</a:t>
+                      </a:r>
                     </a:p>
                   </a:txBody>
                   <a:tcPr marL="35560" marR="35560" marT="35560" marB="35560">
@@ -6800,8 +8027,68 @@
                         <a:schemeClr val="tx1"/>
                       </a:solidFill>
                       <a:prstDash val="solid"/>
+                      <a:round/>
+                      <a:headEnd type="none" w="med" len="med"/>
+                      <a:tailEnd type="none" w="med" len="med"/>
+                    </a:lnL>
+                    <a:lnR w="6350" cap="flat" cmpd="sng" algn="ctr">
+                      <a:solidFill>
+                        <a:schemeClr val="tx1"/>
+                      </a:solidFill>
+                      <a:prstDash val="solid"/>
+                      <a:round/>
+                      <a:headEnd type="none" w="med" len="med"/>
+                      <a:tailEnd type="none" w="med" len="med"/>
+                    </a:lnR>
+                    <a:lnT w="6350" cap="flat" cmpd="sng" algn="ctr">
+                      <a:solidFill>
+                        <a:schemeClr val="tx1"/>
+                      </a:solidFill>
+                      <a:prstDash val="solid"/>
                       <a:headEnd type="none"/>
                       <a:tailEnd type="none"/>
+                    </a:lnT>
+                    <a:lnB w="6350" cap="flat" cmpd="sng" algn="ctr">
+                      <a:solidFill>
+                        <a:schemeClr val="tx1"/>
+                      </a:solidFill>
+                      <a:prstDash val="solid"/>
+                      <a:headEnd type="none"/>
+                      <a:tailEnd type="none"/>
+                    </a:lnB>
+                    <a:lnTlToBr>
+                      <a:noFill/>
+                    </a:lnTlToBr>
+                    <a:lnBlToTr>
+                      <a:noFill/>
+                    </a:lnBlToTr>
+                    <a:noFill/>
+                  </a:tcPr>
+                </a:tc>
+                <a:tc>
+                  <a:txBody>
+                    <a:bodyPr/>
+                    <a:lstStyle/>
+                    <a:p>
+                      <a:pPr>
+                        <a:defRPr lang="en-US" sz="1400">
+                          <a:latin typeface="Courier New" pitchFamily="3" charset="0"/>
+                          <a:ea typeface="Courier New" pitchFamily="3" charset="0"/>
+                          <a:cs typeface="Courier New" pitchFamily="3" charset="0"/>
+                        </a:defRPr>
+                      </a:pPr>
+                      <a:endParaRPr dirty="0"/>
+                    </a:p>
+                  </a:txBody>
+                  <a:tcPr marL="35560" marR="35560" marT="35560" marB="35560">
+                    <a:lnL w="6350" cap="flat" cmpd="sng" algn="ctr">
+                      <a:solidFill>
+                        <a:schemeClr val="tx1"/>
+                      </a:solidFill>
+                      <a:prstDash val="solid"/>
+                      <a:round/>
+                      <a:headEnd type="none" w="med" len="med"/>
+                      <a:tailEnd type="none" w="med" len="med"/>
                     </a:lnL>
                     <a:lnR w="6350" cap="flat" cmpd="sng" algn="ctr">
                       <a:solidFill>
@@ -6836,1231 +8123,11 @@
                     <a:noFill/>
                   </a:tcPr>
                 </a:tc>
-                <a:tc>
-                  <a:txBody>
-                    <a:bodyPr vert="horz" wrap="square" numCol="1"/>
-                    <a:lstStyle/>
-                    <a:p>
-                      <a:pPr>
-                        <a:defRPr lang="en-us"/>
-                      </a:pPr>
-                    </a:p>
-                  </a:txBody>
-                  <a:tcPr marL="35560" marR="35560" marT="35560" marB="35560">
-                    <a:lnL w="6350" cap="flat" cmpd="sng" algn="ctr">
-                      <a:solidFill>
-                        <a:schemeClr val="tx1"/>
-                      </a:solidFill>
-                      <a:prstDash val="solid"/>
-                      <a:headEnd type="none"/>
-                      <a:tailEnd type="none"/>
-                    </a:lnL>
-                    <a:lnR w="6350" cap="flat" cmpd="sng" algn="ctr">
-                      <a:solidFill>
-                        <a:schemeClr val="tx1"/>
-                      </a:solidFill>
-                      <a:prstDash val="solid"/>
-                      <a:headEnd type="none"/>
-                      <a:tailEnd type="none"/>
-                    </a:lnR>
-                    <a:lnT w="6350" cap="flat" cmpd="sng" algn="ctr">
-                      <a:solidFill>
-                        <a:schemeClr val="tx1"/>
-                      </a:solidFill>
-                      <a:prstDash val="solid"/>
-                      <a:headEnd type="none"/>
-                      <a:tailEnd type="none"/>
-                    </a:lnT>
-                    <a:lnB w="6350" cap="flat" cmpd="sng" algn="ctr">
-                      <a:solidFill>
-                        <a:schemeClr val="tx1"/>
-                      </a:solidFill>
-                      <a:prstDash val="solid"/>
-                      <a:headEnd type="none"/>
-                      <a:tailEnd type="none"/>
-                    </a:lnB>
-                    <a:lnTlToBr>
-                      <a:noFill/>
-                    </a:lnTlToBr>
-                    <a:lnBlToTr>
-                      <a:noFill/>
-                    </a:lnBlToTr>
-                    <a:noFill/>
-                  </a:tcPr>
-                </a:tc>
-                <a:tc>
-                  <a:txBody>
-                    <a:bodyPr vert="horz" wrap="square" numCol="1"/>
-                    <a:lstStyle/>
-                    <a:p>
-                      <a:pPr>
-                        <a:defRPr lang="en-us"/>
-                      </a:pPr>
-                    </a:p>
-                  </a:txBody>
-                  <a:tcPr marL="35560" marR="35560" marT="35560" marB="35560">
-                    <a:lnL w="6350" cap="flat" cmpd="sng" algn="ctr">
-                      <a:solidFill>
-                        <a:schemeClr val="tx1"/>
-                      </a:solidFill>
-                      <a:prstDash val="solid"/>
-                      <a:headEnd type="none"/>
-                      <a:tailEnd type="none"/>
-                    </a:lnL>
-                    <a:lnR w="6350" cap="flat" cmpd="sng" algn="ctr">
-                      <a:solidFill>
-                        <a:schemeClr val="tx1"/>
-                      </a:solidFill>
-                      <a:prstDash val="solid"/>
-                      <a:headEnd type="none"/>
-                      <a:tailEnd type="none"/>
-                    </a:lnR>
-                    <a:lnT w="6350" cap="flat" cmpd="sng" algn="ctr">
-                      <a:solidFill>
-                        <a:schemeClr val="tx1"/>
-                      </a:solidFill>
-                      <a:prstDash val="solid"/>
-                      <a:headEnd type="none"/>
-                      <a:tailEnd type="none"/>
-                    </a:lnT>
-                    <a:lnB w="6350" cap="flat" cmpd="sng" algn="ctr">
-                      <a:solidFill>
-                        <a:schemeClr val="tx1"/>
-                      </a:solidFill>
-                      <a:prstDash val="solid"/>
-                      <a:headEnd type="none"/>
-                      <a:tailEnd type="none"/>
-                    </a:lnB>
-                    <a:lnTlToBr>
-                      <a:noFill/>
-                    </a:lnTlToBr>
-                    <a:lnBlToTr>
-                      <a:noFill/>
-                    </a:lnBlToTr>
-                    <a:noFill/>
-                  </a:tcPr>
-                </a:tc>
-                <a:extLst>
-                  <a:ext uri="smNativeData">
-                    <pr:rowheight xmlns="" xmlns:pr="smNativeData" dt="1539279007" type="min" val="385445"/>
-                  </a:ext>
-                </a:extLst>
               </a:tr>
             </a:tbl>
           </a:graphicData>
         </a:graphic>
       </p:graphicFrame>
-    </p:spTree>
-  </p:cSld>
-  <p:clrMapOvr>
-    <a:masterClrMapping/>
-  </p:clrMapOvr>
-  <p:timing>
-    <p:tnLst>
-      <p:par>
-        <p:cTn id="1" dur="indefinite" restart="never" nodeType="tmRoot"/>
-      </p:par>
-    </p:tnLst>
-  </p:timing>
-</p:sld>
-</file>
-
-<file path=ppt/slides/slide2.xml><?xml version="1.0" encoding="utf-8"?>
-<p:sld xmlns:p="http://schemas.openxmlformats.org/presentationml/2006/main" xmlns:p14="http://schemas.microsoft.com/office/powerpoint/2010/main" xmlns:r="http://schemas.openxmlformats.org/officeDocument/2006/relationships" xmlns:a="http://schemas.openxmlformats.org/drawingml/2006/main">
-  <p:cSld>
-    <p:spTree>
-      <p:nvGrpSpPr>
-        <p:cNvPr id="1" name=""/>
-        <p:cNvGrpSpPr/>
-        <p:nvPr/>
-      </p:nvGrpSpPr>
-      <p:grpSpPr>
-        <a:xfrm>
-          <a:off x="0" y="0"/>
-          <a:ext cx="0" cy="0"/>
-          <a:chOff x="0" y="0"/>
-          <a:chExt cx="0" cy="0"/>
-        </a:xfrm>
-      </p:grpSpPr>
-      <p:sp>
-        <p:nvSpPr>
-          <p:cNvPr id="2" name="Title 1"/>
-          <p:cNvSpPr>
-            <a:spLocks noGrp="1" noChangeArrowheads="1"/>
-            <a:extLst>
-              <a:ext uri="smNativeData">
-                <pr:smNativeData xmlns:pr="smNativeData" val="SMDATA_16_n4i/WxMAAAAlAAAAZAAAAA0AAAAAkAAAAEgAAACQAAAASAAAAAAAAAABAAAAAAAAAAEAAABQAAAAAAAAAAAA4D8AAAAAAADgPwAAAAAAAOA/AAAAAAAA4D8AAAAAAADgPwAAAAAAAOA/AAAAAAAA4D8AAAAAAADgPwAAAAAAAOA/AAAAAAAA4D8CAAAAjAAAAAAAAAAAAAAAT4G9DP///wgAAAAAAAAAAAAAAAAAAAAAAAAAAAAAAAAAAAAAZAAAAAEAAABAAAAAAAAAAAAAAAAAAAAAAAAAAAAAAAAAAAAAAAAAAAAAAAAAAAAAAAAAAAAAAAAAAAAAAAAAAAAAAAAAAAAAAAAAAAAAAAAAAAAAAAAAAAAAAAAAAAAAFAAAADwAAAAAAAAAAAAAAAAAAAkUAAAAAQAAABQAAAAUAAAAFAAAAAEAAAAAAAAAZAAAAGQAAAAAAAAAZAAAAGQAAAAVAAAAYAAAAAAAAAAAAAAADwAAACADAAAAAAAAAAAAAAEAAACgMgAAVgcAAKr4//8BAAAAf39/AAEAAABkAAAAAAAAABQAAABAHwAAAAAAACYAAAAAAAAAwOD//wAAAAAmAAAAZAAAABYAAABMAAAAAAAAAAAAAAAEAAAAAAAAAAEAAADu7OEKAAAAACgAAAAoAAAAZAAAAGQAAAAAAAAAzMzMAAAAAABQAAAAUAAAAGQAAABkAAAAAAAAABcAAAAUAAAAAAAAAAAAAAD/fwAA/38AAAAAAAAJAAAABAAAAAAAAAAMAAAAEAAAAAAAAAAAAAAAAAAAAAAAAAAeAAAAaAAAAAAAAAAAAAAAAAAAAAAAAAAAAAAAECcAABAnAAAAAAAAAAAAAAAAAAAAAAAAAAAAAAAAAAAAAAAAAAAAABQAAAAAAAAAwMD/AAAAAABkAAAAMgAAAAAAAABkAAAAAAAAAH9/fwAKAAAAIgAAABgAAAAAAAAAAAAAAAAAAAAAAAAAAAAAAAAAAAAkAAAAJAAAAAAAAAAHAAAAAAAAAAAAAAAAAAAAAAAAAAAAAAAAAAAAf39/ACUAAABYAAAAAAAAAAAAAAAAAAAAAAAAAAAAAAAAAAAAAAAAAAAAAAAAAAAAAAAAAAAAAAA/AAAAAAAAAKCGAQAAAAAAAAAAAAAAAAAMAAAAAQAAAAAAAAAAAAAAAAAAAB8AAABUAAAAT4G9Bf///wEAAAAAAAAAAAAAAAAAAAAAAAAAAAAAAAAAAAAAAAAAAAAAAAJ/f38A7uzhA8zMzADAwP8Af39/AAAAAAAAAAAAAAAAAAAAAAAAAAAAIQAAABgAAAAUAAAA0AIAALEBAABwNQAACAYAABAAAAAmAAAACAAAAAEgAAAAAAAA"/>
-              </a:ext>
-            </a:extLst>
-          </p:cNvSpPr>
-          <p:nvPr>
-            <p:ph type="title"/>
-          </p:nvPr>
-        </p:nvSpPr>
-        <p:spPr>
-          <a:xfrm>
-            <a:off x="457200" y="274955"/>
-            <a:ext cx="8229600" cy="705485"/>
-          </a:xfrm>
-        </p:spPr>
-        <p:txBody>
-          <a:bodyPr vert="horz" wrap="square" lIns="91440" tIns="45720" rIns="91440" bIns="45720" numCol="1" anchor="ctr">
-            <a:prstTxWarp prst="textNoShape">
-              <a:avLst/>
-            </a:prstTxWarp>
-          </a:bodyPr>
-          <a:lstStyle/>
-          <a:p>
-            <a:pPr>
-              <a:defRPr lang="en-us"/>
-            </a:pPr>
-            <a:r>
-              <a:rPr lang="en-au" sz="2800"/>
-              <a:t>Drivers</a:t>
-            </a:r>
-            <a:endParaRPr lang="en-au" sz="2800"/>
-          </a:p>
-        </p:txBody>
-      </p:sp>
-      <p:sp>
-        <p:nvSpPr>
-          <p:cNvPr id="3" name="Content Placeholder 2"/>
-          <p:cNvSpPr>
-            <a:spLocks noGrp="1" noChangeArrowheads="1"/>
-            <a:extLst>
-              <a:ext uri="smNativeData">
-                <pr:smNativeData xmlns:pr="smNativeData" val="SMDATA_16_n4i/WxMAAAAlAAAAZAAAAA0AAAAAkAAAAEgAAACQAAAASAAAAAAAAAAAAAAAAAAAAAEAAABQAAAAAAAAAAAA4D8AAAAAAADgPwAAAAAAAOA/AAAAAAAA4D8AAAAAAADgPwAAAAAAAOA/AAAAAAAA4D8AAAAAAADgPwAAAAAAAOA/AAAAAAAA4D8CAAAAjAAAAAAAAAAAAAAAT4G9DP///wgAAAAAAAAAAAAAAAAAAAAAAAAAAAAAAAAAAAAAZAAAAAEAAABAAAAAAAAAAAAAAAAAAAAAAAAAAAAAAAAAAAAAAAAAAAAAAAAAAAAAAAAAAAAAAAAAAAAAAAAAAAAAAAAAAAAAAAAAAAAAAAAAAAAAAAAAAAAAAAAAAAAAFAAAADwAAAAAAAAAAAAAAAAAAAkUAAAAAQAAABQAAAAUAAAAFAAAAAEAAAAAAAAAZAAAAGQAAAAAAAAAZAAAAGQAAAAVAAAAYAAAAAAAAAAAAAAADwAAACADAAAAAAAAAAAAAAEAAACgMgAAVgcAAKr4//8BAAAAf39/AAEAAABkAAAAAAAAABQAAABAHwAAAAAAACYAAAAAAAAAwOD//wAAAAAmAAAAZAAAABYAAABMAAAAAAAAAAAAAAAEAAAAAAAAAAEAAADu7OEKAAAAACgAAAAoAAAAZAAAAGQAAAAAAAAAzMzMAAAAAABQAAAAUAAAAGQAAABkAAAAAAAAABcAAAAUAAAAAAAAAAAAAAD/fwAA/38AAAAAAAAJAAAABAAAAAAAAAAMAAAAEAAAAAAAAAAAAAAAAAAAAAAAAAAeAAAAaAAAAAAAAAAAAAAAAAAAAAAAAAAAAAAAECcAABAnAAAAAAAAAAAAAAAAAAAAAAAAAAAAAAAAAAAAAAAAAAAAABQAAAAAAAAAwMD/AAAAAABkAAAAMgAAAAAAAABkAAAAAAAAAH9/fwAKAAAAIgAAABgAAAAAAAAAAAAAAAAAAAAAAAAAAAAAAAAAAAAkAAAAJAAAAAAAAAAHAAAAAAAAAAAAAAAAAAAAAAAAAAAAAAAAAAAAf39/ACUAAABYAAAAAAAAAAAAAAAAAAAAAAAAAAAAAAAAAAAAAAAAAAAAAAAAAAAAAAAAAAAAAAA/AAAAAAAAAKCGAQAAAAAAAAAAAAAAAAAMAAAAAQAAAAAAAAAAAAAAAAAAAB8AAABUAAAAT4G9Bf///wEAAAAAAAAAAAAAAAAAAAAAAAAAAAAAAAAAAAAAAAAAAAAAAAJ/f38A7uzhA8zMzADAwP8Af39/AAAAAAAAAAAAAAAAAAAAAAAAAAAAIQAAABgAAAAUAAAA0AIAANgJAABwNQAAsCUAABAAAAAmAAAACAAAAAAgAAAAAAAA"/>
-              </a:ext>
-            </a:extLst>
-          </p:cNvSpPr>
-          <p:nvPr>
-            <p:ph type="body" idx="1"/>
-          </p:nvPr>
-        </p:nvSpPr>
-        <p:spPr/>
-        <p:txBody>
-          <a:bodyPr vert="horz" wrap="square" lIns="91440" tIns="45720" rIns="91440" bIns="45720" numCol="1" anchor="t">
-            <a:prstTxWarp prst="textNoShape">
-              <a:avLst/>
-            </a:prstTxWarp>
-          </a:bodyPr>
-          <a:lstStyle/>
-          <a:p>
-            <a:pPr>
-              <a:defRPr lang="en-us" sz="1600"/>
-            </a:pPr>
-          </a:p>
-          <a:p>
-            <a:pPr>
-              <a:defRPr lang="en-us"/>
-            </a:pPr>
-            <a:r>
-              <a:rPr lang="en-au" sz="1600"/>
-              <a:t>REST API becoming predominant in communication between client and server as well as in communication with external partners</a:t>
-            </a:r>
-            <a:endParaRPr lang="en-au" sz="1600"/>
-          </a:p>
-          <a:p>
-            <a:pPr>
-              <a:defRPr lang="en-us"/>
-            </a:pPr>
-            <a:r>
-              <a:rPr lang="en-au" sz="1600"/>
-              <a:t>OAuth2 / OpenID and JWT have become de facto standards for REST API authentication and authorisation</a:t>
-            </a:r>
-            <a:endParaRPr lang="en-au" sz="1600"/>
-          </a:p>
-          <a:p>
-            <a:pPr>
-              <a:defRPr lang="en-us"/>
-            </a:pPr>
-            <a:r>
-              <a:rPr lang="en-au" sz="1600"/>
-              <a:t>SRO currently does not have a standard approach to REST API security. Different applications use different solutions</a:t>
-            </a:r>
-            <a:endParaRPr lang="en-au" sz="1600"/>
-          </a:p>
-          <a:p>
-            <a:pPr>
-              <a:defRPr lang="en-us"/>
-            </a:pPr>
-            <a:r>
-              <a:rPr lang="en-au" sz="1600"/>
-              <a:t>Integration with myGov</a:t>
-            </a:r>
-            <a:endParaRPr lang="en-au" sz="1600"/>
-          </a:p>
-          <a:p>
-            <a:pPr marL="0" indent="0">
-              <a:buNone/>
-              <a:defRPr lang="en-us"/>
-            </a:pPr>
-            <a:endParaRPr lang="en-au" sz="1600"/>
-          </a:p>
-        </p:txBody>
-      </p:sp>
-    </p:spTree>
-  </p:cSld>
-  <p:clrMapOvr>
-    <a:masterClrMapping/>
-  </p:clrMapOvr>
-  <p:timing>
-    <p:tnLst>
-      <p:par>
-        <p:cTn id="1" dur="indefinite" restart="never" nodeType="tmRoot"/>
-      </p:par>
-    </p:tnLst>
-  </p:timing>
-</p:sld>
-</file>
-
-<file path=ppt/slides/slide3.xml><?xml version="1.0" encoding="utf-8"?>
-<p:sld xmlns:p="http://schemas.openxmlformats.org/presentationml/2006/main" xmlns:p14="http://schemas.microsoft.com/office/powerpoint/2010/main" xmlns:r="http://schemas.openxmlformats.org/officeDocument/2006/relationships" xmlns:a="http://schemas.openxmlformats.org/drawingml/2006/main">
-  <p:cSld>
-    <p:spTree>
-      <p:nvGrpSpPr>
-        <p:cNvPr id="1" name=""/>
-        <p:cNvGrpSpPr/>
-        <p:nvPr/>
-      </p:nvGrpSpPr>
-      <p:grpSpPr>
-        <a:xfrm>
-          <a:off x="0" y="0"/>
-          <a:ext cx="0" cy="0"/>
-          <a:chOff x="0" y="0"/>
-          <a:chExt cx="0" cy="0"/>
-        </a:xfrm>
-      </p:grpSpPr>
-      <p:sp>
-        <p:nvSpPr>
-          <p:cNvPr id="2" name="Title 1"/>
-          <p:cNvSpPr>
-            <a:spLocks noGrp="1" noChangeArrowheads="1"/>
-            <a:extLst>
-              <a:ext uri="smNativeData">
-                <pr:smNativeData xmlns:pr="smNativeData" val="SMDATA_16_n4i/WxMAAAAlAAAAZAAAAA0AAAAAkAAAAEgAAACQAAAASAAAAAAAAAABAAAAAAAAAAEAAABQAAAAAAAAAAAA4D8AAAAAAADgPwAAAAAAAOA/AAAAAAAA4D8AAAAAAADgPwAAAAAAAOA/AAAAAAAA4D8AAAAAAADgPwAAAAAAAOA/AAAAAAAA4D8CAAAAjAAAAAAAAAAAAAAAT4G9DP///wgAAAAAAAAAAAAAAAAAAAAAAAAAAAAAAAAAAAAAZAAAAAEAAABAAAAAAAAAAAAAAAAAAAAAAAAAAAAAAAAAAAAAAAAAAAAAAAAAAAAAAAAAAAAAAAAAAAAAAAAAAAAAAAAAAAAAAAAAAAAAAAAAAAAAAAAAAAAAAAAAAAAAFAAAADwAAAAAAAAAAAAAAAAAAAkUAAAAAQAAABQAAAAUAAAAFAAAAAEAAAAAAAAAZAAAAGQAAAAAAAAAZAAAAGQAAAAVAAAAYAAAAAAAAAAAAAAADwAAACADAAAAAAAAAAAAAAEAAACgMgAAVgcAAKr4//8BAAAAf39/AAEAAABkAAAAAAAAABQAAABAHwAAAAAAACYAAAAAAAAAwOD//wAAAAAmAAAAZAAAABYAAABMAAAAAAAAAAAAAAAEAAAAAAAAAAEAAADu7OEKAAAAACgAAAAoAAAAZAAAAGQAAAAAAAAAzMzMAAAAAABQAAAAUAAAAGQAAABkAAAAAAAAABcAAAAUAAAAAAAAAAAAAAD/fwAA/38AAAAAAAAJAAAABAAAAAAAAAAMAAAAEAAAAAAAAAAAAAAAAAAAAAAAAAAeAAAAaAAAAAAAAAAAAAAAAAAAAAAAAAAAAAAAECcAABAnAAAAAAAAAAAAAAAAAAAAAAAAAAAAAAAAAAAAAAAAAAAAABQAAAAAAAAAwMD/AAAAAABkAAAAMgAAAAAAAABkAAAAAAAAAH9/fwAKAAAAIgAAABgAAAAAAAAAAAAAAAAAAAAAAAAAAAAAAAAAAAAkAAAAJAAAAAAAAAAHAAAAAAAAAAAAAAAAAAAAAAAAAAAAAAAAAAAAf39/ACUAAABYAAAAAAAAAAAAAAAAAAAAAAAAAAAAAAAAAAAAAAAAAAAAAAAAAAAAAAAAAAAAAAA/AAAAAAAAAKCGAQAAAAAAAAAAAAAAAAAMAAAAAQAAAAAAAAAAAAAAAAAAAB8AAABUAAAAT4G9Bf///wEAAAAAAAAAAAAAAAAAAAAAAAAAAAAAAAAAAAAAAAAAAAAAAAJ/f38A7uzhA8zMzADAwP8Af39/AAAAAAAAAAAAAAAAAAAAAAAAAAAAIQAAABgAAAAUAAAA0AIAALEBAABwNQAACAYAABAAAAAmAAAACAAAAAEgAAAAAAAA"/>
-              </a:ext>
-            </a:extLst>
-          </p:cNvSpPr>
-          <p:nvPr>
-            <p:ph type="title"/>
-          </p:nvPr>
-        </p:nvSpPr>
-        <p:spPr>
-          <a:xfrm>
-            <a:off x="457200" y="274955"/>
-            <a:ext cx="8229600" cy="705485"/>
-          </a:xfrm>
-        </p:spPr>
-        <p:txBody>
-          <a:bodyPr vert="horz" wrap="square" lIns="91440" tIns="45720" rIns="91440" bIns="45720" numCol="1" anchor="ctr">
-            <a:prstTxWarp prst="textNoShape">
-              <a:avLst/>
-            </a:prstTxWarp>
-          </a:bodyPr>
-          <a:lstStyle/>
-          <a:p>
-            <a:pPr>
-              <a:defRPr lang="en-us"/>
-            </a:pPr>
-            <a:r>
-              <a:rPr lang="en-au" sz="2800"/>
-              <a:t>Requirements</a:t>
-            </a:r>
-            <a:endParaRPr lang="en-au" sz="2800"/>
-          </a:p>
-        </p:txBody>
-      </p:sp>
-      <p:sp>
-        <p:nvSpPr>
-          <p:cNvPr id="3" name="Content Placeholder 2"/>
-          <p:cNvSpPr>
-            <a:spLocks noGrp="1" noChangeArrowheads="1"/>
-            <a:extLst>
-              <a:ext uri="smNativeData">
-                <pr:smNativeData xmlns:pr="smNativeData" val="SMDATA_16_n4i/WxMAAAAlAAAAZAAAAA0AAAAAkAAAAEgAAACQAAAASAAAAAAAAAAAAAAAAAAAAAEAAABQAAAAAAAAAAAA4D8AAAAAAADgPwAAAAAAAOA/AAAAAAAA4D8AAAAAAADgPwAAAAAAAOA/AAAAAAAA4D8AAAAAAADgPwAAAAAAAOA/AAAAAAAA4D8CAAAAjAAAAAAAAAAAAAAAT4G9DP///wgAAAAAAAAAAAAAAAAAAAAAAAAAAAAAAAAAAAAAZAAAAAEAAABAAAAAAAAAAAAAAAAAAAAAAAAAAAAAAAAAAAAAAAAAAAAAAAAAAAAAAAAAAAAAAAAAAAAAAAAAAAAAAAAAAAAAAAAAAAAAAAAAAAAAAAAAAAAAAAAAAAAAFAAAADwAAAAAAAAAAAAAAAAAAAkUAAAAAQAAABQAAAAUAAAAFAAAAAEAAAAAAAAAZAAAAGQAAAAAAAAAZAAAAGQAAAAVAAAAYAAAAAAAAAAAAAAADwAAACADAAAAAAAAAAAAAAEAAACgMgAAVgcAAKr4//8BAAAAf39/AAEAAABkAAAAAAAAABQAAABAHwAAAAAAACYAAAAAAAAAwOD//wAAAAAmAAAAZAAAABYAAABMAAAAAAAAAAAAAAAEAAAAAAAAAAEAAADu7OEKAAAAACgAAAAoAAAAZAAAAGQAAAAAAAAAzMzMAAAAAABQAAAAUAAAAGQAAABkAAAAAAAAABcAAAAUAAAAAAAAAAAAAAD/fwAA/38AAAAAAAAJAAAABAAAAGcAaAAMAAAAEAAAAAAAAAAAAAAAAAAAAAAAAAAeAAAAaAAAAAAAAAAAAAAAAAAAAAAAAAAAAAAAECcAABAnAAAAAAAAAAAAAAAAAAAAAAAAAAAAAAAAAAAAAAAAAAAAABQAAAAAAAAAwMD/AAAAAABkAAAAMgAAAAAAAABkAAAAAAAAAH9/fwAKAAAAIgAAABgAAAAAAAAAAAAAAAAAAAAAAAAAAAAAAAAAAAAkAAAAJAAAAAAAAAAHAAAAAAAAAAAAAAAAAAAAAAAAAAAAAAAAAAAAf39/ACUAAABYAAAAAAAAAAAAAAAAAAAAAAAAAAAAAAAAAAAAAAAAAAAAAAAAAAAAAAAAAAAAAAA/AAAAAAAAAKCGAQAAAAAAAAAAAAAAAAAMAAAAAQAAAAAAAAAAAAAAAAAAAB8AAABUAAAAT4G9Bf///wEAAAAAAAAAAAAAAAAAAAAAAAAAAAAAAAAAAAAAAAAAAAAAAAJ/f38A7uzhA8zMzADAwP8Af39/AAAAAAAAAAAAAAAAAAAAAAAAAAAAIQAAABgAAAAUAAAA0AIAANgJAABwNQAAsCUAABAAAAAmAAAACAAAAAAgAAAAAAAA"/>
-              </a:ext>
-            </a:extLst>
-          </p:cNvSpPr>
-          <p:nvPr>
-            <p:ph type="body" idx="1"/>
-          </p:nvPr>
-        </p:nvSpPr>
-        <p:spPr/>
-        <p:txBody>
-          <a:bodyPr vert="horz" wrap="square" lIns="91440" tIns="45720" rIns="91440" bIns="45720" numCol="1" anchor="t">
-            <a:prstTxWarp prst="textNoShape">
-              <a:avLst/>
-            </a:prstTxWarp>
-          </a:bodyPr>
-          <a:lstStyle/>
-          <a:p>
-            <a:pPr>
-              <a:defRPr lang="en-us"/>
-            </a:pPr>
-            <a:r>
-              <a:rPr lang="en-au" sz="1600"/>
-              <a:t>Support multiple authentication methods:</a:t>
-            </a:r>
-            <a:endParaRPr lang="en-au" sz="1600"/>
-          </a:p>
-          <a:p>
-            <a:pPr lvl="1">
-              <a:defRPr lang="en-us"/>
-            </a:pPr>
-            <a:r>
-              <a:rPr lang="en-au" sz="1200"/>
-              <a:t>LDAP</a:t>
-            </a:r>
-            <a:endParaRPr lang="en-au" sz="1200"/>
-          </a:p>
-          <a:p>
-            <a:pPr lvl="1">
-              <a:defRPr lang="en-us"/>
-            </a:pPr>
-            <a:r>
-              <a:rPr lang="en-au" sz="1200"/>
-              <a:t>Esys database</a:t>
-            </a:r>
-            <a:endParaRPr lang="en-au" sz="1200"/>
-          </a:p>
-          <a:p>
-            <a:pPr lvl="1">
-              <a:defRPr lang="en-us"/>
-            </a:pPr>
-            <a:r>
-              <a:rPr lang="en-au" sz="1200"/>
-              <a:t>myGov</a:t>
-            </a:r>
-            <a:br/>
-            <a:endParaRPr lang="en-au" sz="1200"/>
-          </a:p>
-          <a:p>
-            <a:pPr>
-              <a:defRPr lang="en-us"/>
-            </a:pPr>
-            <a:r>
-              <a:rPr lang="en-au" sz="1600"/>
-              <a:t>Use OpenID/OAuth2 standard with JWT token format</a:t>
-            </a:r>
-            <a:endParaRPr lang="en-au" sz="1600"/>
-          </a:p>
-          <a:p>
-            <a:pPr>
-              <a:defRPr lang="en-us"/>
-            </a:pPr>
-            <a:r>
-              <a:rPr lang="en-au" sz="1600"/>
-              <a:t>Allow for custom claims to be added to the token</a:t>
-            </a:r>
-            <a:endParaRPr lang="en-au" sz="1600"/>
-          </a:p>
-          <a:p>
-            <a:pPr>
-              <a:defRPr lang="en-us"/>
-            </a:pPr>
-            <a:r>
-              <a:rPr lang="en-au" sz="1600"/>
-              <a:t>Sign tokens using asymmetric keys</a:t>
-            </a:r>
-            <a:endParaRPr lang="en-au" sz="1600"/>
-          </a:p>
-          <a:p>
-            <a:pPr>
-              <a:defRPr lang="en-us"/>
-            </a:pPr>
-            <a:r>
-              <a:rPr lang="en-au" sz="1600"/>
-              <a:t>Cater for logout</a:t>
-            </a:r>
-            <a:endParaRPr lang="en-au" sz="1600"/>
-          </a:p>
-          <a:p>
-            <a:pPr>
-              <a:defRPr lang="en-us"/>
-            </a:pPr>
-            <a:r>
-              <a:rPr lang="en-au" sz="1600"/>
-              <a:t>Adhere to standards in order to make switching to another security provider seemless</a:t>
-            </a:r>
-            <a:endParaRPr lang="en-au" sz="1600"/>
-          </a:p>
-          <a:p>
-            <a:pPr marL="0" indent="0">
-              <a:buNone/>
-              <a:defRPr lang="en-us"/>
-            </a:pPr>
-            <a:endParaRPr lang="en-au" sz="1600"/>
-          </a:p>
-        </p:txBody>
-      </p:sp>
-    </p:spTree>
-  </p:cSld>
-  <p:clrMapOvr>
-    <a:masterClrMapping/>
-  </p:clrMapOvr>
-  <p:timing>
-    <p:tnLst>
-      <p:par>
-        <p:cTn id="1" dur="indefinite" restart="never" nodeType="tmRoot"/>
-      </p:par>
-    </p:tnLst>
-  </p:timing>
-</p:sld>
-</file>
-
-<file path=ppt/slides/slide4.xml><?xml version="1.0" encoding="utf-8"?>
-<p:sld xmlns:p="http://schemas.openxmlformats.org/presentationml/2006/main" xmlns:p14="http://schemas.microsoft.com/office/powerpoint/2010/main" xmlns:r="http://schemas.openxmlformats.org/officeDocument/2006/relationships" xmlns:a="http://schemas.openxmlformats.org/drawingml/2006/main">
-  <p:cSld>
-    <p:spTree>
-      <p:nvGrpSpPr>
-        <p:cNvPr id="1" name=""/>
-        <p:cNvGrpSpPr/>
-        <p:nvPr/>
-      </p:nvGrpSpPr>
-      <p:grpSpPr>
-        <a:xfrm>
-          <a:off x="0" y="0"/>
-          <a:ext cx="0" cy="0"/>
-          <a:chOff x="0" y="0"/>
-          <a:chExt cx="0" cy="0"/>
-        </a:xfrm>
-      </p:grpSpPr>
-      <p:sp>
-        <p:nvSpPr>
-          <p:cNvPr id="2" name="Title 1"/>
-          <p:cNvSpPr>
-            <a:spLocks noGrp="1" noChangeArrowheads="1"/>
-            <a:extLst>
-              <a:ext uri="smNativeData">
-                <pr:smNativeData xmlns:pr="smNativeData" val="SMDATA_16_n4i/WxMAAAAlAAAAZAAAAA0AAAAAkAAAAEgAAACQAAAASAAAAAAAAAABAAAAAAAAAAEAAABQAAAAAAAAAAAA4D8AAAAAAADgPwAAAAAAAOA/AAAAAAAA4D8AAAAAAADgPwAAAAAAAOA/AAAAAAAA4D8AAAAAAADgPwAAAAAAAOA/AAAAAAAA4D8CAAAAjAAAAAAAAAAAAAAAT4G9DP///wgAAAAAAAAAAAAAAAAAAAAAAAAAAAAAAAAAAAAAZAAAAAEAAABAAAAAAAAAAAAAAAAAAAAAAAAAAAAAAAAAAAAAAAAAAAAAAAAAAAAAAAAAAAAAAAAAAAAAAAAAAAAAAAAAAAAAAAAAAAAAAAAAAAAAAAAAAAAAAAAAAAAAFAAAADwAAAAAAAAAAAAAAAAAAAkUAAAAAQAAABQAAAAUAAAAFAAAAAEAAAAAAAAAZAAAAGQAAAAAAAAAZAAAAGQAAAAVAAAAYAAAAAAAAAAAAAAADwAAACADAAAAAAAAAAAAAAEAAACgMgAAVgcAAKr4//8BAAAAf39/AAEAAABkAAAAAAAAABQAAABAHwAAAAAAACYAAAAAAAAAwOD//wAAAAAmAAAAZAAAABYAAABMAAAAAAAAAAAAAAAEAAAAAAAAAAEAAADu7OEKAAAAACgAAAAoAAAAZAAAAGQAAAAAAAAAzMzMAAAAAABQAAAAUAAAAGQAAABkAAAAAAAAABcAAAAUAAAAAAAAAAAAAAD/fwAA/38AAAAAAAAJAAAABAAAAGcAaAAMAAAAEAAAAAAAAAAAAAAAAAAAAAAAAAAeAAAAaAAAAAAAAAAAAAAAAAAAAAAAAAAAAAAAECcAABAnAAAAAAAAAAAAAAAAAAAAAAAAAAAAAAAAAAAAAAAAAAAAABQAAAAAAAAAwMD/AAAAAABkAAAAMgAAAAAAAABkAAAAAAAAAH9/fwAKAAAAIgAAABgAAAAAAAAAAAAAAAAAAAAAAAAAAAAAAAAAAAAkAAAAJAAAAAAAAAAHAAAAAAAAAAAAAAAAAAAAAAAAAAAAAAAAAAAAf39/ACUAAABYAAAAAAAAAAAAAAAAAAAAAAAAAAAAAAAAAAAAAAAAAAAAAAAAAAAAAAAAAAAAAAA/AAAAAAAAAKCGAQAAAAAAAAAAAAAAAAAMAAAAAQAAAAAAAAAAAAAAAAAAAB8AAABUAAAAT4G9Bf///wEAAAAAAAAAAAAAAAAAAAAAAAAAAAAAAAAAAAAAAAAAAAAAAAJ/f38A7uzhA8zMzADAwP8Af39/AAAAAAAAAAAAAAAAAAAAAAAAAAAAIQAAABgAAAAUAAAA0AIAALEBAABwNQAACAYAABAAAAAmAAAACAAAAAEgAAAAAAAA"/>
-              </a:ext>
-            </a:extLst>
-          </p:cNvSpPr>
-          <p:nvPr>
-            <p:ph type="title"/>
-          </p:nvPr>
-        </p:nvSpPr>
-        <p:spPr>
-          <a:xfrm>
-            <a:off x="457200" y="274955"/>
-            <a:ext cx="8229600" cy="705485"/>
-          </a:xfrm>
-        </p:spPr>
-        <p:txBody>
-          <a:bodyPr vert="horz" wrap="square" lIns="91440" tIns="45720" rIns="91440" bIns="45720" numCol="1" anchor="ctr">
-            <a:prstTxWarp prst="textNoShape">
-              <a:avLst/>
-            </a:prstTxWarp>
-          </a:bodyPr>
-          <a:lstStyle/>
-          <a:p>
-            <a:pPr>
-              <a:defRPr lang="en-us"/>
-            </a:pPr>
-            <a:r>
-              <a:rPr lang="en-au" sz="2800"/>
-              <a:t>As Is - Ride Share </a:t>
-            </a:r>
-            <a:endParaRPr lang="en-au" sz="2800"/>
-          </a:p>
-        </p:txBody>
-      </p:sp>
-      <p:sp>
-        <p:nvSpPr>
-          <p:cNvPr id="3" name="Content Placeholder 2"/>
-          <p:cNvSpPr>
-            <a:spLocks noGrp="1" noChangeArrowheads="1"/>
-            <a:extLst>
-              <a:ext uri="smNativeData">
-                <pr:smNativeData xmlns:pr="smNativeData" val="SMDATA_16_n4i/WxMAAAAlAAAAZAAAAA0AAAAAkAAAAEgAAACQAAAASAAAAAAAAAAAAAAAAAAAAAEAAABQAAAAAAAAAAAA4D8AAAAAAADgPwAAAAAAAOA/AAAAAAAA4D8AAAAAAADgPwAAAAAAAOA/AAAAAAAA4D8AAAAAAADgPwAAAAAAAOA/AAAAAAAA4D8CAAAAjAAAAAAAAAAAAAAAT4G9DP///wgAAAAAAAAAAAAAAAAAAAAAAAAAAAAAAAAAAAAAZAAAAAEAAABAAAAAAAAAAAAAAAAAAAAAAAAAAAAAAAAAAAAAAAAAAAAAAAAAAAAAAAAAAAAAAAAAAAAAAAAAAAAAAAAAAAAAAAAAAAAAAAAAAAAAAAAAAAAAAAAAAAAAFAAAADwAAAAAAAAAAAAAAAAAAAkUAAAAAQAAABQAAAAUAAAAFAAAAAEAAAAAAAAAZAAAAGQAAAAAAAAAZAAAAGQAAAAVAAAAYAAAAAAAAAAAAAAADwAAACADAAAAAAAAAAAAAAEAAACgMgAAVgcAAKr4//8BAAAAf39/AAEAAABkAAAAAAAAABQAAABAHwAAAAAAACYAAAAAAAAAwOD//wAAAAAmAAAAZAAAABYAAABMAAAAAAAAAAAAAAAEAAAAAAAAAAEAAADu7OEKAAAAACgAAAAoAAAAZAAAAGQAAAAAAAAAzMzMAAAAAABQAAAAUAAAAGQAAABkAAAAAAAAABcAAAAUAAAAAAAAAAAAAAD/fwAA/38AAAAAAAAJAAAABAAAAAAAAAAMAAAAEAAAAAAAAAAAAAAAAAAAAAAAAAAeAAAAaAAAAAAAAAAAAAAAAAAAAAAAAAAAAAAAECcAABAnAAAAAAAAAAAAAAAAAAAAAAAAAAAAAAAAAAAAAAAAAAAAABQAAAAAAAAAwMD/AAAAAABkAAAAMgAAAAAAAABkAAAAAAAAAH9/fwAKAAAAIgAAABgAAAAAAAAAAAAAAAAAAAAAAAAAAAAAAAAAAAAkAAAAJAAAAAAAAAAHAAAAAAAAAAAAAAAAAAAAAAAAAAAAAAAAAAAAf39/ACUAAABYAAAAAAAAAAAAAAAAAAAAAAAAAAAAAAAAAAAAAAAAAAAAAAAAAAAAAAAAAAAAAAA/AAAAAAAAAKCGAQAAAAAAAAAAAAAAAAAMAAAAAQAAAAAAAAAAAAAAAAAAAB8AAABUAAAAT4G9Bf///wEAAAAAAAAAAAAAAAAAAAAAAAAAAAAAAAAAAAAAAAAAAAAAAAJ/f38A7uzhA8zMzADAwP8Af39/AAAAAAAAAAAAAAAAAAAAAAAAAAAAIQAAABgAAAAUAAAA0AIAANgJAABwNQAAsCUAABAAAAAmAAAACAAAAAAgAAAAAAAA"/>
-              </a:ext>
-            </a:extLst>
-          </p:cNvSpPr>
-          <p:nvPr>
-            <p:ph type="body" idx="1"/>
-          </p:nvPr>
-        </p:nvSpPr>
-        <p:spPr/>
-        <p:txBody>
-          <a:bodyPr vert="horz" wrap="square" lIns="91440" tIns="45720" rIns="91440" bIns="45720" numCol="1" anchor="t">
-            <a:prstTxWarp prst="textNoShape">
-              <a:avLst/>
-            </a:prstTxWarp>
-          </a:bodyPr>
-          <a:lstStyle/>
-          <a:p>
-            <a:pPr>
-              <a:buFontTx/>
-              <a:buAutoNum type="arabicPeriod"/>
-              <a:defRPr lang="en-us"/>
-            </a:pPr>
-          </a:p>
-        </p:txBody>
-      </p:sp>
-    </p:spTree>
-  </p:cSld>
-  <p:clrMapOvr>
-    <a:masterClrMapping/>
-  </p:clrMapOvr>
-  <p:timing>
-    <p:tnLst>
-      <p:par>
-        <p:cTn id="1" dur="indefinite" restart="never" nodeType="tmRoot"/>
-      </p:par>
-    </p:tnLst>
-  </p:timing>
-</p:sld>
-</file>
-
-<file path=ppt/slides/slide5.xml><?xml version="1.0" encoding="utf-8"?>
-<p:sld xmlns:p="http://schemas.openxmlformats.org/presentationml/2006/main" xmlns:p14="http://schemas.microsoft.com/office/powerpoint/2010/main" xmlns:r="http://schemas.openxmlformats.org/officeDocument/2006/relationships" xmlns:a="http://schemas.openxmlformats.org/drawingml/2006/main">
-  <p:cSld>
-    <p:spTree>
-      <p:nvGrpSpPr>
-        <p:cNvPr id="1" name=""/>
-        <p:cNvGrpSpPr/>
-        <p:nvPr/>
-      </p:nvGrpSpPr>
-      <p:grpSpPr>
-        <a:xfrm>
-          <a:off x="0" y="0"/>
-          <a:ext cx="0" cy="0"/>
-          <a:chOff x="0" y="0"/>
-          <a:chExt cx="0" cy="0"/>
-        </a:xfrm>
-      </p:grpSpPr>
-      <p:sp>
-        <p:nvSpPr>
-          <p:cNvPr id="2" name="Title 1"/>
-          <p:cNvSpPr>
-            <a:spLocks noGrp="1" noChangeArrowheads="1"/>
-            <a:extLst>
-              <a:ext uri="smNativeData">
-                <pr:smNativeData xmlns:pr="smNativeData" val="SMDATA_16_n4i/WxMAAAAlAAAAZAAAAA0AAAAAkAAAAEgAAACQAAAASAAAAAAAAAABAAAAAAAAAAEAAABQAAAAAAAAAAAA4D8AAAAAAADgPwAAAAAAAOA/AAAAAAAA4D8AAAAAAADgPwAAAAAAAOA/AAAAAAAA4D8AAAAAAADgPwAAAAAAAOA/AAAAAAAA4D8CAAAAjAAAAAAAAAAAAAAAT4G9DP///wgAAAAAAAAAAAAAAAAAAAAAAAAAAAAAAAAAAAAAZAAAAAEAAABAAAAAAAAAAAAAAAAAAAAAAAAAAAAAAAAAAAAAAAAAAAAAAAAAAAAAAAAAAAAAAAAAAAAAAAAAAAAAAAAAAAAAAAAAAAAAAAAAAAAAAAAAAAAAAAAAAAAAFAAAADwAAAAAAAAAAAAAAAAAAAkUAAAAAQAAABQAAAAUAAAAFAAAAAEAAAAAAAAAZAAAAGQAAAAAAAAAZAAAAGQAAAAVAAAAYAAAAAAAAAAAAAAADwAAACADAAAAAAAAAAAAAAEAAACgMgAAVgcAAKr4//8BAAAAf39/AAEAAABkAAAAAAAAABQAAABAHwAAAAAAACYAAAAAAAAAwOD//wAAAAAmAAAAZAAAABYAAABMAAAAAAAAAAAAAAAEAAAAAAAAAAEAAADu7OEKAAAAACgAAAAoAAAAZAAAAGQAAAAAAAAAzMzMAAAAAABQAAAAUAAAAGQAAABkAAAAAAAAABcAAAAUAAAAAAAAAAAAAAD/fwAA/38AAAAAAAAJAAAABAAAAAAAAAAMAAAAEAAAAAAAAAAAAAAAAAAAAAAAAAAeAAAAaAAAAAAAAAAAAAAAAAAAAAAAAAAAAAAAECcAABAnAAAAAAAAAAAAAAAAAAAAAAAAAAAAAAAAAAAAAAAAAAAAABQAAAAAAAAAwMD/AAAAAABkAAAAMgAAAAAAAABkAAAAAAAAAH9/fwAKAAAAIgAAABgAAAAAAAAAAAAAAAAAAAAAAAAAAAAAAAAAAAAkAAAAJAAAAAAAAAAHAAAAAAAAAAAAAAAAAAAAAAAAAAAAAAAAAAAAf39/ACUAAABYAAAAAAAAAAAAAAAAAAAAAAAAAAAAAAAAAAAAAAAAAAAAAAAAAAAAAAAAAAAAAAA/AAAAAAAAAKCGAQAAAAAAAAAAAAAAAAAMAAAAAQAAAAAAAAAAAAAAAAAAAB8AAABUAAAAT4G9Bf///wEAAAAAAAAAAAAAAAAAAAAAAAAAAAAAAAAAAAAAAAAAAAAAAAJ/f38A7uzhA8zMzADAwP8Af39/AAAAAAAAAAAAAAAAAAAAAAAAAAAAIQAAABgAAAAUAAAA0AIAALEBAABwNQAACAYAABAAAAAmAAAACAAAAAEgAAAAAAAA"/>
-              </a:ext>
-            </a:extLst>
-          </p:cNvSpPr>
-          <p:nvPr>
-            <p:ph type="title"/>
-          </p:nvPr>
-        </p:nvSpPr>
-        <p:spPr>
-          <a:xfrm>
-            <a:off x="457200" y="274955"/>
-            <a:ext cx="8229600" cy="705485"/>
-          </a:xfrm>
-        </p:spPr>
-        <p:txBody>
-          <a:bodyPr vert="horz" wrap="square" lIns="91440" tIns="45720" rIns="91440" bIns="45720" numCol="1" anchor="ctr">
-            <a:prstTxWarp prst="textNoShape">
-              <a:avLst/>
-            </a:prstTxWarp>
-          </a:bodyPr>
-          <a:lstStyle/>
-          <a:p>
-            <a:pPr>
-              <a:defRPr lang="en-us"/>
-            </a:pPr>
-            <a:r>
-              <a:rPr lang="en-au" sz="2800"/>
-              <a:t>As Is - Objections  / AutoPay 2</a:t>
-            </a:r>
-            <a:endParaRPr lang="en-au" sz="2800"/>
-          </a:p>
-        </p:txBody>
-      </p:sp>
-      <p:sp>
-        <p:nvSpPr>
-          <p:cNvPr id="3" name="Content Placeholder 2"/>
-          <p:cNvSpPr>
-            <a:spLocks noGrp="1" noChangeArrowheads="1"/>
-            <a:extLst>
-              <a:ext uri="smNativeData">
-                <pr:smNativeData xmlns:pr="smNativeData" val="SMDATA_16_n4i/WxMAAAAlAAAAZAAAAA0AAAAAkAAAAEgAAACQAAAASAAAAAAAAAAAAAAAAAAAAAEAAABQAAAAAAAAAAAA4D8AAAAAAADgPwAAAAAAAOA/AAAAAAAA4D8AAAAAAADgPwAAAAAAAOA/AAAAAAAA4D8AAAAAAADgPwAAAAAAAOA/AAAAAAAA4D8CAAAAjAAAAAAAAAAAAAAAT4G9DP///wgAAAAAAAAAAAAAAAAAAAAAAAAAAAAAAAAAAAAAZAAAAAEAAABAAAAAAAAAAAAAAAAAAAAAAAAAAAAAAAAAAAAAAAAAAAAAAAAAAAAAAAAAAAAAAAAAAAAAAAAAAAAAAAAAAAAAAAAAAAAAAAAAAAAAAAAAAAAAAAAAAAAAFAAAADwAAAAAAAAAAAAAAAAAAAkUAAAAAQAAABQAAAAUAAAAFAAAAAEAAAAAAAAAZAAAAGQAAAAAAAAAZAAAAGQAAAAVAAAAYAAAAAAAAAAAAAAADwAAACADAAAAAAAAAAAAAAEAAACgMgAAVgcAAKr4//8BAAAAf39/AAEAAABkAAAAAAAAABQAAABAHwAAAAAAACYAAAAAAAAAwOD//wAAAAAmAAAAZAAAABYAAABMAAAAAAAAAAAAAAAEAAAAAAAAAAEAAADu7OEKAAAAACgAAAAoAAAAZAAAAGQAAAAAAAAAzMzMAAAAAABQAAAAUAAAAGQAAABkAAAAAAAAABcAAAAUAAAAAAAAAAAAAAD/fwAA/38AAAAAAAAJAAAABAAAAAAAAAAMAAAAEAAAAAAAAAAAAAAAAAAAAAAAAAAeAAAAaAAAAAAAAAAAAAAAAAAAAAAAAAAAAAAAECcAABAnAAAAAAAAAAAAAAAAAAAAAAAAAAAAAAAAAAAAAAAAAAAAABQAAAAAAAAAwMD/AAAAAABkAAAAMgAAAAAAAABkAAAAAAAAAH9/fwAKAAAAIgAAABgAAAAAAAAAAAAAAAAAAAAAAAAAAAAAAAAAAAAkAAAAJAAAAAAAAAAHAAAAAAAAAAAAAAAAAAAAAAAAAAAAAAAAAAAAf39/ACUAAABYAAAAAAAAAAAAAAAAAAAAAAAAAAAAAAAAAAAAAAAAAAAAAAAAAAAAAAAAAAAAAAA/AAAAAAAAAKCGAQAAAAAAAAAAAAAAAAAMAAAAAQAAAAAAAAAAAAAAAAAAAB8AAABUAAAAT4G9Bf///wEAAAAAAAAAAAAAAAAAAAAAAAAAAAAAAAAAAAAAAAAAAAAAAAJ/f38A7uzhA8zMzADAwP8Af39/AAAAAAAAAAAAAAAAAAAAAAAAAAAAIQAAABgAAAAUAAAA0AIAANgJAABwNQAAsCUAABAAAAAmAAAACAAAAAAgAAAAAAAA"/>
-              </a:ext>
-            </a:extLst>
-          </p:cNvSpPr>
-          <p:nvPr>
-            <p:ph type="body" idx="1"/>
-          </p:nvPr>
-        </p:nvSpPr>
-        <p:spPr/>
-        <p:txBody>
-          <a:bodyPr vert="horz" wrap="square" lIns="91440" tIns="45720" rIns="91440" bIns="45720" numCol="1" anchor="t">
-            <a:prstTxWarp prst="textNoShape">
-              <a:avLst/>
-            </a:prstTxWarp>
-          </a:bodyPr>
-          <a:lstStyle/>
-          <a:p>
-            <a:pPr>
-              <a:buFontTx/>
-              <a:buAutoNum type="arabicPeriod"/>
-              <a:defRPr lang="en-us"/>
-            </a:pPr>
-          </a:p>
-        </p:txBody>
-      </p:sp>
-    </p:spTree>
-  </p:cSld>
-  <p:clrMapOvr>
-    <a:masterClrMapping/>
-  </p:clrMapOvr>
-  <p:timing>
-    <p:tnLst>
-      <p:par>
-        <p:cTn id="1" dur="indefinite" restart="never" nodeType="tmRoot"/>
-      </p:par>
-    </p:tnLst>
-  </p:timing>
-</p:sld>
-</file>
-
-<file path=ppt/slides/slide6.xml><?xml version="1.0" encoding="utf-8"?>
-<p:sld xmlns:p="http://schemas.openxmlformats.org/presentationml/2006/main" xmlns:p14="http://schemas.microsoft.com/office/powerpoint/2010/main" xmlns:r="http://schemas.openxmlformats.org/officeDocument/2006/relationships" xmlns:a="http://schemas.openxmlformats.org/drawingml/2006/main">
-  <p:cSld>
-    <p:spTree>
-      <p:nvGrpSpPr>
-        <p:cNvPr id="1" name=""/>
-        <p:cNvGrpSpPr/>
-        <p:nvPr/>
-      </p:nvGrpSpPr>
-      <p:grpSpPr>
-        <a:xfrm>
-          <a:off x="0" y="0"/>
-          <a:ext cx="0" cy="0"/>
-          <a:chOff x="0" y="0"/>
-          <a:chExt cx="0" cy="0"/>
-        </a:xfrm>
-      </p:grpSpPr>
-      <p:sp>
-        <p:nvSpPr>
-          <p:cNvPr id="2" name="Title 1"/>
-          <p:cNvSpPr>
-            <a:spLocks noGrp="1" noChangeArrowheads="1"/>
-            <a:extLst>
-              <a:ext uri="smNativeData">
-                <pr:smNativeData xmlns:pr="smNativeData" val="SMDATA_16_n4i/WxMAAAAlAAAAZAAAAA0AAAAAkAAAAEgAAACQAAAASAAAAAAAAAABAAAAAAAAAAEAAABQAAAAAAAAAAAA4D8AAAAAAADgPwAAAAAAAOA/AAAAAAAA4D8AAAAAAADgPwAAAAAAAOA/AAAAAAAA4D8AAAAAAADgPwAAAAAAAOA/AAAAAAAA4D8CAAAAjAAAAAAAAAAAAAAAT4G9DP///wgAAAAAAAAAAAAAAAAAAAAAAAAAAAAAAAAAAAAAZAAAAAEAAABAAAAAAAAAAAAAAAAAAAAAAAAAAAAAAAAAAAAAAAAAAAAAAAAAAAAAAAAAAAAAAAAAAAAAAAAAAAAAAAAAAAAAAAAAAAAAAAAAAAAAAAAAAAAAAAAAAAAAFAAAADwAAAAAAAAAAAAAAAAAAAkUAAAAAQAAABQAAAAUAAAAFAAAAAEAAAAAAAAAZAAAAGQAAAAAAAAAZAAAAGQAAAAVAAAAYAAAAAAAAAAAAAAADwAAACADAAAAAAAAAAAAAAEAAACgMgAAVgcAAKr4//8BAAAAf39/AAEAAABkAAAAAAAAABQAAABAHwAAAAAAACYAAAAAAAAAwOD//wAAAAAmAAAAZAAAABYAAABMAAAAAAAAAAAAAAAEAAAAAAAAAAEAAADu7OEKAAAAACgAAAAoAAAAZAAAAGQAAAAAAAAAzMzMAAAAAABQAAAAUAAAAGQAAABkAAAAAAAAABcAAAAUAAAAAAAAAAAAAAD/fwAA/38AAAAAAAAJAAAABAAAAAYAAAAMAAAAEAAAAAAAAAAAAAAAAAAAAAAAAAAeAAAAaAAAAAAAAAAAAAAAAAAAAAAAAAAAAAAAECcAABAnAAAAAAAAAAAAAAAAAAAAAAAAAAAAAAAAAAAAAAAAAAAAABQAAAAAAAAAwMD/AAAAAABkAAAAMgAAAAAAAABkAAAAAAAAAH9/fwAKAAAAIgAAABgAAAAAAAAAAAAAAAAAAAAAAAAAAAAAAAAAAAAkAAAAJAAAAAAAAAAHAAAAAAAAAAAAAAAAAAAAAAAAAAAAAAAAAAAAf39/ACUAAABYAAAAAAAAAAAAAAAAAAAAAAAAAAAAAAAAAAAAAAAAAAAAAAAAAAAAAAAAAAAAAAA/AAAAAAAAAKCGAQAAAAAAAAAAAAAAAAAMAAAAAQAAAAAAAAAAAAAAAAAAAB8AAABUAAAAT4G9Bf///wEAAAAAAAAAAAAAAAAAAAAAAAAAAAAAAAAAAAAAAAAAAAAAAAJ/f38A7uzhA8zMzADAwP8Af39/AAAAAAAAAAAAAAAAAAAAAAAAAAAAIQAAABgAAAAUAAAA0AIAALEBAABwNQAACAYAABAAAAAmAAAACAAAAAEgAAAAAAAA"/>
-              </a:ext>
-            </a:extLst>
-          </p:cNvSpPr>
-          <p:nvPr>
-            <p:ph type="title"/>
-          </p:nvPr>
-        </p:nvSpPr>
-        <p:spPr>
-          <a:xfrm>
-            <a:off x="457200" y="274955"/>
-            <a:ext cx="8229600" cy="705485"/>
-          </a:xfrm>
-        </p:spPr>
-        <p:txBody>
-          <a:bodyPr vert="horz" wrap="square" lIns="91440" tIns="45720" rIns="91440" bIns="45720" numCol="1" anchor="ctr">
-            <a:prstTxWarp prst="textNoShape">
-              <a:avLst/>
-            </a:prstTxWarp>
-          </a:bodyPr>
-          <a:lstStyle/>
-          <a:p>
-            <a:pPr>
-              <a:defRPr lang="en-us"/>
-            </a:pPr>
-            <a:r>
-              <a:rPr lang="en-au" sz="2800"/>
-              <a:t>As Is – Wagering and Betting</a:t>
-            </a:r>
-            <a:endParaRPr lang="en-au" sz="2800"/>
-          </a:p>
-        </p:txBody>
-      </p:sp>
-      <p:sp>
-        <p:nvSpPr>
-          <p:cNvPr id="3" name="Content Placeholder 2"/>
-          <p:cNvSpPr>
-            <a:spLocks noGrp="1" noChangeArrowheads="1"/>
-            <a:extLst>
-              <a:ext uri="smNativeData">
-                <pr:smNativeData xmlns:pr="smNativeData" val="SMDATA_16_n4i/WxMAAAAlAAAAZAAAAA0AAAAAkAAAAEgAAACQAAAASAAAAAAAAAAAAAAAAAAAAAEAAABQAAAAAAAAAAAA4D8AAAAAAADgPwAAAAAAAOA/AAAAAAAA4D8AAAAAAADgPwAAAAAAAOA/AAAAAAAA4D8AAAAAAADgPwAAAAAAAOA/AAAAAAAA4D8CAAAAjAAAAAAAAAAAAAAAT4G9DP///wgAAAAAAAAAAAAAAAAAAAAAAAAAAAAAAAAAAAAAZAAAAAEAAABAAAAAAAAAAAAAAAAAAAAAAAAAAAAAAAAAAAAAAAAAAAAAAAAAAAAAAAAAAAAAAAAAAAAAAAAAAAAAAAAAAAAAAAAAAAAAAAAAAAAAAAAAAAAAAAAAAAAAFAAAADwAAAAAAAAAAAAAAAAAAAkUAAAAAQAAABQAAAAUAAAAFAAAAAEAAAAAAAAAZAAAAGQAAAAAAAAAZAAAAGQAAAAVAAAAYAAAAAAAAAAAAAAADwAAACADAAAAAAAAAAAAAAEAAACgMgAAVgcAAKr4//8BAAAAf39/AAEAAABkAAAAAAAAABQAAABAHwAAAAAAACYAAAAAAAAAwOD//wAAAAAmAAAAZAAAABYAAABMAAAAAAAAAAAAAAAEAAAAAAAAAAEAAADu7OEKAAAAACgAAAAoAAAAZAAAAGQAAAAAAAAAzMzMAAAAAABQAAAAUAAAAGQAAABkAAAAAAAAABcAAAAUAAAAAAAAAAAAAAD/fwAA/38AAAAAAAAJAAAABAAAAAAAAAAMAAAAEAAAAAAAAAAAAAAAAAAAAAAAAAAeAAAAaAAAAAAAAAAAAAAAAAAAAAAAAAAAAAAAECcAABAnAAAAAAAAAAAAAAAAAAAAAAAAAAAAAAAAAAAAAAAAAAAAABQAAAAAAAAAwMD/AAAAAABkAAAAMgAAAAAAAABkAAAAAAAAAH9/fwAKAAAAIgAAABgAAAAAAAAAAAAAAAAAAAAAAAAAAAAAAAAAAAAkAAAAJAAAAAAAAAAHAAAAAAAAAAAAAAAAAAAAAAAAAAAAAAAAAAAAf39/ACUAAABYAAAAAAAAAAAAAAAAAAAAAAAAAAAAAAAAAAAAAAAAAAAAAAAAAAAAAAAAAAAAAAA/AAAAAAAAAKCGAQAAAAAAAAAAAAAAAAAMAAAAAQAAAAAAAAAAAAAAAAAAAB8AAABUAAAAT4G9Bf///wEAAAAAAAAAAAAAAAAAAAAAAAAAAAAAAAAAAAAAAAAAAAAAAAJ/f38A7uzhA8zMzADAwP8Af39/AAAAAAAAAAAAAAAAAAAAAAAAAAAAIQAAABgAAAAUAAAA0AIAANgJAABwNQAAsCUAABAAAAAmAAAACAAAAAAgAAAAAAAA"/>
-              </a:ext>
-            </a:extLst>
-          </p:cNvSpPr>
-          <p:nvPr>
-            <p:ph type="body" idx="1"/>
-          </p:nvPr>
-        </p:nvSpPr>
-        <p:spPr/>
-        <p:txBody>
-          <a:bodyPr vert="horz" wrap="square" lIns="91440" tIns="45720" rIns="91440" bIns="45720" numCol="1" anchor="t">
-            <a:prstTxWarp prst="textNoShape">
-              <a:avLst/>
-            </a:prstTxWarp>
-          </a:bodyPr>
-          <a:lstStyle/>
-          <a:p>
-            <a:pPr>
-              <a:buFontTx/>
-              <a:buAutoNum type="arabicPeriod"/>
-              <a:defRPr lang="en-us"/>
-            </a:pPr>
-          </a:p>
-        </p:txBody>
-      </p:sp>
-    </p:spTree>
-  </p:cSld>
-  <p:clrMapOvr>
-    <a:masterClrMapping/>
-  </p:clrMapOvr>
-  <p:timing>
-    <p:tnLst>
-      <p:par>
-        <p:cTn id="1" dur="indefinite" restart="never" nodeType="tmRoot"/>
-      </p:par>
-    </p:tnLst>
-  </p:timing>
-</p:sld>
-</file>
-
-<file path=ppt/slides/slide7.xml><?xml version="1.0" encoding="utf-8"?>
-<p:sld xmlns:p="http://schemas.openxmlformats.org/presentationml/2006/main" xmlns:p14="http://schemas.microsoft.com/office/powerpoint/2010/main" xmlns:r="http://schemas.openxmlformats.org/officeDocument/2006/relationships" xmlns:a="http://schemas.openxmlformats.org/drawingml/2006/main">
-  <p:cSld>
-    <p:spTree>
-      <p:nvGrpSpPr>
-        <p:cNvPr id="1" name=""/>
-        <p:cNvGrpSpPr/>
-        <p:nvPr/>
-      </p:nvGrpSpPr>
-      <p:grpSpPr>
-        <a:xfrm>
-          <a:off x="0" y="0"/>
-          <a:ext cx="0" cy="0"/>
-          <a:chOff x="0" y="0"/>
-          <a:chExt cx="0" cy="0"/>
-        </a:xfrm>
-      </p:grpSpPr>
-      <p:sp>
-        <p:nvSpPr>
-          <p:cNvPr id="2" name="Title 1"/>
-          <p:cNvSpPr>
-            <a:spLocks noGrp="1" noChangeArrowheads="1"/>
-            <a:extLst>
-              <a:ext uri="smNativeData">
-                <pr:smNativeData xmlns:pr="smNativeData" val="SMDATA_16_n4i/WxMAAAAlAAAAZAAAAA0AAAAAkAAAAEgAAACQAAAASAAAAAAAAAABAAAAAAAAAAEAAABQAAAAAAAAAAAA4D8AAAAAAADgPwAAAAAAAOA/AAAAAAAA4D8AAAAAAADgPwAAAAAAAOA/AAAAAAAA4D8AAAAAAADgPwAAAAAAAOA/AAAAAAAA4D8CAAAAjAAAAAAAAAAAAAAAT4G9DP///wgAAAAAAAAAAAAAAAAAAAAAAAAAAAAAAAAAAAAAZAAAAAEAAABAAAAAAAAAAAAAAAAAAAAAAAAAAAAAAAAAAAAAAAAAAAAAAAAAAAAAAAAAAAAAAAAAAAAAAAAAAAAAAAAAAAAAAAAAAAAAAAAAAAAAAAAAAAAAAAAAAAAAFAAAADwAAAAAAAAAAAAAAAAAAAkUAAAAAQAAABQAAAAUAAAAFAAAAAEAAAAAAAAAZAAAAGQAAAAAAAAAZAAAAGQAAAAVAAAAYAAAAAAAAAAAAAAADwAAACADAAAAAAAAAAAAAAEAAACgMgAAVgcAAKr4//8BAAAAf39/AAEAAABkAAAAAAAAABQAAABAHwAAAAAAACYAAAAAAAAAwOD//wAAAAAmAAAAZAAAABYAAABMAAAAAAAAAAAAAAAEAAAAAAAAAAEAAADu7OEKAAAAACgAAAAoAAAAZAAAAGQAAAAAAAAAzMzMAAAAAABQAAAAUAAAAGQAAABkAAAAAAAAABcAAAAUAAAAAAAAAAAAAAD/fwAA/38AAAAAAAAJAAAABAAAAGcAaAAMAAAAEAAAAAAAAAAAAAAAAAAAAAAAAAAeAAAAaAAAAAAAAAAAAAAAAAAAAAAAAAAAAAAAECcAABAnAAAAAAAAAAAAAAAAAAAAAAAAAAAAAAAAAAAAAAAAAAAAABQAAAAAAAAAwMD/AAAAAABkAAAAMgAAAAAAAABkAAAAAAAAAH9/fwAKAAAAIgAAABgAAAAAAAAAAAAAAAAAAAAAAAAAAAAAAAAAAAAkAAAAJAAAAAAAAAAHAAAAAAAAAAAAAAAAAAAAAAAAAAAAAAAAAAAAf39/ACUAAABYAAAAAAAAAAAAAAAAAAAAAAAAAAAAAAAAAAAAAAAAAAAAAAAAAAAAAAAAAAAAAAA/AAAAAAAAAKCGAQAAAAAAAAAAAAAAAAAMAAAAAQAAAAAAAAAAAAAAAAAAAB8AAABUAAAAT4G9Bf///wEAAAAAAAAAAAAAAAAAAAAAAAAAAAAAAAAAAAAAAAAAAAAAAAJ/f38A7uzhA8zMzADAwP8Af39/AAAAAAAAAAAAAAAAAAAAAAAAAAAAIQAAABgAAAAUAAAA0AIAALEBAABwNQAACAYAABAAAAAmAAAACAAAAAEgAAAAAAAA"/>
-              </a:ext>
-            </a:extLst>
-          </p:cNvSpPr>
-          <p:nvPr>
-            <p:ph type="title"/>
-          </p:nvPr>
-        </p:nvSpPr>
-        <p:spPr>
-          <a:xfrm>
-            <a:off x="457200" y="274955"/>
-            <a:ext cx="8229600" cy="705485"/>
-          </a:xfrm>
-        </p:spPr>
-        <p:txBody>
-          <a:bodyPr vert="horz" wrap="square" lIns="91440" tIns="45720" rIns="91440" bIns="45720" numCol="1" anchor="ctr">
-            <a:prstTxWarp prst="textNoShape">
-              <a:avLst/>
-            </a:prstTxWarp>
-          </a:bodyPr>
-          <a:lstStyle/>
-          <a:p>
-            <a:pPr>
-              <a:defRPr lang="en-us"/>
-            </a:pPr>
-            <a:r>
-              <a:rPr lang="en-au" sz="2800"/>
-              <a:t>Options</a:t>
-            </a:r>
-            <a:endParaRPr lang="en-au" sz="2800"/>
-          </a:p>
-        </p:txBody>
-      </p:sp>
-      <p:sp>
-        <p:nvSpPr>
-          <p:cNvPr id="3" name="Content Placeholder 2"/>
-          <p:cNvSpPr>
-            <a:spLocks noGrp="1" noChangeArrowheads="1"/>
-            <a:extLst>
-              <a:ext uri="smNativeData">
-                <pr:smNativeData xmlns:pr="smNativeData" val="SMDATA_16_n4i/WxMAAAAlAAAAZAAAAA0AAAAAkAAAAEgAAACQAAAASAAAAAAAAAAAAAAAAAAAAAEAAABQAAAAAAAAAAAA4D8AAAAAAADgPwAAAAAAAOA/AAAAAAAA4D8AAAAAAADgPwAAAAAAAOA/AAAAAAAA4D8AAAAAAADgPwAAAAAAAOA/AAAAAAAA4D8CAAAAjAAAAAAAAAAAAAAAT4G9DP///wgAAAAAAAAAAAAAAAAAAAAAAAAAAAAAAAAAAAAAZAAAAAEAAABAAAAAAAAAAAAAAAAAAAAAAAAAAAAAAAAAAAAAAAAAAAAAAAAAAAAAAAAAAAAAAAAAAAAAAAAAAAAAAAAAAAAAAAAAAAAAAAAAAAAAAAAAAAAAAAAAAAAAFAAAADwAAAAAAAAAAAAAAAAAAAkUAAAAAQAAABQAAAAUAAAAFAAAAAEAAAAAAAAAZAAAAGQAAAAAAAAAZAAAAGQAAAAVAAAAYAAAAAAAAAAAAAAADwAAACADAAAAAAAAAAAAAAEAAACgMgAAVgcAAKr4//8BAAAAf39/AAEAAABkAAAAAAAAABQAAABAHwAAAAAAACYAAAAAAAAAwOD//wAAAAAmAAAAZAAAABYAAABMAAAAAAAAAAAAAAAEAAAAAAAAAAEAAADu7OEKAAAAACgAAAAoAAAAZAAAAGQAAAAAAAAAzMzMAAAAAABQAAAAUAAAAGQAAABkAAAAAAAAABcAAAAUAAAAAAAAAAAAAAD/fwAA/38AAAAAAAAJAAAABAAAAGcAaAAMAAAAEAAAAAAAAAAAAAAAAAAAAAAAAAAeAAAAaAAAAAAAAAAAAAAAAAAAAAAAAAAAAAAAECcAABAnAAAAAAAAAAAAAAAAAAAAAAAAAAAAAAAAAAAAAAAAAAAAABQAAAAAAAAAwMD/AAAAAABkAAAAMgAAAAAAAABkAAAAAAAAAH9/fwAKAAAAIgAAABgAAAAAAAAAAAAAAAAAAAAAAAAAAAAAAAAAAAAkAAAAJAAAAAAAAAAHAAAAAAAAAAAAAAAAAAAAAAAAAAAAAAAAAAAAf39/ACUAAABYAAAAAAAAAAAAAAAAAAAAAAAAAAAAAAAAAAAAAAAAAAAAAAAAAAAAAAAAAAAAAAA/AAAAAAAAAKCGAQAAAAAAAAAAAAAAAAAMAAAAAQAAAAAAAAAAAAAAAAAAAB8AAABUAAAAT4G9Bf///wEAAAAAAAAAAAAAAAAAAAAAAAAAAAAAAAAAAAAAAAAAAAAAAAJ/f38A7uzhA8zMzADAwP8Af39/AAAAAAAAAAAAAAAAAAAAAAAAAAAAIQAAABgAAAAUAAAA0AIAANgJAABwNQAAsCUAABAAAAAmAAAACAAAAAAgAAAAAAAA"/>
-              </a:ext>
-            </a:extLst>
-          </p:cNvSpPr>
-          <p:nvPr>
-            <p:ph type="body" idx="1"/>
-          </p:nvPr>
-        </p:nvSpPr>
-        <p:spPr/>
-        <p:txBody>
-          <a:bodyPr vert="horz" wrap="square" lIns="91440" tIns="45720" rIns="91440" bIns="45720" numCol="1" anchor="t">
-            <a:prstTxWarp prst="textNoShape">
-              <a:avLst/>
-            </a:prstTxWarp>
-          </a:bodyPr>
-          <a:lstStyle/>
-          <a:p>
-            <a:pPr>
-              <a:buFontTx/>
-              <a:buAutoNum type="arabicPeriod"/>
-              <a:defRPr lang="en-us"/>
-            </a:pPr>
-            <a:r>
-              <a:rPr lang="en-au" sz="1600"/>
-              <a:t>Embedded library component with token generation and token store capability</a:t>
-            </a:r>
-            <a:endParaRPr lang="en-au" sz="1600"/>
-          </a:p>
-          <a:p>
-            <a:pPr>
-              <a:buFontTx/>
-              <a:buAutoNum type="arabicPeriod"/>
-              <a:defRPr lang="en-us"/>
-            </a:pPr>
-            <a:r>
-              <a:rPr lang="en-au" sz="1600"/>
-              <a:t>External authorisation service that can be accessed by multiple applications at run time</a:t>
-            </a:r>
-            <a:endParaRPr lang="en-au" sz="1600"/>
-          </a:p>
-          <a:p>
-            <a:pPr>
-              <a:buFontTx/>
-              <a:buAutoNum type="arabicPeriod"/>
-              <a:defRPr lang="en-us"/>
-            </a:pPr>
-            <a:r>
-              <a:rPr lang="en-au" sz="1600"/>
-              <a:t>Third party security product</a:t>
-            </a:r>
-            <a:endParaRPr lang="en-au" sz="1600"/>
-          </a:p>
-        </p:txBody>
-      </p:sp>
-    </p:spTree>
-  </p:cSld>
-  <p:clrMapOvr>
-    <a:masterClrMapping/>
-  </p:clrMapOvr>
-  <p:timing>
-    <p:tnLst>
-      <p:par>
-        <p:cTn id="1" dur="indefinite" restart="never" nodeType="tmRoot"/>
-      </p:par>
-    </p:tnLst>
-  </p:timing>
-</p:sld>
-</file>
-
-<file path=ppt/slides/slide8.xml><?xml version="1.0" encoding="utf-8"?>
-<p:sld xmlns:p="http://schemas.openxmlformats.org/presentationml/2006/main" xmlns:p14="http://schemas.microsoft.com/office/powerpoint/2010/main" xmlns:r="http://schemas.openxmlformats.org/officeDocument/2006/relationships" xmlns:a="http://schemas.openxmlformats.org/drawingml/2006/main">
-  <p:cSld>
-    <p:spTree>
-      <p:nvGrpSpPr>
-        <p:cNvPr id="1" name=""/>
-        <p:cNvGrpSpPr/>
-        <p:nvPr/>
-      </p:nvGrpSpPr>
-      <p:grpSpPr>
-        <a:xfrm>
-          <a:off x="0" y="0"/>
-          <a:ext cx="0" cy="0"/>
-          <a:chOff x="0" y="0"/>
-          <a:chExt cx="0" cy="0"/>
-        </a:xfrm>
-      </p:grpSpPr>
-      <p:sp>
-        <p:nvSpPr>
-          <p:cNvPr id="2" name="Title 1"/>
-          <p:cNvSpPr>
-            <a:spLocks noGrp="1" noChangeArrowheads="1"/>
-            <a:extLst>
-              <a:ext uri="smNativeData">
-                <pr:smNativeData xmlns:pr="smNativeData" val="SMDATA_16_n4i/WxMAAAAlAAAAZAAAAA0AAAAAkAAAAEgAAACQAAAASAAAAAAAAAABAAAAAAAAAAEAAABQAAAAAAAAAAAA4D8AAAAAAADgPwAAAAAAAOA/AAAAAAAA4D8AAAAAAADgPwAAAAAAAOA/AAAAAAAA4D8AAAAAAADgPwAAAAAAAOA/AAAAAAAA4D8CAAAAjAAAAAAAAAAAAAAAT4G9DP///wgAAAAAAAAAAAAAAAAAAAAAAAAAAAAAAAAAAAAAZAAAAAEAAABAAAAAAAAAAAAAAAAAAAAAAAAAAAAAAAAAAAAAAAAAAAAAAAAAAAAAAAAAAAAAAAAAAAAAAAAAAAAAAAAAAAAAAAAAAAAAAAAAAAAAAAAAAAAAAAAAAAAAFAAAADwAAAAAAAAAAAAAAAAAAAkUAAAAAQAAABQAAAAUAAAAFAAAAAEAAAAAAAAAZAAAAGQAAAAAAAAAZAAAAGQAAAAVAAAAYAAAAAAAAAAAAAAADwAAACADAAAAAAAAAAAAAAEAAACgMgAAVgcAAKr4//8BAAAAf39/AAEAAABkAAAAAAAAABQAAABAHwAAAAAAACYAAAAAAAAAwOD//wAAAAAmAAAAZAAAABYAAABMAAAAAAAAAAAAAAAEAAAAAAAAAAEAAADu7OEKAAAAACgAAAAoAAAAZAAAAGQAAAAAAAAAzMzMAAAAAABQAAAAUAAAAGQAAABkAAAAAAAAABcAAAAUAAAAAAAAAAAAAAD/fwAA/38AAAAAAAAJAAAABAAAAGcAaAAMAAAAEAAAAAAAAAAAAAAAAAAAAAAAAAAeAAAAaAAAAAAAAAAAAAAAAAAAAAAAAAAAAAAAECcAABAnAAAAAAAAAAAAAAAAAAAAAAAAAAAAAAAAAAAAAAAAAAAAABQAAAAAAAAAwMD/AAAAAABkAAAAMgAAAAAAAABkAAAAAAAAAH9/fwAKAAAAIgAAABgAAAAAAAAAAAAAAAAAAAAAAAAAAAAAAAAAAAAkAAAAJAAAAAAAAAAHAAAAAAAAAAAAAAAAAAAAAAAAAAAAAAAAAAAAf39/ACUAAABYAAAAAAAAAAAAAAAAAAAAAAAAAAAAAAAAAAAAAAAAAAAAAAAAAAAAAAAAAAAAAAA/AAAAAAAAAKCGAQAAAAAAAAAAAAAAAAAMAAAAAQAAAAAAAAAAAAAAAAAAAB8AAABUAAAAT4G9Bf///wEAAAAAAAAAAAAAAAAAAAAAAAAAAAAAAAAAAAAAAAAAAAAAAAJ/f38A7uzhA8zMzADAwP8Af39/AAAAAAAAAAAAAAAAAAAAAAAAAAAAIQAAABgAAAAUAAAA0AIAALEBAABwNQAACAYAABAAAAAmAAAACAAAAAEgAAAAAAAA"/>
-              </a:ext>
-            </a:extLst>
-          </p:cNvSpPr>
-          <p:nvPr>
-            <p:ph type="title"/>
-          </p:nvPr>
-        </p:nvSpPr>
-        <p:spPr>
-          <a:xfrm>
-            <a:off x="457200" y="274955"/>
-            <a:ext cx="8229600" cy="705485"/>
-          </a:xfrm>
-        </p:spPr>
-        <p:txBody>
-          <a:bodyPr vert="horz" wrap="square" lIns="91440" tIns="45720" rIns="91440" bIns="45720" numCol="1" anchor="ctr">
-            <a:prstTxWarp prst="textNoShape">
-              <a:avLst/>
-            </a:prstTxWarp>
-          </a:bodyPr>
-          <a:lstStyle/>
-          <a:p>
-            <a:pPr>
-              <a:defRPr lang="en-us"/>
-            </a:pPr>
-            <a:r>
-              <a:rPr lang="en-au" sz="2800"/>
-              <a:t>Solution Outline</a:t>
-            </a:r>
-            <a:endParaRPr lang="en-au" sz="2800"/>
-          </a:p>
-        </p:txBody>
-      </p:sp>
-      <p:sp>
-        <p:nvSpPr>
-          <p:cNvPr id="3" name="Content Placeholder 2"/>
-          <p:cNvSpPr>
-            <a:spLocks noGrp="1" noChangeArrowheads="1"/>
-            <a:extLst>
-              <a:ext uri="smNativeData">
-                <pr:smNativeData xmlns:pr="smNativeData" val="SMDATA_16_n4i/WxMAAAAlAAAAZAAAAA0AAAAAkAAAAEgAAACQAAAASAAAAAAAAAAAAAAAAAAAAAEAAABQAAAAAAAAAAAA4D8AAAAAAADgPwAAAAAAAOA/AAAAAAAA4D8AAAAAAADgPwAAAAAAAOA/AAAAAAAA4D8AAAAAAADgPwAAAAAAAOA/AAAAAAAA4D8CAAAAjAAAAAAAAAAAAAAAT4G9DP///wgAAAAAAAAAAAAAAAAAAAAAAAAAAAAAAAAAAAAAZAAAAAEAAABAAAAAAAAAAAAAAAAAAAAAAAAAAAAAAAAAAAAAAAAAAAAAAAAAAAAAAAAAAAAAAAAAAAAAAAAAAAAAAAAAAAAAAAAAAAAAAAAAAAAAAAAAAAAAAAAAAAAAFAAAADwAAAAAAAAAAAAAAAAAAAkUAAAAAQAAABQAAAAUAAAAFAAAAAEAAAAAAAAAZAAAAGQAAAAAAAAAZAAAAGQAAAAVAAAAYAAAAAAAAAAAAAAADwAAACADAAAAAAAAAAAAAAEAAACgMgAAVgcAAKr4//8BAAAAf39/AAEAAABkAAAAAAAAABQAAABAHwAAAAAAACYAAAAAAAAAwOD//wAAAAAmAAAAZAAAABYAAABMAAAAAAAAAAAAAAAEAAAAAAAAAAEAAADu7OEKAAAAACgAAAAoAAAAZAAAAGQAAAAAAAAAzMzMAAAAAABQAAAAUAAAAGQAAABkAAAAAAAAABcAAAAUAAAAAAAAAAAAAAD/fwAA/38AAAAAAAAJAAAABAAAACwBAAAMAAAAEAAAAAAAAAAAAAAAAAAAAAAAAAAeAAAAaAAAAAAAAAAAAAAAAAAAAAAAAAAAAAAAECcAABAnAAAAAAAAAAAAAAAAAAAAAAAAAAAAAAAAAAAAAAAAAAAAABQAAAAAAAAAwMD/AAAAAABkAAAAMgAAAAAAAABkAAAAAAAAAH9/fwAKAAAAIgAAABgAAAAAAAAAAAAAAAAAAAAAAAAAAAAAAAAAAAAkAAAAJAAAAAAAAAAHAAAAAAAAAAAAAAAAAAAAAAAAAAAAAAAAAAAAf39/ACUAAABYAAAAAAAAAAAAAAAAAAAAAAAAAAAAAAAAAAAAAAAAAAAAAAAAAAAAAAAAAAAAAAA/AAAAAAAAAKCGAQAAAAAAAAAAAAAAAAAMAAAAAQAAAAAAAAAAAAAAAAAAAB8AAABUAAAAT4G9Bf///wEAAAAAAAAAAAAAAAAAAAAAAAAAAAAAAAAAAAAAAAAAAAAAAAJ/f38A7uzhA8zMzADAwP8Af39/AAAAAAAAAAAAAAAAAAAAAAAAAAAAIQAAABgAAAAUAAAA0AIAANgJAABwNQAAsCUAABAAAAAmAAAACAAAAAAgAAAAAAAA"/>
-              </a:ext>
-            </a:extLst>
-          </p:cNvSpPr>
-          <p:nvPr>
-            <p:ph type="body" idx="1"/>
-          </p:nvPr>
-        </p:nvSpPr>
-        <p:spPr/>
-        <p:txBody>
-          <a:bodyPr vert="horz" wrap="square" lIns="91440" tIns="45720" rIns="91440" bIns="45720" numCol="1" anchor="t">
-            <a:prstTxWarp prst="textNoShape">
-              <a:avLst/>
-            </a:prstTxWarp>
-          </a:bodyPr>
-          <a:lstStyle/>
-          <a:p>
-            <a:pPr>
-              <a:buFontTx/>
-              <a:buAutoNum type="arabicPeriod"/>
-              <a:defRPr lang="en-us"/>
-            </a:pPr>
-            <a:r>
-              <a:rPr lang="en-au" sz="1600"/>
-              <a:t>Short term create a Spring based OAuth2/OpenID security component with minimum custom code. </a:t>
-            </a:r>
-            <a:br/>
-            <a:r>
-              <a:rPr lang="en-au" sz="1600"/>
-              <a:t>Longer term evaluate and stand up a third party IAM that satisfies SRO requirements.</a:t>
-            </a:r>
-            <a:endParaRPr lang="en-au" sz="1600"/>
-          </a:p>
-          <a:p>
-            <a:pPr>
-              <a:buFontTx/>
-              <a:buAutoNum type="arabicPeriod"/>
-              <a:defRPr lang="en-us"/>
-            </a:pPr>
-            <a:r>
-              <a:rPr lang="en-au" sz="1600"/>
-              <a:t>Deploy this component as a separate service that will be remotely accessed from any Java application (client) that requires REST API security</a:t>
-            </a:r>
-            <a:endParaRPr lang="en-au" sz="1600"/>
-          </a:p>
-          <a:p>
-            <a:pPr>
-              <a:buFontTx/>
-              <a:buAutoNum type="arabicPeriod"/>
-              <a:defRPr lang="en-us"/>
-            </a:pPr>
-            <a:r>
-              <a:rPr lang="en-au" sz="1600"/>
-              <a:t>Initially deploy this service on the existing WebSphere cluster, consider microservice architecture style on Tomcat and No-SQL database</a:t>
-            </a:r>
-            <a:endParaRPr lang="en-au" sz="1600"/>
-          </a:p>
-          <a:p>
-            <a:pPr>
-              <a:buFontTx/>
-              <a:buAutoNum type="arabicPeriod"/>
-              <a:defRPr lang="en-us"/>
-            </a:pPr>
-            <a:r>
-              <a:rPr lang="en-au" sz="1600"/>
-              <a:t>Create token store on the existing Oracle database server using the schema from the Spring OAuth2 implementation</a:t>
-            </a:r>
-            <a:endParaRPr lang="en-au" sz="1600"/>
-          </a:p>
-          <a:p>
-            <a:pPr>
-              <a:buFontTx/>
-              <a:buAutoNum type="arabicPeriod"/>
-              <a:defRPr lang="en-us"/>
-            </a:pPr>
-            <a:r>
-              <a:rPr lang="en-au" sz="1600"/>
-              <a:t>Cater for the following authentication methods:</a:t>
-            </a:r>
-            <a:endParaRPr lang="en-au" sz="1600"/>
-          </a:p>
-          <a:p>
-            <a:pPr lvl="1">
-              <a:buFontTx/>
-              <a:buAutoNum type="alphaLcPeriod"/>
-              <a:defRPr lang="en-us"/>
-            </a:pPr>
-            <a:r>
-              <a:rPr lang="en-au" sz="1200"/>
-              <a:t>LDAP</a:t>
-            </a:r>
-            <a:endParaRPr lang="en-au" sz="1200"/>
-          </a:p>
-          <a:p>
-            <a:pPr lvl="1">
-              <a:buFontTx/>
-              <a:buAutoNum type="alphaLcPeriod"/>
-              <a:defRPr lang="en-us"/>
-            </a:pPr>
-            <a:r>
-              <a:rPr lang="en-au" sz="1200"/>
-              <a:t>Custom (this covers esys, myGov and any combination of the above)</a:t>
-            </a:r>
-            <a:endParaRPr lang="en-au" sz="1200"/>
-          </a:p>
-          <a:p>
-            <a:pPr>
-              <a:buFontTx/>
-              <a:buAutoNum type="arabicPeriod"/>
-              <a:defRPr lang="en-us"/>
-            </a:pPr>
-            <a:r>
-              <a:rPr lang="en-au" sz="1600"/>
-              <a:t>Custom authentication method to be configured as a REST endpoint on the Authentication server and implemented either within the client application or as a separate service</a:t>
-            </a:r>
-            <a:endParaRPr lang="en-au" sz="1600"/>
-          </a:p>
-          <a:p>
-            <a:pPr>
-              <a:buFontTx/>
-              <a:buAutoNum type="arabicPeriod"/>
-              <a:defRPr lang="en-us"/>
-            </a:pPr>
-            <a:r>
-              <a:rPr lang="en-au" sz="1600"/>
-              <a:t>Allow for custom configuration for each client application, including authentication method, authentication server properties, token timeouts etc</a:t>
-            </a:r>
-            <a:endParaRPr lang="en-au" sz="1600"/>
-          </a:p>
-          <a:p>
-            <a:pPr>
-              <a:buFontTx/>
-              <a:buAutoNum type="arabicPeriod"/>
-              <a:defRPr lang="en-us"/>
-            </a:pPr>
-            <a:endParaRPr lang="en-au" sz="1600"/>
-          </a:p>
-        </p:txBody>
-      </p:sp>
-    </p:spTree>
-  </p:cSld>
-  <p:clrMapOvr>
-    <a:masterClrMapping/>
-  </p:clrMapOvr>
-  <p:timing>
-    <p:tnLst>
-      <p:par>
-        <p:cTn id="1" dur="indefinite" restart="never" nodeType="tmRoot"/>
-      </p:par>
-    </p:tnLst>
-  </p:timing>
-</p:sld>
-</file>
-
-<file path=ppt/slides/slide9.xml><?xml version="1.0" encoding="utf-8"?>
-<p:sld xmlns:p="http://schemas.openxmlformats.org/presentationml/2006/main" xmlns:p14="http://schemas.microsoft.com/office/powerpoint/2010/main" xmlns:r="http://schemas.openxmlformats.org/officeDocument/2006/relationships" xmlns:a="http://schemas.openxmlformats.org/drawingml/2006/main">
-  <p:cSld>
-    <p:spTree>
-      <p:nvGrpSpPr>
-        <p:cNvPr id="1" name=""/>
-        <p:cNvGrpSpPr/>
-        <p:nvPr/>
-      </p:nvGrpSpPr>
-      <p:grpSpPr>
-        <a:xfrm>
-          <a:off x="0" y="0"/>
-          <a:ext cx="0" cy="0"/>
-          <a:chOff x="0" y="0"/>
-          <a:chExt cx="0" cy="0"/>
-        </a:xfrm>
-      </p:grpSpPr>
-      <p:sp>
-        <p:nvSpPr>
-          <p:cNvPr id="2" name="Title 1"/>
-          <p:cNvSpPr>
-            <a:spLocks noGrp="1" noChangeArrowheads="1"/>
-            <a:extLst>
-              <a:ext uri="smNativeData">
-                <pr:smNativeData xmlns:pr="smNativeData" val="SMDATA_16_n4i/WxMAAAAlAAAAZAAAAA0AAAAAkAAAAEgAAACQAAAASAAAAAAAAAABAAAAAAAAAAEAAABQAAAAAAAAAAAA4D8AAAAAAADgPwAAAAAAAOA/AAAAAAAA4D8AAAAAAADgPwAAAAAAAOA/AAAAAAAA4D8AAAAAAADgPwAAAAAAAOA/AAAAAAAA4D8CAAAAjAAAAAAAAAAAAAAAT4G9DP///wgAAAAAAAAAAAAAAAAAAAAAAAAAAAAAAAAAAAAAZAAAAAEAAABAAAAAAAAAAAAAAAAAAAAAAAAAAAAAAAAAAAAAAAAAAAAAAAAAAAAAAAAAAAAAAAAAAAAAAAAAAAAAAAAAAAAAAAAAAAAAAAAAAAAAAAAAAAAAAAAAAAAAFAAAADwAAAAAAAAAAAAAAAAAAAkUAAAAAQAAABQAAAAUAAAAFAAAAAEAAAAAAAAAZAAAAGQAAAAAAAAAZAAAAGQAAAAVAAAAYAAAAAAAAAAAAAAADwAAACADAAAAAAAAAAAAAAEAAACgMgAAVgcAAKr4//8BAAAAf39/AAEAAABkAAAAAAAAABQAAABAHwAAAAAAACYAAAAAAAAAwOD//wAAAAAmAAAAZAAAABYAAABMAAAAAAAAAAAAAAAEAAAAAAAAAAEAAADu7OEKAAAAACgAAAAoAAAAZAAAAGQAAAAAAAAAzMzMAAAAAABQAAAAUAAAAGQAAABkAAAAAAAAABcAAAAUAAAAAAAAAAAAAAD/fwAA/38AAAAAAAAJAAAABAAAAAAAAAAMAAAAEAAAAAAAAAAAAAAAAAAAAAAAAAAeAAAAaAAAAAAAAAAAAAAAAAAAAAAAAAAAAAAAECcAABAnAAAAAAAAAAAAAAAAAAAAAAAAAAAAAAAAAAAAAAAAAAAAABQAAAAAAAAAwMD/AAAAAABkAAAAMgAAAAAAAABkAAAAAAAAAH9/fwAKAAAAIgAAABgAAAAAAAAAAAAAAAAAAAAAAAAAAAAAAAAAAAAkAAAAJAAAAAAAAAAHAAAAAAAAAAAAAAAAAAAAAAAAAAAAAAAAAAAAf39/ACUAAABYAAAAAAAAAAAAAAAAAAAAAAAAAAAAAAAAAAAAAAAAAAAAAAAAAAAAAAAAAAAAAAA/AAAAAAAAAKCGAQAAAAAAAAAAAAAAAAAMAAAAAQAAAAAAAAAAAAAAAAAAAB8AAABUAAAAT4G9Bf///wEAAAAAAAAAAAAAAAAAAAAAAAAAAAAAAAAAAAAAAAAAAAAAAAJ/f38A7uzhA8zMzADAwP8Af39/AAAAAAAAAAAAAAAAAAAAAAAAAAAAIQAAABgAAAAUAAAA0AIAALEBAABwNQAACAYAABAAAAAmAAAACAAAAAEgAAAAAAAA"/>
-              </a:ext>
-            </a:extLst>
-          </p:cNvSpPr>
-          <p:nvPr>
-            <p:ph type="title"/>
-          </p:nvPr>
-        </p:nvSpPr>
-        <p:spPr>
-          <a:xfrm>
-            <a:off x="457200" y="274955"/>
-            <a:ext cx="8229600" cy="705485"/>
-          </a:xfrm>
-        </p:spPr>
-        <p:txBody>
-          <a:bodyPr vert="horz" wrap="square" lIns="91440" tIns="45720" rIns="91440" bIns="45720" numCol="1" anchor="ctr">
-            <a:prstTxWarp prst="textNoShape">
-              <a:avLst/>
-            </a:prstTxWarp>
-          </a:bodyPr>
-          <a:lstStyle/>
-          <a:p>
-            <a:pPr>
-              <a:defRPr lang="en-us"/>
-            </a:pPr>
-            <a:r>
-              <a:rPr lang="en-au" sz="2800"/>
-              <a:t>Solution Outline – Context</a:t>
-            </a:r>
-            <a:endParaRPr lang="en-au" sz="2800"/>
-          </a:p>
-        </p:txBody>
-      </p:sp>
-      <p:sp>
-        <p:nvSpPr>
-          <p:cNvPr id="3" name="Content Placeholder 2"/>
-          <p:cNvSpPr>
-            <a:spLocks noGrp="1" noChangeArrowheads="1"/>
-            <a:extLst>
-              <a:ext uri="smNativeData">
-                <pr:smNativeData xmlns:pr="smNativeData" val="SMDATA_16_n4i/WxMAAAAlAAAAZAAAAA0AAAAAkAAAAEgAAACQAAAASAAAAAAAAAAAAAAAAAAAAAEAAABQAAAAAAAAAAAA4D8AAAAAAADgPwAAAAAAAOA/AAAAAAAA4D8AAAAAAADgPwAAAAAAAOA/AAAAAAAA4D8AAAAAAADgPwAAAAAAAOA/AAAAAAAA4D8CAAAAjAAAAAAAAAAAAAAAT4G9DP///wgAAAAAAAAAAAAAAAAAAAAAAAAAAAAAAAAAAAAAZAAAAAEAAABAAAAAAAAAAAAAAAAAAAAAAAAAAAAAAAAAAAAAAAAAAAAAAAAAAAAAAAAAAAAAAAAAAAAAAAAAAAAAAAAAAAAAAAAAAAAAAAAAAAAAAAAAAAAAAAAAAAAAFAAAADwAAAAAAAAAAAAAAAAAAAkUAAAAAQAAABQAAAAUAAAAFAAAAAEAAAAAAAAAZAAAAGQAAAAAAAAAZAAAAGQAAAAVAAAAYAAAAAAAAAAAAAAADwAAACADAAAAAAAAAAAAAAEAAACgMgAAVgcAAKr4//8BAAAAf39/AAEAAABkAAAAAAAAABQAAABAHwAAAAAAACYAAAAAAAAAwOD//wAAAAAmAAAAZAAAABYAAABMAAAAAAAAAAAAAAAEAAAAAAAAAAEAAADu7OEKAAAAACgAAAAoAAAAZAAAAGQAAAAAAAAAzMzMAAAAAABQAAAAUAAAAGQAAABkAAAAAAAAABcAAAAUAAAAAAAAAAAAAAD/fwAA/38AAAAAAAAJAAAABAAAAAAAAAAMAAAAEAAAAAAAAAAAAAAAAAAAAAAAAAAeAAAAaAAAAAAAAAAAAAAAAAAAAAAAAAAAAAAAECcAABAnAAAAAAAAAAAAAAAAAAAAAAAAAAAAAAAAAAAAAAAAAAAAABQAAAAAAAAAwMD/AAAAAABkAAAAMgAAAAAAAABkAAAAAAAAAH9/fwAKAAAAIgAAABgAAAAAAAAAAAAAAAAAAAAAAAAAAAAAAAAAAAAkAAAAJAAAAAAAAAAHAAAAAAAAAAAAAAAAAAAAAAAAAAAAAAAAAAAAf39/ACUAAABYAAAAAAAAAAAAAAAAAAAAAAAAAAAAAAAAAAAAAAAAAAAAAAAAAAAAAAAAAAAAAAA/AAAAAAAAAKCGAQAAAAAAAAAAAAAAAAAMAAAAAQAAAAAAAAAAAAAAAAAAAB8AAABUAAAAT4G9Bf///wEAAAAAAAAAAAAAAAAAAAAAAAAAAAAAAAAAAAAAAAAAAAAAAAJ/f38A7uzhA8zMzADAwP8Af39/AAAAAAAAAAAAAAAAAAAAAAAAAAAAIQAAABgAAAAUAAAA0AIAANgJAABwNQAAsCUAABAAAAAmAAAACAAAAAAgAAAAAAAA"/>
-              </a:ext>
-            </a:extLst>
-          </p:cNvSpPr>
-          <p:nvPr>
-            <p:ph type="body" idx="1"/>
-          </p:nvPr>
-        </p:nvSpPr>
-        <p:spPr/>
-        <p:txBody>
-          <a:bodyPr vert="horz" wrap="square" lIns="91440" tIns="45720" rIns="91440" bIns="45720" numCol="1" anchor="t">
-            <a:prstTxWarp prst="textNoShape">
-              <a:avLst/>
-            </a:prstTxWarp>
-          </a:bodyPr>
-          <a:lstStyle/>
-          <a:p>
-            <a:pPr>
-              <a:buFontTx/>
-              <a:buAutoNum type="arabicPeriod"/>
-              <a:defRPr lang="en-us"/>
-            </a:pPr>
-          </a:p>
-        </p:txBody>
-      </p:sp>
     </p:spTree>
   </p:cSld>
   <p:clrMapOvr>
